--- a/Elisa-3_presentation.pptx
+++ b/Elisa-3_presentation.pptx
@@ -4,9 +4,25 @@
   <p:sldMasterIdLst>
     <p:sldMasterId id="2147483667" r:id="rId1"/>
   </p:sldMasterIdLst>
+  <p:notesMasterIdLst>
+    <p:notesMasterId r:id="rId17"/>
+  </p:notesMasterIdLst>
   <p:sldIdLst>
     <p:sldId id="256" r:id="rId2"/>
     <p:sldId id="257" r:id="rId3"/>
+    <p:sldId id="259" r:id="rId4"/>
+    <p:sldId id="262" r:id="rId5"/>
+    <p:sldId id="260" r:id="rId6"/>
+    <p:sldId id="270" r:id="rId7"/>
+    <p:sldId id="263" r:id="rId8"/>
+    <p:sldId id="271" r:id="rId9"/>
+    <p:sldId id="272" r:id="rId10"/>
+    <p:sldId id="264" r:id="rId11"/>
+    <p:sldId id="269" r:id="rId12"/>
+    <p:sldId id="267" r:id="rId13"/>
+    <p:sldId id="265" r:id="rId14"/>
+    <p:sldId id="261" r:id="rId15"/>
+    <p:sldId id="268" r:id="rId16"/>
   </p:sldIdLst>
   <p:sldSz cx="12192000" cy="6858000"/>
   <p:notesSz cx="6858000" cy="9144000"/>
@@ -105,7 +121,1506 @@
       </a:defRPr>
     </a:lvl9pPr>
   </p:defaultTextStyle>
+  <p:extLst>
+    <p:ext uri="{EFAFB233-063F-42B5-8137-9DF3F51BA10A}">
+      <p15:sldGuideLst xmlns:p15="http://schemas.microsoft.com/office/powerpoint/2012/main"/>
+    </p:ext>
+  </p:extLst>
 </p:presentation>
+</file>
+
+<file path=ppt/notesMasters/notesMaster1.xml><?xml version="1.0" encoding="utf-8"?>
+<p:notesMaster xmlns:a="http://schemas.openxmlformats.org/drawingml/2006/main" xmlns:r="http://schemas.openxmlformats.org/officeDocument/2006/relationships" xmlns:p="http://schemas.openxmlformats.org/presentationml/2006/main">
+  <p:cSld>
+    <p:bg>
+      <p:bgRef idx="1001">
+        <a:schemeClr val="bg1"/>
+      </p:bgRef>
+    </p:bg>
+    <p:spTree>
+      <p:nvGrpSpPr>
+        <p:cNvPr id="1" name=""/>
+        <p:cNvGrpSpPr/>
+        <p:nvPr/>
+      </p:nvGrpSpPr>
+      <p:grpSpPr>
+        <a:xfrm>
+          <a:off x="0" y="0"/>
+          <a:ext cx="0" cy="0"/>
+          <a:chOff x="0" y="0"/>
+          <a:chExt cx="0" cy="0"/>
+        </a:xfrm>
+      </p:grpSpPr>
+      <p:sp>
+        <p:nvSpPr>
+          <p:cNvPr id="2" name="Espace réservé de l'en-tête 1"/>
+          <p:cNvSpPr>
+            <a:spLocks noGrp="1"/>
+          </p:cNvSpPr>
+          <p:nvPr>
+            <p:ph type="hdr" sz="quarter"/>
+          </p:nvPr>
+        </p:nvSpPr>
+        <p:spPr>
+          <a:xfrm>
+            <a:off x="0" y="0"/>
+            <a:ext cx="2971800" cy="458788"/>
+          </a:xfrm>
+          <a:prstGeom prst="rect">
+            <a:avLst/>
+          </a:prstGeom>
+        </p:spPr>
+        <p:txBody>
+          <a:bodyPr vert="horz" lIns="91440" tIns="45720" rIns="91440" bIns="45720" rtlCol="0"/>
+          <a:lstStyle>
+            <a:lvl1pPr algn="l">
+              <a:defRPr sz="1200"/>
+            </a:lvl1pPr>
+          </a:lstStyle>
+          <a:p>
+            <a:endParaRPr lang="fr-CH"/>
+          </a:p>
+        </p:txBody>
+      </p:sp>
+      <p:sp>
+        <p:nvSpPr>
+          <p:cNvPr id="3" name="Espace réservé de la date 2"/>
+          <p:cNvSpPr>
+            <a:spLocks noGrp="1"/>
+          </p:cNvSpPr>
+          <p:nvPr>
+            <p:ph type="dt" idx="1"/>
+          </p:nvPr>
+        </p:nvSpPr>
+        <p:spPr>
+          <a:xfrm>
+            <a:off x="3884613" y="0"/>
+            <a:ext cx="2971800" cy="458788"/>
+          </a:xfrm>
+          <a:prstGeom prst="rect">
+            <a:avLst/>
+          </a:prstGeom>
+        </p:spPr>
+        <p:txBody>
+          <a:bodyPr vert="horz" lIns="91440" tIns="45720" rIns="91440" bIns="45720" rtlCol="0"/>
+          <a:lstStyle>
+            <a:lvl1pPr algn="r">
+              <a:defRPr sz="1200"/>
+            </a:lvl1pPr>
+          </a:lstStyle>
+          <a:p>
+            <a:fld id="{1BA5EFF8-06A0-4227-9914-FD8EBA711F63}" type="datetimeFigureOut">
+              <a:rPr lang="fr-CH" smtClean="0"/>
+              <a:t>11.06.2015</a:t>
+            </a:fld>
+            <a:endParaRPr lang="fr-CH"/>
+          </a:p>
+        </p:txBody>
+      </p:sp>
+      <p:sp>
+        <p:nvSpPr>
+          <p:cNvPr id="4" name="Espace réservé de l'image des diapositives 3"/>
+          <p:cNvSpPr>
+            <a:spLocks noGrp="1" noRot="1" noChangeAspect="1"/>
+          </p:cNvSpPr>
+          <p:nvPr>
+            <p:ph type="sldImg" idx="2"/>
+          </p:nvPr>
+        </p:nvSpPr>
+        <p:spPr>
+          <a:xfrm>
+            <a:off x="685800" y="1143000"/>
+            <a:ext cx="5486400" cy="3086100"/>
+          </a:xfrm>
+          <a:prstGeom prst="rect">
+            <a:avLst/>
+          </a:prstGeom>
+          <a:noFill/>
+          <a:ln w="12700">
+            <a:solidFill>
+              <a:prstClr val="black"/>
+            </a:solidFill>
+          </a:ln>
+        </p:spPr>
+        <p:txBody>
+          <a:bodyPr vert="horz" lIns="91440" tIns="45720" rIns="91440" bIns="45720" rtlCol="0" anchor="ctr"/>
+          <a:lstStyle/>
+          <a:p>
+            <a:endParaRPr lang="fr-CH"/>
+          </a:p>
+        </p:txBody>
+      </p:sp>
+      <p:sp>
+        <p:nvSpPr>
+          <p:cNvPr id="5" name="Espace réservé des commentaires 4"/>
+          <p:cNvSpPr>
+            <a:spLocks noGrp="1"/>
+          </p:cNvSpPr>
+          <p:nvPr>
+            <p:ph type="body" sz="quarter" idx="3"/>
+          </p:nvPr>
+        </p:nvSpPr>
+        <p:spPr>
+          <a:xfrm>
+            <a:off x="685800" y="4400550"/>
+            <a:ext cx="5486400" cy="3600450"/>
+          </a:xfrm>
+          <a:prstGeom prst="rect">
+            <a:avLst/>
+          </a:prstGeom>
+        </p:spPr>
+        <p:txBody>
+          <a:bodyPr vert="horz" lIns="91440" tIns="45720" rIns="91440" bIns="45720" rtlCol="0"/>
+          <a:lstStyle/>
+          <a:p>
+            <a:pPr lvl="0"/>
+            <a:r>
+              <a:rPr lang="fr-FR" smtClean="0"/>
+              <a:t>Modifiez les styles du texte du masque</a:t>
+            </a:r>
+          </a:p>
+          <a:p>
+            <a:pPr lvl="1"/>
+            <a:r>
+              <a:rPr lang="fr-FR" smtClean="0"/>
+              <a:t>Deuxième niveau</a:t>
+            </a:r>
+          </a:p>
+          <a:p>
+            <a:pPr lvl="2"/>
+            <a:r>
+              <a:rPr lang="fr-FR" smtClean="0"/>
+              <a:t>Troisième niveau</a:t>
+            </a:r>
+          </a:p>
+          <a:p>
+            <a:pPr lvl="3"/>
+            <a:r>
+              <a:rPr lang="fr-FR" smtClean="0"/>
+              <a:t>Quatrième niveau</a:t>
+            </a:r>
+          </a:p>
+          <a:p>
+            <a:pPr lvl="4"/>
+            <a:r>
+              <a:rPr lang="fr-FR" smtClean="0"/>
+              <a:t>Cinquième niveau</a:t>
+            </a:r>
+            <a:endParaRPr lang="fr-CH"/>
+          </a:p>
+        </p:txBody>
+      </p:sp>
+      <p:sp>
+        <p:nvSpPr>
+          <p:cNvPr id="6" name="Espace réservé du pied de page 5"/>
+          <p:cNvSpPr>
+            <a:spLocks noGrp="1"/>
+          </p:cNvSpPr>
+          <p:nvPr>
+            <p:ph type="ftr" sz="quarter" idx="4"/>
+          </p:nvPr>
+        </p:nvSpPr>
+        <p:spPr>
+          <a:xfrm>
+            <a:off x="0" y="8685213"/>
+            <a:ext cx="2971800" cy="458787"/>
+          </a:xfrm>
+          <a:prstGeom prst="rect">
+            <a:avLst/>
+          </a:prstGeom>
+        </p:spPr>
+        <p:txBody>
+          <a:bodyPr vert="horz" lIns="91440" tIns="45720" rIns="91440" bIns="45720" rtlCol="0" anchor="b"/>
+          <a:lstStyle>
+            <a:lvl1pPr algn="l">
+              <a:defRPr sz="1200"/>
+            </a:lvl1pPr>
+          </a:lstStyle>
+          <a:p>
+            <a:endParaRPr lang="fr-CH"/>
+          </a:p>
+        </p:txBody>
+      </p:sp>
+      <p:sp>
+        <p:nvSpPr>
+          <p:cNvPr id="7" name="Espace réservé du numéro de diapositive 6"/>
+          <p:cNvSpPr>
+            <a:spLocks noGrp="1"/>
+          </p:cNvSpPr>
+          <p:nvPr>
+            <p:ph type="sldNum" sz="quarter" idx="5"/>
+          </p:nvPr>
+        </p:nvSpPr>
+        <p:spPr>
+          <a:xfrm>
+            <a:off x="3884613" y="8685213"/>
+            <a:ext cx="2971800" cy="458787"/>
+          </a:xfrm>
+          <a:prstGeom prst="rect">
+            <a:avLst/>
+          </a:prstGeom>
+        </p:spPr>
+        <p:txBody>
+          <a:bodyPr vert="horz" lIns="91440" tIns="45720" rIns="91440" bIns="45720" rtlCol="0" anchor="b"/>
+          <a:lstStyle>
+            <a:lvl1pPr algn="r">
+              <a:defRPr sz="1200"/>
+            </a:lvl1pPr>
+          </a:lstStyle>
+          <a:p>
+            <a:fld id="{D2342ED9-9AD2-4080-9043-7045960B13BE}" type="slidenum">
+              <a:rPr lang="fr-CH" smtClean="0"/>
+              <a:t>‹N°›</a:t>
+            </a:fld>
+            <a:endParaRPr lang="fr-CH"/>
+          </a:p>
+        </p:txBody>
+      </p:sp>
+    </p:spTree>
+    <p:extLst>
+      <p:ext uri="{BB962C8B-B14F-4D97-AF65-F5344CB8AC3E}">
+        <p14:creationId xmlns:p14="http://schemas.microsoft.com/office/powerpoint/2010/main" val="602793731"/>
+      </p:ext>
+    </p:extLst>
+  </p:cSld>
+  <p:clrMap bg1="lt1" tx1="dk1" bg2="lt2" tx2="dk2" accent1="accent1" accent2="accent2" accent3="accent3" accent4="accent4" accent5="accent5" accent6="accent6" hlink="hlink" folHlink="folHlink"/>
+  <p:notesStyle>
+    <a:lvl1pPr marL="0" algn="l" defTabSz="914400" rtl="0" eaLnBrk="1" latinLnBrk="0" hangingPunct="1">
+      <a:defRPr sz="1200" kern="1200">
+        <a:solidFill>
+          <a:schemeClr val="tx1"/>
+        </a:solidFill>
+        <a:latin typeface="+mn-lt"/>
+        <a:ea typeface="+mn-ea"/>
+        <a:cs typeface="+mn-cs"/>
+      </a:defRPr>
+    </a:lvl1pPr>
+    <a:lvl2pPr marL="457200" algn="l" defTabSz="914400" rtl="0" eaLnBrk="1" latinLnBrk="0" hangingPunct="1">
+      <a:defRPr sz="1200" kern="1200">
+        <a:solidFill>
+          <a:schemeClr val="tx1"/>
+        </a:solidFill>
+        <a:latin typeface="+mn-lt"/>
+        <a:ea typeface="+mn-ea"/>
+        <a:cs typeface="+mn-cs"/>
+      </a:defRPr>
+    </a:lvl2pPr>
+    <a:lvl3pPr marL="914400" algn="l" defTabSz="914400" rtl="0" eaLnBrk="1" latinLnBrk="0" hangingPunct="1">
+      <a:defRPr sz="1200" kern="1200">
+        <a:solidFill>
+          <a:schemeClr val="tx1"/>
+        </a:solidFill>
+        <a:latin typeface="+mn-lt"/>
+        <a:ea typeface="+mn-ea"/>
+        <a:cs typeface="+mn-cs"/>
+      </a:defRPr>
+    </a:lvl3pPr>
+    <a:lvl4pPr marL="1371600" algn="l" defTabSz="914400" rtl="0" eaLnBrk="1" latinLnBrk="0" hangingPunct="1">
+      <a:defRPr sz="1200" kern="1200">
+        <a:solidFill>
+          <a:schemeClr val="tx1"/>
+        </a:solidFill>
+        <a:latin typeface="+mn-lt"/>
+        <a:ea typeface="+mn-ea"/>
+        <a:cs typeface="+mn-cs"/>
+      </a:defRPr>
+    </a:lvl4pPr>
+    <a:lvl5pPr marL="1828800" algn="l" defTabSz="914400" rtl="0" eaLnBrk="1" latinLnBrk="0" hangingPunct="1">
+      <a:defRPr sz="1200" kern="1200">
+        <a:solidFill>
+          <a:schemeClr val="tx1"/>
+        </a:solidFill>
+        <a:latin typeface="+mn-lt"/>
+        <a:ea typeface="+mn-ea"/>
+        <a:cs typeface="+mn-cs"/>
+      </a:defRPr>
+    </a:lvl5pPr>
+    <a:lvl6pPr marL="2286000" algn="l" defTabSz="914400" rtl="0" eaLnBrk="1" latinLnBrk="0" hangingPunct="1">
+      <a:defRPr sz="1200" kern="1200">
+        <a:solidFill>
+          <a:schemeClr val="tx1"/>
+        </a:solidFill>
+        <a:latin typeface="+mn-lt"/>
+        <a:ea typeface="+mn-ea"/>
+        <a:cs typeface="+mn-cs"/>
+      </a:defRPr>
+    </a:lvl6pPr>
+    <a:lvl7pPr marL="2743200" algn="l" defTabSz="914400" rtl="0" eaLnBrk="1" latinLnBrk="0" hangingPunct="1">
+      <a:defRPr sz="1200" kern="1200">
+        <a:solidFill>
+          <a:schemeClr val="tx1"/>
+        </a:solidFill>
+        <a:latin typeface="+mn-lt"/>
+        <a:ea typeface="+mn-ea"/>
+        <a:cs typeface="+mn-cs"/>
+      </a:defRPr>
+    </a:lvl7pPr>
+    <a:lvl8pPr marL="3200400" algn="l" defTabSz="914400" rtl="0" eaLnBrk="1" latinLnBrk="0" hangingPunct="1">
+      <a:defRPr sz="1200" kern="1200">
+        <a:solidFill>
+          <a:schemeClr val="tx1"/>
+        </a:solidFill>
+        <a:latin typeface="+mn-lt"/>
+        <a:ea typeface="+mn-ea"/>
+        <a:cs typeface="+mn-cs"/>
+      </a:defRPr>
+    </a:lvl8pPr>
+    <a:lvl9pPr marL="3657600" algn="l" defTabSz="914400" rtl="0" eaLnBrk="1" latinLnBrk="0" hangingPunct="1">
+      <a:defRPr sz="1200" kern="1200">
+        <a:solidFill>
+          <a:schemeClr val="tx1"/>
+        </a:solidFill>
+        <a:latin typeface="+mn-lt"/>
+        <a:ea typeface="+mn-ea"/>
+        <a:cs typeface="+mn-cs"/>
+      </a:defRPr>
+    </a:lvl9pPr>
+  </p:notesStyle>
+</p:notesMaster>
+</file>
+
+<file path=ppt/notesSlides/notesSlide1.xml><?xml version="1.0" encoding="utf-8"?>
+<p:notes xmlns:a="http://schemas.openxmlformats.org/drawingml/2006/main" xmlns:r="http://schemas.openxmlformats.org/officeDocument/2006/relationships" xmlns:p="http://schemas.openxmlformats.org/presentationml/2006/main">
+  <p:cSld>
+    <p:spTree>
+      <p:nvGrpSpPr>
+        <p:cNvPr id="1" name=""/>
+        <p:cNvGrpSpPr/>
+        <p:nvPr/>
+      </p:nvGrpSpPr>
+      <p:grpSpPr>
+        <a:xfrm>
+          <a:off x="0" y="0"/>
+          <a:ext cx="0" cy="0"/>
+          <a:chOff x="0" y="0"/>
+          <a:chExt cx="0" cy="0"/>
+        </a:xfrm>
+      </p:grpSpPr>
+      <p:sp>
+        <p:nvSpPr>
+          <p:cNvPr id="2" name="Espace réservé de l'image des diapositives 1"/>
+          <p:cNvSpPr>
+            <a:spLocks noGrp="1" noRot="1" noChangeAspect="1"/>
+          </p:cNvSpPr>
+          <p:nvPr>
+            <p:ph type="sldImg"/>
+          </p:nvPr>
+        </p:nvSpPr>
+        <p:spPr/>
+      </p:sp>
+      <p:sp>
+        <p:nvSpPr>
+          <p:cNvPr id="3" name="Espace réservé des commentaires 2"/>
+          <p:cNvSpPr>
+            <a:spLocks noGrp="1"/>
+          </p:cNvSpPr>
+          <p:nvPr>
+            <p:ph type="body" idx="1"/>
+          </p:nvPr>
+        </p:nvSpPr>
+        <p:spPr/>
+        <p:txBody>
+          <a:bodyPr/>
+          <a:lstStyle/>
+          <a:p>
+            <a:r>
+              <a:rPr lang="fr-CH" dirty="0" err="1" smtClean="0"/>
+              <a:t>Auri</a:t>
+            </a:r>
+            <a:endParaRPr lang="fr-CH" dirty="0"/>
+          </a:p>
+        </p:txBody>
+      </p:sp>
+      <p:sp>
+        <p:nvSpPr>
+          <p:cNvPr id="4" name="Espace réservé du numéro de diapositive 3"/>
+          <p:cNvSpPr>
+            <a:spLocks noGrp="1"/>
+          </p:cNvSpPr>
+          <p:nvPr>
+            <p:ph type="sldNum" sz="quarter" idx="10"/>
+          </p:nvPr>
+        </p:nvSpPr>
+        <p:spPr/>
+        <p:txBody>
+          <a:bodyPr/>
+          <a:lstStyle/>
+          <a:p>
+            <a:fld id="{D2342ED9-9AD2-4080-9043-7045960B13BE}" type="slidenum">
+              <a:rPr lang="fr-CH" smtClean="0"/>
+              <a:t>1</a:t>
+            </a:fld>
+            <a:endParaRPr lang="fr-CH"/>
+          </a:p>
+        </p:txBody>
+      </p:sp>
+    </p:spTree>
+    <p:extLst>
+      <p:ext uri="{BB962C8B-B14F-4D97-AF65-F5344CB8AC3E}">
+        <p14:creationId xmlns:p14="http://schemas.microsoft.com/office/powerpoint/2010/main" val="3340338991"/>
+      </p:ext>
+    </p:extLst>
+  </p:cSld>
+  <p:clrMapOvr>
+    <a:masterClrMapping/>
+  </p:clrMapOvr>
+</p:notes>
+</file>
+
+<file path=ppt/notesSlides/notesSlide10.xml><?xml version="1.0" encoding="utf-8"?>
+<p:notes xmlns:a="http://schemas.openxmlformats.org/drawingml/2006/main" xmlns:r="http://schemas.openxmlformats.org/officeDocument/2006/relationships" xmlns:p="http://schemas.openxmlformats.org/presentationml/2006/main">
+  <p:cSld>
+    <p:spTree>
+      <p:nvGrpSpPr>
+        <p:cNvPr id="1" name=""/>
+        <p:cNvGrpSpPr/>
+        <p:nvPr/>
+      </p:nvGrpSpPr>
+      <p:grpSpPr>
+        <a:xfrm>
+          <a:off x="0" y="0"/>
+          <a:ext cx="0" cy="0"/>
+          <a:chOff x="0" y="0"/>
+          <a:chExt cx="0" cy="0"/>
+        </a:xfrm>
+      </p:grpSpPr>
+      <p:sp>
+        <p:nvSpPr>
+          <p:cNvPr id="2" name="Espace réservé de l'image des diapositives 1"/>
+          <p:cNvSpPr>
+            <a:spLocks noGrp="1" noRot="1" noChangeAspect="1"/>
+          </p:cNvSpPr>
+          <p:nvPr>
+            <p:ph type="sldImg"/>
+          </p:nvPr>
+        </p:nvSpPr>
+        <p:spPr/>
+      </p:sp>
+      <p:sp>
+        <p:nvSpPr>
+          <p:cNvPr id="3" name="Espace réservé des commentaires 2"/>
+          <p:cNvSpPr>
+            <a:spLocks noGrp="1"/>
+          </p:cNvSpPr>
+          <p:nvPr>
+            <p:ph type="body" idx="1"/>
+          </p:nvPr>
+        </p:nvSpPr>
+        <p:spPr/>
+        <p:txBody>
+          <a:bodyPr/>
+          <a:lstStyle/>
+          <a:p>
+            <a:r>
+              <a:rPr lang="fr-CH" dirty="0" smtClean="0"/>
+              <a:t>Simone</a:t>
+            </a:r>
+            <a:endParaRPr lang="fr-CH" dirty="0"/>
+          </a:p>
+        </p:txBody>
+      </p:sp>
+      <p:sp>
+        <p:nvSpPr>
+          <p:cNvPr id="4" name="Espace réservé du numéro de diapositive 3"/>
+          <p:cNvSpPr>
+            <a:spLocks noGrp="1"/>
+          </p:cNvSpPr>
+          <p:nvPr>
+            <p:ph type="sldNum" sz="quarter" idx="10"/>
+          </p:nvPr>
+        </p:nvSpPr>
+        <p:spPr/>
+        <p:txBody>
+          <a:bodyPr/>
+          <a:lstStyle/>
+          <a:p>
+            <a:fld id="{D2342ED9-9AD2-4080-9043-7045960B13BE}" type="slidenum">
+              <a:rPr lang="fr-CH" smtClean="0"/>
+              <a:t>10</a:t>
+            </a:fld>
+            <a:endParaRPr lang="fr-CH"/>
+          </a:p>
+        </p:txBody>
+      </p:sp>
+    </p:spTree>
+    <p:extLst>
+      <p:ext uri="{BB962C8B-B14F-4D97-AF65-F5344CB8AC3E}">
+        <p14:creationId xmlns:p14="http://schemas.microsoft.com/office/powerpoint/2010/main" val="3492847540"/>
+      </p:ext>
+    </p:extLst>
+  </p:cSld>
+  <p:clrMapOvr>
+    <a:masterClrMapping/>
+  </p:clrMapOvr>
+</p:notes>
+</file>
+
+<file path=ppt/notesSlides/notesSlide11.xml><?xml version="1.0" encoding="utf-8"?>
+<p:notes xmlns:a="http://schemas.openxmlformats.org/drawingml/2006/main" xmlns:r="http://schemas.openxmlformats.org/officeDocument/2006/relationships" xmlns:p="http://schemas.openxmlformats.org/presentationml/2006/main">
+  <p:cSld>
+    <p:spTree>
+      <p:nvGrpSpPr>
+        <p:cNvPr id="1" name=""/>
+        <p:cNvGrpSpPr/>
+        <p:nvPr/>
+      </p:nvGrpSpPr>
+      <p:grpSpPr>
+        <a:xfrm>
+          <a:off x="0" y="0"/>
+          <a:ext cx="0" cy="0"/>
+          <a:chOff x="0" y="0"/>
+          <a:chExt cx="0" cy="0"/>
+        </a:xfrm>
+      </p:grpSpPr>
+      <p:sp>
+        <p:nvSpPr>
+          <p:cNvPr id="2" name="Espace réservé de l'image des diapositives 1"/>
+          <p:cNvSpPr>
+            <a:spLocks noGrp="1" noRot="1" noChangeAspect="1"/>
+          </p:cNvSpPr>
+          <p:nvPr>
+            <p:ph type="sldImg"/>
+          </p:nvPr>
+        </p:nvSpPr>
+        <p:spPr/>
+      </p:sp>
+      <p:sp>
+        <p:nvSpPr>
+          <p:cNvPr id="3" name="Espace réservé des commentaires 2"/>
+          <p:cNvSpPr>
+            <a:spLocks noGrp="1"/>
+          </p:cNvSpPr>
+          <p:nvPr>
+            <p:ph type="body" idx="1"/>
+          </p:nvPr>
+        </p:nvSpPr>
+        <p:spPr/>
+        <p:txBody>
+          <a:bodyPr/>
+          <a:lstStyle/>
+          <a:p>
+            <a:r>
+              <a:rPr lang="fr-CH" dirty="0" smtClean="0"/>
+              <a:t>Simone</a:t>
+            </a:r>
+            <a:endParaRPr lang="fr-CH" dirty="0"/>
+          </a:p>
+        </p:txBody>
+      </p:sp>
+      <p:sp>
+        <p:nvSpPr>
+          <p:cNvPr id="4" name="Espace réservé du numéro de diapositive 3"/>
+          <p:cNvSpPr>
+            <a:spLocks noGrp="1"/>
+          </p:cNvSpPr>
+          <p:nvPr>
+            <p:ph type="sldNum" sz="quarter" idx="10"/>
+          </p:nvPr>
+        </p:nvSpPr>
+        <p:spPr/>
+        <p:txBody>
+          <a:bodyPr/>
+          <a:lstStyle/>
+          <a:p>
+            <a:fld id="{D2342ED9-9AD2-4080-9043-7045960B13BE}" type="slidenum">
+              <a:rPr lang="fr-CH" smtClean="0"/>
+              <a:t>11</a:t>
+            </a:fld>
+            <a:endParaRPr lang="fr-CH"/>
+          </a:p>
+        </p:txBody>
+      </p:sp>
+    </p:spTree>
+    <p:extLst>
+      <p:ext uri="{BB962C8B-B14F-4D97-AF65-F5344CB8AC3E}">
+        <p14:creationId xmlns:p14="http://schemas.microsoft.com/office/powerpoint/2010/main" val="3303379667"/>
+      </p:ext>
+    </p:extLst>
+  </p:cSld>
+  <p:clrMapOvr>
+    <a:masterClrMapping/>
+  </p:clrMapOvr>
+</p:notes>
+</file>
+
+<file path=ppt/notesSlides/notesSlide12.xml><?xml version="1.0" encoding="utf-8"?>
+<p:notes xmlns:a="http://schemas.openxmlformats.org/drawingml/2006/main" xmlns:r="http://schemas.openxmlformats.org/officeDocument/2006/relationships" xmlns:p="http://schemas.openxmlformats.org/presentationml/2006/main">
+  <p:cSld>
+    <p:spTree>
+      <p:nvGrpSpPr>
+        <p:cNvPr id="1" name=""/>
+        <p:cNvGrpSpPr/>
+        <p:nvPr/>
+      </p:nvGrpSpPr>
+      <p:grpSpPr>
+        <a:xfrm>
+          <a:off x="0" y="0"/>
+          <a:ext cx="0" cy="0"/>
+          <a:chOff x="0" y="0"/>
+          <a:chExt cx="0" cy="0"/>
+        </a:xfrm>
+      </p:grpSpPr>
+      <p:sp>
+        <p:nvSpPr>
+          <p:cNvPr id="2" name="Espace réservé de l'image des diapositives 1"/>
+          <p:cNvSpPr>
+            <a:spLocks noGrp="1" noRot="1" noChangeAspect="1"/>
+          </p:cNvSpPr>
+          <p:nvPr>
+            <p:ph type="sldImg"/>
+          </p:nvPr>
+        </p:nvSpPr>
+        <p:spPr/>
+      </p:sp>
+      <p:sp>
+        <p:nvSpPr>
+          <p:cNvPr id="3" name="Espace réservé des commentaires 2"/>
+          <p:cNvSpPr>
+            <a:spLocks noGrp="1"/>
+          </p:cNvSpPr>
+          <p:nvPr>
+            <p:ph type="body" idx="1"/>
+          </p:nvPr>
+        </p:nvSpPr>
+        <p:spPr/>
+        <p:txBody>
+          <a:bodyPr/>
+          <a:lstStyle/>
+          <a:p>
+            <a:r>
+              <a:rPr lang="fr-CH" dirty="0" smtClean="0"/>
+              <a:t>Simone</a:t>
+            </a:r>
+            <a:endParaRPr lang="fr-CH" dirty="0"/>
+          </a:p>
+        </p:txBody>
+      </p:sp>
+      <p:sp>
+        <p:nvSpPr>
+          <p:cNvPr id="4" name="Espace réservé du numéro de diapositive 3"/>
+          <p:cNvSpPr>
+            <a:spLocks noGrp="1"/>
+          </p:cNvSpPr>
+          <p:nvPr>
+            <p:ph type="sldNum" sz="quarter" idx="10"/>
+          </p:nvPr>
+        </p:nvSpPr>
+        <p:spPr/>
+        <p:txBody>
+          <a:bodyPr/>
+          <a:lstStyle/>
+          <a:p>
+            <a:fld id="{D2342ED9-9AD2-4080-9043-7045960B13BE}" type="slidenum">
+              <a:rPr lang="fr-CH" smtClean="0"/>
+              <a:t>13</a:t>
+            </a:fld>
+            <a:endParaRPr lang="fr-CH"/>
+          </a:p>
+        </p:txBody>
+      </p:sp>
+    </p:spTree>
+    <p:extLst>
+      <p:ext uri="{BB962C8B-B14F-4D97-AF65-F5344CB8AC3E}">
+        <p14:creationId xmlns:p14="http://schemas.microsoft.com/office/powerpoint/2010/main" val="3795962185"/>
+      </p:ext>
+    </p:extLst>
+  </p:cSld>
+  <p:clrMapOvr>
+    <a:masterClrMapping/>
+  </p:clrMapOvr>
+</p:notes>
+</file>
+
+<file path=ppt/notesSlides/notesSlide13.xml><?xml version="1.0" encoding="utf-8"?>
+<p:notes xmlns:a="http://schemas.openxmlformats.org/drawingml/2006/main" xmlns:r="http://schemas.openxmlformats.org/officeDocument/2006/relationships" xmlns:p="http://schemas.openxmlformats.org/presentationml/2006/main">
+  <p:cSld>
+    <p:spTree>
+      <p:nvGrpSpPr>
+        <p:cNvPr id="1" name=""/>
+        <p:cNvGrpSpPr/>
+        <p:nvPr/>
+      </p:nvGrpSpPr>
+      <p:grpSpPr>
+        <a:xfrm>
+          <a:off x="0" y="0"/>
+          <a:ext cx="0" cy="0"/>
+          <a:chOff x="0" y="0"/>
+          <a:chExt cx="0" cy="0"/>
+        </a:xfrm>
+      </p:grpSpPr>
+      <p:sp>
+        <p:nvSpPr>
+          <p:cNvPr id="2" name="Espace réservé de l'image des diapositives 1"/>
+          <p:cNvSpPr>
+            <a:spLocks noGrp="1" noRot="1" noChangeAspect="1"/>
+          </p:cNvSpPr>
+          <p:nvPr>
+            <p:ph type="sldImg"/>
+          </p:nvPr>
+        </p:nvSpPr>
+        <p:spPr/>
+      </p:sp>
+      <p:sp>
+        <p:nvSpPr>
+          <p:cNvPr id="3" name="Espace réservé des commentaires 2"/>
+          <p:cNvSpPr>
+            <a:spLocks noGrp="1"/>
+          </p:cNvSpPr>
+          <p:nvPr>
+            <p:ph type="body" idx="1"/>
+          </p:nvPr>
+        </p:nvSpPr>
+        <p:spPr/>
+        <p:txBody>
+          <a:bodyPr/>
+          <a:lstStyle/>
+          <a:p>
+            <a:r>
+              <a:rPr lang="fr-CH" smtClean="0"/>
+              <a:t>Auri</a:t>
+            </a:r>
+            <a:endParaRPr lang="fr-CH"/>
+          </a:p>
+        </p:txBody>
+      </p:sp>
+      <p:sp>
+        <p:nvSpPr>
+          <p:cNvPr id="4" name="Espace réservé du numéro de diapositive 3"/>
+          <p:cNvSpPr>
+            <a:spLocks noGrp="1"/>
+          </p:cNvSpPr>
+          <p:nvPr>
+            <p:ph type="sldNum" sz="quarter" idx="10"/>
+          </p:nvPr>
+        </p:nvSpPr>
+        <p:spPr/>
+        <p:txBody>
+          <a:bodyPr/>
+          <a:lstStyle/>
+          <a:p>
+            <a:fld id="{D2342ED9-9AD2-4080-9043-7045960B13BE}" type="slidenum">
+              <a:rPr lang="fr-CH" smtClean="0"/>
+              <a:t>14</a:t>
+            </a:fld>
+            <a:endParaRPr lang="fr-CH"/>
+          </a:p>
+        </p:txBody>
+      </p:sp>
+    </p:spTree>
+    <p:extLst>
+      <p:ext uri="{BB962C8B-B14F-4D97-AF65-F5344CB8AC3E}">
+        <p14:creationId xmlns:p14="http://schemas.microsoft.com/office/powerpoint/2010/main" val="3793440872"/>
+      </p:ext>
+    </p:extLst>
+  </p:cSld>
+  <p:clrMapOvr>
+    <a:masterClrMapping/>
+  </p:clrMapOvr>
+</p:notes>
+</file>
+
+<file path=ppt/notesSlides/notesSlide2.xml><?xml version="1.0" encoding="utf-8"?>
+<p:notes xmlns:a="http://schemas.openxmlformats.org/drawingml/2006/main" xmlns:r="http://schemas.openxmlformats.org/officeDocument/2006/relationships" xmlns:p="http://schemas.openxmlformats.org/presentationml/2006/main">
+  <p:cSld>
+    <p:spTree>
+      <p:nvGrpSpPr>
+        <p:cNvPr id="1" name=""/>
+        <p:cNvGrpSpPr/>
+        <p:nvPr/>
+      </p:nvGrpSpPr>
+      <p:grpSpPr>
+        <a:xfrm>
+          <a:off x="0" y="0"/>
+          <a:ext cx="0" cy="0"/>
+          <a:chOff x="0" y="0"/>
+          <a:chExt cx="0" cy="0"/>
+        </a:xfrm>
+      </p:grpSpPr>
+      <p:sp>
+        <p:nvSpPr>
+          <p:cNvPr id="2" name="Espace réservé de l'image des diapositives 1"/>
+          <p:cNvSpPr>
+            <a:spLocks noGrp="1" noRot="1" noChangeAspect="1"/>
+          </p:cNvSpPr>
+          <p:nvPr>
+            <p:ph type="sldImg"/>
+          </p:nvPr>
+        </p:nvSpPr>
+        <p:spPr/>
+      </p:sp>
+      <p:sp>
+        <p:nvSpPr>
+          <p:cNvPr id="3" name="Espace réservé des commentaires 2"/>
+          <p:cNvSpPr>
+            <a:spLocks noGrp="1"/>
+          </p:cNvSpPr>
+          <p:nvPr>
+            <p:ph type="body" idx="1"/>
+          </p:nvPr>
+        </p:nvSpPr>
+        <p:spPr/>
+        <p:txBody>
+          <a:bodyPr/>
+          <a:lstStyle/>
+          <a:p>
+            <a:r>
+              <a:rPr lang="fr-CH" dirty="0" err="1" smtClean="0"/>
+              <a:t>Auri</a:t>
+            </a:r>
+            <a:endParaRPr lang="fr-CH" dirty="0"/>
+          </a:p>
+        </p:txBody>
+      </p:sp>
+      <p:sp>
+        <p:nvSpPr>
+          <p:cNvPr id="4" name="Espace réservé du numéro de diapositive 3"/>
+          <p:cNvSpPr>
+            <a:spLocks noGrp="1"/>
+          </p:cNvSpPr>
+          <p:nvPr>
+            <p:ph type="sldNum" sz="quarter" idx="10"/>
+          </p:nvPr>
+        </p:nvSpPr>
+        <p:spPr/>
+        <p:txBody>
+          <a:bodyPr/>
+          <a:lstStyle/>
+          <a:p>
+            <a:fld id="{D2342ED9-9AD2-4080-9043-7045960B13BE}" type="slidenum">
+              <a:rPr lang="fr-CH" smtClean="0"/>
+              <a:t>2</a:t>
+            </a:fld>
+            <a:endParaRPr lang="fr-CH"/>
+          </a:p>
+        </p:txBody>
+      </p:sp>
+    </p:spTree>
+    <p:extLst>
+      <p:ext uri="{BB962C8B-B14F-4D97-AF65-F5344CB8AC3E}">
+        <p14:creationId xmlns:p14="http://schemas.microsoft.com/office/powerpoint/2010/main" val="116810355"/>
+      </p:ext>
+    </p:extLst>
+  </p:cSld>
+  <p:clrMapOvr>
+    <a:masterClrMapping/>
+  </p:clrMapOvr>
+</p:notes>
+</file>
+
+<file path=ppt/notesSlides/notesSlide3.xml><?xml version="1.0" encoding="utf-8"?>
+<p:notes xmlns:a="http://schemas.openxmlformats.org/drawingml/2006/main" xmlns:r="http://schemas.openxmlformats.org/officeDocument/2006/relationships" xmlns:p="http://schemas.openxmlformats.org/presentationml/2006/main">
+  <p:cSld>
+    <p:spTree>
+      <p:nvGrpSpPr>
+        <p:cNvPr id="1" name=""/>
+        <p:cNvGrpSpPr/>
+        <p:nvPr/>
+      </p:nvGrpSpPr>
+      <p:grpSpPr>
+        <a:xfrm>
+          <a:off x="0" y="0"/>
+          <a:ext cx="0" cy="0"/>
+          <a:chOff x="0" y="0"/>
+          <a:chExt cx="0" cy="0"/>
+        </a:xfrm>
+      </p:grpSpPr>
+      <p:sp>
+        <p:nvSpPr>
+          <p:cNvPr id="2" name="Espace réservé de l'image des diapositives 1"/>
+          <p:cNvSpPr>
+            <a:spLocks noGrp="1" noRot="1" noChangeAspect="1"/>
+          </p:cNvSpPr>
+          <p:nvPr>
+            <p:ph type="sldImg"/>
+          </p:nvPr>
+        </p:nvSpPr>
+        <p:spPr/>
+      </p:sp>
+      <p:sp>
+        <p:nvSpPr>
+          <p:cNvPr id="3" name="Espace réservé des commentaires 2"/>
+          <p:cNvSpPr>
+            <a:spLocks noGrp="1"/>
+          </p:cNvSpPr>
+          <p:nvPr>
+            <p:ph type="body" idx="1"/>
+          </p:nvPr>
+        </p:nvSpPr>
+        <p:spPr/>
+        <p:txBody>
+          <a:bodyPr/>
+          <a:lstStyle/>
+          <a:p>
+            <a:r>
+              <a:rPr lang="fr-CH" dirty="0" smtClean="0"/>
+              <a:t>Arnaud</a:t>
+            </a:r>
+            <a:endParaRPr lang="fr-CH" dirty="0"/>
+          </a:p>
+        </p:txBody>
+      </p:sp>
+      <p:sp>
+        <p:nvSpPr>
+          <p:cNvPr id="4" name="Espace réservé du numéro de diapositive 3"/>
+          <p:cNvSpPr>
+            <a:spLocks noGrp="1"/>
+          </p:cNvSpPr>
+          <p:nvPr>
+            <p:ph type="sldNum" sz="quarter" idx="10"/>
+          </p:nvPr>
+        </p:nvSpPr>
+        <p:spPr/>
+        <p:txBody>
+          <a:bodyPr/>
+          <a:lstStyle/>
+          <a:p>
+            <a:fld id="{D2342ED9-9AD2-4080-9043-7045960B13BE}" type="slidenum">
+              <a:rPr lang="fr-CH" smtClean="0"/>
+              <a:t>3</a:t>
+            </a:fld>
+            <a:endParaRPr lang="fr-CH"/>
+          </a:p>
+        </p:txBody>
+      </p:sp>
+    </p:spTree>
+    <p:extLst>
+      <p:ext uri="{BB962C8B-B14F-4D97-AF65-F5344CB8AC3E}">
+        <p14:creationId xmlns:p14="http://schemas.microsoft.com/office/powerpoint/2010/main" val="369445682"/>
+      </p:ext>
+    </p:extLst>
+  </p:cSld>
+  <p:clrMapOvr>
+    <a:masterClrMapping/>
+  </p:clrMapOvr>
+</p:notes>
+</file>
+
+<file path=ppt/notesSlides/notesSlide4.xml><?xml version="1.0" encoding="utf-8"?>
+<p:notes xmlns:a="http://schemas.openxmlformats.org/drawingml/2006/main" xmlns:r="http://schemas.openxmlformats.org/officeDocument/2006/relationships" xmlns:p="http://schemas.openxmlformats.org/presentationml/2006/main">
+  <p:cSld>
+    <p:spTree>
+      <p:nvGrpSpPr>
+        <p:cNvPr id="1" name=""/>
+        <p:cNvGrpSpPr/>
+        <p:nvPr/>
+      </p:nvGrpSpPr>
+      <p:grpSpPr>
+        <a:xfrm>
+          <a:off x="0" y="0"/>
+          <a:ext cx="0" cy="0"/>
+          <a:chOff x="0" y="0"/>
+          <a:chExt cx="0" cy="0"/>
+        </a:xfrm>
+      </p:grpSpPr>
+      <p:sp>
+        <p:nvSpPr>
+          <p:cNvPr id="2" name="Espace réservé de l'image des diapositives 1"/>
+          <p:cNvSpPr>
+            <a:spLocks noGrp="1" noRot="1" noChangeAspect="1"/>
+          </p:cNvSpPr>
+          <p:nvPr>
+            <p:ph type="sldImg"/>
+          </p:nvPr>
+        </p:nvSpPr>
+        <p:spPr/>
+      </p:sp>
+      <p:sp>
+        <p:nvSpPr>
+          <p:cNvPr id="3" name="Espace réservé des commentaires 2"/>
+          <p:cNvSpPr>
+            <a:spLocks noGrp="1"/>
+          </p:cNvSpPr>
+          <p:nvPr>
+            <p:ph type="body" idx="1"/>
+          </p:nvPr>
+        </p:nvSpPr>
+        <p:spPr/>
+        <p:txBody>
+          <a:bodyPr/>
+          <a:lstStyle/>
+          <a:p>
+            <a:r>
+              <a:rPr lang="fr-CH" dirty="0" smtClean="0"/>
+              <a:t>Arnaud</a:t>
+            </a:r>
+            <a:endParaRPr lang="fr-CH" dirty="0"/>
+          </a:p>
+        </p:txBody>
+      </p:sp>
+      <p:sp>
+        <p:nvSpPr>
+          <p:cNvPr id="4" name="Espace réservé du numéro de diapositive 3"/>
+          <p:cNvSpPr>
+            <a:spLocks noGrp="1"/>
+          </p:cNvSpPr>
+          <p:nvPr>
+            <p:ph type="sldNum" sz="quarter" idx="10"/>
+          </p:nvPr>
+        </p:nvSpPr>
+        <p:spPr/>
+        <p:txBody>
+          <a:bodyPr/>
+          <a:lstStyle/>
+          <a:p>
+            <a:fld id="{D2342ED9-9AD2-4080-9043-7045960B13BE}" type="slidenum">
+              <a:rPr lang="fr-CH" smtClean="0"/>
+              <a:t>4</a:t>
+            </a:fld>
+            <a:endParaRPr lang="fr-CH"/>
+          </a:p>
+        </p:txBody>
+      </p:sp>
+    </p:spTree>
+    <p:extLst>
+      <p:ext uri="{BB962C8B-B14F-4D97-AF65-F5344CB8AC3E}">
+        <p14:creationId xmlns:p14="http://schemas.microsoft.com/office/powerpoint/2010/main" val="1217331279"/>
+      </p:ext>
+    </p:extLst>
+  </p:cSld>
+  <p:clrMapOvr>
+    <a:masterClrMapping/>
+  </p:clrMapOvr>
+</p:notes>
+</file>
+
+<file path=ppt/notesSlides/notesSlide5.xml><?xml version="1.0" encoding="utf-8"?>
+<p:notes xmlns:a="http://schemas.openxmlformats.org/drawingml/2006/main" xmlns:r="http://schemas.openxmlformats.org/officeDocument/2006/relationships" xmlns:p="http://schemas.openxmlformats.org/presentationml/2006/main">
+  <p:cSld>
+    <p:spTree>
+      <p:nvGrpSpPr>
+        <p:cNvPr id="1" name=""/>
+        <p:cNvGrpSpPr/>
+        <p:nvPr/>
+      </p:nvGrpSpPr>
+      <p:grpSpPr>
+        <a:xfrm>
+          <a:off x="0" y="0"/>
+          <a:ext cx="0" cy="0"/>
+          <a:chOff x="0" y="0"/>
+          <a:chExt cx="0" cy="0"/>
+        </a:xfrm>
+      </p:grpSpPr>
+      <p:sp>
+        <p:nvSpPr>
+          <p:cNvPr id="2" name="Espace réservé de l'image des diapositives 1"/>
+          <p:cNvSpPr>
+            <a:spLocks noGrp="1" noRot="1" noChangeAspect="1"/>
+          </p:cNvSpPr>
+          <p:nvPr>
+            <p:ph type="sldImg"/>
+          </p:nvPr>
+        </p:nvSpPr>
+        <p:spPr/>
+      </p:sp>
+      <p:sp>
+        <p:nvSpPr>
+          <p:cNvPr id="3" name="Espace réservé des commentaires 2"/>
+          <p:cNvSpPr>
+            <a:spLocks noGrp="1"/>
+          </p:cNvSpPr>
+          <p:nvPr>
+            <p:ph type="body" idx="1"/>
+          </p:nvPr>
+        </p:nvSpPr>
+        <p:spPr/>
+        <p:txBody>
+          <a:bodyPr/>
+          <a:lstStyle/>
+          <a:p>
+            <a:r>
+              <a:rPr lang="fr-CH" dirty="0" smtClean="0"/>
+              <a:t>Fred</a:t>
+            </a:r>
+            <a:endParaRPr lang="fr-CH" dirty="0"/>
+          </a:p>
+        </p:txBody>
+      </p:sp>
+      <p:sp>
+        <p:nvSpPr>
+          <p:cNvPr id="4" name="Espace réservé du numéro de diapositive 3"/>
+          <p:cNvSpPr>
+            <a:spLocks noGrp="1"/>
+          </p:cNvSpPr>
+          <p:nvPr>
+            <p:ph type="sldNum" sz="quarter" idx="10"/>
+          </p:nvPr>
+        </p:nvSpPr>
+        <p:spPr/>
+        <p:txBody>
+          <a:bodyPr/>
+          <a:lstStyle/>
+          <a:p>
+            <a:fld id="{D2342ED9-9AD2-4080-9043-7045960B13BE}" type="slidenum">
+              <a:rPr lang="fr-CH" smtClean="0"/>
+              <a:t>5</a:t>
+            </a:fld>
+            <a:endParaRPr lang="fr-CH"/>
+          </a:p>
+        </p:txBody>
+      </p:sp>
+    </p:spTree>
+    <p:extLst>
+      <p:ext uri="{BB962C8B-B14F-4D97-AF65-F5344CB8AC3E}">
+        <p14:creationId xmlns:p14="http://schemas.microsoft.com/office/powerpoint/2010/main" val="143257117"/>
+      </p:ext>
+    </p:extLst>
+  </p:cSld>
+  <p:clrMapOvr>
+    <a:masterClrMapping/>
+  </p:clrMapOvr>
+</p:notes>
+</file>
+
+<file path=ppt/notesSlides/notesSlide6.xml><?xml version="1.0" encoding="utf-8"?>
+<p:notes xmlns:a="http://schemas.openxmlformats.org/drawingml/2006/main" xmlns:r="http://schemas.openxmlformats.org/officeDocument/2006/relationships" xmlns:p="http://schemas.openxmlformats.org/presentationml/2006/main">
+  <p:cSld>
+    <p:spTree>
+      <p:nvGrpSpPr>
+        <p:cNvPr id="1" name=""/>
+        <p:cNvGrpSpPr/>
+        <p:nvPr/>
+      </p:nvGrpSpPr>
+      <p:grpSpPr>
+        <a:xfrm>
+          <a:off x="0" y="0"/>
+          <a:ext cx="0" cy="0"/>
+          <a:chOff x="0" y="0"/>
+          <a:chExt cx="0" cy="0"/>
+        </a:xfrm>
+      </p:grpSpPr>
+      <p:sp>
+        <p:nvSpPr>
+          <p:cNvPr id="2" name="Espace réservé de l'image des diapositives 1"/>
+          <p:cNvSpPr>
+            <a:spLocks noGrp="1" noRot="1" noChangeAspect="1"/>
+          </p:cNvSpPr>
+          <p:nvPr>
+            <p:ph type="sldImg"/>
+          </p:nvPr>
+        </p:nvSpPr>
+        <p:spPr/>
+      </p:sp>
+      <p:sp>
+        <p:nvSpPr>
+          <p:cNvPr id="3" name="Espace réservé des commentaires 2"/>
+          <p:cNvSpPr>
+            <a:spLocks noGrp="1"/>
+          </p:cNvSpPr>
+          <p:nvPr>
+            <p:ph type="body" idx="1"/>
+          </p:nvPr>
+        </p:nvSpPr>
+        <p:spPr/>
+        <p:txBody>
+          <a:bodyPr/>
+          <a:lstStyle/>
+          <a:p>
+            <a:r>
+              <a:rPr lang="fr-CH" dirty="0" smtClean="0"/>
+              <a:t>Fred</a:t>
+            </a:r>
+            <a:endParaRPr lang="fr-CH" dirty="0"/>
+          </a:p>
+        </p:txBody>
+      </p:sp>
+      <p:sp>
+        <p:nvSpPr>
+          <p:cNvPr id="4" name="Espace réservé du numéro de diapositive 3"/>
+          <p:cNvSpPr>
+            <a:spLocks noGrp="1"/>
+          </p:cNvSpPr>
+          <p:nvPr>
+            <p:ph type="sldNum" sz="quarter" idx="10"/>
+          </p:nvPr>
+        </p:nvSpPr>
+        <p:spPr/>
+        <p:txBody>
+          <a:bodyPr/>
+          <a:lstStyle/>
+          <a:p>
+            <a:fld id="{D2342ED9-9AD2-4080-9043-7045960B13BE}" type="slidenum">
+              <a:rPr lang="fr-CH" smtClean="0"/>
+              <a:t>6</a:t>
+            </a:fld>
+            <a:endParaRPr lang="fr-CH"/>
+          </a:p>
+        </p:txBody>
+      </p:sp>
+    </p:spTree>
+    <p:extLst>
+      <p:ext uri="{BB962C8B-B14F-4D97-AF65-F5344CB8AC3E}">
+        <p14:creationId xmlns:p14="http://schemas.microsoft.com/office/powerpoint/2010/main" val="1832406926"/>
+      </p:ext>
+    </p:extLst>
+  </p:cSld>
+  <p:clrMapOvr>
+    <a:masterClrMapping/>
+  </p:clrMapOvr>
+</p:notes>
+</file>
+
+<file path=ppt/notesSlides/notesSlide7.xml><?xml version="1.0" encoding="utf-8"?>
+<p:notes xmlns:a="http://schemas.openxmlformats.org/drawingml/2006/main" xmlns:r="http://schemas.openxmlformats.org/officeDocument/2006/relationships" xmlns:p="http://schemas.openxmlformats.org/presentationml/2006/main">
+  <p:cSld>
+    <p:spTree>
+      <p:nvGrpSpPr>
+        <p:cNvPr id="1" name=""/>
+        <p:cNvGrpSpPr/>
+        <p:nvPr/>
+      </p:nvGrpSpPr>
+      <p:grpSpPr>
+        <a:xfrm>
+          <a:off x="0" y="0"/>
+          <a:ext cx="0" cy="0"/>
+          <a:chOff x="0" y="0"/>
+          <a:chExt cx="0" cy="0"/>
+        </a:xfrm>
+      </p:grpSpPr>
+      <p:sp>
+        <p:nvSpPr>
+          <p:cNvPr id="2" name="Espace réservé de l'image des diapositives 1"/>
+          <p:cNvSpPr>
+            <a:spLocks noGrp="1" noRot="1" noChangeAspect="1"/>
+          </p:cNvSpPr>
+          <p:nvPr>
+            <p:ph type="sldImg"/>
+          </p:nvPr>
+        </p:nvSpPr>
+        <p:spPr/>
+      </p:sp>
+      <p:sp>
+        <p:nvSpPr>
+          <p:cNvPr id="3" name="Espace réservé des commentaires 2"/>
+          <p:cNvSpPr>
+            <a:spLocks noGrp="1"/>
+          </p:cNvSpPr>
+          <p:nvPr>
+            <p:ph type="body" idx="1"/>
+          </p:nvPr>
+        </p:nvSpPr>
+        <p:spPr/>
+        <p:txBody>
+          <a:bodyPr/>
+          <a:lstStyle/>
+          <a:p>
+            <a:r>
+              <a:rPr lang="fr-CH" dirty="0" smtClean="0"/>
+              <a:t>Fred</a:t>
+            </a:r>
+            <a:endParaRPr lang="fr-CH" dirty="0"/>
+          </a:p>
+        </p:txBody>
+      </p:sp>
+      <p:sp>
+        <p:nvSpPr>
+          <p:cNvPr id="4" name="Espace réservé du numéro de diapositive 3"/>
+          <p:cNvSpPr>
+            <a:spLocks noGrp="1"/>
+          </p:cNvSpPr>
+          <p:nvPr>
+            <p:ph type="sldNum" sz="quarter" idx="10"/>
+          </p:nvPr>
+        </p:nvSpPr>
+        <p:spPr/>
+        <p:txBody>
+          <a:bodyPr/>
+          <a:lstStyle/>
+          <a:p>
+            <a:fld id="{D2342ED9-9AD2-4080-9043-7045960B13BE}" type="slidenum">
+              <a:rPr lang="fr-CH" smtClean="0"/>
+              <a:t>7</a:t>
+            </a:fld>
+            <a:endParaRPr lang="fr-CH"/>
+          </a:p>
+        </p:txBody>
+      </p:sp>
+    </p:spTree>
+    <p:extLst>
+      <p:ext uri="{BB962C8B-B14F-4D97-AF65-F5344CB8AC3E}">
+        <p14:creationId xmlns:p14="http://schemas.microsoft.com/office/powerpoint/2010/main" val="1782428589"/>
+      </p:ext>
+    </p:extLst>
+  </p:cSld>
+  <p:clrMapOvr>
+    <a:masterClrMapping/>
+  </p:clrMapOvr>
+</p:notes>
+</file>
+
+<file path=ppt/notesSlides/notesSlide8.xml><?xml version="1.0" encoding="utf-8"?>
+<p:notes xmlns:a="http://schemas.openxmlformats.org/drawingml/2006/main" xmlns:r="http://schemas.openxmlformats.org/officeDocument/2006/relationships" xmlns:p="http://schemas.openxmlformats.org/presentationml/2006/main">
+  <p:cSld>
+    <p:spTree>
+      <p:nvGrpSpPr>
+        <p:cNvPr id="1" name=""/>
+        <p:cNvGrpSpPr/>
+        <p:nvPr/>
+      </p:nvGrpSpPr>
+      <p:grpSpPr>
+        <a:xfrm>
+          <a:off x="0" y="0"/>
+          <a:ext cx="0" cy="0"/>
+          <a:chOff x="0" y="0"/>
+          <a:chExt cx="0" cy="0"/>
+        </a:xfrm>
+      </p:grpSpPr>
+      <p:sp>
+        <p:nvSpPr>
+          <p:cNvPr id="2" name="Espace réservé de l'image des diapositives 1"/>
+          <p:cNvSpPr>
+            <a:spLocks noGrp="1" noRot="1" noChangeAspect="1"/>
+          </p:cNvSpPr>
+          <p:nvPr>
+            <p:ph type="sldImg"/>
+          </p:nvPr>
+        </p:nvSpPr>
+        <p:spPr/>
+      </p:sp>
+      <p:sp>
+        <p:nvSpPr>
+          <p:cNvPr id="3" name="Espace réservé des commentaires 2"/>
+          <p:cNvSpPr>
+            <a:spLocks noGrp="1"/>
+          </p:cNvSpPr>
+          <p:nvPr>
+            <p:ph type="body" idx="1"/>
+          </p:nvPr>
+        </p:nvSpPr>
+        <p:spPr/>
+        <p:txBody>
+          <a:bodyPr/>
+          <a:lstStyle/>
+          <a:p>
+            <a:r>
+              <a:rPr lang="fr-CH" dirty="0" smtClean="0"/>
+              <a:t>Fred</a:t>
+            </a:r>
+            <a:endParaRPr lang="fr-CH" dirty="0"/>
+          </a:p>
+        </p:txBody>
+      </p:sp>
+      <p:sp>
+        <p:nvSpPr>
+          <p:cNvPr id="4" name="Espace réservé du numéro de diapositive 3"/>
+          <p:cNvSpPr>
+            <a:spLocks noGrp="1"/>
+          </p:cNvSpPr>
+          <p:nvPr>
+            <p:ph type="sldNum" sz="quarter" idx="10"/>
+          </p:nvPr>
+        </p:nvSpPr>
+        <p:spPr/>
+        <p:txBody>
+          <a:bodyPr/>
+          <a:lstStyle/>
+          <a:p>
+            <a:fld id="{D2342ED9-9AD2-4080-9043-7045960B13BE}" type="slidenum">
+              <a:rPr lang="fr-CH" smtClean="0"/>
+              <a:t>8</a:t>
+            </a:fld>
+            <a:endParaRPr lang="fr-CH"/>
+          </a:p>
+        </p:txBody>
+      </p:sp>
+    </p:spTree>
+    <p:extLst>
+      <p:ext uri="{BB962C8B-B14F-4D97-AF65-F5344CB8AC3E}">
+        <p14:creationId xmlns:p14="http://schemas.microsoft.com/office/powerpoint/2010/main" val="3224220798"/>
+      </p:ext>
+    </p:extLst>
+  </p:cSld>
+  <p:clrMapOvr>
+    <a:masterClrMapping/>
+  </p:clrMapOvr>
+</p:notes>
+</file>
+
+<file path=ppt/notesSlides/notesSlide9.xml><?xml version="1.0" encoding="utf-8"?>
+<p:notes xmlns:a="http://schemas.openxmlformats.org/drawingml/2006/main" xmlns:r="http://schemas.openxmlformats.org/officeDocument/2006/relationships" xmlns:p="http://schemas.openxmlformats.org/presentationml/2006/main">
+  <p:cSld>
+    <p:spTree>
+      <p:nvGrpSpPr>
+        <p:cNvPr id="1" name=""/>
+        <p:cNvGrpSpPr/>
+        <p:nvPr/>
+      </p:nvGrpSpPr>
+      <p:grpSpPr>
+        <a:xfrm>
+          <a:off x="0" y="0"/>
+          <a:ext cx="0" cy="0"/>
+          <a:chOff x="0" y="0"/>
+          <a:chExt cx="0" cy="0"/>
+        </a:xfrm>
+      </p:grpSpPr>
+      <p:sp>
+        <p:nvSpPr>
+          <p:cNvPr id="2" name="Espace réservé de l'image des diapositives 1"/>
+          <p:cNvSpPr>
+            <a:spLocks noGrp="1" noRot="1" noChangeAspect="1"/>
+          </p:cNvSpPr>
+          <p:nvPr>
+            <p:ph type="sldImg"/>
+          </p:nvPr>
+        </p:nvSpPr>
+        <p:spPr/>
+      </p:sp>
+      <p:sp>
+        <p:nvSpPr>
+          <p:cNvPr id="3" name="Espace réservé des commentaires 2"/>
+          <p:cNvSpPr>
+            <a:spLocks noGrp="1"/>
+          </p:cNvSpPr>
+          <p:nvPr>
+            <p:ph type="body" idx="1"/>
+          </p:nvPr>
+        </p:nvSpPr>
+        <p:spPr/>
+        <p:txBody>
+          <a:bodyPr/>
+          <a:lstStyle/>
+          <a:p>
+            <a:r>
+              <a:rPr lang="fr-CH" dirty="0" smtClean="0"/>
+              <a:t>Fred</a:t>
+            </a:r>
+            <a:endParaRPr lang="fr-CH" dirty="0"/>
+          </a:p>
+        </p:txBody>
+      </p:sp>
+      <p:sp>
+        <p:nvSpPr>
+          <p:cNvPr id="4" name="Espace réservé du numéro de diapositive 3"/>
+          <p:cNvSpPr>
+            <a:spLocks noGrp="1"/>
+          </p:cNvSpPr>
+          <p:nvPr>
+            <p:ph type="sldNum" sz="quarter" idx="10"/>
+          </p:nvPr>
+        </p:nvSpPr>
+        <p:spPr/>
+        <p:txBody>
+          <a:bodyPr/>
+          <a:lstStyle/>
+          <a:p>
+            <a:fld id="{D2342ED9-9AD2-4080-9043-7045960B13BE}" type="slidenum">
+              <a:rPr lang="fr-CH" smtClean="0"/>
+              <a:t>9</a:t>
+            </a:fld>
+            <a:endParaRPr lang="fr-CH"/>
+          </a:p>
+        </p:txBody>
+      </p:sp>
+    </p:spTree>
+    <p:extLst>
+      <p:ext uri="{BB962C8B-B14F-4D97-AF65-F5344CB8AC3E}">
+        <p14:creationId xmlns:p14="http://schemas.microsoft.com/office/powerpoint/2010/main" val="564441126"/>
+      </p:ext>
+    </p:extLst>
+  </p:cSld>
+  <p:clrMapOvr>
+    <a:masterClrMapping/>
+  </p:clrMapOvr>
+</p:notes>
 </file>
 
 <file path=ppt/slideLayouts/slideLayout1.xml><?xml version="1.0" encoding="utf-8"?>
@@ -203,7 +1718,7 @@
           <a:effectLst/>
           <a:extLst>
             <a:ext uri="{91240B29-F687-4f45-9708-019B960494DF}">
-              <a14:hiddenLine xmlns:a14="http://schemas.microsoft.com/office/drawing/2010/main" xmlns="" w="9525">
+              <a14:hiddenLine xmlns="" xmlns:a14="http://schemas.microsoft.com/office/drawing/2010/main" w="9525">
                 <a:solidFill>
                   <a:srgbClr val="000000"/>
                 </a:solidFill>
@@ -403,7 +1918,7 @@
             <a:fld id="{08B9EBBA-996F-894A-B54A-D6246ED52CEA}" type="datetimeFigureOut">
               <a:rPr lang="en-US" smtClean="0"/>
               <a:pPr/>
-              <a:t>6/7/2015</a:t>
+              <a:t>6/11/2015</a:t>
             </a:fld>
             <a:endParaRPr lang="en-US" dirty="0"/>
           </a:p>
@@ -851,7 +2366,7 @@
             <a:fld id="{18C79C5D-2A6F-F04D-97DA-BEF2467B64E4}" type="datetimeFigureOut">
               <a:rPr lang="en-US" smtClean="0"/>
               <a:pPr/>
-              <a:t>6/7/2015</a:t>
+              <a:t>6/11/2015</a:t>
             </a:fld>
             <a:endParaRPr lang="en-US" dirty="0"/>
           </a:p>
@@ -1341,7 +2856,7 @@
             <a:fld id="{8DFA1846-DA80-1C48-A609-854EA85C59AD}" type="datetimeFigureOut">
               <a:rPr lang="en-US" smtClean="0"/>
               <a:pPr/>
-              <a:t>6/7/2015</a:t>
+              <a:t>6/11/2015</a:t>
             </a:fld>
             <a:endParaRPr lang="en-US" dirty="0"/>
           </a:p>
@@ -1712,7 +3227,7 @@
             <a:fld id="{FBF54567-0DE4-3F47-BF90-CB84690072F9}" type="datetimeFigureOut">
               <a:rPr lang="en-US" smtClean="0"/>
               <a:pPr/>
-              <a:t>6/7/2015</a:t>
+              <a:t>6/11/2015</a:t>
             </a:fld>
             <a:endParaRPr lang="en-US" dirty="0"/>
           </a:p>
@@ -1868,7 +3383,7 @@
           <a:ln/>
           <a:extLst>
             <a:ext uri="{91240B29-F687-4f45-9708-019B960494DF}">
-              <a14:hiddenLine xmlns:a14="http://schemas.microsoft.com/office/drawing/2010/main" xmlns="" w="9525">
+              <a14:hiddenLine xmlns="" xmlns:a14="http://schemas.microsoft.com/office/drawing/2010/main" w="9525">
                 <a:solidFill>
                   <a:srgbClr val="000000"/>
                 </a:solidFill>
@@ -1987,7 +3502,7 @@
             <a:fld id="{C6C52C72-DE31-F449-A4ED-4C594FD91407}" type="datetimeFigureOut">
               <a:rPr lang="en-US" smtClean="0"/>
               <a:pPr/>
-              <a:t>6/7/2015</a:t>
+              <a:t>6/11/2015</a:t>
             </a:fld>
             <a:endParaRPr lang="en-US" dirty="0"/>
           </a:p>
@@ -2145,7 +3660,7 @@
           <a:ln/>
           <a:extLst>
             <a:ext uri="{91240B29-F687-4f45-9708-019B960494DF}">
-              <a14:hiddenLine xmlns:a14="http://schemas.microsoft.com/office/drawing/2010/main" xmlns="" w="9525">
+              <a14:hiddenLine xmlns="" xmlns:a14="http://schemas.microsoft.com/office/drawing/2010/main" w="9525">
                 <a:solidFill>
                   <a:srgbClr val="000000"/>
                 </a:solidFill>
@@ -2274,7 +3789,7 @@
             <a:fld id="{ED62726E-379B-B349-9EED-81ED093FA806}" type="datetimeFigureOut">
               <a:rPr lang="en-US" smtClean="0"/>
               <a:pPr/>
-              <a:t>6/7/2015</a:t>
+              <a:t>6/11/2015</a:t>
             </a:fld>
             <a:endParaRPr lang="en-US" dirty="0"/>
           </a:p>
@@ -2430,7 +3945,7 @@
           <a:ln/>
           <a:extLst>
             <a:ext uri="{91240B29-F687-4f45-9708-019B960494DF}">
-              <a14:hiddenLine xmlns:a14="http://schemas.microsoft.com/office/drawing/2010/main" xmlns="" w="9525">
+              <a14:hiddenLine xmlns="" xmlns:a14="http://schemas.microsoft.com/office/drawing/2010/main" w="9525">
                 <a:solidFill>
                   <a:srgbClr val="000000"/>
                 </a:solidFill>
@@ -2566,7 +4081,7 @@
             <a:fld id="{9B3A1323-8D79-1946-B0D7-40001CF92E9D}" type="datetimeFigureOut">
               <a:rPr lang="en-US" smtClean="0"/>
               <a:pPr/>
-              <a:t>6/7/2015</a:t>
+              <a:t>6/11/2015</a:t>
             </a:fld>
             <a:endParaRPr lang="en-US" dirty="0"/>
           </a:p>
@@ -3038,7 +4553,7 @@
             <a:fld id="{8DFA1846-DA80-1C48-A609-854EA85C59AD}" type="datetimeFigureOut">
               <a:rPr lang="en-US" smtClean="0"/>
               <a:pPr/>
-              <a:t>6/7/2015</a:t>
+              <a:t>6/11/2015</a:t>
             </a:fld>
             <a:endParaRPr lang="en-US" dirty="0"/>
           </a:p>
@@ -3201,7 +4716,7 @@
           <a:ln/>
           <a:extLst>
             <a:ext uri="{91240B29-F687-4f45-9708-019B960494DF}">
-              <a14:hiddenLine xmlns:a14="http://schemas.microsoft.com/office/drawing/2010/main" xmlns="" w="9525">
+              <a14:hiddenLine xmlns="" xmlns:a14="http://schemas.microsoft.com/office/drawing/2010/main" w="9525">
                 <a:solidFill>
                   <a:srgbClr val="000000"/>
                 </a:solidFill>
@@ -3386,7 +4901,7 @@
             <a:fld id="{57302355-E14B-8545-A8F8-0FE83CC9D524}" type="datetimeFigureOut">
               <a:rPr lang="en-US" smtClean="0"/>
               <a:pPr/>
-              <a:t>6/7/2015</a:t>
+              <a:t>6/11/2015</a:t>
             </a:fld>
             <a:endParaRPr lang="en-US" dirty="0"/>
           </a:p>
@@ -3542,7 +5057,7 @@
           <a:ln/>
           <a:extLst>
             <a:ext uri="{91240B29-F687-4f45-9708-019B960494DF}">
-              <a14:hiddenLine xmlns:a14="http://schemas.microsoft.com/office/drawing/2010/main" xmlns="" w="9525">
+              <a14:hiddenLine xmlns="" xmlns:a14="http://schemas.microsoft.com/office/drawing/2010/main" w="9525">
                 <a:solidFill>
                   <a:srgbClr val="000000"/>
                 </a:solidFill>
@@ -3865,7 +5380,7 @@
             <a:fld id="{02640F58-564D-2B4F-AE67-E407BA4FCF45}" type="datetimeFigureOut">
               <a:rPr lang="en-US" smtClean="0"/>
               <a:pPr/>
-              <a:t>6/7/2015</a:t>
+              <a:t>6/11/2015</a:t>
             </a:fld>
             <a:endParaRPr lang="en-US" dirty="0"/>
           </a:p>
@@ -4021,7 +5536,7 @@
           <a:ln/>
           <a:extLst>
             <a:ext uri="{91240B29-F687-4f45-9708-019B960494DF}">
-              <a14:hiddenLine xmlns:a14="http://schemas.microsoft.com/office/drawing/2010/main" xmlns="" w="9525">
+              <a14:hiddenLine xmlns="" xmlns:a14="http://schemas.microsoft.com/office/drawing/2010/main" w="9525">
                 <a:solidFill>
                   <a:srgbClr val="000000"/>
                 </a:solidFill>
@@ -4088,7 +5603,7 @@
             <a:fld id="{F13A34C8-038E-2045-AF43-DF7DBB8E0E9E}" type="datetimeFigureOut">
               <a:rPr lang="en-US" smtClean="0"/>
               <a:pPr/>
-              <a:t>6/7/2015</a:t>
+              <a:t>6/11/2015</a:t>
             </a:fld>
             <a:endParaRPr lang="en-US" dirty="0"/>
           </a:p>
@@ -4185,7 +5700,7 @@
             <a:fld id="{8818C68F-D26B-8F47-958C-23B49CF8A634}" type="datetimeFigureOut">
               <a:rPr lang="en-US" smtClean="0"/>
               <a:pPr/>
-              <a:t>6/7/2015</a:t>
+              <a:t>6/11/2015</a:t>
             </a:fld>
             <a:endParaRPr lang="en-US" dirty="0"/>
           </a:p>
@@ -4454,7 +5969,7 @@
           <a:ln/>
           <a:extLst>
             <a:ext uri="{91240B29-F687-4f45-9708-019B960494DF}">
-              <a14:hiddenLine xmlns:a14="http://schemas.microsoft.com/office/drawing/2010/main" xmlns="" w="9525">
+              <a14:hiddenLine xmlns="" xmlns:a14="http://schemas.microsoft.com/office/drawing/2010/main" w="9525">
                 <a:solidFill>
                   <a:srgbClr val="000000"/>
                 </a:solidFill>
@@ -4633,30 +6148,6 @@
               <a:rPr lang="fr-FR" smtClean="0"/>
               <a:t>Modifiez les styles du texte du masque</a:t>
             </a:r>
-          </a:p>
-        </p:txBody>
-      </p:sp>
-      <p:sp>
-        <p:nvSpPr>
-          <p:cNvPr id="5" name="Date Placeholder 4"/>
-          <p:cNvSpPr>
-            <a:spLocks noGrp="1"/>
-          </p:cNvSpPr>
-          <p:nvPr>
-            <p:ph type="dt" sz="half" idx="10"/>
-          </p:nvPr>
-        </p:nvSpPr>
-        <p:spPr/>
-        <p:txBody>
-          <a:bodyPr/>
-          <a:lstStyle/>
-          <a:p>
-            <a:fld id="{D0DF5E60-9974-AC48-9591-99C2BB44B7CF}" type="datetimeFigureOut">
-              <a:rPr lang="en-US" smtClean="0"/>
-              <a:pPr/>
-              <a:t>6/7/2015</a:t>
-            </a:fld>
-            <a:endParaRPr lang="en-US" dirty="0"/>
           </a:p>
         </p:txBody>
       </p:sp>
@@ -4969,7 +6460,7 @@
             <a:fld id="{18C79C5D-2A6F-F04D-97DA-BEF2467B64E4}" type="datetimeFigureOut">
               <a:rPr lang="en-US" smtClean="0"/>
               <a:pPr/>
-              <a:t>6/7/2015</a:t>
+              <a:t>6/11/2015</a:t>
             </a:fld>
             <a:endParaRPr lang="en-US" dirty="0"/>
           </a:p>
@@ -5241,7 +6732,7 @@
             <a:fld id="{09B482E8-6E0E-1B4F-B1FD-C69DB9E858D9}" type="datetimeFigureOut">
               <a:rPr lang="en-US" smtClean="0"/>
               <a:pPr/>
-              <a:t>6/7/2015</a:t>
+              <a:t>6/11/2015</a:t>
             </a:fld>
             <a:endParaRPr lang="en-US" dirty="0"/>
           </a:p>
@@ -5755,7 +7246,7 @@
           <p:nvPr/>
         </p:nvPicPr>
         <p:blipFill>
-          <a:blip r:embed="rId2">
+          <a:blip r:embed="rId3">
             <a:extLst>
               <a:ext uri="{28A0092B-C50C-407E-A947-70E740481C1C}">
                 <a14:useLocalDpi xmlns:a14="http://schemas.microsoft.com/office/drawing/2010/main" val="0"/>
@@ -6162,7 +7653,7 @@
 </p:sld>
 </file>
 
-<file path=ppt/slides/slide2.xml><?xml version="1.0" encoding="utf-8"?>
+<file path=ppt/slides/slide10.xml><?xml version="1.0" encoding="utf-8"?>
 <p:sld xmlns:a="http://schemas.openxmlformats.org/drawingml/2006/main" xmlns:r="http://schemas.openxmlformats.org/officeDocument/2006/relationships" xmlns:p="http://schemas.openxmlformats.org/presentationml/2006/main">
   <p:cSld>
     <p:spTree>
@@ -6196,7 +7687,7 @@
           <a:p>
             <a:r>
               <a:rPr lang="fr-CH" dirty="0" smtClean="0"/>
-              <a:t>Sommaire</a:t>
+              <a:t>Danses</a:t>
             </a:r>
             <a:endParaRPr lang="fr-CH" dirty="0"/>
           </a:p>
@@ -6219,56 +7710,1128 @@
           <a:p>
             <a:r>
               <a:rPr lang="fr-CH" dirty="0" smtClean="0"/>
-              <a:t>Le robot Elisa-3</a:t>
-            </a:r>
+              <a:t>Clignotement des </a:t>
+            </a:r>
+            <a:r>
+              <a:rPr lang="fr-CH" dirty="0" err="1" smtClean="0"/>
+              <a:t>leds</a:t>
+            </a:r>
+            <a:endParaRPr lang="fr-CH" dirty="0" smtClean="0"/>
           </a:p>
           <a:p>
             <a:r>
               <a:rPr lang="fr-CH" dirty="0" smtClean="0"/>
-              <a:t>Concept du projet</a:t>
+              <a:t>Jeu avec les couleurs</a:t>
             </a:r>
           </a:p>
           <a:p>
             <a:r>
               <a:rPr lang="fr-CH" dirty="0" smtClean="0"/>
-              <a:t>Déploiement du projet</a:t>
+              <a:t>Jeu avec les déplacements</a:t>
             </a:r>
           </a:p>
           <a:p>
             <a:r>
               <a:rPr lang="fr-CH" dirty="0" smtClean="0"/>
-              <a:t>Suivi de la ligne</a:t>
-            </a:r>
-          </a:p>
-          <a:p>
+              <a:t>Fonction de </a:t>
+            </a:r>
+            <a:r>
+              <a:rPr lang="fr-CH" dirty="0" err="1" smtClean="0"/>
+              <a:t>wait</a:t>
+            </a:r>
             <a:r>
               <a:rPr lang="fr-CH" dirty="0" smtClean="0"/>
-              <a:t>Rechargement</a:t>
+              <a:t>()</a:t>
             </a:r>
           </a:p>
           <a:p>
             <a:r>
               <a:rPr lang="fr-CH" dirty="0" smtClean="0"/>
-              <a:t>Danse</a:t>
-            </a:r>
-          </a:p>
-          <a:p>
+              <a:t>Difficultés</a:t>
+            </a:r>
+          </a:p>
+          <a:p>
+            <a:pPr lvl="1"/>
+            <a:r>
+              <a:rPr lang="fr-CH" dirty="0"/>
+              <a:t>V</a:t>
+            </a:r>
             <a:r>
               <a:rPr lang="fr-CH" dirty="0" smtClean="0"/>
-              <a:t>Difficultés rencontrées</a:t>
-            </a:r>
-          </a:p>
-          <a:p>
+              <a:t>itesse/durée de l’action </a:t>
+            </a:r>
+          </a:p>
+          <a:p>
+            <a:pPr lvl="1"/>
             <a:r>
               <a:rPr lang="fr-CH" dirty="0" smtClean="0"/>
-              <a:t>Bilan final</a:t>
-            </a:r>
+              <a:t>Communication entre les robots</a:t>
+            </a:r>
+          </a:p>
+        </p:txBody>
+      </p:sp>
+      <p:sp>
+        <p:nvSpPr>
+          <p:cNvPr id="5" name="Sous-titre 2"/>
+          <p:cNvSpPr txBox="1">
+            <a:spLocks/>
+          </p:cNvSpPr>
+          <p:nvPr/>
+        </p:nvSpPr>
+        <p:spPr>
+          <a:xfrm>
+            <a:off x="810001" y="6050877"/>
+            <a:ext cx="10572000" cy="434974"/>
+          </a:xfrm>
+          <a:prstGeom prst="rect">
+            <a:avLst/>
+          </a:prstGeom>
+          <a:effectLst>
+            <a:outerShdw blurRad="50800" dir="14400000">
+              <a:srgbClr val="000000">
+                <a:alpha val="40000"/>
+              </a:srgbClr>
+            </a:outerShdw>
+          </a:effectLst>
+        </p:spPr>
+        <p:txBody>
+          <a:bodyPr vert="horz" lIns="91440" tIns="45720" rIns="91440" bIns="45720" rtlCol="0" anchor="t">
+            <a:normAutofit/>
+          </a:bodyPr>
+          <a:lstStyle>
+            <a:lvl1pPr marL="0" indent="0" algn="l" defTabSz="457200" rtl="0" eaLnBrk="1" latinLnBrk="0" hangingPunct="1">
+              <a:spcBef>
+                <a:spcPct val="20000"/>
+              </a:spcBef>
+              <a:spcAft>
+                <a:spcPts val="600"/>
+              </a:spcAft>
+              <a:buClr>
+                <a:schemeClr val="accent1"/>
+              </a:buClr>
+              <a:buFont typeface="Wingdings 2" charset="2"/>
+              <a:buNone/>
+              <a:defRPr sz="1800" kern="1200">
+                <a:solidFill>
+                  <a:schemeClr val="tx1"/>
+                </a:solidFill>
+                <a:latin typeface="+mn-lt"/>
+                <a:ea typeface="+mn-ea"/>
+                <a:cs typeface="+mn-cs"/>
+              </a:defRPr>
+            </a:lvl1pPr>
+            <a:lvl2pPr marL="457200" indent="0" algn="ctr" defTabSz="457200" rtl="0" eaLnBrk="1" latinLnBrk="0" hangingPunct="1">
+              <a:spcBef>
+                <a:spcPct val="20000"/>
+              </a:spcBef>
+              <a:spcAft>
+                <a:spcPts val="600"/>
+              </a:spcAft>
+              <a:buClr>
+                <a:schemeClr val="accent1"/>
+              </a:buClr>
+              <a:buFont typeface="Wingdings 2" charset="2"/>
+              <a:buNone/>
+              <a:defRPr sz="1600" kern="1200">
+                <a:solidFill>
+                  <a:schemeClr val="tx1">
+                    <a:tint val="75000"/>
+                  </a:schemeClr>
+                </a:solidFill>
+                <a:latin typeface="+mn-lt"/>
+                <a:ea typeface="+mn-ea"/>
+                <a:cs typeface="+mn-cs"/>
+              </a:defRPr>
+            </a:lvl2pPr>
+            <a:lvl3pPr marL="914400" indent="0" algn="ctr" defTabSz="457200" rtl="0" eaLnBrk="1" latinLnBrk="0" hangingPunct="1">
+              <a:spcBef>
+                <a:spcPct val="20000"/>
+              </a:spcBef>
+              <a:spcAft>
+                <a:spcPts val="600"/>
+              </a:spcAft>
+              <a:buClr>
+                <a:schemeClr val="accent1"/>
+              </a:buClr>
+              <a:buFont typeface="Wingdings 2" charset="2"/>
+              <a:buNone/>
+              <a:defRPr sz="1400" kern="1200">
+                <a:solidFill>
+                  <a:schemeClr val="tx1">
+                    <a:tint val="75000"/>
+                  </a:schemeClr>
+                </a:solidFill>
+                <a:latin typeface="+mn-lt"/>
+                <a:ea typeface="+mn-ea"/>
+                <a:cs typeface="+mn-cs"/>
+              </a:defRPr>
+            </a:lvl3pPr>
+            <a:lvl4pPr marL="1371600" indent="0" algn="ctr" defTabSz="457200" rtl="0" eaLnBrk="1" latinLnBrk="0" hangingPunct="1">
+              <a:spcBef>
+                <a:spcPct val="20000"/>
+              </a:spcBef>
+              <a:spcAft>
+                <a:spcPts val="600"/>
+              </a:spcAft>
+              <a:buClr>
+                <a:schemeClr val="accent1"/>
+              </a:buClr>
+              <a:buFont typeface="Wingdings 2" charset="2"/>
+              <a:buNone/>
+              <a:defRPr sz="1200" kern="1200">
+                <a:solidFill>
+                  <a:schemeClr val="tx1">
+                    <a:tint val="75000"/>
+                  </a:schemeClr>
+                </a:solidFill>
+                <a:latin typeface="+mn-lt"/>
+                <a:ea typeface="+mn-ea"/>
+                <a:cs typeface="+mn-cs"/>
+              </a:defRPr>
+            </a:lvl4pPr>
+            <a:lvl5pPr marL="1828800" indent="0" algn="ctr" defTabSz="457200" rtl="0" eaLnBrk="1" latinLnBrk="0" hangingPunct="1">
+              <a:spcBef>
+                <a:spcPct val="20000"/>
+              </a:spcBef>
+              <a:spcAft>
+                <a:spcPts val="600"/>
+              </a:spcAft>
+              <a:buClr>
+                <a:schemeClr val="accent1"/>
+              </a:buClr>
+              <a:buFont typeface="Wingdings 2" charset="2"/>
+              <a:buNone/>
+              <a:defRPr sz="1200" kern="1200">
+                <a:solidFill>
+                  <a:schemeClr val="tx1">
+                    <a:tint val="75000"/>
+                  </a:schemeClr>
+                </a:solidFill>
+                <a:latin typeface="+mn-lt"/>
+                <a:ea typeface="+mn-ea"/>
+                <a:cs typeface="+mn-cs"/>
+              </a:defRPr>
+            </a:lvl5pPr>
+            <a:lvl6pPr marL="2286000" indent="0" algn="ctr" defTabSz="457200" rtl="0" eaLnBrk="1" latinLnBrk="0" hangingPunct="1">
+              <a:spcBef>
+                <a:spcPct val="20000"/>
+              </a:spcBef>
+              <a:spcAft>
+                <a:spcPts val="600"/>
+              </a:spcAft>
+              <a:buClr>
+                <a:schemeClr val="accent1"/>
+              </a:buClr>
+              <a:buFont typeface="Wingdings 2" charset="2"/>
+              <a:buNone/>
+              <a:defRPr sz="1200" kern="1200">
+                <a:solidFill>
+                  <a:schemeClr val="tx1">
+                    <a:tint val="75000"/>
+                  </a:schemeClr>
+                </a:solidFill>
+                <a:latin typeface="+mn-lt"/>
+                <a:ea typeface="+mn-ea"/>
+                <a:cs typeface="+mn-cs"/>
+              </a:defRPr>
+            </a:lvl6pPr>
+            <a:lvl7pPr marL="2743200" indent="0" algn="ctr" defTabSz="457200" rtl="0" eaLnBrk="1" latinLnBrk="0" hangingPunct="1">
+              <a:spcBef>
+                <a:spcPct val="20000"/>
+              </a:spcBef>
+              <a:spcAft>
+                <a:spcPts val="600"/>
+              </a:spcAft>
+              <a:buClr>
+                <a:schemeClr val="accent1"/>
+              </a:buClr>
+              <a:buFont typeface="Wingdings 2" charset="2"/>
+              <a:buNone/>
+              <a:defRPr sz="1200" kern="1200">
+                <a:solidFill>
+                  <a:schemeClr val="tx1">
+                    <a:tint val="75000"/>
+                  </a:schemeClr>
+                </a:solidFill>
+                <a:latin typeface="+mn-lt"/>
+                <a:ea typeface="+mn-ea"/>
+                <a:cs typeface="+mn-cs"/>
+              </a:defRPr>
+            </a:lvl7pPr>
+            <a:lvl8pPr marL="3200400" indent="0" algn="ctr" defTabSz="457200" rtl="0" eaLnBrk="1" latinLnBrk="0" hangingPunct="1">
+              <a:spcBef>
+                <a:spcPct val="20000"/>
+              </a:spcBef>
+              <a:spcAft>
+                <a:spcPts val="600"/>
+              </a:spcAft>
+              <a:buClr>
+                <a:schemeClr val="accent1"/>
+              </a:buClr>
+              <a:buFont typeface="Wingdings 2" charset="2"/>
+              <a:buNone/>
+              <a:defRPr sz="1200" kern="1200">
+                <a:solidFill>
+                  <a:schemeClr val="tx1">
+                    <a:tint val="75000"/>
+                  </a:schemeClr>
+                </a:solidFill>
+                <a:latin typeface="+mn-lt"/>
+                <a:ea typeface="+mn-ea"/>
+                <a:cs typeface="+mn-cs"/>
+              </a:defRPr>
+            </a:lvl8pPr>
+            <a:lvl9pPr marL="3657600" indent="0" algn="ctr" defTabSz="457200" rtl="0" eaLnBrk="1" latinLnBrk="0" hangingPunct="1">
+              <a:spcBef>
+                <a:spcPct val="20000"/>
+              </a:spcBef>
+              <a:spcAft>
+                <a:spcPts val="600"/>
+              </a:spcAft>
+              <a:buClr>
+                <a:schemeClr val="accent1"/>
+              </a:buClr>
+              <a:buFont typeface="Wingdings 2" charset="2"/>
+              <a:buNone/>
+              <a:defRPr sz="1200" kern="1200">
+                <a:solidFill>
+                  <a:schemeClr val="tx1">
+                    <a:tint val="75000"/>
+                  </a:schemeClr>
+                </a:solidFill>
+                <a:latin typeface="+mn-lt"/>
+                <a:ea typeface="+mn-ea"/>
+                <a:cs typeface="+mn-cs"/>
+              </a:defRPr>
+            </a:lvl9pPr>
+          </a:lstStyle>
+          <a:p>
+            <a:r>
+              <a:rPr lang="fr-CH" sz="1500" dirty="0" smtClean="0">
+                <a:solidFill>
+                  <a:schemeClr val="bg2">
+                    <a:lumMod val="50000"/>
+                    <a:lumOff val="50000"/>
+                  </a:schemeClr>
+                </a:solidFill>
+                <a:latin typeface="Gulim" panose="020B0600000101010101" pitchFamily="34" charset="-127"/>
+                <a:ea typeface="Gulim" panose="020B0600000101010101" pitchFamily="34" charset="-127"/>
+              </a:rPr>
+              <a:t>A. </a:t>
+            </a:r>
+            <a:r>
+              <a:rPr lang="fr-CH" sz="1500" dirty="0" err="1" smtClean="0">
+                <a:solidFill>
+                  <a:schemeClr val="bg2">
+                    <a:lumMod val="50000"/>
+                    <a:lumOff val="50000"/>
+                  </a:schemeClr>
+                </a:solidFill>
+                <a:latin typeface="Gulim" panose="020B0600000101010101" pitchFamily="34" charset="-127"/>
+                <a:ea typeface="Gulim" panose="020B0600000101010101" pitchFamily="34" charset="-127"/>
+              </a:rPr>
+              <a:t>Desclouds</a:t>
+            </a:r>
+            <a:r>
+              <a:rPr lang="fr-CH" sz="1500" dirty="0" smtClean="0">
+                <a:solidFill>
+                  <a:schemeClr val="bg2">
+                    <a:lumMod val="50000"/>
+                    <a:lumOff val="50000"/>
+                  </a:schemeClr>
+                </a:solidFill>
+                <a:latin typeface="Gulim" panose="020B0600000101010101" pitchFamily="34" charset="-127"/>
+                <a:ea typeface="Gulim" panose="020B0600000101010101" pitchFamily="34" charset="-127"/>
+              </a:rPr>
+              <a:t>, </a:t>
+            </a:r>
+            <a:r>
+              <a:rPr lang="fr-CH" sz="1500" dirty="0" err="1" smtClean="0">
+                <a:solidFill>
+                  <a:schemeClr val="bg2">
+                    <a:lumMod val="50000"/>
+                    <a:lumOff val="50000"/>
+                  </a:schemeClr>
+                </a:solidFill>
+                <a:latin typeface="Gulim" panose="020B0600000101010101" pitchFamily="34" charset="-127"/>
+                <a:ea typeface="Gulim" panose="020B0600000101010101" pitchFamily="34" charset="-127"/>
+              </a:rPr>
+              <a:t>A.Hug</a:t>
+            </a:r>
+            <a:r>
+              <a:rPr lang="fr-CH" sz="1500" dirty="0" smtClean="0">
+                <a:solidFill>
+                  <a:schemeClr val="bg2">
+                    <a:lumMod val="50000"/>
+                    <a:lumOff val="50000"/>
+                  </a:schemeClr>
+                </a:solidFill>
+                <a:latin typeface="Gulim" panose="020B0600000101010101" pitchFamily="34" charset="-127"/>
+                <a:ea typeface="Gulim" panose="020B0600000101010101" pitchFamily="34" charset="-127"/>
+              </a:rPr>
+              <a:t>, S. </a:t>
+            </a:r>
+            <a:r>
+              <a:rPr lang="fr-CH" sz="1500" dirty="0" err="1" smtClean="0">
+                <a:solidFill>
+                  <a:schemeClr val="bg2">
+                    <a:lumMod val="50000"/>
+                    <a:lumOff val="50000"/>
+                  </a:schemeClr>
+                </a:solidFill>
+                <a:latin typeface="Gulim" panose="020B0600000101010101" pitchFamily="34" charset="-127"/>
+                <a:ea typeface="Gulim" panose="020B0600000101010101" pitchFamily="34" charset="-127"/>
+              </a:rPr>
+              <a:t>Righitto</a:t>
+            </a:r>
+            <a:r>
+              <a:rPr lang="fr-CH" sz="1500" dirty="0" smtClean="0">
+                <a:solidFill>
+                  <a:schemeClr val="bg2">
+                    <a:lumMod val="50000"/>
+                    <a:lumOff val="50000"/>
+                  </a:schemeClr>
+                </a:solidFill>
+                <a:latin typeface="Gulim" panose="020B0600000101010101" pitchFamily="34" charset="-127"/>
+                <a:ea typeface="Gulim" panose="020B0600000101010101" pitchFamily="34" charset="-127"/>
+              </a:rPr>
+              <a:t>, F. </a:t>
+            </a:r>
+            <a:r>
+              <a:rPr lang="fr-CH" sz="1500" dirty="0" err="1" smtClean="0">
+                <a:solidFill>
+                  <a:schemeClr val="bg2">
+                    <a:lumMod val="50000"/>
+                    <a:lumOff val="50000"/>
+                  </a:schemeClr>
+                </a:solidFill>
+                <a:latin typeface="Gulim" panose="020B0600000101010101" pitchFamily="34" charset="-127"/>
+                <a:ea typeface="Gulim" panose="020B0600000101010101" pitchFamily="34" charset="-127"/>
+              </a:rPr>
+              <a:t>Saam</a:t>
+            </a:r>
+            <a:r>
+              <a:rPr lang="fr-CH" sz="1500" dirty="0" smtClean="0">
+                <a:solidFill>
+                  <a:schemeClr val="bg2">
+                    <a:lumMod val="50000"/>
+                    <a:lumOff val="50000"/>
+                  </a:schemeClr>
+                </a:solidFill>
+                <a:latin typeface="Gulim" panose="020B0600000101010101" pitchFamily="34" charset="-127"/>
+                <a:ea typeface="Gulim" panose="020B0600000101010101" pitchFamily="34" charset="-127"/>
+              </a:rPr>
+              <a:t>	</a:t>
+            </a:r>
+            <a:r>
+              <a:rPr lang="fr-CH" sz="1600" dirty="0" smtClean="0">
+                <a:solidFill>
+                  <a:schemeClr val="bg2">
+                    <a:lumMod val="50000"/>
+                    <a:lumOff val="50000"/>
+                  </a:schemeClr>
+                </a:solidFill>
+                <a:latin typeface="Gulim" panose="020B0600000101010101" pitchFamily="34" charset="-127"/>
+                <a:ea typeface="Gulim" panose="020B0600000101010101" pitchFamily="34" charset="-127"/>
+              </a:rPr>
+              <a:t>											</a:t>
+            </a:r>
+            <a:endParaRPr lang="fr-CH" sz="1600" dirty="0">
+              <a:solidFill>
+                <a:schemeClr val="bg2">
+                  <a:lumMod val="50000"/>
+                  <a:lumOff val="50000"/>
+                </a:schemeClr>
+              </a:solidFill>
+              <a:latin typeface="Gulim" panose="020B0600000101010101" pitchFamily="34" charset="-127"/>
+              <a:ea typeface="Gulim" panose="020B0600000101010101" pitchFamily="34" charset="-127"/>
+            </a:endParaRPr>
+          </a:p>
+        </p:txBody>
+      </p:sp>
+      <p:sp>
+        <p:nvSpPr>
+          <p:cNvPr id="6" name="Slide Number Placeholder 5"/>
+          <p:cNvSpPr>
+            <a:spLocks noGrp="1"/>
+          </p:cNvSpPr>
+          <p:nvPr>
+            <p:ph type="sldNum" sz="quarter" idx="12"/>
+          </p:nvPr>
+        </p:nvSpPr>
+        <p:spPr>
+          <a:xfrm>
+            <a:off x="10678331" y="5915888"/>
+            <a:ext cx="1062155" cy="490599"/>
+          </a:xfrm>
+        </p:spPr>
+        <p:txBody>
+          <a:bodyPr/>
+          <a:lstStyle/>
+          <a:p>
+            <a:fld id="{D57F1E4F-1CFF-5643-939E-217C01CDF565}" type="slidenum">
+              <a:rPr lang="en-US" smtClean="0"/>
+              <a:pPr/>
+              <a:t>10</a:t>
+            </a:fld>
+            <a:endParaRPr lang="en-US" dirty="0"/>
           </a:p>
         </p:txBody>
       </p:sp>
       <p:pic>
         <p:nvPicPr>
-          <p:cNvPr id="4" name="Image 3"/>
+          <p:cNvPr id="7" name="Image 6"/>
+          <p:cNvPicPr>
+            <a:picLocks noChangeAspect="1"/>
+          </p:cNvPicPr>
+          <p:nvPr/>
+        </p:nvPicPr>
+        <p:blipFill>
+          <a:blip r:embed="rId3">
+            <a:extLst>
+              <a:ext uri="{28A0092B-C50C-407E-A947-70E740481C1C}">
+                <a14:useLocalDpi xmlns:a14="http://schemas.microsoft.com/office/drawing/2010/main" val="0"/>
+              </a:ext>
+            </a:extLst>
+          </a:blip>
+          <a:stretch>
+            <a:fillRect/>
+          </a:stretch>
+        </p:blipFill>
+        <p:spPr>
+          <a:xfrm>
+            <a:off x="11209408" y="2354284"/>
+            <a:ext cx="501676" cy="1041454"/>
+          </a:xfrm>
+          <a:prstGeom prst="rect">
+            <a:avLst/>
+          </a:prstGeom>
+        </p:spPr>
+      </p:pic>
+    </p:spTree>
+    <p:extLst>
+      <p:ext uri="{BB962C8B-B14F-4D97-AF65-F5344CB8AC3E}">
+        <p14:creationId xmlns:p14="http://schemas.microsoft.com/office/powerpoint/2010/main" val="3827174467"/>
+      </p:ext>
+    </p:extLst>
+  </p:cSld>
+  <p:clrMapOvr>
+    <a:masterClrMapping/>
+  </p:clrMapOvr>
+  <p:timing>
+    <p:tnLst>
+      <p:par>
+        <p:cTn id="1" dur="indefinite" restart="never" nodeType="tmRoot"/>
+      </p:par>
+    </p:tnLst>
+  </p:timing>
+</p:sld>
+</file>
+
+<file path=ppt/slides/slide11.xml><?xml version="1.0" encoding="utf-8"?>
+<p:sld xmlns:a="http://schemas.openxmlformats.org/drawingml/2006/main" xmlns:r="http://schemas.openxmlformats.org/officeDocument/2006/relationships" xmlns:p="http://schemas.openxmlformats.org/presentationml/2006/main">
+  <p:cSld>
+    <p:spTree>
+      <p:nvGrpSpPr>
+        <p:cNvPr id="1" name=""/>
+        <p:cNvGrpSpPr/>
+        <p:nvPr/>
+      </p:nvGrpSpPr>
+      <p:grpSpPr>
+        <a:xfrm>
+          <a:off x="0" y="0"/>
+          <a:ext cx="0" cy="0"/>
+          <a:chOff x="0" y="0"/>
+          <a:chExt cx="0" cy="0"/>
+        </a:xfrm>
+      </p:grpSpPr>
+      <p:sp>
+        <p:nvSpPr>
+          <p:cNvPr id="2" name="Titre 1"/>
+          <p:cNvSpPr>
+            <a:spLocks noGrp="1"/>
+          </p:cNvSpPr>
+          <p:nvPr>
+            <p:ph type="title"/>
+          </p:nvPr>
+        </p:nvSpPr>
+        <p:spPr>
+          <a:xfrm>
+            <a:off x="1249251" y="446088"/>
+            <a:ext cx="3371434" cy="1511501"/>
+          </a:xfrm>
+        </p:spPr>
+        <p:txBody>
+          <a:bodyPr/>
+          <a:lstStyle/>
+          <a:p>
+            <a:r>
+              <a:rPr lang="fr-CH" sz="4400" dirty="0" smtClean="0">
+                <a:latin typeface="Gulim" panose="020B0600000101010101" pitchFamily="34" charset="-127"/>
+                <a:ea typeface="Gulim" panose="020B0600000101010101" pitchFamily="34" charset="-127"/>
+              </a:rPr>
+              <a:t>Danses</a:t>
+            </a:r>
+            <a:endParaRPr lang="fr-CH" sz="4400" dirty="0">
+              <a:latin typeface="Gulim" panose="020B0600000101010101" pitchFamily="34" charset="-127"/>
+              <a:ea typeface="Gulim" panose="020B0600000101010101" pitchFamily="34" charset="-127"/>
+            </a:endParaRPr>
+          </a:p>
+        </p:txBody>
+      </p:sp>
+      <p:sp>
+        <p:nvSpPr>
+          <p:cNvPr id="3" name="Espace réservé du contenu 2"/>
+          <p:cNvSpPr>
+            <a:spLocks noGrp="1"/>
+          </p:cNvSpPr>
+          <p:nvPr>
+            <p:ph idx="1"/>
+          </p:nvPr>
+        </p:nvSpPr>
+        <p:spPr>
+          <a:xfrm>
+            <a:off x="4855633" y="2260737"/>
+            <a:ext cx="6252633" cy="3600313"/>
+          </a:xfrm>
+        </p:spPr>
+        <p:txBody>
+          <a:bodyPr anchor="t" anchorCtr="0"/>
+          <a:lstStyle/>
+          <a:p>
+            <a:pPr marL="0" indent="0">
+              <a:buNone/>
+            </a:pPr>
+            <a:r>
+              <a:rPr lang="fr-CH" dirty="0" smtClean="0">
+                <a:latin typeface="Consolas" panose="020B0609020204030204" pitchFamily="49" charset="0"/>
+                <a:cs typeface="Consolas" panose="020B0609020204030204" pitchFamily="49" charset="0"/>
+              </a:rPr>
+              <a:t>Code ici</a:t>
+            </a:r>
+            <a:endParaRPr lang="fr-CH" dirty="0">
+              <a:latin typeface="Consolas" panose="020B0609020204030204" pitchFamily="49" charset="0"/>
+              <a:cs typeface="Consolas" panose="020B0609020204030204" pitchFamily="49" charset="0"/>
+            </a:endParaRPr>
+          </a:p>
+        </p:txBody>
+      </p:sp>
+      <p:sp>
+        <p:nvSpPr>
+          <p:cNvPr id="4" name="Espace réservé du texte 3"/>
+          <p:cNvSpPr>
+            <a:spLocks noGrp="1"/>
+          </p:cNvSpPr>
+          <p:nvPr>
+            <p:ph type="body" sz="half" idx="2"/>
+          </p:nvPr>
+        </p:nvSpPr>
+        <p:spPr/>
+        <p:txBody>
+          <a:bodyPr>
+            <a:normAutofit/>
+          </a:bodyPr>
+          <a:lstStyle/>
+          <a:p>
+            <a:pPr marL="285750" indent="-285750">
+              <a:buFont typeface="Courier New" panose="02070309020205020404" pitchFamily="49" charset="0"/>
+              <a:buChar char="o"/>
+            </a:pPr>
+            <a:r>
+              <a:rPr lang="fr-CH" sz="1800" dirty="0" smtClean="0"/>
+              <a:t>Fonction </a:t>
+            </a:r>
+            <a:r>
+              <a:rPr lang="fr-CH" sz="1800" dirty="0" err="1" smtClean="0"/>
+              <a:t>wait</a:t>
+            </a:r>
+            <a:r>
+              <a:rPr lang="fr-CH" sz="1800" dirty="0" smtClean="0"/>
+              <a:t>()</a:t>
+            </a:r>
+            <a:endParaRPr lang="fr-CH" sz="1800" dirty="0"/>
+          </a:p>
+        </p:txBody>
+      </p:sp>
+      <p:pic>
+        <p:nvPicPr>
+          <p:cNvPr id="5" name="Image 4"/>
+          <p:cNvPicPr>
+            <a:picLocks noChangeAspect="1"/>
+          </p:cNvPicPr>
+          <p:nvPr/>
+        </p:nvPicPr>
+        <p:blipFill>
+          <a:blip r:embed="rId3">
+            <a:extLst>
+              <a:ext uri="{28A0092B-C50C-407E-A947-70E740481C1C}">
+                <a14:useLocalDpi xmlns:a14="http://schemas.microsoft.com/office/drawing/2010/main" val="0"/>
+              </a:ext>
+            </a:extLst>
+          </a:blip>
+          <a:stretch>
+            <a:fillRect/>
+          </a:stretch>
+        </p:blipFill>
+        <p:spPr>
+          <a:xfrm>
+            <a:off x="11209408" y="2354284"/>
+            <a:ext cx="501676" cy="1041454"/>
+          </a:xfrm>
+          <a:prstGeom prst="rect">
+            <a:avLst/>
+          </a:prstGeom>
+        </p:spPr>
+      </p:pic>
+      <p:sp>
+        <p:nvSpPr>
+          <p:cNvPr id="6" name="Sous-titre 2"/>
+          <p:cNvSpPr txBox="1">
+            <a:spLocks/>
+          </p:cNvSpPr>
+          <p:nvPr/>
+        </p:nvSpPr>
+        <p:spPr>
+          <a:xfrm>
+            <a:off x="810001" y="6050877"/>
+            <a:ext cx="10572000" cy="434974"/>
+          </a:xfrm>
+          <a:prstGeom prst="rect">
+            <a:avLst/>
+          </a:prstGeom>
+          <a:effectLst>
+            <a:outerShdw blurRad="50800" dir="14400000">
+              <a:srgbClr val="000000">
+                <a:alpha val="40000"/>
+              </a:srgbClr>
+            </a:outerShdw>
+          </a:effectLst>
+        </p:spPr>
+        <p:txBody>
+          <a:bodyPr vert="horz" lIns="91440" tIns="45720" rIns="91440" bIns="45720" rtlCol="0" anchor="t">
+            <a:normAutofit/>
+          </a:bodyPr>
+          <a:lstStyle>
+            <a:lvl1pPr marL="0" indent="0" algn="l" defTabSz="457200" rtl="0" eaLnBrk="1" latinLnBrk="0" hangingPunct="1">
+              <a:spcBef>
+                <a:spcPct val="20000"/>
+              </a:spcBef>
+              <a:spcAft>
+                <a:spcPts val="600"/>
+              </a:spcAft>
+              <a:buClr>
+                <a:schemeClr val="accent1"/>
+              </a:buClr>
+              <a:buFont typeface="Wingdings 2" charset="2"/>
+              <a:buNone/>
+              <a:defRPr sz="1800" kern="1200">
+                <a:solidFill>
+                  <a:schemeClr val="tx1"/>
+                </a:solidFill>
+                <a:latin typeface="+mn-lt"/>
+                <a:ea typeface="+mn-ea"/>
+                <a:cs typeface="+mn-cs"/>
+              </a:defRPr>
+            </a:lvl1pPr>
+            <a:lvl2pPr marL="457200" indent="0" algn="ctr" defTabSz="457200" rtl="0" eaLnBrk="1" latinLnBrk="0" hangingPunct="1">
+              <a:spcBef>
+                <a:spcPct val="20000"/>
+              </a:spcBef>
+              <a:spcAft>
+                <a:spcPts val="600"/>
+              </a:spcAft>
+              <a:buClr>
+                <a:schemeClr val="accent1"/>
+              </a:buClr>
+              <a:buFont typeface="Wingdings 2" charset="2"/>
+              <a:buNone/>
+              <a:defRPr sz="1600" kern="1200">
+                <a:solidFill>
+                  <a:schemeClr val="tx1">
+                    <a:tint val="75000"/>
+                  </a:schemeClr>
+                </a:solidFill>
+                <a:latin typeface="+mn-lt"/>
+                <a:ea typeface="+mn-ea"/>
+                <a:cs typeface="+mn-cs"/>
+              </a:defRPr>
+            </a:lvl2pPr>
+            <a:lvl3pPr marL="914400" indent="0" algn="ctr" defTabSz="457200" rtl="0" eaLnBrk="1" latinLnBrk="0" hangingPunct="1">
+              <a:spcBef>
+                <a:spcPct val="20000"/>
+              </a:spcBef>
+              <a:spcAft>
+                <a:spcPts val="600"/>
+              </a:spcAft>
+              <a:buClr>
+                <a:schemeClr val="accent1"/>
+              </a:buClr>
+              <a:buFont typeface="Wingdings 2" charset="2"/>
+              <a:buNone/>
+              <a:defRPr sz="1400" kern="1200">
+                <a:solidFill>
+                  <a:schemeClr val="tx1">
+                    <a:tint val="75000"/>
+                  </a:schemeClr>
+                </a:solidFill>
+                <a:latin typeface="+mn-lt"/>
+                <a:ea typeface="+mn-ea"/>
+                <a:cs typeface="+mn-cs"/>
+              </a:defRPr>
+            </a:lvl3pPr>
+            <a:lvl4pPr marL="1371600" indent="0" algn="ctr" defTabSz="457200" rtl="0" eaLnBrk="1" latinLnBrk="0" hangingPunct="1">
+              <a:spcBef>
+                <a:spcPct val="20000"/>
+              </a:spcBef>
+              <a:spcAft>
+                <a:spcPts val="600"/>
+              </a:spcAft>
+              <a:buClr>
+                <a:schemeClr val="accent1"/>
+              </a:buClr>
+              <a:buFont typeface="Wingdings 2" charset="2"/>
+              <a:buNone/>
+              <a:defRPr sz="1200" kern="1200">
+                <a:solidFill>
+                  <a:schemeClr val="tx1">
+                    <a:tint val="75000"/>
+                  </a:schemeClr>
+                </a:solidFill>
+                <a:latin typeface="+mn-lt"/>
+                <a:ea typeface="+mn-ea"/>
+                <a:cs typeface="+mn-cs"/>
+              </a:defRPr>
+            </a:lvl4pPr>
+            <a:lvl5pPr marL="1828800" indent="0" algn="ctr" defTabSz="457200" rtl="0" eaLnBrk="1" latinLnBrk="0" hangingPunct="1">
+              <a:spcBef>
+                <a:spcPct val="20000"/>
+              </a:spcBef>
+              <a:spcAft>
+                <a:spcPts val="600"/>
+              </a:spcAft>
+              <a:buClr>
+                <a:schemeClr val="accent1"/>
+              </a:buClr>
+              <a:buFont typeface="Wingdings 2" charset="2"/>
+              <a:buNone/>
+              <a:defRPr sz="1200" kern="1200">
+                <a:solidFill>
+                  <a:schemeClr val="tx1">
+                    <a:tint val="75000"/>
+                  </a:schemeClr>
+                </a:solidFill>
+                <a:latin typeface="+mn-lt"/>
+                <a:ea typeface="+mn-ea"/>
+                <a:cs typeface="+mn-cs"/>
+              </a:defRPr>
+            </a:lvl5pPr>
+            <a:lvl6pPr marL="2286000" indent="0" algn="ctr" defTabSz="457200" rtl="0" eaLnBrk="1" latinLnBrk="0" hangingPunct="1">
+              <a:spcBef>
+                <a:spcPct val="20000"/>
+              </a:spcBef>
+              <a:spcAft>
+                <a:spcPts val="600"/>
+              </a:spcAft>
+              <a:buClr>
+                <a:schemeClr val="accent1"/>
+              </a:buClr>
+              <a:buFont typeface="Wingdings 2" charset="2"/>
+              <a:buNone/>
+              <a:defRPr sz="1200" kern="1200">
+                <a:solidFill>
+                  <a:schemeClr val="tx1">
+                    <a:tint val="75000"/>
+                  </a:schemeClr>
+                </a:solidFill>
+                <a:latin typeface="+mn-lt"/>
+                <a:ea typeface="+mn-ea"/>
+                <a:cs typeface="+mn-cs"/>
+              </a:defRPr>
+            </a:lvl6pPr>
+            <a:lvl7pPr marL="2743200" indent="0" algn="ctr" defTabSz="457200" rtl="0" eaLnBrk="1" latinLnBrk="0" hangingPunct="1">
+              <a:spcBef>
+                <a:spcPct val="20000"/>
+              </a:spcBef>
+              <a:spcAft>
+                <a:spcPts val="600"/>
+              </a:spcAft>
+              <a:buClr>
+                <a:schemeClr val="accent1"/>
+              </a:buClr>
+              <a:buFont typeface="Wingdings 2" charset="2"/>
+              <a:buNone/>
+              <a:defRPr sz="1200" kern="1200">
+                <a:solidFill>
+                  <a:schemeClr val="tx1">
+                    <a:tint val="75000"/>
+                  </a:schemeClr>
+                </a:solidFill>
+                <a:latin typeface="+mn-lt"/>
+                <a:ea typeface="+mn-ea"/>
+                <a:cs typeface="+mn-cs"/>
+              </a:defRPr>
+            </a:lvl7pPr>
+            <a:lvl8pPr marL="3200400" indent="0" algn="ctr" defTabSz="457200" rtl="0" eaLnBrk="1" latinLnBrk="0" hangingPunct="1">
+              <a:spcBef>
+                <a:spcPct val="20000"/>
+              </a:spcBef>
+              <a:spcAft>
+                <a:spcPts val="600"/>
+              </a:spcAft>
+              <a:buClr>
+                <a:schemeClr val="accent1"/>
+              </a:buClr>
+              <a:buFont typeface="Wingdings 2" charset="2"/>
+              <a:buNone/>
+              <a:defRPr sz="1200" kern="1200">
+                <a:solidFill>
+                  <a:schemeClr val="tx1">
+                    <a:tint val="75000"/>
+                  </a:schemeClr>
+                </a:solidFill>
+                <a:latin typeface="+mn-lt"/>
+                <a:ea typeface="+mn-ea"/>
+                <a:cs typeface="+mn-cs"/>
+              </a:defRPr>
+            </a:lvl8pPr>
+            <a:lvl9pPr marL="3657600" indent="0" algn="ctr" defTabSz="457200" rtl="0" eaLnBrk="1" latinLnBrk="0" hangingPunct="1">
+              <a:spcBef>
+                <a:spcPct val="20000"/>
+              </a:spcBef>
+              <a:spcAft>
+                <a:spcPts val="600"/>
+              </a:spcAft>
+              <a:buClr>
+                <a:schemeClr val="accent1"/>
+              </a:buClr>
+              <a:buFont typeface="Wingdings 2" charset="2"/>
+              <a:buNone/>
+              <a:defRPr sz="1200" kern="1200">
+                <a:solidFill>
+                  <a:schemeClr val="tx1">
+                    <a:tint val="75000"/>
+                  </a:schemeClr>
+                </a:solidFill>
+                <a:latin typeface="+mn-lt"/>
+                <a:ea typeface="+mn-ea"/>
+                <a:cs typeface="+mn-cs"/>
+              </a:defRPr>
+            </a:lvl9pPr>
+          </a:lstStyle>
+          <a:p>
+            <a:r>
+              <a:rPr lang="fr-CH" sz="1500" dirty="0" smtClean="0">
+                <a:solidFill>
+                  <a:schemeClr val="bg2">
+                    <a:lumMod val="50000"/>
+                    <a:lumOff val="50000"/>
+                  </a:schemeClr>
+                </a:solidFill>
+                <a:latin typeface="Gulim" panose="020B0600000101010101" pitchFamily="34" charset="-127"/>
+                <a:ea typeface="Gulim" panose="020B0600000101010101" pitchFamily="34" charset="-127"/>
+              </a:rPr>
+              <a:t>A. </a:t>
+            </a:r>
+            <a:r>
+              <a:rPr lang="fr-CH" sz="1500" dirty="0" err="1" smtClean="0">
+                <a:solidFill>
+                  <a:schemeClr val="bg2">
+                    <a:lumMod val="50000"/>
+                    <a:lumOff val="50000"/>
+                  </a:schemeClr>
+                </a:solidFill>
+                <a:latin typeface="Gulim" panose="020B0600000101010101" pitchFamily="34" charset="-127"/>
+                <a:ea typeface="Gulim" panose="020B0600000101010101" pitchFamily="34" charset="-127"/>
+              </a:rPr>
+              <a:t>Desclouds</a:t>
+            </a:r>
+            <a:r>
+              <a:rPr lang="fr-CH" sz="1500" dirty="0" smtClean="0">
+                <a:solidFill>
+                  <a:schemeClr val="bg2">
+                    <a:lumMod val="50000"/>
+                    <a:lumOff val="50000"/>
+                  </a:schemeClr>
+                </a:solidFill>
+                <a:latin typeface="Gulim" panose="020B0600000101010101" pitchFamily="34" charset="-127"/>
+                <a:ea typeface="Gulim" panose="020B0600000101010101" pitchFamily="34" charset="-127"/>
+              </a:rPr>
+              <a:t>, </a:t>
+            </a:r>
+            <a:r>
+              <a:rPr lang="fr-CH" sz="1500" dirty="0" err="1" smtClean="0">
+                <a:solidFill>
+                  <a:schemeClr val="bg2">
+                    <a:lumMod val="50000"/>
+                    <a:lumOff val="50000"/>
+                  </a:schemeClr>
+                </a:solidFill>
+                <a:latin typeface="Gulim" panose="020B0600000101010101" pitchFamily="34" charset="-127"/>
+                <a:ea typeface="Gulim" panose="020B0600000101010101" pitchFamily="34" charset="-127"/>
+              </a:rPr>
+              <a:t>A.Hug</a:t>
+            </a:r>
+            <a:r>
+              <a:rPr lang="fr-CH" sz="1500" dirty="0" smtClean="0">
+                <a:solidFill>
+                  <a:schemeClr val="bg2">
+                    <a:lumMod val="50000"/>
+                    <a:lumOff val="50000"/>
+                  </a:schemeClr>
+                </a:solidFill>
+                <a:latin typeface="Gulim" panose="020B0600000101010101" pitchFamily="34" charset="-127"/>
+                <a:ea typeface="Gulim" panose="020B0600000101010101" pitchFamily="34" charset="-127"/>
+              </a:rPr>
+              <a:t>, S. </a:t>
+            </a:r>
+            <a:r>
+              <a:rPr lang="fr-CH" sz="1500" dirty="0" err="1" smtClean="0">
+                <a:solidFill>
+                  <a:schemeClr val="bg2">
+                    <a:lumMod val="50000"/>
+                    <a:lumOff val="50000"/>
+                  </a:schemeClr>
+                </a:solidFill>
+                <a:latin typeface="Gulim" panose="020B0600000101010101" pitchFamily="34" charset="-127"/>
+                <a:ea typeface="Gulim" panose="020B0600000101010101" pitchFamily="34" charset="-127"/>
+              </a:rPr>
+              <a:t>Righitto</a:t>
+            </a:r>
+            <a:r>
+              <a:rPr lang="fr-CH" sz="1500" dirty="0" smtClean="0">
+                <a:solidFill>
+                  <a:schemeClr val="bg2">
+                    <a:lumMod val="50000"/>
+                    <a:lumOff val="50000"/>
+                  </a:schemeClr>
+                </a:solidFill>
+                <a:latin typeface="Gulim" panose="020B0600000101010101" pitchFamily="34" charset="-127"/>
+                <a:ea typeface="Gulim" panose="020B0600000101010101" pitchFamily="34" charset="-127"/>
+              </a:rPr>
+              <a:t>, F. </a:t>
+            </a:r>
+            <a:r>
+              <a:rPr lang="fr-CH" sz="1500" dirty="0" err="1" smtClean="0">
+                <a:solidFill>
+                  <a:schemeClr val="bg2">
+                    <a:lumMod val="50000"/>
+                    <a:lumOff val="50000"/>
+                  </a:schemeClr>
+                </a:solidFill>
+                <a:latin typeface="Gulim" panose="020B0600000101010101" pitchFamily="34" charset="-127"/>
+                <a:ea typeface="Gulim" panose="020B0600000101010101" pitchFamily="34" charset="-127"/>
+              </a:rPr>
+              <a:t>Saam</a:t>
+            </a:r>
+            <a:r>
+              <a:rPr lang="fr-CH" sz="1500" dirty="0" smtClean="0">
+                <a:solidFill>
+                  <a:schemeClr val="bg2">
+                    <a:lumMod val="50000"/>
+                    <a:lumOff val="50000"/>
+                  </a:schemeClr>
+                </a:solidFill>
+                <a:latin typeface="Gulim" panose="020B0600000101010101" pitchFamily="34" charset="-127"/>
+                <a:ea typeface="Gulim" panose="020B0600000101010101" pitchFamily="34" charset="-127"/>
+              </a:rPr>
+              <a:t>	</a:t>
+            </a:r>
+            <a:r>
+              <a:rPr lang="fr-CH" sz="1600" dirty="0" smtClean="0">
+                <a:solidFill>
+                  <a:schemeClr val="bg2">
+                    <a:lumMod val="50000"/>
+                    <a:lumOff val="50000"/>
+                  </a:schemeClr>
+                </a:solidFill>
+                <a:latin typeface="Gulim" panose="020B0600000101010101" pitchFamily="34" charset="-127"/>
+                <a:ea typeface="Gulim" panose="020B0600000101010101" pitchFamily="34" charset="-127"/>
+              </a:rPr>
+              <a:t>											</a:t>
+            </a:r>
+            <a:endParaRPr lang="fr-CH" sz="1600" dirty="0">
+              <a:solidFill>
+                <a:schemeClr val="bg2">
+                  <a:lumMod val="50000"/>
+                  <a:lumOff val="50000"/>
+                </a:schemeClr>
+              </a:solidFill>
+              <a:latin typeface="Gulim" panose="020B0600000101010101" pitchFamily="34" charset="-127"/>
+              <a:ea typeface="Gulim" panose="020B0600000101010101" pitchFamily="34" charset="-127"/>
+            </a:endParaRPr>
+          </a:p>
+        </p:txBody>
+      </p:sp>
+    </p:spTree>
+    <p:extLst>
+      <p:ext uri="{BB962C8B-B14F-4D97-AF65-F5344CB8AC3E}">
+        <p14:creationId xmlns:p14="http://schemas.microsoft.com/office/powerpoint/2010/main" val="2372022187"/>
+      </p:ext>
+    </p:extLst>
+  </p:cSld>
+  <p:clrMapOvr>
+    <a:masterClrMapping/>
+  </p:clrMapOvr>
+</p:sld>
+</file>
+
+<file path=ppt/slides/slide12.xml><?xml version="1.0" encoding="utf-8"?>
+<p:sld xmlns:a="http://schemas.openxmlformats.org/drawingml/2006/main" xmlns:r="http://schemas.openxmlformats.org/officeDocument/2006/relationships" xmlns:p="http://schemas.openxmlformats.org/presentationml/2006/main">
+  <p:cSld>
+    <p:spTree>
+      <p:nvGrpSpPr>
+        <p:cNvPr id="1" name=""/>
+        <p:cNvGrpSpPr/>
+        <p:nvPr/>
+      </p:nvGrpSpPr>
+      <p:grpSpPr>
+        <a:xfrm>
+          <a:off x="0" y="0"/>
+          <a:ext cx="0" cy="0"/>
+          <a:chOff x="0" y="0"/>
+          <a:chExt cx="0" cy="0"/>
+        </a:xfrm>
+      </p:grpSpPr>
+      <p:sp>
+        <p:nvSpPr>
+          <p:cNvPr id="2" name="Titre 1"/>
+          <p:cNvSpPr>
+            <a:spLocks noGrp="1"/>
+          </p:cNvSpPr>
+          <p:nvPr>
+            <p:ph type="title"/>
+          </p:nvPr>
+        </p:nvSpPr>
+        <p:spPr/>
+        <p:txBody>
+          <a:bodyPr/>
+          <a:lstStyle/>
+          <a:p>
+            <a:pPr algn="ctr"/>
+            <a:r>
+              <a:rPr lang="fr-CH" sz="4600" dirty="0">
+                <a:latin typeface="Gulim" panose="020B0600000101010101" pitchFamily="34" charset="-127"/>
+                <a:ea typeface="Gulim" panose="020B0600000101010101" pitchFamily="34" charset="-127"/>
+              </a:rPr>
+              <a:t>Démonstration</a:t>
+            </a:r>
+            <a:r>
+              <a:rPr lang="fr-CH" sz="4600" dirty="0" smtClean="0">
+                <a:latin typeface="Gulim" panose="020B0600000101010101" pitchFamily="34" charset="-127"/>
+                <a:ea typeface="Gulim" panose="020B0600000101010101" pitchFamily="34" charset="-127"/>
+              </a:rPr>
+              <a:t>!</a:t>
+            </a:r>
+            <a:endParaRPr lang="fr-CH" sz="4600" dirty="0">
+              <a:latin typeface="Gulim" panose="020B0600000101010101" pitchFamily="34" charset="-127"/>
+              <a:ea typeface="Gulim" panose="020B0600000101010101" pitchFamily="34" charset="-127"/>
+            </a:endParaRPr>
+          </a:p>
+        </p:txBody>
+      </p:sp>
+      <p:pic>
+        <p:nvPicPr>
+          <p:cNvPr id="6" name="Image 5"/>
           <p:cNvPicPr>
             <a:picLocks noChangeAspect="1"/>
           </p:cNvPicPr>
@@ -6288,7 +8851,7 @@
         </p:blipFill>
         <p:spPr>
           <a:xfrm>
-            <a:off x="10880322" y="411686"/>
+            <a:off x="11209408" y="2354284"/>
             <a:ext cx="501676" cy="1041454"/>
           </a:xfrm>
           <a:prstGeom prst="rect">
@@ -6296,6 +8859,93 @@
           </a:prstGeom>
         </p:spPr>
       </p:pic>
+    </p:spTree>
+    <p:extLst>
+      <p:ext uri="{BB962C8B-B14F-4D97-AF65-F5344CB8AC3E}">
+        <p14:creationId xmlns:p14="http://schemas.microsoft.com/office/powerpoint/2010/main" val="3059808555"/>
+      </p:ext>
+    </p:extLst>
+  </p:cSld>
+  <p:clrMapOvr>
+    <a:masterClrMapping/>
+  </p:clrMapOvr>
+</p:sld>
+</file>
+
+<file path=ppt/slides/slide13.xml><?xml version="1.0" encoding="utf-8"?>
+<p:sld xmlns:a="http://schemas.openxmlformats.org/drawingml/2006/main" xmlns:r="http://schemas.openxmlformats.org/officeDocument/2006/relationships" xmlns:p="http://schemas.openxmlformats.org/presentationml/2006/main">
+  <p:cSld>
+    <p:spTree>
+      <p:nvGrpSpPr>
+        <p:cNvPr id="1" name=""/>
+        <p:cNvGrpSpPr/>
+        <p:nvPr/>
+      </p:nvGrpSpPr>
+      <p:grpSpPr>
+        <a:xfrm>
+          <a:off x="0" y="0"/>
+          <a:ext cx="0" cy="0"/>
+          <a:chOff x="0" y="0"/>
+          <a:chExt cx="0" cy="0"/>
+        </a:xfrm>
+      </p:grpSpPr>
+      <p:sp>
+        <p:nvSpPr>
+          <p:cNvPr id="2" name="Titre 1"/>
+          <p:cNvSpPr>
+            <a:spLocks noGrp="1"/>
+          </p:cNvSpPr>
+          <p:nvPr>
+            <p:ph type="title"/>
+          </p:nvPr>
+        </p:nvSpPr>
+        <p:spPr/>
+        <p:txBody>
+          <a:bodyPr/>
+          <a:lstStyle/>
+          <a:p>
+            <a:r>
+              <a:rPr lang="fr-CH" dirty="0" smtClean="0"/>
+              <a:t>Difficultés rencontrées</a:t>
+            </a:r>
+            <a:endParaRPr lang="fr-CH" dirty="0"/>
+          </a:p>
+        </p:txBody>
+      </p:sp>
+      <p:sp>
+        <p:nvSpPr>
+          <p:cNvPr id="3" name="Espace réservé du contenu 2"/>
+          <p:cNvSpPr>
+            <a:spLocks noGrp="1"/>
+          </p:cNvSpPr>
+          <p:nvPr>
+            <p:ph idx="1"/>
+          </p:nvPr>
+        </p:nvSpPr>
+        <p:spPr/>
+        <p:txBody>
+          <a:bodyPr/>
+          <a:lstStyle/>
+          <a:p>
+            <a:r>
+              <a:rPr lang="fr-CH" dirty="0" smtClean="0"/>
+              <a:t>Changement de librairie</a:t>
+            </a:r>
+          </a:p>
+          <a:p>
+            <a:r>
+              <a:rPr lang="fr-CH" dirty="0"/>
+              <a:t>Impossibilité de débuguer</a:t>
+            </a:r>
+          </a:p>
+          <a:p>
+            <a:r>
+              <a:rPr lang="fr-CH" dirty="0" smtClean="0"/>
+              <a:t>Solution: charger le code sur le robot</a:t>
+            </a:r>
+          </a:p>
+        </p:txBody>
+      </p:sp>
       <p:sp>
         <p:nvSpPr>
           <p:cNvPr id="5" name="Sous-titre 2"/>
@@ -6322,7 +8972,7 @@
         </p:spPr>
         <p:txBody>
           <a:bodyPr vert="horz" lIns="91440" tIns="45720" rIns="91440" bIns="45720" rtlCol="0" anchor="t">
-            <a:normAutofit fontScale="92500"/>
+            <a:normAutofit/>
           </a:bodyPr>
           <a:lstStyle>
             <a:lvl1pPr marL="0" indent="0" algn="l" defTabSz="457200" rtl="0" eaLnBrk="1" latinLnBrk="0" hangingPunct="1">
@@ -6533,7 +9183,7 @@
           </a:lstStyle>
           <a:p>
             <a:r>
-              <a:rPr lang="fr-CH" sz="1600" dirty="0" smtClean="0">
+              <a:rPr lang="fr-CH" sz="1500" dirty="0" smtClean="0">
                 <a:solidFill>
                   <a:schemeClr val="bg2">
                     <a:lumMod val="50000"/>
@@ -6546,7 +9196,7 @@
               <a:t>A. </a:t>
             </a:r>
             <a:r>
-              <a:rPr lang="fr-CH" sz="1600" dirty="0" err="1" smtClean="0">
+              <a:rPr lang="fr-CH" sz="1500" dirty="0" err="1" smtClean="0">
                 <a:solidFill>
                   <a:schemeClr val="bg2">
                     <a:lumMod val="50000"/>
@@ -6559,7 +9209,7 @@
               <a:t>Desclouds</a:t>
             </a:r>
             <a:r>
-              <a:rPr lang="fr-CH" sz="1600" dirty="0" smtClean="0">
+              <a:rPr lang="fr-CH" sz="1500" dirty="0" smtClean="0">
                 <a:solidFill>
                   <a:schemeClr val="bg2">
                     <a:lumMod val="50000"/>
@@ -6572,7 +9222,7 @@
               <a:t>, </a:t>
             </a:r>
             <a:r>
-              <a:rPr lang="fr-CH" sz="1600" dirty="0" err="1" smtClean="0">
+              <a:rPr lang="fr-CH" sz="1500" dirty="0" err="1" smtClean="0">
                 <a:solidFill>
                   <a:schemeClr val="bg2">
                     <a:lumMod val="50000"/>
@@ -6585,7 +9235,7 @@
               <a:t>A.Hug</a:t>
             </a:r>
             <a:r>
-              <a:rPr lang="fr-CH" sz="1600" dirty="0" smtClean="0">
+              <a:rPr lang="fr-CH" sz="1500" dirty="0" smtClean="0">
                 <a:solidFill>
                   <a:schemeClr val="bg2">
                     <a:lumMod val="50000"/>
@@ -6598,7 +9248,7 @@
               <a:t>, S. </a:t>
             </a:r>
             <a:r>
-              <a:rPr lang="fr-CH" sz="1600" dirty="0" err="1" smtClean="0">
+              <a:rPr lang="fr-CH" sz="1500" dirty="0" err="1" smtClean="0">
                 <a:solidFill>
                   <a:schemeClr val="bg2">
                     <a:lumMod val="50000"/>
@@ -6611,7 +9261,7 @@
               <a:t>Righitto</a:t>
             </a:r>
             <a:r>
-              <a:rPr lang="fr-CH" sz="1600" dirty="0" smtClean="0">
+              <a:rPr lang="fr-CH" sz="1500" dirty="0" smtClean="0">
                 <a:solidFill>
                   <a:schemeClr val="bg2">
                     <a:lumMod val="50000"/>
@@ -6624,7 +9274,7 @@
               <a:t>, F. </a:t>
             </a:r>
             <a:r>
-              <a:rPr lang="fr-CH" sz="1600" dirty="0" err="1" smtClean="0">
+              <a:rPr lang="fr-CH" sz="1500" dirty="0" err="1" smtClean="0">
                 <a:solidFill>
                   <a:schemeClr val="bg2">
                     <a:lumMod val="50000"/>
@@ -6637,7 +9287,7 @@
               <a:t>Saam</a:t>
             </a:r>
             <a:r>
-              <a:rPr lang="fr-CH" sz="1600" dirty="0" smtClean="0">
+              <a:rPr lang="fr-CH" sz="1500" dirty="0" smtClean="0">
                 <a:solidFill>
                   <a:schemeClr val="bg2">
                     <a:lumMod val="50000"/>
@@ -6647,7 +9297,20 @@
                 <a:latin typeface="Gulim" panose="020B0600000101010101" pitchFamily="34" charset="-127"/>
                 <a:ea typeface="Gulim" panose="020B0600000101010101" pitchFamily="34" charset="-127"/>
               </a:rPr>
-              <a:t>												   15/06/2015</a:t>
+              <a:t>	</a:t>
+            </a:r>
+            <a:r>
+              <a:rPr lang="fr-CH" sz="1600" dirty="0" smtClean="0">
+                <a:solidFill>
+                  <a:schemeClr val="bg2">
+                    <a:lumMod val="50000"/>
+                    <a:lumOff val="50000"/>
+                  </a:schemeClr>
+                </a:solidFill>
+                <a:latin typeface="Gulim" panose="020B0600000101010101" pitchFamily="34" charset="-127"/>
+                <a:ea typeface="Gulim" panose="020B0600000101010101" pitchFamily="34" charset="-127"/>
+              </a:rPr>
+              <a:t>											</a:t>
             </a:r>
             <a:endParaRPr lang="fr-CH" sz="1600" dirty="0">
               <a:solidFill>
@@ -6685,16 +9348,5347 @@
             <a:fld id="{D57F1E4F-1CFF-5643-939E-217C01CDF565}" type="slidenum">
               <a:rPr lang="en-US" smtClean="0"/>
               <a:pPr/>
-              <a:t>‹N°›</a:t>
+              <a:t>13</a:t>
             </a:fld>
             <a:endParaRPr lang="en-US" dirty="0"/>
           </a:p>
         </p:txBody>
       </p:sp>
+      <p:pic>
+        <p:nvPicPr>
+          <p:cNvPr id="7" name="Image 6"/>
+          <p:cNvPicPr>
+            <a:picLocks noChangeAspect="1"/>
+          </p:cNvPicPr>
+          <p:nvPr/>
+        </p:nvPicPr>
+        <p:blipFill>
+          <a:blip r:embed="rId3">
+            <a:extLst>
+              <a:ext uri="{28A0092B-C50C-407E-A947-70E740481C1C}">
+                <a14:useLocalDpi xmlns:a14="http://schemas.microsoft.com/office/drawing/2010/main" val="0"/>
+              </a:ext>
+            </a:extLst>
+          </a:blip>
+          <a:stretch>
+            <a:fillRect/>
+          </a:stretch>
+        </p:blipFill>
+        <p:spPr>
+          <a:xfrm>
+            <a:off x="11209408" y="2354284"/>
+            <a:ext cx="501676" cy="1041454"/>
+          </a:xfrm>
+          <a:prstGeom prst="rect">
+            <a:avLst/>
+          </a:prstGeom>
+        </p:spPr>
+      </p:pic>
+    </p:spTree>
+    <p:extLst>
+      <p:ext uri="{BB962C8B-B14F-4D97-AF65-F5344CB8AC3E}">
+        <p14:creationId xmlns:p14="http://schemas.microsoft.com/office/powerpoint/2010/main" val="3644609006"/>
+      </p:ext>
+    </p:extLst>
+  </p:cSld>
+  <p:clrMapOvr>
+    <a:masterClrMapping/>
+  </p:clrMapOvr>
+  <p:timing>
+    <p:tnLst>
+      <p:par>
+        <p:cTn id="1" dur="indefinite" restart="never" nodeType="tmRoot"/>
+      </p:par>
+    </p:tnLst>
+  </p:timing>
+</p:sld>
+</file>
+
+<file path=ppt/slides/slide14.xml><?xml version="1.0" encoding="utf-8"?>
+<p:sld xmlns:a="http://schemas.openxmlformats.org/drawingml/2006/main" xmlns:r="http://schemas.openxmlformats.org/officeDocument/2006/relationships" xmlns:p="http://schemas.openxmlformats.org/presentationml/2006/main">
+  <p:cSld>
+    <p:spTree>
+      <p:nvGrpSpPr>
+        <p:cNvPr id="1" name=""/>
+        <p:cNvGrpSpPr/>
+        <p:nvPr/>
+      </p:nvGrpSpPr>
+      <p:grpSpPr>
+        <a:xfrm>
+          <a:off x="0" y="0"/>
+          <a:ext cx="0" cy="0"/>
+          <a:chOff x="0" y="0"/>
+          <a:chExt cx="0" cy="0"/>
+        </a:xfrm>
+      </p:grpSpPr>
+      <p:sp>
+        <p:nvSpPr>
+          <p:cNvPr id="2" name="Titre 1"/>
+          <p:cNvSpPr>
+            <a:spLocks noGrp="1"/>
+          </p:cNvSpPr>
+          <p:nvPr>
+            <p:ph type="title"/>
+          </p:nvPr>
+        </p:nvSpPr>
+        <p:spPr/>
+        <p:txBody>
+          <a:bodyPr/>
+          <a:lstStyle/>
+          <a:p>
+            <a:r>
+              <a:rPr lang="fr-CH" dirty="0" smtClean="0"/>
+              <a:t>Bilan final</a:t>
+            </a:r>
+            <a:endParaRPr lang="fr-CH" dirty="0"/>
+          </a:p>
+        </p:txBody>
+      </p:sp>
+      <p:sp>
+        <p:nvSpPr>
+          <p:cNvPr id="3" name="Espace réservé du contenu 2"/>
+          <p:cNvSpPr>
+            <a:spLocks noGrp="1"/>
+          </p:cNvSpPr>
+          <p:nvPr>
+            <p:ph idx="1"/>
+          </p:nvPr>
+        </p:nvSpPr>
+        <p:spPr/>
+        <p:txBody>
+          <a:bodyPr/>
+          <a:lstStyle/>
+          <a:p>
+            <a:r>
+              <a:rPr lang="fr-CH" dirty="0" smtClean="0"/>
+              <a:t>Evolution constante du concept</a:t>
+            </a:r>
+          </a:p>
+          <a:p>
+            <a:r>
+              <a:rPr lang="fr-CH" dirty="0"/>
+              <a:t>Résultat </a:t>
+            </a:r>
+            <a:r>
+              <a:rPr lang="fr-CH" dirty="0" smtClean="0"/>
+              <a:t>obtenu </a:t>
+            </a:r>
+            <a:r>
+              <a:rPr lang="fr-CH" dirty="0" smtClean="0">
+                <a:sym typeface="Wingdings" panose="05000000000000000000" pitchFamily="2" charset="2"/>
+              </a:rPr>
+              <a:t></a:t>
+            </a:r>
+            <a:endParaRPr lang="fr-CH" dirty="0" smtClean="0"/>
+          </a:p>
+          <a:p>
+            <a:r>
+              <a:rPr lang="fr-CH" dirty="0" smtClean="0">
+                <a:sym typeface="Wingdings" panose="05000000000000000000" pitchFamily="2" charset="2"/>
+              </a:rPr>
+              <a:t>Jouer avec les robots </a:t>
+            </a:r>
+            <a:endParaRPr lang="fr-CH" dirty="0" smtClean="0"/>
+          </a:p>
+          <a:p>
+            <a:r>
+              <a:rPr lang="fr-CH" dirty="0" smtClean="0"/>
+              <a:t>Expérience unique d’un projet pour un musée</a:t>
+            </a:r>
+          </a:p>
+          <a:p>
+            <a:r>
+              <a:rPr lang="fr-CH" dirty="0" smtClean="0"/>
+              <a:t>Améliorations possibles</a:t>
+            </a:r>
+          </a:p>
+          <a:p>
+            <a:pPr lvl="1"/>
+            <a:r>
+              <a:rPr lang="fr-CH" dirty="0" smtClean="0"/>
+              <a:t>Récrire la librairie</a:t>
+            </a:r>
+          </a:p>
+        </p:txBody>
+      </p:sp>
+      <p:sp>
+        <p:nvSpPr>
+          <p:cNvPr id="5" name="Sous-titre 2"/>
+          <p:cNvSpPr txBox="1">
+            <a:spLocks/>
+          </p:cNvSpPr>
+          <p:nvPr/>
+        </p:nvSpPr>
+        <p:spPr>
+          <a:xfrm>
+            <a:off x="810001" y="6050877"/>
+            <a:ext cx="10572000" cy="434974"/>
+          </a:xfrm>
+          <a:prstGeom prst="rect">
+            <a:avLst/>
+          </a:prstGeom>
+          <a:effectLst>
+            <a:outerShdw blurRad="50800" dir="14400000">
+              <a:srgbClr val="000000">
+                <a:alpha val="40000"/>
+              </a:srgbClr>
+            </a:outerShdw>
+          </a:effectLst>
+        </p:spPr>
+        <p:txBody>
+          <a:bodyPr vert="horz" lIns="91440" tIns="45720" rIns="91440" bIns="45720" rtlCol="0" anchor="t">
+            <a:normAutofit/>
+          </a:bodyPr>
+          <a:lstStyle>
+            <a:lvl1pPr marL="0" indent="0" algn="l" defTabSz="457200" rtl="0" eaLnBrk="1" latinLnBrk="0" hangingPunct="1">
+              <a:spcBef>
+                <a:spcPct val="20000"/>
+              </a:spcBef>
+              <a:spcAft>
+                <a:spcPts val="600"/>
+              </a:spcAft>
+              <a:buClr>
+                <a:schemeClr val="accent1"/>
+              </a:buClr>
+              <a:buFont typeface="Wingdings 2" charset="2"/>
+              <a:buNone/>
+              <a:defRPr sz="1800" kern="1200">
+                <a:solidFill>
+                  <a:schemeClr val="tx1"/>
+                </a:solidFill>
+                <a:latin typeface="+mn-lt"/>
+                <a:ea typeface="+mn-ea"/>
+                <a:cs typeface="+mn-cs"/>
+              </a:defRPr>
+            </a:lvl1pPr>
+            <a:lvl2pPr marL="457200" indent="0" algn="ctr" defTabSz="457200" rtl="0" eaLnBrk="1" latinLnBrk="0" hangingPunct="1">
+              <a:spcBef>
+                <a:spcPct val="20000"/>
+              </a:spcBef>
+              <a:spcAft>
+                <a:spcPts val="600"/>
+              </a:spcAft>
+              <a:buClr>
+                <a:schemeClr val="accent1"/>
+              </a:buClr>
+              <a:buFont typeface="Wingdings 2" charset="2"/>
+              <a:buNone/>
+              <a:defRPr sz="1600" kern="1200">
+                <a:solidFill>
+                  <a:schemeClr val="tx1">
+                    <a:tint val="75000"/>
+                  </a:schemeClr>
+                </a:solidFill>
+                <a:latin typeface="+mn-lt"/>
+                <a:ea typeface="+mn-ea"/>
+                <a:cs typeface="+mn-cs"/>
+              </a:defRPr>
+            </a:lvl2pPr>
+            <a:lvl3pPr marL="914400" indent="0" algn="ctr" defTabSz="457200" rtl="0" eaLnBrk="1" latinLnBrk="0" hangingPunct="1">
+              <a:spcBef>
+                <a:spcPct val="20000"/>
+              </a:spcBef>
+              <a:spcAft>
+                <a:spcPts val="600"/>
+              </a:spcAft>
+              <a:buClr>
+                <a:schemeClr val="accent1"/>
+              </a:buClr>
+              <a:buFont typeface="Wingdings 2" charset="2"/>
+              <a:buNone/>
+              <a:defRPr sz="1400" kern="1200">
+                <a:solidFill>
+                  <a:schemeClr val="tx1">
+                    <a:tint val="75000"/>
+                  </a:schemeClr>
+                </a:solidFill>
+                <a:latin typeface="+mn-lt"/>
+                <a:ea typeface="+mn-ea"/>
+                <a:cs typeface="+mn-cs"/>
+              </a:defRPr>
+            </a:lvl3pPr>
+            <a:lvl4pPr marL="1371600" indent="0" algn="ctr" defTabSz="457200" rtl="0" eaLnBrk="1" latinLnBrk="0" hangingPunct="1">
+              <a:spcBef>
+                <a:spcPct val="20000"/>
+              </a:spcBef>
+              <a:spcAft>
+                <a:spcPts val="600"/>
+              </a:spcAft>
+              <a:buClr>
+                <a:schemeClr val="accent1"/>
+              </a:buClr>
+              <a:buFont typeface="Wingdings 2" charset="2"/>
+              <a:buNone/>
+              <a:defRPr sz="1200" kern="1200">
+                <a:solidFill>
+                  <a:schemeClr val="tx1">
+                    <a:tint val="75000"/>
+                  </a:schemeClr>
+                </a:solidFill>
+                <a:latin typeface="+mn-lt"/>
+                <a:ea typeface="+mn-ea"/>
+                <a:cs typeface="+mn-cs"/>
+              </a:defRPr>
+            </a:lvl4pPr>
+            <a:lvl5pPr marL="1828800" indent="0" algn="ctr" defTabSz="457200" rtl="0" eaLnBrk="1" latinLnBrk="0" hangingPunct="1">
+              <a:spcBef>
+                <a:spcPct val="20000"/>
+              </a:spcBef>
+              <a:spcAft>
+                <a:spcPts val="600"/>
+              </a:spcAft>
+              <a:buClr>
+                <a:schemeClr val="accent1"/>
+              </a:buClr>
+              <a:buFont typeface="Wingdings 2" charset="2"/>
+              <a:buNone/>
+              <a:defRPr sz="1200" kern="1200">
+                <a:solidFill>
+                  <a:schemeClr val="tx1">
+                    <a:tint val="75000"/>
+                  </a:schemeClr>
+                </a:solidFill>
+                <a:latin typeface="+mn-lt"/>
+                <a:ea typeface="+mn-ea"/>
+                <a:cs typeface="+mn-cs"/>
+              </a:defRPr>
+            </a:lvl5pPr>
+            <a:lvl6pPr marL="2286000" indent="0" algn="ctr" defTabSz="457200" rtl="0" eaLnBrk="1" latinLnBrk="0" hangingPunct="1">
+              <a:spcBef>
+                <a:spcPct val="20000"/>
+              </a:spcBef>
+              <a:spcAft>
+                <a:spcPts val="600"/>
+              </a:spcAft>
+              <a:buClr>
+                <a:schemeClr val="accent1"/>
+              </a:buClr>
+              <a:buFont typeface="Wingdings 2" charset="2"/>
+              <a:buNone/>
+              <a:defRPr sz="1200" kern="1200">
+                <a:solidFill>
+                  <a:schemeClr val="tx1">
+                    <a:tint val="75000"/>
+                  </a:schemeClr>
+                </a:solidFill>
+                <a:latin typeface="+mn-lt"/>
+                <a:ea typeface="+mn-ea"/>
+                <a:cs typeface="+mn-cs"/>
+              </a:defRPr>
+            </a:lvl6pPr>
+            <a:lvl7pPr marL="2743200" indent="0" algn="ctr" defTabSz="457200" rtl="0" eaLnBrk="1" latinLnBrk="0" hangingPunct="1">
+              <a:spcBef>
+                <a:spcPct val="20000"/>
+              </a:spcBef>
+              <a:spcAft>
+                <a:spcPts val="600"/>
+              </a:spcAft>
+              <a:buClr>
+                <a:schemeClr val="accent1"/>
+              </a:buClr>
+              <a:buFont typeface="Wingdings 2" charset="2"/>
+              <a:buNone/>
+              <a:defRPr sz="1200" kern="1200">
+                <a:solidFill>
+                  <a:schemeClr val="tx1">
+                    <a:tint val="75000"/>
+                  </a:schemeClr>
+                </a:solidFill>
+                <a:latin typeface="+mn-lt"/>
+                <a:ea typeface="+mn-ea"/>
+                <a:cs typeface="+mn-cs"/>
+              </a:defRPr>
+            </a:lvl7pPr>
+            <a:lvl8pPr marL="3200400" indent="0" algn="ctr" defTabSz="457200" rtl="0" eaLnBrk="1" latinLnBrk="0" hangingPunct="1">
+              <a:spcBef>
+                <a:spcPct val="20000"/>
+              </a:spcBef>
+              <a:spcAft>
+                <a:spcPts val="600"/>
+              </a:spcAft>
+              <a:buClr>
+                <a:schemeClr val="accent1"/>
+              </a:buClr>
+              <a:buFont typeface="Wingdings 2" charset="2"/>
+              <a:buNone/>
+              <a:defRPr sz="1200" kern="1200">
+                <a:solidFill>
+                  <a:schemeClr val="tx1">
+                    <a:tint val="75000"/>
+                  </a:schemeClr>
+                </a:solidFill>
+                <a:latin typeface="+mn-lt"/>
+                <a:ea typeface="+mn-ea"/>
+                <a:cs typeface="+mn-cs"/>
+              </a:defRPr>
+            </a:lvl8pPr>
+            <a:lvl9pPr marL="3657600" indent="0" algn="ctr" defTabSz="457200" rtl="0" eaLnBrk="1" latinLnBrk="0" hangingPunct="1">
+              <a:spcBef>
+                <a:spcPct val="20000"/>
+              </a:spcBef>
+              <a:spcAft>
+                <a:spcPts val="600"/>
+              </a:spcAft>
+              <a:buClr>
+                <a:schemeClr val="accent1"/>
+              </a:buClr>
+              <a:buFont typeface="Wingdings 2" charset="2"/>
+              <a:buNone/>
+              <a:defRPr sz="1200" kern="1200">
+                <a:solidFill>
+                  <a:schemeClr val="tx1">
+                    <a:tint val="75000"/>
+                  </a:schemeClr>
+                </a:solidFill>
+                <a:latin typeface="+mn-lt"/>
+                <a:ea typeface="+mn-ea"/>
+                <a:cs typeface="+mn-cs"/>
+              </a:defRPr>
+            </a:lvl9pPr>
+          </a:lstStyle>
+          <a:p>
+            <a:r>
+              <a:rPr lang="fr-CH" sz="1500" dirty="0" smtClean="0">
+                <a:solidFill>
+                  <a:schemeClr val="bg2">
+                    <a:lumMod val="50000"/>
+                    <a:lumOff val="50000"/>
+                  </a:schemeClr>
+                </a:solidFill>
+                <a:latin typeface="Gulim" panose="020B0600000101010101" pitchFamily="34" charset="-127"/>
+                <a:ea typeface="Gulim" panose="020B0600000101010101" pitchFamily="34" charset="-127"/>
+              </a:rPr>
+              <a:t>A. </a:t>
+            </a:r>
+            <a:r>
+              <a:rPr lang="fr-CH" sz="1500" dirty="0" err="1" smtClean="0">
+                <a:solidFill>
+                  <a:schemeClr val="bg2">
+                    <a:lumMod val="50000"/>
+                    <a:lumOff val="50000"/>
+                  </a:schemeClr>
+                </a:solidFill>
+                <a:latin typeface="Gulim" panose="020B0600000101010101" pitchFamily="34" charset="-127"/>
+                <a:ea typeface="Gulim" panose="020B0600000101010101" pitchFamily="34" charset="-127"/>
+              </a:rPr>
+              <a:t>Desclouds</a:t>
+            </a:r>
+            <a:r>
+              <a:rPr lang="fr-CH" sz="1500" dirty="0" smtClean="0">
+                <a:solidFill>
+                  <a:schemeClr val="bg2">
+                    <a:lumMod val="50000"/>
+                    <a:lumOff val="50000"/>
+                  </a:schemeClr>
+                </a:solidFill>
+                <a:latin typeface="Gulim" panose="020B0600000101010101" pitchFamily="34" charset="-127"/>
+                <a:ea typeface="Gulim" panose="020B0600000101010101" pitchFamily="34" charset="-127"/>
+              </a:rPr>
+              <a:t>, </a:t>
+            </a:r>
+            <a:r>
+              <a:rPr lang="fr-CH" sz="1500" dirty="0" err="1" smtClean="0">
+                <a:solidFill>
+                  <a:schemeClr val="bg2">
+                    <a:lumMod val="50000"/>
+                    <a:lumOff val="50000"/>
+                  </a:schemeClr>
+                </a:solidFill>
+                <a:latin typeface="Gulim" panose="020B0600000101010101" pitchFamily="34" charset="-127"/>
+                <a:ea typeface="Gulim" panose="020B0600000101010101" pitchFamily="34" charset="-127"/>
+              </a:rPr>
+              <a:t>A.Hug</a:t>
+            </a:r>
+            <a:r>
+              <a:rPr lang="fr-CH" sz="1500" dirty="0" smtClean="0">
+                <a:solidFill>
+                  <a:schemeClr val="bg2">
+                    <a:lumMod val="50000"/>
+                    <a:lumOff val="50000"/>
+                  </a:schemeClr>
+                </a:solidFill>
+                <a:latin typeface="Gulim" panose="020B0600000101010101" pitchFamily="34" charset="-127"/>
+                <a:ea typeface="Gulim" panose="020B0600000101010101" pitchFamily="34" charset="-127"/>
+              </a:rPr>
+              <a:t>, S. </a:t>
+            </a:r>
+            <a:r>
+              <a:rPr lang="fr-CH" sz="1500" dirty="0" err="1" smtClean="0">
+                <a:solidFill>
+                  <a:schemeClr val="bg2">
+                    <a:lumMod val="50000"/>
+                    <a:lumOff val="50000"/>
+                  </a:schemeClr>
+                </a:solidFill>
+                <a:latin typeface="Gulim" panose="020B0600000101010101" pitchFamily="34" charset="-127"/>
+                <a:ea typeface="Gulim" panose="020B0600000101010101" pitchFamily="34" charset="-127"/>
+              </a:rPr>
+              <a:t>Righitto</a:t>
+            </a:r>
+            <a:r>
+              <a:rPr lang="fr-CH" sz="1500" dirty="0" smtClean="0">
+                <a:solidFill>
+                  <a:schemeClr val="bg2">
+                    <a:lumMod val="50000"/>
+                    <a:lumOff val="50000"/>
+                  </a:schemeClr>
+                </a:solidFill>
+                <a:latin typeface="Gulim" panose="020B0600000101010101" pitchFamily="34" charset="-127"/>
+                <a:ea typeface="Gulim" panose="020B0600000101010101" pitchFamily="34" charset="-127"/>
+              </a:rPr>
+              <a:t>, F. </a:t>
+            </a:r>
+            <a:r>
+              <a:rPr lang="fr-CH" sz="1500" dirty="0" err="1" smtClean="0">
+                <a:solidFill>
+                  <a:schemeClr val="bg2">
+                    <a:lumMod val="50000"/>
+                    <a:lumOff val="50000"/>
+                  </a:schemeClr>
+                </a:solidFill>
+                <a:latin typeface="Gulim" panose="020B0600000101010101" pitchFamily="34" charset="-127"/>
+                <a:ea typeface="Gulim" panose="020B0600000101010101" pitchFamily="34" charset="-127"/>
+              </a:rPr>
+              <a:t>Saam</a:t>
+            </a:r>
+            <a:r>
+              <a:rPr lang="fr-CH" sz="1500" dirty="0" smtClean="0">
+                <a:solidFill>
+                  <a:schemeClr val="bg2">
+                    <a:lumMod val="50000"/>
+                    <a:lumOff val="50000"/>
+                  </a:schemeClr>
+                </a:solidFill>
+                <a:latin typeface="Gulim" panose="020B0600000101010101" pitchFamily="34" charset="-127"/>
+                <a:ea typeface="Gulim" panose="020B0600000101010101" pitchFamily="34" charset="-127"/>
+              </a:rPr>
+              <a:t>	</a:t>
+            </a:r>
+            <a:r>
+              <a:rPr lang="fr-CH" sz="1600" dirty="0" smtClean="0">
+                <a:solidFill>
+                  <a:schemeClr val="bg2">
+                    <a:lumMod val="50000"/>
+                    <a:lumOff val="50000"/>
+                  </a:schemeClr>
+                </a:solidFill>
+                <a:latin typeface="Gulim" panose="020B0600000101010101" pitchFamily="34" charset="-127"/>
+                <a:ea typeface="Gulim" panose="020B0600000101010101" pitchFamily="34" charset="-127"/>
+              </a:rPr>
+              <a:t>											</a:t>
+            </a:r>
+            <a:endParaRPr lang="fr-CH" sz="1600" dirty="0">
+              <a:solidFill>
+                <a:schemeClr val="bg2">
+                  <a:lumMod val="50000"/>
+                  <a:lumOff val="50000"/>
+                </a:schemeClr>
+              </a:solidFill>
+              <a:latin typeface="Gulim" panose="020B0600000101010101" pitchFamily="34" charset="-127"/>
+              <a:ea typeface="Gulim" panose="020B0600000101010101" pitchFamily="34" charset="-127"/>
+            </a:endParaRPr>
+          </a:p>
+        </p:txBody>
+      </p:sp>
+      <p:sp>
+        <p:nvSpPr>
+          <p:cNvPr id="6" name="Slide Number Placeholder 5"/>
+          <p:cNvSpPr>
+            <a:spLocks noGrp="1"/>
+          </p:cNvSpPr>
+          <p:nvPr>
+            <p:ph type="sldNum" sz="quarter" idx="12"/>
+          </p:nvPr>
+        </p:nvSpPr>
+        <p:spPr>
+          <a:xfrm>
+            <a:off x="10678331" y="5915888"/>
+            <a:ext cx="1062155" cy="490599"/>
+          </a:xfrm>
+        </p:spPr>
+        <p:txBody>
+          <a:bodyPr/>
+          <a:lstStyle/>
+          <a:p>
+            <a:fld id="{D57F1E4F-1CFF-5643-939E-217C01CDF565}" type="slidenum">
+              <a:rPr lang="en-US" smtClean="0"/>
+              <a:pPr/>
+              <a:t>14</a:t>
+            </a:fld>
+            <a:endParaRPr lang="en-US" dirty="0"/>
+          </a:p>
+        </p:txBody>
+      </p:sp>
+      <p:pic>
+        <p:nvPicPr>
+          <p:cNvPr id="7" name="Image 6"/>
+          <p:cNvPicPr>
+            <a:picLocks noChangeAspect="1"/>
+          </p:cNvPicPr>
+          <p:nvPr/>
+        </p:nvPicPr>
+        <p:blipFill>
+          <a:blip r:embed="rId3">
+            <a:extLst>
+              <a:ext uri="{28A0092B-C50C-407E-A947-70E740481C1C}">
+                <a14:useLocalDpi xmlns:a14="http://schemas.microsoft.com/office/drawing/2010/main" val="0"/>
+              </a:ext>
+            </a:extLst>
+          </a:blip>
+          <a:stretch>
+            <a:fillRect/>
+          </a:stretch>
+        </p:blipFill>
+        <p:spPr>
+          <a:xfrm>
+            <a:off x="11209408" y="2354284"/>
+            <a:ext cx="501676" cy="1041454"/>
+          </a:xfrm>
+          <a:prstGeom prst="rect">
+            <a:avLst/>
+          </a:prstGeom>
+        </p:spPr>
+      </p:pic>
+    </p:spTree>
+    <p:extLst>
+      <p:ext uri="{BB962C8B-B14F-4D97-AF65-F5344CB8AC3E}">
+        <p14:creationId xmlns:p14="http://schemas.microsoft.com/office/powerpoint/2010/main" val="2494147281"/>
+      </p:ext>
+    </p:extLst>
+  </p:cSld>
+  <p:clrMapOvr>
+    <a:masterClrMapping/>
+  </p:clrMapOvr>
+  <p:timing>
+    <p:tnLst>
+      <p:par>
+        <p:cTn id="1" dur="indefinite" restart="never" nodeType="tmRoot"/>
+      </p:par>
+    </p:tnLst>
+  </p:timing>
+</p:sld>
+</file>
+
+<file path=ppt/slides/slide15.xml><?xml version="1.0" encoding="utf-8"?>
+<p:sld xmlns:a="http://schemas.openxmlformats.org/drawingml/2006/main" xmlns:r="http://schemas.openxmlformats.org/officeDocument/2006/relationships" xmlns:p="http://schemas.openxmlformats.org/presentationml/2006/main">
+  <p:cSld>
+    <p:spTree>
+      <p:nvGrpSpPr>
+        <p:cNvPr id="1" name=""/>
+        <p:cNvGrpSpPr/>
+        <p:nvPr/>
+      </p:nvGrpSpPr>
+      <p:grpSpPr>
+        <a:xfrm>
+          <a:off x="0" y="0"/>
+          <a:ext cx="0" cy="0"/>
+          <a:chOff x="0" y="0"/>
+          <a:chExt cx="0" cy="0"/>
+        </a:xfrm>
+      </p:grpSpPr>
+      <p:sp>
+        <p:nvSpPr>
+          <p:cNvPr id="2" name="Titre 1"/>
+          <p:cNvSpPr>
+            <a:spLocks noGrp="1"/>
+          </p:cNvSpPr>
+          <p:nvPr>
+            <p:ph type="title"/>
+          </p:nvPr>
+        </p:nvSpPr>
+        <p:spPr/>
+        <p:txBody>
+          <a:bodyPr/>
+          <a:lstStyle/>
+          <a:p>
+            <a:r>
+              <a:rPr lang="fr-CH" sz="4400" dirty="0" smtClean="0">
+                <a:latin typeface="Gulim" panose="020B0600000101010101" pitchFamily="34" charset="-127"/>
+                <a:ea typeface="Gulim" panose="020B0600000101010101" pitchFamily="34" charset="-127"/>
+              </a:rPr>
+              <a:t>Merci pour </a:t>
+            </a:r>
+            <a:br>
+              <a:rPr lang="fr-CH" sz="4400" dirty="0" smtClean="0">
+                <a:latin typeface="Gulim" panose="020B0600000101010101" pitchFamily="34" charset="-127"/>
+                <a:ea typeface="Gulim" panose="020B0600000101010101" pitchFamily="34" charset="-127"/>
+              </a:rPr>
+            </a:br>
+            <a:r>
+              <a:rPr lang="fr-CH" sz="4400" dirty="0" smtClean="0">
+                <a:latin typeface="Gulim" panose="020B0600000101010101" pitchFamily="34" charset="-127"/>
+                <a:ea typeface="Gulim" panose="020B0600000101010101" pitchFamily="34" charset="-127"/>
+              </a:rPr>
+              <a:t>votre attention !</a:t>
+            </a:r>
+            <a:endParaRPr lang="fr-CH" sz="4400" dirty="0">
+              <a:latin typeface="Gulim" panose="020B0600000101010101" pitchFamily="34" charset="-127"/>
+              <a:ea typeface="Gulim" panose="020B0600000101010101" pitchFamily="34" charset="-127"/>
+            </a:endParaRPr>
+          </a:p>
+        </p:txBody>
+      </p:sp>
+      <p:pic>
+        <p:nvPicPr>
+          <p:cNvPr id="3" name="Image 2"/>
+          <p:cNvPicPr>
+            <a:picLocks noChangeAspect="1"/>
+          </p:cNvPicPr>
+          <p:nvPr/>
+        </p:nvPicPr>
+        <p:blipFill>
+          <a:blip r:embed="rId2">
+            <a:extLst>
+              <a:ext uri="{28A0092B-C50C-407E-A947-70E740481C1C}">
+                <a14:useLocalDpi xmlns:a14="http://schemas.microsoft.com/office/drawing/2010/main" val="0"/>
+              </a:ext>
+            </a:extLst>
+          </a:blip>
+          <a:stretch>
+            <a:fillRect/>
+          </a:stretch>
+        </p:blipFill>
+        <p:spPr>
+          <a:xfrm>
+            <a:off x="11209408" y="2292641"/>
+            <a:ext cx="501676" cy="1041454"/>
+          </a:xfrm>
+          <a:prstGeom prst="rect">
+            <a:avLst/>
+          </a:prstGeom>
+        </p:spPr>
+      </p:pic>
+      <p:pic>
+        <p:nvPicPr>
+          <p:cNvPr id="4" name="Image 3"/>
+          <p:cNvPicPr>
+            <a:picLocks noChangeAspect="1"/>
+          </p:cNvPicPr>
+          <p:nvPr/>
+        </p:nvPicPr>
+        <p:blipFill>
+          <a:blip r:embed="rId3">
+            <a:extLst>
+              <a:ext uri="{28A0092B-C50C-407E-A947-70E740481C1C}">
+                <a14:useLocalDpi xmlns:a14="http://schemas.microsoft.com/office/drawing/2010/main" val="0"/>
+              </a:ext>
+            </a:extLst>
+          </a:blip>
+          <a:stretch>
+            <a:fillRect/>
+          </a:stretch>
+        </p:blipFill>
+        <p:spPr>
+          <a:xfrm>
+            <a:off x="7065938" y="2365618"/>
+            <a:ext cx="2500094" cy="2177783"/>
+          </a:xfrm>
+          <a:prstGeom prst="rect">
+            <a:avLst/>
+          </a:prstGeom>
+          <a:ln w="76200">
+            <a:solidFill>
+              <a:schemeClr val="accent1"/>
+            </a:solidFill>
+          </a:ln>
+        </p:spPr>
+      </p:pic>
+      <p:sp>
+        <p:nvSpPr>
+          <p:cNvPr id="6" name="Sous-titre 2"/>
+          <p:cNvSpPr txBox="1">
+            <a:spLocks/>
+          </p:cNvSpPr>
+          <p:nvPr/>
+        </p:nvSpPr>
+        <p:spPr>
+          <a:xfrm>
+            <a:off x="1125414" y="6103732"/>
+            <a:ext cx="4923693" cy="434974"/>
+          </a:xfrm>
+          <a:prstGeom prst="rect">
+            <a:avLst/>
+          </a:prstGeom>
+          <a:effectLst>
+            <a:outerShdw blurRad="50800" dir="14400000">
+              <a:srgbClr val="000000">
+                <a:alpha val="40000"/>
+              </a:srgbClr>
+            </a:outerShdw>
+          </a:effectLst>
+        </p:spPr>
+        <p:txBody>
+          <a:bodyPr vert="horz" lIns="91440" tIns="45720" rIns="91440" bIns="45720" rtlCol="0" anchor="t">
+            <a:normAutofit/>
+          </a:bodyPr>
+          <a:lstStyle>
+            <a:lvl1pPr marL="0" indent="0" algn="l" defTabSz="457200" rtl="0" eaLnBrk="1" latinLnBrk="0" hangingPunct="1">
+              <a:spcBef>
+                <a:spcPct val="20000"/>
+              </a:spcBef>
+              <a:spcAft>
+                <a:spcPts val="600"/>
+              </a:spcAft>
+              <a:buClr>
+                <a:schemeClr val="accent1"/>
+              </a:buClr>
+              <a:buFont typeface="Wingdings 2" charset="2"/>
+              <a:buNone/>
+              <a:defRPr sz="1800" kern="1200">
+                <a:solidFill>
+                  <a:schemeClr val="tx1"/>
+                </a:solidFill>
+                <a:latin typeface="+mn-lt"/>
+                <a:ea typeface="+mn-ea"/>
+                <a:cs typeface="+mn-cs"/>
+              </a:defRPr>
+            </a:lvl1pPr>
+            <a:lvl2pPr marL="457200" indent="0" algn="ctr" defTabSz="457200" rtl="0" eaLnBrk="1" latinLnBrk="0" hangingPunct="1">
+              <a:spcBef>
+                <a:spcPct val="20000"/>
+              </a:spcBef>
+              <a:spcAft>
+                <a:spcPts val="600"/>
+              </a:spcAft>
+              <a:buClr>
+                <a:schemeClr val="accent1"/>
+              </a:buClr>
+              <a:buFont typeface="Wingdings 2" charset="2"/>
+              <a:buNone/>
+              <a:defRPr sz="1600" kern="1200">
+                <a:solidFill>
+                  <a:schemeClr val="tx1">
+                    <a:tint val="75000"/>
+                  </a:schemeClr>
+                </a:solidFill>
+                <a:latin typeface="+mn-lt"/>
+                <a:ea typeface="+mn-ea"/>
+                <a:cs typeface="+mn-cs"/>
+              </a:defRPr>
+            </a:lvl2pPr>
+            <a:lvl3pPr marL="914400" indent="0" algn="ctr" defTabSz="457200" rtl="0" eaLnBrk="1" latinLnBrk="0" hangingPunct="1">
+              <a:spcBef>
+                <a:spcPct val="20000"/>
+              </a:spcBef>
+              <a:spcAft>
+                <a:spcPts val="600"/>
+              </a:spcAft>
+              <a:buClr>
+                <a:schemeClr val="accent1"/>
+              </a:buClr>
+              <a:buFont typeface="Wingdings 2" charset="2"/>
+              <a:buNone/>
+              <a:defRPr sz="1400" kern="1200">
+                <a:solidFill>
+                  <a:schemeClr val="tx1">
+                    <a:tint val="75000"/>
+                  </a:schemeClr>
+                </a:solidFill>
+                <a:latin typeface="+mn-lt"/>
+                <a:ea typeface="+mn-ea"/>
+                <a:cs typeface="+mn-cs"/>
+              </a:defRPr>
+            </a:lvl3pPr>
+            <a:lvl4pPr marL="1371600" indent="0" algn="ctr" defTabSz="457200" rtl="0" eaLnBrk="1" latinLnBrk="0" hangingPunct="1">
+              <a:spcBef>
+                <a:spcPct val="20000"/>
+              </a:spcBef>
+              <a:spcAft>
+                <a:spcPts val="600"/>
+              </a:spcAft>
+              <a:buClr>
+                <a:schemeClr val="accent1"/>
+              </a:buClr>
+              <a:buFont typeface="Wingdings 2" charset="2"/>
+              <a:buNone/>
+              <a:defRPr sz="1200" kern="1200">
+                <a:solidFill>
+                  <a:schemeClr val="tx1">
+                    <a:tint val="75000"/>
+                  </a:schemeClr>
+                </a:solidFill>
+                <a:latin typeface="+mn-lt"/>
+                <a:ea typeface="+mn-ea"/>
+                <a:cs typeface="+mn-cs"/>
+              </a:defRPr>
+            </a:lvl4pPr>
+            <a:lvl5pPr marL="1828800" indent="0" algn="ctr" defTabSz="457200" rtl="0" eaLnBrk="1" latinLnBrk="0" hangingPunct="1">
+              <a:spcBef>
+                <a:spcPct val="20000"/>
+              </a:spcBef>
+              <a:spcAft>
+                <a:spcPts val="600"/>
+              </a:spcAft>
+              <a:buClr>
+                <a:schemeClr val="accent1"/>
+              </a:buClr>
+              <a:buFont typeface="Wingdings 2" charset="2"/>
+              <a:buNone/>
+              <a:defRPr sz="1200" kern="1200">
+                <a:solidFill>
+                  <a:schemeClr val="tx1">
+                    <a:tint val="75000"/>
+                  </a:schemeClr>
+                </a:solidFill>
+                <a:latin typeface="+mn-lt"/>
+                <a:ea typeface="+mn-ea"/>
+                <a:cs typeface="+mn-cs"/>
+              </a:defRPr>
+            </a:lvl5pPr>
+            <a:lvl6pPr marL="2286000" indent="0" algn="ctr" defTabSz="457200" rtl="0" eaLnBrk="1" latinLnBrk="0" hangingPunct="1">
+              <a:spcBef>
+                <a:spcPct val="20000"/>
+              </a:spcBef>
+              <a:spcAft>
+                <a:spcPts val="600"/>
+              </a:spcAft>
+              <a:buClr>
+                <a:schemeClr val="accent1"/>
+              </a:buClr>
+              <a:buFont typeface="Wingdings 2" charset="2"/>
+              <a:buNone/>
+              <a:defRPr sz="1200" kern="1200">
+                <a:solidFill>
+                  <a:schemeClr val="tx1">
+                    <a:tint val="75000"/>
+                  </a:schemeClr>
+                </a:solidFill>
+                <a:latin typeface="+mn-lt"/>
+                <a:ea typeface="+mn-ea"/>
+                <a:cs typeface="+mn-cs"/>
+              </a:defRPr>
+            </a:lvl6pPr>
+            <a:lvl7pPr marL="2743200" indent="0" algn="ctr" defTabSz="457200" rtl="0" eaLnBrk="1" latinLnBrk="0" hangingPunct="1">
+              <a:spcBef>
+                <a:spcPct val="20000"/>
+              </a:spcBef>
+              <a:spcAft>
+                <a:spcPts val="600"/>
+              </a:spcAft>
+              <a:buClr>
+                <a:schemeClr val="accent1"/>
+              </a:buClr>
+              <a:buFont typeface="Wingdings 2" charset="2"/>
+              <a:buNone/>
+              <a:defRPr sz="1200" kern="1200">
+                <a:solidFill>
+                  <a:schemeClr val="tx1">
+                    <a:tint val="75000"/>
+                  </a:schemeClr>
+                </a:solidFill>
+                <a:latin typeface="+mn-lt"/>
+                <a:ea typeface="+mn-ea"/>
+                <a:cs typeface="+mn-cs"/>
+              </a:defRPr>
+            </a:lvl7pPr>
+            <a:lvl8pPr marL="3200400" indent="0" algn="ctr" defTabSz="457200" rtl="0" eaLnBrk="1" latinLnBrk="0" hangingPunct="1">
+              <a:spcBef>
+                <a:spcPct val="20000"/>
+              </a:spcBef>
+              <a:spcAft>
+                <a:spcPts val="600"/>
+              </a:spcAft>
+              <a:buClr>
+                <a:schemeClr val="accent1"/>
+              </a:buClr>
+              <a:buFont typeface="Wingdings 2" charset="2"/>
+              <a:buNone/>
+              <a:defRPr sz="1200" kern="1200">
+                <a:solidFill>
+                  <a:schemeClr val="tx1">
+                    <a:tint val="75000"/>
+                  </a:schemeClr>
+                </a:solidFill>
+                <a:latin typeface="+mn-lt"/>
+                <a:ea typeface="+mn-ea"/>
+                <a:cs typeface="+mn-cs"/>
+              </a:defRPr>
+            </a:lvl8pPr>
+            <a:lvl9pPr marL="3657600" indent="0" algn="ctr" defTabSz="457200" rtl="0" eaLnBrk="1" latinLnBrk="0" hangingPunct="1">
+              <a:spcBef>
+                <a:spcPct val="20000"/>
+              </a:spcBef>
+              <a:spcAft>
+                <a:spcPts val="600"/>
+              </a:spcAft>
+              <a:buClr>
+                <a:schemeClr val="accent1"/>
+              </a:buClr>
+              <a:buFont typeface="Wingdings 2" charset="2"/>
+              <a:buNone/>
+              <a:defRPr sz="1200" kern="1200">
+                <a:solidFill>
+                  <a:schemeClr val="tx1">
+                    <a:tint val="75000"/>
+                  </a:schemeClr>
+                </a:solidFill>
+                <a:latin typeface="+mn-lt"/>
+                <a:ea typeface="+mn-ea"/>
+                <a:cs typeface="+mn-cs"/>
+              </a:defRPr>
+            </a:lvl9pPr>
+          </a:lstStyle>
+          <a:p>
+            <a:r>
+              <a:rPr lang="fr-CH" sz="1600" dirty="0"/>
+              <a:t>https://github.com/SimoneRighitto/SFT15_Elisa</a:t>
+            </a:r>
+          </a:p>
+        </p:txBody>
+      </p:sp>
+    </p:spTree>
+    <p:extLst>
+      <p:ext uri="{BB962C8B-B14F-4D97-AF65-F5344CB8AC3E}">
+        <p14:creationId xmlns:p14="http://schemas.microsoft.com/office/powerpoint/2010/main" val="777843363"/>
+      </p:ext>
+    </p:extLst>
+  </p:cSld>
+  <p:clrMapOvr>
+    <a:masterClrMapping/>
+  </p:clrMapOvr>
+</p:sld>
+</file>
+
+<file path=ppt/slides/slide2.xml><?xml version="1.0" encoding="utf-8"?>
+<p:sld xmlns:a="http://schemas.openxmlformats.org/drawingml/2006/main" xmlns:r="http://schemas.openxmlformats.org/officeDocument/2006/relationships" xmlns:p="http://schemas.openxmlformats.org/presentationml/2006/main">
+  <p:cSld>
+    <p:spTree>
+      <p:nvGrpSpPr>
+        <p:cNvPr id="1" name=""/>
+        <p:cNvGrpSpPr/>
+        <p:nvPr/>
+      </p:nvGrpSpPr>
+      <p:grpSpPr>
+        <a:xfrm>
+          <a:off x="0" y="0"/>
+          <a:ext cx="0" cy="0"/>
+          <a:chOff x="0" y="0"/>
+          <a:chExt cx="0" cy="0"/>
+        </a:xfrm>
+      </p:grpSpPr>
+      <p:sp>
+        <p:nvSpPr>
+          <p:cNvPr id="2" name="Titre 1"/>
+          <p:cNvSpPr>
+            <a:spLocks noGrp="1"/>
+          </p:cNvSpPr>
+          <p:nvPr>
+            <p:ph type="title"/>
+          </p:nvPr>
+        </p:nvSpPr>
+        <p:spPr/>
+        <p:txBody>
+          <a:bodyPr/>
+          <a:lstStyle/>
+          <a:p>
+            <a:r>
+              <a:rPr lang="fr-CH" dirty="0" smtClean="0"/>
+              <a:t>Sommaire</a:t>
+            </a:r>
+            <a:endParaRPr lang="fr-CH" dirty="0"/>
+          </a:p>
+        </p:txBody>
+      </p:sp>
+      <p:sp>
+        <p:nvSpPr>
+          <p:cNvPr id="3" name="Espace réservé du contenu 2"/>
+          <p:cNvSpPr>
+            <a:spLocks noGrp="1"/>
+          </p:cNvSpPr>
+          <p:nvPr>
+            <p:ph idx="1"/>
+          </p:nvPr>
+        </p:nvSpPr>
+        <p:spPr/>
+        <p:txBody>
+          <a:bodyPr/>
+          <a:lstStyle/>
+          <a:p>
+            <a:r>
+              <a:rPr lang="fr-CH" dirty="0" smtClean="0"/>
+              <a:t>Le robot Elisa-3</a:t>
+            </a:r>
+          </a:p>
+          <a:p>
+            <a:r>
+              <a:rPr lang="fr-CH" dirty="0" smtClean="0"/>
+              <a:t>Concept du projet</a:t>
+            </a:r>
+          </a:p>
+          <a:p>
+            <a:r>
+              <a:rPr lang="fr-CH" dirty="0" smtClean="0"/>
+              <a:t>Implémentation</a:t>
+            </a:r>
+          </a:p>
+          <a:p>
+            <a:r>
+              <a:rPr lang="fr-CH" dirty="0" smtClean="0"/>
+              <a:t>Démonstration</a:t>
+            </a:r>
+          </a:p>
+          <a:p>
+            <a:r>
+              <a:rPr lang="fr-CH" dirty="0" smtClean="0"/>
+              <a:t>Difficultés rencontrées</a:t>
+            </a:r>
+          </a:p>
+          <a:p>
+            <a:r>
+              <a:rPr lang="fr-CH" dirty="0" smtClean="0"/>
+              <a:t>Bilan final</a:t>
+            </a:r>
+          </a:p>
+        </p:txBody>
+      </p:sp>
+      <p:sp>
+        <p:nvSpPr>
+          <p:cNvPr id="5" name="Sous-titre 2"/>
+          <p:cNvSpPr txBox="1">
+            <a:spLocks/>
+          </p:cNvSpPr>
+          <p:nvPr/>
+        </p:nvSpPr>
+        <p:spPr>
+          <a:xfrm>
+            <a:off x="810001" y="6050877"/>
+            <a:ext cx="10572000" cy="434974"/>
+          </a:xfrm>
+          <a:prstGeom prst="rect">
+            <a:avLst/>
+          </a:prstGeom>
+          <a:effectLst>
+            <a:outerShdw blurRad="50800" dir="14400000">
+              <a:srgbClr val="000000">
+                <a:alpha val="40000"/>
+              </a:srgbClr>
+            </a:outerShdw>
+          </a:effectLst>
+        </p:spPr>
+        <p:txBody>
+          <a:bodyPr vert="horz" lIns="91440" tIns="45720" rIns="91440" bIns="45720" rtlCol="0" anchor="t">
+            <a:normAutofit/>
+          </a:bodyPr>
+          <a:lstStyle>
+            <a:lvl1pPr marL="0" indent="0" algn="l" defTabSz="457200" rtl="0" eaLnBrk="1" latinLnBrk="0" hangingPunct="1">
+              <a:spcBef>
+                <a:spcPct val="20000"/>
+              </a:spcBef>
+              <a:spcAft>
+                <a:spcPts val="600"/>
+              </a:spcAft>
+              <a:buClr>
+                <a:schemeClr val="accent1"/>
+              </a:buClr>
+              <a:buFont typeface="Wingdings 2" charset="2"/>
+              <a:buNone/>
+              <a:defRPr sz="1800" kern="1200">
+                <a:solidFill>
+                  <a:schemeClr val="tx1"/>
+                </a:solidFill>
+                <a:latin typeface="+mn-lt"/>
+                <a:ea typeface="+mn-ea"/>
+                <a:cs typeface="+mn-cs"/>
+              </a:defRPr>
+            </a:lvl1pPr>
+            <a:lvl2pPr marL="457200" indent="0" algn="ctr" defTabSz="457200" rtl="0" eaLnBrk="1" latinLnBrk="0" hangingPunct="1">
+              <a:spcBef>
+                <a:spcPct val="20000"/>
+              </a:spcBef>
+              <a:spcAft>
+                <a:spcPts val="600"/>
+              </a:spcAft>
+              <a:buClr>
+                <a:schemeClr val="accent1"/>
+              </a:buClr>
+              <a:buFont typeface="Wingdings 2" charset="2"/>
+              <a:buNone/>
+              <a:defRPr sz="1600" kern="1200">
+                <a:solidFill>
+                  <a:schemeClr val="tx1">
+                    <a:tint val="75000"/>
+                  </a:schemeClr>
+                </a:solidFill>
+                <a:latin typeface="+mn-lt"/>
+                <a:ea typeface="+mn-ea"/>
+                <a:cs typeface="+mn-cs"/>
+              </a:defRPr>
+            </a:lvl2pPr>
+            <a:lvl3pPr marL="914400" indent="0" algn="ctr" defTabSz="457200" rtl="0" eaLnBrk="1" latinLnBrk="0" hangingPunct="1">
+              <a:spcBef>
+                <a:spcPct val="20000"/>
+              </a:spcBef>
+              <a:spcAft>
+                <a:spcPts val="600"/>
+              </a:spcAft>
+              <a:buClr>
+                <a:schemeClr val="accent1"/>
+              </a:buClr>
+              <a:buFont typeface="Wingdings 2" charset="2"/>
+              <a:buNone/>
+              <a:defRPr sz="1400" kern="1200">
+                <a:solidFill>
+                  <a:schemeClr val="tx1">
+                    <a:tint val="75000"/>
+                  </a:schemeClr>
+                </a:solidFill>
+                <a:latin typeface="+mn-lt"/>
+                <a:ea typeface="+mn-ea"/>
+                <a:cs typeface="+mn-cs"/>
+              </a:defRPr>
+            </a:lvl3pPr>
+            <a:lvl4pPr marL="1371600" indent="0" algn="ctr" defTabSz="457200" rtl="0" eaLnBrk="1" latinLnBrk="0" hangingPunct="1">
+              <a:spcBef>
+                <a:spcPct val="20000"/>
+              </a:spcBef>
+              <a:spcAft>
+                <a:spcPts val="600"/>
+              </a:spcAft>
+              <a:buClr>
+                <a:schemeClr val="accent1"/>
+              </a:buClr>
+              <a:buFont typeface="Wingdings 2" charset="2"/>
+              <a:buNone/>
+              <a:defRPr sz="1200" kern="1200">
+                <a:solidFill>
+                  <a:schemeClr val="tx1">
+                    <a:tint val="75000"/>
+                  </a:schemeClr>
+                </a:solidFill>
+                <a:latin typeface="+mn-lt"/>
+                <a:ea typeface="+mn-ea"/>
+                <a:cs typeface="+mn-cs"/>
+              </a:defRPr>
+            </a:lvl4pPr>
+            <a:lvl5pPr marL="1828800" indent="0" algn="ctr" defTabSz="457200" rtl="0" eaLnBrk="1" latinLnBrk="0" hangingPunct="1">
+              <a:spcBef>
+                <a:spcPct val="20000"/>
+              </a:spcBef>
+              <a:spcAft>
+                <a:spcPts val="600"/>
+              </a:spcAft>
+              <a:buClr>
+                <a:schemeClr val="accent1"/>
+              </a:buClr>
+              <a:buFont typeface="Wingdings 2" charset="2"/>
+              <a:buNone/>
+              <a:defRPr sz="1200" kern="1200">
+                <a:solidFill>
+                  <a:schemeClr val="tx1">
+                    <a:tint val="75000"/>
+                  </a:schemeClr>
+                </a:solidFill>
+                <a:latin typeface="+mn-lt"/>
+                <a:ea typeface="+mn-ea"/>
+                <a:cs typeface="+mn-cs"/>
+              </a:defRPr>
+            </a:lvl5pPr>
+            <a:lvl6pPr marL="2286000" indent="0" algn="ctr" defTabSz="457200" rtl="0" eaLnBrk="1" latinLnBrk="0" hangingPunct="1">
+              <a:spcBef>
+                <a:spcPct val="20000"/>
+              </a:spcBef>
+              <a:spcAft>
+                <a:spcPts val="600"/>
+              </a:spcAft>
+              <a:buClr>
+                <a:schemeClr val="accent1"/>
+              </a:buClr>
+              <a:buFont typeface="Wingdings 2" charset="2"/>
+              <a:buNone/>
+              <a:defRPr sz="1200" kern="1200">
+                <a:solidFill>
+                  <a:schemeClr val="tx1">
+                    <a:tint val="75000"/>
+                  </a:schemeClr>
+                </a:solidFill>
+                <a:latin typeface="+mn-lt"/>
+                <a:ea typeface="+mn-ea"/>
+                <a:cs typeface="+mn-cs"/>
+              </a:defRPr>
+            </a:lvl6pPr>
+            <a:lvl7pPr marL="2743200" indent="0" algn="ctr" defTabSz="457200" rtl="0" eaLnBrk="1" latinLnBrk="0" hangingPunct="1">
+              <a:spcBef>
+                <a:spcPct val="20000"/>
+              </a:spcBef>
+              <a:spcAft>
+                <a:spcPts val="600"/>
+              </a:spcAft>
+              <a:buClr>
+                <a:schemeClr val="accent1"/>
+              </a:buClr>
+              <a:buFont typeface="Wingdings 2" charset="2"/>
+              <a:buNone/>
+              <a:defRPr sz="1200" kern="1200">
+                <a:solidFill>
+                  <a:schemeClr val="tx1">
+                    <a:tint val="75000"/>
+                  </a:schemeClr>
+                </a:solidFill>
+                <a:latin typeface="+mn-lt"/>
+                <a:ea typeface="+mn-ea"/>
+                <a:cs typeface="+mn-cs"/>
+              </a:defRPr>
+            </a:lvl7pPr>
+            <a:lvl8pPr marL="3200400" indent="0" algn="ctr" defTabSz="457200" rtl="0" eaLnBrk="1" latinLnBrk="0" hangingPunct="1">
+              <a:spcBef>
+                <a:spcPct val="20000"/>
+              </a:spcBef>
+              <a:spcAft>
+                <a:spcPts val="600"/>
+              </a:spcAft>
+              <a:buClr>
+                <a:schemeClr val="accent1"/>
+              </a:buClr>
+              <a:buFont typeface="Wingdings 2" charset="2"/>
+              <a:buNone/>
+              <a:defRPr sz="1200" kern="1200">
+                <a:solidFill>
+                  <a:schemeClr val="tx1">
+                    <a:tint val="75000"/>
+                  </a:schemeClr>
+                </a:solidFill>
+                <a:latin typeface="+mn-lt"/>
+                <a:ea typeface="+mn-ea"/>
+                <a:cs typeface="+mn-cs"/>
+              </a:defRPr>
+            </a:lvl8pPr>
+            <a:lvl9pPr marL="3657600" indent="0" algn="ctr" defTabSz="457200" rtl="0" eaLnBrk="1" latinLnBrk="0" hangingPunct="1">
+              <a:spcBef>
+                <a:spcPct val="20000"/>
+              </a:spcBef>
+              <a:spcAft>
+                <a:spcPts val="600"/>
+              </a:spcAft>
+              <a:buClr>
+                <a:schemeClr val="accent1"/>
+              </a:buClr>
+              <a:buFont typeface="Wingdings 2" charset="2"/>
+              <a:buNone/>
+              <a:defRPr sz="1200" kern="1200">
+                <a:solidFill>
+                  <a:schemeClr val="tx1">
+                    <a:tint val="75000"/>
+                  </a:schemeClr>
+                </a:solidFill>
+                <a:latin typeface="+mn-lt"/>
+                <a:ea typeface="+mn-ea"/>
+                <a:cs typeface="+mn-cs"/>
+              </a:defRPr>
+            </a:lvl9pPr>
+          </a:lstStyle>
+          <a:p>
+            <a:r>
+              <a:rPr lang="fr-CH" sz="1500" dirty="0" smtClean="0">
+                <a:solidFill>
+                  <a:schemeClr val="bg2">
+                    <a:lumMod val="50000"/>
+                    <a:lumOff val="50000"/>
+                  </a:schemeClr>
+                </a:solidFill>
+                <a:latin typeface="Gulim" panose="020B0600000101010101" pitchFamily="34" charset="-127"/>
+                <a:ea typeface="Gulim" panose="020B0600000101010101" pitchFamily="34" charset="-127"/>
+              </a:rPr>
+              <a:t>A. </a:t>
+            </a:r>
+            <a:r>
+              <a:rPr lang="fr-CH" sz="1500" dirty="0" err="1" smtClean="0">
+                <a:solidFill>
+                  <a:schemeClr val="bg2">
+                    <a:lumMod val="50000"/>
+                    <a:lumOff val="50000"/>
+                  </a:schemeClr>
+                </a:solidFill>
+                <a:latin typeface="Gulim" panose="020B0600000101010101" pitchFamily="34" charset="-127"/>
+                <a:ea typeface="Gulim" panose="020B0600000101010101" pitchFamily="34" charset="-127"/>
+              </a:rPr>
+              <a:t>Desclouds</a:t>
+            </a:r>
+            <a:r>
+              <a:rPr lang="fr-CH" sz="1500" dirty="0" smtClean="0">
+                <a:solidFill>
+                  <a:schemeClr val="bg2">
+                    <a:lumMod val="50000"/>
+                    <a:lumOff val="50000"/>
+                  </a:schemeClr>
+                </a:solidFill>
+                <a:latin typeface="Gulim" panose="020B0600000101010101" pitchFamily="34" charset="-127"/>
+                <a:ea typeface="Gulim" panose="020B0600000101010101" pitchFamily="34" charset="-127"/>
+              </a:rPr>
+              <a:t>, </a:t>
+            </a:r>
+            <a:r>
+              <a:rPr lang="fr-CH" sz="1500" dirty="0" err="1" smtClean="0">
+                <a:solidFill>
+                  <a:schemeClr val="bg2">
+                    <a:lumMod val="50000"/>
+                    <a:lumOff val="50000"/>
+                  </a:schemeClr>
+                </a:solidFill>
+                <a:latin typeface="Gulim" panose="020B0600000101010101" pitchFamily="34" charset="-127"/>
+                <a:ea typeface="Gulim" panose="020B0600000101010101" pitchFamily="34" charset="-127"/>
+              </a:rPr>
+              <a:t>A.Hug</a:t>
+            </a:r>
+            <a:r>
+              <a:rPr lang="fr-CH" sz="1500" dirty="0" smtClean="0">
+                <a:solidFill>
+                  <a:schemeClr val="bg2">
+                    <a:lumMod val="50000"/>
+                    <a:lumOff val="50000"/>
+                  </a:schemeClr>
+                </a:solidFill>
+                <a:latin typeface="Gulim" panose="020B0600000101010101" pitchFamily="34" charset="-127"/>
+                <a:ea typeface="Gulim" panose="020B0600000101010101" pitchFamily="34" charset="-127"/>
+              </a:rPr>
+              <a:t>, S. </a:t>
+            </a:r>
+            <a:r>
+              <a:rPr lang="fr-CH" sz="1500" dirty="0" err="1" smtClean="0">
+                <a:solidFill>
+                  <a:schemeClr val="bg2">
+                    <a:lumMod val="50000"/>
+                    <a:lumOff val="50000"/>
+                  </a:schemeClr>
+                </a:solidFill>
+                <a:latin typeface="Gulim" panose="020B0600000101010101" pitchFamily="34" charset="-127"/>
+                <a:ea typeface="Gulim" panose="020B0600000101010101" pitchFamily="34" charset="-127"/>
+              </a:rPr>
+              <a:t>Righitto</a:t>
+            </a:r>
+            <a:r>
+              <a:rPr lang="fr-CH" sz="1500" dirty="0" smtClean="0">
+                <a:solidFill>
+                  <a:schemeClr val="bg2">
+                    <a:lumMod val="50000"/>
+                    <a:lumOff val="50000"/>
+                  </a:schemeClr>
+                </a:solidFill>
+                <a:latin typeface="Gulim" panose="020B0600000101010101" pitchFamily="34" charset="-127"/>
+                <a:ea typeface="Gulim" panose="020B0600000101010101" pitchFamily="34" charset="-127"/>
+              </a:rPr>
+              <a:t>, F. </a:t>
+            </a:r>
+            <a:r>
+              <a:rPr lang="fr-CH" sz="1500" dirty="0" err="1" smtClean="0">
+                <a:solidFill>
+                  <a:schemeClr val="bg2">
+                    <a:lumMod val="50000"/>
+                    <a:lumOff val="50000"/>
+                  </a:schemeClr>
+                </a:solidFill>
+                <a:latin typeface="Gulim" panose="020B0600000101010101" pitchFamily="34" charset="-127"/>
+                <a:ea typeface="Gulim" panose="020B0600000101010101" pitchFamily="34" charset="-127"/>
+              </a:rPr>
+              <a:t>Saam</a:t>
+            </a:r>
+            <a:r>
+              <a:rPr lang="fr-CH" sz="1500" dirty="0" smtClean="0">
+                <a:solidFill>
+                  <a:schemeClr val="bg2">
+                    <a:lumMod val="50000"/>
+                    <a:lumOff val="50000"/>
+                  </a:schemeClr>
+                </a:solidFill>
+                <a:latin typeface="Gulim" panose="020B0600000101010101" pitchFamily="34" charset="-127"/>
+                <a:ea typeface="Gulim" panose="020B0600000101010101" pitchFamily="34" charset="-127"/>
+              </a:rPr>
+              <a:t>	</a:t>
+            </a:r>
+            <a:r>
+              <a:rPr lang="fr-CH" sz="1600" dirty="0" smtClean="0">
+                <a:solidFill>
+                  <a:schemeClr val="bg2">
+                    <a:lumMod val="50000"/>
+                    <a:lumOff val="50000"/>
+                  </a:schemeClr>
+                </a:solidFill>
+                <a:latin typeface="Gulim" panose="020B0600000101010101" pitchFamily="34" charset="-127"/>
+                <a:ea typeface="Gulim" panose="020B0600000101010101" pitchFamily="34" charset="-127"/>
+              </a:rPr>
+              <a:t>											</a:t>
+            </a:r>
+            <a:endParaRPr lang="fr-CH" sz="1600" dirty="0">
+              <a:solidFill>
+                <a:schemeClr val="bg2">
+                  <a:lumMod val="50000"/>
+                  <a:lumOff val="50000"/>
+                </a:schemeClr>
+              </a:solidFill>
+              <a:latin typeface="Gulim" panose="020B0600000101010101" pitchFamily="34" charset="-127"/>
+              <a:ea typeface="Gulim" panose="020B0600000101010101" pitchFamily="34" charset="-127"/>
+            </a:endParaRPr>
+          </a:p>
+        </p:txBody>
+      </p:sp>
+      <p:sp>
+        <p:nvSpPr>
+          <p:cNvPr id="6" name="Slide Number Placeholder 5"/>
+          <p:cNvSpPr>
+            <a:spLocks noGrp="1"/>
+          </p:cNvSpPr>
+          <p:nvPr>
+            <p:ph type="sldNum" sz="quarter" idx="12"/>
+          </p:nvPr>
+        </p:nvSpPr>
+        <p:spPr>
+          <a:xfrm>
+            <a:off x="10678331" y="5915888"/>
+            <a:ext cx="1062155" cy="490599"/>
+          </a:xfrm>
+        </p:spPr>
+        <p:txBody>
+          <a:bodyPr/>
+          <a:lstStyle/>
+          <a:p>
+            <a:fld id="{D57F1E4F-1CFF-5643-939E-217C01CDF565}" type="slidenum">
+              <a:rPr lang="en-US" smtClean="0"/>
+              <a:pPr/>
+              <a:t>2</a:t>
+            </a:fld>
+            <a:endParaRPr lang="en-US" dirty="0"/>
+          </a:p>
+        </p:txBody>
+      </p:sp>
+      <p:pic>
+        <p:nvPicPr>
+          <p:cNvPr id="7" name="Image 6"/>
+          <p:cNvPicPr>
+            <a:picLocks noChangeAspect="1"/>
+          </p:cNvPicPr>
+          <p:nvPr/>
+        </p:nvPicPr>
+        <p:blipFill>
+          <a:blip r:embed="rId3">
+            <a:extLst>
+              <a:ext uri="{28A0092B-C50C-407E-A947-70E740481C1C}">
+                <a14:useLocalDpi xmlns:a14="http://schemas.microsoft.com/office/drawing/2010/main" val="0"/>
+              </a:ext>
+            </a:extLst>
+          </a:blip>
+          <a:stretch>
+            <a:fillRect/>
+          </a:stretch>
+        </p:blipFill>
+        <p:spPr>
+          <a:xfrm>
+            <a:off x="11209408" y="2354284"/>
+            <a:ext cx="501676" cy="1041454"/>
+          </a:xfrm>
+          <a:prstGeom prst="rect">
+            <a:avLst/>
+          </a:prstGeom>
+        </p:spPr>
+      </p:pic>
     </p:spTree>
     <p:extLst>
       <p:ext uri="{BB962C8B-B14F-4D97-AF65-F5344CB8AC3E}">
         <p14:creationId xmlns:p14="http://schemas.microsoft.com/office/powerpoint/2010/main" val="2563039794"/>
+      </p:ext>
+    </p:extLst>
+  </p:cSld>
+  <p:clrMapOvr>
+    <a:masterClrMapping/>
+  </p:clrMapOvr>
+  <p:timing>
+    <p:tnLst>
+      <p:par>
+        <p:cTn id="1" dur="indefinite" restart="never" nodeType="tmRoot"/>
+      </p:par>
+    </p:tnLst>
+  </p:timing>
+</p:sld>
+</file>
+
+<file path=ppt/slides/slide3.xml><?xml version="1.0" encoding="utf-8"?>
+<p:sld xmlns:a="http://schemas.openxmlformats.org/drawingml/2006/main" xmlns:r="http://schemas.openxmlformats.org/officeDocument/2006/relationships" xmlns:p="http://schemas.openxmlformats.org/presentationml/2006/main">
+  <p:cSld>
+    <p:spTree>
+      <p:nvGrpSpPr>
+        <p:cNvPr id="1" name=""/>
+        <p:cNvGrpSpPr/>
+        <p:nvPr/>
+      </p:nvGrpSpPr>
+      <p:grpSpPr>
+        <a:xfrm>
+          <a:off x="0" y="0"/>
+          <a:ext cx="0" cy="0"/>
+          <a:chOff x="0" y="0"/>
+          <a:chExt cx="0" cy="0"/>
+        </a:xfrm>
+      </p:grpSpPr>
+      <p:sp>
+        <p:nvSpPr>
+          <p:cNvPr id="2" name="Titre 1"/>
+          <p:cNvSpPr>
+            <a:spLocks noGrp="1"/>
+          </p:cNvSpPr>
+          <p:nvPr>
+            <p:ph type="title"/>
+          </p:nvPr>
+        </p:nvSpPr>
+        <p:spPr/>
+        <p:txBody>
+          <a:bodyPr/>
+          <a:lstStyle/>
+          <a:p>
+            <a:r>
+              <a:rPr lang="fr-CH" dirty="0" smtClean="0"/>
+              <a:t>Concept du projet</a:t>
+            </a:r>
+            <a:endParaRPr lang="fr-CH" dirty="0"/>
+          </a:p>
+        </p:txBody>
+      </p:sp>
+      <p:sp>
+        <p:nvSpPr>
+          <p:cNvPr id="3" name="Espace réservé du contenu 2"/>
+          <p:cNvSpPr>
+            <a:spLocks noGrp="1"/>
+          </p:cNvSpPr>
+          <p:nvPr>
+            <p:ph idx="1"/>
+          </p:nvPr>
+        </p:nvSpPr>
+        <p:spPr/>
+        <p:txBody>
+          <a:bodyPr/>
+          <a:lstStyle/>
+          <a:p>
+            <a:r>
+              <a:rPr lang="fr-CH" dirty="0" smtClean="0"/>
+              <a:t>Plusieurs modes à disposition du visiteur</a:t>
+            </a:r>
+          </a:p>
+          <a:p>
+            <a:pPr lvl="1"/>
+            <a:r>
+              <a:rPr lang="fr-CH" dirty="0" smtClean="0"/>
+              <a:t>Contamination</a:t>
+            </a:r>
+          </a:p>
+          <a:p>
+            <a:pPr lvl="1"/>
+            <a:r>
+              <a:rPr lang="fr-CH" dirty="0" smtClean="0"/>
+              <a:t>Contamination contrôlée</a:t>
+            </a:r>
+          </a:p>
+          <a:p>
+            <a:r>
+              <a:rPr lang="fr-CH" dirty="0" smtClean="0"/>
+              <a:t>Nouveau concept : les danseurs se réveillent</a:t>
+            </a:r>
+          </a:p>
+          <a:p>
+            <a:r>
+              <a:rPr lang="fr-CH" dirty="0" smtClean="0"/>
+              <a:t>Arène</a:t>
+            </a:r>
+          </a:p>
+          <a:p>
+            <a:r>
+              <a:rPr lang="fr-CH" dirty="0" err="1" smtClean="0"/>
+              <a:t>Raspberry</a:t>
+            </a:r>
+            <a:r>
+              <a:rPr lang="fr-CH" dirty="0" smtClean="0"/>
+              <a:t> Pie </a:t>
+            </a:r>
+            <a:r>
+              <a:rPr lang="fr-CH" smtClean="0"/>
+              <a:t>et </a:t>
+            </a:r>
+            <a:r>
+              <a:rPr lang="fr-CH" smtClean="0"/>
+              <a:t>Phidget</a:t>
+            </a:r>
+            <a:r>
+              <a:rPr lang="fr-CH" dirty="0" smtClean="0"/>
+              <a:t> </a:t>
+            </a:r>
+            <a:r>
+              <a:rPr lang="fr-CH" dirty="0" err="1" smtClean="0"/>
+              <a:t>Touchrotation</a:t>
+            </a:r>
+            <a:endParaRPr lang="fr-CH" dirty="0" smtClean="0"/>
+          </a:p>
+        </p:txBody>
+      </p:sp>
+      <p:sp>
+        <p:nvSpPr>
+          <p:cNvPr id="5" name="Sous-titre 2"/>
+          <p:cNvSpPr txBox="1">
+            <a:spLocks/>
+          </p:cNvSpPr>
+          <p:nvPr/>
+        </p:nvSpPr>
+        <p:spPr>
+          <a:xfrm>
+            <a:off x="810001" y="6050877"/>
+            <a:ext cx="10572000" cy="434974"/>
+          </a:xfrm>
+          <a:prstGeom prst="rect">
+            <a:avLst/>
+          </a:prstGeom>
+          <a:effectLst>
+            <a:outerShdw blurRad="50800" dir="14400000">
+              <a:srgbClr val="000000">
+                <a:alpha val="40000"/>
+              </a:srgbClr>
+            </a:outerShdw>
+          </a:effectLst>
+        </p:spPr>
+        <p:txBody>
+          <a:bodyPr vert="horz" lIns="91440" tIns="45720" rIns="91440" bIns="45720" rtlCol="0" anchor="t">
+            <a:normAutofit/>
+          </a:bodyPr>
+          <a:lstStyle>
+            <a:lvl1pPr marL="0" indent="0" algn="l" defTabSz="457200" rtl="0" eaLnBrk="1" latinLnBrk="0" hangingPunct="1">
+              <a:spcBef>
+                <a:spcPct val="20000"/>
+              </a:spcBef>
+              <a:spcAft>
+                <a:spcPts val="600"/>
+              </a:spcAft>
+              <a:buClr>
+                <a:schemeClr val="accent1"/>
+              </a:buClr>
+              <a:buFont typeface="Wingdings 2" charset="2"/>
+              <a:buNone/>
+              <a:defRPr sz="1800" kern="1200">
+                <a:solidFill>
+                  <a:schemeClr val="tx1"/>
+                </a:solidFill>
+                <a:latin typeface="+mn-lt"/>
+                <a:ea typeface="+mn-ea"/>
+                <a:cs typeface="+mn-cs"/>
+              </a:defRPr>
+            </a:lvl1pPr>
+            <a:lvl2pPr marL="457200" indent="0" algn="ctr" defTabSz="457200" rtl="0" eaLnBrk="1" latinLnBrk="0" hangingPunct="1">
+              <a:spcBef>
+                <a:spcPct val="20000"/>
+              </a:spcBef>
+              <a:spcAft>
+                <a:spcPts val="600"/>
+              </a:spcAft>
+              <a:buClr>
+                <a:schemeClr val="accent1"/>
+              </a:buClr>
+              <a:buFont typeface="Wingdings 2" charset="2"/>
+              <a:buNone/>
+              <a:defRPr sz="1600" kern="1200">
+                <a:solidFill>
+                  <a:schemeClr val="tx1">
+                    <a:tint val="75000"/>
+                  </a:schemeClr>
+                </a:solidFill>
+                <a:latin typeface="+mn-lt"/>
+                <a:ea typeface="+mn-ea"/>
+                <a:cs typeface="+mn-cs"/>
+              </a:defRPr>
+            </a:lvl2pPr>
+            <a:lvl3pPr marL="914400" indent="0" algn="ctr" defTabSz="457200" rtl="0" eaLnBrk="1" latinLnBrk="0" hangingPunct="1">
+              <a:spcBef>
+                <a:spcPct val="20000"/>
+              </a:spcBef>
+              <a:spcAft>
+                <a:spcPts val="600"/>
+              </a:spcAft>
+              <a:buClr>
+                <a:schemeClr val="accent1"/>
+              </a:buClr>
+              <a:buFont typeface="Wingdings 2" charset="2"/>
+              <a:buNone/>
+              <a:defRPr sz="1400" kern="1200">
+                <a:solidFill>
+                  <a:schemeClr val="tx1">
+                    <a:tint val="75000"/>
+                  </a:schemeClr>
+                </a:solidFill>
+                <a:latin typeface="+mn-lt"/>
+                <a:ea typeface="+mn-ea"/>
+                <a:cs typeface="+mn-cs"/>
+              </a:defRPr>
+            </a:lvl3pPr>
+            <a:lvl4pPr marL="1371600" indent="0" algn="ctr" defTabSz="457200" rtl="0" eaLnBrk="1" latinLnBrk="0" hangingPunct="1">
+              <a:spcBef>
+                <a:spcPct val="20000"/>
+              </a:spcBef>
+              <a:spcAft>
+                <a:spcPts val="600"/>
+              </a:spcAft>
+              <a:buClr>
+                <a:schemeClr val="accent1"/>
+              </a:buClr>
+              <a:buFont typeface="Wingdings 2" charset="2"/>
+              <a:buNone/>
+              <a:defRPr sz="1200" kern="1200">
+                <a:solidFill>
+                  <a:schemeClr val="tx1">
+                    <a:tint val="75000"/>
+                  </a:schemeClr>
+                </a:solidFill>
+                <a:latin typeface="+mn-lt"/>
+                <a:ea typeface="+mn-ea"/>
+                <a:cs typeface="+mn-cs"/>
+              </a:defRPr>
+            </a:lvl4pPr>
+            <a:lvl5pPr marL="1828800" indent="0" algn="ctr" defTabSz="457200" rtl="0" eaLnBrk="1" latinLnBrk="0" hangingPunct="1">
+              <a:spcBef>
+                <a:spcPct val="20000"/>
+              </a:spcBef>
+              <a:spcAft>
+                <a:spcPts val="600"/>
+              </a:spcAft>
+              <a:buClr>
+                <a:schemeClr val="accent1"/>
+              </a:buClr>
+              <a:buFont typeface="Wingdings 2" charset="2"/>
+              <a:buNone/>
+              <a:defRPr sz="1200" kern="1200">
+                <a:solidFill>
+                  <a:schemeClr val="tx1">
+                    <a:tint val="75000"/>
+                  </a:schemeClr>
+                </a:solidFill>
+                <a:latin typeface="+mn-lt"/>
+                <a:ea typeface="+mn-ea"/>
+                <a:cs typeface="+mn-cs"/>
+              </a:defRPr>
+            </a:lvl5pPr>
+            <a:lvl6pPr marL="2286000" indent="0" algn="ctr" defTabSz="457200" rtl="0" eaLnBrk="1" latinLnBrk="0" hangingPunct="1">
+              <a:spcBef>
+                <a:spcPct val="20000"/>
+              </a:spcBef>
+              <a:spcAft>
+                <a:spcPts val="600"/>
+              </a:spcAft>
+              <a:buClr>
+                <a:schemeClr val="accent1"/>
+              </a:buClr>
+              <a:buFont typeface="Wingdings 2" charset="2"/>
+              <a:buNone/>
+              <a:defRPr sz="1200" kern="1200">
+                <a:solidFill>
+                  <a:schemeClr val="tx1">
+                    <a:tint val="75000"/>
+                  </a:schemeClr>
+                </a:solidFill>
+                <a:latin typeface="+mn-lt"/>
+                <a:ea typeface="+mn-ea"/>
+                <a:cs typeface="+mn-cs"/>
+              </a:defRPr>
+            </a:lvl6pPr>
+            <a:lvl7pPr marL="2743200" indent="0" algn="ctr" defTabSz="457200" rtl="0" eaLnBrk="1" latinLnBrk="0" hangingPunct="1">
+              <a:spcBef>
+                <a:spcPct val="20000"/>
+              </a:spcBef>
+              <a:spcAft>
+                <a:spcPts val="600"/>
+              </a:spcAft>
+              <a:buClr>
+                <a:schemeClr val="accent1"/>
+              </a:buClr>
+              <a:buFont typeface="Wingdings 2" charset="2"/>
+              <a:buNone/>
+              <a:defRPr sz="1200" kern="1200">
+                <a:solidFill>
+                  <a:schemeClr val="tx1">
+                    <a:tint val="75000"/>
+                  </a:schemeClr>
+                </a:solidFill>
+                <a:latin typeface="+mn-lt"/>
+                <a:ea typeface="+mn-ea"/>
+                <a:cs typeface="+mn-cs"/>
+              </a:defRPr>
+            </a:lvl7pPr>
+            <a:lvl8pPr marL="3200400" indent="0" algn="ctr" defTabSz="457200" rtl="0" eaLnBrk="1" latinLnBrk="0" hangingPunct="1">
+              <a:spcBef>
+                <a:spcPct val="20000"/>
+              </a:spcBef>
+              <a:spcAft>
+                <a:spcPts val="600"/>
+              </a:spcAft>
+              <a:buClr>
+                <a:schemeClr val="accent1"/>
+              </a:buClr>
+              <a:buFont typeface="Wingdings 2" charset="2"/>
+              <a:buNone/>
+              <a:defRPr sz="1200" kern="1200">
+                <a:solidFill>
+                  <a:schemeClr val="tx1">
+                    <a:tint val="75000"/>
+                  </a:schemeClr>
+                </a:solidFill>
+                <a:latin typeface="+mn-lt"/>
+                <a:ea typeface="+mn-ea"/>
+                <a:cs typeface="+mn-cs"/>
+              </a:defRPr>
+            </a:lvl8pPr>
+            <a:lvl9pPr marL="3657600" indent="0" algn="ctr" defTabSz="457200" rtl="0" eaLnBrk="1" latinLnBrk="0" hangingPunct="1">
+              <a:spcBef>
+                <a:spcPct val="20000"/>
+              </a:spcBef>
+              <a:spcAft>
+                <a:spcPts val="600"/>
+              </a:spcAft>
+              <a:buClr>
+                <a:schemeClr val="accent1"/>
+              </a:buClr>
+              <a:buFont typeface="Wingdings 2" charset="2"/>
+              <a:buNone/>
+              <a:defRPr sz="1200" kern="1200">
+                <a:solidFill>
+                  <a:schemeClr val="tx1">
+                    <a:tint val="75000"/>
+                  </a:schemeClr>
+                </a:solidFill>
+                <a:latin typeface="+mn-lt"/>
+                <a:ea typeface="+mn-ea"/>
+                <a:cs typeface="+mn-cs"/>
+              </a:defRPr>
+            </a:lvl9pPr>
+          </a:lstStyle>
+          <a:p>
+            <a:r>
+              <a:rPr lang="fr-CH" sz="1500" dirty="0" smtClean="0">
+                <a:solidFill>
+                  <a:schemeClr val="bg2">
+                    <a:lumMod val="50000"/>
+                    <a:lumOff val="50000"/>
+                  </a:schemeClr>
+                </a:solidFill>
+                <a:latin typeface="Gulim" panose="020B0600000101010101" pitchFamily="34" charset="-127"/>
+                <a:ea typeface="Gulim" panose="020B0600000101010101" pitchFamily="34" charset="-127"/>
+              </a:rPr>
+              <a:t>A. </a:t>
+            </a:r>
+            <a:r>
+              <a:rPr lang="fr-CH" sz="1500" dirty="0" err="1" smtClean="0">
+                <a:solidFill>
+                  <a:schemeClr val="bg2">
+                    <a:lumMod val="50000"/>
+                    <a:lumOff val="50000"/>
+                  </a:schemeClr>
+                </a:solidFill>
+                <a:latin typeface="Gulim" panose="020B0600000101010101" pitchFamily="34" charset="-127"/>
+                <a:ea typeface="Gulim" panose="020B0600000101010101" pitchFamily="34" charset="-127"/>
+              </a:rPr>
+              <a:t>Desclouds</a:t>
+            </a:r>
+            <a:r>
+              <a:rPr lang="fr-CH" sz="1500" dirty="0" smtClean="0">
+                <a:solidFill>
+                  <a:schemeClr val="bg2">
+                    <a:lumMod val="50000"/>
+                    <a:lumOff val="50000"/>
+                  </a:schemeClr>
+                </a:solidFill>
+                <a:latin typeface="Gulim" panose="020B0600000101010101" pitchFamily="34" charset="-127"/>
+                <a:ea typeface="Gulim" panose="020B0600000101010101" pitchFamily="34" charset="-127"/>
+              </a:rPr>
+              <a:t>, </a:t>
+            </a:r>
+            <a:r>
+              <a:rPr lang="fr-CH" sz="1500" dirty="0" err="1" smtClean="0">
+                <a:solidFill>
+                  <a:schemeClr val="bg2">
+                    <a:lumMod val="50000"/>
+                    <a:lumOff val="50000"/>
+                  </a:schemeClr>
+                </a:solidFill>
+                <a:latin typeface="Gulim" panose="020B0600000101010101" pitchFamily="34" charset="-127"/>
+                <a:ea typeface="Gulim" panose="020B0600000101010101" pitchFamily="34" charset="-127"/>
+              </a:rPr>
+              <a:t>A.Hug</a:t>
+            </a:r>
+            <a:r>
+              <a:rPr lang="fr-CH" sz="1500" dirty="0" smtClean="0">
+                <a:solidFill>
+                  <a:schemeClr val="bg2">
+                    <a:lumMod val="50000"/>
+                    <a:lumOff val="50000"/>
+                  </a:schemeClr>
+                </a:solidFill>
+                <a:latin typeface="Gulim" panose="020B0600000101010101" pitchFamily="34" charset="-127"/>
+                <a:ea typeface="Gulim" panose="020B0600000101010101" pitchFamily="34" charset="-127"/>
+              </a:rPr>
+              <a:t>, S. </a:t>
+            </a:r>
+            <a:r>
+              <a:rPr lang="fr-CH" sz="1500" dirty="0" err="1" smtClean="0">
+                <a:solidFill>
+                  <a:schemeClr val="bg2">
+                    <a:lumMod val="50000"/>
+                    <a:lumOff val="50000"/>
+                  </a:schemeClr>
+                </a:solidFill>
+                <a:latin typeface="Gulim" panose="020B0600000101010101" pitchFamily="34" charset="-127"/>
+                <a:ea typeface="Gulim" panose="020B0600000101010101" pitchFamily="34" charset="-127"/>
+              </a:rPr>
+              <a:t>Righitto</a:t>
+            </a:r>
+            <a:r>
+              <a:rPr lang="fr-CH" sz="1500" dirty="0" smtClean="0">
+                <a:solidFill>
+                  <a:schemeClr val="bg2">
+                    <a:lumMod val="50000"/>
+                    <a:lumOff val="50000"/>
+                  </a:schemeClr>
+                </a:solidFill>
+                <a:latin typeface="Gulim" panose="020B0600000101010101" pitchFamily="34" charset="-127"/>
+                <a:ea typeface="Gulim" panose="020B0600000101010101" pitchFamily="34" charset="-127"/>
+              </a:rPr>
+              <a:t>, F. </a:t>
+            </a:r>
+            <a:r>
+              <a:rPr lang="fr-CH" sz="1500" dirty="0" err="1" smtClean="0">
+                <a:solidFill>
+                  <a:schemeClr val="bg2">
+                    <a:lumMod val="50000"/>
+                    <a:lumOff val="50000"/>
+                  </a:schemeClr>
+                </a:solidFill>
+                <a:latin typeface="Gulim" panose="020B0600000101010101" pitchFamily="34" charset="-127"/>
+                <a:ea typeface="Gulim" panose="020B0600000101010101" pitchFamily="34" charset="-127"/>
+              </a:rPr>
+              <a:t>Saam</a:t>
+            </a:r>
+            <a:r>
+              <a:rPr lang="fr-CH" sz="1500" dirty="0" smtClean="0">
+                <a:solidFill>
+                  <a:schemeClr val="bg2">
+                    <a:lumMod val="50000"/>
+                    <a:lumOff val="50000"/>
+                  </a:schemeClr>
+                </a:solidFill>
+                <a:latin typeface="Gulim" panose="020B0600000101010101" pitchFamily="34" charset="-127"/>
+                <a:ea typeface="Gulim" panose="020B0600000101010101" pitchFamily="34" charset="-127"/>
+              </a:rPr>
+              <a:t>	</a:t>
+            </a:r>
+            <a:r>
+              <a:rPr lang="fr-CH" sz="1600" dirty="0" smtClean="0">
+                <a:solidFill>
+                  <a:schemeClr val="bg2">
+                    <a:lumMod val="50000"/>
+                    <a:lumOff val="50000"/>
+                  </a:schemeClr>
+                </a:solidFill>
+                <a:latin typeface="Gulim" panose="020B0600000101010101" pitchFamily="34" charset="-127"/>
+                <a:ea typeface="Gulim" panose="020B0600000101010101" pitchFamily="34" charset="-127"/>
+              </a:rPr>
+              <a:t>											</a:t>
+            </a:r>
+            <a:endParaRPr lang="fr-CH" sz="1600" dirty="0">
+              <a:solidFill>
+                <a:schemeClr val="bg2">
+                  <a:lumMod val="50000"/>
+                  <a:lumOff val="50000"/>
+                </a:schemeClr>
+              </a:solidFill>
+              <a:latin typeface="Gulim" panose="020B0600000101010101" pitchFamily="34" charset="-127"/>
+              <a:ea typeface="Gulim" panose="020B0600000101010101" pitchFamily="34" charset="-127"/>
+            </a:endParaRPr>
+          </a:p>
+        </p:txBody>
+      </p:sp>
+      <p:sp>
+        <p:nvSpPr>
+          <p:cNvPr id="6" name="Slide Number Placeholder 5"/>
+          <p:cNvSpPr>
+            <a:spLocks noGrp="1"/>
+          </p:cNvSpPr>
+          <p:nvPr>
+            <p:ph type="sldNum" sz="quarter" idx="12"/>
+          </p:nvPr>
+        </p:nvSpPr>
+        <p:spPr>
+          <a:xfrm>
+            <a:off x="10678331" y="5915888"/>
+            <a:ext cx="1062155" cy="490599"/>
+          </a:xfrm>
+        </p:spPr>
+        <p:txBody>
+          <a:bodyPr/>
+          <a:lstStyle/>
+          <a:p>
+            <a:fld id="{D57F1E4F-1CFF-5643-939E-217C01CDF565}" type="slidenum">
+              <a:rPr lang="en-US" smtClean="0"/>
+              <a:pPr/>
+              <a:t>3</a:t>
+            </a:fld>
+            <a:endParaRPr lang="en-US" dirty="0"/>
+          </a:p>
+        </p:txBody>
+      </p:sp>
+      <p:pic>
+        <p:nvPicPr>
+          <p:cNvPr id="7" name="Image 6"/>
+          <p:cNvPicPr>
+            <a:picLocks noChangeAspect="1"/>
+          </p:cNvPicPr>
+          <p:nvPr/>
+        </p:nvPicPr>
+        <p:blipFill>
+          <a:blip r:embed="rId3">
+            <a:extLst>
+              <a:ext uri="{28A0092B-C50C-407E-A947-70E740481C1C}">
+                <a14:useLocalDpi xmlns:a14="http://schemas.microsoft.com/office/drawing/2010/main" val="0"/>
+              </a:ext>
+            </a:extLst>
+          </a:blip>
+          <a:stretch>
+            <a:fillRect/>
+          </a:stretch>
+        </p:blipFill>
+        <p:spPr>
+          <a:xfrm>
+            <a:off x="11209408" y="2354284"/>
+            <a:ext cx="501676" cy="1041454"/>
+          </a:xfrm>
+          <a:prstGeom prst="rect">
+            <a:avLst/>
+          </a:prstGeom>
+        </p:spPr>
+      </p:pic>
+      <p:pic>
+        <p:nvPicPr>
+          <p:cNvPr id="8" name="Image 7"/>
+          <p:cNvPicPr>
+            <a:picLocks noChangeAspect="1"/>
+          </p:cNvPicPr>
+          <p:nvPr/>
+        </p:nvPicPr>
+        <p:blipFill>
+          <a:blip r:embed="rId4">
+            <a:extLst>
+              <a:ext uri="{28A0092B-C50C-407E-A947-70E740481C1C}">
+                <a14:useLocalDpi xmlns:a14="http://schemas.microsoft.com/office/drawing/2010/main" val="0"/>
+              </a:ext>
+            </a:extLst>
+          </a:blip>
+          <a:stretch>
+            <a:fillRect/>
+          </a:stretch>
+        </p:blipFill>
+        <p:spPr>
+          <a:xfrm>
+            <a:off x="7412216" y="2951650"/>
+            <a:ext cx="2500094" cy="2177783"/>
+          </a:xfrm>
+          <a:prstGeom prst="rect">
+            <a:avLst/>
+          </a:prstGeom>
+          <a:ln w="76200">
+            <a:solidFill>
+              <a:schemeClr val="accent1"/>
+            </a:solidFill>
+          </a:ln>
+        </p:spPr>
+      </p:pic>
+    </p:spTree>
+    <p:extLst>
+      <p:ext uri="{BB962C8B-B14F-4D97-AF65-F5344CB8AC3E}">
+        <p14:creationId xmlns:p14="http://schemas.microsoft.com/office/powerpoint/2010/main" val="1916696557"/>
+      </p:ext>
+    </p:extLst>
+  </p:cSld>
+  <p:clrMapOvr>
+    <a:masterClrMapping/>
+  </p:clrMapOvr>
+  <p:timing>
+    <p:tnLst>
+      <p:par>
+        <p:cTn id="1" dur="indefinite" restart="never" nodeType="tmRoot"/>
+      </p:par>
+    </p:tnLst>
+  </p:timing>
+</p:sld>
+</file>
+
+<file path=ppt/slides/slide4.xml><?xml version="1.0" encoding="utf-8"?>
+<p:sld xmlns:a="http://schemas.openxmlformats.org/drawingml/2006/main" xmlns:r="http://schemas.openxmlformats.org/officeDocument/2006/relationships" xmlns:p="http://schemas.openxmlformats.org/presentationml/2006/main">
+  <p:cSld>
+    <p:spTree>
+      <p:nvGrpSpPr>
+        <p:cNvPr id="1" name=""/>
+        <p:cNvGrpSpPr/>
+        <p:nvPr/>
+      </p:nvGrpSpPr>
+      <p:grpSpPr>
+        <a:xfrm>
+          <a:off x="0" y="0"/>
+          <a:ext cx="0" cy="0"/>
+          <a:chOff x="0" y="0"/>
+          <a:chExt cx="0" cy="0"/>
+        </a:xfrm>
+      </p:grpSpPr>
+      <p:sp>
+        <p:nvSpPr>
+          <p:cNvPr id="2" name="Titre 1"/>
+          <p:cNvSpPr>
+            <a:spLocks noGrp="1"/>
+          </p:cNvSpPr>
+          <p:nvPr>
+            <p:ph type="title"/>
+          </p:nvPr>
+        </p:nvSpPr>
+        <p:spPr/>
+        <p:txBody>
+          <a:bodyPr/>
+          <a:lstStyle/>
+          <a:p>
+            <a:r>
+              <a:rPr lang="fr-CH" dirty="0" smtClean="0"/>
+              <a:t>Implémentation</a:t>
+            </a:r>
+            <a:endParaRPr lang="fr-CH" dirty="0"/>
+          </a:p>
+        </p:txBody>
+      </p:sp>
+      <p:sp>
+        <p:nvSpPr>
+          <p:cNvPr id="3" name="Espace réservé du contenu 2"/>
+          <p:cNvSpPr>
+            <a:spLocks noGrp="1"/>
+          </p:cNvSpPr>
+          <p:nvPr>
+            <p:ph idx="1"/>
+          </p:nvPr>
+        </p:nvSpPr>
+        <p:spPr/>
+        <p:txBody>
+          <a:bodyPr/>
+          <a:lstStyle/>
+          <a:p>
+            <a:r>
+              <a:rPr lang="fr-CH" dirty="0" smtClean="0"/>
+              <a:t>Reprise du projet déjà existant</a:t>
+            </a:r>
+          </a:p>
+          <a:p>
+            <a:r>
+              <a:rPr lang="fr-CH" dirty="0" smtClean="0"/>
+              <a:t>Nouvelle librairie</a:t>
+            </a:r>
+          </a:p>
+          <a:p>
+            <a:r>
+              <a:rPr lang="fr-CH" dirty="0" smtClean="0"/>
+              <a:t>Beaucoup de modifications à apporter</a:t>
+            </a:r>
+          </a:p>
+          <a:p>
+            <a:r>
+              <a:rPr lang="fr-CH" dirty="0" smtClean="0"/>
+              <a:t>Plusieurs difficultés observées</a:t>
+            </a:r>
+          </a:p>
+        </p:txBody>
+      </p:sp>
+      <p:sp>
+        <p:nvSpPr>
+          <p:cNvPr id="5" name="Sous-titre 2"/>
+          <p:cNvSpPr txBox="1">
+            <a:spLocks/>
+          </p:cNvSpPr>
+          <p:nvPr/>
+        </p:nvSpPr>
+        <p:spPr>
+          <a:xfrm>
+            <a:off x="810001" y="6050877"/>
+            <a:ext cx="10572000" cy="434974"/>
+          </a:xfrm>
+          <a:prstGeom prst="rect">
+            <a:avLst/>
+          </a:prstGeom>
+          <a:effectLst>
+            <a:outerShdw blurRad="50800" dir="14400000">
+              <a:srgbClr val="000000">
+                <a:alpha val="40000"/>
+              </a:srgbClr>
+            </a:outerShdw>
+          </a:effectLst>
+        </p:spPr>
+        <p:txBody>
+          <a:bodyPr vert="horz" lIns="91440" tIns="45720" rIns="91440" bIns="45720" rtlCol="0" anchor="t">
+            <a:normAutofit/>
+          </a:bodyPr>
+          <a:lstStyle>
+            <a:lvl1pPr marL="0" indent="0" algn="l" defTabSz="457200" rtl="0" eaLnBrk="1" latinLnBrk="0" hangingPunct="1">
+              <a:spcBef>
+                <a:spcPct val="20000"/>
+              </a:spcBef>
+              <a:spcAft>
+                <a:spcPts val="600"/>
+              </a:spcAft>
+              <a:buClr>
+                <a:schemeClr val="accent1"/>
+              </a:buClr>
+              <a:buFont typeface="Wingdings 2" charset="2"/>
+              <a:buNone/>
+              <a:defRPr sz="1800" kern="1200">
+                <a:solidFill>
+                  <a:schemeClr val="tx1"/>
+                </a:solidFill>
+                <a:latin typeface="+mn-lt"/>
+                <a:ea typeface="+mn-ea"/>
+                <a:cs typeface="+mn-cs"/>
+              </a:defRPr>
+            </a:lvl1pPr>
+            <a:lvl2pPr marL="457200" indent="0" algn="ctr" defTabSz="457200" rtl="0" eaLnBrk="1" latinLnBrk="0" hangingPunct="1">
+              <a:spcBef>
+                <a:spcPct val="20000"/>
+              </a:spcBef>
+              <a:spcAft>
+                <a:spcPts val="600"/>
+              </a:spcAft>
+              <a:buClr>
+                <a:schemeClr val="accent1"/>
+              </a:buClr>
+              <a:buFont typeface="Wingdings 2" charset="2"/>
+              <a:buNone/>
+              <a:defRPr sz="1600" kern="1200">
+                <a:solidFill>
+                  <a:schemeClr val="tx1">
+                    <a:tint val="75000"/>
+                  </a:schemeClr>
+                </a:solidFill>
+                <a:latin typeface="+mn-lt"/>
+                <a:ea typeface="+mn-ea"/>
+                <a:cs typeface="+mn-cs"/>
+              </a:defRPr>
+            </a:lvl2pPr>
+            <a:lvl3pPr marL="914400" indent="0" algn="ctr" defTabSz="457200" rtl="0" eaLnBrk="1" latinLnBrk="0" hangingPunct="1">
+              <a:spcBef>
+                <a:spcPct val="20000"/>
+              </a:spcBef>
+              <a:spcAft>
+                <a:spcPts val="600"/>
+              </a:spcAft>
+              <a:buClr>
+                <a:schemeClr val="accent1"/>
+              </a:buClr>
+              <a:buFont typeface="Wingdings 2" charset="2"/>
+              <a:buNone/>
+              <a:defRPr sz="1400" kern="1200">
+                <a:solidFill>
+                  <a:schemeClr val="tx1">
+                    <a:tint val="75000"/>
+                  </a:schemeClr>
+                </a:solidFill>
+                <a:latin typeface="+mn-lt"/>
+                <a:ea typeface="+mn-ea"/>
+                <a:cs typeface="+mn-cs"/>
+              </a:defRPr>
+            </a:lvl3pPr>
+            <a:lvl4pPr marL="1371600" indent="0" algn="ctr" defTabSz="457200" rtl="0" eaLnBrk="1" latinLnBrk="0" hangingPunct="1">
+              <a:spcBef>
+                <a:spcPct val="20000"/>
+              </a:spcBef>
+              <a:spcAft>
+                <a:spcPts val="600"/>
+              </a:spcAft>
+              <a:buClr>
+                <a:schemeClr val="accent1"/>
+              </a:buClr>
+              <a:buFont typeface="Wingdings 2" charset="2"/>
+              <a:buNone/>
+              <a:defRPr sz="1200" kern="1200">
+                <a:solidFill>
+                  <a:schemeClr val="tx1">
+                    <a:tint val="75000"/>
+                  </a:schemeClr>
+                </a:solidFill>
+                <a:latin typeface="+mn-lt"/>
+                <a:ea typeface="+mn-ea"/>
+                <a:cs typeface="+mn-cs"/>
+              </a:defRPr>
+            </a:lvl4pPr>
+            <a:lvl5pPr marL="1828800" indent="0" algn="ctr" defTabSz="457200" rtl="0" eaLnBrk="1" latinLnBrk="0" hangingPunct="1">
+              <a:spcBef>
+                <a:spcPct val="20000"/>
+              </a:spcBef>
+              <a:spcAft>
+                <a:spcPts val="600"/>
+              </a:spcAft>
+              <a:buClr>
+                <a:schemeClr val="accent1"/>
+              </a:buClr>
+              <a:buFont typeface="Wingdings 2" charset="2"/>
+              <a:buNone/>
+              <a:defRPr sz="1200" kern="1200">
+                <a:solidFill>
+                  <a:schemeClr val="tx1">
+                    <a:tint val="75000"/>
+                  </a:schemeClr>
+                </a:solidFill>
+                <a:latin typeface="+mn-lt"/>
+                <a:ea typeface="+mn-ea"/>
+                <a:cs typeface="+mn-cs"/>
+              </a:defRPr>
+            </a:lvl5pPr>
+            <a:lvl6pPr marL="2286000" indent="0" algn="ctr" defTabSz="457200" rtl="0" eaLnBrk="1" latinLnBrk="0" hangingPunct="1">
+              <a:spcBef>
+                <a:spcPct val="20000"/>
+              </a:spcBef>
+              <a:spcAft>
+                <a:spcPts val="600"/>
+              </a:spcAft>
+              <a:buClr>
+                <a:schemeClr val="accent1"/>
+              </a:buClr>
+              <a:buFont typeface="Wingdings 2" charset="2"/>
+              <a:buNone/>
+              <a:defRPr sz="1200" kern="1200">
+                <a:solidFill>
+                  <a:schemeClr val="tx1">
+                    <a:tint val="75000"/>
+                  </a:schemeClr>
+                </a:solidFill>
+                <a:latin typeface="+mn-lt"/>
+                <a:ea typeface="+mn-ea"/>
+                <a:cs typeface="+mn-cs"/>
+              </a:defRPr>
+            </a:lvl6pPr>
+            <a:lvl7pPr marL="2743200" indent="0" algn="ctr" defTabSz="457200" rtl="0" eaLnBrk="1" latinLnBrk="0" hangingPunct="1">
+              <a:spcBef>
+                <a:spcPct val="20000"/>
+              </a:spcBef>
+              <a:spcAft>
+                <a:spcPts val="600"/>
+              </a:spcAft>
+              <a:buClr>
+                <a:schemeClr val="accent1"/>
+              </a:buClr>
+              <a:buFont typeface="Wingdings 2" charset="2"/>
+              <a:buNone/>
+              <a:defRPr sz="1200" kern="1200">
+                <a:solidFill>
+                  <a:schemeClr val="tx1">
+                    <a:tint val="75000"/>
+                  </a:schemeClr>
+                </a:solidFill>
+                <a:latin typeface="+mn-lt"/>
+                <a:ea typeface="+mn-ea"/>
+                <a:cs typeface="+mn-cs"/>
+              </a:defRPr>
+            </a:lvl7pPr>
+            <a:lvl8pPr marL="3200400" indent="0" algn="ctr" defTabSz="457200" rtl="0" eaLnBrk="1" latinLnBrk="0" hangingPunct="1">
+              <a:spcBef>
+                <a:spcPct val="20000"/>
+              </a:spcBef>
+              <a:spcAft>
+                <a:spcPts val="600"/>
+              </a:spcAft>
+              <a:buClr>
+                <a:schemeClr val="accent1"/>
+              </a:buClr>
+              <a:buFont typeface="Wingdings 2" charset="2"/>
+              <a:buNone/>
+              <a:defRPr sz="1200" kern="1200">
+                <a:solidFill>
+                  <a:schemeClr val="tx1">
+                    <a:tint val="75000"/>
+                  </a:schemeClr>
+                </a:solidFill>
+                <a:latin typeface="+mn-lt"/>
+                <a:ea typeface="+mn-ea"/>
+                <a:cs typeface="+mn-cs"/>
+              </a:defRPr>
+            </a:lvl8pPr>
+            <a:lvl9pPr marL="3657600" indent="0" algn="ctr" defTabSz="457200" rtl="0" eaLnBrk="1" latinLnBrk="0" hangingPunct="1">
+              <a:spcBef>
+                <a:spcPct val="20000"/>
+              </a:spcBef>
+              <a:spcAft>
+                <a:spcPts val="600"/>
+              </a:spcAft>
+              <a:buClr>
+                <a:schemeClr val="accent1"/>
+              </a:buClr>
+              <a:buFont typeface="Wingdings 2" charset="2"/>
+              <a:buNone/>
+              <a:defRPr sz="1200" kern="1200">
+                <a:solidFill>
+                  <a:schemeClr val="tx1">
+                    <a:tint val="75000"/>
+                  </a:schemeClr>
+                </a:solidFill>
+                <a:latin typeface="+mn-lt"/>
+                <a:ea typeface="+mn-ea"/>
+                <a:cs typeface="+mn-cs"/>
+              </a:defRPr>
+            </a:lvl9pPr>
+          </a:lstStyle>
+          <a:p>
+            <a:r>
+              <a:rPr lang="fr-CH" sz="1500" dirty="0" smtClean="0">
+                <a:solidFill>
+                  <a:schemeClr val="bg2">
+                    <a:lumMod val="50000"/>
+                    <a:lumOff val="50000"/>
+                  </a:schemeClr>
+                </a:solidFill>
+                <a:latin typeface="Gulim" panose="020B0600000101010101" pitchFamily="34" charset="-127"/>
+                <a:ea typeface="Gulim" panose="020B0600000101010101" pitchFamily="34" charset="-127"/>
+              </a:rPr>
+              <a:t>A. </a:t>
+            </a:r>
+            <a:r>
+              <a:rPr lang="fr-CH" sz="1500" dirty="0" err="1" smtClean="0">
+                <a:solidFill>
+                  <a:schemeClr val="bg2">
+                    <a:lumMod val="50000"/>
+                    <a:lumOff val="50000"/>
+                  </a:schemeClr>
+                </a:solidFill>
+                <a:latin typeface="Gulim" panose="020B0600000101010101" pitchFamily="34" charset="-127"/>
+                <a:ea typeface="Gulim" panose="020B0600000101010101" pitchFamily="34" charset="-127"/>
+              </a:rPr>
+              <a:t>Desclouds</a:t>
+            </a:r>
+            <a:r>
+              <a:rPr lang="fr-CH" sz="1500" dirty="0" smtClean="0">
+                <a:solidFill>
+                  <a:schemeClr val="bg2">
+                    <a:lumMod val="50000"/>
+                    <a:lumOff val="50000"/>
+                  </a:schemeClr>
+                </a:solidFill>
+                <a:latin typeface="Gulim" panose="020B0600000101010101" pitchFamily="34" charset="-127"/>
+                <a:ea typeface="Gulim" panose="020B0600000101010101" pitchFamily="34" charset="-127"/>
+              </a:rPr>
+              <a:t>, </a:t>
+            </a:r>
+            <a:r>
+              <a:rPr lang="fr-CH" sz="1500" dirty="0" err="1" smtClean="0">
+                <a:solidFill>
+                  <a:schemeClr val="bg2">
+                    <a:lumMod val="50000"/>
+                    <a:lumOff val="50000"/>
+                  </a:schemeClr>
+                </a:solidFill>
+                <a:latin typeface="Gulim" panose="020B0600000101010101" pitchFamily="34" charset="-127"/>
+                <a:ea typeface="Gulim" panose="020B0600000101010101" pitchFamily="34" charset="-127"/>
+              </a:rPr>
+              <a:t>A.Hug</a:t>
+            </a:r>
+            <a:r>
+              <a:rPr lang="fr-CH" sz="1500" dirty="0" smtClean="0">
+                <a:solidFill>
+                  <a:schemeClr val="bg2">
+                    <a:lumMod val="50000"/>
+                    <a:lumOff val="50000"/>
+                  </a:schemeClr>
+                </a:solidFill>
+                <a:latin typeface="Gulim" panose="020B0600000101010101" pitchFamily="34" charset="-127"/>
+                <a:ea typeface="Gulim" panose="020B0600000101010101" pitchFamily="34" charset="-127"/>
+              </a:rPr>
+              <a:t>, S. </a:t>
+            </a:r>
+            <a:r>
+              <a:rPr lang="fr-CH" sz="1500" dirty="0" err="1" smtClean="0">
+                <a:solidFill>
+                  <a:schemeClr val="bg2">
+                    <a:lumMod val="50000"/>
+                    <a:lumOff val="50000"/>
+                  </a:schemeClr>
+                </a:solidFill>
+                <a:latin typeface="Gulim" panose="020B0600000101010101" pitchFamily="34" charset="-127"/>
+                <a:ea typeface="Gulim" panose="020B0600000101010101" pitchFamily="34" charset="-127"/>
+              </a:rPr>
+              <a:t>Righitto</a:t>
+            </a:r>
+            <a:r>
+              <a:rPr lang="fr-CH" sz="1500" dirty="0" smtClean="0">
+                <a:solidFill>
+                  <a:schemeClr val="bg2">
+                    <a:lumMod val="50000"/>
+                    <a:lumOff val="50000"/>
+                  </a:schemeClr>
+                </a:solidFill>
+                <a:latin typeface="Gulim" panose="020B0600000101010101" pitchFamily="34" charset="-127"/>
+                <a:ea typeface="Gulim" panose="020B0600000101010101" pitchFamily="34" charset="-127"/>
+              </a:rPr>
+              <a:t>, F. </a:t>
+            </a:r>
+            <a:r>
+              <a:rPr lang="fr-CH" sz="1500" dirty="0" err="1" smtClean="0">
+                <a:solidFill>
+                  <a:schemeClr val="bg2">
+                    <a:lumMod val="50000"/>
+                    <a:lumOff val="50000"/>
+                  </a:schemeClr>
+                </a:solidFill>
+                <a:latin typeface="Gulim" panose="020B0600000101010101" pitchFamily="34" charset="-127"/>
+                <a:ea typeface="Gulim" panose="020B0600000101010101" pitchFamily="34" charset="-127"/>
+              </a:rPr>
+              <a:t>Saam</a:t>
+            </a:r>
+            <a:r>
+              <a:rPr lang="fr-CH" sz="1500" dirty="0" smtClean="0">
+                <a:solidFill>
+                  <a:schemeClr val="bg2">
+                    <a:lumMod val="50000"/>
+                    <a:lumOff val="50000"/>
+                  </a:schemeClr>
+                </a:solidFill>
+                <a:latin typeface="Gulim" panose="020B0600000101010101" pitchFamily="34" charset="-127"/>
+                <a:ea typeface="Gulim" panose="020B0600000101010101" pitchFamily="34" charset="-127"/>
+              </a:rPr>
+              <a:t>	</a:t>
+            </a:r>
+            <a:r>
+              <a:rPr lang="fr-CH" sz="1600" dirty="0" smtClean="0">
+                <a:solidFill>
+                  <a:schemeClr val="bg2">
+                    <a:lumMod val="50000"/>
+                    <a:lumOff val="50000"/>
+                  </a:schemeClr>
+                </a:solidFill>
+                <a:latin typeface="Gulim" panose="020B0600000101010101" pitchFamily="34" charset="-127"/>
+                <a:ea typeface="Gulim" panose="020B0600000101010101" pitchFamily="34" charset="-127"/>
+              </a:rPr>
+              <a:t>											</a:t>
+            </a:r>
+            <a:endParaRPr lang="fr-CH" sz="1600" dirty="0">
+              <a:solidFill>
+                <a:schemeClr val="bg2">
+                  <a:lumMod val="50000"/>
+                  <a:lumOff val="50000"/>
+                </a:schemeClr>
+              </a:solidFill>
+              <a:latin typeface="Gulim" panose="020B0600000101010101" pitchFamily="34" charset="-127"/>
+              <a:ea typeface="Gulim" panose="020B0600000101010101" pitchFamily="34" charset="-127"/>
+            </a:endParaRPr>
+          </a:p>
+        </p:txBody>
+      </p:sp>
+      <p:sp>
+        <p:nvSpPr>
+          <p:cNvPr id="6" name="Slide Number Placeholder 5"/>
+          <p:cNvSpPr>
+            <a:spLocks noGrp="1"/>
+          </p:cNvSpPr>
+          <p:nvPr>
+            <p:ph type="sldNum" sz="quarter" idx="12"/>
+          </p:nvPr>
+        </p:nvSpPr>
+        <p:spPr>
+          <a:xfrm>
+            <a:off x="10678331" y="5915888"/>
+            <a:ext cx="1062155" cy="490599"/>
+          </a:xfrm>
+        </p:spPr>
+        <p:txBody>
+          <a:bodyPr/>
+          <a:lstStyle/>
+          <a:p>
+            <a:fld id="{D57F1E4F-1CFF-5643-939E-217C01CDF565}" type="slidenum">
+              <a:rPr lang="en-US" smtClean="0"/>
+              <a:pPr/>
+              <a:t>4</a:t>
+            </a:fld>
+            <a:endParaRPr lang="en-US" dirty="0"/>
+          </a:p>
+        </p:txBody>
+      </p:sp>
+      <p:pic>
+        <p:nvPicPr>
+          <p:cNvPr id="7" name="Image 6"/>
+          <p:cNvPicPr>
+            <a:picLocks noChangeAspect="1"/>
+          </p:cNvPicPr>
+          <p:nvPr/>
+        </p:nvPicPr>
+        <p:blipFill>
+          <a:blip r:embed="rId3">
+            <a:extLst>
+              <a:ext uri="{28A0092B-C50C-407E-A947-70E740481C1C}">
+                <a14:useLocalDpi xmlns:a14="http://schemas.microsoft.com/office/drawing/2010/main" val="0"/>
+              </a:ext>
+            </a:extLst>
+          </a:blip>
+          <a:stretch>
+            <a:fillRect/>
+          </a:stretch>
+        </p:blipFill>
+        <p:spPr>
+          <a:xfrm>
+            <a:off x="11209408" y="2354284"/>
+            <a:ext cx="501676" cy="1041454"/>
+          </a:xfrm>
+          <a:prstGeom prst="rect">
+            <a:avLst/>
+          </a:prstGeom>
+        </p:spPr>
+      </p:pic>
+    </p:spTree>
+    <p:extLst>
+      <p:ext uri="{BB962C8B-B14F-4D97-AF65-F5344CB8AC3E}">
+        <p14:creationId xmlns:p14="http://schemas.microsoft.com/office/powerpoint/2010/main" val="2870873436"/>
+      </p:ext>
+    </p:extLst>
+  </p:cSld>
+  <p:clrMapOvr>
+    <a:masterClrMapping/>
+  </p:clrMapOvr>
+  <p:timing>
+    <p:tnLst>
+      <p:par>
+        <p:cTn id="1" dur="indefinite" restart="never" nodeType="tmRoot"/>
+      </p:par>
+    </p:tnLst>
+  </p:timing>
+</p:sld>
+</file>
+
+<file path=ppt/slides/slide5.xml><?xml version="1.0" encoding="utf-8"?>
+<p:sld xmlns:a="http://schemas.openxmlformats.org/drawingml/2006/main" xmlns:r="http://schemas.openxmlformats.org/officeDocument/2006/relationships" xmlns:p="http://schemas.openxmlformats.org/presentationml/2006/main">
+  <p:cSld>
+    <p:spTree>
+      <p:nvGrpSpPr>
+        <p:cNvPr id="1" name=""/>
+        <p:cNvGrpSpPr/>
+        <p:nvPr/>
+      </p:nvGrpSpPr>
+      <p:grpSpPr>
+        <a:xfrm>
+          <a:off x="0" y="0"/>
+          <a:ext cx="0" cy="0"/>
+          <a:chOff x="0" y="0"/>
+          <a:chExt cx="0" cy="0"/>
+        </a:xfrm>
+      </p:grpSpPr>
+      <p:sp>
+        <p:nvSpPr>
+          <p:cNvPr id="2" name="Titre 1"/>
+          <p:cNvSpPr>
+            <a:spLocks noGrp="1"/>
+          </p:cNvSpPr>
+          <p:nvPr>
+            <p:ph type="title"/>
+          </p:nvPr>
+        </p:nvSpPr>
+        <p:spPr/>
+        <p:txBody>
+          <a:bodyPr/>
+          <a:lstStyle/>
+          <a:p>
+            <a:r>
+              <a:rPr lang="fr-CH" dirty="0" smtClean="0"/>
+              <a:t>Suivi de ligne</a:t>
+            </a:r>
+            <a:endParaRPr lang="fr-CH" dirty="0"/>
+          </a:p>
+        </p:txBody>
+      </p:sp>
+      <p:sp>
+        <p:nvSpPr>
+          <p:cNvPr id="3" name="Espace réservé du contenu 2"/>
+          <p:cNvSpPr>
+            <a:spLocks noGrp="1"/>
+          </p:cNvSpPr>
+          <p:nvPr>
+            <p:ph idx="1"/>
+          </p:nvPr>
+        </p:nvSpPr>
+        <p:spPr/>
+        <p:txBody>
+          <a:bodyPr/>
+          <a:lstStyle/>
+          <a:p>
+            <a:r>
+              <a:rPr lang="fr-CH" dirty="0" smtClean="0"/>
+              <a:t>D’abord: Lignes noires sur blanc</a:t>
+            </a:r>
+          </a:p>
+          <a:p>
+            <a:r>
+              <a:rPr lang="fr-CH" dirty="0" smtClean="0"/>
+              <a:t>Puis: Lignes blanches sur noir</a:t>
+            </a:r>
+          </a:p>
+          <a:p>
+            <a:r>
+              <a:rPr lang="fr-CH" dirty="0" smtClean="0"/>
+              <a:t>Difficulté: ?</a:t>
+            </a:r>
+          </a:p>
+        </p:txBody>
+      </p:sp>
+      <p:sp>
+        <p:nvSpPr>
+          <p:cNvPr id="5" name="Sous-titre 2"/>
+          <p:cNvSpPr txBox="1">
+            <a:spLocks/>
+          </p:cNvSpPr>
+          <p:nvPr/>
+        </p:nvSpPr>
+        <p:spPr>
+          <a:xfrm>
+            <a:off x="810001" y="6050877"/>
+            <a:ext cx="10572000" cy="434974"/>
+          </a:xfrm>
+          <a:prstGeom prst="rect">
+            <a:avLst/>
+          </a:prstGeom>
+          <a:effectLst>
+            <a:outerShdw blurRad="50800" dir="14400000">
+              <a:srgbClr val="000000">
+                <a:alpha val="40000"/>
+              </a:srgbClr>
+            </a:outerShdw>
+          </a:effectLst>
+        </p:spPr>
+        <p:txBody>
+          <a:bodyPr vert="horz" lIns="91440" tIns="45720" rIns="91440" bIns="45720" rtlCol="0" anchor="t">
+            <a:normAutofit/>
+          </a:bodyPr>
+          <a:lstStyle>
+            <a:lvl1pPr marL="0" indent="0" algn="l" defTabSz="457200" rtl="0" eaLnBrk="1" latinLnBrk="0" hangingPunct="1">
+              <a:spcBef>
+                <a:spcPct val="20000"/>
+              </a:spcBef>
+              <a:spcAft>
+                <a:spcPts val="600"/>
+              </a:spcAft>
+              <a:buClr>
+                <a:schemeClr val="accent1"/>
+              </a:buClr>
+              <a:buFont typeface="Wingdings 2" charset="2"/>
+              <a:buNone/>
+              <a:defRPr sz="1800" kern="1200">
+                <a:solidFill>
+                  <a:schemeClr val="tx1"/>
+                </a:solidFill>
+                <a:latin typeface="+mn-lt"/>
+                <a:ea typeface="+mn-ea"/>
+                <a:cs typeface="+mn-cs"/>
+              </a:defRPr>
+            </a:lvl1pPr>
+            <a:lvl2pPr marL="457200" indent="0" algn="ctr" defTabSz="457200" rtl="0" eaLnBrk="1" latinLnBrk="0" hangingPunct="1">
+              <a:spcBef>
+                <a:spcPct val="20000"/>
+              </a:spcBef>
+              <a:spcAft>
+                <a:spcPts val="600"/>
+              </a:spcAft>
+              <a:buClr>
+                <a:schemeClr val="accent1"/>
+              </a:buClr>
+              <a:buFont typeface="Wingdings 2" charset="2"/>
+              <a:buNone/>
+              <a:defRPr sz="1600" kern="1200">
+                <a:solidFill>
+                  <a:schemeClr val="tx1">
+                    <a:tint val="75000"/>
+                  </a:schemeClr>
+                </a:solidFill>
+                <a:latin typeface="+mn-lt"/>
+                <a:ea typeface="+mn-ea"/>
+                <a:cs typeface="+mn-cs"/>
+              </a:defRPr>
+            </a:lvl2pPr>
+            <a:lvl3pPr marL="914400" indent="0" algn="ctr" defTabSz="457200" rtl="0" eaLnBrk="1" latinLnBrk="0" hangingPunct="1">
+              <a:spcBef>
+                <a:spcPct val="20000"/>
+              </a:spcBef>
+              <a:spcAft>
+                <a:spcPts val="600"/>
+              </a:spcAft>
+              <a:buClr>
+                <a:schemeClr val="accent1"/>
+              </a:buClr>
+              <a:buFont typeface="Wingdings 2" charset="2"/>
+              <a:buNone/>
+              <a:defRPr sz="1400" kern="1200">
+                <a:solidFill>
+                  <a:schemeClr val="tx1">
+                    <a:tint val="75000"/>
+                  </a:schemeClr>
+                </a:solidFill>
+                <a:latin typeface="+mn-lt"/>
+                <a:ea typeface="+mn-ea"/>
+                <a:cs typeface="+mn-cs"/>
+              </a:defRPr>
+            </a:lvl3pPr>
+            <a:lvl4pPr marL="1371600" indent="0" algn="ctr" defTabSz="457200" rtl="0" eaLnBrk="1" latinLnBrk="0" hangingPunct="1">
+              <a:spcBef>
+                <a:spcPct val="20000"/>
+              </a:spcBef>
+              <a:spcAft>
+                <a:spcPts val="600"/>
+              </a:spcAft>
+              <a:buClr>
+                <a:schemeClr val="accent1"/>
+              </a:buClr>
+              <a:buFont typeface="Wingdings 2" charset="2"/>
+              <a:buNone/>
+              <a:defRPr sz="1200" kern="1200">
+                <a:solidFill>
+                  <a:schemeClr val="tx1">
+                    <a:tint val="75000"/>
+                  </a:schemeClr>
+                </a:solidFill>
+                <a:latin typeface="+mn-lt"/>
+                <a:ea typeface="+mn-ea"/>
+                <a:cs typeface="+mn-cs"/>
+              </a:defRPr>
+            </a:lvl4pPr>
+            <a:lvl5pPr marL="1828800" indent="0" algn="ctr" defTabSz="457200" rtl="0" eaLnBrk="1" latinLnBrk="0" hangingPunct="1">
+              <a:spcBef>
+                <a:spcPct val="20000"/>
+              </a:spcBef>
+              <a:spcAft>
+                <a:spcPts val="600"/>
+              </a:spcAft>
+              <a:buClr>
+                <a:schemeClr val="accent1"/>
+              </a:buClr>
+              <a:buFont typeface="Wingdings 2" charset="2"/>
+              <a:buNone/>
+              <a:defRPr sz="1200" kern="1200">
+                <a:solidFill>
+                  <a:schemeClr val="tx1">
+                    <a:tint val="75000"/>
+                  </a:schemeClr>
+                </a:solidFill>
+                <a:latin typeface="+mn-lt"/>
+                <a:ea typeface="+mn-ea"/>
+                <a:cs typeface="+mn-cs"/>
+              </a:defRPr>
+            </a:lvl5pPr>
+            <a:lvl6pPr marL="2286000" indent="0" algn="ctr" defTabSz="457200" rtl="0" eaLnBrk="1" latinLnBrk="0" hangingPunct="1">
+              <a:spcBef>
+                <a:spcPct val="20000"/>
+              </a:spcBef>
+              <a:spcAft>
+                <a:spcPts val="600"/>
+              </a:spcAft>
+              <a:buClr>
+                <a:schemeClr val="accent1"/>
+              </a:buClr>
+              <a:buFont typeface="Wingdings 2" charset="2"/>
+              <a:buNone/>
+              <a:defRPr sz="1200" kern="1200">
+                <a:solidFill>
+                  <a:schemeClr val="tx1">
+                    <a:tint val="75000"/>
+                  </a:schemeClr>
+                </a:solidFill>
+                <a:latin typeface="+mn-lt"/>
+                <a:ea typeface="+mn-ea"/>
+                <a:cs typeface="+mn-cs"/>
+              </a:defRPr>
+            </a:lvl6pPr>
+            <a:lvl7pPr marL="2743200" indent="0" algn="ctr" defTabSz="457200" rtl="0" eaLnBrk="1" latinLnBrk="0" hangingPunct="1">
+              <a:spcBef>
+                <a:spcPct val="20000"/>
+              </a:spcBef>
+              <a:spcAft>
+                <a:spcPts val="600"/>
+              </a:spcAft>
+              <a:buClr>
+                <a:schemeClr val="accent1"/>
+              </a:buClr>
+              <a:buFont typeface="Wingdings 2" charset="2"/>
+              <a:buNone/>
+              <a:defRPr sz="1200" kern="1200">
+                <a:solidFill>
+                  <a:schemeClr val="tx1">
+                    <a:tint val="75000"/>
+                  </a:schemeClr>
+                </a:solidFill>
+                <a:latin typeface="+mn-lt"/>
+                <a:ea typeface="+mn-ea"/>
+                <a:cs typeface="+mn-cs"/>
+              </a:defRPr>
+            </a:lvl7pPr>
+            <a:lvl8pPr marL="3200400" indent="0" algn="ctr" defTabSz="457200" rtl="0" eaLnBrk="1" latinLnBrk="0" hangingPunct="1">
+              <a:spcBef>
+                <a:spcPct val="20000"/>
+              </a:spcBef>
+              <a:spcAft>
+                <a:spcPts val="600"/>
+              </a:spcAft>
+              <a:buClr>
+                <a:schemeClr val="accent1"/>
+              </a:buClr>
+              <a:buFont typeface="Wingdings 2" charset="2"/>
+              <a:buNone/>
+              <a:defRPr sz="1200" kern="1200">
+                <a:solidFill>
+                  <a:schemeClr val="tx1">
+                    <a:tint val="75000"/>
+                  </a:schemeClr>
+                </a:solidFill>
+                <a:latin typeface="+mn-lt"/>
+                <a:ea typeface="+mn-ea"/>
+                <a:cs typeface="+mn-cs"/>
+              </a:defRPr>
+            </a:lvl8pPr>
+            <a:lvl9pPr marL="3657600" indent="0" algn="ctr" defTabSz="457200" rtl="0" eaLnBrk="1" latinLnBrk="0" hangingPunct="1">
+              <a:spcBef>
+                <a:spcPct val="20000"/>
+              </a:spcBef>
+              <a:spcAft>
+                <a:spcPts val="600"/>
+              </a:spcAft>
+              <a:buClr>
+                <a:schemeClr val="accent1"/>
+              </a:buClr>
+              <a:buFont typeface="Wingdings 2" charset="2"/>
+              <a:buNone/>
+              <a:defRPr sz="1200" kern="1200">
+                <a:solidFill>
+                  <a:schemeClr val="tx1">
+                    <a:tint val="75000"/>
+                  </a:schemeClr>
+                </a:solidFill>
+                <a:latin typeface="+mn-lt"/>
+                <a:ea typeface="+mn-ea"/>
+                <a:cs typeface="+mn-cs"/>
+              </a:defRPr>
+            </a:lvl9pPr>
+          </a:lstStyle>
+          <a:p>
+            <a:r>
+              <a:rPr lang="fr-CH" sz="1500" dirty="0" smtClean="0">
+                <a:solidFill>
+                  <a:schemeClr val="bg2">
+                    <a:lumMod val="50000"/>
+                    <a:lumOff val="50000"/>
+                  </a:schemeClr>
+                </a:solidFill>
+                <a:latin typeface="Gulim" panose="020B0600000101010101" pitchFamily="34" charset="-127"/>
+                <a:ea typeface="Gulim" panose="020B0600000101010101" pitchFamily="34" charset="-127"/>
+              </a:rPr>
+              <a:t>A. </a:t>
+            </a:r>
+            <a:r>
+              <a:rPr lang="fr-CH" sz="1500" dirty="0" err="1" smtClean="0">
+                <a:solidFill>
+                  <a:schemeClr val="bg2">
+                    <a:lumMod val="50000"/>
+                    <a:lumOff val="50000"/>
+                  </a:schemeClr>
+                </a:solidFill>
+                <a:latin typeface="Gulim" panose="020B0600000101010101" pitchFamily="34" charset="-127"/>
+                <a:ea typeface="Gulim" panose="020B0600000101010101" pitchFamily="34" charset="-127"/>
+              </a:rPr>
+              <a:t>Desclouds</a:t>
+            </a:r>
+            <a:r>
+              <a:rPr lang="fr-CH" sz="1500" dirty="0" smtClean="0">
+                <a:solidFill>
+                  <a:schemeClr val="bg2">
+                    <a:lumMod val="50000"/>
+                    <a:lumOff val="50000"/>
+                  </a:schemeClr>
+                </a:solidFill>
+                <a:latin typeface="Gulim" panose="020B0600000101010101" pitchFamily="34" charset="-127"/>
+                <a:ea typeface="Gulim" panose="020B0600000101010101" pitchFamily="34" charset="-127"/>
+              </a:rPr>
+              <a:t>, </a:t>
+            </a:r>
+            <a:r>
+              <a:rPr lang="fr-CH" sz="1500" dirty="0" err="1" smtClean="0">
+                <a:solidFill>
+                  <a:schemeClr val="bg2">
+                    <a:lumMod val="50000"/>
+                    <a:lumOff val="50000"/>
+                  </a:schemeClr>
+                </a:solidFill>
+                <a:latin typeface="Gulim" panose="020B0600000101010101" pitchFamily="34" charset="-127"/>
+                <a:ea typeface="Gulim" panose="020B0600000101010101" pitchFamily="34" charset="-127"/>
+              </a:rPr>
+              <a:t>A.Hug</a:t>
+            </a:r>
+            <a:r>
+              <a:rPr lang="fr-CH" sz="1500" dirty="0" smtClean="0">
+                <a:solidFill>
+                  <a:schemeClr val="bg2">
+                    <a:lumMod val="50000"/>
+                    <a:lumOff val="50000"/>
+                  </a:schemeClr>
+                </a:solidFill>
+                <a:latin typeface="Gulim" panose="020B0600000101010101" pitchFamily="34" charset="-127"/>
+                <a:ea typeface="Gulim" panose="020B0600000101010101" pitchFamily="34" charset="-127"/>
+              </a:rPr>
+              <a:t>, S. </a:t>
+            </a:r>
+            <a:r>
+              <a:rPr lang="fr-CH" sz="1500" dirty="0" err="1" smtClean="0">
+                <a:solidFill>
+                  <a:schemeClr val="bg2">
+                    <a:lumMod val="50000"/>
+                    <a:lumOff val="50000"/>
+                  </a:schemeClr>
+                </a:solidFill>
+                <a:latin typeface="Gulim" panose="020B0600000101010101" pitchFamily="34" charset="-127"/>
+                <a:ea typeface="Gulim" panose="020B0600000101010101" pitchFamily="34" charset="-127"/>
+              </a:rPr>
+              <a:t>Righitto</a:t>
+            </a:r>
+            <a:r>
+              <a:rPr lang="fr-CH" sz="1500" dirty="0" smtClean="0">
+                <a:solidFill>
+                  <a:schemeClr val="bg2">
+                    <a:lumMod val="50000"/>
+                    <a:lumOff val="50000"/>
+                  </a:schemeClr>
+                </a:solidFill>
+                <a:latin typeface="Gulim" panose="020B0600000101010101" pitchFamily="34" charset="-127"/>
+                <a:ea typeface="Gulim" panose="020B0600000101010101" pitchFamily="34" charset="-127"/>
+              </a:rPr>
+              <a:t>, F. </a:t>
+            </a:r>
+            <a:r>
+              <a:rPr lang="fr-CH" sz="1500" dirty="0" err="1" smtClean="0">
+                <a:solidFill>
+                  <a:schemeClr val="bg2">
+                    <a:lumMod val="50000"/>
+                    <a:lumOff val="50000"/>
+                  </a:schemeClr>
+                </a:solidFill>
+                <a:latin typeface="Gulim" panose="020B0600000101010101" pitchFamily="34" charset="-127"/>
+                <a:ea typeface="Gulim" panose="020B0600000101010101" pitchFamily="34" charset="-127"/>
+              </a:rPr>
+              <a:t>Saam</a:t>
+            </a:r>
+            <a:r>
+              <a:rPr lang="fr-CH" sz="1500" dirty="0" smtClean="0">
+                <a:solidFill>
+                  <a:schemeClr val="bg2">
+                    <a:lumMod val="50000"/>
+                    <a:lumOff val="50000"/>
+                  </a:schemeClr>
+                </a:solidFill>
+                <a:latin typeface="Gulim" panose="020B0600000101010101" pitchFamily="34" charset="-127"/>
+                <a:ea typeface="Gulim" panose="020B0600000101010101" pitchFamily="34" charset="-127"/>
+              </a:rPr>
+              <a:t>	</a:t>
+            </a:r>
+            <a:r>
+              <a:rPr lang="fr-CH" sz="1600" dirty="0" smtClean="0">
+                <a:solidFill>
+                  <a:schemeClr val="bg2">
+                    <a:lumMod val="50000"/>
+                    <a:lumOff val="50000"/>
+                  </a:schemeClr>
+                </a:solidFill>
+                <a:latin typeface="Gulim" panose="020B0600000101010101" pitchFamily="34" charset="-127"/>
+                <a:ea typeface="Gulim" panose="020B0600000101010101" pitchFamily="34" charset="-127"/>
+              </a:rPr>
+              <a:t>											</a:t>
+            </a:r>
+            <a:endParaRPr lang="fr-CH" sz="1600" dirty="0">
+              <a:solidFill>
+                <a:schemeClr val="bg2">
+                  <a:lumMod val="50000"/>
+                  <a:lumOff val="50000"/>
+                </a:schemeClr>
+              </a:solidFill>
+              <a:latin typeface="Gulim" panose="020B0600000101010101" pitchFamily="34" charset="-127"/>
+              <a:ea typeface="Gulim" panose="020B0600000101010101" pitchFamily="34" charset="-127"/>
+            </a:endParaRPr>
+          </a:p>
+        </p:txBody>
+      </p:sp>
+      <p:sp>
+        <p:nvSpPr>
+          <p:cNvPr id="6" name="Slide Number Placeholder 5"/>
+          <p:cNvSpPr>
+            <a:spLocks noGrp="1"/>
+          </p:cNvSpPr>
+          <p:nvPr>
+            <p:ph type="sldNum" sz="quarter" idx="12"/>
+          </p:nvPr>
+        </p:nvSpPr>
+        <p:spPr>
+          <a:xfrm>
+            <a:off x="10678331" y="5915888"/>
+            <a:ext cx="1062155" cy="490599"/>
+          </a:xfrm>
+        </p:spPr>
+        <p:txBody>
+          <a:bodyPr/>
+          <a:lstStyle/>
+          <a:p>
+            <a:fld id="{D57F1E4F-1CFF-5643-939E-217C01CDF565}" type="slidenum">
+              <a:rPr lang="en-US" smtClean="0"/>
+              <a:pPr/>
+              <a:t>5</a:t>
+            </a:fld>
+            <a:endParaRPr lang="en-US" dirty="0"/>
+          </a:p>
+        </p:txBody>
+      </p:sp>
+      <p:pic>
+        <p:nvPicPr>
+          <p:cNvPr id="7" name="Image 6"/>
+          <p:cNvPicPr>
+            <a:picLocks noChangeAspect="1"/>
+          </p:cNvPicPr>
+          <p:nvPr/>
+        </p:nvPicPr>
+        <p:blipFill>
+          <a:blip r:embed="rId3">
+            <a:extLst>
+              <a:ext uri="{28A0092B-C50C-407E-A947-70E740481C1C}">
+                <a14:useLocalDpi xmlns:a14="http://schemas.microsoft.com/office/drawing/2010/main" val="0"/>
+              </a:ext>
+            </a:extLst>
+          </a:blip>
+          <a:stretch>
+            <a:fillRect/>
+          </a:stretch>
+        </p:blipFill>
+        <p:spPr>
+          <a:xfrm>
+            <a:off x="11209408" y="2354284"/>
+            <a:ext cx="501676" cy="1041454"/>
+          </a:xfrm>
+          <a:prstGeom prst="rect">
+            <a:avLst/>
+          </a:prstGeom>
+        </p:spPr>
+      </p:pic>
+    </p:spTree>
+    <p:extLst>
+      <p:ext uri="{BB962C8B-B14F-4D97-AF65-F5344CB8AC3E}">
+        <p14:creationId xmlns:p14="http://schemas.microsoft.com/office/powerpoint/2010/main" val="2662774901"/>
+      </p:ext>
+    </p:extLst>
+  </p:cSld>
+  <p:clrMapOvr>
+    <a:masterClrMapping/>
+  </p:clrMapOvr>
+  <p:timing>
+    <p:tnLst>
+      <p:par>
+        <p:cTn id="1" dur="indefinite" restart="never" nodeType="tmRoot"/>
+      </p:par>
+    </p:tnLst>
+  </p:timing>
+</p:sld>
+</file>
+
+<file path=ppt/slides/slide6.xml><?xml version="1.0" encoding="utf-8"?>
+<p:sld xmlns:a="http://schemas.openxmlformats.org/drawingml/2006/main" xmlns:r="http://schemas.openxmlformats.org/officeDocument/2006/relationships" xmlns:p="http://schemas.openxmlformats.org/presentationml/2006/main">
+  <p:cSld>
+    <p:spTree>
+      <p:nvGrpSpPr>
+        <p:cNvPr id="1" name=""/>
+        <p:cNvGrpSpPr/>
+        <p:nvPr/>
+      </p:nvGrpSpPr>
+      <p:grpSpPr>
+        <a:xfrm>
+          <a:off x="0" y="0"/>
+          <a:ext cx="0" cy="0"/>
+          <a:chOff x="0" y="0"/>
+          <a:chExt cx="0" cy="0"/>
+        </a:xfrm>
+      </p:grpSpPr>
+      <p:sp>
+        <p:nvSpPr>
+          <p:cNvPr id="2" name="Titre 1"/>
+          <p:cNvSpPr>
+            <a:spLocks noGrp="1"/>
+          </p:cNvSpPr>
+          <p:nvPr>
+            <p:ph type="title"/>
+          </p:nvPr>
+        </p:nvSpPr>
+        <p:spPr>
+          <a:xfrm>
+            <a:off x="1249251" y="446088"/>
+            <a:ext cx="3371434" cy="1511501"/>
+          </a:xfrm>
+        </p:spPr>
+        <p:txBody>
+          <a:bodyPr/>
+          <a:lstStyle/>
+          <a:p>
+            <a:r>
+              <a:rPr lang="fr-CH" sz="3600" dirty="0" smtClean="0">
+                <a:latin typeface="Gulim" panose="020B0600000101010101" pitchFamily="34" charset="-127"/>
+                <a:ea typeface="Gulim" panose="020B0600000101010101" pitchFamily="34" charset="-127"/>
+              </a:rPr>
+              <a:t>Suivi de ligne</a:t>
+            </a:r>
+            <a:endParaRPr lang="fr-CH" sz="3600" dirty="0">
+              <a:latin typeface="Gulim" panose="020B0600000101010101" pitchFamily="34" charset="-127"/>
+              <a:ea typeface="Gulim" panose="020B0600000101010101" pitchFamily="34" charset="-127"/>
+            </a:endParaRPr>
+          </a:p>
+        </p:txBody>
+      </p:sp>
+      <p:sp>
+        <p:nvSpPr>
+          <p:cNvPr id="3" name="Espace réservé du contenu 2"/>
+          <p:cNvSpPr>
+            <a:spLocks noGrp="1"/>
+          </p:cNvSpPr>
+          <p:nvPr>
+            <p:ph idx="1"/>
+          </p:nvPr>
+        </p:nvSpPr>
+        <p:spPr>
+          <a:xfrm>
+            <a:off x="4855633" y="2260737"/>
+            <a:ext cx="6252633" cy="3600313"/>
+          </a:xfrm>
+        </p:spPr>
+        <p:txBody>
+          <a:bodyPr anchor="t" anchorCtr="0"/>
+          <a:lstStyle/>
+          <a:p>
+            <a:pPr marL="0" indent="0">
+              <a:buNone/>
+            </a:pPr>
+            <a:r>
+              <a:rPr lang="fr-CH" dirty="0" smtClean="0">
+                <a:latin typeface="Consolas" panose="020B0609020204030204" pitchFamily="49" charset="0"/>
+                <a:cs typeface="Consolas" panose="020B0609020204030204" pitchFamily="49" charset="0"/>
+              </a:rPr>
+              <a:t>Code ici</a:t>
+            </a:r>
+            <a:endParaRPr lang="fr-CH" dirty="0">
+              <a:latin typeface="Consolas" panose="020B0609020204030204" pitchFamily="49" charset="0"/>
+              <a:cs typeface="Consolas" panose="020B0609020204030204" pitchFamily="49" charset="0"/>
+            </a:endParaRPr>
+          </a:p>
+        </p:txBody>
+      </p:sp>
+      <p:sp>
+        <p:nvSpPr>
+          <p:cNvPr id="4" name="Espace réservé du texte 3"/>
+          <p:cNvSpPr>
+            <a:spLocks noGrp="1"/>
+          </p:cNvSpPr>
+          <p:nvPr>
+            <p:ph type="body" sz="half" idx="2"/>
+          </p:nvPr>
+        </p:nvSpPr>
+        <p:spPr/>
+        <p:txBody>
+          <a:bodyPr>
+            <a:normAutofit/>
+          </a:bodyPr>
+          <a:lstStyle/>
+          <a:p>
+            <a:pPr marL="285750" indent="-285750">
+              <a:buFont typeface="Courier New" panose="02070309020205020404" pitchFamily="49" charset="0"/>
+              <a:buChar char="o"/>
+            </a:pPr>
+            <a:r>
+              <a:rPr lang="fr-CH" sz="1800" dirty="0" smtClean="0"/>
+              <a:t>ici</a:t>
+            </a:r>
+            <a:endParaRPr lang="fr-CH" sz="1800" dirty="0"/>
+          </a:p>
+        </p:txBody>
+      </p:sp>
+      <p:pic>
+        <p:nvPicPr>
+          <p:cNvPr id="5" name="Image 4"/>
+          <p:cNvPicPr>
+            <a:picLocks noChangeAspect="1"/>
+          </p:cNvPicPr>
+          <p:nvPr/>
+        </p:nvPicPr>
+        <p:blipFill>
+          <a:blip r:embed="rId3">
+            <a:extLst>
+              <a:ext uri="{28A0092B-C50C-407E-A947-70E740481C1C}">
+                <a14:useLocalDpi xmlns:a14="http://schemas.microsoft.com/office/drawing/2010/main" val="0"/>
+              </a:ext>
+            </a:extLst>
+          </a:blip>
+          <a:stretch>
+            <a:fillRect/>
+          </a:stretch>
+        </p:blipFill>
+        <p:spPr>
+          <a:xfrm>
+            <a:off x="11209408" y="2354284"/>
+            <a:ext cx="501676" cy="1041454"/>
+          </a:xfrm>
+          <a:prstGeom prst="rect">
+            <a:avLst/>
+          </a:prstGeom>
+        </p:spPr>
+      </p:pic>
+      <p:sp>
+        <p:nvSpPr>
+          <p:cNvPr id="6" name="Sous-titre 2"/>
+          <p:cNvSpPr txBox="1">
+            <a:spLocks/>
+          </p:cNvSpPr>
+          <p:nvPr/>
+        </p:nvSpPr>
+        <p:spPr>
+          <a:xfrm>
+            <a:off x="810001" y="6050877"/>
+            <a:ext cx="10572000" cy="434974"/>
+          </a:xfrm>
+          <a:prstGeom prst="rect">
+            <a:avLst/>
+          </a:prstGeom>
+          <a:effectLst>
+            <a:outerShdw blurRad="50800" dir="14400000">
+              <a:srgbClr val="000000">
+                <a:alpha val="40000"/>
+              </a:srgbClr>
+            </a:outerShdw>
+          </a:effectLst>
+        </p:spPr>
+        <p:txBody>
+          <a:bodyPr vert="horz" lIns="91440" tIns="45720" rIns="91440" bIns="45720" rtlCol="0" anchor="t">
+            <a:normAutofit/>
+          </a:bodyPr>
+          <a:lstStyle>
+            <a:lvl1pPr marL="0" indent="0" algn="l" defTabSz="457200" rtl="0" eaLnBrk="1" latinLnBrk="0" hangingPunct="1">
+              <a:spcBef>
+                <a:spcPct val="20000"/>
+              </a:spcBef>
+              <a:spcAft>
+                <a:spcPts val="600"/>
+              </a:spcAft>
+              <a:buClr>
+                <a:schemeClr val="accent1"/>
+              </a:buClr>
+              <a:buFont typeface="Wingdings 2" charset="2"/>
+              <a:buNone/>
+              <a:defRPr sz="1800" kern="1200">
+                <a:solidFill>
+                  <a:schemeClr val="tx1"/>
+                </a:solidFill>
+                <a:latin typeface="+mn-lt"/>
+                <a:ea typeface="+mn-ea"/>
+                <a:cs typeface="+mn-cs"/>
+              </a:defRPr>
+            </a:lvl1pPr>
+            <a:lvl2pPr marL="457200" indent="0" algn="ctr" defTabSz="457200" rtl="0" eaLnBrk="1" latinLnBrk="0" hangingPunct="1">
+              <a:spcBef>
+                <a:spcPct val="20000"/>
+              </a:spcBef>
+              <a:spcAft>
+                <a:spcPts val="600"/>
+              </a:spcAft>
+              <a:buClr>
+                <a:schemeClr val="accent1"/>
+              </a:buClr>
+              <a:buFont typeface="Wingdings 2" charset="2"/>
+              <a:buNone/>
+              <a:defRPr sz="1600" kern="1200">
+                <a:solidFill>
+                  <a:schemeClr val="tx1">
+                    <a:tint val="75000"/>
+                  </a:schemeClr>
+                </a:solidFill>
+                <a:latin typeface="+mn-lt"/>
+                <a:ea typeface="+mn-ea"/>
+                <a:cs typeface="+mn-cs"/>
+              </a:defRPr>
+            </a:lvl2pPr>
+            <a:lvl3pPr marL="914400" indent="0" algn="ctr" defTabSz="457200" rtl="0" eaLnBrk="1" latinLnBrk="0" hangingPunct="1">
+              <a:spcBef>
+                <a:spcPct val="20000"/>
+              </a:spcBef>
+              <a:spcAft>
+                <a:spcPts val="600"/>
+              </a:spcAft>
+              <a:buClr>
+                <a:schemeClr val="accent1"/>
+              </a:buClr>
+              <a:buFont typeface="Wingdings 2" charset="2"/>
+              <a:buNone/>
+              <a:defRPr sz="1400" kern="1200">
+                <a:solidFill>
+                  <a:schemeClr val="tx1">
+                    <a:tint val="75000"/>
+                  </a:schemeClr>
+                </a:solidFill>
+                <a:latin typeface="+mn-lt"/>
+                <a:ea typeface="+mn-ea"/>
+                <a:cs typeface="+mn-cs"/>
+              </a:defRPr>
+            </a:lvl3pPr>
+            <a:lvl4pPr marL="1371600" indent="0" algn="ctr" defTabSz="457200" rtl="0" eaLnBrk="1" latinLnBrk="0" hangingPunct="1">
+              <a:spcBef>
+                <a:spcPct val="20000"/>
+              </a:spcBef>
+              <a:spcAft>
+                <a:spcPts val="600"/>
+              </a:spcAft>
+              <a:buClr>
+                <a:schemeClr val="accent1"/>
+              </a:buClr>
+              <a:buFont typeface="Wingdings 2" charset="2"/>
+              <a:buNone/>
+              <a:defRPr sz="1200" kern="1200">
+                <a:solidFill>
+                  <a:schemeClr val="tx1">
+                    <a:tint val="75000"/>
+                  </a:schemeClr>
+                </a:solidFill>
+                <a:latin typeface="+mn-lt"/>
+                <a:ea typeface="+mn-ea"/>
+                <a:cs typeface="+mn-cs"/>
+              </a:defRPr>
+            </a:lvl4pPr>
+            <a:lvl5pPr marL="1828800" indent="0" algn="ctr" defTabSz="457200" rtl="0" eaLnBrk="1" latinLnBrk="0" hangingPunct="1">
+              <a:spcBef>
+                <a:spcPct val="20000"/>
+              </a:spcBef>
+              <a:spcAft>
+                <a:spcPts val="600"/>
+              </a:spcAft>
+              <a:buClr>
+                <a:schemeClr val="accent1"/>
+              </a:buClr>
+              <a:buFont typeface="Wingdings 2" charset="2"/>
+              <a:buNone/>
+              <a:defRPr sz="1200" kern="1200">
+                <a:solidFill>
+                  <a:schemeClr val="tx1">
+                    <a:tint val="75000"/>
+                  </a:schemeClr>
+                </a:solidFill>
+                <a:latin typeface="+mn-lt"/>
+                <a:ea typeface="+mn-ea"/>
+                <a:cs typeface="+mn-cs"/>
+              </a:defRPr>
+            </a:lvl5pPr>
+            <a:lvl6pPr marL="2286000" indent="0" algn="ctr" defTabSz="457200" rtl="0" eaLnBrk="1" latinLnBrk="0" hangingPunct="1">
+              <a:spcBef>
+                <a:spcPct val="20000"/>
+              </a:spcBef>
+              <a:spcAft>
+                <a:spcPts val="600"/>
+              </a:spcAft>
+              <a:buClr>
+                <a:schemeClr val="accent1"/>
+              </a:buClr>
+              <a:buFont typeface="Wingdings 2" charset="2"/>
+              <a:buNone/>
+              <a:defRPr sz="1200" kern="1200">
+                <a:solidFill>
+                  <a:schemeClr val="tx1">
+                    <a:tint val="75000"/>
+                  </a:schemeClr>
+                </a:solidFill>
+                <a:latin typeface="+mn-lt"/>
+                <a:ea typeface="+mn-ea"/>
+                <a:cs typeface="+mn-cs"/>
+              </a:defRPr>
+            </a:lvl6pPr>
+            <a:lvl7pPr marL="2743200" indent="0" algn="ctr" defTabSz="457200" rtl="0" eaLnBrk="1" latinLnBrk="0" hangingPunct="1">
+              <a:spcBef>
+                <a:spcPct val="20000"/>
+              </a:spcBef>
+              <a:spcAft>
+                <a:spcPts val="600"/>
+              </a:spcAft>
+              <a:buClr>
+                <a:schemeClr val="accent1"/>
+              </a:buClr>
+              <a:buFont typeface="Wingdings 2" charset="2"/>
+              <a:buNone/>
+              <a:defRPr sz="1200" kern="1200">
+                <a:solidFill>
+                  <a:schemeClr val="tx1">
+                    <a:tint val="75000"/>
+                  </a:schemeClr>
+                </a:solidFill>
+                <a:latin typeface="+mn-lt"/>
+                <a:ea typeface="+mn-ea"/>
+                <a:cs typeface="+mn-cs"/>
+              </a:defRPr>
+            </a:lvl7pPr>
+            <a:lvl8pPr marL="3200400" indent="0" algn="ctr" defTabSz="457200" rtl="0" eaLnBrk="1" latinLnBrk="0" hangingPunct="1">
+              <a:spcBef>
+                <a:spcPct val="20000"/>
+              </a:spcBef>
+              <a:spcAft>
+                <a:spcPts val="600"/>
+              </a:spcAft>
+              <a:buClr>
+                <a:schemeClr val="accent1"/>
+              </a:buClr>
+              <a:buFont typeface="Wingdings 2" charset="2"/>
+              <a:buNone/>
+              <a:defRPr sz="1200" kern="1200">
+                <a:solidFill>
+                  <a:schemeClr val="tx1">
+                    <a:tint val="75000"/>
+                  </a:schemeClr>
+                </a:solidFill>
+                <a:latin typeface="+mn-lt"/>
+                <a:ea typeface="+mn-ea"/>
+                <a:cs typeface="+mn-cs"/>
+              </a:defRPr>
+            </a:lvl8pPr>
+            <a:lvl9pPr marL="3657600" indent="0" algn="ctr" defTabSz="457200" rtl="0" eaLnBrk="1" latinLnBrk="0" hangingPunct="1">
+              <a:spcBef>
+                <a:spcPct val="20000"/>
+              </a:spcBef>
+              <a:spcAft>
+                <a:spcPts val="600"/>
+              </a:spcAft>
+              <a:buClr>
+                <a:schemeClr val="accent1"/>
+              </a:buClr>
+              <a:buFont typeface="Wingdings 2" charset="2"/>
+              <a:buNone/>
+              <a:defRPr sz="1200" kern="1200">
+                <a:solidFill>
+                  <a:schemeClr val="tx1">
+                    <a:tint val="75000"/>
+                  </a:schemeClr>
+                </a:solidFill>
+                <a:latin typeface="+mn-lt"/>
+                <a:ea typeface="+mn-ea"/>
+                <a:cs typeface="+mn-cs"/>
+              </a:defRPr>
+            </a:lvl9pPr>
+          </a:lstStyle>
+          <a:p>
+            <a:r>
+              <a:rPr lang="fr-CH" sz="1500" dirty="0" smtClean="0">
+                <a:solidFill>
+                  <a:schemeClr val="bg2">
+                    <a:lumMod val="50000"/>
+                    <a:lumOff val="50000"/>
+                  </a:schemeClr>
+                </a:solidFill>
+                <a:latin typeface="Gulim" panose="020B0600000101010101" pitchFamily="34" charset="-127"/>
+                <a:ea typeface="Gulim" panose="020B0600000101010101" pitchFamily="34" charset="-127"/>
+              </a:rPr>
+              <a:t>A. </a:t>
+            </a:r>
+            <a:r>
+              <a:rPr lang="fr-CH" sz="1500" dirty="0" err="1" smtClean="0">
+                <a:solidFill>
+                  <a:schemeClr val="bg2">
+                    <a:lumMod val="50000"/>
+                    <a:lumOff val="50000"/>
+                  </a:schemeClr>
+                </a:solidFill>
+                <a:latin typeface="Gulim" panose="020B0600000101010101" pitchFamily="34" charset="-127"/>
+                <a:ea typeface="Gulim" panose="020B0600000101010101" pitchFamily="34" charset="-127"/>
+              </a:rPr>
+              <a:t>Desclouds</a:t>
+            </a:r>
+            <a:r>
+              <a:rPr lang="fr-CH" sz="1500" dirty="0" smtClean="0">
+                <a:solidFill>
+                  <a:schemeClr val="bg2">
+                    <a:lumMod val="50000"/>
+                    <a:lumOff val="50000"/>
+                  </a:schemeClr>
+                </a:solidFill>
+                <a:latin typeface="Gulim" panose="020B0600000101010101" pitchFamily="34" charset="-127"/>
+                <a:ea typeface="Gulim" panose="020B0600000101010101" pitchFamily="34" charset="-127"/>
+              </a:rPr>
+              <a:t>, </a:t>
+            </a:r>
+            <a:r>
+              <a:rPr lang="fr-CH" sz="1500" dirty="0" err="1" smtClean="0">
+                <a:solidFill>
+                  <a:schemeClr val="bg2">
+                    <a:lumMod val="50000"/>
+                    <a:lumOff val="50000"/>
+                  </a:schemeClr>
+                </a:solidFill>
+                <a:latin typeface="Gulim" panose="020B0600000101010101" pitchFamily="34" charset="-127"/>
+                <a:ea typeface="Gulim" panose="020B0600000101010101" pitchFamily="34" charset="-127"/>
+              </a:rPr>
+              <a:t>A.Hug</a:t>
+            </a:r>
+            <a:r>
+              <a:rPr lang="fr-CH" sz="1500" dirty="0" smtClean="0">
+                <a:solidFill>
+                  <a:schemeClr val="bg2">
+                    <a:lumMod val="50000"/>
+                    <a:lumOff val="50000"/>
+                  </a:schemeClr>
+                </a:solidFill>
+                <a:latin typeface="Gulim" panose="020B0600000101010101" pitchFamily="34" charset="-127"/>
+                <a:ea typeface="Gulim" panose="020B0600000101010101" pitchFamily="34" charset="-127"/>
+              </a:rPr>
+              <a:t>, S. </a:t>
+            </a:r>
+            <a:r>
+              <a:rPr lang="fr-CH" sz="1500" dirty="0" err="1" smtClean="0">
+                <a:solidFill>
+                  <a:schemeClr val="bg2">
+                    <a:lumMod val="50000"/>
+                    <a:lumOff val="50000"/>
+                  </a:schemeClr>
+                </a:solidFill>
+                <a:latin typeface="Gulim" panose="020B0600000101010101" pitchFamily="34" charset="-127"/>
+                <a:ea typeface="Gulim" panose="020B0600000101010101" pitchFamily="34" charset="-127"/>
+              </a:rPr>
+              <a:t>Righitto</a:t>
+            </a:r>
+            <a:r>
+              <a:rPr lang="fr-CH" sz="1500" dirty="0" smtClean="0">
+                <a:solidFill>
+                  <a:schemeClr val="bg2">
+                    <a:lumMod val="50000"/>
+                    <a:lumOff val="50000"/>
+                  </a:schemeClr>
+                </a:solidFill>
+                <a:latin typeface="Gulim" panose="020B0600000101010101" pitchFamily="34" charset="-127"/>
+                <a:ea typeface="Gulim" panose="020B0600000101010101" pitchFamily="34" charset="-127"/>
+              </a:rPr>
+              <a:t>, F. </a:t>
+            </a:r>
+            <a:r>
+              <a:rPr lang="fr-CH" sz="1500" dirty="0" err="1" smtClean="0">
+                <a:solidFill>
+                  <a:schemeClr val="bg2">
+                    <a:lumMod val="50000"/>
+                    <a:lumOff val="50000"/>
+                  </a:schemeClr>
+                </a:solidFill>
+                <a:latin typeface="Gulim" panose="020B0600000101010101" pitchFamily="34" charset="-127"/>
+                <a:ea typeface="Gulim" panose="020B0600000101010101" pitchFamily="34" charset="-127"/>
+              </a:rPr>
+              <a:t>Saam</a:t>
+            </a:r>
+            <a:r>
+              <a:rPr lang="fr-CH" sz="1500" dirty="0" smtClean="0">
+                <a:solidFill>
+                  <a:schemeClr val="bg2">
+                    <a:lumMod val="50000"/>
+                    <a:lumOff val="50000"/>
+                  </a:schemeClr>
+                </a:solidFill>
+                <a:latin typeface="Gulim" panose="020B0600000101010101" pitchFamily="34" charset="-127"/>
+                <a:ea typeface="Gulim" panose="020B0600000101010101" pitchFamily="34" charset="-127"/>
+              </a:rPr>
+              <a:t>	</a:t>
+            </a:r>
+            <a:r>
+              <a:rPr lang="fr-CH" sz="1600" dirty="0" smtClean="0">
+                <a:solidFill>
+                  <a:schemeClr val="bg2">
+                    <a:lumMod val="50000"/>
+                    <a:lumOff val="50000"/>
+                  </a:schemeClr>
+                </a:solidFill>
+                <a:latin typeface="Gulim" panose="020B0600000101010101" pitchFamily="34" charset="-127"/>
+                <a:ea typeface="Gulim" panose="020B0600000101010101" pitchFamily="34" charset="-127"/>
+              </a:rPr>
+              <a:t>											</a:t>
+            </a:r>
+            <a:endParaRPr lang="fr-CH" sz="1600" dirty="0">
+              <a:solidFill>
+                <a:schemeClr val="bg2">
+                  <a:lumMod val="50000"/>
+                  <a:lumOff val="50000"/>
+                </a:schemeClr>
+              </a:solidFill>
+              <a:latin typeface="Gulim" panose="020B0600000101010101" pitchFamily="34" charset="-127"/>
+              <a:ea typeface="Gulim" panose="020B0600000101010101" pitchFamily="34" charset="-127"/>
+            </a:endParaRPr>
+          </a:p>
+        </p:txBody>
+      </p:sp>
+    </p:spTree>
+    <p:extLst>
+      <p:ext uri="{BB962C8B-B14F-4D97-AF65-F5344CB8AC3E}">
+        <p14:creationId xmlns:p14="http://schemas.microsoft.com/office/powerpoint/2010/main" val="2048246669"/>
+      </p:ext>
+    </p:extLst>
+  </p:cSld>
+  <p:clrMapOvr>
+    <a:masterClrMapping/>
+  </p:clrMapOvr>
+</p:sld>
+</file>
+
+<file path=ppt/slides/slide7.xml><?xml version="1.0" encoding="utf-8"?>
+<p:sld xmlns:a="http://schemas.openxmlformats.org/drawingml/2006/main" xmlns:r="http://schemas.openxmlformats.org/officeDocument/2006/relationships" xmlns:p="http://schemas.openxmlformats.org/presentationml/2006/main">
+  <p:cSld>
+    <p:spTree>
+      <p:nvGrpSpPr>
+        <p:cNvPr id="1" name=""/>
+        <p:cNvGrpSpPr/>
+        <p:nvPr/>
+      </p:nvGrpSpPr>
+      <p:grpSpPr>
+        <a:xfrm>
+          <a:off x="0" y="0"/>
+          <a:ext cx="0" cy="0"/>
+          <a:chOff x="0" y="0"/>
+          <a:chExt cx="0" cy="0"/>
+        </a:xfrm>
+      </p:grpSpPr>
+      <p:sp>
+        <p:nvSpPr>
+          <p:cNvPr id="2" name="Titre 1"/>
+          <p:cNvSpPr>
+            <a:spLocks noGrp="1"/>
+          </p:cNvSpPr>
+          <p:nvPr>
+            <p:ph type="title"/>
+          </p:nvPr>
+        </p:nvSpPr>
+        <p:spPr/>
+        <p:txBody>
+          <a:bodyPr/>
+          <a:lstStyle/>
+          <a:p>
+            <a:r>
+              <a:rPr lang="fr-CH" dirty="0" smtClean="0"/>
+              <a:t>Rechargement</a:t>
+            </a:r>
+            <a:endParaRPr lang="fr-CH" dirty="0"/>
+          </a:p>
+        </p:txBody>
+      </p:sp>
+      <p:sp>
+        <p:nvSpPr>
+          <p:cNvPr id="3" name="Espace réservé du contenu 2"/>
+          <p:cNvSpPr>
+            <a:spLocks noGrp="1"/>
+          </p:cNvSpPr>
+          <p:nvPr>
+            <p:ph idx="1"/>
+          </p:nvPr>
+        </p:nvSpPr>
+        <p:spPr/>
+        <p:txBody>
+          <a:bodyPr/>
+          <a:lstStyle/>
+          <a:p>
+            <a:endParaRPr lang="fr-CH" dirty="0" smtClean="0"/>
+          </a:p>
+        </p:txBody>
+      </p:sp>
+      <p:sp>
+        <p:nvSpPr>
+          <p:cNvPr id="5" name="Sous-titre 2"/>
+          <p:cNvSpPr txBox="1">
+            <a:spLocks/>
+          </p:cNvSpPr>
+          <p:nvPr/>
+        </p:nvSpPr>
+        <p:spPr>
+          <a:xfrm>
+            <a:off x="810001" y="6050877"/>
+            <a:ext cx="10572000" cy="434974"/>
+          </a:xfrm>
+          <a:prstGeom prst="rect">
+            <a:avLst/>
+          </a:prstGeom>
+          <a:effectLst>
+            <a:outerShdw blurRad="50800" dir="14400000">
+              <a:srgbClr val="000000">
+                <a:alpha val="40000"/>
+              </a:srgbClr>
+            </a:outerShdw>
+          </a:effectLst>
+        </p:spPr>
+        <p:txBody>
+          <a:bodyPr vert="horz" lIns="91440" tIns="45720" rIns="91440" bIns="45720" rtlCol="0" anchor="t">
+            <a:normAutofit/>
+          </a:bodyPr>
+          <a:lstStyle>
+            <a:lvl1pPr marL="0" indent="0" algn="l" defTabSz="457200" rtl="0" eaLnBrk="1" latinLnBrk="0" hangingPunct="1">
+              <a:spcBef>
+                <a:spcPct val="20000"/>
+              </a:spcBef>
+              <a:spcAft>
+                <a:spcPts val="600"/>
+              </a:spcAft>
+              <a:buClr>
+                <a:schemeClr val="accent1"/>
+              </a:buClr>
+              <a:buFont typeface="Wingdings 2" charset="2"/>
+              <a:buNone/>
+              <a:defRPr sz="1800" kern="1200">
+                <a:solidFill>
+                  <a:schemeClr val="tx1"/>
+                </a:solidFill>
+                <a:latin typeface="+mn-lt"/>
+                <a:ea typeface="+mn-ea"/>
+                <a:cs typeface="+mn-cs"/>
+              </a:defRPr>
+            </a:lvl1pPr>
+            <a:lvl2pPr marL="457200" indent="0" algn="ctr" defTabSz="457200" rtl="0" eaLnBrk="1" latinLnBrk="0" hangingPunct="1">
+              <a:spcBef>
+                <a:spcPct val="20000"/>
+              </a:spcBef>
+              <a:spcAft>
+                <a:spcPts val="600"/>
+              </a:spcAft>
+              <a:buClr>
+                <a:schemeClr val="accent1"/>
+              </a:buClr>
+              <a:buFont typeface="Wingdings 2" charset="2"/>
+              <a:buNone/>
+              <a:defRPr sz="1600" kern="1200">
+                <a:solidFill>
+                  <a:schemeClr val="tx1">
+                    <a:tint val="75000"/>
+                  </a:schemeClr>
+                </a:solidFill>
+                <a:latin typeface="+mn-lt"/>
+                <a:ea typeface="+mn-ea"/>
+                <a:cs typeface="+mn-cs"/>
+              </a:defRPr>
+            </a:lvl2pPr>
+            <a:lvl3pPr marL="914400" indent="0" algn="ctr" defTabSz="457200" rtl="0" eaLnBrk="1" latinLnBrk="0" hangingPunct="1">
+              <a:spcBef>
+                <a:spcPct val="20000"/>
+              </a:spcBef>
+              <a:spcAft>
+                <a:spcPts val="600"/>
+              </a:spcAft>
+              <a:buClr>
+                <a:schemeClr val="accent1"/>
+              </a:buClr>
+              <a:buFont typeface="Wingdings 2" charset="2"/>
+              <a:buNone/>
+              <a:defRPr sz="1400" kern="1200">
+                <a:solidFill>
+                  <a:schemeClr val="tx1">
+                    <a:tint val="75000"/>
+                  </a:schemeClr>
+                </a:solidFill>
+                <a:latin typeface="+mn-lt"/>
+                <a:ea typeface="+mn-ea"/>
+                <a:cs typeface="+mn-cs"/>
+              </a:defRPr>
+            </a:lvl3pPr>
+            <a:lvl4pPr marL="1371600" indent="0" algn="ctr" defTabSz="457200" rtl="0" eaLnBrk="1" latinLnBrk="0" hangingPunct="1">
+              <a:spcBef>
+                <a:spcPct val="20000"/>
+              </a:spcBef>
+              <a:spcAft>
+                <a:spcPts val="600"/>
+              </a:spcAft>
+              <a:buClr>
+                <a:schemeClr val="accent1"/>
+              </a:buClr>
+              <a:buFont typeface="Wingdings 2" charset="2"/>
+              <a:buNone/>
+              <a:defRPr sz="1200" kern="1200">
+                <a:solidFill>
+                  <a:schemeClr val="tx1">
+                    <a:tint val="75000"/>
+                  </a:schemeClr>
+                </a:solidFill>
+                <a:latin typeface="+mn-lt"/>
+                <a:ea typeface="+mn-ea"/>
+                <a:cs typeface="+mn-cs"/>
+              </a:defRPr>
+            </a:lvl4pPr>
+            <a:lvl5pPr marL="1828800" indent="0" algn="ctr" defTabSz="457200" rtl="0" eaLnBrk="1" latinLnBrk="0" hangingPunct="1">
+              <a:spcBef>
+                <a:spcPct val="20000"/>
+              </a:spcBef>
+              <a:spcAft>
+                <a:spcPts val="600"/>
+              </a:spcAft>
+              <a:buClr>
+                <a:schemeClr val="accent1"/>
+              </a:buClr>
+              <a:buFont typeface="Wingdings 2" charset="2"/>
+              <a:buNone/>
+              <a:defRPr sz="1200" kern="1200">
+                <a:solidFill>
+                  <a:schemeClr val="tx1">
+                    <a:tint val="75000"/>
+                  </a:schemeClr>
+                </a:solidFill>
+                <a:latin typeface="+mn-lt"/>
+                <a:ea typeface="+mn-ea"/>
+                <a:cs typeface="+mn-cs"/>
+              </a:defRPr>
+            </a:lvl5pPr>
+            <a:lvl6pPr marL="2286000" indent="0" algn="ctr" defTabSz="457200" rtl="0" eaLnBrk="1" latinLnBrk="0" hangingPunct="1">
+              <a:spcBef>
+                <a:spcPct val="20000"/>
+              </a:spcBef>
+              <a:spcAft>
+                <a:spcPts val="600"/>
+              </a:spcAft>
+              <a:buClr>
+                <a:schemeClr val="accent1"/>
+              </a:buClr>
+              <a:buFont typeface="Wingdings 2" charset="2"/>
+              <a:buNone/>
+              <a:defRPr sz="1200" kern="1200">
+                <a:solidFill>
+                  <a:schemeClr val="tx1">
+                    <a:tint val="75000"/>
+                  </a:schemeClr>
+                </a:solidFill>
+                <a:latin typeface="+mn-lt"/>
+                <a:ea typeface="+mn-ea"/>
+                <a:cs typeface="+mn-cs"/>
+              </a:defRPr>
+            </a:lvl6pPr>
+            <a:lvl7pPr marL="2743200" indent="0" algn="ctr" defTabSz="457200" rtl="0" eaLnBrk="1" latinLnBrk="0" hangingPunct="1">
+              <a:spcBef>
+                <a:spcPct val="20000"/>
+              </a:spcBef>
+              <a:spcAft>
+                <a:spcPts val="600"/>
+              </a:spcAft>
+              <a:buClr>
+                <a:schemeClr val="accent1"/>
+              </a:buClr>
+              <a:buFont typeface="Wingdings 2" charset="2"/>
+              <a:buNone/>
+              <a:defRPr sz="1200" kern="1200">
+                <a:solidFill>
+                  <a:schemeClr val="tx1">
+                    <a:tint val="75000"/>
+                  </a:schemeClr>
+                </a:solidFill>
+                <a:latin typeface="+mn-lt"/>
+                <a:ea typeface="+mn-ea"/>
+                <a:cs typeface="+mn-cs"/>
+              </a:defRPr>
+            </a:lvl7pPr>
+            <a:lvl8pPr marL="3200400" indent="0" algn="ctr" defTabSz="457200" rtl="0" eaLnBrk="1" latinLnBrk="0" hangingPunct="1">
+              <a:spcBef>
+                <a:spcPct val="20000"/>
+              </a:spcBef>
+              <a:spcAft>
+                <a:spcPts val="600"/>
+              </a:spcAft>
+              <a:buClr>
+                <a:schemeClr val="accent1"/>
+              </a:buClr>
+              <a:buFont typeface="Wingdings 2" charset="2"/>
+              <a:buNone/>
+              <a:defRPr sz="1200" kern="1200">
+                <a:solidFill>
+                  <a:schemeClr val="tx1">
+                    <a:tint val="75000"/>
+                  </a:schemeClr>
+                </a:solidFill>
+                <a:latin typeface="+mn-lt"/>
+                <a:ea typeface="+mn-ea"/>
+                <a:cs typeface="+mn-cs"/>
+              </a:defRPr>
+            </a:lvl8pPr>
+            <a:lvl9pPr marL="3657600" indent="0" algn="ctr" defTabSz="457200" rtl="0" eaLnBrk="1" latinLnBrk="0" hangingPunct="1">
+              <a:spcBef>
+                <a:spcPct val="20000"/>
+              </a:spcBef>
+              <a:spcAft>
+                <a:spcPts val="600"/>
+              </a:spcAft>
+              <a:buClr>
+                <a:schemeClr val="accent1"/>
+              </a:buClr>
+              <a:buFont typeface="Wingdings 2" charset="2"/>
+              <a:buNone/>
+              <a:defRPr sz="1200" kern="1200">
+                <a:solidFill>
+                  <a:schemeClr val="tx1">
+                    <a:tint val="75000"/>
+                  </a:schemeClr>
+                </a:solidFill>
+                <a:latin typeface="+mn-lt"/>
+                <a:ea typeface="+mn-ea"/>
+                <a:cs typeface="+mn-cs"/>
+              </a:defRPr>
+            </a:lvl9pPr>
+          </a:lstStyle>
+          <a:p>
+            <a:r>
+              <a:rPr lang="fr-CH" sz="1500" dirty="0" smtClean="0">
+                <a:solidFill>
+                  <a:schemeClr val="bg2">
+                    <a:lumMod val="50000"/>
+                    <a:lumOff val="50000"/>
+                  </a:schemeClr>
+                </a:solidFill>
+                <a:latin typeface="Gulim" panose="020B0600000101010101" pitchFamily="34" charset="-127"/>
+                <a:ea typeface="Gulim" panose="020B0600000101010101" pitchFamily="34" charset="-127"/>
+              </a:rPr>
+              <a:t>A. </a:t>
+            </a:r>
+            <a:r>
+              <a:rPr lang="fr-CH" sz="1500" dirty="0" err="1" smtClean="0">
+                <a:solidFill>
+                  <a:schemeClr val="bg2">
+                    <a:lumMod val="50000"/>
+                    <a:lumOff val="50000"/>
+                  </a:schemeClr>
+                </a:solidFill>
+                <a:latin typeface="Gulim" panose="020B0600000101010101" pitchFamily="34" charset="-127"/>
+                <a:ea typeface="Gulim" panose="020B0600000101010101" pitchFamily="34" charset="-127"/>
+              </a:rPr>
+              <a:t>Desclouds</a:t>
+            </a:r>
+            <a:r>
+              <a:rPr lang="fr-CH" sz="1500" dirty="0" smtClean="0">
+                <a:solidFill>
+                  <a:schemeClr val="bg2">
+                    <a:lumMod val="50000"/>
+                    <a:lumOff val="50000"/>
+                  </a:schemeClr>
+                </a:solidFill>
+                <a:latin typeface="Gulim" panose="020B0600000101010101" pitchFamily="34" charset="-127"/>
+                <a:ea typeface="Gulim" panose="020B0600000101010101" pitchFamily="34" charset="-127"/>
+              </a:rPr>
+              <a:t>, </a:t>
+            </a:r>
+            <a:r>
+              <a:rPr lang="fr-CH" sz="1500" dirty="0" err="1" smtClean="0">
+                <a:solidFill>
+                  <a:schemeClr val="bg2">
+                    <a:lumMod val="50000"/>
+                    <a:lumOff val="50000"/>
+                  </a:schemeClr>
+                </a:solidFill>
+                <a:latin typeface="Gulim" panose="020B0600000101010101" pitchFamily="34" charset="-127"/>
+                <a:ea typeface="Gulim" panose="020B0600000101010101" pitchFamily="34" charset="-127"/>
+              </a:rPr>
+              <a:t>A.Hug</a:t>
+            </a:r>
+            <a:r>
+              <a:rPr lang="fr-CH" sz="1500" dirty="0" smtClean="0">
+                <a:solidFill>
+                  <a:schemeClr val="bg2">
+                    <a:lumMod val="50000"/>
+                    <a:lumOff val="50000"/>
+                  </a:schemeClr>
+                </a:solidFill>
+                <a:latin typeface="Gulim" panose="020B0600000101010101" pitchFamily="34" charset="-127"/>
+                <a:ea typeface="Gulim" panose="020B0600000101010101" pitchFamily="34" charset="-127"/>
+              </a:rPr>
+              <a:t>, S. </a:t>
+            </a:r>
+            <a:r>
+              <a:rPr lang="fr-CH" sz="1500" dirty="0" err="1" smtClean="0">
+                <a:solidFill>
+                  <a:schemeClr val="bg2">
+                    <a:lumMod val="50000"/>
+                    <a:lumOff val="50000"/>
+                  </a:schemeClr>
+                </a:solidFill>
+                <a:latin typeface="Gulim" panose="020B0600000101010101" pitchFamily="34" charset="-127"/>
+                <a:ea typeface="Gulim" panose="020B0600000101010101" pitchFamily="34" charset="-127"/>
+              </a:rPr>
+              <a:t>Righitto</a:t>
+            </a:r>
+            <a:r>
+              <a:rPr lang="fr-CH" sz="1500" dirty="0" smtClean="0">
+                <a:solidFill>
+                  <a:schemeClr val="bg2">
+                    <a:lumMod val="50000"/>
+                    <a:lumOff val="50000"/>
+                  </a:schemeClr>
+                </a:solidFill>
+                <a:latin typeface="Gulim" panose="020B0600000101010101" pitchFamily="34" charset="-127"/>
+                <a:ea typeface="Gulim" panose="020B0600000101010101" pitchFamily="34" charset="-127"/>
+              </a:rPr>
+              <a:t>, F. </a:t>
+            </a:r>
+            <a:r>
+              <a:rPr lang="fr-CH" sz="1500" dirty="0" err="1" smtClean="0">
+                <a:solidFill>
+                  <a:schemeClr val="bg2">
+                    <a:lumMod val="50000"/>
+                    <a:lumOff val="50000"/>
+                  </a:schemeClr>
+                </a:solidFill>
+                <a:latin typeface="Gulim" panose="020B0600000101010101" pitchFamily="34" charset="-127"/>
+                <a:ea typeface="Gulim" panose="020B0600000101010101" pitchFamily="34" charset="-127"/>
+              </a:rPr>
+              <a:t>Saam</a:t>
+            </a:r>
+            <a:r>
+              <a:rPr lang="fr-CH" sz="1500" dirty="0" smtClean="0">
+                <a:solidFill>
+                  <a:schemeClr val="bg2">
+                    <a:lumMod val="50000"/>
+                    <a:lumOff val="50000"/>
+                  </a:schemeClr>
+                </a:solidFill>
+                <a:latin typeface="Gulim" panose="020B0600000101010101" pitchFamily="34" charset="-127"/>
+                <a:ea typeface="Gulim" panose="020B0600000101010101" pitchFamily="34" charset="-127"/>
+              </a:rPr>
+              <a:t>	</a:t>
+            </a:r>
+            <a:r>
+              <a:rPr lang="fr-CH" sz="1600" dirty="0" smtClean="0">
+                <a:solidFill>
+                  <a:schemeClr val="bg2">
+                    <a:lumMod val="50000"/>
+                    <a:lumOff val="50000"/>
+                  </a:schemeClr>
+                </a:solidFill>
+                <a:latin typeface="Gulim" panose="020B0600000101010101" pitchFamily="34" charset="-127"/>
+                <a:ea typeface="Gulim" panose="020B0600000101010101" pitchFamily="34" charset="-127"/>
+              </a:rPr>
+              <a:t>											</a:t>
+            </a:r>
+            <a:endParaRPr lang="fr-CH" sz="1600" dirty="0">
+              <a:solidFill>
+                <a:schemeClr val="bg2">
+                  <a:lumMod val="50000"/>
+                  <a:lumOff val="50000"/>
+                </a:schemeClr>
+              </a:solidFill>
+              <a:latin typeface="Gulim" panose="020B0600000101010101" pitchFamily="34" charset="-127"/>
+              <a:ea typeface="Gulim" panose="020B0600000101010101" pitchFamily="34" charset="-127"/>
+            </a:endParaRPr>
+          </a:p>
+        </p:txBody>
+      </p:sp>
+      <p:sp>
+        <p:nvSpPr>
+          <p:cNvPr id="6" name="Slide Number Placeholder 5"/>
+          <p:cNvSpPr>
+            <a:spLocks noGrp="1"/>
+          </p:cNvSpPr>
+          <p:nvPr>
+            <p:ph type="sldNum" sz="quarter" idx="12"/>
+          </p:nvPr>
+        </p:nvSpPr>
+        <p:spPr>
+          <a:xfrm>
+            <a:off x="10678331" y="5915888"/>
+            <a:ext cx="1062155" cy="490599"/>
+          </a:xfrm>
+        </p:spPr>
+        <p:txBody>
+          <a:bodyPr/>
+          <a:lstStyle/>
+          <a:p>
+            <a:fld id="{D57F1E4F-1CFF-5643-939E-217C01CDF565}" type="slidenum">
+              <a:rPr lang="en-US" smtClean="0"/>
+              <a:pPr/>
+              <a:t>7</a:t>
+            </a:fld>
+            <a:endParaRPr lang="en-US" dirty="0"/>
+          </a:p>
+        </p:txBody>
+      </p:sp>
+      <p:pic>
+        <p:nvPicPr>
+          <p:cNvPr id="7" name="Image 6"/>
+          <p:cNvPicPr>
+            <a:picLocks noChangeAspect="1"/>
+          </p:cNvPicPr>
+          <p:nvPr/>
+        </p:nvPicPr>
+        <p:blipFill>
+          <a:blip r:embed="rId3">
+            <a:extLst>
+              <a:ext uri="{28A0092B-C50C-407E-A947-70E740481C1C}">
+                <a14:useLocalDpi xmlns:a14="http://schemas.microsoft.com/office/drawing/2010/main" val="0"/>
+              </a:ext>
+            </a:extLst>
+          </a:blip>
+          <a:stretch>
+            <a:fillRect/>
+          </a:stretch>
+        </p:blipFill>
+        <p:spPr>
+          <a:xfrm>
+            <a:off x="11209408" y="2354284"/>
+            <a:ext cx="501676" cy="1041454"/>
+          </a:xfrm>
+          <a:prstGeom prst="rect">
+            <a:avLst/>
+          </a:prstGeom>
+        </p:spPr>
+      </p:pic>
+    </p:spTree>
+    <p:extLst>
+      <p:ext uri="{BB962C8B-B14F-4D97-AF65-F5344CB8AC3E}">
+        <p14:creationId xmlns:p14="http://schemas.microsoft.com/office/powerpoint/2010/main" val="2492670540"/>
+      </p:ext>
+    </p:extLst>
+  </p:cSld>
+  <p:clrMapOvr>
+    <a:masterClrMapping/>
+  </p:clrMapOvr>
+  <p:timing>
+    <p:tnLst>
+      <p:par>
+        <p:cTn id="1" dur="indefinite" restart="never" nodeType="tmRoot"/>
+      </p:par>
+    </p:tnLst>
+  </p:timing>
+</p:sld>
+</file>
+
+<file path=ppt/slides/slide8.xml><?xml version="1.0" encoding="utf-8"?>
+<p:sld xmlns:a="http://schemas.openxmlformats.org/drawingml/2006/main" xmlns:r="http://schemas.openxmlformats.org/officeDocument/2006/relationships" xmlns:p="http://schemas.openxmlformats.org/presentationml/2006/main">
+  <p:cSld>
+    <p:spTree>
+      <p:nvGrpSpPr>
+        <p:cNvPr id="1" name=""/>
+        <p:cNvGrpSpPr/>
+        <p:nvPr/>
+      </p:nvGrpSpPr>
+      <p:grpSpPr>
+        <a:xfrm>
+          <a:off x="0" y="0"/>
+          <a:ext cx="0" cy="0"/>
+          <a:chOff x="0" y="0"/>
+          <a:chExt cx="0" cy="0"/>
+        </a:xfrm>
+      </p:grpSpPr>
+      <p:sp>
+        <p:nvSpPr>
+          <p:cNvPr id="2" name="Titre 1"/>
+          <p:cNvSpPr>
+            <a:spLocks noGrp="1"/>
+          </p:cNvSpPr>
+          <p:nvPr>
+            <p:ph type="title"/>
+          </p:nvPr>
+        </p:nvSpPr>
+        <p:spPr>
+          <a:xfrm>
+            <a:off x="1249251" y="446088"/>
+            <a:ext cx="3371434" cy="1511501"/>
+          </a:xfrm>
+        </p:spPr>
+        <p:txBody>
+          <a:bodyPr/>
+          <a:lstStyle/>
+          <a:p>
+            <a:r>
+              <a:rPr lang="fr-CH" sz="3600" dirty="0" smtClean="0">
+                <a:latin typeface="Gulim" panose="020B0600000101010101" pitchFamily="34" charset="-127"/>
+                <a:ea typeface="Gulim" panose="020B0600000101010101" pitchFamily="34" charset="-127"/>
+              </a:rPr>
+              <a:t>Rechargement</a:t>
+            </a:r>
+            <a:endParaRPr lang="fr-CH" sz="3600" dirty="0">
+              <a:latin typeface="Gulim" panose="020B0600000101010101" pitchFamily="34" charset="-127"/>
+              <a:ea typeface="Gulim" panose="020B0600000101010101" pitchFamily="34" charset="-127"/>
+            </a:endParaRPr>
+          </a:p>
+        </p:txBody>
+      </p:sp>
+      <p:sp>
+        <p:nvSpPr>
+          <p:cNvPr id="3" name="Espace réservé du contenu 2"/>
+          <p:cNvSpPr>
+            <a:spLocks noGrp="1"/>
+          </p:cNvSpPr>
+          <p:nvPr>
+            <p:ph idx="1"/>
+          </p:nvPr>
+        </p:nvSpPr>
+        <p:spPr>
+          <a:xfrm>
+            <a:off x="4855633" y="2260737"/>
+            <a:ext cx="6252633" cy="3600313"/>
+          </a:xfrm>
+        </p:spPr>
+        <p:txBody>
+          <a:bodyPr anchor="t" anchorCtr="0"/>
+          <a:lstStyle/>
+          <a:p>
+            <a:pPr marL="0" indent="0">
+              <a:buNone/>
+            </a:pPr>
+            <a:r>
+              <a:rPr lang="fr-CH" dirty="0" smtClean="0">
+                <a:latin typeface="Consolas" panose="020B0609020204030204" pitchFamily="49" charset="0"/>
+                <a:cs typeface="Consolas" panose="020B0609020204030204" pitchFamily="49" charset="0"/>
+              </a:rPr>
+              <a:t>Code ici</a:t>
+            </a:r>
+            <a:endParaRPr lang="fr-CH" dirty="0">
+              <a:latin typeface="Consolas" panose="020B0609020204030204" pitchFamily="49" charset="0"/>
+              <a:cs typeface="Consolas" panose="020B0609020204030204" pitchFamily="49" charset="0"/>
+            </a:endParaRPr>
+          </a:p>
+        </p:txBody>
+      </p:sp>
+      <p:sp>
+        <p:nvSpPr>
+          <p:cNvPr id="4" name="Espace réservé du texte 3"/>
+          <p:cNvSpPr>
+            <a:spLocks noGrp="1"/>
+          </p:cNvSpPr>
+          <p:nvPr>
+            <p:ph type="body" sz="half" idx="2"/>
+          </p:nvPr>
+        </p:nvSpPr>
+        <p:spPr/>
+        <p:txBody>
+          <a:bodyPr>
+            <a:normAutofit/>
+          </a:bodyPr>
+          <a:lstStyle/>
+          <a:p>
+            <a:pPr marL="285750" indent="-285750">
+              <a:buFont typeface="Courier New" panose="02070309020205020404" pitchFamily="49" charset="0"/>
+              <a:buChar char="o"/>
+            </a:pPr>
+            <a:r>
+              <a:rPr lang="fr-CH" sz="1800" dirty="0" smtClean="0"/>
+              <a:t>ici</a:t>
+            </a:r>
+            <a:endParaRPr lang="fr-CH" sz="1800" dirty="0"/>
+          </a:p>
+        </p:txBody>
+      </p:sp>
+      <p:pic>
+        <p:nvPicPr>
+          <p:cNvPr id="5" name="Image 4"/>
+          <p:cNvPicPr>
+            <a:picLocks noChangeAspect="1"/>
+          </p:cNvPicPr>
+          <p:nvPr/>
+        </p:nvPicPr>
+        <p:blipFill>
+          <a:blip r:embed="rId3">
+            <a:extLst>
+              <a:ext uri="{28A0092B-C50C-407E-A947-70E740481C1C}">
+                <a14:useLocalDpi xmlns:a14="http://schemas.microsoft.com/office/drawing/2010/main" val="0"/>
+              </a:ext>
+            </a:extLst>
+          </a:blip>
+          <a:stretch>
+            <a:fillRect/>
+          </a:stretch>
+        </p:blipFill>
+        <p:spPr>
+          <a:xfrm>
+            <a:off x="11209408" y="2354284"/>
+            <a:ext cx="501676" cy="1041454"/>
+          </a:xfrm>
+          <a:prstGeom prst="rect">
+            <a:avLst/>
+          </a:prstGeom>
+        </p:spPr>
+      </p:pic>
+      <p:sp>
+        <p:nvSpPr>
+          <p:cNvPr id="6" name="Sous-titre 2"/>
+          <p:cNvSpPr txBox="1">
+            <a:spLocks/>
+          </p:cNvSpPr>
+          <p:nvPr/>
+        </p:nvSpPr>
+        <p:spPr>
+          <a:xfrm>
+            <a:off x="810001" y="6050877"/>
+            <a:ext cx="10572000" cy="434974"/>
+          </a:xfrm>
+          <a:prstGeom prst="rect">
+            <a:avLst/>
+          </a:prstGeom>
+          <a:effectLst>
+            <a:outerShdw blurRad="50800" dir="14400000">
+              <a:srgbClr val="000000">
+                <a:alpha val="40000"/>
+              </a:srgbClr>
+            </a:outerShdw>
+          </a:effectLst>
+        </p:spPr>
+        <p:txBody>
+          <a:bodyPr vert="horz" lIns="91440" tIns="45720" rIns="91440" bIns="45720" rtlCol="0" anchor="t">
+            <a:normAutofit/>
+          </a:bodyPr>
+          <a:lstStyle>
+            <a:lvl1pPr marL="0" indent="0" algn="l" defTabSz="457200" rtl="0" eaLnBrk="1" latinLnBrk="0" hangingPunct="1">
+              <a:spcBef>
+                <a:spcPct val="20000"/>
+              </a:spcBef>
+              <a:spcAft>
+                <a:spcPts val="600"/>
+              </a:spcAft>
+              <a:buClr>
+                <a:schemeClr val="accent1"/>
+              </a:buClr>
+              <a:buFont typeface="Wingdings 2" charset="2"/>
+              <a:buNone/>
+              <a:defRPr sz="1800" kern="1200">
+                <a:solidFill>
+                  <a:schemeClr val="tx1"/>
+                </a:solidFill>
+                <a:latin typeface="+mn-lt"/>
+                <a:ea typeface="+mn-ea"/>
+                <a:cs typeface="+mn-cs"/>
+              </a:defRPr>
+            </a:lvl1pPr>
+            <a:lvl2pPr marL="457200" indent="0" algn="ctr" defTabSz="457200" rtl="0" eaLnBrk="1" latinLnBrk="0" hangingPunct="1">
+              <a:spcBef>
+                <a:spcPct val="20000"/>
+              </a:spcBef>
+              <a:spcAft>
+                <a:spcPts val="600"/>
+              </a:spcAft>
+              <a:buClr>
+                <a:schemeClr val="accent1"/>
+              </a:buClr>
+              <a:buFont typeface="Wingdings 2" charset="2"/>
+              <a:buNone/>
+              <a:defRPr sz="1600" kern="1200">
+                <a:solidFill>
+                  <a:schemeClr val="tx1">
+                    <a:tint val="75000"/>
+                  </a:schemeClr>
+                </a:solidFill>
+                <a:latin typeface="+mn-lt"/>
+                <a:ea typeface="+mn-ea"/>
+                <a:cs typeface="+mn-cs"/>
+              </a:defRPr>
+            </a:lvl2pPr>
+            <a:lvl3pPr marL="914400" indent="0" algn="ctr" defTabSz="457200" rtl="0" eaLnBrk="1" latinLnBrk="0" hangingPunct="1">
+              <a:spcBef>
+                <a:spcPct val="20000"/>
+              </a:spcBef>
+              <a:spcAft>
+                <a:spcPts val="600"/>
+              </a:spcAft>
+              <a:buClr>
+                <a:schemeClr val="accent1"/>
+              </a:buClr>
+              <a:buFont typeface="Wingdings 2" charset="2"/>
+              <a:buNone/>
+              <a:defRPr sz="1400" kern="1200">
+                <a:solidFill>
+                  <a:schemeClr val="tx1">
+                    <a:tint val="75000"/>
+                  </a:schemeClr>
+                </a:solidFill>
+                <a:latin typeface="+mn-lt"/>
+                <a:ea typeface="+mn-ea"/>
+                <a:cs typeface="+mn-cs"/>
+              </a:defRPr>
+            </a:lvl3pPr>
+            <a:lvl4pPr marL="1371600" indent="0" algn="ctr" defTabSz="457200" rtl="0" eaLnBrk="1" latinLnBrk="0" hangingPunct="1">
+              <a:spcBef>
+                <a:spcPct val="20000"/>
+              </a:spcBef>
+              <a:spcAft>
+                <a:spcPts val="600"/>
+              </a:spcAft>
+              <a:buClr>
+                <a:schemeClr val="accent1"/>
+              </a:buClr>
+              <a:buFont typeface="Wingdings 2" charset="2"/>
+              <a:buNone/>
+              <a:defRPr sz="1200" kern="1200">
+                <a:solidFill>
+                  <a:schemeClr val="tx1">
+                    <a:tint val="75000"/>
+                  </a:schemeClr>
+                </a:solidFill>
+                <a:latin typeface="+mn-lt"/>
+                <a:ea typeface="+mn-ea"/>
+                <a:cs typeface="+mn-cs"/>
+              </a:defRPr>
+            </a:lvl4pPr>
+            <a:lvl5pPr marL="1828800" indent="0" algn="ctr" defTabSz="457200" rtl="0" eaLnBrk="1" latinLnBrk="0" hangingPunct="1">
+              <a:spcBef>
+                <a:spcPct val="20000"/>
+              </a:spcBef>
+              <a:spcAft>
+                <a:spcPts val="600"/>
+              </a:spcAft>
+              <a:buClr>
+                <a:schemeClr val="accent1"/>
+              </a:buClr>
+              <a:buFont typeface="Wingdings 2" charset="2"/>
+              <a:buNone/>
+              <a:defRPr sz="1200" kern="1200">
+                <a:solidFill>
+                  <a:schemeClr val="tx1">
+                    <a:tint val="75000"/>
+                  </a:schemeClr>
+                </a:solidFill>
+                <a:latin typeface="+mn-lt"/>
+                <a:ea typeface="+mn-ea"/>
+                <a:cs typeface="+mn-cs"/>
+              </a:defRPr>
+            </a:lvl5pPr>
+            <a:lvl6pPr marL="2286000" indent="0" algn="ctr" defTabSz="457200" rtl="0" eaLnBrk="1" latinLnBrk="0" hangingPunct="1">
+              <a:spcBef>
+                <a:spcPct val="20000"/>
+              </a:spcBef>
+              <a:spcAft>
+                <a:spcPts val="600"/>
+              </a:spcAft>
+              <a:buClr>
+                <a:schemeClr val="accent1"/>
+              </a:buClr>
+              <a:buFont typeface="Wingdings 2" charset="2"/>
+              <a:buNone/>
+              <a:defRPr sz="1200" kern="1200">
+                <a:solidFill>
+                  <a:schemeClr val="tx1">
+                    <a:tint val="75000"/>
+                  </a:schemeClr>
+                </a:solidFill>
+                <a:latin typeface="+mn-lt"/>
+                <a:ea typeface="+mn-ea"/>
+                <a:cs typeface="+mn-cs"/>
+              </a:defRPr>
+            </a:lvl6pPr>
+            <a:lvl7pPr marL="2743200" indent="0" algn="ctr" defTabSz="457200" rtl="0" eaLnBrk="1" latinLnBrk="0" hangingPunct="1">
+              <a:spcBef>
+                <a:spcPct val="20000"/>
+              </a:spcBef>
+              <a:spcAft>
+                <a:spcPts val="600"/>
+              </a:spcAft>
+              <a:buClr>
+                <a:schemeClr val="accent1"/>
+              </a:buClr>
+              <a:buFont typeface="Wingdings 2" charset="2"/>
+              <a:buNone/>
+              <a:defRPr sz="1200" kern="1200">
+                <a:solidFill>
+                  <a:schemeClr val="tx1">
+                    <a:tint val="75000"/>
+                  </a:schemeClr>
+                </a:solidFill>
+                <a:latin typeface="+mn-lt"/>
+                <a:ea typeface="+mn-ea"/>
+                <a:cs typeface="+mn-cs"/>
+              </a:defRPr>
+            </a:lvl7pPr>
+            <a:lvl8pPr marL="3200400" indent="0" algn="ctr" defTabSz="457200" rtl="0" eaLnBrk="1" latinLnBrk="0" hangingPunct="1">
+              <a:spcBef>
+                <a:spcPct val="20000"/>
+              </a:spcBef>
+              <a:spcAft>
+                <a:spcPts val="600"/>
+              </a:spcAft>
+              <a:buClr>
+                <a:schemeClr val="accent1"/>
+              </a:buClr>
+              <a:buFont typeface="Wingdings 2" charset="2"/>
+              <a:buNone/>
+              <a:defRPr sz="1200" kern="1200">
+                <a:solidFill>
+                  <a:schemeClr val="tx1">
+                    <a:tint val="75000"/>
+                  </a:schemeClr>
+                </a:solidFill>
+                <a:latin typeface="+mn-lt"/>
+                <a:ea typeface="+mn-ea"/>
+                <a:cs typeface="+mn-cs"/>
+              </a:defRPr>
+            </a:lvl8pPr>
+            <a:lvl9pPr marL="3657600" indent="0" algn="ctr" defTabSz="457200" rtl="0" eaLnBrk="1" latinLnBrk="0" hangingPunct="1">
+              <a:spcBef>
+                <a:spcPct val="20000"/>
+              </a:spcBef>
+              <a:spcAft>
+                <a:spcPts val="600"/>
+              </a:spcAft>
+              <a:buClr>
+                <a:schemeClr val="accent1"/>
+              </a:buClr>
+              <a:buFont typeface="Wingdings 2" charset="2"/>
+              <a:buNone/>
+              <a:defRPr sz="1200" kern="1200">
+                <a:solidFill>
+                  <a:schemeClr val="tx1">
+                    <a:tint val="75000"/>
+                  </a:schemeClr>
+                </a:solidFill>
+                <a:latin typeface="+mn-lt"/>
+                <a:ea typeface="+mn-ea"/>
+                <a:cs typeface="+mn-cs"/>
+              </a:defRPr>
+            </a:lvl9pPr>
+          </a:lstStyle>
+          <a:p>
+            <a:r>
+              <a:rPr lang="fr-CH" sz="1500" dirty="0" smtClean="0">
+                <a:solidFill>
+                  <a:schemeClr val="bg2">
+                    <a:lumMod val="50000"/>
+                    <a:lumOff val="50000"/>
+                  </a:schemeClr>
+                </a:solidFill>
+                <a:latin typeface="Gulim" panose="020B0600000101010101" pitchFamily="34" charset="-127"/>
+                <a:ea typeface="Gulim" panose="020B0600000101010101" pitchFamily="34" charset="-127"/>
+              </a:rPr>
+              <a:t>A. </a:t>
+            </a:r>
+            <a:r>
+              <a:rPr lang="fr-CH" sz="1500" dirty="0" err="1" smtClean="0">
+                <a:solidFill>
+                  <a:schemeClr val="bg2">
+                    <a:lumMod val="50000"/>
+                    <a:lumOff val="50000"/>
+                  </a:schemeClr>
+                </a:solidFill>
+                <a:latin typeface="Gulim" panose="020B0600000101010101" pitchFamily="34" charset="-127"/>
+                <a:ea typeface="Gulim" panose="020B0600000101010101" pitchFamily="34" charset="-127"/>
+              </a:rPr>
+              <a:t>Desclouds</a:t>
+            </a:r>
+            <a:r>
+              <a:rPr lang="fr-CH" sz="1500" dirty="0" smtClean="0">
+                <a:solidFill>
+                  <a:schemeClr val="bg2">
+                    <a:lumMod val="50000"/>
+                    <a:lumOff val="50000"/>
+                  </a:schemeClr>
+                </a:solidFill>
+                <a:latin typeface="Gulim" panose="020B0600000101010101" pitchFamily="34" charset="-127"/>
+                <a:ea typeface="Gulim" panose="020B0600000101010101" pitchFamily="34" charset="-127"/>
+              </a:rPr>
+              <a:t>, </a:t>
+            </a:r>
+            <a:r>
+              <a:rPr lang="fr-CH" sz="1500" dirty="0" err="1" smtClean="0">
+                <a:solidFill>
+                  <a:schemeClr val="bg2">
+                    <a:lumMod val="50000"/>
+                    <a:lumOff val="50000"/>
+                  </a:schemeClr>
+                </a:solidFill>
+                <a:latin typeface="Gulim" panose="020B0600000101010101" pitchFamily="34" charset="-127"/>
+                <a:ea typeface="Gulim" panose="020B0600000101010101" pitchFamily="34" charset="-127"/>
+              </a:rPr>
+              <a:t>A.Hug</a:t>
+            </a:r>
+            <a:r>
+              <a:rPr lang="fr-CH" sz="1500" dirty="0" smtClean="0">
+                <a:solidFill>
+                  <a:schemeClr val="bg2">
+                    <a:lumMod val="50000"/>
+                    <a:lumOff val="50000"/>
+                  </a:schemeClr>
+                </a:solidFill>
+                <a:latin typeface="Gulim" panose="020B0600000101010101" pitchFamily="34" charset="-127"/>
+                <a:ea typeface="Gulim" panose="020B0600000101010101" pitchFamily="34" charset="-127"/>
+              </a:rPr>
+              <a:t>, S. </a:t>
+            </a:r>
+            <a:r>
+              <a:rPr lang="fr-CH" sz="1500" dirty="0" err="1" smtClean="0">
+                <a:solidFill>
+                  <a:schemeClr val="bg2">
+                    <a:lumMod val="50000"/>
+                    <a:lumOff val="50000"/>
+                  </a:schemeClr>
+                </a:solidFill>
+                <a:latin typeface="Gulim" panose="020B0600000101010101" pitchFamily="34" charset="-127"/>
+                <a:ea typeface="Gulim" panose="020B0600000101010101" pitchFamily="34" charset="-127"/>
+              </a:rPr>
+              <a:t>Righitto</a:t>
+            </a:r>
+            <a:r>
+              <a:rPr lang="fr-CH" sz="1500" dirty="0" smtClean="0">
+                <a:solidFill>
+                  <a:schemeClr val="bg2">
+                    <a:lumMod val="50000"/>
+                    <a:lumOff val="50000"/>
+                  </a:schemeClr>
+                </a:solidFill>
+                <a:latin typeface="Gulim" panose="020B0600000101010101" pitchFamily="34" charset="-127"/>
+                <a:ea typeface="Gulim" panose="020B0600000101010101" pitchFamily="34" charset="-127"/>
+              </a:rPr>
+              <a:t>, F. </a:t>
+            </a:r>
+            <a:r>
+              <a:rPr lang="fr-CH" sz="1500" dirty="0" err="1" smtClean="0">
+                <a:solidFill>
+                  <a:schemeClr val="bg2">
+                    <a:lumMod val="50000"/>
+                    <a:lumOff val="50000"/>
+                  </a:schemeClr>
+                </a:solidFill>
+                <a:latin typeface="Gulim" panose="020B0600000101010101" pitchFamily="34" charset="-127"/>
+                <a:ea typeface="Gulim" panose="020B0600000101010101" pitchFamily="34" charset="-127"/>
+              </a:rPr>
+              <a:t>Saam</a:t>
+            </a:r>
+            <a:r>
+              <a:rPr lang="fr-CH" sz="1500" dirty="0" smtClean="0">
+                <a:solidFill>
+                  <a:schemeClr val="bg2">
+                    <a:lumMod val="50000"/>
+                    <a:lumOff val="50000"/>
+                  </a:schemeClr>
+                </a:solidFill>
+                <a:latin typeface="Gulim" panose="020B0600000101010101" pitchFamily="34" charset="-127"/>
+                <a:ea typeface="Gulim" panose="020B0600000101010101" pitchFamily="34" charset="-127"/>
+              </a:rPr>
+              <a:t>	</a:t>
+            </a:r>
+            <a:r>
+              <a:rPr lang="fr-CH" sz="1600" dirty="0" smtClean="0">
+                <a:solidFill>
+                  <a:schemeClr val="bg2">
+                    <a:lumMod val="50000"/>
+                    <a:lumOff val="50000"/>
+                  </a:schemeClr>
+                </a:solidFill>
+                <a:latin typeface="Gulim" panose="020B0600000101010101" pitchFamily="34" charset="-127"/>
+                <a:ea typeface="Gulim" panose="020B0600000101010101" pitchFamily="34" charset="-127"/>
+              </a:rPr>
+              <a:t>											</a:t>
+            </a:r>
+            <a:endParaRPr lang="fr-CH" sz="1600" dirty="0">
+              <a:solidFill>
+                <a:schemeClr val="bg2">
+                  <a:lumMod val="50000"/>
+                  <a:lumOff val="50000"/>
+                </a:schemeClr>
+              </a:solidFill>
+              <a:latin typeface="Gulim" panose="020B0600000101010101" pitchFamily="34" charset="-127"/>
+              <a:ea typeface="Gulim" panose="020B0600000101010101" pitchFamily="34" charset="-127"/>
+            </a:endParaRPr>
+          </a:p>
+        </p:txBody>
+      </p:sp>
+    </p:spTree>
+    <p:extLst>
+      <p:ext uri="{BB962C8B-B14F-4D97-AF65-F5344CB8AC3E}">
+        <p14:creationId xmlns:p14="http://schemas.microsoft.com/office/powerpoint/2010/main" val="1449560542"/>
+      </p:ext>
+    </p:extLst>
+  </p:cSld>
+  <p:clrMapOvr>
+    <a:masterClrMapping/>
+  </p:clrMapOvr>
+</p:sld>
+</file>
+
+<file path=ppt/slides/slide9.xml><?xml version="1.0" encoding="utf-8"?>
+<p:sld xmlns:a="http://schemas.openxmlformats.org/drawingml/2006/main" xmlns:r="http://schemas.openxmlformats.org/officeDocument/2006/relationships" xmlns:p="http://schemas.openxmlformats.org/presentationml/2006/main">
+  <p:cSld>
+    <p:spTree>
+      <p:nvGrpSpPr>
+        <p:cNvPr id="1" name=""/>
+        <p:cNvGrpSpPr/>
+        <p:nvPr/>
+      </p:nvGrpSpPr>
+      <p:grpSpPr>
+        <a:xfrm>
+          <a:off x="0" y="0"/>
+          <a:ext cx="0" cy="0"/>
+          <a:chOff x="0" y="0"/>
+          <a:chExt cx="0" cy="0"/>
+        </a:xfrm>
+      </p:grpSpPr>
+      <p:sp>
+        <p:nvSpPr>
+          <p:cNvPr id="2" name="Titre 1"/>
+          <p:cNvSpPr>
+            <a:spLocks noGrp="1"/>
+          </p:cNvSpPr>
+          <p:nvPr>
+            <p:ph type="title"/>
+          </p:nvPr>
+        </p:nvSpPr>
+        <p:spPr/>
+        <p:txBody>
+          <a:bodyPr/>
+          <a:lstStyle/>
+          <a:p>
+            <a:r>
+              <a:rPr lang="fr-CH" dirty="0" err="1"/>
+              <a:t>Raspberry</a:t>
+            </a:r>
+            <a:r>
+              <a:rPr lang="fr-CH" dirty="0"/>
+              <a:t> Pie et </a:t>
+            </a:r>
+            <a:r>
+              <a:rPr lang="fr-CH" dirty="0" err="1" smtClean="0"/>
+              <a:t>Phidget</a:t>
+            </a:r>
+            <a:r>
+              <a:rPr lang="fr-CH" dirty="0" smtClean="0"/>
+              <a:t> </a:t>
+            </a:r>
+            <a:r>
+              <a:rPr lang="fr-CH" dirty="0" err="1"/>
+              <a:t>Touchrotation</a:t>
+            </a:r>
+            <a:endParaRPr lang="fr-CH" dirty="0"/>
+          </a:p>
+        </p:txBody>
+      </p:sp>
+      <p:sp>
+        <p:nvSpPr>
+          <p:cNvPr id="3" name="Espace réservé du contenu 2"/>
+          <p:cNvSpPr>
+            <a:spLocks noGrp="1"/>
+          </p:cNvSpPr>
+          <p:nvPr>
+            <p:ph idx="1"/>
+          </p:nvPr>
+        </p:nvSpPr>
+        <p:spPr/>
+        <p:txBody>
+          <a:bodyPr/>
+          <a:lstStyle/>
+          <a:p>
+            <a:endParaRPr lang="fr-CH" dirty="0" smtClean="0"/>
+          </a:p>
+        </p:txBody>
+      </p:sp>
+      <p:sp>
+        <p:nvSpPr>
+          <p:cNvPr id="5" name="Sous-titre 2"/>
+          <p:cNvSpPr txBox="1">
+            <a:spLocks/>
+          </p:cNvSpPr>
+          <p:nvPr/>
+        </p:nvSpPr>
+        <p:spPr>
+          <a:xfrm>
+            <a:off x="810001" y="6050877"/>
+            <a:ext cx="10572000" cy="434974"/>
+          </a:xfrm>
+          <a:prstGeom prst="rect">
+            <a:avLst/>
+          </a:prstGeom>
+          <a:effectLst>
+            <a:outerShdw blurRad="50800" dir="14400000">
+              <a:srgbClr val="000000">
+                <a:alpha val="40000"/>
+              </a:srgbClr>
+            </a:outerShdw>
+          </a:effectLst>
+        </p:spPr>
+        <p:txBody>
+          <a:bodyPr vert="horz" lIns="91440" tIns="45720" rIns="91440" bIns="45720" rtlCol="0" anchor="t">
+            <a:normAutofit/>
+          </a:bodyPr>
+          <a:lstStyle>
+            <a:lvl1pPr marL="0" indent="0" algn="l" defTabSz="457200" rtl="0" eaLnBrk="1" latinLnBrk="0" hangingPunct="1">
+              <a:spcBef>
+                <a:spcPct val="20000"/>
+              </a:spcBef>
+              <a:spcAft>
+                <a:spcPts val="600"/>
+              </a:spcAft>
+              <a:buClr>
+                <a:schemeClr val="accent1"/>
+              </a:buClr>
+              <a:buFont typeface="Wingdings 2" charset="2"/>
+              <a:buNone/>
+              <a:defRPr sz="1800" kern="1200">
+                <a:solidFill>
+                  <a:schemeClr val="tx1"/>
+                </a:solidFill>
+                <a:latin typeface="+mn-lt"/>
+                <a:ea typeface="+mn-ea"/>
+                <a:cs typeface="+mn-cs"/>
+              </a:defRPr>
+            </a:lvl1pPr>
+            <a:lvl2pPr marL="457200" indent="0" algn="ctr" defTabSz="457200" rtl="0" eaLnBrk="1" latinLnBrk="0" hangingPunct="1">
+              <a:spcBef>
+                <a:spcPct val="20000"/>
+              </a:spcBef>
+              <a:spcAft>
+                <a:spcPts val="600"/>
+              </a:spcAft>
+              <a:buClr>
+                <a:schemeClr val="accent1"/>
+              </a:buClr>
+              <a:buFont typeface="Wingdings 2" charset="2"/>
+              <a:buNone/>
+              <a:defRPr sz="1600" kern="1200">
+                <a:solidFill>
+                  <a:schemeClr val="tx1">
+                    <a:tint val="75000"/>
+                  </a:schemeClr>
+                </a:solidFill>
+                <a:latin typeface="+mn-lt"/>
+                <a:ea typeface="+mn-ea"/>
+                <a:cs typeface="+mn-cs"/>
+              </a:defRPr>
+            </a:lvl2pPr>
+            <a:lvl3pPr marL="914400" indent="0" algn="ctr" defTabSz="457200" rtl="0" eaLnBrk="1" latinLnBrk="0" hangingPunct="1">
+              <a:spcBef>
+                <a:spcPct val="20000"/>
+              </a:spcBef>
+              <a:spcAft>
+                <a:spcPts val="600"/>
+              </a:spcAft>
+              <a:buClr>
+                <a:schemeClr val="accent1"/>
+              </a:buClr>
+              <a:buFont typeface="Wingdings 2" charset="2"/>
+              <a:buNone/>
+              <a:defRPr sz="1400" kern="1200">
+                <a:solidFill>
+                  <a:schemeClr val="tx1">
+                    <a:tint val="75000"/>
+                  </a:schemeClr>
+                </a:solidFill>
+                <a:latin typeface="+mn-lt"/>
+                <a:ea typeface="+mn-ea"/>
+                <a:cs typeface="+mn-cs"/>
+              </a:defRPr>
+            </a:lvl3pPr>
+            <a:lvl4pPr marL="1371600" indent="0" algn="ctr" defTabSz="457200" rtl="0" eaLnBrk="1" latinLnBrk="0" hangingPunct="1">
+              <a:spcBef>
+                <a:spcPct val="20000"/>
+              </a:spcBef>
+              <a:spcAft>
+                <a:spcPts val="600"/>
+              </a:spcAft>
+              <a:buClr>
+                <a:schemeClr val="accent1"/>
+              </a:buClr>
+              <a:buFont typeface="Wingdings 2" charset="2"/>
+              <a:buNone/>
+              <a:defRPr sz="1200" kern="1200">
+                <a:solidFill>
+                  <a:schemeClr val="tx1">
+                    <a:tint val="75000"/>
+                  </a:schemeClr>
+                </a:solidFill>
+                <a:latin typeface="+mn-lt"/>
+                <a:ea typeface="+mn-ea"/>
+                <a:cs typeface="+mn-cs"/>
+              </a:defRPr>
+            </a:lvl4pPr>
+            <a:lvl5pPr marL="1828800" indent="0" algn="ctr" defTabSz="457200" rtl="0" eaLnBrk="1" latinLnBrk="0" hangingPunct="1">
+              <a:spcBef>
+                <a:spcPct val="20000"/>
+              </a:spcBef>
+              <a:spcAft>
+                <a:spcPts val="600"/>
+              </a:spcAft>
+              <a:buClr>
+                <a:schemeClr val="accent1"/>
+              </a:buClr>
+              <a:buFont typeface="Wingdings 2" charset="2"/>
+              <a:buNone/>
+              <a:defRPr sz="1200" kern="1200">
+                <a:solidFill>
+                  <a:schemeClr val="tx1">
+                    <a:tint val="75000"/>
+                  </a:schemeClr>
+                </a:solidFill>
+                <a:latin typeface="+mn-lt"/>
+                <a:ea typeface="+mn-ea"/>
+                <a:cs typeface="+mn-cs"/>
+              </a:defRPr>
+            </a:lvl5pPr>
+            <a:lvl6pPr marL="2286000" indent="0" algn="ctr" defTabSz="457200" rtl="0" eaLnBrk="1" latinLnBrk="0" hangingPunct="1">
+              <a:spcBef>
+                <a:spcPct val="20000"/>
+              </a:spcBef>
+              <a:spcAft>
+                <a:spcPts val="600"/>
+              </a:spcAft>
+              <a:buClr>
+                <a:schemeClr val="accent1"/>
+              </a:buClr>
+              <a:buFont typeface="Wingdings 2" charset="2"/>
+              <a:buNone/>
+              <a:defRPr sz="1200" kern="1200">
+                <a:solidFill>
+                  <a:schemeClr val="tx1">
+                    <a:tint val="75000"/>
+                  </a:schemeClr>
+                </a:solidFill>
+                <a:latin typeface="+mn-lt"/>
+                <a:ea typeface="+mn-ea"/>
+                <a:cs typeface="+mn-cs"/>
+              </a:defRPr>
+            </a:lvl6pPr>
+            <a:lvl7pPr marL="2743200" indent="0" algn="ctr" defTabSz="457200" rtl="0" eaLnBrk="1" latinLnBrk="0" hangingPunct="1">
+              <a:spcBef>
+                <a:spcPct val="20000"/>
+              </a:spcBef>
+              <a:spcAft>
+                <a:spcPts val="600"/>
+              </a:spcAft>
+              <a:buClr>
+                <a:schemeClr val="accent1"/>
+              </a:buClr>
+              <a:buFont typeface="Wingdings 2" charset="2"/>
+              <a:buNone/>
+              <a:defRPr sz="1200" kern="1200">
+                <a:solidFill>
+                  <a:schemeClr val="tx1">
+                    <a:tint val="75000"/>
+                  </a:schemeClr>
+                </a:solidFill>
+                <a:latin typeface="+mn-lt"/>
+                <a:ea typeface="+mn-ea"/>
+                <a:cs typeface="+mn-cs"/>
+              </a:defRPr>
+            </a:lvl7pPr>
+            <a:lvl8pPr marL="3200400" indent="0" algn="ctr" defTabSz="457200" rtl="0" eaLnBrk="1" latinLnBrk="0" hangingPunct="1">
+              <a:spcBef>
+                <a:spcPct val="20000"/>
+              </a:spcBef>
+              <a:spcAft>
+                <a:spcPts val="600"/>
+              </a:spcAft>
+              <a:buClr>
+                <a:schemeClr val="accent1"/>
+              </a:buClr>
+              <a:buFont typeface="Wingdings 2" charset="2"/>
+              <a:buNone/>
+              <a:defRPr sz="1200" kern="1200">
+                <a:solidFill>
+                  <a:schemeClr val="tx1">
+                    <a:tint val="75000"/>
+                  </a:schemeClr>
+                </a:solidFill>
+                <a:latin typeface="+mn-lt"/>
+                <a:ea typeface="+mn-ea"/>
+                <a:cs typeface="+mn-cs"/>
+              </a:defRPr>
+            </a:lvl8pPr>
+            <a:lvl9pPr marL="3657600" indent="0" algn="ctr" defTabSz="457200" rtl="0" eaLnBrk="1" latinLnBrk="0" hangingPunct="1">
+              <a:spcBef>
+                <a:spcPct val="20000"/>
+              </a:spcBef>
+              <a:spcAft>
+                <a:spcPts val="600"/>
+              </a:spcAft>
+              <a:buClr>
+                <a:schemeClr val="accent1"/>
+              </a:buClr>
+              <a:buFont typeface="Wingdings 2" charset="2"/>
+              <a:buNone/>
+              <a:defRPr sz="1200" kern="1200">
+                <a:solidFill>
+                  <a:schemeClr val="tx1">
+                    <a:tint val="75000"/>
+                  </a:schemeClr>
+                </a:solidFill>
+                <a:latin typeface="+mn-lt"/>
+                <a:ea typeface="+mn-ea"/>
+                <a:cs typeface="+mn-cs"/>
+              </a:defRPr>
+            </a:lvl9pPr>
+          </a:lstStyle>
+          <a:p>
+            <a:r>
+              <a:rPr lang="fr-CH" sz="1500" dirty="0" smtClean="0">
+                <a:solidFill>
+                  <a:schemeClr val="bg2">
+                    <a:lumMod val="50000"/>
+                    <a:lumOff val="50000"/>
+                  </a:schemeClr>
+                </a:solidFill>
+                <a:latin typeface="Gulim" panose="020B0600000101010101" pitchFamily="34" charset="-127"/>
+                <a:ea typeface="Gulim" panose="020B0600000101010101" pitchFamily="34" charset="-127"/>
+              </a:rPr>
+              <a:t>A. </a:t>
+            </a:r>
+            <a:r>
+              <a:rPr lang="fr-CH" sz="1500" dirty="0" err="1" smtClean="0">
+                <a:solidFill>
+                  <a:schemeClr val="bg2">
+                    <a:lumMod val="50000"/>
+                    <a:lumOff val="50000"/>
+                  </a:schemeClr>
+                </a:solidFill>
+                <a:latin typeface="Gulim" panose="020B0600000101010101" pitchFamily="34" charset="-127"/>
+                <a:ea typeface="Gulim" panose="020B0600000101010101" pitchFamily="34" charset="-127"/>
+              </a:rPr>
+              <a:t>Desclouds</a:t>
+            </a:r>
+            <a:r>
+              <a:rPr lang="fr-CH" sz="1500" dirty="0" smtClean="0">
+                <a:solidFill>
+                  <a:schemeClr val="bg2">
+                    <a:lumMod val="50000"/>
+                    <a:lumOff val="50000"/>
+                  </a:schemeClr>
+                </a:solidFill>
+                <a:latin typeface="Gulim" panose="020B0600000101010101" pitchFamily="34" charset="-127"/>
+                <a:ea typeface="Gulim" panose="020B0600000101010101" pitchFamily="34" charset="-127"/>
+              </a:rPr>
+              <a:t>, </a:t>
+            </a:r>
+            <a:r>
+              <a:rPr lang="fr-CH" sz="1500" dirty="0" err="1" smtClean="0">
+                <a:solidFill>
+                  <a:schemeClr val="bg2">
+                    <a:lumMod val="50000"/>
+                    <a:lumOff val="50000"/>
+                  </a:schemeClr>
+                </a:solidFill>
+                <a:latin typeface="Gulim" panose="020B0600000101010101" pitchFamily="34" charset="-127"/>
+                <a:ea typeface="Gulim" panose="020B0600000101010101" pitchFamily="34" charset="-127"/>
+              </a:rPr>
+              <a:t>A.Hug</a:t>
+            </a:r>
+            <a:r>
+              <a:rPr lang="fr-CH" sz="1500" dirty="0" smtClean="0">
+                <a:solidFill>
+                  <a:schemeClr val="bg2">
+                    <a:lumMod val="50000"/>
+                    <a:lumOff val="50000"/>
+                  </a:schemeClr>
+                </a:solidFill>
+                <a:latin typeface="Gulim" panose="020B0600000101010101" pitchFamily="34" charset="-127"/>
+                <a:ea typeface="Gulim" panose="020B0600000101010101" pitchFamily="34" charset="-127"/>
+              </a:rPr>
+              <a:t>, S. </a:t>
+            </a:r>
+            <a:r>
+              <a:rPr lang="fr-CH" sz="1500" dirty="0" err="1" smtClean="0">
+                <a:solidFill>
+                  <a:schemeClr val="bg2">
+                    <a:lumMod val="50000"/>
+                    <a:lumOff val="50000"/>
+                  </a:schemeClr>
+                </a:solidFill>
+                <a:latin typeface="Gulim" panose="020B0600000101010101" pitchFamily="34" charset="-127"/>
+                <a:ea typeface="Gulim" panose="020B0600000101010101" pitchFamily="34" charset="-127"/>
+              </a:rPr>
+              <a:t>Righitto</a:t>
+            </a:r>
+            <a:r>
+              <a:rPr lang="fr-CH" sz="1500" dirty="0" smtClean="0">
+                <a:solidFill>
+                  <a:schemeClr val="bg2">
+                    <a:lumMod val="50000"/>
+                    <a:lumOff val="50000"/>
+                  </a:schemeClr>
+                </a:solidFill>
+                <a:latin typeface="Gulim" panose="020B0600000101010101" pitchFamily="34" charset="-127"/>
+                <a:ea typeface="Gulim" panose="020B0600000101010101" pitchFamily="34" charset="-127"/>
+              </a:rPr>
+              <a:t>, F. </a:t>
+            </a:r>
+            <a:r>
+              <a:rPr lang="fr-CH" sz="1500" dirty="0" err="1" smtClean="0">
+                <a:solidFill>
+                  <a:schemeClr val="bg2">
+                    <a:lumMod val="50000"/>
+                    <a:lumOff val="50000"/>
+                  </a:schemeClr>
+                </a:solidFill>
+                <a:latin typeface="Gulim" panose="020B0600000101010101" pitchFamily="34" charset="-127"/>
+                <a:ea typeface="Gulim" panose="020B0600000101010101" pitchFamily="34" charset="-127"/>
+              </a:rPr>
+              <a:t>Saam</a:t>
+            </a:r>
+            <a:r>
+              <a:rPr lang="fr-CH" sz="1500" dirty="0" smtClean="0">
+                <a:solidFill>
+                  <a:schemeClr val="bg2">
+                    <a:lumMod val="50000"/>
+                    <a:lumOff val="50000"/>
+                  </a:schemeClr>
+                </a:solidFill>
+                <a:latin typeface="Gulim" panose="020B0600000101010101" pitchFamily="34" charset="-127"/>
+                <a:ea typeface="Gulim" panose="020B0600000101010101" pitchFamily="34" charset="-127"/>
+              </a:rPr>
+              <a:t>	</a:t>
+            </a:r>
+            <a:r>
+              <a:rPr lang="fr-CH" sz="1600" dirty="0" smtClean="0">
+                <a:solidFill>
+                  <a:schemeClr val="bg2">
+                    <a:lumMod val="50000"/>
+                    <a:lumOff val="50000"/>
+                  </a:schemeClr>
+                </a:solidFill>
+                <a:latin typeface="Gulim" panose="020B0600000101010101" pitchFamily="34" charset="-127"/>
+                <a:ea typeface="Gulim" panose="020B0600000101010101" pitchFamily="34" charset="-127"/>
+              </a:rPr>
+              <a:t>											</a:t>
+            </a:r>
+            <a:endParaRPr lang="fr-CH" sz="1600" dirty="0">
+              <a:solidFill>
+                <a:schemeClr val="bg2">
+                  <a:lumMod val="50000"/>
+                  <a:lumOff val="50000"/>
+                </a:schemeClr>
+              </a:solidFill>
+              <a:latin typeface="Gulim" panose="020B0600000101010101" pitchFamily="34" charset="-127"/>
+              <a:ea typeface="Gulim" panose="020B0600000101010101" pitchFamily="34" charset="-127"/>
+            </a:endParaRPr>
+          </a:p>
+        </p:txBody>
+      </p:sp>
+      <p:sp>
+        <p:nvSpPr>
+          <p:cNvPr id="6" name="Slide Number Placeholder 5"/>
+          <p:cNvSpPr>
+            <a:spLocks noGrp="1"/>
+          </p:cNvSpPr>
+          <p:nvPr>
+            <p:ph type="sldNum" sz="quarter" idx="12"/>
+          </p:nvPr>
+        </p:nvSpPr>
+        <p:spPr>
+          <a:xfrm>
+            <a:off x="10678331" y="5915888"/>
+            <a:ext cx="1062155" cy="490599"/>
+          </a:xfrm>
+        </p:spPr>
+        <p:txBody>
+          <a:bodyPr/>
+          <a:lstStyle/>
+          <a:p>
+            <a:fld id="{D57F1E4F-1CFF-5643-939E-217C01CDF565}" type="slidenum">
+              <a:rPr lang="en-US" smtClean="0"/>
+              <a:pPr/>
+              <a:t>9</a:t>
+            </a:fld>
+            <a:endParaRPr lang="en-US" dirty="0"/>
+          </a:p>
+        </p:txBody>
+      </p:sp>
+      <p:pic>
+        <p:nvPicPr>
+          <p:cNvPr id="7" name="Image 6"/>
+          <p:cNvPicPr>
+            <a:picLocks noChangeAspect="1"/>
+          </p:cNvPicPr>
+          <p:nvPr/>
+        </p:nvPicPr>
+        <p:blipFill>
+          <a:blip r:embed="rId3">
+            <a:extLst>
+              <a:ext uri="{28A0092B-C50C-407E-A947-70E740481C1C}">
+                <a14:useLocalDpi xmlns:a14="http://schemas.microsoft.com/office/drawing/2010/main" val="0"/>
+              </a:ext>
+            </a:extLst>
+          </a:blip>
+          <a:stretch>
+            <a:fillRect/>
+          </a:stretch>
+        </p:blipFill>
+        <p:spPr>
+          <a:xfrm>
+            <a:off x="11209408" y="2354284"/>
+            <a:ext cx="501676" cy="1041454"/>
+          </a:xfrm>
+          <a:prstGeom prst="rect">
+            <a:avLst/>
+          </a:prstGeom>
+        </p:spPr>
+      </p:pic>
+    </p:spTree>
+    <p:extLst>
+      <p:ext uri="{BB962C8B-B14F-4D97-AF65-F5344CB8AC3E}">
+        <p14:creationId xmlns:p14="http://schemas.microsoft.com/office/powerpoint/2010/main" val="3297813463"/>
       </p:ext>
     </p:extLst>
   </p:cSld>
@@ -6946,4 +14940,265 @@
     </a:ext>
   </a:extLst>
 </a:theme>
+</file>
+
+<file path=ppt/theme/theme2.xml><?xml version="1.0" encoding="utf-8"?>
+<a:theme xmlns:a="http://schemas.openxmlformats.org/drawingml/2006/main" name="Thème Office">
+  <a:themeElements>
+    <a:clrScheme name="Office">
+      <a:dk1>
+        <a:sysClr val="windowText" lastClr="000000"/>
+      </a:dk1>
+      <a:lt1>
+        <a:sysClr val="window" lastClr="FFFFFF"/>
+      </a:lt1>
+      <a:dk2>
+        <a:srgbClr val="44546A"/>
+      </a:dk2>
+      <a:lt2>
+        <a:srgbClr val="E7E6E6"/>
+      </a:lt2>
+      <a:accent1>
+        <a:srgbClr val="5B9BD5"/>
+      </a:accent1>
+      <a:accent2>
+        <a:srgbClr val="ED7D31"/>
+      </a:accent2>
+      <a:accent3>
+        <a:srgbClr val="A5A5A5"/>
+      </a:accent3>
+      <a:accent4>
+        <a:srgbClr val="FFC000"/>
+      </a:accent4>
+      <a:accent5>
+        <a:srgbClr val="4472C4"/>
+      </a:accent5>
+      <a:accent6>
+        <a:srgbClr val="70AD47"/>
+      </a:accent6>
+      <a:hlink>
+        <a:srgbClr val="0563C1"/>
+      </a:hlink>
+      <a:folHlink>
+        <a:srgbClr val="954F72"/>
+      </a:folHlink>
+    </a:clrScheme>
+    <a:fontScheme name="Office">
+      <a:majorFont>
+        <a:latin typeface="Calibri Light" panose="020F0302020204030204"/>
+        <a:ea typeface=""/>
+        <a:cs typeface=""/>
+        <a:font script="Jpan" typeface="ＭＳ Ｐゴシック"/>
+        <a:font script="Hang" typeface="맑은 고딕"/>
+        <a:font script="Hans" typeface="宋体"/>
+        <a:font script="Hant" typeface="新細明體"/>
+        <a:font script="Arab" typeface="Times New Roman"/>
+        <a:font script="Hebr" typeface="Times New Roman"/>
+        <a:font script="Thai" typeface="Angsana New"/>
+        <a:font script="Ethi" typeface="Nyala"/>
+        <a:font script="Beng" typeface="Vrinda"/>
+        <a:font script="Gujr" typeface="Shruti"/>
+        <a:font script="Khmr" typeface="MoolBoran"/>
+        <a:font script="Knda" typeface="Tunga"/>
+        <a:font script="Guru" typeface="Raavi"/>
+        <a:font script="Cans" typeface="Euphemia"/>
+        <a:font script="Cher" typeface="Plantagenet Cherokee"/>
+        <a:font script="Yiii" typeface="Microsoft Yi Baiti"/>
+        <a:font script="Tibt" typeface="Microsoft Himalaya"/>
+        <a:font script="Thaa" typeface="MV Boli"/>
+        <a:font script="Deva" typeface="Mangal"/>
+        <a:font script="Telu" typeface="Gautami"/>
+        <a:font script="Taml" typeface="Latha"/>
+        <a:font script="Syrc" typeface="Estrangelo Edessa"/>
+        <a:font script="Orya" typeface="Kalinga"/>
+        <a:font script="Mlym" typeface="Kartika"/>
+        <a:font script="Laoo" typeface="DokChampa"/>
+        <a:font script="Sinh" typeface="Iskoola Pota"/>
+        <a:font script="Mong" typeface="Mongolian Baiti"/>
+        <a:font script="Viet" typeface="Times New Roman"/>
+        <a:font script="Uigh" typeface="Microsoft Uighur"/>
+        <a:font script="Geor" typeface="Sylfaen"/>
+      </a:majorFont>
+      <a:minorFont>
+        <a:latin typeface="Calibri" panose="020F0502020204030204"/>
+        <a:ea typeface=""/>
+        <a:cs typeface=""/>
+        <a:font script="Jpan" typeface="ＭＳ Ｐゴシック"/>
+        <a:font script="Hang" typeface="맑은 고딕"/>
+        <a:font script="Hans" typeface="宋体"/>
+        <a:font script="Hant" typeface="新細明體"/>
+        <a:font script="Arab" typeface="Arial"/>
+        <a:font script="Hebr" typeface="Arial"/>
+        <a:font script="Thai" typeface="Cordia New"/>
+        <a:font script="Ethi" typeface="Nyala"/>
+        <a:font script="Beng" typeface="Vrinda"/>
+        <a:font script="Gujr" typeface="Shruti"/>
+        <a:font script="Khmr" typeface="DaunPenh"/>
+        <a:font script="Knda" typeface="Tunga"/>
+        <a:font script="Guru" typeface="Raavi"/>
+        <a:font script="Cans" typeface="Euphemia"/>
+        <a:font script="Cher" typeface="Plantagenet Cherokee"/>
+        <a:font script="Yiii" typeface="Microsoft Yi Baiti"/>
+        <a:font script="Tibt" typeface="Microsoft Himalaya"/>
+        <a:font script="Thaa" typeface="MV Boli"/>
+        <a:font script="Deva" typeface="Mangal"/>
+        <a:font script="Telu" typeface="Gautami"/>
+        <a:font script="Taml" typeface="Latha"/>
+        <a:font script="Syrc" typeface="Estrangelo Edessa"/>
+        <a:font script="Orya" typeface="Kalinga"/>
+        <a:font script="Mlym" typeface="Kartika"/>
+        <a:font script="Laoo" typeface="DokChampa"/>
+        <a:font script="Sinh" typeface="Iskoola Pota"/>
+        <a:font script="Mong" typeface="Mongolian Baiti"/>
+        <a:font script="Viet" typeface="Arial"/>
+        <a:font script="Uigh" typeface="Microsoft Uighur"/>
+        <a:font script="Geor" typeface="Sylfaen"/>
+      </a:minorFont>
+    </a:fontScheme>
+    <a:fmtScheme name="Office">
+      <a:fillStyleLst>
+        <a:solidFill>
+          <a:schemeClr val="phClr"/>
+        </a:solidFill>
+        <a:gradFill rotWithShape="1">
+          <a:gsLst>
+            <a:gs pos="0">
+              <a:schemeClr val="phClr">
+                <a:lumMod val="110000"/>
+                <a:satMod val="105000"/>
+                <a:tint val="67000"/>
+              </a:schemeClr>
+            </a:gs>
+            <a:gs pos="50000">
+              <a:schemeClr val="phClr">
+                <a:lumMod val="105000"/>
+                <a:satMod val="103000"/>
+                <a:tint val="73000"/>
+              </a:schemeClr>
+            </a:gs>
+            <a:gs pos="100000">
+              <a:schemeClr val="phClr">
+                <a:lumMod val="105000"/>
+                <a:satMod val="109000"/>
+                <a:tint val="81000"/>
+              </a:schemeClr>
+            </a:gs>
+          </a:gsLst>
+          <a:lin ang="5400000" scaled="0"/>
+        </a:gradFill>
+        <a:gradFill rotWithShape="1">
+          <a:gsLst>
+            <a:gs pos="0">
+              <a:schemeClr val="phClr">
+                <a:satMod val="103000"/>
+                <a:lumMod val="102000"/>
+                <a:tint val="94000"/>
+              </a:schemeClr>
+            </a:gs>
+            <a:gs pos="50000">
+              <a:schemeClr val="phClr">
+                <a:satMod val="110000"/>
+                <a:lumMod val="100000"/>
+                <a:shade val="100000"/>
+              </a:schemeClr>
+            </a:gs>
+            <a:gs pos="100000">
+              <a:schemeClr val="phClr">
+                <a:lumMod val="99000"/>
+                <a:satMod val="120000"/>
+                <a:shade val="78000"/>
+              </a:schemeClr>
+            </a:gs>
+          </a:gsLst>
+          <a:lin ang="5400000" scaled="0"/>
+        </a:gradFill>
+      </a:fillStyleLst>
+      <a:lnStyleLst>
+        <a:ln w="6350" cap="flat" cmpd="sng" algn="ctr">
+          <a:solidFill>
+            <a:schemeClr val="phClr"/>
+          </a:solidFill>
+          <a:prstDash val="solid"/>
+          <a:miter lim="800000"/>
+        </a:ln>
+        <a:ln w="12700" cap="flat" cmpd="sng" algn="ctr">
+          <a:solidFill>
+            <a:schemeClr val="phClr"/>
+          </a:solidFill>
+          <a:prstDash val="solid"/>
+          <a:miter lim="800000"/>
+        </a:ln>
+        <a:ln w="19050" cap="flat" cmpd="sng" algn="ctr">
+          <a:solidFill>
+            <a:schemeClr val="phClr"/>
+          </a:solidFill>
+          <a:prstDash val="solid"/>
+          <a:miter lim="800000"/>
+        </a:ln>
+      </a:lnStyleLst>
+      <a:effectStyleLst>
+        <a:effectStyle>
+          <a:effectLst/>
+        </a:effectStyle>
+        <a:effectStyle>
+          <a:effectLst/>
+        </a:effectStyle>
+        <a:effectStyle>
+          <a:effectLst>
+            <a:outerShdw blurRad="57150" dist="19050" dir="5400000" algn="ctr" rotWithShape="0">
+              <a:srgbClr val="000000">
+                <a:alpha val="63000"/>
+              </a:srgbClr>
+            </a:outerShdw>
+          </a:effectLst>
+        </a:effectStyle>
+      </a:effectStyleLst>
+      <a:bgFillStyleLst>
+        <a:solidFill>
+          <a:schemeClr val="phClr"/>
+        </a:solidFill>
+        <a:solidFill>
+          <a:schemeClr val="phClr">
+            <a:tint val="95000"/>
+            <a:satMod val="170000"/>
+          </a:schemeClr>
+        </a:solidFill>
+        <a:gradFill rotWithShape="1">
+          <a:gsLst>
+            <a:gs pos="0">
+              <a:schemeClr val="phClr">
+                <a:tint val="93000"/>
+                <a:satMod val="150000"/>
+                <a:shade val="98000"/>
+                <a:lumMod val="102000"/>
+              </a:schemeClr>
+            </a:gs>
+            <a:gs pos="50000">
+              <a:schemeClr val="phClr">
+                <a:tint val="98000"/>
+                <a:satMod val="130000"/>
+                <a:shade val="90000"/>
+                <a:lumMod val="103000"/>
+              </a:schemeClr>
+            </a:gs>
+            <a:gs pos="100000">
+              <a:schemeClr val="phClr">
+                <a:shade val="63000"/>
+                <a:satMod val="120000"/>
+              </a:schemeClr>
+            </a:gs>
+          </a:gsLst>
+          <a:lin ang="5400000" scaled="0"/>
+        </a:gradFill>
+      </a:bgFillStyleLst>
+    </a:fmtScheme>
+  </a:themeElements>
+  <a:objectDefaults/>
+  <a:extraClrSchemeLst/>
+  <a:extLst>
+    <a:ext uri="{05A4C25C-085E-4340-85A3-A5531E510DB2}">
+      <thm15:themeFamily xmlns:thm15="http://schemas.microsoft.com/office/thememl/2012/main" name="Office Theme" id="{62F939B6-93AF-4DB8-9C6B-D6C7DFDC589F}" vid="{4A3C46E8-61CC-4603-A589-7422A47A8E4A}"/>
+    </a:ext>
+  </a:extLst>
+</a:theme>
 </file>
--- a/Elisa-3_presentation.pptx
+++ b/Elisa-3_presentation.pptx
@@ -13,25 +13,25 @@
     <p:sldId id="259" r:id="rId4"/>
     <p:sldId id="262" r:id="rId5"/>
     <p:sldId id="277" r:id="rId6"/>
-    <p:sldId id="272" r:id="rId7"/>
-    <p:sldId id="270" r:id="rId8"/>
-    <p:sldId id="279" r:id="rId9"/>
-    <p:sldId id="260" r:id="rId10"/>
-    <p:sldId id="271" r:id="rId11"/>
-    <p:sldId id="280" r:id="rId12"/>
-    <p:sldId id="278" r:id="rId13"/>
-    <p:sldId id="281" r:id="rId14"/>
-    <p:sldId id="282" r:id="rId15"/>
-    <p:sldId id="264" r:id="rId16"/>
-    <p:sldId id="276" r:id="rId17"/>
-    <p:sldId id="269" r:id="rId18"/>
-    <p:sldId id="275" r:id="rId19"/>
-    <p:sldId id="273" r:id="rId20"/>
-    <p:sldId id="274" r:id="rId21"/>
-    <p:sldId id="267" r:id="rId22"/>
-    <p:sldId id="265" r:id="rId23"/>
-    <p:sldId id="261" r:id="rId24"/>
-    <p:sldId id="268" r:id="rId25"/>
+    <p:sldId id="270" r:id="rId7"/>
+    <p:sldId id="279" r:id="rId8"/>
+    <p:sldId id="260" r:id="rId9"/>
+    <p:sldId id="271" r:id="rId10"/>
+    <p:sldId id="280" r:id="rId11"/>
+    <p:sldId id="278" r:id="rId12"/>
+    <p:sldId id="281" r:id="rId13"/>
+    <p:sldId id="282" r:id="rId14"/>
+    <p:sldId id="264" r:id="rId15"/>
+    <p:sldId id="276" r:id="rId16"/>
+    <p:sldId id="269" r:id="rId17"/>
+    <p:sldId id="275" r:id="rId18"/>
+    <p:sldId id="273" r:id="rId19"/>
+    <p:sldId id="274" r:id="rId20"/>
+    <p:sldId id="272" r:id="rId21"/>
+    <p:sldId id="265" r:id="rId22"/>
+    <p:sldId id="261" r:id="rId23"/>
+    <p:sldId id="268" r:id="rId24"/>
+    <p:sldId id="267" r:id="rId25"/>
   </p:sldIdLst>
   <p:sldSz cx="12192000" cy="6858000"/>
   <p:notesSz cx="6858000" cy="9144000"/>
@@ -132,7 +132,18 @@
   </p:defaultTextStyle>
   <p:extLst>
     <p:ext uri="{EFAFB233-063F-42B5-8137-9DF3F51BA10A}">
-      <p15:sldGuideLst xmlns:p15="http://schemas.microsoft.com/office/powerpoint/2012/main" xmlns=""/>
+      <p15:sldGuideLst xmlns:p15="http://schemas.microsoft.com/office/powerpoint/2012/main">
+        <p15:guide id="1" orient="horz" pos="2160">
+          <p15:clr>
+            <a:srgbClr val="A4A3A4"/>
+          </p15:clr>
+        </p15:guide>
+        <p15:guide id="2" pos="3840">
+          <p15:clr>
+            <a:srgbClr val="A4A3A4"/>
+          </p15:clr>
+        </p15:guide>
+      </p15:sldGuideLst>
     </p:ext>
   </p:extLst>
 </p:presentation>
@@ -379,7 +390,7 @@
           <a:p>
             <a:fld id="{D2342ED9-9AD2-4080-9043-7045960B13BE}" type="slidenum">
               <a:rPr lang="fr-CH" smtClean="0"/>
-              <a:t>‹N›</a:t>
+              <a:t>‹N°›</a:t>
             </a:fld>
             <a:endParaRPr lang="fr-CH"/>
           </a:p>
@@ -710,7 +721,7 @@
           <a:p>
             <a:r>
               <a:rPr lang="fr-CH" dirty="0" smtClean="0"/>
-              <a:t>Fred</a:t>
+              <a:t>Simone</a:t>
             </a:r>
             <a:endParaRPr lang="fr-CH" dirty="0"/>
           </a:p>
@@ -742,7 +753,7 @@
     </p:spTree>
     <p:extLst>
       <p:ext uri="{BB962C8B-B14F-4D97-AF65-F5344CB8AC3E}">
-        <p14:creationId xmlns:p14="http://schemas.microsoft.com/office/powerpoint/2010/main" val="3224220798"/>
+        <p14:creationId xmlns:p14="http://schemas.microsoft.com/office/powerpoint/2010/main" val="1832406926"/>
       </p:ext>
     </p:extLst>
   </p:cSld>
@@ -1006,7 +1017,7 @@
     </p:spTree>
     <p:extLst>
       <p:ext uri="{BB962C8B-B14F-4D97-AF65-F5344CB8AC3E}">
-        <p14:creationId xmlns:p14="http://schemas.microsoft.com/office/powerpoint/2010/main" val="1832406926"/>
+        <p14:creationId xmlns:p14="http://schemas.microsoft.com/office/powerpoint/2010/main" val="3492847540"/>
       </p:ext>
     </p:extLst>
   </p:cSld>
@@ -1094,7 +1105,7 @@
     </p:spTree>
     <p:extLst>
       <p:ext uri="{BB962C8B-B14F-4D97-AF65-F5344CB8AC3E}">
-        <p14:creationId xmlns:p14="http://schemas.microsoft.com/office/powerpoint/2010/main" val="3492847540"/>
+        <p14:creationId xmlns:p14="http://schemas.microsoft.com/office/powerpoint/2010/main" val="3303379667"/>
       </p:ext>
     </p:extLst>
   </p:cSld>
@@ -1590,7 +1601,7 @@
           <a:p>
             <a:r>
               <a:rPr lang="fr-CH" dirty="0" smtClean="0"/>
-              <a:t>Simone</a:t>
+              <a:t>Fred</a:t>
             </a:r>
             <a:endParaRPr lang="fr-CH" dirty="0"/>
           </a:p>
@@ -1622,7 +1633,7 @@
     </p:spTree>
     <p:extLst>
       <p:ext uri="{BB962C8B-B14F-4D97-AF65-F5344CB8AC3E}">
-        <p14:creationId xmlns:p14="http://schemas.microsoft.com/office/powerpoint/2010/main" val="3303379667"/>
+        <p14:creationId xmlns:p14="http://schemas.microsoft.com/office/powerpoint/2010/main" val="564441126"/>
       </p:ext>
     </p:extLst>
   </p:cSld>
@@ -1701,7 +1712,7 @@
           <a:p>
             <a:fld id="{D2342ED9-9AD2-4080-9043-7045960B13BE}" type="slidenum">
               <a:rPr lang="fr-CH" smtClean="0"/>
-              <a:t>22</a:t>
+              <a:t>21</a:t>
             </a:fld>
             <a:endParaRPr lang="fr-CH"/>
           </a:p>
@@ -1789,7 +1800,7 @@
           <a:p>
             <a:fld id="{D2342ED9-9AD2-4080-9043-7045960B13BE}" type="slidenum">
               <a:rPr lang="fr-CH" smtClean="0"/>
-              <a:t>23</a:t>
+              <a:t>22</a:t>
             </a:fld>
             <a:endParaRPr lang="fr-CH"/>
           </a:p>
@@ -2150,7 +2161,7 @@
     </p:spTree>
     <p:extLst>
       <p:ext uri="{BB962C8B-B14F-4D97-AF65-F5344CB8AC3E}">
-        <p14:creationId xmlns:p14="http://schemas.microsoft.com/office/powerpoint/2010/main" val="564441126"/>
+        <p14:creationId xmlns:p14="http://schemas.microsoft.com/office/powerpoint/2010/main" val="1832406926"/>
       </p:ext>
     </p:extLst>
   </p:cSld>
@@ -2238,7 +2249,7 @@
     </p:spTree>
     <p:extLst>
       <p:ext uri="{BB962C8B-B14F-4D97-AF65-F5344CB8AC3E}">
-        <p14:creationId xmlns:p14="http://schemas.microsoft.com/office/powerpoint/2010/main" val="1832406926"/>
+        <p14:creationId xmlns:p14="http://schemas.microsoft.com/office/powerpoint/2010/main" val="143257117"/>
       </p:ext>
     </p:extLst>
   </p:cSld>
@@ -2414,7 +2425,7 @@
     </p:spTree>
     <p:extLst>
       <p:ext uri="{BB962C8B-B14F-4D97-AF65-F5344CB8AC3E}">
-        <p14:creationId xmlns:p14="http://schemas.microsoft.com/office/powerpoint/2010/main" val="143257117"/>
+        <p14:creationId xmlns:p14="http://schemas.microsoft.com/office/powerpoint/2010/main" val="3224220798"/>
       </p:ext>
     </p:extLst>
   </p:cSld>
@@ -2883,7 +2894,7 @@
             <a:fld id="{D57F1E4F-1CFF-5643-939E-217C01CDF565}" type="slidenum">
               <a:rPr lang="en-US" smtClean="0"/>
               <a:pPr/>
-              <a:t>‹N›</a:t>
+              <a:t>‹N°›</a:t>
             </a:fld>
             <a:endParaRPr lang="en-US" dirty="0"/>
           </a:p>
@@ -3210,7 +3221,7 @@
             <a:fld id="{D57F1E4F-1CFF-5643-939E-217C01CDF565}" type="slidenum">
               <a:rPr lang="en-US" smtClean="0"/>
               <a:pPr/>
-              <a:t>‹N›</a:t>
+              <a:t>‹N°›</a:t>
             </a:fld>
             <a:endParaRPr lang="en-US" dirty="0"/>
           </a:p>
@@ -3700,7 +3711,7 @@
             <a:fld id="{D57F1E4F-1CFF-5643-939E-217C01CDF565}" type="slidenum">
               <a:rPr lang="en-US" smtClean="0"/>
               <a:pPr/>
-              <a:t>‹N›</a:t>
+              <a:t>‹N°›</a:t>
             </a:fld>
             <a:endParaRPr lang="en-US" dirty="0"/>
           </a:p>
@@ -4071,7 +4082,7 @@
             <a:fld id="{D57F1E4F-1CFF-5643-939E-217C01CDF565}" type="slidenum">
               <a:rPr lang="en-US" smtClean="0"/>
               <a:pPr/>
-              <a:t>‹N›</a:t>
+              <a:t>‹N°›</a:t>
             </a:fld>
             <a:endParaRPr lang="en-US" dirty="0"/>
           </a:p>
@@ -4346,7 +4357,7 @@
             <a:fld id="{D57F1E4F-1CFF-5643-939E-217C01CDF565}" type="slidenum">
               <a:rPr lang="en-US" smtClean="0"/>
               <a:pPr/>
-              <a:t>‹N›</a:t>
+              <a:t>‹N°›</a:t>
             </a:fld>
             <a:endParaRPr lang="en-US" dirty="0"/>
           </a:p>
@@ -4633,7 +4644,7 @@
             <a:fld id="{D57F1E4F-1CFF-5643-939E-217C01CDF565}" type="slidenum">
               <a:rPr lang="en-US" smtClean="0"/>
               <a:pPr/>
-              <a:t>‹N›</a:t>
+              <a:t>‹N°›</a:t>
             </a:fld>
             <a:endParaRPr lang="en-US" dirty="0"/>
           </a:p>
@@ -5045,7 +5056,7 @@
             <a:fld id="{D57F1E4F-1CFF-5643-939E-217C01CDF565}" type="slidenum">
               <a:rPr lang="en-US" smtClean="0"/>
               <a:pPr/>
-              <a:t>‹N›</a:t>
+              <a:t>‹N°›</a:t>
             </a:fld>
             <a:endParaRPr lang="en-US" dirty="0"/>
           </a:p>
@@ -5397,7 +5408,7 @@
             <a:fld id="{D57F1E4F-1CFF-5643-939E-217C01CDF565}" type="slidenum">
               <a:rPr lang="en-US" smtClean="0"/>
               <a:pPr/>
-              <a:t>‹N›</a:t>
+              <a:t>‹N°›</a:t>
             </a:fld>
             <a:endParaRPr lang="en-US" dirty="0"/>
           </a:p>
@@ -5745,7 +5756,7 @@
             <a:fld id="{D57F1E4F-1CFF-5643-939E-217C01CDF565}" type="slidenum">
               <a:rPr lang="en-US" smtClean="0"/>
               <a:pPr/>
-              <a:t>‹N›</a:t>
+              <a:t>‹N°›</a:t>
             </a:fld>
             <a:endParaRPr lang="en-US" dirty="0"/>
           </a:p>
@@ -6224,7 +6235,7 @@
             <a:fld id="{D57F1E4F-1CFF-5643-939E-217C01CDF565}" type="slidenum">
               <a:rPr lang="en-US" smtClean="0"/>
               <a:pPr/>
-              <a:t>‹N›</a:t>
+              <a:t>‹N°›</a:t>
             </a:fld>
             <a:endParaRPr lang="en-US" dirty="0"/>
           </a:p>
@@ -6447,7 +6458,7 @@
             <a:fld id="{D57F1E4F-1CFF-5643-939E-217C01CDF565}" type="slidenum">
               <a:rPr lang="en-US" smtClean="0"/>
               <a:pPr/>
-              <a:t>‹N›</a:t>
+              <a:t>‹N°›</a:t>
             </a:fld>
             <a:endParaRPr lang="en-US" dirty="0"/>
           </a:p>
@@ -6544,7 +6555,7 @@
             <a:fld id="{D57F1E4F-1CFF-5643-939E-217C01CDF565}" type="slidenum">
               <a:rPr lang="en-US" smtClean="0"/>
               <a:pPr/>
-              <a:t>‹N›</a:t>
+              <a:t>‹N°›</a:t>
             </a:fld>
             <a:endParaRPr lang="en-US" dirty="0"/>
           </a:p>
@@ -6989,7 +7000,7 @@
             <a:fld id="{D57F1E4F-1CFF-5643-939E-217C01CDF565}" type="slidenum">
               <a:rPr lang="en-US" smtClean="0"/>
               <a:pPr/>
-              <a:t>‹N›</a:t>
+              <a:t>‹N°›</a:t>
             </a:fld>
             <a:endParaRPr lang="en-US" dirty="0"/>
           </a:p>
@@ -7314,7 +7325,7 @@
             <a:fld id="{D57F1E4F-1CFF-5643-939E-217C01CDF565}" type="slidenum">
               <a:rPr lang="en-US" smtClean="0"/>
               <a:pPr/>
-              <a:t>‹N›</a:t>
+              <a:t>‹N°›</a:t>
             </a:fld>
             <a:endParaRPr lang="en-US" dirty="0"/>
           </a:p>
@@ -7573,7 +7584,7 @@
             <a:fld id="{D57F1E4F-1CFF-5643-939E-217C01CDF565}" type="slidenum">
               <a:rPr lang="en-US" smtClean="0"/>
               <a:pPr/>
-              <a:t>‹N›</a:t>
+              <a:t>‹N°›</a:t>
             </a:fld>
             <a:endParaRPr lang="en-US" dirty="0"/>
           </a:p>
@@ -8510,9 +8521,9 @@
                 <a:latin typeface="Gulim" panose="020B0600000101010101" pitchFamily="34" charset="-127"/>
                 <a:ea typeface="Gulim" panose="020B0600000101010101" pitchFamily="34" charset="-127"/>
               </a:rPr>
-              <a:t>(1) lignes noires</a:t>
-            </a:r>
-            <a:endParaRPr lang="fr-CH" sz="2800" dirty="0">
+              <a:t>(2) lignes blanches</a:t>
+            </a:r>
+            <a:endParaRPr lang="fr-CH" sz="3600" dirty="0">
               <a:latin typeface="Gulim" panose="020B0600000101010101" pitchFamily="34" charset="-127"/>
               <a:ea typeface="Gulim" panose="020B0600000101010101" pitchFamily="34" charset="-127"/>
             </a:endParaRPr>
@@ -8521,43 +8532,6 @@
       </p:sp>
       <p:sp>
         <p:nvSpPr>
-          <p:cNvPr id="3" name="Espace réservé du contenu 2"/>
-          <p:cNvSpPr>
-            <a:spLocks noGrp="1"/>
-          </p:cNvSpPr>
-          <p:nvPr>
-            <p:ph idx="1"/>
-          </p:nvPr>
-        </p:nvSpPr>
-        <p:spPr>
-          <a:xfrm>
-            <a:off x="4855633" y="2260737"/>
-            <a:ext cx="6252633" cy="3600313"/>
-          </a:xfrm>
-        </p:spPr>
-        <p:txBody>
-          <a:bodyPr anchor="t" anchorCtr="0"/>
-          <a:lstStyle/>
-          <a:p>
-            <a:pPr marL="0" indent="0">
-              <a:buNone/>
-            </a:pPr>
-            <a:r>
-              <a:rPr lang="fr-CH" dirty="0" smtClean="0">
-                <a:latin typeface="Consolas" panose="020B0609020204030204" pitchFamily="49" charset="0"/>
-                <a:cs typeface="Consolas" panose="020B0609020204030204" pitchFamily="49" charset="0"/>
-              </a:rPr>
-              <a:t>Code ici</a:t>
-            </a:r>
-            <a:endParaRPr lang="fr-CH" dirty="0">
-              <a:latin typeface="Consolas" panose="020B0609020204030204" pitchFamily="49" charset="0"/>
-              <a:cs typeface="Consolas" panose="020B0609020204030204" pitchFamily="49" charset="0"/>
-            </a:endParaRPr>
-          </a:p>
-        </p:txBody>
-      </p:sp>
-      <p:sp>
-        <p:nvSpPr>
           <p:cNvPr id="4" name="Espace réservé du texte 3"/>
           <p:cNvSpPr>
             <a:spLocks noGrp="1"/>
@@ -8566,7 +8540,12 @@
             <p:ph type="body" sz="half" idx="2"/>
           </p:nvPr>
         </p:nvSpPr>
-        <p:spPr/>
+        <p:spPr>
+          <a:xfrm>
+            <a:off x="1073151" y="2260738"/>
+            <a:ext cx="3547534" cy="3600311"/>
+          </a:xfrm>
+        </p:spPr>
         <p:txBody>
           <a:bodyPr>
             <a:normAutofit/>
@@ -8577,6 +8556,38 @@
               <a:buFont typeface="Courier New" panose="02070309020205020404" pitchFamily="49" charset="0"/>
               <a:buChar char="o"/>
             </a:pPr>
+            <a:r>
+              <a:rPr lang="fr-CH" sz="1800" dirty="0" smtClean="0"/>
+              <a:t>Idée et code de l’assistant </a:t>
+            </a:r>
+            <a:r>
+              <a:rPr lang="fr-CH" sz="1600" dirty="0" smtClean="0"/>
+              <a:t>(merci beaucoup Hector ! </a:t>
+            </a:r>
+            <a:r>
+              <a:rPr lang="fr-CH" sz="1600" dirty="0" smtClean="0">
+                <a:sym typeface="Wingdings" panose="05000000000000000000" pitchFamily="2" charset="2"/>
+              </a:rPr>
+              <a:t></a:t>
+            </a:r>
+            <a:r>
+              <a:rPr lang="fr-CH" sz="1600" dirty="0" smtClean="0"/>
+              <a:t>) </a:t>
+            </a:r>
+          </a:p>
+          <a:p>
+            <a:pPr marL="285750" indent="-285750">
+              <a:buFont typeface="Courier New" panose="02070309020205020404" pitchFamily="49" charset="0"/>
+              <a:buChar char="o"/>
+            </a:pPr>
+            <a:r>
+              <a:rPr lang="fr-CH" sz="1800" dirty="0" err="1" smtClean="0"/>
+              <a:t>braitenbergLineFollower</a:t>
+            </a:r>
+            <a:r>
+              <a:rPr lang="fr-CH" sz="1800" dirty="0" smtClean="0"/>
+              <a:t>()</a:t>
+            </a:r>
             <a:endParaRPr lang="fr-CH" sz="1800" dirty="0"/>
           </a:p>
         </p:txBody>
@@ -8990,10 +9001,44 @@
           </a:p>
         </p:txBody>
       </p:sp>
+      <p:sp>
+        <p:nvSpPr>
+          <p:cNvPr id="7" name="Segnaposto contenuto 6"/>
+          <p:cNvSpPr>
+            <a:spLocks noGrp="1"/>
+          </p:cNvSpPr>
+          <p:nvPr>
+            <p:ph idx="1"/>
+          </p:nvPr>
+        </p:nvSpPr>
+        <p:spPr/>
+        <p:txBody>
+          <a:bodyPr/>
+          <a:lstStyle/>
+          <a:p>
+            <a:pPr marL="0" indent="0">
+              <a:buNone/>
+            </a:pPr>
+            <a:r>
+              <a:rPr lang="fr-CH" dirty="0">
+                <a:latin typeface="Consolas" panose="020B0609020204030204" pitchFamily="49" charset="0"/>
+                <a:cs typeface="Consolas" panose="020B0609020204030204" pitchFamily="49" charset="0"/>
+              </a:rPr>
+              <a:t>Code ici</a:t>
+            </a:r>
+          </a:p>
+          <a:p>
+            <a:pPr marL="0" indent="0">
+              <a:buNone/>
+            </a:pPr>
+            <a:endParaRPr lang="fr-CH" dirty="0"/>
+          </a:p>
+        </p:txBody>
+      </p:sp>
     </p:spTree>
     <p:extLst>
       <p:ext uri="{BB962C8B-B14F-4D97-AF65-F5344CB8AC3E}">
-        <p14:creationId xmlns:p14="http://schemas.microsoft.com/office/powerpoint/2010/main" val="1449560542"/>
+        <p14:creationId xmlns:p14="http://schemas.microsoft.com/office/powerpoint/2010/main" val="2467984762"/>
       </p:ext>
     </p:extLst>
   </p:cSld>
@@ -9041,25 +9086,11 @@
           <a:lstStyle/>
           <a:p>
             <a:r>
-              <a:rPr lang="fr-CH" sz="3600" dirty="0">
-                <a:latin typeface="Gulim" panose="020B0600000101010101" pitchFamily="34" charset="-127"/>
-                <a:ea typeface="Gulim" panose="020B0600000101010101" pitchFamily="34" charset="-127"/>
-              </a:rPr>
-              <a:t>Suivi de </a:t>
-            </a:r>
-            <a:r>
               <a:rPr lang="fr-CH" sz="3600" dirty="0" smtClean="0">
                 <a:latin typeface="Gulim" panose="020B0600000101010101" pitchFamily="34" charset="-127"/>
                 <a:ea typeface="Gulim" panose="020B0600000101010101" pitchFamily="34" charset="-127"/>
               </a:rPr>
-              <a:t>ligne </a:t>
-            </a:r>
-            <a:r>
-              <a:rPr lang="fr-CH" sz="2400" dirty="0" smtClean="0">
-                <a:latin typeface="Gulim" panose="020B0600000101010101" pitchFamily="34" charset="-127"/>
-                <a:ea typeface="Gulim" panose="020B0600000101010101" pitchFamily="34" charset="-127"/>
-              </a:rPr>
-              <a:t>(2) lignes blanches</a:t>
+              <a:t>Rechargement</a:t>
             </a:r>
             <a:endParaRPr lang="fr-CH" sz="3600" dirty="0">
               <a:latin typeface="Gulim" panose="020B0600000101010101" pitchFamily="34" charset="-127"/>
@@ -9080,8 +9111,8 @@
         </p:nvSpPr>
         <p:spPr>
           <a:xfrm>
-            <a:off x="1073151" y="2260738"/>
-            <a:ext cx="5523592" cy="3600311"/>
+            <a:off x="1073151" y="1957590"/>
+            <a:ext cx="3547533" cy="3903460"/>
           </a:xfrm>
         </p:spPr>
         <p:txBody>
@@ -9096,23 +9127,12 @@
             </a:pPr>
             <a:r>
               <a:rPr lang="fr-CH" sz="1800" dirty="0" smtClean="0"/>
-              <a:t>Utilisation de l’idée (et du code) de l’assistant ( merci beaucoup Hector ;-) )</a:t>
-            </a:r>
-          </a:p>
-          <a:p>
-            <a:pPr marL="285750" indent="-285750">
-              <a:buFont typeface="Courier New" panose="02070309020205020404" pitchFamily="49" charset="0"/>
-              <a:buChar char="o"/>
-            </a:pPr>
-            <a:r>
-              <a:rPr lang="fr-CH" sz="1800" dirty="0" err="1" smtClean="0"/>
-              <a:t>braitenbergLineFollower</a:t>
+              <a:t>Logique </a:t>
             </a:r>
             <a:r>
               <a:rPr lang="fr-CH" sz="1800" dirty="0" smtClean="0"/>
-              <a:t>()</a:t>
-            </a:r>
-            <a:endParaRPr lang="fr-CH" sz="1800" dirty="0"/>
+              <a:t>du rechargement</a:t>
+            </a:r>
           </a:p>
         </p:txBody>
       </p:sp>
@@ -9525,35 +9545,77 @@
           </a:p>
         </p:txBody>
       </p:sp>
-      <p:sp>
-        <p:nvSpPr>
-          <p:cNvPr id="7" name="Segnaposto contenuto 6"/>
-          <p:cNvSpPr>
-            <a:spLocks noGrp="1"/>
-          </p:cNvSpPr>
-          <p:nvPr>
-            <p:ph idx="1"/>
-          </p:nvPr>
-        </p:nvSpPr>
-        <p:spPr/>
-        <p:txBody>
-          <a:bodyPr/>
-          <a:lstStyle/>
-          <a:p>
-            <a:endParaRPr lang="fr-CH" dirty="0"/>
-          </a:p>
-        </p:txBody>
-      </p:sp>
+      <p:pic>
+        <p:nvPicPr>
+          <p:cNvPr id="7170" name="Picture 2"/>
+          <p:cNvPicPr>
+            <a:picLocks noChangeAspect="1" noChangeArrowheads="1"/>
+          </p:cNvPicPr>
+          <p:nvPr/>
+        </p:nvPicPr>
+        <p:blipFill rotWithShape="1">
+          <a:blip r:embed="rId4">
+            <a:extLst>
+              <a:ext uri="{28A0092B-C50C-407E-A947-70E740481C1C}">
+                <a14:useLocalDpi xmlns:a14="http://schemas.microsoft.com/office/drawing/2010/main" val="0"/>
+              </a:ext>
+            </a:extLst>
+          </a:blip>
+          <a:srcRect l="5315" r="6480"/>
+          <a:stretch/>
+        </p:blipFill>
+        <p:spPr bwMode="auto">
+          <a:xfrm>
+            <a:off x="4932682" y="1019767"/>
+            <a:ext cx="5964728" cy="4841283"/>
+          </a:xfrm>
+          <a:prstGeom prst="round2DiagRect">
+            <a:avLst>
+              <a:gd name="adj1" fmla="val 16667"/>
+              <a:gd name="adj2" fmla="val 0"/>
+            </a:avLst>
+          </a:prstGeom>
+          <a:ln w="88900" cap="sq">
+            <a:solidFill>
+              <a:srgbClr val="FFFFFF"/>
+            </a:solidFill>
+            <a:miter lim="800000"/>
+          </a:ln>
+          <a:effectLst>
+            <a:outerShdw blurRad="254000" algn="tl" rotWithShape="0">
+              <a:srgbClr val="000000">
+                <a:alpha val="43000"/>
+              </a:srgbClr>
+            </a:outerShdw>
+          </a:effectLst>
+          <a:extLst>
+            <a:ext uri="{909E8E84-426E-40DD-AFC4-6F175D3DCCD1}">
+              <a14:hiddenFill xmlns:a14="http://schemas.microsoft.com/office/drawing/2010/main">
+                <a:solidFill>
+                  <a:schemeClr val="accent1"/>
+                </a:solidFill>
+              </a14:hiddenFill>
+            </a:ext>
+          </a:extLst>
+        </p:spPr>
+      </p:pic>
     </p:spTree>
     <p:extLst>
       <p:ext uri="{BB962C8B-B14F-4D97-AF65-F5344CB8AC3E}">
-        <p14:creationId xmlns:p14="http://schemas.microsoft.com/office/powerpoint/2010/main" val="2467984762"/>
+        <p14:creationId xmlns:p14="http://schemas.microsoft.com/office/powerpoint/2010/main" val="1059274987"/>
       </p:ext>
     </p:extLst>
   </p:cSld>
   <p:clrMapOvr>
     <a:masterClrMapping/>
   </p:clrMapOvr>
+  <p:timing>
+    <p:tnLst>
+      <p:par>
+        <p:cTn id="1" dur="indefinite" restart="never" nodeType="tmRoot"/>
+      </p:par>
+    </p:tnLst>
+  </p:timing>
 </p:sld>
 </file>
 
@@ -9610,36 +9672,6 @@
       </p:sp>
       <p:sp>
         <p:nvSpPr>
-          <p:cNvPr id="3" name="Espace réservé du contenu 2"/>
-          <p:cNvSpPr>
-            <a:spLocks noGrp="1"/>
-          </p:cNvSpPr>
-          <p:nvPr>
-            <p:ph idx="1"/>
-          </p:nvPr>
-        </p:nvSpPr>
-        <p:spPr>
-          <a:xfrm>
-            <a:off x="4855633" y="2260737"/>
-            <a:ext cx="6252633" cy="3600313"/>
-          </a:xfrm>
-        </p:spPr>
-        <p:txBody>
-          <a:bodyPr anchor="t" anchorCtr="0"/>
-          <a:lstStyle/>
-          <a:p>
-            <a:pPr marL="0" indent="0">
-              <a:buNone/>
-            </a:pPr>
-            <a:endParaRPr lang="fr-CH" dirty="0">
-              <a:latin typeface="Consolas" panose="020B0609020204030204" pitchFamily="49" charset="0"/>
-              <a:cs typeface="Consolas" panose="020B0609020204030204" pitchFamily="49" charset="0"/>
-            </a:endParaRPr>
-          </a:p>
-        </p:txBody>
-      </p:sp>
-      <p:sp>
-        <p:nvSpPr>
           <p:cNvPr id="4" name="Espace réservé du texte 3"/>
           <p:cNvSpPr>
             <a:spLocks noGrp="1"/>
@@ -9648,7 +9680,12 @@
             <p:ph type="body" sz="half" idx="2"/>
           </p:nvPr>
         </p:nvSpPr>
-        <p:spPr/>
+        <p:spPr>
+          <a:xfrm>
+            <a:off x="1073152" y="2260738"/>
+            <a:ext cx="3225894" cy="3600311"/>
+          </a:xfrm>
+        </p:spPr>
         <p:txBody>
           <a:bodyPr>
             <a:normAutofit/>
@@ -9661,7 +9698,15 @@
             </a:pPr>
             <a:r>
               <a:rPr lang="fr-CH" sz="1800" dirty="0" smtClean="0"/>
-              <a:t>La logique du rechargement</a:t>
+              <a:t>Contrôle du contact </a:t>
+            </a:r>
+            <a:r>
+              <a:rPr lang="fr-CH" sz="1800" dirty="0" smtClean="0"/>
+              <a:t>avec </a:t>
+            </a:r>
+            <a:r>
+              <a:rPr lang="fr-CH" sz="1800" dirty="0" smtClean="0"/>
+              <a:t>le chargeur</a:t>
             </a:r>
           </a:p>
         </p:txBody>
@@ -10077,13 +10122,13 @@
       </p:sp>
       <p:pic>
         <p:nvPicPr>
-          <p:cNvPr id="7170" name="Picture 2"/>
+          <p:cNvPr id="8194" name="Picture 2"/>
           <p:cNvPicPr>
             <a:picLocks noChangeAspect="1" noChangeArrowheads="1"/>
           </p:cNvPicPr>
           <p:nvPr/>
         </p:nvPicPr>
-        <p:blipFill rotWithShape="1">
+        <p:blipFill>
           <a:blip r:embed="rId4">
             <a:extLst>
               <a:ext uri="{28A0092B-C50C-407E-A947-70E740481C1C}">
@@ -10091,13 +10136,15 @@
               </a:ext>
             </a:extLst>
           </a:blip>
-          <a:srcRect l="5315" r="6480"/>
-          <a:stretch/>
+          <a:srcRect/>
+          <a:stretch>
+            <a:fillRect/>
+          </a:stretch>
         </p:blipFill>
         <p:spPr bwMode="auto">
           <a:xfrm>
-            <a:off x="4887686" y="1209594"/>
-            <a:ext cx="6172200" cy="4841283"/>
+            <a:off x="5162542" y="1633990"/>
+            <a:ext cx="5505007" cy="4227059"/>
           </a:xfrm>
           <a:prstGeom prst="round2DiagRect">
             <a:avLst>
@@ -10126,23 +10173,13 @@
                 </a:solidFill>
               </a14:hiddenFill>
             </a:ext>
-            <a:ext uri="{91240B29-F687-4F45-9708-019B960494DF}">
-              <a14:hiddenLine xmlns:a14="http://schemas.microsoft.com/office/drawing/2010/main" w="9525">
-                <a:solidFill>
-                  <a:schemeClr val="tx1"/>
-                </a:solidFill>
-                <a:miter lim="800000"/>
-                <a:headEnd/>
-                <a:tailEnd/>
-              </a14:hiddenLine>
-            </a:ext>
           </a:extLst>
         </p:spPr>
       </p:pic>
     </p:spTree>
     <p:extLst>
       <p:ext uri="{BB962C8B-B14F-4D97-AF65-F5344CB8AC3E}">
-        <p14:creationId xmlns:p14="http://schemas.microsoft.com/office/powerpoint/2010/main" val="1059274987"/>
+        <p14:creationId xmlns:p14="http://schemas.microsoft.com/office/powerpoint/2010/main" val="3301150605"/>
       </p:ext>
     </p:extLst>
   </p:cSld>
@@ -10206,641 +10243,6 @@
             <a:endParaRPr lang="fr-CH" sz="3600" dirty="0">
               <a:latin typeface="Gulim" panose="020B0600000101010101" pitchFamily="34" charset="-127"/>
               <a:ea typeface="Gulim" panose="020B0600000101010101" pitchFamily="34" charset="-127"/>
-            </a:endParaRPr>
-          </a:p>
-        </p:txBody>
-      </p:sp>
-      <p:sp>
-        <p:nvSpPr>
-          <p:cNvPr id="3" name="Espace réservé du contenu 2"/>
-          <p:cNvSpPr>
-            <a:spLocks noGrp="1"/>
-          </p:cNvSpPr>
-          <p:nvPr>
-            <p:ph idx="1"/>
-          </p:nvPr>
-        </p:nvSpPr>
-        <p:spPr>
-          <a:xfrm>
-            <a:off x="4855633" y="2260737"/>
-            <a:ext cx="6252633" cy="3600313"/>
-          </a:xfrm>
-        </p:spPr>
-        <p:txBody>
-          <a:bodyPr anchor="t" anchorCtr="0"/>
-          <a:lstStyle/>
-          <a:p>
-            <a:pPr marL="0" indent="0">
-              <a:buNone/>
-            </a:pPr>
-            <a:endParaRPr lang="fr-CH" dirty="0">
-              <a:latin typeface="Consolas" panose="020B0609020204030204" pitchFamily="49" charset="0"/>
-              <a:cs typeface="Consolas" panose="020B0609020204030204" pitchFamily="49" charset="0"/>
-            </a:endParaRPr>
-          </a:p>
-        </p:txBody>
-      </p:sp>
-      <p:sp>
-        <p:nvSpPr>
-          <p:cNvPr id="4" name="Espace réservé du texte 3"/>
-          <p:cNvSpPr>
-            <a:spLocks noGrp="1"/>
-          </p:cNvSpPr>
-          <p:nvPr>
-            <p:ph type="body" sz="half" idx="2"/>
-          </p:nvPr>
-        </p:nvSpPr>
-        <p:spPr/>
-        <p:txBody>
-          <a:bodyPr>
-            <a:normAutofit/>
-          </a:bodyPr>
-          <a:lstStyle/>
-          <a:p>
-            <a:pPr marL="285750" indent="-285750">
-              <a:buFont typeface="Courier New" panose="02070309020205020404" pitchFamily="49" charset="0"/>
-              <a:buChar char="o"/>
-            </a:pPr>
-            <a:r>
-              <a:rPr lang="fr-CH" sz="1800" dirty="0" smtClean="0"/>
-              <a:t>Contrôle du contact avec le chargeur</a:t>
-            </a:r>
-            <a:endParaRPr lang="fr-CH" sz="1800" dirty="0" smtClean="0"/>
-          </a:p>
-        </p:txBody>
-      </p:sp>
-      <p:pic>
-        <p:nvPicPr>
-          <p:cNvPr id="5" name="Image 4"/>
-          <p:cNvPicPr>
-            <a:picLocks noChangeAspect="1"/>
-          </p:cNvPicPr>
-          <p:nvPr/>
-        </p:nvPicPr>
-        <p:blipFill>
-          <a:blip r:embed="rId3">
-            <a:extLst>
-              <a:ext uri="{28A0092B-C50C-407E-A947-70E740481C1C}">
-                <a14:useLocalDpi xmlns:a14="http://schemas.microsoft.com/office/drawing/2010/main" val="0"/>
-              </a:ext>
-            </a:extLst>
-          </a:blip>
-          <a:stretch>
-            <a:fillRect/>
-          </a:stretch>
-        </p:blipFill>
-        <p:spPr>
-          <a:xfrm>
-            <a:off x="11209408" y="2354284"/>
-            <a:ext cx="501676" cy="1041454"/>
-          </a:xfrm>
-          <a:prstGeom prst="rect">
-            <a:avLst/>
-          </a:prstGeom>
-        </p:spPr>
-      </p:pic>
-      <p:sp>
-        <p:nvSpPr>
-          <p:cNvPr id="6" name="Sous-titre 2"/>
-          <p:cNvSpPr txBox="1">
-            <a:spLocks/>
-          </p:cNvSpPr>
-          <p:nvPr/>
-        </p:nvSpPr>
-        <p:spPr>
-          <a:xfrm>
-            <a:off x="810001" y="6050877"/>
-            <a:ext cx="10572000" cy="434974"/>
-          </a:xfrm>
-          <a:prstGeom prst="rect">
-            <a:avLst/>
-          </a:prstGeom>
-          <a:effectLst>
-            <a:outerShdw blurRad="50800" dir="14400000">
-              <a:srgbClr val="000000">
-                <a:alpha val="40000"/>
-              </a:srgbClr>
-            </a:outerShdw>
-          </a:effectLst>
-        </p:spPr>
-        <p:txBody>
-          <a:bodyPr vert="horz" lIns="91440" tIns="45720" rIns="91440" bIns="45720" rtlCol="0" anchor="t">
-            <a:normAutofit/>
-          </a:bodyPr>
-          <a:lstStyle>
-            <a:lvl1pPr marL="0" indent="0" algn="l" defTabSz="457200" rtl="0" eaLnBrk="1" latinLnBrk="0" hangingPunct="1">
-              <a:spcBef>
-                <a:spcPct val="20000"/>
-              </a:spcBef>
-              <a:spcAft>
-                <a:spcPts val="600"/>
-              </a:spcAft>
-              <a:buClr>
-                <a:schemeClr val="accent1"/>
-              </a:buClr>
-              <a:buFont typeface="Wingdings 2" charset="2"/>
-              <a:buNone/>
-              <a:defRPr sz="1800" kern="1200">
-                <a:solidFill>
-                  <a:schemeClr val="tx1"/>
-                </a:solidFill>
-                <a:latin typeface="+mn-lt"/>
-                <a:ea typeface="+mn-ea"/>
-                <a:cs typeface="+mn-cs"/>
-              </a:defRPr>
-            </a:lvl1pPr>
-            <a:lvl2pPr marL="457200" indent="0" algn="ctr" defTabSz="457200" rtl="0" eaLnBrk="1" latinLnBrk="0" hangingPunct="1">
-              <a:spcBef>
-                <a:spcPct val="20000"/>
-              </a:spcBef>
-              <a:spcAft>
-                <a:spcPts val="600"/>
-              </a:spcAft>
-              <a:buClr>
-                <a:schemeClr val="accent1"/>
-              </a:buClr>
-              <a:buFont typeface="Wingdings 2" charset="2"/>
-              <a:buNone/>
-              <a:defRPr sz="1600" kern="1200">
-                <a:solidFill>
-                  <a:schemeClr val="tx1">
-                    <a:tint val="75000"/>
-                  </a:schemeClr>
-                </a:solidFill>
-                <a:latin typeface="+mn-lt"/>
-                <a:ea typeface="+mn-ea"/>
-                <a:cs typeface="+mn-cs"/>
-              </a:defRPr>
-            </a:lvl2pPr>
-            <a:lvl3pPr marL="914400" indent="0" algn="ctr" defTabSz="457200" rtl="0" eaLnBrk="1" latinLnBrk="0" hangingPunct="1">
-              <a:spcBef>
-                <a:spcPct val="20000"/>
-              </a:spcBef>
-              <a:spcAft>
-                <a:spcPts val="600"/>
-              </a:spcAft>
-              <a:buClr>
-                <a:schemeClr val="accent1"/>
-              </a:buClr>
-              <a:buFont typeface="Wingdings 2" charset="2"/>
-              <a:buNone/>
-              <a:defRPr sz="1400" kern="1200">
-                <a:solidFill>
-                  <a:schemeClr val="tx1">
-                    <a:tint val="75000"/>
-                  </a:schemeClr>
-                </a:solidFill>
-                <a:latin typeface="+mn-lt"/>
-                <a:ea typeface="+mn-ea"/>
-                <a:cs typeface="+mn-cs"/>
-              </a:defRPr>
-            </a:lvl3pPr>
-            <a:lvl4pPr marL="1371600" indent="0" algn="ctr" defTabSz="457200" rtl="0" eaLnBrk="1" latinLnBrk="0" hangingPunct="1">
-              <a:spcBef>
-                <a:spcPct val="20000"/>
-              </a:spcBef>
-              <a:spcAft>
-                <a:spcPts val="600"/>
-              </a:spcAft>
-              <a:buClr>
-                <a:schemeClr val="accent1"/>
-              </a:buClr>
-              <a:buFont typeface="Wingdings 2" charset="2"/>
-              <a:buNone/>
-              <a:defRPr sz="1200" kern="1200">
-                <a:solidFill>
-                  <a:schemeClr val="tx1">
-                    <a:tint val="75000"/>
-                  </a:schemeClr>
-                </a:solidFill>
-                <a:latin typeface="+mn-lt"/>
-                <a:ea typeface="+mn-ea"/>
-                <a:cs typeface="+mn-cs"/>
-              </a:defRPr>
-            </a:lvl4pPr>
-            <a:lvl5pPr marL="1828800" indent="0" algn="ctr" defTabSz="457200" rtl="0" eaLnBrk="1" latinLnBrk="0" hangingPunct="1">
-              <a:spcBef>
-                <a:spcPct val="20000"/>
-              </a:spcBef>
-              <a:spcAft>
-                <a:spcPts val="600"/>
-              </a:spcAft>
-              <a:buClr>
-                <a:schemeClr val="accent1"/>
-              </a:buClr>
-              <a:buFont typeface="Wingdings 2" charset="2"/>
-              <a:buNone/>
-              <a:defRPr sz="1200" kern="1200">
-                <a:solidFill>
-                  <a:schemeClr val="tx1">
-                    <a:tint val="75000"/>
-                  </a:schemeClr>
-                </a:solidFill>
-                <a:latin typeface="+mn-lt"/>
-                <a:ea typeface="+mn-ea"/>
-                <a:cs typeface="+mn-cs"/>
-              </a:defRPr>
-            </a:lvl5pPr>
-            <a:lvl6pPr marL="2286000" indent="0" algn="ctr" defTabSz="457200" rtl="0" eaLnBrk="1" latinLnBrk="0" hangingPunct="1">
-              <a:spcBef>
-                <a:spcPct val="20000"/>
-              </a:spcBef>
-              <a:spcAft>
-                <a:spcPts val="600"/>
-              </a:spcAft>
-              <a:buClr>
-                <a:schemeClr val="accent1"/>
-              </a:buClr>
-              <a:buFont typeface="Wingdings 2" charset="2"/>
-              <a:buNone/>
-              <a:defRPr sz="1200" kern="1200">
-                <a:solidFill>
-                  <a:schemeClr val="tx1">
-                    <a:tint val="75000"/>
-                  </a:schemeClr>
-                </a:solidFill>
-                <a:latin typeface="+mn-lt"/>
-                <a:ea typeface="+mn-ea"/>
-                <a:cs typeface="+mn-cs"/>
-              </a:defRPr>
-            </a:lvl6pPr>
-            <a:lvl7pPr marL="2743200" indent="0" algn="ctr" defTabSz="457200" rtl="0" eaLnBrk="1" latinLnBrk="0" hangingPunct="1">
-              <a:spcBef>
-                <a:spcPct val="20000"/>
-              </a:spcBef>
-              <a:spcAft>
-                <a:spcPts val="600"/>
-              </a:spcAft>
-              <a:buClr>
-                <a:schemeClr val="accent1"/>
-              </a:buClr>
-              <a:buFont typeface="Wingdings 2" charset="2"/>
-              <a:buNone/>
-              <a:defRPr sz="1200" kern="1200">
-                <a:solidFill>
-                  <a:schemeClr val="tx1">
-                    <a:tint val="75000"/>
-                  </a:schemeClr>
-                </a:solidFill>
-                <a:latin typeface="+mn-lt"/>
-                <a:ea typeface="+mn-ea"/>
-                <a:cs typeface="+mn-cs"/>
-              </a:defRPr>
-            </a:lvl7pPr>
-            <a:lvl8pPr marL="3200400" indent="0" algn="ctr" defTabSz="457200" rtl="0" eaLnBrk="1" latinLnBrk="0" hangingPunct="1">
-              <a:spcBef>
-                <a:spcPct val="20000"/>
-              </a:spcBef>
-              <a:spcAft>
-                <a:spcPts val="600"/>
-              </a:spcAft>
-              <a:buClr>
-                <a:schemeClr val="accent1"/>
-              </a:buClr>
-              <a:buFont typeface="Wingdings 2" charset="2"/>
-              <a:buNone/>
-              <a:defRPr sz="1200" kern="1200">
-                <a:solidFill>
-                  <a:schemeClr val="tx1">
-                    <a:tint val="75000"/>
-                  </a:schemeClr>
-                </a:solidFill>
-                <a:latin typeface="+mn-lt"/>
-                <a:ea typeface="+mn-ea"/>
-                <a:cs typeface="+mn-cs"/>
-              </a:defRPr>
-            </a:lvl8pPr>
-            <a:lvl9pPr marL="3657600" indent="0" algn="ctr" defTabSz="457200" rtl="0" eaLnBrk="1" latinLnBrk="0" hangingPunct="1">
-              <a:spcBef>
-                <a:spcPct val="20000"/>
-              </a:spcBef>
-              <a:spcAft>
-                <a:spcPts val="600"/>
-              </a:spcAft>
-              <a:buClr>
-                <a:schemeClr val="accent1"/>
-              </a:buClr>
-              <a:buFont typeface="Wingdings 2" charset="2"/>
-              <a:buNone/>
-              <a:defRPr sz="1200" kern="1200">
-                <a:solidFill>
-                  <a:schemeClr val="tx1">
-                    <a:tint val="75000"/>
-                  </a:schemeClr>
-                </a:solidFill>
-                <a:latin typeface="+mn-lt"/>
-                <a:ea typeface="+mn-ea"/>
-                <a:cs typeface="+mn-cs"/>
-              </a:defRPr>
-            </a:lvl9pPr>
-          </a:lstStyle>
-          <a:p>
-            <a:r>
-              <a:rPr lang="fr-CH" sz="1500" dirty="0" smtClean="0">
-                <a:solidFill>
-                  <a:schemeClr val="bg2">
-                    <a:lumMod val="50000"/>
-                    <a:lumOff val="50000"/>
-                  </a:schemeClr>
-                </a:solidFill>
-                <a:latin typeface="Gulim" panose="020B0600000101010101" pitchFamily="34" charset="-127"/>
-                <a:ea typeface="Gulim" panose="020B0600000101010101" pitchFamily="34" charset="-127"/>
-              </a:rPr>
-              <a:t>A. </a:t>
-            </a:r>
-            <a:r>
-              <a:rPr lang="fr-CH" sz="1500" dirty="0" err="1" smtClean="0">
-                <a:solidFill>
-                  <a:schemeClr val="bg2">
-                    <a:lumMod val="50000"/>
-                    <a:lumOff val="50000"/>
-                  </a:schemeClr>
-                </a:solidFill>
-                <a:latin typeface="Gulim" panose="020B0600000101010101" pitchFamily="34" charset="-127"/>
-                <a:ea typeface="Gulim" panose="020B0600000101010101" pitchFamily="34" charset="-127"/>
-              </a:rPr>
-              <a:t>Desclouds</a:t>
-            </a:r>
-            <a:r>
-              <a:rPr lang="fr-CH" sz="1500" dirty="0" smtClean="0">
-                <a:solidFill>
-                  <a:schemeClr val="bg2">
-                    <a:lumMod val="50000"/>
-                    <a:lumOff val="50000"/>
-                  </a:schemeClr>
-                </a:solidFill>
-                <a:latin typeface="Gulim" panose="020B0600000101010101" pitchFamily="34" charset="-127"/>
-                <a:ea typeface="Gulim" panose="020B0600000101010101" pitchFamily="34" charset="-127"/>
-              </a:rPr>
-              <a:t>, </a:t>
-            </a:r>
-            <a:r>
-              <a:rPr lang="fr-CH" sz="1500" dirty="0" err="1" smtClean="0">
-                <a:solidFill>
-                  <a:schemeClr val="bg2">
-                    <a:lumMod val="50000"/>
-                    <a:lumOff val="50000"/>
-                  </a:schemeClr>
-                </a:solidFill>
-                <a:latin typeface="Gulim" panose="020B0600000101010101" pitchFamily="34" charset="-127"/>
-                <a:ea typeface="Gulim" panose="020B0600000101010101" pitchFamily="34" charset="-127"/>
-              </a:rPr>
-              <a:t>A.Hug</a:t>
-            </a:r>
-            <a:r>
-              <a:rPr lang="fr-CH" sz="1500" dirty="0" smtClean="0">
-                <a:solidFill>
-                  <a:schemeClr val="bg2">
-                    <a:lumMod val="50000"/>
-                    <a:lumOff val="50000"/>
-                  </a:schemeClr>
-                </a:solidFill>
-                <a:latin typeface="Gulim" panose="020B0600000101010101" pitchFamily="34" charset="-127"/>
-                <a:ea typeface="Gulim" panose="020B0600000101010101" pitchFamily="34" charset="-127"/>
-              </a:rPr>
-              <a:t>, S. </a:t>
-            </a:r>
-            <a:r>
-              <a:rPr lang="fr-CH" sz="1500" dirty="0" err="1" smtClean="0">
-                <a:solidFill>
-                  <a:schemeClr val="bg2">
-                    <a:lumMod val="50000"/>
-                    <a:lumOff val="50000"/>
-                  </a:schemeClr>
-                </a:solidFill>
-                <a:latin typeface="Gulim" panose="020B0600000101010101" pitchFamily="34" charset="-127"/>
-                <a:ea typeface="Gulim" panose="020B0600000101010101" pitchFamily="34" charset="-127"/>
-              </a:rPr>
-              <a:t>Righitto</a:t>
-            </a:r>
-            <a:r>
-              <a:rPr lang="fr-CH" sz="1500" dirty="0" smtClean="0">
-                <a:solidFill>
-                  <a:schemeClr val="bg2">
-                    <a:lumMod val="50000"/>
-                    <a:lumOff val="50000"/>
-                  </a:schemeClr>
-                </a:solidFill>
-                <a:latin typeface="Gulim" panose="020B0600000101010101" pitchFamily="34" charset="-127"/>
-                <a:ea typeface="Gulim" panose="020B0600000101010101" pitchFamily="34" charset="-127"/>
-              </a:rPr>
-              <a:t>, F. </a:t>
-            </a:r>
-            <a:r>
-              <a:rPr lang="fr-CH" sz="1500" dirty="0" err="1" smtClean="0">
-                <a:solidFill>
-                  <a:schemeClr val="bg2">
-                    <a:lumMod val="50000"/>
-                    <a:lumOff val="50000"/>
-                  </a:schemeClr>
-                </a:solidFill>
-                <a:latin typeface="Gulim" panose="020B0600000101010101" pitchFamily="34" charset="-127"/>
-                <a:ea typeface="Gulim" panose="020B0600000101010101" pitchFamily="34" charset="-127"/>
-              </a:rPr>
-              <a:t>Saam</a:t>
-            </a:r>
-            <a:r>
-              <a:rPr lang="fr-CH" sz="1500" dirty="0" smtClean="0">
-                <a:solidFill>
-                  <a:schemeClr val="bg2">
-                    <a:lumMod val="50000"/>
-                    <a:lumOff val="50000"/>
-                  </a:schemeClr>
-                </a:solidFill>
-                <a:latin typeface="Gulim" panose="020B0600000101010101" pitchFamily="34" charset="-127"/>
-                <a:ea typeface="Gulim" panose="020B0600000101010101" pitchFamily="34" charset="-127"/>
-              </a:rPr>
-              <a:t>	</a:t>
-            </a:r>
-            <a:r>
-              <a:rPr lang="fr-CH" sz="1600" dirty="0" smtClean="0">
-                <a:solidFill>
-                  <a:schemeClr val="bg2">
-                    <a:lumMod val="50000"/>
-                    <a:lumOff val="50000"/>
-                  </a:schemeClr>
-                </a:solidFill>
-                <a:latin typeface="Gulim" panose="020B0600000101010101" pitchFamily="34" charset="-127"/>
-                <a:ea typeface="Gulim" panose="020B0600000101010101" pitchFamily="34" charset="-127"/>
-              </a:rPr>
-              <a:t>											</a:t>
-            </a:r>
-            <a:endParaRPr lang="fr-CH" sz="1600" dirty="0">
-              <a:solidFill>
-                <a:schemeClr val="bg2">
-                  <a:lumMod val="50000"/>
-                  <a:lumOff val="50000"/>
-                </a:schemeClr>
-              </a:solidFill>
-              <a:latin typeface="Gulim" panose="020B0600000101010101" pitchFamily="34" charset="-127"/>
-              <a:ea typeface="Gulim" panose="020B0600000101010101" pitchFamily="34" charset="-127"/>
-            </a:endParaRPr>
-          </a:p>
-        </p:txBody>
-      </p:sp>
-      <p:pic>
-        <p:nvPicPr>
-          <p:cNvPr id="8194" name="Picture 2"/>
-          <p:cNvPicPr>
-            <a:picLocks noChangeAspect="1" noChangeArrowheads="1"/>
-          </p:cNvPicPr>
-          <p:nvPr/>
-        </p:nvPicPr>
-        <p:blipFill>
-          <a:blip r:embed="rId4">
-            <a:extLst>
-              <a:ext uri="{28A0092B-C50C-407E-A947-70E740481C1C}">
-                <a14:useLocalDpi xmlns:a14="http://schemas.microsoft.com/office/drawing/2010/main" val="0"/>
-              </a:ext>
-            </a:extLst>
-          </a:blip>
-          <a:srcRect/>
-          <a:stretch>
-            <a:fillRect/>
-          </a:stretch>
-        </p:blipFill>
-        <p:spPr bwMode="auto">
-          <a:xfrm>
-            <a:off x="5099956" y="1823818"/>
-            <a:ext cx="5505007" cy="4227059"/>
-          </a:xfrm>
-          <a:prstGeom prst="round2DiagRect">
-            <a:avLst>
-              <a:gd name="adj1" fmla="val 16667"/>
-              <a:gd name="adj2" fmla="val 0"/>
-            </a:avLst>
-          </a:prstGeom>
-          <a:ln w="88900" cap="sq">
-            <a:solidFill>
-              <a:srgbClr val="FFFFFF"/>
-            </a:solidFill>
-            <a:miter lim="800000"/>
-          </a:ln>
-          <a:effectLst>
-            <a:outerShdw blurRad="254000" algn="tl" rotWithShape="0">
-              <a:srgbClr val="000000">
-                <a:alpha val="43000"/>
-              </a:srgbClr>
-            </a:outerShdw>
-          </a:effectLst>
-          <a:extLst>
-            <a:ext uri="{909E8E84-426E-40DD-AFC4-6F175D3DCCD1}">
-              <a14:hiddenFill xmlns:a14="http://schemas.microsoft.com/office/drawing/2010/main">
-                <a:solidFill>
-                  <a:schemeClr val="accent1"/>
-                </a:solidFill>
-              </a14:hiddenFill>
-            </a:ext>
-            <a:ext uri="{91240B29-F687-4F45-9708-019B960494DF}">
-              <a14:hiddenLine xmlns:a14="http://schemas.microsoft.com/office/drawing/2010/main" w="9525">
-                <a:solidFill>
-                  <a:schemeClr val="tx1"/>
-                </a:solidFill>
-                <a:miter lim="800000"/>
-                <a:headEnd/>
-                <a:tailEnd/>
-              </a14:hiddenLine>
-            </a:ext>
-          </a:extLst>
-        </p:spPr>
-      </p:pic>
-    </p:spTree>
-    <p:extLst>
-      <p:ext uri="{BB962C8B-B14F-4D97-AF65-F5344CB8AC3E}">
-        <p14:creationId xmlns:p14="http://schemas.microsoft.com/office/powerpoint/2010/main" val="3301150605"/>
-      </p:ext>
-    </p:extLst>
-  </p:cSld>
-  <p:clrMapOvr>
-    <a:masterClrMapping/>
-  </p:clrMapOvr>
-  <p:timing>
-    <p:tnLst>
-      <p:par>
-        <p:cTn id="1" dur="indefinite" restart="never" nodeType="tmRoot"/>
-      </p:par>
-    </p:tnLst>
-  </p:timing>
-</p:sld>
-</file>
-
-<file path=ppt/slides/slide14.xml><?xml version="1.0" encoding="utf-8"?>
-<p:sld xmlns:a="http://schemas.openxmlformats.org/drawingml/2006/main" xmlns:r="http://schemas.openxmlformats.org/officeDocument/2006/relationships" xmlns:p="http://schemas.openxmlformats.org/presentationml/2006/main">
-  <p:cSld>
-    <p:spTree>
-      <p:nvGrpSpPr>
-        <p:cNvPr id="1" name=""/>
-        <p:cNvGrpSpPr/>
-        <p:nvPr/>
-      </p:nvGrpSpPr>
-      <p:grpSpPr>
-        <a:xfrm>
-          <a:off x="0" y="0"/>
-          <a:ext cx="0" cy="0"/>
-          <a:chOff x="0" y="0"/>
-          <a:chExt cx="0" cy="0"/>
-        </a:xfrm>
-      </p:grpSpPr>
-      <p:sp>
-        <p:nvSpPr>
-          <p:cNvPr id="2" name="Titre 1"/>
-          <p:cNvSpPr>
-            <a:spLocks noGrp="1"/>
-          </p:cNvSpPr>
-          <p:nvPr>
-            <p:ph type="title"/>
-          </p:nvPr>
-        </p:nvSpPr>
-        <p:spPr>
-          <a:xfrm>
-            <a:off x="1249251" y="446088"/>
-            <a:ext cx="3371434" cy="1511501"/>
-          </a:xfrm>
-        </p:spPr>
-        <p:txBody>
-          <a:bodyPr/>
-          <a:lstStyle/>
-          <a:p>
-            <a:r>
-              <a:rPr lang="fr-CH" sz="3600" dirty="0" smtClean="0">
-                <a:latin typeface="Gulim" panose="020B0600000101010101" pitchFamily="34" charset="-127"/>
-                <a:ea typeface="Gulim" panose="020B0600000101010101" pitchFamily="34" charset="-127"/>
-              </a:rPr>
-              <a:t>Rechargement</a:t>
-            </a:r>
-            <a:endParaRPr lang="fr-CH" sz="3600" dirty="0">
-              <a:latin typeface="Gulim" panose="020B0600000101010101" pitchFamily="34" charset="-127"/>
-              <a:ea typeface="Gulim" panose="020B0600000101010101" pitchFamily="34" charset="-127"/>
-            </a:endParaRPr>
-          </a:p>
-        </p:txBody>
-      </p:sp>
-      <p:sp>
-        <p:nvSpPr>
-          <p:cNvPr id="3" name="Espace réservé du contenu 2"/>
-          <p:cNvSpPr>
-            <a:spLocks noGrp="1"/>
-          </p:cNvSpPr>
-          <p:nvPr>
-            <p:ph idx="1"/>
-          </p:nvPr>
-        </p:nvSpPr>
-        <p:spPr>
-          <a:xfrm>
-            <a:off x="4855633" y="2260737"/>
-            <a:ext cx="6252633" cy="3600313"/>
-          </a:xfrm>
-        </p:spPr>
-        <p:txBody>
-          <a:bodyPr anchor="t" anchorCtr="0"/>
-          <a:lstStyle/>
-          <a:p>
-            <a:pPr marL="0" indent="0">
-              <a:buNone/>
-            </a:pPr>
-            <a:endParaRPr lang="fr-CH" dirty="0">
-              <a:latin typeface="Consolas" panose="020B0609020204030204" pitchFamily="49" charset="0"/>
-              <a:cs typeface="Consolas" panose="020B0609020204030204" pitchFamily="49" charset="0"/>
             </a:endParaRPr>
           </a:p>
         </p:txBody>
@@ -11335,16 +10737,6 @@
                 </a:solidFill>
               </a14:hiddenFill>
             </a:ext>
-            <a:ext uri="{91240B29-F687-4F45-9708-019B960494DF}">
-              <a14:hiddenLine xmlns:a14="http://schemas.microsoft.com/office/drawing/2010/main" w="9525">
-                <a:solidFill>
-                  <a:schemeClr val="tx1"/>
-                </a:solidFill>
-                <a:miter lim="800000"/>
-                <a:headEnd/>
-                <a:tailEnd/>
-              </a14:hiddenLine>
-            </a:ext>
           </a:extLst>
         </p:spPr>
       </p:pic>
@@ -11368,7 +10760,7 @@
 </p:sld>
 </file>
 
-<file path=ppt/slides/slide15.xml><?xml version="1.0" encoding="utf-8"?>
+<file path=ppt/slides/slide14.xml><?xml version="1.0" encoding="utf-8"?>
 <p:sld xmlns:a="http://schemas.openxmlformats.org/drawingml/2006/main" xmlns:r="http://schemas.openxmlformats.org/officeDocument/2006/relationships" xmlns:p="http://schemas.openxmlformats.org/presentationml/2006/main">
   <p:cSld>
     <p:spTree>
@@ -11448,11 +10840,7 @@
           <a:p>
             <a:r>
               <a:rPr lang="fr-CH" dirty="0" smtClean="0"/>
-              <a:t>Fonction </a:t>
-            </a:r>
-            <a:r>
-              <a:rPr lang="fr-CH" dirty="0" smtClean="0"/>
-              <a:t>« </a:t>
+              <a:t>Fonction « </a:t>
             </a:r>
             <a:r>
               <a:rPr lang="fr-CH" dirty="0" err="1" smtClean="0"/>
@@ -11470,7 +10858,6 @@
               <a:rPr lang="fr-CH" dirty="0" smtClean="0"/>
               <a:t> »</a:t>
             </a:r>
-            <a:endParaRPr lang="fr-CH" dirty="0" smtClean="0"/>
           </a:p>
           <a:p>
             <a:r>
@@ -11495,7 +10882,6 @@
               <a:rPr lang="fr-CH" dirty="0" smtClean="0"/>
               <a:t>Détection d’obstacles </a:t>
             </a:r>
-            <a:endParaRPr lang="fr-CH" dirty="0" smtClean="0"/>
           </a:p>
         </p:txBody>
       </p:sp>
@@ -11901,7 +11287,7 @@
             <a:fld id="{D57F1E4F-1CFF-5643-939E-217C01CDF565}" type="slidenum">
               <a:rPr lang="en-US" smtClean="0"/>
               <a:pPr/>
-              <a:t>15</a:t>
+              <a:t>14</a:t>
             </a:fld>
             <a:endParaRPr lang="en-US" dirty="0"/>
           </a:p>
@@ -11957,7 +11343,7 @@
 </p:sld>
 </file>
 
-<file path=ppt/slides/slide16.xml><?xml version="1.0" encoding="utf-8"?>
+<file path=ppt/slides/slide15.xml><?xml version="1.0" encoding="utf-8"?>
 <p:sld xmlns:a="http://schemas.openxmlformats.org/drawingml/2006/main" xmlns:r="http://schemas.openxmlformats.org/officeDocument/2006/relationships" xmlns:p="http://schemas.openxmlformats.org/presentationml/2006/main">
   <p:cSld>
     <p:spTree>
@@ -12018,7 +11404,12 @@
             <p:ph type="body" sz="half" idx="2"/>
           </p:nvPr>
         </p:nvSpPr>
-        <p:spPr/>
+        <p:spPr>
+          <a:xfrm>
+            <a:off x="1073152" y="2260738"/>
+            <a:ext cx="3225894" cy="3600311"/>
+          </a:xfrm>
+        </p:spPr>
         <p:txBody>
           <a:bodyPr>
             <a:normAutofit/>
@@ -12031,15 +11422,11 @@
             </a:pPr>
             <a:r>
               <a:rPr lang="fr-CH" sz="1800" dirty="0" smtClean="0"/>
-              <a:t>Le choix </a:t>
-            </a:r>
-            <a:r>
-              <a:rPr lang="fr-CH" sz="1800" dirty="0" err="1" smtClean="0"/>
-              <a:t>random</a:t>
+              <a:t>Choix aléatoire d’une des </a:t>
             </a:r>
             <a:r>
               <a:rPr lang="fr-CH" sz="1800" dirty="0" smtClean="0"/>
-              <a:t> des 2 danses</a:t>
+              <a:t>2 danses</a:t>
             </a:r>
             <a:endParaRPr lang="fr-CH" sz="1800" dirty="0"/>
           </a:p>
@@ -12454,25 +11841,6 @@
           </a:p>
         </p:txBody>
       </p:sp>
-      <p:sp>
-        <p:nvSpPr>
-          <p:cNvPr id="7" name="Segnaposto contenuto 6"/>
-          <p:cNvSpPr>
-            <a:spLocks noGrp="1"/>
-          </p:cNvSpPr>
-          <p:nvPr>
-            <p:ph idx="1"/>
-          </p:nvPr>
-        </p:nvSpPr>
-        <p:spPr/>
-        <p:txBody>
-          <a:bodyPr/>
-          <a:lstStyle/>
-          <a:p>
-            <a:endParaRPr lang="fr-CH"/>
-          </a:p>
-        </p:txBody>
-      </p:sp>
       <p:pic>
         <p:nvPicPr>
           <p:cNvPr id="5122" name="Picture 2"/>
@@ -12496,8 +11864,8 @@
         </p:blipFill>
         <p:spPr bwMode="auto">
           <a:xfrm>
-            <a:off x="4786313" y="1980594"/>
-            <a:ext cx="6149636" cy="3908577"/>
+            <a:off x="5084410" y="2177822"/>
+            <a:ext cx="5795077" cy="3683227"/>
           </a:xfrm>
           <a:prstGeom prst="round2DiagRect">
             <a:avLst>
@@ -12526,15 +11894,574 @@
                 </a:solidFill>
               </a14:hiddenFill>
             </a:ext>
-            <a:ext uri="{91240B29-F687-4F45-9708-019B960494DF}">
-              <a14:hiddenLine xmlns:a14="http://schemas.microsoft.com/office/drawing/2010/main" w="9525">
+          </a:extLst>
+        </p:spPr>
+      </p:pic>
+    </p:spTree>
+    <p:extLst>
+      <p:ext uri="{BB962C8B-B14F-4D97-AF65-F5344CB8AC3E}">
+        <p14:creationId xmlns:p14="http://schemas.microsoft.com/office/powerpoint/2010/main" val="1617385428"/>
+      </p:ext>
+    </p:extLst>
+  </p:cSld>
+  <p:clrMapOvr>
+    <a:masterClrMapping/>
+  </p:clrMapOvr>
+  <p:timing>
+    <p:tnLst>
+      <p:par>
+        <p:cTn id="1" dur="indefinite" restart="never" nodeType="tmRoot"/>
+      </p:par>
+    </p:tnLst>
+  </p:timing>
+</p:sld>
+</file>
+
+<file path=ppt/slides/slide16.xml><?xml version="1.0" encoding="utf-8"?>
+<p:sld xmlns:a="http://schemas.openxmlformats.org/drawingml/2006/main" xmlns:r="http://schemas.openxmlformats.org/officeDocument/2006/relationships" xmlns:p="http://schemas.openxmlformats.org/presentationml/2006/main">
+  <p:cSld>
+    <p:spTree>
+      <p:nvGrpSpPr>
+        <p:cNvPr id="1" name=""/>
+        <p:cNvGrpSpPr/>
+        <p:nvPr/>
+      </p:nvGrpSpPr>
+      <p:grpSpPr>
+        <a:xfrm>
+          <a:off x="0" y="0"/>
+          <a:ext cx="0" cy="0"/>
+          <a:chOff x="0" y="0"/>
+          <a:chExt cx="0" cy="0"/>
+        </a:xfrm>
+      </p:grpSpPr>
+      <p:sp>
+        <p:nvSpPr>
+          <p:cNvPr id="2" name="Titre 1"/>
+          <p:cNvSpPr>
+            <a:spLocks noGrp="1"/>
+          </p:cNvSpPr>
+          <p:nvPr>
+            <p:ph type="title"/>
+          </p:nvPr>
+        </p:nvSpPr>
+        <p:spPr>
+          <a:xfrm>
+            <a:off x="1249251" y="446088"/>
+            <a:ext cx="3371434" cy="1511501"/>
+          </a:xfrm>
+        </p:spPr>
+        <p:txBody>
+          <a:bodyPr/>
+          <a:lstStyle/>
+          <a:p>
+            <a:r>
+              <a:rPr lang="fr-CH" sz="4400" dirty="0" smtClean="0">
+                <a:latin typeface="Gulim" panose="020B0600000101010101" pitchFamily="34" charset="-127"/>
+                <a:ea typeface="Gulim" panose="020B0600000101010101" pitchFamily="34" charset="-127"/>
+              </a:rPr>
+              <a:t>Danses</a:t>
+            </a:r>
+            <a:endParaRPr lang="fr-CH" sz="4400" dirty="0">
+              <a:latin typeface="Gulim" panose="020B0600000101010101" pitchFamily="34" charset="-127"/>
+              <a:ea typeface="Gulim" panose="020B0600000101010101" pitchFamily="34" charset="-127"/>
+            </a:endParaRPr>
+          </a:p>
+        </p:txBody>
+      </p:sp>
+      <p:sp>
+        <p:nvSpPr>
+          <p:cNvPr id="4" name="Espace réservé du texte 3"/>
+          <p:cNvSpPr>
+            <a:spLocks noGrp="1"/>
+          </p:cNvSpPr>
+          <p:nvPr>
+            <p:ph type="body" sz="half" idx="2"/>
+          </p:nvPr>
+        </p:nvSpPr>
+        <p:spPr/>
+        <p:txBody>
+          <a:bodyPr>
+            <a:normAutofit/>
+          </a:bodyPr>
+          <a:lstStyle/>
+          <a:p>
+            <a:pPr marL="285750" indent="-285750">
+              <a:buFont typeface="Courier New" panose="02070309020205020404" pitchFamily="49" charset="0"/>
+              <a:buChar char="o"/>
+            </a:pPr>
+            <a:r>
+              <a:rPr lang="fr-CH" sz="1800" dirty="0"/>
+              <a:t>d</a:t>
+            </a:r>
+            <a:r>
+              <a:rPr lang="fr-CH" sz="1800" dirty="0" smtClean="0"/>
+              <a:t>ance_1()</a:t>
+            </a:r>
+            <a:endParaRPr lang="fr-CH" sz="1800" dirty="0"/>
+          </a:p>
+        </p:txBody>
+      </p:sp>
+      <p:pic>
+        <p:nvPicPr>
+          <p:cNvPr id="5" name="Image 4"/>
+          <p:cNvPicPr>
+            <a:picLocks noChangeAspect="1"/>
+          </p:cNvPicPr>
+          <p:nvPr/>
+        </p:nvPicPr>
+        <p:blipFill>
+          <a:blip r:embed="rId3">
+            <a:extLst>
+              <a:ext uri="{28A0092B-C50C-407E-A947-70E740481C1C}">
+                <a14:useLocalDpi xmlns:a14="http://schemas.microsoft.com/office/drawing/2010/main" val="0"/>
+              </a:ext>
+            </a:extLst>
+          </a:blip>
+          <a:stretch>
+            <a:fillRect/>
+          </a:stretch>
+        </p:blipFill>
+        <p:spPr>
+          <a:xfrm>
+            <a:off x="11209408" y="2354284"/>
+            <a:ext cx="501676" cy="1041454"/>
+          </a:xfrm>
+          <a:prstGeom prst="rect">
+            <a:avLst/>
+          </a:prstGeom>
+        </p:spPr>
+      </p:pic>
+      <p:sp>
+        <p:nvSpPr>
+          <p:cNvPr id="6" name="Sous-titre 2"/>
+          <p:cNvSpPr txBox="1">
+            <a:spLocks/>
+          </p:cNvSpPr>
+          <p:nvPr/>
+        </p:nvSpPr>
+        <p:spPr>
+          <a:xfrm>
+            <a:off x="810001" y="6050877"/>
+            <a:ext cx="10572000" cy="434974"/>
+          </a:xfrm>
+          <a:prstGeom prst="rect">
+            <a:avLst/>
+          </a:prstGeom>
+          <a:effectLst>
+            <a:outerShdw blurRad="50800" dir="14400000">
+              <a:srgbClr val="000000">
+                <a:alpha val="40000"/>
+              </a:srgbClr>
+            </a:outerShdw>
+          </a:effectLst>
+        </p:spPr>
+        <p:txBody>
+          <a:bodyPr vert="horz" lIns="91440" tIns="45720" rIns="91440" bIns="45720" rtlCol="0" anchor="t">
+            <a:normAutofit/>
+          </a:bodyPr>
+          <a:lstStyle>
+            <a:lvl1pPr marL="0" indent="0" algn="l" defTabSz="457200" rtl="0" eaLnBrk="1" latinLnBrk="0" hangingPunct="1">
+              <a:spcBef>
+                <a:spcPct val="20000"/>
+              </a:spcBef>
+              <a:spcAft>
+                <a:spcPts val="600"/>
+              </a:spcAft>
+              <a:buClr>
+                <a:schemeClr val="accent1"/>
+              </a:buClr>
+              <a:buFont typeface="Wingdings 2" charset="2"/>
+              <a:buNone/>
+              <a:defRPr sz="1800" kern="1200">
                 <a:solidFill>
                   <a:schemeClr val="tx1"/>
                 </a:solidFill>
-                <a:miter lim="800000"/>
-                <a:headEnd/>
-                <a:tailEnd/>
-              </a14:hiddenLine>
+                <a:latin typeface="+mn-lt"/>
+                <a:ea typeface="+mn-ea"/>
+                <a:cs typeface="+mn-cs"/>
+              </a:defRPr>
+            </a:lvl1pPr>
+            <a:lvl2pPr marL="457200" indent="0" algn="ctr" defTabSz="457200" rtl="0" eaLnBrk="1" latinLnBrk="0" hangingPunct="1">
+              <a:spcBef>
+                <a:spcPct val="20000"/>
+              </a:spcBef>
+              <a:spcAft>
+                <a:spcPts val="600"/>
+              </a:spcAft>
+              <a:buClr>
+                <a:schemeClr val="accent1"/>
+              </a:buClr>
+              <a:buFont typeface="Wingdings 2" charset="2"/>
+              <a:buNone/>
+              <a:defRPr sz="1600" kern="1200">
+                <a:solidFill>
+                  <a:schemeClr val="tx1">
+                    <a:tint val="75000"/>
+                  </a:schemeClr>
+                </a:solidFill>
+                <a:latin typeface="+mn-lt"/>
+                <a:ea typeface="+mn-ea"/>
+                <a:cs typeface="+mn-cs"/>
+              </a:defRPr>
+            </a:lvl2pPr>
+            <a:lvl3pPr marL="914400" indent="0" algn="ctr" defTabSz="457200" rtl="0" eaLnBrk="1" latinLnBrk="0" hangingPunct="1">
+              <a:spcBef>
+                <a:spcPct val="20000"/>
+              </a:spcBef>
+              <a:spcAft>
+                <a:spcPts val="600"/>
+              </a:spcAft>
+              <a:buClr>
+                <a:schemeClr val="accent1"/>
+              </a:buClr>
+              <a:buFont typeface="Wingdings 2" charset="2"/>
+              <a:buNone/>
+              <a:defRPr sz="1400" kern="1200">
+                <a:solidFill>
+                  <a:schemeClr val="tx1">
+                    <a:tint val="75000"/>
+                  </a:schemeClr>
+                </a:solidFill>
+                <a:latin typeface="+mn-lt"/>
+                <a:ea typeface="+mn-ea"/>
+                <a:cs typeface="+mn-cs"/>
+              </a:defRPr>
+            </a:lvl3pPr>
+            <a:lvl4pPr marL="1371600" indent="0" algn="ctr" defTabSz="457200" rtl="0" eaLnBrk="1" latinLnBrk="0" hangingPunct="1">
+              <a:spcBef>
+                <a:spcPct val="20000"/>
+              </a:spcBef>
+              <a:spcAft>
+                <a:spcPts val="600"/>
+              </a:spcAft>
+              <a:buClr>
+                <a:schemeClr val="accent1"/>
+              </a:buClr>
+              <a:buFont typeface="Wingdings 2" charset="2"/>
+              <a:buNone/>
+              <a:defRPr sz="1200" kern="1200">
+                <a:solidFill>
+                  <a:schemeClr val="tx1">
+                    <a:tint val="75000"/>
+                  </a:schemeClr>
+                </a:solidFill>
+                <a:latin typeface="+mn-lt"/>
+                <a:ea typeface="+mn-ea"/>
+                <a:cs typeface="+mn-cs"/>
+              </a:defRPr>
+            </a:lvl4pPr>
+            <a:lvl5pPr marL="1828800" indent="0" algn="ctr" defTabSz="457200" rtl="0" eaLnBrk="1" latinLnBrk="0" hangingPunct="1">
+              <a:spcBef>
+                <a:spcPct val="20000"/>
+              </a:spcBef>
+              <a:spcAft>
+                <a:spcPts val="600"/>
+              </a:spcAft>
+              <a:buClr>
+                <a:schemeClr val="accent1"/>
+              </a:buClr>
+              <a:buFont typeface="Wingdings 2" charset="2"/>
+              <a:buNone/>
+              <a:defRPr sz="1200" kern="1200">
+                <a:solidFill>
+                  <a:schemeClr val="tx1">
+                    <a:tint val="75000"/>
+                  </a:schemeClr>
+                </a:solidFill>
+                <a:latin typeface="+mn-lt"/>
+                <a:ea typeface="+mn-ea"/>
+                <a:cs typeface="+mn-cs"/>
+              </a:defRPr>
+            </a:lvl5pPr>
+            <a:lvl6pPr marL="2286000" indent="0" algn="ctr" defTabSz="457200" rtl="0" eaLnBrk="1" latinLnBrk="0" hangingPunct="1">
+              <a:spcBef>
+                <a:spcPct val="20000"/>
+              </a:spcBef>
+              <a:spcAft>
+                <a:spcPts val="600"/>
+              </a:spcAft>
+              <a:buClr>
+                <a:schemeClr val="accent1"/>
+              </a:buClr>
+              <a:buFont typeface="Wingdings 2" charset="2"/>
+              <a:buNone/>
+              <a:defRPr sz="1200" kern="1200">
+                <a:solidFill>
+                  <a:schemeClr val="tx1">
+                    <a:tint val="75000"/>
+                  </a:schemeClr>
+                </a:solidFill>
+                <a:latin typeface="+mn-lt"/>
+                <a:ea typeface="+mn-ea"/>
+                <a:cs typeface="+mn-cs"/>
+              </a:defRPr>
+            </a:lvl6pPr>
+            <a:lvl7pPr marL="2743200" indent="0" algn="ctr" defTabSz="457200" rtl="0" eaLnBrk="1" latinLnBrk="0" hangingPunct="1">
+              <a:spcBef>
+                <a:spcPct val="20000"/>
+              </a:spcBef>
+              <a:spcAft>
+                <a:spcPts val="600"/>
+              </a:spcAft>
+              <a:buClr>
+                <a:schemeClr val="accent1"/>
+              </a:buClr>
+              <a:buFont typeface="Wingdings 2" charset="2"/>
+              <a:buNone/>
+              <a:defRPr sz="1200" kern="1200">
+                <a:solidFill>
+                  <a:schemeClr val="tx1">
+                    <a:tint val="75000"/>
+                  </a:schemeClr>
+                </a:solidFill>
+                <a:latin typeface="+mn-lt"/>
+                <a:ea typeface="+mn-ea"/>
+                <a:cs typeface="+mn-cs"/>
+              </a:defRPr>
+            </a:lvl7pPr>
+            <a:lvl8pPr marL="3200400" indent="0" algn="ctr" defTabSz="457200" rtl="0" eaLnBrk="1" latinLnBrk="0" hangingPunct="1">
+              <a:spcBef>
+                <a:spcPct val="20000"/>
+              </a:spcBef>
+              <a:spcAft>
+                <a:spcPts val="600"/>
+              </a:spcAft>
+              <a:buClr>
+                <a:schemeClr val="accent1"/>
+              </a:buClr>
+              <a:buFont typeface="Wingdings 2" charset="2"/>
+              <a:buNone/>
+              <a:defRPr sz="1200" kern="1200">
+                <a:solidFill>
+                  <a:schemeClr val="tx1">
+                    <a:tint val="75000"/>
+                  </a:schemeClr>
+                </a:solidFill>
+                <a:latin typeface="+mn-lt"/>
+                <a:ea typeface="+mn-ea"/>
+                <a:cs typeface="+mn-cs"/>
+              </a:defRPr>
+            </a:lvl8pPr>
+            <a:lvl9pPr marL="3657600" indent="0" algn="ctr" defTabSz="457200" rtl="0" eaLnBrk="1" latinLnBrk="0" hangingPunct="1">
+              <a:spcBef>
+                <a:spcPct val="20000"/>
+              </a:spcBef>
+              <a:spcAft>
+                <a:spcPts val="600"/>
+              </a:spcAft>
+              <a:buClr>
+                <a:schemeClr val="accent1"/>
+              </a:buClr>
+              <a:buFont typeface="Wingdings 2" charset="2"/>
+              <a:buNone/>
+              <a:defRPr sz="1200" kern="1200">
+                <a:solidFill>
+                  <a:schemeClr val="tx1">
+                    <a:tint val="75000"/>
+                  </a:schemeClr>
+                </a:solidFill>
+                <a:latin typeface="+mn-lt"/>
+                <a:ea typeface="+mn-ea"/>
+                <a:cs typeface="+mn-cs"/>
+              </a:defRPr>
+            </a:lvl9pPr>
+          </a:lstStyle>
+          <a:p>
+            <a:r>
+              <a:rPr lang="fr-CH" sz="1500" dirty="0" smtClean="0">
+                <a:solidFill>
+                  <a:schemeClr val="bg2">
+                    <a:lumMod val="50000"/>
+                    <a:lumOff val="50000"/>
+                  </a:schemeClr>
+                </a:solidFill>
+                <a:latin typeface="Gulim" panose="020B0600000101010101" pitchFamily="34" charset="-127"/>
+                <a:ea typeface="Gulim" panose="020B0600000101010101" pitchFamily="34" charset="-127"/>
+              </a:rPr>
+              <a:t>A. </a:t>
+            </a:r>
+            <a:r>
+              <a:rPr lang="fr-CH" sz="1500" dirty="0" err="1" smtClean="0">
+                <a:solidFill>
+                  <a:schemeClr val="bg2">
+                    <a:lumMod val="50000"/>
+                    <a:lumOff val="50000"/>
+                  </a:schemeClr>
+                </a:solidFill>
+                <a:latin typeface="Gulim" panose="020B0600000101010101" pitchFamily="34" charset="-127"/>
+                <a:ea typeface="Gulim" panose="020B0600000101010101" pitchFamily="34" charset="-127"/>
+              </a:rPr>
+              <a:t>Desclouds</a:t>
+            </a:r>
+            <a:r>
+              <a:rPr lang="fr-CH" sz="1500" dirty="0" smtClean="0">
+                <a:solidFill>
+                  <a:schemeClr val="bg2">
+                    <a:lumMod val="50000"/>
+                    <a:lumOff val="50000"/>
+                  </a:schemeClr>
+                </a:solidFill>
+                <a:latin typeface="Gulim" panose="020B0600000101010101" pitchFamily="34" charset="-127"/>
+                <a:ea typeface="Gulim" panose="020B0600000101010101" pitchFamily="34" charset="-127"/>
+              </a:rPr>
+              <a:t>, </a:t>
+            </a:r>
+            <a:r>
+              <a:rPr lang="fr-CH" sz="1500" dirty="0" err="1" smtClean="0">
+                <a:solidFill>
+                  <a:schemeClr val="bg2">
+                    <a:lumMod val="50000"/>
+                    <a:lumOff val="50000"/>
+                  </a:schemeClr>
+                </a:solidFill>
+                <a:latin typeface="Gulim" panose="020B0600000101010101" pitchFamily="34" charset="-127"/>
+                <a:ea typeface="Gulim" panose="020B0600000101010101" pitchFamily="34" charset="-127"/>
+              </a:rPr>
+              <a:t>A.Hug</a:t>
+            </a:r>
+            <a:r>
+              <a:rPr lang="fr-CH" sz="1500" dirty="0" smtClean="0">
+                <a:solidFill>
+                  <a:schemeClr val="bg2">
+                    <a:lumMod val="50000"/>
+                    <a:lumOff val="50000"/>
+                  </a:schemeClr>
+                </a:solidFill>
+                <a:latin typeface="Gulim" panose="020B0600000101010101" pitchFamily="34" charset="-127"/>
+                <a:ea typeface="Gulim" panose="020B0600000101010101" pitchFamily="34" charset="-127"/>
+              </a:rPr>
+              <a:t>, S. </a:t>
+            </a:r>
+            <a:r>
+              <a:rPr lang="fr-CH" sz="1500" dirty="0" err="1" smtClean="0">
+                <a:solidFill>
+                  <a:schemeClr val="bg2">
+                    <a:lumMod val="50000"/>
+                    <a:lumOff val="50000"/>
+                  </a:schemeClr>
+                </a:solidFill>
+                <a:latin typeface="Gulim" panose="020B0600000101010101" pitchFamily="34" charset="-127"/>
+                <a:ea typeface="Gulim" panose="020B0600000101010101" pitchFamily="34" charset="-127"/>
+              </a:rPr>
+              <a:t>Righitto</a:t>
+            </a:r>
+            <a:r>
+              <a:rPr lang="fr-CH" sz="1500" dirty="0" smtClean="0">
+                <a:solidFill>
+                  <a:schemeClr val="bg2">
+                    <a:lumMod val="50000"/>
+                    <a:lumOff val="50000"/>
+                  </a:schemeClr>
+                </a:solidFill>
+                <a:latin typeface="Gulim" panose="020B0600000101010101" pitchFamily="34" charset="-127"/>
+                <a:ea typeface="Gulim" panose="020B0600000101010101" pitchFamily="34" charset="-127"/>
+              </a:rPr>
+              <a:t>, F. </a:t>
+            </a:r>
+            <a:r>
+              <a:rPr lang="fr-CH" sz="1500" dirty="0" err="1" smtClean="0">
+                <a:solidFill>
+                  <a:schemeClr val="bg2">
+                    <a:lumMod val="50000"/>
+                    <a:lumOff val="50000"/>
+                  </a:schemeClr>
+                </a:solidFill>
+                <a:latin typeface="Gulim" panose="020B0600000101010101" pitchFamily="34" charset="-127"/>
+                <a:ea typeface="Gulim" panose="020B0600000101010101" pitchFamily="34" charset="-127"/>
+              </a:rPr>
+              <a:t>Saam</a:t>
+            </a:r>
+            <a:r>
+              <a:rPr lang="fr-CH" sz="1500" dirty="0" smtClean="0">
+                <a:solidFill>
+                  <a:schemeClr val="bg2">
+                    <a:lumMod val="50000"/>
+                    <a:lumOff val="50000"/>
+                  </a:schemeClr>
+                </a:solidFill>
+                <a:latin typeface="Gulim" panose="020B0600000101010101" pitchFamily="34" charset="-127"/>
+                <a:ea typeface="Gulim" panose="020B0600000101010101" pitchFamily="34" charset="-127"/>
+              </a:rPr>
+              <a:t>	</a:t>
+            </a:r>
+            <a:r>
+              <a:rPr lang="fr-CH" sz="1600" dirty="0" smtClean="0">
+                <a:solidFill>
+                  <a:schemeClr val="bg2">
+                    <a:lumMod val="50000"/>
+                    <a:lumOff val="50000"/>
+                  </a:schemeClr>
+                </a:solidFill>
+                <a:latin typeface="Gulim" panose="020B0600000101010101" pitchFamily="34" charset="-127"/>
+                <a:ea typeface="Gulim" panose="020B0600000101010101" pitchFamily="34" charset="-127"/>
+              </a:rPr>
+              <a:t>											</a:t>
+            </a:r>
+            <a:endParaRPr lang="fr-CH" sz="1600" dirty="0">
+              <a:solidFill>
+                <a:schemeClr val="bg2">
+                  <a:lumMod val="50000"/>
+                  <a:lumOff val="50000"/>
+                </a:schemeClr>
+              </a:solidFill>
+              <a:latin typeface="Gulim" panose="020B0600000101010101" pitchFamily="34" charset="-127"/>
+              <a:ea typeface="Gulim" panose="020B0600000101010101" pitchFamily="34" charset="-127"/>
+            </a:endParaRPr>
+          </a:p>
+        </p:txBody>
+      </p:sp>
+      <p:pic>
+        <p:nvPicPr>
+          <p:cNvPr id="1027" name="Picture 3"/>
+          <p:cNvPicPr>
+            <a:picLocks noChangeAspect="1" noChangeArrowheads="1"/>
+          </p:cNvPicPr>
+          <p:nvPr/>
+        </p:nvPicPr>
+        <p:blipFill>
+          <a:blip r:embed="rId4">
+            <a:extLst>
+              <a:ext uri="{28A0092B-C50C-407E-A947-70E740481C1C}">
+                <a14:useLocalDpi xmlns:a14="http://schemas.microsoft.com/office/drawing/2010/main" val="0"/>
+              </a:ext>
+            </a:extLst>
+          </a:blip>
+          <a:srcRect/>
+          <a:stretch>
+            <a:fillRect/>
+          </a:stretch>
+        </p:blipFill>
+        <p:spPr bwMode="auto">
+          <a:xfrm>
+            <a:off x="5822609" y="446089"/>
+            <a:ext cx="3945322" cy="5859178"/>
+          </a:xfrm>
+          <a:prstGeom prst="round2DiagRect">
+            <a:avLst>
+              <a:gd name="adj1" fmla="val 16667"/>
+              <a:gd name="adj2" fmla="val 0"/>
+            </a:avLst>
+          </a:prstGeom>
+          <a:ln w="88900" cap="sq">
+            <a:solidFill>
+              <a:srgbClr val="FFFFFF"/>
+            </a:solidFill>
+            <a:miter lim="800000"/>
+          </a:ln>
+          <a:effectLst>
+            <a:outerShdw blurRad="254000" algn="tl" rotWithShape="0">
+              <a:srgbClr val="000000">
+                <a:alpha val="43000"/>
+              </a:srgbClr>
+            </a:outerShdw>
+          </a:effectLst>
+          <a:extLst>
+            <a:ext uri="{909E8E84-426E-40DD-AFC4-6F175D3DCCD1}">
+              <a14:hiddenFill xmlns:a14="http://schemas.microsoft.com/office/drawing/2010/main">
+                <a:solidFill>
+                  <a:schemeClr val="accent1"/>
+                </a:solidFill>
+              </a14:hiddenFill>
             </a:ext>
           </a:extLst>
         </p:spPr>
@@ -12542,7 +12469,7 @@
     </p:spTree>
     <p:extLst>
       <p:ext uri="{BB962C8B-B14F-4D97-AF65-F5344CB8AC3E}">
-        <p14:creationId xmlns:p14="http://schemas.microsoft.com/office/powerpoint/2010/main" val="1617385428"/>
+        <p14:creationId xmlns:p14="http://schemas.microsoft.com/office/powerpoint/2010/main" val="2372022187"/>
       </p:ext>
     </p:extLst>
   </p:cSld>
@@ -12632,12 +12559,8 @@
               <a:buChar char="o"/>
             </a:pPr>
             <a:r>
-              <a:rPr lang="fr-CH" sz="1800" dirty="0"/>
-              <a:t>d</a:t>
-            </a:r>
-            <a:r>
               <a:rPr lang="fr-CH" sz="1800" dirty="0" smtClean="0"/>
-              <a:t>ance_1()</a:t>
+              <a:t>dance_2()</a:t>
             </a:r>
             <a:endParaRPr lang="fr-CH" sz="1800" dirty="0"/>
           </a:p>
@@ -13052,28 +12975,9 @@
           </a:p>
         </p:txBody>
       </p:sp>
-      <p:sp>
-        <p:nvSpPr>
-          <p:cNvPr id="7" name="Segnaposto contenuto 6"/>
-          <p:cNvSpPr>
-            <a:spLocks noGrp="1"/>
-          </p:cNvSpPr>
-          <p:nvPr>
-            <p:ph idx="1"/>
-          </p:nvPr>
-        </p:nvSpPr>
-        <p:spPr/>
-        <p:txBody>
-          <a:bodyPr/>
-          <a:lstStyle/>
-          <a:p>
-            <a:endParaRPr lang="fr-CH"/>
-          </a:p>
-        </p:txBody>
-      </p:sp>
       <p:pic>
         <p:nvPicPr>
-          <p:cNvPr id="1027" name="Picture 3"/>
+          <p:cNvPr id="4098" name="Picture 2"/>
           <p:cNvPicPr>
             <a:picLocks noChangeAspect="1" noChangeArrowheads="1"/>
           </p:cNvPicPr>
@@ -13094,8 +12998,8 @@
         </p:blipFill>
         <p:spPr bwMode="auto">
           <a:xfrm>
-            <a:off x="5797324" y="391943"/>
-            <a:ext cx="4184875" cy="6214937"/>
+            <a:off x="5950423" y="445719"/>
+            <a:ext cx="3837581" cy="5941433"/>
           </a:xfrm>
           <a:prstGeom prst="round2DiagRect">
             <a:avLst>
@@ -13124,23 +13028,13 @@
                 </a:solidFill>
               </a14:hiddenFill>
             </a:ext>
-            <a:ext uri="{91240B29-F687-4F45-9708-019B960494DF}">
-              <a14:hiddenLine xmlns:a14="http://schemas.microsoft.com/office/drawing/2010/main" w="9525">
-                <a:solidFill>
-                  <a:schemeClr val="tx1"/>
-                </a:solidFill>
-                <a:miter lim="800000"/>
-                <a:headEnd/>
-                <a:tailEnd/>
-              </a14:hiddenLine>
-            </a:ext>
           </a:extLst>
         </p:spPr>
       </p:pic>
     </p:spTree>
     <p:extLst>
       <p:ext uri="{BB962C8B-B14F-4D97-AF65-F5344CB8AC3E}">
-        <p14:creationId xmlns:p14="http://schemas.microsoft.com/office/powerpoint/2010/main" val="2372022187"/>
+        <p14:creationId xmlns:p14="http://schemas.microsoft.com/office/powerpoint/2010/main" val="4005123385"/>
       </p:ext>
     </p:extLst>
   </p:cSld>
@@ -13230,12 +13124,16 @@
               <a:buChar char="o"/>
             </a:pPr>
             <a:r>
+              <a:rPr lang="fr-CH" sz="1800" dirty="0" err="1"/>
+              <a:t>r</a:t>
+            </a:r>
+            <a:r>
+              <a:rPr lang="fr-CH" sz="1800" dirty="0" err="1" smtClean="0"/>
+              <a:t>otate</a:t>
+            </a:r>
+            <a:r>
               <a:rPr lang="fr-CH" sz="1800" dirty="0" smtClean="0"/>
-              <a:t>d</a:t>
-            </a:r>
-            <a:r>
-              <a:rPr lang="fr-CH" sz="1800" dirty="0" smtClean="0"/>
-              <a:t>ance_2()</a:t>
+              <a:t>()</a:t>
             </a:r>
             <a:endParaRPr lang="fr-CH" sz="1800" dirty="0"/>
           </a:p>
@@ -13650,32 +13548,15 @@
           </a:p>
         </p:txBody>
       </p:sp>
-      <p:sp>
-        <p:nvSpPr>
-          <p:cNvPr id="7" name="Segnaposto contenuto 6"/>
-          <p:cNvSpPr>
-            <a:spLocks noGrp="1"/>
-          </p:cNvSpPr>
+      <p:pic>
+        <p:nvPicPr>
+          <p:cNvPr id="2050" name="Picture 2"/>
+          <p:cNvPicPr>
+            <a:picLocks noGrp="1" noChangeAspect="1" noChangeArrowheads="1"/>
+          </p:cNvPicPr>
           <p:nvPr>
             <p:ph idx="1"/>
           </p:nvPr>
-        </p:nvSpPr>
-        <p:spPr/>
-        <p:txBody>
-          <a:bodyPr/>
-          <a:lstStyle/>
-          <a:p>
-            <a:endParaRPr lang="fr-CH" dirty="0"/>
-          </a:p>
-        </p:txBody>
-      </p:sp>
-      <p:pic>
-        <p:nvPicPr>
-          <p:cNvPr id="4098" name="Picture 2"/>
-          <p:cNvPicPr>
-            <a:picLocks noChangeAspect="1" noChangeArrowheads="1"/>
-          </p:cNvPicPr>
-          <p:nvPr/>
         </p:nvPicPr>
         <p:blipFill>
           <a:blip r:embed="rId4">
@@ -13692,8 +13573,8 @@
         </p:blipFill>
         <p:spPr bwMode="auto">
           <a:xfrm>
-            <a:off x="5874202" y="327712"/>
-            <a:ext cx="4075339" cy="6309535"/>
+            <a:off x="5003294" y="2451715"/>
+            <a:ext cx="5823503" cy="3105037"/>
           </a:xfrm>
           <a:prstGeom prst="round2DiagRect">
             <a:avLst>
@@ -13722,23 +13603,13 @@
                 </a:solidFill>
               </a14:hiddenFill>
             </a:ext>
-            <a:ext uri="{91240B29-F687-4F45-9708-019B960494DF}">
-              <a14:hiddenLine xmlns:a14="http://schemas.microsoft.com/office/drawing/2010/main" w="9525">
-                <a:solidFill>
-                  <a:schemeClr val="tx1"/>
-                </a:solidFill>
-                <a:miter lim="800000"/>
-                <a:headEnd/>
-                <a:tailEnd/>
-              </a14:hiddenLine>
-            </a:ext>
           </a:extLst>
         </p:spPr>
       </p:pic>
     </p:spTree>
     <p:extLst>
       <p:ext uri="{BB962C8B-B14F-4D97-AF65-F5344CB8AC3E}">
-        <p14:creationId xmlns:p14="http://schemas.microsoft.com/office/powerpoint/2010/main" val="4005123385"/>
+        <p14:creationId xmlns:p14="http://schemas.microsoft.com/office/powerpoint/2010/main" val="3174251014"/>
       </p:ext>
     </p:extLst>
   </p:cSld>
@@ -13828,12 +13699,8 @@
               <a:buChar char="o"/>
             </a:pPr>
             <a:r>
-              <a:rPr lang="fr-CH" sz="1800" dirty="0" err="1"/>
-              <a:t>r</a:t>
-            </a:r>
-            <a:r>
               <a:rPr lang="fr-CH" sz="1800" dirty="0" err="1" smtClean="0"/>
-              <a:t>otate</a:t>
+              <a:t>turn</a:t>
             </a:r>
             <a:r>
               <a:rPr lang="fr-CH" sz="1800" dirty="0" smtClean="0"/>
@@ -14254,13 +14121,11 @@
       </p:sp>
       <p:pic>
         <p:nvPicPr>
-          <p:cNvPr id="2050" name="Picture 2"/>
+          <p:cNvPr id="3074" name="Picture 2"/>
           <p:cNvPicPr>
-            <a:picLocks noGrp="1" noChangeAspect="1" noChangeArrowheads="1"/>
+            <a:picLocks noChangeAspect="1" noChangeArrowheads="1"/>
           </p:cNvPicPr>
-          <p:nvPr>
-            <p:ph idx="1"/>
-          </p:nvPr>
+          <p:nvPr/>
         </p:nvPicPr>
         <p:blipFill>
           <a:blip r:embed="rId4">
@@ -14277,8 +14142,8 @@
         </p:blipFill>
         <p:spPr bwMode="auto">
           <a:xfrm>
-            <a:off x="4952319" y="2630566"/>
-            <a:ext cx="5823503" cy="3105037"/>
+            <a:off x="5076967" y="2477028"/>
+            <a:ext cx="5565980" cy="3164222"/>
           </a:xfrm>
           <a:prstGeom prst="round2DiagRect">
             <a:avLst>
@@ -14307,23 +14172,13 @@
                 </a:solidFill>
               </a14:hiddenFill>
             </a:ext>
-            <a:ext uri="{91240B29-F687-4F45-9708-019B960494DF}">
-              <a14:hiddenLine xmlns:a14="http://schemas.microsoft.com/office/drawing/2010/main" w="9525">
-                <a:solidFill>
-                  <a:schemeClr val="tx1"/>
-                </a:solidFill>
-                <a:miter lim="800000"/>
-                <a:headEnd/>
-                <a:tailEnd/>
-              </a14:hiddenLine>
-            </a:ext>
           </a:extLst>
         </p:spPr>
       </p:pic>
     </p:spTree>
     <p:extLst>
       <p:ext uri="{BB962C8B-B14F-4D97-AF65-F5344CB8AC3E}">
-        <p14:creationId xmlns:p14="http://schemas.microsoft.com/office/powerpoint/2010/main" val="3174251014"/>
+        <p14:creationId xmlns:p14="http://schemas.microsoft.com/office/powerpoint/2010/main" val="802460624"/>
       </p:ext>
     </p:extLst>
   </p:cSld>
@@ -14917,96 +14772,57 @@
             <p:ph type="title"/>
           </p:nvPr>
         </p:nvSpPr>
-        <p:spPr>
-          <a:xfrm>
-            <a:off x="1249251" y="446088"/>
-            <a:ext cx="3371434" cy="1511501"/>
-          </a:xfrm>
-        </p:spPr>
+        <p:spPr/>
         <p:txBody>
           <a:bodyPr/>
           <a:lstStyle/>
           <a:p>
             <a:r>
-              <a:rPr lang="fr-CH" sz="4400" dirty="0" smtClean="0">
-                <a:latin typeface="Gulim" panose="020B0600000101010101" pitchFamily="34" charset="-127"/>
-                <a:ea typeface="Gulim" panose="020B0600000101010101" pitchFamily="34" charset="-127"/>
-              </a:rPr>
-              <a:t>Danses</a:t>
-            </a:r>
-            <a:endParaRPr lang="fr-CH" sz="4400" dirty="0">
-              <a:latin typeface="Gulim" panose="020B0600000101010101" pitchFamily="34" charset="-127"/>
-              <a:ea typeface="Gulim" panose="020B0600000101010101" pitchFamily="34" charset="-127"/>
-            </a:endParaRPr>
+              <a:rPr lang="fr-CH" dirty="0" err="1"/>
+              <a:t>Raspberry</a:t>
+            </a:r>
+            <a:r>
+              <a:rPr lang="fr-CH" dirty="0"/>
+              <a:t> Pie et </a:t>
+            </a:r>
+            <a:r>
+              <a:rPr lang="fr-CH" dirty="0" err="1" smtClean="0"/>
+              <a:t>Phidget</a:t>
+            </a:r>
+            <a:r>
+              <a:rPr lang="fr-CH" dirty="0" smtClean="0"/>
+              <a:t> </a:t>
+            </a:r>
+            <a:r>
+              <a:rPr lang="fr-CH" dirty="0" err="1"/>
+              <a:t>Touchrotation</a:t>
+            </a:r>
+            <a:endParaRPr lang="fr-CH" dirty="0"/>
           </a:p>
         </p:txBody>
       </p:sp>
       <p:sp>
         <p:nvSpPr>
-          <p:cNvPr id="4" name="Espace réservé du texte 3"/>
+          <p:cNvPr id="3" name="Espace réservé du contenu 2"/>
           <p:cNvSpPr>
             <a:spLocks noGrp="1"/>
           </p:cNvSpPr>
           <p:nvPr>
-            <p:ph type="body" sz="half" idx="2"/>
+            <p:ph idx="1"/>
           </p:nvPr>
         </p:nvSpPr>
         <p:spPr/>
         <p:txBody>
-          <a:bodyPr>
-            <a:normAutofit/>
-          </a:bodyPr>
+          <a:bodyPr/>
           <a:lstStyle/>
           <a:p>
-            <a:pPr marL="285750" indent="-285750">
-              <a:buFont typeface="Courier New" panose="02070309020205020404" pitchFamily="49" charset="0"/>
-              <a:buChar char="o"/>
-            </a:pPr>
-            <a:r>
-              <a:rPr lang="fr-CH" sz="1800" dirty="0" err="1" smtClean="0"/>
-              <a:t>turn</a:t>
-            </a:r>
-            <a:r>
-              <a:rPr lang="fr-CH" sz="1800" dirty="0" smtClean="0"/>
-              <a:t>()</a:t>
-            </a:r>
-            <a:endParaRPr lang="fr-CH" sz="1800" dirty="0"/>
+            <a:endParaRPr lang="fr-CH" dirty="0" smtClean="0"/>
           </a:p>
         </p:txBody>
       </p:sp>
-      <p:pic>
-        <p:nvPicPr>
-          <p:cNvPr id="5" name="Image 4"/>
-          <p:cNvPicPr>
-            <a:picLocks noChangeAspect="1"/>
-          </p:cNvPicPr>
-          <p:nvPr/>
-        </p:nvPicPr>
-        <p:blipFill>
-          <a:blip r:embed="rId3">
-            <a:extLst>
-              <a:ext uri="{28A0092B-C50C-407E-A947-70E740481C1C}">
-                <a14:useLocalDpi xmlns:a14="http://schemas.microsoft.com/office/drawing/2010/main" val="0"/>
-              </a:ext>
-            </a:extLst>
-          </a:blip>
-          <a:stretch>
-            <a:fillRect/>
-          </a:stretch>
-        </p:blipFill>
-        <p:spPr>
-          <a:xfrm>
-            <a:off x="11209408" y="2354284"/>
-            <a:ext cx="501676" cy="1041454"/>
-          </a:xfrm>
-          <a:prstGeom prst="rect">
-            <a:avLst/>
-          </a:prstGeom>
-        </p:spPr>
-      </p:pic>
-      <p:sp>
-        <p:nvSpPr>
-          <p:cNvPr id="6" name="Sous-titre 2"/>
+      <p:sp>
+        <p:nvSpPr>
+          <p:cNvPr id="5" name="Sous-titre 2"/>
           <p:cNvSpPr txBox="1">
             <a:spLocks/>
           </p:cNvSpPr>
@@ -15385,93 +15201,67 @@
       </p:sp>
       <p:sp>
         <p:nvSpPr>
-          <p:cNvPr id="3" name="Segnaposto contenuto 2"/>
+          <p:cNvPr id="6" name="Slide Number Placeholder 5"/>
           <p:cNvSpPr>
             <a:spLocks noGrp="1"/>
           </p:cNvSpPr>
           <p:nvPr>
-            <p:ph idx="1"/>
+            <p:ph type="sldNum" sz="quarter" idx="12"/>
           </p:nvPr>
         </p:nvSpPr>
-        <p:spPr/>
+        <p:spPr>
+          <a:xfrm>
+            <a:off x="10678331" y="5915888"/>
+            <a:ext cx="1062155" cy="490599"/>
+          </a:xfrm>
+        </p:spPr>
         <p:txBody>
           <a:bodyPr/>
           <a:lstStyle/>
           <a:p>
-            <a:endParaRPr lang="fr-CH" dirty="0"/>
+            <a:fld id="{D57F1E4F-1CFF-5643-939E-217C01CDF565}" type="slidenum">
+              <a:rPr lang="en-US" smtClean="0"/>
+              <a:pPr/>
+              <a:t>20</a:t>
+            </a:fld>
+            <a:endParaRPr lang="en-US" dirty="0"/>
           </a:p>
         </p:txBody>
       </p:sp>
       <p:pic>
         <p:nvPicPr>
-          <p:cNvPr id="3074" name="Picture 2"/>
+          <p:cNvPr id="7" name="Image 6"/>
           <p:cNvPicPr>
-            <a:picLocks noChangeAspect="1" noChangeArrowheads="1"/>
+            <a:picLocks noChangeAspect="1"/>
           </p:cNvPicPr>
           <p:nvPr/>
         </p:nvPicPr>
         <p:blipFill>
-          <a:blip r:embed="rId4">
+          <a:blip r:embed="rId3">
             <a:extLst>
               <a:ext uri="{28A0092B-C50C-407E-A947-70E740481C1C}">
                 <a14:useLocalDpi xmlns:a14="http://schemas.microsoft.com/office/drawing/2010/main" val="0"/>
               </a:ext>
             </a:extLst>
           </a:blip>
-          <a:srcRect/>
           <a:stretch>
             <a:fillRect/>
           </a:stretch>
         </p:blipFill>
-        <p:spPr bwMode="auto">
+        <p:spPr>
           <a:xfrm>
-            <a:off x="4957083" y="2354284"/>
-            <a:ext cx="5685864" cy="3232375"/>
+            <a:off x="11209408" y="2354284"/>
+            <a:ext cx="501676" cy="1041454"/>
           </a:xfrm>
-          <a:prstGeom prst="round2DiagRect">
-            <a:avLst>
-              <a:gd name="adj1" fmla="val 16667"/>
-              <a:gd name="adj2" fmla="val 0"/>
-            </a:avLst>
+          <a:prstGeom prst="rect">
+            <a:avLst/>
           </a:prstGeom>
-          <a:ln w="88900" cap="sq">
-            <a:solidFill>
-              <a:srgbClr val="FFFFFF"/>
-            </a:solidFill>
-            <a:miter lim="800000"/>
-          </a:ln>
-          <a:effectLst>
-            <a:outerShdw blurRad="254000" algn="tl" rotWithShape="0">
-              <a:srgbClr val="000000">
-                <a:alpha val="43000"/>
-              </a:srgbClr>
-            </a:outerShdw>
-          </a:effectLst>
-          <a:extLst>
-            <a:ext uri="{909E8E84-426E-40DD-AFC4-6F175D3DCCD1}">
-              <a14:hiddenFill xmlns:a14="http://schemas.microsoft.com/office/drawing/2010/main">
-                <a:solidFill>
-                  <a:schemeClr val="accent1"/>
-                </a:solidFill>
-              </a14:hiddenFill>
-            </a:ext>
-            <a:ext uri="{91240B29-F687-4F45-9708-019B960494DF}">
-              <a14:hiddenLine xmlns:a14="http://schemas.microsoft.com/office/drawing/2010/main" w="9525">
-                <a:solidFill>
-                  <a:schemeClr val="tx1"/>
-                </a:solidFill>
-                <a:miter lim="800000"/>
-                <a:headEnd/>
-                <a:tailEnd/>
-              </a14:hiddenLine>
-            </a:ext>
-          </a:extLst>
         </p:spPr>
       </p:pic>
     </p:spTree>
     <p:extLst>
       <p:ext uri="{BB962C8B-B14F-4D97-AF65-F5344CB8AC3E}">
-        <p14:creationId xmlns:p14="http://schemas.microsoft.com/office/powerpoint/2010/main" val="802460624"/>
+        <p14:creationId xmlns:p14="http://schemas.microsoft.com/office/powerpoint/2010/main" val="3297813463"/>
       </p:ext>
     </p:extLst>
   </p:cSld>
@@ -15520,142 +15310,46 @@
           <a:bodyPr/>
           <a:lstStyle/>
           <a:p>
-            <a:pPr algn="ctr"/>
-            <a:r>
-              <a:rPr lang="fr-CH" sz="4600" dirty="0">
-                <a:latin typeface="Gulim" panose="020B0600000101010101" pitchFamily="34" charset="-127"/>
-                <a:ea typeface="Gulim" panose="020B0600000101010101" pitchFamily="34" charset="-127"/>
-              </a:rPr>
-              <a:t>Démonstration</a:t>
-            </a:r>
-            <a:r>
-              <a:rPr lang="fr-CH" sz="4600" dirty="0" smtClean="0">
-                <a:latin typeface="Gulim" panose="020B0600000101010101" pitchFamily="34" charset="-127"/>
-                <a:ea typeface="Gulim" panose="020B0600000101010101" pitchFamily="34" charset="-127"/>
-              </a:rPr>
-              <a:t>!</a:t>
-            </a:r>
-            <a:endParaRPr lang="fr-CH" sz="4600" dirty="0">
-              <a:latin typeface="Gulim" panose="020B0600000101010101" pitchFamily="34" charset="-127"/>
-              <a:ea typeface="Gulim" panose="020B0600000101010101" pitchFamily="34" charset="-127"/>
-            </a:endParaRPr>
+            <a:r>
+              <a:rPr lang="fr-CH" dirty="0" smtClean="0"/>
+              <a:t>Difficultés rencontrées</a:t>
+            </a:r>
+            <a:endParaRPr lang="fr-CH" dirty="0"/>
           </a:p>
         </p:txBody>
       </p:sp>
-      <p:pic>
-        <p:nvPicPr>
-          <p:cNvPr id="6" name="Image 5"/>
-          <p:cNvPicPr>
-            <a:picLocks noChangeAspect="1"/>
-          </p:cNvPicPr>
-          <p:nvPr/>
-        </p:nvPicPr>
-        <p:blipFill>
-          <a:blip r:embed="rId2">
-            <a:extLst>
-              <a:ext uri="{28A0092B-C50C-407E-A947-70E740481C1C}">
-                <a14:useLocalDpi xmlns:a14="http://schemas.microsoft.com/office/drawing/2010/main" val="0"/>
-              </a:ext>
-            </a:extLst>
-          </a:blip>
-          <a:stretch>
-            <a:fillRect/>
-          </a:stretch>
-        </p:blipFill>
+      <p:sp>
+        <p:nvSpPr>
+          <p:cNvPr id="3" name="Espace réservé du contenu 2"/>
+          <p:cNvSpPr>
+            <a:spLocks noGrp="1"/>
+          </p:cNvSpPr>
+          <p:nvPr>
+            <p:ph idx="1"/>
+          </p:nvPr>
+        </p:nvSpPr>
         <p:spPr>
           <a:xfrm>
-            <a:off x="11209408" y="2354284"/>
-            <a:ext cx="501676" cy="1041454"/>
+            <a:off x="818712" y="2222287"/>
+            <a:ext cx="9171449" cy="3636511"/>
           </a:xfrm>
-          <a:prstGeom prst="rect">
-            <a:avLst/>
-          </a:prstGeom>
         </p:spPr>
-      </p:pic>
-    </p:spTree>
-    <p:extLst>
-      <p:ext uri="{BB962C8B-B14F-4D97-AF65-F5344CB8AC3E}">
-        <p14:creationId xmlns:p14="http://schemas.microsoft.com/office/powerpoint/2010/main" val="3059808555"/>
-      </p:ext>
-    </p:extLst>
-  </p:cSld>
-  <p:clrMapOvr>
-    <a:masterClrMapping/>
-  </p:clrMapOvr>
-  <p:timing>
-    <p:tnLst>
-      <p:par>
-        <p:cTn id="1" dur="indefinite" restart="never" nodeType="tmRoot"/>
-      </p:par>
-    </p:tnLst>
-  </p:timing>
-</p:sld>
-</file>
-
-<file path=ppt/slides/slide22.xml><?xml version="1.0" encoding="utf-8"?>
-<p:sld xmlns:a="http://schemas.openxmlformats.org/drawingml/2006/main" xmlns:r="http://schemas.openxmlformats.org/officeDocument/2006/relationships" xmlns:p="http://schemas.openxmlformats.org/presentationml/2006/main">
-  <p:cSld>
-    <p:spTree>
-      <p:nvGrpSpPr>
-        <p:cNvPr id="1" name=""/>
-        <p:cNvGrpSpPr/>
-        <p:nvPr/>
-      </p:nvGrpSpPr>
-      <p:grpSpPr>
-        <a:xfrm>
-          <a:off x="0" y="0"/>
-          <a:ext cx="0" cy="0"/>
-          <a:chOff x="0" y="0"/>
-          <a:chExt cx="0" cy="0"/>
-        </a:xfrm>
-      </p:grpSpPr>
-      <p:sp>
-        <p:nvSpPr>
-          <p:cNvPr id="2" name="Titre 1"/>
-          <p:cNvSpPr>
-            <a:spLocks noGrp="1"/>
-          </p:cNvSpPr>
-          <p:nvPr>
-            <p:ph type="title"/>
-          </p:nvPr>
-        </p:nvSpPr>
-        <p:spPr/>
         <p:txBody>
           <a:bodyPr/>
           <a:lstStyle/>
           <a:p>
             <a:r>
               <a:rPr lang="fr-CH" dirty="0" smtClean="0"/>
-              <a:t>Difficultés rencontrées</a:t>
-            </a:r>
-            <a:endParaRPr lang="fr-CH" dirty="0"/>
-          </a:p>
-        </p:txBody>
-      </p:sp>
-      <p:sp>
-        <p:nvSpPr>
-          <p:cNvPr id="3" name="Espace réservé du contenu 2"/>
-          <p:cNvSpPr>
-            <a:spLocks noGrp="1"/>
-          </p:cNvSpPr>
-          <p:nvPr>
-            <p:ph idx="1"/>
-          </p:nvPr>
-        </p:nvSpPr>
-        <p:spPr/>
-        <p:txBody>
-          <a:bodyPr/>
-          <a:lstStyle/>
-          <a:p>
+              <a:t>Changement de librairie (</a:t>
+            </a:r>
             <a:r>
               <a:rPr lang="fr-CH" dirty="0" smtClean="0"/>
-              <a:t>Changement de </a:t>
+              <a:t>librairie </a:t>
             </a:r>
             <a:r>
               <a:rPr lang="fr-CH" dirty="0" smtClean="0"/>
-              <a:t>librairie (libraire non stable et contenant des bugs)</a:t>
-            </a:r>
-            <a:endParaRPr lang="fr-CH" dirty="0" smtClean="0"/>
+              <a:t>non stable et contenant des bugs)</a:t>
+            </a:r>
           </a:p>
           <a:p>
             <a:r>
@@ -15667,7 +15361,15 @@
           <a:p>
             <a:r>
               <a:rPr lang="fr-CH" dirty="0" smtClean="0"/>
-              <a:t>Sensibilité des robots : chaque robot réagit de manière différente</a:t>
+              <a:t>Sensibilité des </a:t>
+            </a:r>
+            <a:r>
+              <a:rPr lang="fr-CH" dirty="0" smtClean="0"/>
+              <a:t>robots: </a:t>
+            </a:r>
+            <a:r>
+              <a:rPr lang="fr-CH" dirty="0" smtClean="0"/>
+              <a:t>chaque robot réagit de manière différente</a:t>
             </a:r>
           </a:p>
           <a:p>
@@ -15679,9 +15381,16 @@
           <a:p>
             <a:r>
               <a:rPr lang="fr-CH" dirty="0" smtClean="0"/>
-              <a:t>Difficulté de reproduire un ambient constant (lumière, reflets, dégradation de l’arène du à l’usage) </a:t>
-            </a:r>
-            <a:endParaRPr lang="fr-CH" dirty="0" smtClean="0"/>
+              <a:t>Difficulté de reproduire un </a:t>
+            </a:r>
+            <a:r>
+              <a:rPr lang="fr-CH" dirty="0" smtClean="0"/>
+              <a:t>environnement constant </a:t>
+            </a:r>
+            <a:r>
+              <a:rPr lang="fr-CH" dirty="0" smtClean="0"/>
+              <a:t>(lumière, reflets, dégradation de l’arène du à l’usage) </a:t>
+            </a:r>
           </a:p>
         </p:txBody>
       </p:sp>
@@ -16087,7 +15796,7 @@
             <a:fld id="{D57F1E4F-1CFF-5643-939E-217C01CDF565}" type="slidenum">
               <a:rPr lang="en-US" smtClean="0"/>
               <a:pPr/>
-              <a:t>22</a:t>
+              <a:t>21</a:t>
             </a:fld>
             <a:endParaRPr lang="en-US" dirty="0"/>
           </a:p>
@@ -16143,7 +15852,7 @@
 </p:sld>
 </file>
 
-<file path=ppt/slides/slide23.xml><?xml version="1.0" encoding="utf-8"?>
+<file path=ppt/slides/slide22.xml><?xml version="1.0" encoding="utf-8"?>
 <p:sld xmlns:a="http://schemas.openxmlformats.org/drawingml/2006/main" xmlns:r="http://schemas.openxmlformats.org/officeDocument/2006/relationships" xmlns:p="http://schemas.openxmlformats.org/presentationml/2006/main">
   <p:cSld>
     <p:spTree>
@@ -16652,7 +16361,7 @@
             <a:fld id="{D57F1E4F-1CFF-5643-939E-217C01CDF565}" type="slidenum">
               <a:rPr lang="en-US" smtClean="0"/>
               <a:pPr/>
-              <a:t>23</a:t>
+              <a:t>22</a:t>
             </a:fld>
             <a:endParaRPr lang="en-US" dirty="0"/>
           </a:p>
@@ -16708,7 +16417,7 @@
 </p:sld>
 </file>
 
-<file path=ppt/slides/slide24.xml><?xml version="1.0" encoding="utf-8"?>
+<file path=ppt/slides/slide23.xml><?xml version="1.0" encoding="utf-8"?>
 <p:sld xmlns:a="http://schemas.openxmlformats.org/drawingml/2006/main" xmlns:r="http://schemas.openxmlformats.org/officeDocument/2006/relationships" xmlns:p="http://schemas.openxmlformats.org/presentationml/2006/main">
   <p:cSld>
     <p:spTree>
@@ -16790,6 +16499,346 @@
         <p:spPr>
           <a:xfrm>
             <a:off x="11209408" y="2292641"/>
+            <a:ext cx="501676" cy="1041454"/>
+          </a:xfrm>
+          <a:prstGeom prst="rect">
+            <a:avLst/>
+          </a:prstGeom>
+        </p:spPr>
+      </p:pic>
+      <p:sp>
+        <p:nvSpPr>
+          <p:cNvPr id="6" name="Sous-titre 2"/>
+          <p:cNvSpPr txBox="1">
+            <a:spLocks/>
+          </p:cNvSpPr>
+          <p:nvPr/>
+        </p:nvSpPr>
+        <p:spPr>
+          <a:xfrm>
+            <a:off x="1125414" y="6103732"/>
+            <a:ext cx="4923693" cy="434974"/>
+          </a:xfrm>
+          <a:prstGeom prst="rect">
+            <a:avLst/>
+          </a:prstGeom>
+          <a:effectLst>
+            <a:outerShdw blurRad="50800" dir="14400000">
+              <a:srgbClr val="000000">
+                <a:alpha val="40000"/>
+              </a:srgbClr>
+            </a:outerShdw>
+          </a:effectLst>
+        </p:spPr>
+        <p:txBody>
+          <a:bodyPr vert="horz" lIns="91440" tIns="45720" rIns="91440" bIns="45720" rtlCol="0" anchor="t">
+            <a:normAutofit/>
+          </a:bodyPr>
+          <a:lstStyle>
+            <a:lvl1pPr marL="0" indent="0" algn="l" defTabSz="457200" rtl="0" eaLnBrk="1" latinLnBrk="0" hangingPunct="1">
+              <a:spcBef>
+                <a:spcPct val="20000"/>
+              </a:spcBef>
+              <a:spcAft>
+                <a:spcPts val="600"/>
+              </a:spcAft>
+              <a:buClr>
+                <a:schemeClr val="accent1"/>
+              </a:buClr>
+              <a:buFont typeface="Wingdings 2" charset="2"/>
+              <a:buNone/>
+              <a:defRPr sz="1800" kern="1200">
+                <a:solidFill>
+                  <a:schemeClr val="tx1"/>
+                </a:solidFill>
+                <a:latin typeface="+mn-lt"/>
+                <a:ea typeface="+mn-ea"/>
+                <a:cs typeface="+mn-cs"/>
+              </a:defRPr>
+            </a:lvl1pPr>
+            <a:lvl2pPr marL="457200" indent="0" algn="ctr" defTabSz="457200" rtl="0" eaLnBrk="1" latinLnBrk="0" hangingPunct="1">
+              <a:spcBef>
+                <a:spcPct val="20000"/>
+              </a:spcBef>
+              <a:spcAft>
+                <a:spcPts val="600"/>
+              </a:spcAft>
+              <a:buClr>
+                <a:schemeClr val="accent1"/>
+              </a:buClr>
+              <a:buFont typeface="Wingdings 2" charset="2"/>
+              <a:buNone/>
+              <a:defRPr sz="1600" kern="1200">
+                <a:solidFill>
+                  <a:schemeClr val="tx1">
+                    <a:tint val="75000"/>
+                  </a:schemeClr>
+                </a:solidFill>
+                <a:latin typeface="+mn-lt"/>
+                <a:ea typeface="+mn-ea"/>
+                <a:cs typeface="+mn-cs"/>
+              </a:defRPr>
+            </a:lvl2pPr>
+            <a:lvl3pPr marL="914400" indent="0" algn="ctr" defTabSz="457200" rtl="0" eaLnBrk="1" latinLnBrk="0" hangingPunct="1">
+              <a:spcBef>
+                <a:spcPct val="20000"/>
+              </a:spcBef>
+              <a:spcAft>
+                <a:spcPts val="600"/>
+              </a:spcAft>
+              <a:buClr>
+                <a:schemeClr val="accent1"/>
+              </a:buClr>
+              <a:buFont typeface="Wingdings 2" charset="2"/>
+              <a:buNone/>
+              <a:defRPr sz="1400" kern="1200">
+                <a:solidFill>
+                  <a:schemeClr val="tx1">
+                    <a:tint val="75000"/>
+                  </a:schemeClr>
+                </a:solidFill>
+                <a:latin typeface="+mn-lt"/>
+                <a:ea typeface="+mn-ea"/>
+                <a:cs typeface="+mn-cs"/>
+              </a:defRPr>
+            </a:lvl3pPr>
+            <a:lvl4pPr marL="1371600" indent="0" algn="ctr" defTabSz="457200" rtl="0" eaLnBrk="1" latinLnBrk="0" hangingPunct="1">
+              <a:spcBef>
+                <a:spcPct val="20000"/>
+              </a:spcBef>
+              <a:spcAft>
+                <a:spcPts val="600"/>
+              </a:spcAft>
+              <a:buClr>
+                <a:schemeClr val="accent1"/>
+              </a:buClr>
+              <a:buFont typeface="Wingdings 2" charset="2"/>
+              <a:buNone/>
+              <a:defRPr sz="1200" kern="1200">
+                <a:solidFill>
+                  <a:schemeClr val="tx1">
+                    <a:tint val="75000"/>
+                  </a:schemeClr>
+                </a:solidFill>
+                <a:latin typeface="+mn-lt"/>
+                <a:ea typeface="+mn-ea"/>
+                <a:cs typeface="+mn-cs"/>
+              </a:defRPr>
+            </a:lvl4pPr>
+            <a:lvl5pPr marL="1828800" indent="0" algn="ctr" defTabSz="457200" rtl="0" eaLnBrk="1" latinLnBrk="0" hangingPunct="1">
+              <a:spcBef>
+                <a:spcPct val="20000"/>
+              </a:spcBef>
+              <a:spcAft>
+                <a:spcPts val="600"/>
+              </a:spcAft>
+              <a:buClr>
+                <a:schemeClr val="accent1"/>
+              </a:buClr>
+              <a:buFont typeface="Wingdings 2" charset="2"/>
+              <a:buNone/>
+              <a:defRPr sz="1200" kern="1200">
+                <a:solidFill>
+                  <a:schemeClr val="tx1">
+                    <a:tint val="75000"/>
+                  </a:schemeClr>
+                </a:solidFill>
+                <a:latin typeface="+mn-lt"/>
+                <a:ea typeface="+mn-ea"/>
+                <a:cs typeface="+mn-cs"/>
+              </a:defRPr>
+            </a:lvl5pPr>
+            <a:lvl6pPr marL="2286000" indent="0" algn="ctr" defTabSz="457200" rtl="0" eaLnBrk="1" latinLnBrk="0" hangingPunct="1">
+              <a:spcBef>
+                <a:spcPct val="20000"/>
+              </a:spcBef>
+              <a:spcAft>
+                <a:spcPts val="600"/>
+              </a:spcAft>
+              <a:buClr>
+                <a:schemeClr val="accent1"/>
+              </a:buClr>
+              <a:buFont typeface="Wingdings 2" charset="2"/>
+              <a:buNone/>
+              <a:defRPr sz="1200" kern="1200">
+                <a:solidFill>
+                  <a:schemeClr val="tx1">
+                    <a:tint val="75000"/>
+                  </a:schemeClr>
+                </a:solidFill>
+                <a:latin typeface="+mn-lt"/>
+                <a:ea typeface="+mn-ea"/>
+                <a:cs typeface="+mn-cs"/>
+              </a:defRPr>
+            </a:lvl6pPr>
+            <a:lvl7pPr marL="2743200" indent="0" algn="ctr" defTabSz="457200" rtl="0" eaLnBrk="1" latinLnBrk="0" hangingPunct="1">
+              <a:spcBef>
+                <a:spcPct val="20000"/>
+              </a:spcBef>
+              <a:spcAft>
+                <a:spcPts val="600"/>
+              </a:spcAft>
+              <a:buClr>
+                <a:schemeClr val="accent1"/>
+              </a:buClr>
+              <a:buFont typeface="Wingdings 2" charset="2"/>
+              <a:buNone/>
+              <a:defRPr sz="1200" kern="1200">
+                <a:solidFill>
+                  <a:schemeClr val="tx1">
+                    <a:tint val="75000"/>
+                  </a:schemeClr>
+                </a:solidFill>
+                <a:latin typeface="+mn-lt"/>
+                <a:ea typeface="+mn-ea"/>
+                <a:cs typeface="+mn-cs"/>
+              </a:defRPr>
+            </a:lvl7pPr>
+            <a:lvl8pPr marL="3200400" indent="0" algn="ctr" defTabSz="457200" rtl="0" eaLnBrk="1" latinLnBrk="0" hangingPunct="1">
+              <a:spcBef>
+                <a:spcPct val="20000"/>
+              </a:spcBef>
+              <a:spcAft>
+                <a:spcPts val="600"/>
+              </a:spcAft>
+              <a:buClr>
+                <a:schemeClr val="accent1"/>
+              </a:buClr>
+              <a:buFont typeface="Wingdings 2" charset="2"/>
+              <a:buNone/>
+              <a:defRPr sz="1200" kern="1200">
+                <a:solidFill>
+                  <a:schemeClr val="tx1">
+                    <a:tint val="75000"/>
+                  </a:schemeClr>
+                </a:solidFill>
+                <a:latin typeface="+mn-lt"/>
+                <a:ea typeface="+mn-ea"/>
+                <a:cs typeface="+mn-cs"/>
+              </a:defRPr>
+            </a:lvl8pPr>
+            <a:lvl9pPr marL="3657600" indent="0" algn="ctr" defTabSz="457200" rtl="0" eaLnBrk="1" latinLnBrk="0" hangingPunct="1">
+              <a:spcBef>
+                <a:spcPct val="20000"/>
+              </a:spcBef>
+              <a:spcAft>
+                <a:spcPts val="600"/>
+              </a:spcAft>
+              <a:buClr>
+                <a:schemeClr val="accent1"/>
+              </a:buClr>
+              <a:buFont typeface="Wingdings 2" charset="2"/>
+              <a:buNone/>
+              <a:defRPr sz="1200" kern="1200">
+                <a:solidFill>
+                  <a:schemeClr val="tx1">
+                    <a:tint val="75000"/>
+                  </a:schemeClr>
+                </a:solidFill>
+                <a:latin typeface="+mn-lt"/>
+                <a:ea typeface="+mn-ea"/>
+                <a:cs typeface="+mn-cs"/>
+              </a:defRPr>
+            </a:lvl9pPr>
+          </a:lstStyle>
+          <a:p>
+            <a:r>
+              <a:rPr lang="fr-CH" sz="1600" dirty="0"/>
+              <a:t>https://github.com/SimoneRighitto/SFT15_Elisa</a:t>
+            </a:r>
+          </a:p>
+        </p:txBody>
+      </p:sp>
+    </p:spTree>
+    <p:extLst>
+      <p:ext uri="{BB962C8B-B14F-4D97-AF65-F5344CB8AC3E}">
+        <p14:creationId xmlns:p14="http://schemas.microsoft.com/office/powerpoint/2010/main" val="777843363"/>
+      </p:ext>
+    </p:extLst>
+  </p:cSld>
+  <p:clrMapOvr>
+    <a:masterClrMapping/>
+  </p:clrMapOvr>
+</p:sld>
+</file>
+
+<file path=ppt/slides/slide24.xml><?xml version="1.0" encoding="utf-8"?>
+<p:sld xmlns:a="http://schemas.openxmlformats.org/drawingml/2006/main" xmlns:r="http://schemas.openxmlformats.org/officeDocument/2006/relationships" xmlns:p="http://schemas.openxmlformats.org/presentationml/2006/main">
+  <p:cSld>
+    <p:spTree>
+      <p:nvGrpSpPr>
+        <p:cNvPr id="1" name=""/>
+        <p:cNvGrpSpPr/>
+        <p:nvPr/>
+      </p:nvGrpSpPr>
+      <p:grpSpPr>
+        <a:xfrm>
+          <a:off x="0" y="0"/>
+          <a:ext cx="0" cy="0"/>
+          <a:chOff x="0" y="0"/>
+          <a:chExt cx="0" cy="0"/>
+        </a:xfrm>
+      </p:grpSpPr>
+      <p:sp>
+        <p:nvSpPr>
+          <p:cNvPr id="2" name="Titre 1"/>
+          <p:cNvSpPr>
+            <a:spLocks noGrp="1"/>
+          </p:cNvSpPr>
+          <p:nvPr>
+            <p:ph type="title"/>
+          </p:nvPr>
+        </p:nvSpPr>
+        <p:spPr/>
+        <p:txBody>
+          <a:bodyPr/>
+          <a:lstStyle/>
+          <a:p>
+            <a:pPr algn="ctr"/>
+            <a:r>
+              <a:rPr lang="fr-CH" sz="4600" dirty="0">
+                <a:latin typeface="Gulim" panose="020B0600000101010101" pitchFamily="34" charset="-127"/>
+                <a:ea typeface="Gulim" panose="020B0600000101010101" pitchFamily="34" charset="-127"/>
+              </a:rPr>
+              <a:t>Démonstration</a:t>
+            </a:r>
+            <a:r>
+              <a:rPr lang="fr-CH" sz="4600" dirty="0" smtClean="0">
+                <a:latin typeface="Gulim" panose="020B0600000101010101" pitchFamily="34" charset="-127"/>
+                <a:ea typeface="Gulim" panose="020B0600000101010101" pitchFamily="34" charset="-127"/>
+              </a:rPr>
+              <a:t>!</a:t>
+            </a:r>
+            <a:endParaRPr lang="fr-CH" sz="4600" dirty="0">
+              <a:latin typeface="Gulim" panose="020B0600000101010101" pitchFamily="34" charset="-127"/>
+              <a:ea typeface="Gulim" panose="020B0600000101010101" pitchFamily="34" charset="-127"/>
+            </a:endParaRPr>
+          </a:p>
+        </p:txBody>
+      </p:sp>
+      <p:pic>
+        <p:nvPicPr>
+          <p:cNvPr id="6" name="Image 5"/>
+          <p:cNvPicPr>
+            <a:picLocks noChangeAspect="1"/>
+          </p:cNvPicPr>
+          <p:nvPr/>
+        </p:nvPicPr>
+        <p:blipFill>
+          <a:blip r:embed="rId2">
+            <a:extLst>
+              <a:ext uri="{28A0092B-C50C-407E-A947-70E740481C1C}">
+                <a14:useLocalDpi xmlns:a14="http://schemas.microsoft.com/office/drawing/2010/main" val="0"/>
+              </a:ext>
+            </a:extLst>
+          </a:blip>
+          <a:stretch>
+            <a:fillRect/>
+          </a:stretch>
+        </p:blipFill>
+        <p:spPr>
+          <a:xfrm>
+            <a:off x="11209408" y="2354284"/>
             <a:ext cx="501676" cy="1041454"/>
           </a:xfrm>
           <a:prstGeom prst="rect">
@@ -16832,259 +16881,23 @@
           </a:ln>
         </p:spPr>
       </p:pic>
-      <p:sp>
-        <p:nvSpPr>
-          <p:cNvPr id="6" name="Sous-titre 2"/>
-          <p:cNvSpPr txBox="1">
-            <a:spLocks/>
-          </p:cNvSpPr>
-          <p:nvPr/>
-        </p:nvSpPr>
-        <p:spPr>
-          <a:xfrm>
-            <a:off x="1125414" y="6103732"/>
-            <a:ext cx="4923693" cy="434974"/>
-          </a:xfrm>
-          <a:prstGeom prst="rect">
-            <a:avLst/>
-          </a:prstGeom>
-          <a:effectLst>
-            <a:outerShdw blurRad="50800" dir="14400000">
-              <a:srgbClr val="000000">
-                <a:alpha val="40000"/>
-              </a:srgbClr>
-            </a:outerShdw>
-          </a:effectLst>
-        </p:spPr>
-        <p:txBody>
-          <a:bodyPr vert="horz" lIns="91440" tIns="45720" rIns="91440" bIns="45720" rtlCol="0" anchor="t">
-            <a:normAutofit/>
-          </a:bodyPr>
-          <a:lstStyle>
-            <a:lvl1pPr marL="0" indent="0" algn="l" defTabSz="457200" rtl="0" eaLnBrk="1" latinLnBrk="0" hangingPunct="1">
-              <a:spcBef>
-                <a:spcPct val="20000"/>
-              </a:spcBef>
-              <a:spcAft>
-                <a:spcPts val="600"/>
-              </a:spcAft>
-              <a:buClr>
-                <a:schemeClr val="accent1"/>
-              </a:buClr>
-              <a:buFont typeface="Wingdings 2" charset="2"/>
-              <a:buNone/>
-              <a:defRPr sz="1800" kern="1200">
-                <a:solidFill>
-                  <a:schemeClr val="tx1"/>
-                </a:solidFill>
-                <a:latin typeface="+mn-lt"/>
-                <a:ea typeface="+mn-ea"/>
-                <a:cs typeface="+mn-cs"/>
-              </a:defRPr>
-            </a:lvl1pPr>
-            <a:lvl2pPr marL="457200" indent="0" algn="ctr" defTabSz="457200" rtl="0" eaLnBrk="1" latinLnBrk="0" hangingPunct="1">
-              <a:spcBef>
-                <a:spcPct val="20000"/>
-              </a:spcBef>
-              <a:spcAft>
-                <a:spcPts val="600"/>
-              </a:spcAft>
-              <a:buClr>
-                <a:schemeClr val="accent1"/>
-              </a:buClr>
-              <a:buFont typeface="Wingdings 2" charset="2"/>
-              <a:buNone/>
-              <a:defRPr sz="1600" kern="1200">
-                <a:solidFill>
-                  <a:schemeClr val="tx1">
-                    <a:tint val="75000"/>
-                  </a:schemeClr>
-                </a:solidFill>
-                <a:latin typeface="+mn-lt"/>
-                <a:ea typeface="+mn-ea"/>
-                <a:cs typeface="+mn-cs"/>
-              </a:defRPr>
-            </a:lvl2pPr>
-            <a:lvl3pPr marL="914400" indent="0" algn="ctr" defTabSz="457200" rtl="0" eaLnBrk="1" latinLnBrk="0" hangingPunct="1">
-              <a:spcBef>
-                <a:spcPct val="20000"/>
-              </a:spcBef>
-              <a:spcAft>
-                <a:spcPts val="600"/>
-              </a:spcAft>
-              <a:buClr>
-                <a:schemeClr val="accent1"/>
-              </a:buClr>
-              <a:buFont typeface="Wingdings 2" charset="2"/>
-              <a:buNone/>
-              <a:defRPr sz="1400" kern="1200">
-                <a:solidFill>
-                  <a:schemeClr val="tx1">
-                    <a:tint val="75000"/>
-                  </a:schemeClr>
-                </a:solidFill>
-                <a:latin typeface="+mn-lt"/>
-                <a:ea typeface="+mn-ea"/>
-                <a:cs typeface="+mn-cs"/>
-              </a:defRPr>
-            </a:lvl3pPr>
-            <a:lvl4pPr marL="1371600" indent="0" algn="ctr" defTabSz="457200" rtl="0" eaLnBrk="1" latinLnBrk="0" hangingPunct="1">
-              <a:spcBef>
-                <a:spcPct val="20000"/>
-              </a:spcBef>
-              <a:spcAft>
-                <a:spcPts val="600"/>
-              </a:spcAft>
-              <a:buClr>
-                <a:schemeClr val="accent1"/>
-              </a:buClr>
-              <a:buFont typeface="Wingdings 2" charset="2"/>
-              <a:buNone/>
-              <a:defRPr sz="1200" kern="1200">
-                <a:solidFill>
-                  <a:schemeClr val="tx1">
-                    <a:tint val="75000"/>
-                  </a:schemeClr>
-                </a:solidFill>
-                <a:latin typeface="+mn-lt"/>
-                <a:ea typeface="+mn-ea"/>
-                <a:cs typeface="+mn-cs"/>
-              </a:defRPr>
-            </a:lvl4pPr>
-            <a:lvl5pPr marL="1828800" indent="0" algn="ctr" defTabSz="457200" rtl="0" eaLnBrk="1" latinLnBrk="0" hangingPunct="1">
-              <a:spcBef>
-                <a:spcPct val="20000"/>
-              </a:spcBef>
-              <a:spcAft>
-                <a:spcPts val="600"/>
-              </a:spcAft>
-              <a:buClr>
-                <a:schemeClr val="accent1"/>
-              </a:buClr>
-              <a:buFont typeface="Wingdings 2" charset="2"/>
-              <a:buNone/>
-              <a:defRPr sz="1200" kern="1200">
-                <a:solidFill>
-                  <a:schemeClr val="tx1">
-                    <a:tint val="75000"/>
-                  </a:schemeClr>
-                </a:solidFill>
-                <a:latin typeface="+mn-lt"/>
-                <a:ea typeface="+mn-ea"/>
-                <a:cs typeface="+mn-cs"/>
-              </a:defRPr>
-            </a:lvl5pPr>
-            <a:lvl6pPr marL="2286000" indent="0" algn="ctr" defTabSz="457200" rtl="0" eaLnBrk="1" latinLnBrk="0" hangingPunct="1">
-              <a:spcBef>
-                <a:spcPct val="20000"/>
-              </a:spcBef>
-              <a:spcAft>
-                <a:spcPts val="600"/>
-              </a:spcAft>
-              <a:buClr>
-                <a:schemeClr val="accent1"/>
-              </a:buClr>
-              <a:buFont typeface="Wingdings 2" charset="2"/>
-              <a:buNone/>
-              <a:defRPr sz="1200" kern="1200">
-                <a:solidFill>
-                  <a:schemeClr val="tx1">
-                    <a:tint val="75000"/>
-                  </a:schemeClr>
-                </a:solidFill>
-                <a:latin typeface="+mn-lt"/>
-                <a:ea typeface="+mn-ea"/>
-                <a:cs typeface="+mn-cs"/>
-              </a:defRPr>
-            </a:lvl6pPr>
-            <a:lvl7pPr marL="2743200" indent="0" algn="ctr" defTabSz="457200" rtl="0" eaLnBrk="1" latinLnBrk="0" hangingPunct="1">
-              <a:spcBef>
-                <a:spcPct val="20000"/>
-              </a:spcBef>
-              <a:spcAft>
-                <a:spcPts val="600"/>
-              </a:spcAft>
-              <a:buClr>
-                <a:schemeClr val="accent1"/>
-              </a:buClr>
-              <a:buFont typeface="Wingdings 2" charset="2"/>
-              <a:buNone/>
-              <a:defRPr sz="1200" kern="1200">
-                <a:solidFill>
-                  <a:schemeClr val="tx1">
-                    <a:tint val="75000"/>
-                  </a:schemeClr>
-                </a:solidFill>
-                <a:latin typeface="+mn-lt"/>
-                <a:ea typeface="+mn-ea"/>
-                <a:cs typeface="+mn-cs"/>
-              </a:defRPr>
-            </a:lvl7pPr>
-            <a:lvl8pPr marL="3200400" indent="0" algn="ctr" defTabSz="457200" rtl="0" eaLnBrk="1" latinLnBrk="0" hangingPunct="1">
-              <a:spcBef>
-                <a:spcPct val="20000"/>
-              </a:spcBef>
-              <a:spcAft>
-                <a:spcPts val="600"/>
-              </a:spcAft>
-              <a:buClr>
-                <a:schemeClr val="accent1"/>
-              </a:buClr>
-              <a:buFont typeface="Wingdings 2" charset="2"/>
-              <a:buNone/>
-              <a:defRPr sz="1200" kern="1200">
-                <a:solidFill>
-                  <a:schemeClr val="tx1">
-                    <a:tint val="75000"/>
-                  </a:schemeClr>
-                </a:solidFill>
-                <a:latin typeface="+mn-lt"/>
-                <a:ea typeface="+mn-ea"/>
-                <a:cs typeface="+mn-cs"/>
-              </a:defRPr>
-            </a:lvl8pPr>
-            <a:lvl9pPr marL="3657600" indent="0" algn="ctr" defTabSz="457200" rtl="0" eaLnBrk="1" latinLnBrk="0" hangingPunct="1">
-              <a:spcBef>
-                <a:spcPct val="20000"/>
-              </a:spcBef>
-              <a:spcAft>
-                <a:spcPts val="600"/>
-              </a:spcAft>
-              <a:buClr>
-                <a:schemeClr val="accent1"/>
-              </a:buClr>
-              <a:buFont typeface="Wingdings 2" charset="2"/>
-              <a:buNone/>
-              <a:defRPr sz="1200" kern="1200">
-                <a:solidFill>
-                  <a:schemeClr val="tx1">
-                    <a:tint val="75000"/>
-                  </a:schemeClr>
-                </a:solidFill>
-                <a:latin typeface="+mn-lt"/>
-                <a:ea typeface="+mn-ea"/>
-                <a:cs typeface="+mn-cs"/>
-              </a:defRPr>
-            </a:lvl9pPr>
-          </a:lstStyle>
-          <a:p>
-            <a:r>
-              <a:rPr lang="fr-CH" sz="1600" dirty="0"/>
-              <a:t>https://github.com/SimoneRighitto/SFT15_Elisa</a:t>
-            </a:r>
-          </a:p>
-        </p:txBody>
-      </p:sp>
     </p:spTree>
     <p:extLst>
       <p:ext uri="{BB962C8B-B14F-4D97-AF65-F5344CB8AC3E}">
-        <p14:creationId xmlns:p14="http://schemas.microsoft.com/office/powerpoint/2010/main" val="777843363"/>
+        <p14:creationId xmlns:p14="http://schemas.microsoft.com/office/powerpoint/2010/main" val="3059808555"/>
       </p:ext>
     </p:extLst>
   </p:cSld>
   <p:clrMapOvr>
     <a:masterClrMapping/>
   </p:clrMapOvr>
+  <p:timing>
+    <p:tnLst>
+      <p:par>
+        <p:cTn id="1" dur="indefinite" restart="never" nodeType="tmRoot"/>
+      </p:par>
+    </p:tnLst>
+  </p:timing>
 </p:sld>
 </file>
 
@@ -18294,16 +18107,29 @@
             <a:pPr lvl="1"/>
             <a:r>
               <a:rPr lang="fr-CH" dirty="0" smtClean="0"/>
-              <a:t>L’antenne commandé par le </a:t>
+              <a:t>L’antenne </a:t>
+            </a:r>
+            <a:r>
+              <a:rPr lang="fr-CH" dirty="0" smtClean="0"/>
+              <a:t>commandée </a:t>
+            </a:r>
+            <a:r>
+              <a:rPr lang="fr-CH" dirty="0" smtClean="0"/>
+              <a:t>par le </a:t>
+            </a:r>
+            <a:r>
+              <a:rPr lang="fr-CH" dirty="0" err="1"/>
+              <a:t>R</a:t>
             </a:r>
             <a:r>
               <a:rPr lang="fr-CH" dirty="0" err="1" smtClean="0"/>
-              <a:t>raspberry</a:t>
+              <a:t>aspberry</a:t>
             </a:r>
             <a:r>
               <a:rPr lang="fr-CH" dirty="0" smtClean="0"/>
-              <a:t> Pi</a:t>
-            </a:r>
+              <a:t> Pie</a:t>
+            </a:r>
+            <a:endParaRPr lang="fr-CH" dirty="0" smtClean="0"/>
           </a:p>
           <a:p>
             <a:pPr lvl="1"/>
@@ -18318,16 +18144,38 @@
               <a:rPr lang="fr-CH" dirty="0" smtClean="0"/>
               <a:t>Son propre niveau de batterie</a:t>
             </a:r>
+          </a:p>
+          <a:p>
+            <a:r>
+              <a:rPr lang="fr-CH" dirty="0" smtClean="0"/>
+              <a:t>Le spectacle se termine après 2 minutes </a:t>
+            </a:r>
             <a:endParaRPr lang="fr-CH" dirty="0" smtClean="0"/>
           </a:p>
           <a:p>
             <a:r>
+              <a:rPr lang="fr-CH" dirty="0"/>
+              <a:t>L</a:t>
+            </a:r>
+            <a:r>
               <a:rPr lang="fr-CH" dirty="0" smtClean="0"/>
-              <a:t>Le spectacle se termine après 2 minutes et les robots retournent en attente du </a:t>
-            </a:r>
-            <a:r>
-              <a:rPr lang="fr-CH" dirty="0" err="1" smtClean="0"/>
-              <a:t>demarrage</a:t>
+              <a:t>es </a:t>
+            </a:r>
+            <a:r>
+              <a:rPr lang="fr-CH" dirty="0" smtClean="0"/>
+              <a:t>robots </a:t>
+            </a:r>
+            <a:r>
+              <a:rPr lang="fr-CH" dirty="0" smtClean="0"/>
+              <a:t>sont à nouveau en </a:t>
+            </a:r>
+            <a:r>
+              <a:rPr lang="fr-CH" dirty="0" smtClean="0"/>
+              <a:t>attente du </a:t>
+            </a:r>
+            <a:r>
+              <a:rPr lang="fr-CH" dirty="0" smtClean="0"/>
+              <a:t>démarrage</a:t>
             </a:r>
             <a:endParaRPr lang="fr-CH" dirty="0" smtClean="0"/>
           </a:p>
@@ -18818,57 +18666,141 @@
             <p:ph type="title"/>
           </p:nvPr>
         </p:nvSpPr>
-        <p:spPr/>
+        <p:spPr>
+          <a:xfrm>
+            <a:off x="1249251" y="446088"/>
+            <a:ext cx="3371434" cy="1511501"/>
+          </a:xfrm>
+        </p:spPr>
         <p:txBody>
           <a:bodyPr/>
           <a:lstStyle/>
           <a:p>
             <a:r>
-              <a:rPr lang="fr-CH" dirty="0" err="1"/>
-              <a:t>Raspberry</a:t>
-            </a:r>
-            <a:r>
-              <a:rPr lang="fr-CH" dirty="0"/>
-              <a:t> Pie et </a:t>
-            </a:r>
-            <a:r>
-              <a:rPr lang="fr-CH" dirty="0" err="1" smtClean="0"/>
-              <a:t>Phidget</a:t>
-            </a:r>
-            <a:r>
-              <a:rPr lang="fr-CH" dirty="0" smtClean="0"/>
-              <a:t> </a:t>
-            </a:r>
-            <a:r>
-              <a:rPr lang="fr-CH" dirty="0" err="1"/>
-              <a:t>Touchrotation</a:t>
-            </a:r>
-            <a:endParaRPr lang="fr-CH" dirty="0"/>
+              <a:rPr lang="fr-CH" sz="3600" dirty="0" smtClean="0">
+                <a:latin typeface="Gulim" panose="020B0600000101010101" pitchFamily="34" charset="-127"/>
+                <a:ea typeface="Gulim" panose="020B0600000101010101" pitchFamily="34" charset="-127"/>
+              </a:rPr>
+              <a:t>Démarrage</a:t>
+            </a:r>
+            <a:endParaRPr lang="fr-CH" sz="3600" dirty="0">
+              <a:latin typeface="Gulim" panose="020B0600000101010101" pitchFamily="34" charset="-127"/>
+              <a:ea typeface="Gulim" panose="020B0600000101010101" pitchFamily="34" charset="-127"/>
+            </a:endParaRPr>
           </a:p>
         </p:txBody>
       </p:sp>
       <p:sp>
         <p:nvSpPr>
-          <p:cNvPr id="3" name="Espace réservé du contenu 2"/>
+          <p:cNvPr id="4" name="Espace réservé du texte 3"/>
           <p:cNvSpPr>
             <a:spLocks noGrp="1"/>
           </p:cNvSpPr>
           <p:nvPr>
-            <p:ph idx="1"/>
+            <p:ph type="body" sz="half" idx="2"/>
           </p:nvPr>
         </p:nvSpPr>
-        <p:spPr/>
+        <p:spPr>
+          <a:xfrm>
+            <a:off x="1073151" y="2260738"/>
+            <a:ext cx="3694792" cy="3600311"/>
+          </a:xfrm>
+        </p:spPr>
         <p:txBody>
-          <a:bodyPr/>
+          <a:bodyPr>
+            <a:normAutofit/>
+          </a:bodyPr>
           <a:lstStyle/>
           <a:p>
-            <a:endParaRPr lang="fr-CH" dirty="0" smtClean="0"/>
+            <a:pPr marL="285750" indent="-285750">
+              <a:buFont typeface="Courier New" panose="02070309020205020404" pitchFamily="49" charset="0"/>
+              <a:buChar char="o"/>
+            </a:pPr>
+            <a:r>
+              <a:rPr lang="fr-CH" sz="1800" dirty="0" smtClean="0"/>
+              <a:t>L’antenne envoie un code (</a:t>
+            </a:r>
+            <a:r>
+              <a:rPr lang="fr-CH" sz="1800" dirty="0" err="1" smtClean="0"/>
+              <a:t>setFullRed</a:t>
+            </a:r>
+            <a:r>
+              <a:rPr lang="fr-CH" sz="1800" dirty="0" smtClean="0"/>
+              <a:t>) vers un robot qui </a:t>
+            </a:r>
+            <a:r>
+              <a:rPr lang="fr-CH" sz="1800" dirty="0" smtClean="0"/>
+              <a:t>devient </a:t>
+            </a:r>
+            <a:r>
+              <a:rPr lang="fr-CH" sz="1800" dirty="0" smtClean="0"/>
+              <a:t>le « danseur fou »</a:t>
+            </a:r>
+          </a:p>
+          <a:p>
+            <a:pPr marL="285750" indent="-285750">
+              <a:buFont typeface="Courier New" panose="02070309020205020404" pitchFamily="49" charset="0"/>
+              <a:buChar char="o"/>
+            </a:pPr>
+            <a:r>
+              <a:rPr lang="fr-CH" sz="1800" dirty="0" smtClean="0"/>
+              <a:t>Les autres robots attendent </a:t>
+            </a:r>
+            <a:r>
+              <a:rPr lang="fr-CH" sz="1800" dirty="0" smtClean="0"/>
+              <a:t>l’approche du danseur </a:t>
+            </a:r>
+            <a:r>
+              <a:rPr lang="fr-CH" sz="1800" dirty="0" smtClean="0"/>
+              <a:t>pour démarrer</a:t>
+            </a:r>
+          </a:p>
+          <a:p>
+            <a:pPr marL="285750" indent="-285750">
+              <a:buFont typeface="Courier New" panose="02070309020205020404" pitchFamily="49" charset="0"/>
+              <a:buChar char="o"/>
+            </a:pPr>
+            <a:r>
+              <a:rPr lang="fr-CH" sz="1800" dirty="0" smtClean="0"/>
+              <a:t>Si le niveau de batterie est trop faible, le robot se met à la recherche du chargeur.</a:t>
+            </a:r>
+            <a:endParaRPr lang="fr-CH" sz="1800" dirty="0"/>
           </a:p>
         </p:txBody>
       </p:sp>
-      <p:sp>
-        <p:nvSpPr>
-          <p:cNvPr id="5" name="Sous-titre 2"/>
+      <p:pic>
+        <p:nvPicPr>
+          <p:cNvPr id="5" name="Image 4"/>
+          <p:cNvPicPr>
+            <a:picLocks noChangeAspect="1"/>
+          </p:cNvPicPr>
+          <p:nvPr/>
+        </p:nvPicPr>
+        <p:blipFill>
+          <a:blip r:embed="rId3">
+            <a:extLst>
+              <a:ext uri="{28A0092B-C50C-407E-A947-70E740481C1C}">
+                <a14:useLocalDpi xmlns:a14="http://schemas.microsoft.com/office/drawing/2010/main" val="0"/>
+              </a:ext>
+            </a:extLst>
+          </a:blip>
+          <a:stretch>
+            <a:fillRect/>
+          </a:stretch>
+        </p:blipFill>
+        <p:spPr>
+          <a:xfrm>
+            <a:off x="11209408" y="2354284"/>
+            <a:ext cx="501676" cy="1041454"/>
+          </a:xfrm>
+          <a:prstGeom prst="rect">
+            <a:avLst/>
+          </a:prstGeom>
+        </p:spPr>
+      </p:pic>
+      <p:sp>
+        <p:nvSpPr>
+          <p:cNvPr id="6" name="Sous-titre 2"/>
           <p:cNvSpPr txBox="1">
             <a:spLocks/>
           </p:cNvSpPr>
@@ -19245,69 +19177,66 @@
           </a:p>
         </p:txBody>
       </p:sp>
-      <p:sp>
-        <p:nvSpPr>
-          <p:cNvPr id="6" name="Slide Number Placeholder 5"/>
-          <p:cNvSpPr>
-            <a:spLocks noGrp="1"/>
-          </p:cNvSpPr>
-          <p:nvPr>
-            <p:ph type="sldNum" sz="quarter" idx="12"/>
-          </p:nvPr>
-        </p:nvSpPr>
-        <p:spPr>
-          <a:xfrm>
-            <a:off x="10678331" y="5915888"/>
-            <a:ext cx="1062155" cy="490599"/>
-          </a:xfrm>
-        </p:spPr>
-        <p:txBody>
-          <a:bodyPr/>
-          <a:lstStyle/>
-          <a:p>
-            <a:fld id="{D57F1E4F-1CFF-5643-939E-217C01CDF565}" type="slidenum">
-              <a:rPr lang="en-US" smtClean="0"/>
-              <a:pPr/>
-              <a:t>6</a:t>
-            </a:fld>
-            <a:endParaRPr lang="en-US" dirty="0"/>
-          </a:p>
-        </p:txBody>
-      </p:sp>
       <p:pic>
         <p:nvPicPr>
-          <p:cNvPr id="7" name="Image 6"/>
+          <p:cNvPr id="6146" name="Picture 2"/>
           <p:cNvPicPr>
-            <a:picLocks noChangeAspect="1"/>
+            <a:picLocks noGrp="1" noChangeAspect="1" noChangeArrowheads="1"/>
           </p:cNvPicPr>
-          <p:nvPr/>
+          <p:nvPr>
+            <p:ph idx="1"/>
+          </p:nvPr>
         </p:nvPicPr>
-        <p:blipFill>
-          <a:blip r:embed="rId3">
+        <p:blipFill rotWithShape="1">
+          <a:blip r:embed="rId4">
             <a:extLst>
               <a:ext uri="{28A0092B-C50C-407E-A947-70E740481C1C}">
                 <a14:useLocalDpi xmlns:a14="http://schemas.microsoft.com/office/drawing/2010/main" val="0"/>
               </a:ext>
             </a:extLst>
           </a:blip>
-          <a:stretch>
-            <a:fillRect/>
-          </a:stretch>
+          <a:srcRect l="4118" r="8140"/>
+          <a:stretch/>
         </p:blipFill>
-        <p:spPr>
+        <p:spPr bwMode="auto">
           <a:xfrm>
-            <a:off x="11209408" y="2354284"/>
-            <a:ext cx="501676" cy="1041454"/>
+            <a:off x="5299760" y="554734"/>
+            <a:ext cx="5523685" cy="4822483"/>
           </a:xfrm>
-          <a:prstGeom prst="rect">
-            <a:avLst/>
+          <a:prstGeom prst="round2DiagRect">
+            <a:avLst>
+              <a:gd name="adj1" fmla="val 16667"/>
+              <a:gd name="adj2" fmla="val 0"/>
+            </a:avLst>
           </a:prstGeom>
+          <a:ln w="88900" cap="sq">
+            <a:solidFill>
+              <a:srgbClr val="FFFFFF"/>
+            </a:solidFill>
+            <a:miter lim="800000"/>
+          </a:ln>
+          <a:effectLst>
+            <a:outerShdw blurRad="254000" algn="tl" rotWithShape="0">
+              <a:srgbClr val="000000">
+                <a:alpha val="43000"/>
+              </a:srgbClr>
+            </a:outerShdw>
+          </a:effectLst>
+          <a:extLst>
+            <a:ext uri="{909E8E84-426E-40DD-AFC4-6F175D3DCCD1}">
+              <a14:hiddenFill xmlns:a14="http://schemas.microsoft.com/office/drawing/2010/main">
+                <a:solidFill>
+                  <a:schemeClr val="accent1"/>
+                </a:solidFill>
+              </a14:hiddenFill>
+            </a:ext>
+          </a:extLst>
         </p:spPr>
       </p:pic>
     </p:spTree>
     <p:extLst>
       <p:ext uri="{BB962C8B-B14F-4D97-AF65-F5344CB8AC3E}">
-        <p14:creationId xmlns:p14="http://schemas.microsoft.com/office/powerpoint/2010/main" val="3297813463"/>
+        <p14:creationId xmlns:p14="http://schemas.microsoft.com/office/powerpoint/2010/main" val="2048246669"/>
       </p:ext>
     </p:extLst>
   </p:cSld>
@@ -19351,125 +19280,77 @@
             <p:ph type="title"/>
           </p:nvPr>
         </p:nvSpPr>
-        <p:spPr>
-          <a:xfrm>
-            <a:off x="1249251" y="446088"/>
-            <a:ext cx="3371434" cy="1511501"/>
-          </a:xfrm>
-        </p:spPr>
+        <p:spPr/>
         <p:txBody>
           <a:bodyPr/>
           <a:lstStyle/>
           <a:p>
             <a:r>
-              <a:rPr lang="fr-CH" sz="3600" dirty="0" err="1" smtClean="0">
-                <a:latin typeface="Gulim" panose="020B0600000101010101" pitchFamily="34" charset="-127"/>
-                <a:ea typeface="Gulim" panose="020B0600000101010101" pitchFamily="34" charset="-127"/>
-              </a:rPr>
-              <a:t>Demarrage</a:t>
-            </a:r>
-            <a:endParaRPr lang="fr-CH" sz="3600" dirty="0">
-              <a:latin typeface="Gulim" panose="020B0600000101010101" pitchFamily="34" charset="-127"/>
-              <a:ea typeface="Gulim" panose="020B0600000101010101" pitchFamily="34" charset="-127"/>
-            </a:endParaRPr>
+              <a:rPr lang="fr-CH" dirty="0" smtClean="0"/>
+              <a:t>Mode de base</a:t>
+            </a:r>
+            <a:endParaRPr lang="fr-CH" dirty="0"/>
           </a:p>
         </p:txBody>
       </p:sp>
       <p:sp>
         <p:nvSpPr>
-          <p:cNvPr id="4" name="Espace réservé du texte 3"/>
+          <p:cNvPr id="3" name="Espace réservé du contenu 2"/>
           <p:cNvSpPr>
             <a:spLocks noGrp="1"/>
           </p:cNvSpPr>
           <p:nvPr>
-            <p:ph type="body" sz="half" idx="2"/>
+            <p:ph idx="1"/>
           </p:nvPr>
         </p:nvSpPr>
-        <p:spPr>
-          <a:xfrm>
-            <a:off x="1073151" y="2260738"/>
-            <a:ext cx="3694792" cy="3600311"/>
-          </a:xfrm>
-        </p:spPr>
+        <p:spPr/>
         <p:txBody>
-          <a:bodyPr>
-            <a:normAutofit/>
-          </a:bodyPr>
+          <a:bodyPr/>
           <a:lstStyle/>
           <a:p>
-            <a:pPr marL="285750" indent="-285750">
-              <a:buFont typeface="Courier New" panose="02070309020205020404" pitchFamily="49" charset="0"/>
-              <a:buChar char="o"/>
-            </a:pPr>
-            <a:r>
-              <a:rPr lang="fr-CH" sz="1800" dirty="0" smtClean="0"/>
-              <a:t>L’antenne envoie un code (</a:t>
-            </a:r>
-            <a:r>
-              <a:rPr lang="fr-CH" sz="1800" dirty="0" err="1" smtClean="0"/>
-              <a:t>setFullRed</a:t>
-            </a:r>
-            <a:r>
-              <a:rPr lang="fr-CH" sz="1800" dirty="0" smtClean="0"/>
-              <a:t>) vers un robot qui deviens le « danseur fou »</a:t>
-            </a:r>
-          </a:p>
-          <a:p>
-            <a:pPr marL="285750" indent="-285750">
-              <a:buFont typeface="Courier New" panose="02070309020205020404" pitchFamily="49" charset="0"/>
-              <a:buChar char="o"/>
-            </a:pPr>
-            <a:r>
-              <a:rPr lang="fr-CH" sz="1800" dirty="0" smtClean="0"/>
-              <a:t>Les autres robots attendent un contact de proximité du danseur pour démarrer</a:t>
-            </a:r>
-          </a:p>
-          <a:p>
-            <a:pPr marL="285750" indent="-285750">
-              <a:buFont typeface="Courier New" panose="02070309020205020404" pitchFamily="49" charset="0"/>
-              <a:buChar char="o"/>
-            </a:pPr>
-            <a:r>
-              <a:rPr lang="fr-CH" sz="1800" dirty="0" smtClean="0"/>
-              <a:t>Si le niveau de batterie est trop faible, le robot se met à la recherche du chargeur.</a:t>
-            </a:r>
-            <a:endParaRPr lang="fr-CH" sz="1800" dirty="0"/>
+            <a:r>
+              <a:rPr lang="fr-CH" dirty="0" smtClean="0"/>
+              <a:t>Le robot se déplace de manière aléatoire</a:t>
+            </a:r>
+          </a:p>
+          <a:p>
+            <a:r>
+              <a:rPr lang="fr-CH" dirty="0" smtClean="0"/>
+              <a:t>Il change de couleur </a:t>
+            </a:r>
+            <a:r>
+              <a:rPr lang="fr-CH" dirty="0" smtClean="0"/>
+              <a:t>aléatoirement toutes </a:t>
+            </a:r>
+            <a:r>
+              <a:rPr lang="fr-CH" dirty="0" smtClean="0"/>
+              <a:t>les 5 </a:t>
+            </a:r>
+            <a:r>
+              <a:rPr lang="fr-CH" dirty="0" smtClean="0"/>
+              <a:t>secondes</a:t>
+            </a:r>
+            <a:endParaRPr lang="fr-CH" dirty="0" smtClean="0"/>
+          </a:p>
+          <a:p>
+            <a:r>
+              <a:rPr lang="fr-CH" dirty="0" smtClean="0"/>
+              <a:t>Il effectue une </a:t>
+            </a:r>
+            <a:r>
+              <a:rPr lang="fr-CH" dirty="0" smtClean="0"/>
+              <a:t>danse </a:t>
+            </a:r>
+            <a:r>
+              <a:rPr lang="fr-CH" dirty="0" smtClean="0"/>
+              <a:t>toutes les 40 secondes</a:t>
+            </a:r>
           </a:p>
         </p:txBody>
       </p:sp>
-      <p:pic>
-        <p:nvPicPr>
-          <p:cNvPr id="5" name="Image 4"/>
-          <p:cNvPicPr>
-            <a:picLocks noChangeAspect="1"/>
-          </p:cNvPicPr>
-          <p:nvPr/>
-        </p:nvPicPr>
-        <p:blipFill>
-          <a:blip r:embed="rId3">
-            <a:extLst>
-              <a:ext uri="{28A0092B-C50C-407E-A947-70E740481C1C}">
-                <a14:useLocalDpi xmlns:a14="http://schemas.microsoft.com/office/drawing/2010/main" val="0"/>
-              </a:ext>
-            </a:extLst>
-          </a:blip>
-          <a:stretch>
-            <a:fillRect/>
-          </a:stretch>
-        </p:blipFill>
-        <p:spPr>
-          <a:xfrm>
-            <a:off x="11209408" y="2354284"/>
-            <a:ext cx="501676" cy="1041454"/>
-          </a:xfrm>
-          <a:prstGeom prst="rect">
-            <a:avLst/>
-          </a:prstGeom>
-        </p:spPr>
-      </p:pic>
-      <p:sp>
-        <p:nvSpPr>
-          <p:cNvPr id="6" name="Sous-titre 2"/>
+      <p:sp>
+        <p:nvSpPr>
+          <p:cNvPr id="5" name="Sous-titre 2"/>
           <p:cNvSpPr txBox="1">
             <a:spLocks/>
           </p:cNvSpPr>
@@ -19846,553 +19727,6 @@
           </a:p>
         </p:txBody>
       </p:sp>
-      <p:pic>
-        <p:nvPicPr>
-          <p:cNvPr id="6146" name="Picture 2"/>
-          <p:cNvPicPr>
-            <a:picLocks noGrp="1" noChangeAspect="1" noChangeArrowheads="1"/>
-          </p:cNvPicPr>
-          <p:nvPr>
-            <p:ph idx="1"/>
-          </p:nvPr>
-        </p:nvPicPr>
-        <p:blipFill rotWithShape="1">
-          <a:blip r:embed="rId4">
-            <a:extLst>
-              <a:ext uri="{28A0092B-C50C-407E-A947-70E740481C1C}">
-                <a14:useLocalDpi xmlns:a14="http://schemas.microsoft.com/office/drawing/2010/main" val="0"/>
-              </a:ext>
-            </a:extLst>
-          </a:blip>
-          <a:srcRect l="4118" r="8140"/>
-          <a:stretch/>
-        </p:blipFill>
-        <p:spPr bwMode="auto">
-          <a:xfrm>
-            <a:off x="5279570" y="1355733"/>
-            <a:ext cx="5377831" cy="4695144"/>
-          </a:xfrm>
-          <a:prstGeom prst="round2DiagRect">
-            <a:avLst>
-              <a:gd name="adj1" fmla="val 16667"/>
-              <a:gd name="adj2" fmla="val 0"/>
-            </a:avLst>
-          </a:prstGeom>
-          <a:ln w="88900" cap="sq">
-            <a:solidFill>
-              <a:srgbClr val="FFFFFF"/>
-            </a:solidFill>
-            <a:miter lim="800000"/>
-          </a:ln>
-          <a:effectLst>
-            <a:outerShdw blurRad="254000" algn="tl" rotWithShape="0">
-              <a:srgbClr val="000000">
-                <a:alpha val="43000"/>
-              </a:srgbClr>
-            </a:outerShdw>
-          </a:effectLst>
-          <a:extLst>
-            <a:ext uri="{909E8E84-426E-40DD-AFC4-6F175D3DCCD1}">
-              <a14:hiddenFill xmlns:a14="http://schemas.microsoft.com/office/drawing/2010/main">
-                <a:solidFill>
-                  <a:schemeClr val="accent1"/>
-                </a:solidFill>
-              </a14:hiddenFill>
-            </a:ext>
-            <a:ext uri="{91240B29-F687-4F45-9708-019B960494DF}">
-              <a14:hiddenLine xmlns:a14="http://schemas.microsoft.com/office/drawing/2010/main" w="9525">
-                <a:solidFill>
-                  <a:schemeClr val="tx1"/>
-                </a:solidFill>
-                <a:miter lim="800000"/>
-                <a:headEnd/>
-                <a:tailEnd/>
-              </a14:hiddenLine>
-            </a:ext>
-          </a:extLst>
-        </p:spPr>
-      </p:pic>
-    </p:spTree>
-    <p:extLst>
-      <p:ext uri="{BB962C8B-B14F-4D97-AF65-F5344CB8AC3E}">
-        <p14:creationId xmlns:p14="http://schemas.microsoft.com/office/powerpoint/2010/main" val="2048246669"/>
-      </p:ext>
-    </p:extLst>
-  </p:cSld>
-  <p:clrMapOvr>
-    <a:masterClrMapping/>
-  </p:clrMapOvr>
-  <p:timing>
-    <p:tnLst>
-      <p:par>
-        <p:cTn id="1" dur="indefinite" restart="never" nodeType="tmRoot"/>
-      </p:par>
-    </p:tnLst>
-  </p:timing>
-</p:sld>
-</file>
-
-<file path=ppt/slides/slide8.xml><?xml version="1.0" encoding="utf-8"?>
-<p:sld xmlns:a="http://schemas.openxmlformats.org/drawingml/2006/main" xmlns:r="http://schemas.openxmlformats.org/officeDocument/2006/relationships" xmlns:p="http://schemas.openxmlformats.org/presentationml/2006/main">
-  <p:cSld>
-    <p:spTree>
-      <p:nvGrpSpPr>
-        <p:cNvPr id="1" name=""/>
-        <p:cNvGrpSpPr/>
-        <p:nvPr/>
-      </p:nvGrpSpPr>
-      <p:grpSpPr>
-        <a:xfrm>
-          <a:off x="0" y="0"/>
-          <a:ext cx="0" cy="0"/>
-          <a:chOff x="0" y="0"/>
-          <a:chExt cx="0" cy="0"/>
-        </a:xfrm>
-      </p:grpSpPr>
-      <p:sp>
-        <p:nvSpPr>
-          <p:cNvPr id="2" name="Titre 1"/>
-          <p:cNvSpPr>
-            <a:spLocks noGrp="1"/>
-          </p:cNvSpPr>
-          <p:nvPr>
-            <p:ph type="title"/>
-          </p:nvPr>
-        </p:nvSpPr>
-        <p:spPr/>
-        <p:txBody>
-          <a:bodyPr/>
-          <a:lstStyle/>
-          <a:p>
-            <a:r>
-              <a:rPr lang="fr-CH" dirty="0" smtClean="0"/>
-              <a:t>Base mode</a:t>
-            </a:r>
-            <a:endParaRPr lang="fr-CH" dirty="0"/>
-          </a:p>
-        </p:txBody>
-      </p:sp>
-      <p:sp>
-        <p:nvSpPr>
-          <p:cNvPr id="3" name="Espace réservé du contenu 2"/>
-          <p:cNvSpPr>
-            <a:spLocks noGrp="1"/>
-          </p:cNvSpPr>
-          <p:nvPr>
-            <p:ph idx="1"/>
-          </p:nvPr>
-        </p:nvSpPr>
-        <p:spPr/>
-        <p:txBody>
-          <a:bodyPr/>
-          <a:lstStyle/>
-          <a:p>
-            <a:r>
-              <a:rPr lang="fr-CH" dirty="0" smtClean="0"/>
-              <a:t>Le robot se déplace de manière aléatoire</a:t>
-            </a:r>
-          </a:p>
-          <a:p>
-            <a:r>
-              <a:rPr lang="fr-CH" dirty="0" smtClean="0"/>
-              <a:t>Il change de couleur toutes les 5 secondes (couleur </a:t>
-            </a:r>
-            <a:r>
-              <a:rPr lang="fr-CH" dirty="0" err="1" smtClean="0"/>
-              <a:t>random</a:t>
-            </a:r>
-            <a:r>
-              <a:rPr lang="fr-CH" dirty="0" smtClean="0"/>
-              <a:t>)</a:t>
-            </a:r>
-          </a:p>
-          <a:p>
-            <a:r>
-              <a:rPr lang="fr-CH" dirty="0" smtClean="0"/>
-              <a:t>Il effectue une dance toutes les 40 secondes</a:t>
-            </a:r>
-          </a:p>
-        </p:txBody>
-      </p:sp>
-      <p:sp>
-        <p:nvSpPr>
-          <p:cNvPr id="5" name="Sous-titre 2"/>
-          <p:cNvSpPr txBox="1">
-            <a:spLocks/>
-          </p:cNvSpPr>
-          <p:nvPr/>
-        </p:nvSpPr>
-        <p:spPr>
-          <a:xfrm>
-            <a:off x="810001" y="6050877"/>
-            <a:ext cx="10572000" cy="434974"/>
-          </a:xfrm>
-          <a:prstGeom prst="rect">
-            <a:avLst/>
-          </a:prstGeom>
-          <a:effectLst>
-            <a:outerShdw blurRad="50800" dir="14400000">
-              <a:srgbClr val="000000">
-                <a:alpha val="40000"/>
-              </a:srgbClr>
-            </a:outerShdw>
-          </a:effectLst>
-        </p:spPr>
-        <p:txBody>
-          <a:bodyPr vert="horz" lIns="91440" tIns="45720" rIns="91440" bIns="45720" rtlCol="0" anchor="t">
-            <a:normAutofit/>
-          </a:bodyPr>
-          <a:lstStyle>
-            <a:lvl1pPr marL="0" indent="0" algn="l" defTabSz="457200" rtl="0" eaLnBrk="1" latinLnBrk="0" hangingPunct="1">
-              <a:spcBef>
-                <a:spcPct val="20000"/>
-              </a:spcBef>
-              <a:spcAft>
-                <a:spcPts val="600"/>
-              </a:spcAft>
-              <a:buClr>
-                <a:schemeClr val="accent1"/>
-              </a:buClr>
-              <a:buFont typeface="Wingdings 2" charset="2"/>
-              <a:buNone/>
-              <a:defRPr sz="1800" kern="1200">
-                <a:solidFill>
-                  <a:schemeClr val="tx1"/>
-                </a:solidFill>
-                <a:latin typeface="+mn-lt"/>
-                <a:ea typeface="+mn-ea"/>
-                <a:cs typeface="+mn-cs"/>
-              </a:defRPr>
-            </a:lvl1pPr>
-            <a:lvl2pPr marL="457200" indent="0" algn="ctr" defTabSz="457200" rtl="0" eaLnBrk="1" latinLnBrk="0" hangingPunct="1">
-              <a:spcBef>
-                <a:spcPct val="20000"/>
-              </a:spcBef>
-              <a:spcAft>
-                <a:spcPts val="600"/>
-              </a:spcAft>
-              <a:buClr>
-                <a:schemeClr val="accent1"/>
-              </a:buClr>
-              <a:buFont typeface="Wingdings 2" charset="2"/>
-              <a:buNone/>
-              <a:defRPr sz="1600" kern="1200">
-                <a:solidFill>
-                  <a:schemeClr val="tx1">
-                    <a:tint val="75000"/>
-                  </a:schemeClr>
-                </a:solidFill>
-                <a:latin typeface="+mn-lt"/>
-                <a:ea typeface="+mn-ea"/>
-                <a:cs typeface="+mn-cs"/>
-              </a:defRPr>
-            </a:lvl2pPr>
-            <a:lvl3pPr marL="914400" indent="0" algn="ctr" defTabSz="457200" rtl="0" eaLnBrk="1" latinLnBrk="0" hangingPunct="1">
-              <a:spcBef>
-                <a:spcPct val="20000"/>
-              </a:spcBef>
-              <a:spcAft>
-                <a:spcPts val="600"/>
-              </a:spcAft>
-              <a:buClr>
-                <a:schemeClr val="accent1"/>
-              </a:buClr>
-              <a:buFont typeface="Wingdings 2" charset="2"/>
-              <a:buNone/>
-              <a:defRPr sz="1400" kern="1200">
-                <a:solidFill>
-                  <a:schemeClr val="tx1">
-                    <a:tint val="75000"/>
-                  </a:schemeClr>
-                </a:solidFill>
-                <a:latin typeface="+mn-lt"/>
-                <a:ea typeface="+mn-ea"/>
-                <a:cs typeface="+mn-cs"/>
-              </a:defRPr>
-            </a:lvl3pPr>
-            <a:lvl4pPr marL="1371600" indent="0" algn="ctr" defTabSz="457200" rtl="0" eaLnBrk="1" latinLnBrk="0" hangingPunct="1">
-              <a:spcBef>
-                <a:spcPct val="20000"/>
-              </a:spcBef>
-              <a:spcAft>
-                <a:spcPts val="600"/>
-              </a:spcAft>
-              <a:buClr>
-                <a:schemeClr val="accent1"/>
-              </a:buClr>
-              <a:buFont typeface="Wingdings 2" charset="2"/>
-              <a:buNone/>
-              <a:defRPr sz="1200" kern="1200">
-                <a:solidFill>
-                  <a:schemeClr val="tx1">
-                    <a:tint val="75000"/>
-                  </a:schemeClr>
-                </a:solidFill>
-                <a:latin typeface="+mn-lt"/>
-                <a:ea typeface="+mn-ea"/>
-                <a:cs typeface="+mn-cs"/>
-              </a:defRPr>
-            </a:lvl4pPr>
-            <a:lvl5pPr marL="1828800" indent="0" algn="ctr" defTabSz="457200" rtl="0" eaLnBrk="1" latinLnBrk="0" hangingPunct="1">
-              <a:spcBef>
-                <a:spcPct val="20000"/>
-              </a:spcBef>
-              <a:spcAft>
-                <a:spcPts val="600"/>
-              </a:spcAft>
-              <a:buClr>
-                <a:schemeClr val="accent1"/>
-              </a:buClr>
-              <a:buFont typeface="Wingdings 2" charset="2"/>
-              <a:buNone/>
-              <a:defRPr sz="1200" kern="1200">
-                <a:solidFill>
-                  <a:schemeClr val="tx1">
-                    <a:tint val="75000"/>
-                  </a:schemeClr>
-                </a:solidFill>
-                <a:latin typeface="+mn-lt"/>
-                <a:ea typeface="+mn-ea"/>
-                <a:cs typeface="+mn-cs"/>
-              </a:defRPr>
-            </a:lvl5pPr>
-            <a:lvl6pPr marL="2286000" indent="0" algn="ctr" defTabSz="457200" rtl="0" eaLnBrk="1" latinLnBrk="0" hangingPunct="1">
-              <a:spcBef>
-                <a:spcPct val="20000"/>
-              </a:spcBef>
-              <a:spcAft>
-                <a:spcPts val="600"/>
-              </a:spcAft>
-              <a:buClr>
-                <a:schemeClr val="accent1"/>
-              </a:buClr>
-              <a:buFont typeface="Wingdings 2" charset="2"/>
-              <a:buNone/>
-              <a:defRPr sz="1200" kern="1200">
-                <a:solidFill>
-                  <a:schemeClr val="tx1">
-                    <a:tint val="75000"/>
-                  </a:schemeClr>
-                </a:solidFill>
-                <a:latin typeface="+mn-lt"/>
-                <a:ea typeface="+mn-ea"/>
-                <a:cs typeface="+mn-cs"/>
-              </a:defRPr>
-            </a:lvl6pPr>
-            <a:lvl7pPr marL="2743200" indent="0" algn="ctr" defTabSz="457200" rtl="0" eaLnBrk="1" latinLnBrk="0" hangingPunct="1">
-              <a:spcBef>
-                <a:spcPct val="20000"/>
-              </a:spcBef>
-              <a:spcAft>
-                <a:spcPts val="600"/>
-              </a:spcAft>
-              <a:buClr>
-                <a:schemeClr val="accent1"/>
-              </a:buClr>
-              <a:buFont typeface="Wingdings 2" charset="2"/>
-              <a:buNone/>
-              <a:defRPr sz="1200" kern="1200">
-                <a:solidFill>
-                  <a:schemeClr val="tx1">
-                    <a:tint val="75000"/>
-                  </a:schemeClr>
-                </a:solidFill>
-                <a:latin typeface="+mn-lt"/>
-                <a:ea typeface="+mn-ea"/>
-                <a:cs typeface="+mn-cs"/>
-              </a:defRPr>
-            </a:lvl7pPr>
-            <a:lvl8pPr marL="3200400" indent="0" algn="ctr" defTabSz="457200" rtl="0" eaLnBrk="1" latinLnBrk="0" hangingPunct="1">
-              <a:spcBef>
-                <a:spcPct val="20000"/>
-              </a:spcBef>
-              <a:spcAft>
-                <a:spcPts val="600"/>
-              </a:spcAft>
-              <a:buClr>
-                <a:schemeClr val="accent1"/>
-              </a:buClr>
-              <a:buFont typeface="Wingdings 2" charset="2"/>
-              <a:buNone/>
-              <a:defRPr sz="1200" kern="1200">
-                <a:solidFill>
-                  <a:schemeClr val="tx1">
-                    <a:tint val="75000"/>
-                  </a:schemeClr>
-                </a:solidFill>
-                <a:latin typeface="+mn-lt"/>
-                <a:ea typeface="+mn-ea"/>
-                <a:cs typeface="+mn-cs"/>
-              </a:defRPr>
-            </a:lvl8pPr>
-            <a:lvl9pPr marL="3657600" indent="0" algn="ctr" defTabSz="457200" rtl="0" eaLnBrk="1" latinLnBrk="0" hangingPunct="1">
-              <a:spcBef>
-                <a:spcPct val="20000"/>
-              </a:spcBef>
-              <a:spcAft>
-                <a:spcPts val="600"/>
-              </a:spcAft>
-              <a:buClr>
-                <a:schemeClr val="accent1"/>
-              </a:buClr>
-              <a:buFont typeface="Wingdings 2" charset="2"/>
-              <a:buNone/>
-              <a:defRPr sz="1200" kern="1200">
-                <a:solidFill>
-                  <a:schemeClr val="tx1">
-                    <a:tint val="75000"/>
-                  </a:schemeClr>
-                </a:solidFill>
-                <a:latin typeface="+mn-lt"/>
-                <a:ea typeface="+mn-ea"/>
-                <a:cs typeface="+mn-cs"/>
-              </a:defRPr>
-            </a:lvl9pPr>
-          </a:lstStyle>
-          <a:p>
-            <a:r>
-              <a:rPr lang="fr-CH" sz="1500" dirty="0" smtClean="0">
-                <a:solidFill>
-                  <a:schemeClr val="bg2">
-                    <a:lumMod val="50000"/>
-                    <a:lumOff val="50000"/>
-                  </a:schemeClr>
-                </a:solidFill>
-                <a:latin typeface="Gulim" panose="020B0600000101010101" pitchFamily="34" charset="-127"/>
-                <a:ea typeface="Gulim" panose="020B0600000101010101" pitchFamily="34" charset="-127"/>
-              </a:rPr>
-              <a:t>A. </a:t>
-            </a:r>
-            <a:r>
-              <a:rPr lang="fr-CH" sz="1500" dirty="0" err="1" smtClean="0">
-                <a:solidFill>
-                  <a:schemeClr val="bg2">
-                    <a:lumMod val="50000"/>
-                    <a:lumOff val="50000"/>
-                  </a:schemeClr>
-                </a:solidFill>
-                <a:latin typeface="Gulim" panose="020B0600000101010101" pitchFamily="34" charset="-127"/>
-                <a:ea typeface="Gulim" panose="020B0600000101010101" pitchFamily="34" charset="-127"/>
-              </a:rPr>
-              <a:t>Desclouds</a:t>
-            </a:r>
-            <a:r>
-              <a:rPr lang="fr-CH" sz="1500" dirty="0" smtClean="0">
-                <a:solidFill>
-                  <a:schemeClr val="bg2">
-                    <a:lumMod val="50000"/>
-                    <a:lumOff val="50000"/>
-                  </a:schemeClr>
-                </a:solidFill>
-                <a:latin typeface="Gulim" panose="020B0600000101010101" pitchFamily="34" charset="-127"/>
-                <a:ea typeface="Gulim" panose="020B0600000101010101" pitchFamily="34" charset="-127"/>
-              </a:rPr>
-              <a:t>, </a:t>
-            </a:r>
-            <a:r>
-              <a:rPr lang="fr-CH" sz="1500" dirty="0" err="1" smtClean="0">
-                <a:solidFill>
-                  <a:schemeClr val="bg2">
-                    <a:lumMod val="50000"/>
-                    <a:lumOff val="50000"/>
-                  </a:schemeClr>
-                </a:solidFill>
-                <a:latin typeface="Gulim" panose="020B0600000101010101" pitchFamily="34" charset="-127"/>
-                <a:ea typeface="Gulim" panose="020B0600000101010101" pitchFamily="34" charset="-127"/>
-              </a:rPr>
-              <a:t>A.Hug</a:t>
-            </a:r>
-            <a:r>
-              <a:rPr lang="fr-CH" sz="1500" dirty="0" smtClean="0">
-                <a:solidFill>
-                  <a:schemeClr val="bg2">
-                    <a:lumMod val="50000"/>
-                    <a:lumOff val="50000"/>
-                  </a:schemeClr>
-                </a:solidFill>
-                <a:latin typeface="Gulim" panose="020B0600000101010101" pitchFamily="34" charset="-127"/>
-                <a:ea typeface="Gulim" panose="020B0600000101010101" pitchFamily="34" charset="-127"/>
-              </a:rPr>
-              <a:t>, S. </a:t>
-            </a:r>
-            <a:r>
-              <a:rPr lang="fr-CH" sz="1500" dirty="0" err="1" smtClean="0">
-                <a:solidFill>
-                  <a:schemeClr val="bg2">
-                    <a:lumMod val="50000"/>
-                    <a:lumOff val="50000"/>
-                  </a:schemeClr>
-                </a:solidFill>
-                <a:latin typeface="Gulim" panose="020B0600000101010101" pitchFamily="34" charset="-127"/>
-                <a:ea typeface="Gulim" panose="020B0600000101010101" pitchFamily="34" charset="-127"/>
-              </a:rPr>
-              <a:t>Righitto</a:t>
-            </a:r>
-            <a:r>
-              <a:rPr lang="fr-CH" sz="1500" dirty="0" smtClean="0">
-                <a:solidFill>
-                  <a:schemeClr val="bg2">
-                    <a:lumMod val="50000"/>
-                    <a:lumOff val="50000"/>
-                  </a:schemeClr>
-                </a:solidFill>
-                <a:latin typeface="Gulim" panose="020B0600000101010101" pitchFamily="34" charset="-127"/>
-                <a:ea typeface="Gulim" panose="020B0600000101010101" pitchFamily="34" charset="-127"/>
-              </a:rPr>
-              <a:t>, F. </a:t>
-            </a:r>
-            <a:r>
-              <a:rPr lang="fr-CH" sz="1500" dirty="0" err="1" smtClean="0">
-                <a:solidFill>
-                  <a:schemeClr val="bg2">
-                    <a:lumMod val="50000"/>
-                    <a:lumOff val="50000"/>
-                  </a:schemeClr>
-                </a:solidFill>
-                <a:latin typeface="Gulim" panose="020B0600000101010101" pitchFamily="34" charset="-127"/>
-                <a:ea typeface="Gulim" panose="020B0600000101010101" pitchFamily="34" charset="-127"/>
-              </a:rPr>
-              <a:t>Saam</a:t>
-            </a:r>
-            <a:r>
-              <a:rPr lang="fr-CH" sz="1500" dirty="0" smtClean="0">
-                <a:solidFill>
-                  <a:schemeClr val="bg2">
-                    <a:lumMod val="50000"/>
-                    <a:lumOff val="50000"/>
-                  </a:schemeClr>
-                </a:solidFill>
-                <a:latin typeface="Gulim" panose="020B0600000101010101" pitchFamily="34" charset="-127"/>
-                <a:ea typeface="Gulim" panose="020B0600000101010101" pitchFamily="34" charset="-127"/>
-              </a:rPr>
-              <a:t>	</a:t>
-            </a:r>
-            <a:r>
-              <a:rPr lang="fr-CH" sz="1600" dirty="0" smtClean="0">
-                <a:solidFill>
-                  <a:schemeClr val="bg2">
-                    <a:lumMod val="50000"/>
-                    <a:lumOff val="50000"/>
-                  </a:schemeClr>
-                </a:solidFill>
-                <a:latin typeface="Gulim" panose="020B0600000101010101" pitchFamily="34" charset="-127"/>
-                <a:ea typeface="Gulim" panose="020B0600000101010101" pitchFamily="34" charset="-127"/>
-              </a:rPr>
-              <a:t>											</a:t>
-            </a:r>
-            <a:endParaRPr lang="fr-CH" sz="1600" dirty="0">
-              <a:solidFill>
-                <a:schemeClr val="bg2">
-                  <a:lumMod val="50000"/>
-                  <a:lumOff val="50000"/>
-                </a:schemeClr>
-              </a:solidFill>
-              <a:latin typeface="Gulim" panose="020B0600000101010101" pitchFamily="34" charset="-127"/>
-              <a:ea typeface="Gulim" panose="020B0600000101010101" pitchFamily="34" charset="-127"/>
-            </a:endParaRPr>
-          </a:p>
-        </p:txBody>
-      </p:sp>
       <p:sp>
         <p:nvSpPr>
           <p:cNvPr id="6" name="Slide Number Placeholder 5"/>
@@ -20416,7 +19750,7 @@
             <a:fld id="{D57F1E4F-1CFF-5643-939E-217C01CDF565}" type="slidenum">
               <a:rPr lang="en-US" smtClean="0"/>
               <a:pPr/>
-              <a:t>8</a:t>
+              <a:t>7</a:t>
             </a:fld>
             <a:endParaRPr lang="en-US" dirty="0"/>
           </a:p>
@@ -20472,7 +19806,7 @@
 </p:sld>
 </file>
 
-<file path=ppt/slides/slide9.xml><?xml version="1.0" encoding="utf-8"?>
+<file path=ppt/slides/slide8.xml><?xml version="1.0" encoding="utf-8"?>
 <p:sld xmlns:a="http://schemas.openxmlformats.org/drawingml/2006/main" xmlns:r="http://schemas.openxmlformats.org/officeDocument/2006/relationships" xmlns:p="http://schemas.openxmlformats.org/presentationml/2006/main">
   <p:cSld>
     <p:spTree>
@@ -20506,7 +19840,7 @@
           <a:p>
             <a:r>
               <a:rPr lang="fr-CH" dirty="0" smtClean="0"/>
-              <a:t>Rechargement</a:t>
+              <a:t>Suivi de ligne et rechargement</a:t>
             </a:r>
             <a:endParaRPr lang="fr-CH" dirty="0"/>
           </a:p>
@@ -20535,30 +19869,45 @@
           <a:p>
             <a:r>
               <a:rPr lang="fr-CH" dirty="0" smtClean="0"/>
-              <a:t>Puis: Lignes </a:t>
-            </a:r>
+              <a:t>Puis: Lignes blanches (dégradées) sur noir</a:t>
+            </a:r>
+          </a:p>
+          <a:p>
+            <a:endParaRPr lang="fr-CH" dirty="0"/>
+          </a:p>
+          <a:p>
             <a:r>
               <a:rPr lang="fr-CH" dirty="0" smtClean="0"/>
-              <a:t>blanches (dégradées) </a:t>
+              <a:t>Idée </a:t>
             </a:r>
             <a:r>
               <a:rPr lang="fr-CH" dirty="0" smtClean="0"/>
-              <a:t>sur </a:t>
+              <a:t>: </a:t>
             </a:r>
             <a:r>
               <a:rPr lang="fr-CH" dirty="0" smtClean="0"/>
-              <a:t>noir</a:t>
-            </a:r>
-          </a:p>
-          <a:p>
-            <a:endParaRPr lang="fr-CH" dirty="0"/>
-          </a:p>
-          <a:p>
+              <a:t>quand le niveau de batterie du robot est trop bas, il </a:t>
+            </a:r>
             <a:r>
               <a:rPr lang="fr-CH" dirty="0" smtClean="0"/>
-              <a:t>Idée principale: quand le niveau de batterie du robot est trop bas, il va chercher des lignes qui le guiderons sur la station de rechargement.</a:t>
-            </a:r>
-            <a:endParaRPr lang="fr-CH" dirty="0" smtClean="0"/>
+              <a:t>cherche </a:t>
+            </a:r>
+            <a:r>
+              <a:rPr lang="fr-CH" dirty="0" smtClean="0"/>
+              <a:t>des </a:t>
+            </a:r>
+            <a:r>
+              <a:rPr lang="fr-CH" dirty="0" smtClean="0"/>
+              <a:t>lignes qui le </a:t>
+            </a:r>
+            <a:r>
+              <a:rPr lang="fr-CH" dirty="0" smtClean="0"/>
+              <a:t>guideront à la </a:t>
+            </a:r>
+            <a:r>
+              <a:rPr lang="fr-CH" dirty="0" smtClean="0"/>
+              <a:t>station de rechargement.</a:t>
+            </a:r>
           </a:p>
         </p:txBody>
       </p:sp>
@@ -20964,7 +20313,7 @@
             <a:fld id="{D57F1E4F-1CFF-5643-939E-217C01CDF565}" type="slidenum">
               <a:rPr lang="en-US" smtClean="0"/>
               <a:pPr/>
-              <a:t>9</a:t>
+              <a:t>8</a:t>
             </a:fld>
             <a:endParaRPr lang="en-US" dirty="0"/>
           </a:p>
@@ -21017,6 +20366,555 @@
       </p:par>
     </p:tnLst>
   </p:timing>
+</p:sld>
+</file>
+
+<file path=ppt/slides/slide9.xml><?xml version="1.0" encoding="utf-8"?>
+<p:sld xmlns:a="http://schemas.openxmlformats.org/drawingml/2006/main" xmlns:r="http://schemas.openxmlformats.org/officeDocument/2006/relationships" xmlns:p="http://schemas.openxmlformats.org/presentationml/2006/main">
+  <p:cSld>
+    <p:spTree>
+      <p:nvGrpSpPr>
+        <p:cNvPr id="1" name=""/>
+        <p:cNvGrpSpPr/>
+        <p:nvPr/>
+      </p:nvGrpSpPr>
+      <p:grpSpPr>
+        <a:xfrm>
+          <a:off x="0" y="0"/>
+          <a:ext cx="0" cy="0"/>
+          <a:chOff x="0" y="0"/>
+          <a:chExt cx="0" cy="0"/>
+        </a:xfrm>
+      </p:grpSpPr>
+      <p:sp>
+        <p:nvSpPr>
+          <p:cNvPr id="2" name="Titre 1"/>
+          <p:cNvSpPr>
+            <a:spLocks noGrp="1"/>
+          </p:cNvSpPr>
+          <p:nvPr>
+            <p:ph type="title"/>
+          </p:nvPr>
+        </p:nvSpPr>
+        <p:spPr>
+          <a:xfrm>
+            <a:off x="1249251" y="446088"/>
+            <a:ext cx="3371434" cy="1511501"/>
+          </a:xfrm>
+        </p:spPr>
+        <p:txBody>
+          <a:bodyPr/>
+          <a:lstStyle/>
+          <a:p>
+            <a:r>
+              <a:rPr lang="fr-CH" sz="3600" dirty="0">
+                <a:latin typeface="Gulim" panose="020B0600000101010101" pitchFamily="34" charset="-127"/>
+                <a:ea typeface="Gulim" panose="020B0600000101010101" pitchFamily="34" charset="-127"/>
+              </a:rPr>
+              <a:t>Suivi de </a:t>
+            </a:r>
+            <a:r>
+              <a:rPr lang="fr-CH" sz="3600" dirty="0" smtClean="0">
+                <a:latin typeface="Gulim" panose="020B0600000101010101" pitchFamily="34" charset="-127"/>
+                <a:ea typeface="Gulim" panose="020B0600000101010101" pitchFamily="34" charset="-127"/>
+              </a:rPr>
+              <a:t>ligne </a:t>
+            </a:r>
+            <a:r>
+              <a:rPr lang="fr-CH" sz="2400" dirty="0" smtClean="0">
+                <a:latin typeface="Gulim" panose="020B0600000101010101" pitchFamily="34" charset="-127"/>
+                <a:ea typeface="Gulim" panose="020B0600000101010101" pitchFamily="34" charset="-127"/>
+              </a:rPr>
+              <a:t>(1) lignes noires</a:t>
+            </a:r>
+            <a:endParaRPr lang="fr-CH" sz="2800" dirty="0">
+              <a:latin typeface="Gulim" panose="020B0600000101010101" pitchFamily="34" charset="-127"/>
+              <a:ea typeface="Gulim" panose="020B0600000101010101" pitchFamily="34" charset="-127"/>
+            </a:endParaRPr>
+          </a:p>
+        </p:txBody>
+      </p:sp>
+      <p:sp>
+        <p:nvSpPr>
+          <p:cNvPr id="3" name="Espace réservé du contenu 2"/>
+          <p:cNvSpPr>
+            <a:spLocks noGrp="1"/>
+          </p:cNvSpPr>
+          <p:nvPr>
+            <p:ph idx="1"/>
+          </p:nvPr>
+        </p:nvSpPr>
+        <p:spPr>
+          <a:xfrm>
+            <a:off x="4855633" y="2260737"/>
+            <a:ext cx="6252633" cy="3600313"/>
+          </a:xfrm>
+        </p:spPr>
+        <p:txBody>
+          <a:bodyPr anchor="t" anchorCtr="0"/>
+          <a:lstStyle/>
+          <a:p>
+            <a:pPr marL="0" indent="0">
+              <a:buNone/>
+            </a:pPr>
+            <a:r>
+              <a:rPr lang="fr-CH" dirty="0" smtClean="0">
+                <a:latin typeface="Consolas" panose="020B0609020204030204" pitchFamily="49" charset="0"/>
+                <a:cs typeface="Consolas" panose="020B0609020204030204" pitchFamily="49" charset="0"/>
+              </a:rPr>
+              <a:t>Code ici</a:t>
+            </a:r>
+            <a:endParaRPr lang="fr-CH" dirty="0">
+              <a:latin typeface="Consolas" panose="020B0609020204030204" pitchFamily="49" charset="0"/>
+              <a:cs typeface="Consolas" panose="020B0609020204030204" pitchFamily="49" charset="0"/>
+            </a:endParaRPr>
+          </a:p>
+        </p:txBody>
+      </p:sp>
+      <p:sp>
+        <p:nvSpPr>
+          <p:cNvPr id="4" name="Espace réservé du texte 3"/>
+          <p:cNvSpPr>
+            <a:spLocks noGrp="1"/>
+          </p:cNvSpPr>
+          <p:nvPr>
+            <p:ph type="body" sz="half" idx="2"/>
+          </p:nvPr>
+        </p:nvSpPr>
+        <p:spPr/>
+        <p:txBody>
+          <a:bodyPr>
+            <a:normAutofit/>
+          </a:bodyPr>
+          <a:lstStyle/>
+          <a:p>
+            <a:pPr marL="285750" indent="-285750">
+              <a:buFont typeface="Courier New" panose="02070309020205020404" pitchFamily="49" charset="0"/>
+              <a:buChar char="o"/>
+            </a:pPr>
+            <a:endParaRPr lang="fr-CH" sz="1800" dirty="0"/>
+          </a:p>
+        </p:txBody>
+      </p:sp>
+      <p:pic>
+        <p:nvPicPr>
+          <p:cNvPr id="5" name="Image 4"/>
+          <p:cNvPicPr>
+            <a:picLocks noChangeAspect="1"/>
+          </p:cNvPicPr>
+          <p:nvPr/>
+        </p:nvPicPr>
+        <p:blipFill>
+          <a:blip r:embed="rId3">
+            <a:extLst>
+              <a:ext uri="{28A0092B-C50C-407E-A947-70E740481C1C}">
+                <a14:useLocalDpi xmlns:a14="http://schemas.microsoft.com/office/drawing/2010/main" val="0"/>
+              </a:ext>
+            </a:extLst>
+          </a:blip>
+          <a:stretch>
+            <a:fillRect/>
+          </a:stretch>
+        </p:blipFill>
+        <p:spPr>
+          <a:xfrm>
+            <a:off x="11209408" y="2354284"/>
+            <a:ext cx="501676" cy="1041454"/>
+          </a:xfrm>
+          <a:prstGeom prst="rect">
+            <a:avLst/>
+          </a:prstGeom>
+        </p:spPr>
+      </p:pic>
+      <p:sp>
+        <p:nvSpPr>
+          <p:cNvPr id="6" name="Sous-titre 2"/>
+          <p:cNvSpPr txBox="1">
+            <a:spLocks/>
+          </p:cNvSpPr>
+          <p:nvPr/>
+        </p:nvSpPr>
+        <p:spPr>
+          <a:xfrm>
+            <a:off x="810001" y="6050877"/>
+            <a:ext cx="10572000" cy="434974"/>
+          </a:xfrm>
+          <a:prstGeom prst="rect">
+            <a:avLst/>
+          </a:prstGeom>
+          <a:effectLst>
+            <a:outerShdw blurRad="50800" dir="14400000">
+              <a:srgbClr val="000000">
+                <a:alpha val="40000"/>
+              </a:srgbClr>
+            </a:outerShdw>
+          </a:effectLst>
+        </p:spPr>
+        <p:txBody>
+          <a:bodyPr vert="horz" lIns="91440" tIns="45720" rIns="91440" bIns="45720" rtlCol="0" anchor="t">
+            <a:normAutofit/>
+          </a:bodyPr>
+          <a:lstStyle>
+            <a:lvl1pPr marL="0" indent="0" algn="l" defTabSz="457200" rtl="0" eaLnBrk="1" latinLnBrk="0" hangingPunct="1">
+              <a:spcBef>
+                <a:spcPct val="20000"/>
+              </a:spcBef>
+              <a:spcAft>
+                <a:spcPts val="600"/>
+              </a:spcAft>
+              <a:buClr>
+                <a:schemeClr val="accent1"/>
+              </a:buClr>
+              <a:buFont typeface="Wingdings 2" charset="2"/>
+              <a:buNone/>
+              <a:defRPr sz="1800" kern="1200">
+                <a:solidFill>
+                  <a:schemeClr val="tx1"/>
+                </a:solidFill>
+                <a:latin typeface="+mn-lt"/>
+                <a:ea typeface="+mn-ea"/>
+                <a:cs typeface="+mn-cs"/>
+              </a:defRPr>
+            </a:lvl1pPr>
+            <a:lvl2pPr marL="457200" indent="0" algn="ctr" defTabSz="457200" rtl="0" eaLnBrk="1" latinLnBrk="0" hangingPunct="1">
+              <a:spcBef>
+                <a:spcPct val="20000"/>
+              </a:spcBef>
+              <a:spcAft>
+                <a:spcPts val="600"/>
+              </a:spcAft>
+              <a:buClr>
+                <a:schemeClr val="accent1"/>
+              </a:buClr>
+              <a:buFont typeface="Wingdings 2" charset="2"/>
+              <a:buNone/>
+              <a:defRPr sz="1600" kern="1200">
+                <a:solidFill>
+                  <a:schemeClr val="tx1">
+                    <a:tint val="75000"/>
+                  </a:schemeClr>
+                </a:solidFill>
+                <a:latin typeface="+mn-lt"/>
+                <a:ea typeface="+mn-ea"/>
+                <a:cs typeface="+mn-cs"/>
+              </a:defRPr>
+            </a:lvl2pPr>
+            <a:lvl3pPr marL="914400" indent="0" algn="ctr" defTabSz="457200" rtl="0" eaLnBrk="1" latinLnBrk="0" hangingPunct="1">
+              <a:spcBef>
+                <a:spcPct val="20000"/>
+              </a:spcBef>
+              <a:spcAft>
+                <a:spcPts val="600"/>
+              </a:spcAft>
+              <a:buClr>
+                <a:schemeClr val="accent1"/>
+              </a:buClr>
+              <a:buFont typeface="Wingdings 2" charset="2"/>
+              <a:buNone/>
+              <a:defRPr sz="1400" kern="1200">
+                <a:solidFill>
+                  <a:schemeClr val="tx1">
+                    <a:tint val="75000"/>
+                  </a:schemeClr>
+                </a:solidFill>
+                <a:latin typeface="+mn-lt"/>
+                <a:ea typeface="+mn-ea"/>
+                <a:cs typeface="+mn-cs"/>
+              </a:defRPr>
+            </a:lvl3pPr>
+            <a:lvl4pPr marL="1371600" indent="0" algn="ctr" defTabSz="457200" rtl="0" eaLnBrk="1" latinLnBrk="0" hangingPunct="1">
+              <a:spcBef>
+                <a:spcPct val="20000"/>
+              </a:spcBef>
+              <a:spcAft>
+                <a:spcPts val="600"/>
+              </a:spcAft>
+              <a:buClr>
+                <a:schemeClr val="accent1"/>
+              </a:buClr>
+              <a:buFont typeface="Wingdings 2" charset="2"/>
+              <a:buNone/>
+              <a:defRPr sz="1200" kern="1200">
+                <a:solidFill>
+                  <a:schemeClr val="tx1">
+                    <a:tint val="75000"/>
+                  </a:schemeClr>
+                </a:solidFill>
+                <a:latin typeface="+mn-lt"/>
+                <a:ea typeface="+mn-ea"/>
+                <a:cs typeface="+mn-cs"/>
+              </a:defRPr>
+            </a:lvl4pPr>
+            <a:lvl5pPr marL="1828800" indent="0" algn="ctr" defTabSz="457200" rtl="0" eaLnBrk="1" latinLnBrk="0" hangingPunct="1">
+              <a:spcBef>
+                <a:spcPct val="20000"/>
+              </a:spcBef>
+              <a:spcAft>
+                <a:spcPts val="600"/>
+              </a:spcAft>
+              <a:buClr>
+                <a:schemeClr val="accent1"/>
+              </a:buClr>
+              <a:buFont typeface="Wingdings 2" charset="2"/>
+              <a:buNone/>
+              <a:defRPr sz="1200" kern="1200">
+                <a:solidFill>
+                  <a:schemeClr val="tx1">
+                    <a:tint val="75000"/>
+                  </a:schemeClr>
+                </a:solidFill>
+                <a:latin typeface="+mn-lt"/>
+                <a:ea typeface="+mn-ea"/>
+                <a:cs typeface="+mn-cs"/>
+              </a:defRPr>
+            </a:lvl5pPr>
+            <a:lvl6pPr marL="2286000" indent="0" algn="ctr" defTabSz="457200" rtl="0" eaLnBrk="1" latinLnBrk="0" hangingPunct="1">
+              <a:spcBef>
+                <a:spcPct val="20000"/>
+              </a:spcBef>
+              <a:spcAft>
+                <a:spcPts val="600"/>
+              </a:spcAft>
+              <a:buClr>
+                <a:schemeClr val="accent1"/>
+              </a:buClr>
+              <a:buFont typeface="Wingdings 2" charset="2"/>
+              <a:buNone/>
+              <a:defRPr sz="1200" kern="1200">
+                <a:solidFill>
+                  <a:schemeClr val="tx1">
+                    <a:tint val="75000"/>
+                  </a:schemeClr>
+                </a:solidFill>
+                <a:latin typeface="+mn-lt"/>
+                <a:ea typeface="+mn-ea"/>
+                <a:cs typeface="+mn-cs"/>
+              </a:defRPr>
+            </a:lvl6pPr>
+            <a:lvl7pPr marL="2743200" indent="0" algn="ctr" defTabSz="457200" rtl="0" eaLnBrk="1" latinLnBrk="0" hangingPunct="1">
+              <a:spcBef>
+                <a:spcPct val="20000"/>
+              </a:spcBef>
+              <a:spcAft>
+                <a:spcPts val="600"/>
+              </a:spcAft>
+              <a:buClr>
+                <a:schemeClr val="accent1"/>
+              </a:buClr>
+              <a:buFont typeface="Wingdings 2" charset="2"/>
+              <a:buNone/>
+              <a:defRPr sz="1200" kern="1200">
+                <a:solidFill>
+                  <a:schemeClr val="tx1">
+                    <a:tint val="75000"/>
+                  </a:schemeClr>
+                </a:solidFill>
+                <a:latin typeface="+mn-lt"/>
+                <a:ea typeface="+mn-ea"/>
+                <a:cs typeface="+mn-cs"/>
+              </a:defRPr>
+            </a:lvl7pPr>
+            <a:lvl8pPr marL="3200400" indent="0" algn="ctr" defTabSz="457200" rtl="0" eaLnBrk="1" latinLnBrk="0" hangingPunct="1">
+              <a:spcBef>
+                <a:spcPct val="20000"/>
+              </a:spcBef>
+              <a:spcAft>
+                <a:spcPts val="600"/>
+              </a:spcAft>
+              <a:buClr>
+                <a:schemeClr val="accent1"/>
+              </a:buClr>
+              <a:buFont typeface="Wingdings 2" charset="2"/>
+              <a:buNone/>
+              <a:defRPr sz="1200" kern="1200">
+                <a:solidFill>
+                  <a:schemeClr val="tx1">
+                    <a:tint val="75000"/>
+                  </a:schemeClr>
+                </a:solidFill>
+                <a:latin typeface="+mn-lt"/>
+                <a:ea typeface="+mn-ea"/>
+                <a:cs typeface="+mn-cs"/>
+              </a:defRPr>
+            </a:lvl8pPr>
+            <a:lvl9pPr marL="3657600" indent="0" algn="ctr" defTabSz="457200" rtl="0" eaLnBrk="1" latinLnBrk="0" hangingPunct="1">
+              <a:spcBef>
+                <a:spcPct val="20000"/>
+              </a:spcBef>
+              <a:spcAft>
+                <a:spcPts val="600"/>
+              </a:spcAft>
+              <a:buClr>
+                <a:schemeClr val="accent1"/>
+              </a:buClr>
+              <a:buFont typeface="Wingdings 2" charset="2"/>
+              <a:buNone/>
+              <a:defRPr sz="1200" kern="1200">
+                <a:solidFill>
+                  <a:schemeClr val="tx1">
+                    <a:tint val="75000"/>
+                  </a:schemeClr>
+                </a:solidFill>
+                <a:latin typeface="+mn-lt"/>
+                <a:ea typeface="+mn-ea"/>
+                <a:cs typeface="+mn-cs"/>
+              </a:defRPr>
+            </a:lvl9pPr>
+          </a:lstStyle>
+          <a:p>
+            <a:r>
+              <a:rPr lang="fr-CH" sz="1500" dirty="0" smtClean="0">
+                <a:solidFill>
+                  <a:schemeClr val="bg2">
+                    <a:lumMod val="50000"/>
+                    <a:lumOff val="50000"/>
+                  </a:schemeClr>
+                </a:solidFill>
+                <a:latin typeface="Gulim" panose="020B0600000101010101" pitchFamily="34" charset="-127"/>
+                <a:ea typeface="Gulim" panose="020B0600000101010101" pitchFamily="34" charset="-127"/>
+              </a:rPr>
+              <a:t>A. </a:t>
+            </a:r>
+            <a:r>
+              <a:rPr lang="fr-CH" sz="1500" dirty="0" err="1" smtClean="0">
+                <a:solidFill>
+                  <a:schemeClr val="bg2">
+                    <a:lumMod val="50000"/>
+                    <a:lumOff val="50000"/>
+                  </a:schemeClr>
+                </a:solidFill>
+                <a:latin typeface="Gulim" panose="020B0600000101010101" pitchFamily="34" charset="-127"/>
+                <a:ea typeface="Gulim" panose="020B0600000101010101" pitchFamily="34" charset="-127"/>
+              </a:rPr>
+              <a:t>Desclouds</a:t>
+            </a:r>
+            <a:r>
+              <a:rPr lang="fr-CH" sz="1500" dirty="0" smtClean="0">
+                <a:solidFill>
+                  <a:schemeClr val="bg2">
+                    <a:lumMod val="50000"/>
+                    <a:lumOff val="50000"/>
+                  </a:schemeClr>
+                </a:solidFill>
+                <a:latin typeface="Gulim" panose="020B0600000101010101" pitchFamily="34" charset="-127"/>
+                <a:ea typeface="Gulim" panose="020B0600000101010101" pitchFamily="34" charset="-127"/>
+              </a:rPr>
+              <a:t>, </a:t>
+            </a:r>
+            <a:r>
+              <a:rPr lang="fr-CH" sz="1500" dirty="0" err="1" smtClean="0">
+                <a:solidFill>
+                  <a:schemeClr val="bg2">
+                    <a:lumMod val="50000"/>
+                    <a:lumOff val="50000"/>
+                  </a:schemeClr>
+                </a:solidFill>
+                <a:latin typeface="Gulim" panose="020B0600000101010101" pitchFamily="34" charset="-127"/>
+                <a:ea typeface="Gulim" panose="020B0600000101010101" pitchFamily="34" charset="-127"/>
+              </a:rPr>
+              <a:t>A.Hug</a:t>
+            </a:r>
+            <a:r>
+              <a:rPr lang="fr-CH" sz="1500" dirty="0" smtClean="0">
+                <a:solidFill>
+                  <a:schemeClr val="bg2">
+                    <a:lumMod val="50000"/>
+                    <a:lumOff val="50000"/>
+                  </a:schemeClr>
+                </a:solidFill>
+                <a:latin typeface="Gulim" panose="020B0600000101010101" pitchFamily="34" charset="-127"/>
+                <a:ea typeface="Gulim" panose="020B0600000101010101" pitchFamily="34" charset="-127"/>
+              </a:rPr>
+              <a:t>, S. </a:t>
+            </a:r>
+            <a:r>
+              <a:rPr lang="fr-CH" sz="1500" dirty="0" err="1" smtClean="0">
+                <a:solidFill>
+                  <a:schemeClr val="bg2">
+                    <a:lumMod val="50000"/>
+                    <a:lumOff val="50000"/>
+                  </a:schemeClr>
+                </a:solidFill>
+                <a:latin typeface="Gulim" panose="020B0600000101010101" pitchFamily="34" charset="-127"/>
+                <a:ea typeface="Gulim" panose="020B0600000101010101" pitchFamily="34" charset="-127"/>
+              </a:rPr>
+              <a:t>Righitto</a:t>
+            </a:r>
+            <a:r>
+              <a:rPr lang="fr-CH" sz="1500" dirty="0" smtClean="0">
+                <a:solidFill>
+                  <a:schemeClr val="bg2">
+                    <a:lumMod val="50000"/>
+                    <a:lumOff val="50000"/>
+                  </a:schemeClr>
+                </a:solidFill>
+                <a:latin typeface="Gulim" panose="020B0600000101010101" pitchFamily="34" charset="-127"/>
+                <a:ea typeface="Gulim" panose="020B0600000101010101" pitchFamily="34" charset="-127"/>
+              </a:rPr>
+              <a:t>, F. </a:t>
+            </a:r>
+            <a:r>
+              <a:rPr lang="fr-CH" sz="1500" dirty="0" err="1" smtClean="0">
+                <a:solidFill>
+                  <a:schemeClr val="bg2">
+                    <a:lumMod val="50000"/>
+                    <a:lumOff val="50000"/>
+                  </a:schemeClr>
+                </a:solidFill>
+                <a:latin typeface="Gulim" panose="020B0600000101010101" pitchFamily="34" charset="-127"/>
+                <a:ea typeface="Gulim" panose="020B0600000101010101" pitchFamily="34" charset="-127"/>
+              </a:rPr>
+              <a:t>Saam</a:t>
+            </a:r>
+            <a:r>
+              <a:rPr lang="fr-CH" sz="1500" dirty="0" smtClean="0">
+                <a:solidFill>
+                  <a:schemeClr val="bg2">
+                    <a:lumMod val="50000"/>
+                    <a:lumOff val="50000"/>
+                  </a:schemeClr>
+                </a:solidFill>
+                <a:latin typeface="Gulim" panose="020B0600000101010101" pitchFamily="34" charset="-127"/>
+                <a:ea typeface="Gulim" panose="020B0600000101010101" pitchFamily="34" charset="-127"/>
+              </a:rPr>
+              <a:t>	</a:t>
+            </a:r>
+            <a:r>
+              <a:rPr lang="fr-CH" sz="1600" dirty="0" smtClean="0">
+                <a:solidFill>
+                  <a:schemeClr val="bg2">
+                    <a:lumMod val="50000"/>
+                    <a:lumOff val="50000"/>
+                  </a:schemeClr>
+                </a:solidFill>
+                <a:latin typeface="Gulim" panose="020B0600000101010101" pitchFamily="34" charset="-127"/>
+                <a:ea typeface="Gulim" panose="020B0600000101010101" pitchFamily="34" charset="-127"/>
+              </a:rPr>
+              <a:t>											</a:t>
+            </a:r>
+            <a:endParaRPr lang="fr-CH" sz="1600" dirty="0">
+              <a:solidFill>
+                <a:schemeClr val="bg2">
+                  <a:lumMod val="50000"/>
+                  <a:lumOff val="50000"/>
+                </a:schemeClr>
+              </a:solidFill>
+              <a:latin typeface="Gulim" panose="020B0600000101010101" pitchFamily="34" charset="-127"/>
+              <a:ea typeface="Gulim" panose="020B0600000101010101" pitchFamily="34" charset="-127"/>
+            </a:endParaRPr>
+          </a:p>
+        </p:txBody>
+      </p:sp>
+    </p:spTree>
+    <p:extLst>
+      <p:ext uri="{BB962C8B-B14F-4D97-AF65-F5344CB8AC3E}">
+        <p14:creationId xmlns:p14="http://schemas.microsoft.com/office/powerpoint/2010/main" val="1449560542"/>
+      </p:ext>
+    </p:extLst>
+  </p:cSld>
+  <p:clrMapOvr>
+    <a:masterClrMapping/>
+  </p:clrMapOvr>
 </p:sld>
 </file>
 
@@ -21251,7 +21149,7 @@
   <a:extraClrSchemeLst/>
   <a:extLst>
     <a:ext uri="{05A4C25C-085E-4340-85A3-A5531E510DB2}">
-      <thm15:themeFamily xmlns:thm15="http://schemas.microsoft.com/office/thememl/2012/main" xmlns="" name="Quotable" id="{39EC5628-30ED-4578-ACD8-9820EDB8E15A}" vid="{6F3559E9-1A4C-49D8-94D4-F41003531C49}"/>
+      <thm15:themeFamily xmlns:thm15="http://schemas.microsoft.com/office/thememl/2012/main" name="Quotable" id="{39EC5628-30ED-4578-ACD8-9820EDB8E15A}" vid="{6F3559E9-1A4C-49D8-94D4-F41003531C49}"/>
     </a:ext>
   </a:extLst>
 </a:theme>
@@ -21512,7 +21410,7 @@
   <a:extraClrSchemeLst/>
   <a:extLst>
     <a:ext uri="{05A4C25C-085E-4340-85A3-A5531E510DB2}">
-      <thm15:themeFamily xmlns:thm15="http://schemas.microsoft.com/office/thememl/2012/main" xmlns="" name="Office Theme" id="{62F939B6-93AF-4DB8-9C6B-D6C7DFDC589F}" vid="{4A3C46E8-61CC-4603-A589-7422A47A8E4A}"/>
+      <thm15:themeFamily xmlns:thm15="http://schemas.microsoft.com/office/thememl/2012/main" name="Office Theme" id="{62F939B6-93AF-4DB8-9C6B-D6C7DFDC589F}" vid="{4A3C46E8-61CC-4603-A589-7422A47A8E4A}"/>
     </a:ext>
   </a:extLst>
 </a:theme>

--- a/Elisa-3_presentation.pptx
+++ b/Elisa-3_presentation.pptx
@@ -5,7 +5,7 @@
     <p:sldMasterId id="2147483667" r:id="rId1"/>
   </p:sldMasterIdLst>
   <p:notesMasterIdLst>
-    <p:notesMasterId r:id="rId26"/>
+    <p:notesMasterId r:id="rId28"/>
   </p:notesMasterIdLst>
   <p:sldIdLst>
     <p:sldId id="256" r:id="rId2"/>
@@ -24,14 +24,16 @@
     <p:sldId id="264" r:id="rId15"/>
     <p:sldId id="276" r:id="rId16"/>
     <p:sldId id="269" r:id="rId17"/>
-    <p:sldId id="275" r:id="rId18"/>
-    <p:sldId id="273" r:id="rId19"/>
-    <p:sldId id="274" r:id="rId20"/>
-    <p:sldId id="272" r:id="rId21"/>
-    <p:sldId id="265" r:id="rId22"/>
-    <p:sldId id="261" r:id="rId23"/>
-    <p:sldId id="268" r:id="rId24"/>
-    <p:sldId id="267" r:id="rId25"/>
+    <p:sldId id="283" r:id="rId18"/>
+    <p:sldId id="275" r:id="rId19"/>
+    <p:sldId id="284" r:id="rId20"/>
+    <p:sldId id="273" r:id="rId21"/>
+    <p:sldId id="274" r:id="rId22"/>
+    <p:sldId id="272" r:id="rId23"/>
+    <p:sldId id="265" r:id="rId24"/>
+    <p:sldId id="261" r:id="rId25"/>
+    <p:sldId id="268" r:id="rId26"/>
+    <p:sldId id="267" r:id="rId27"/>
   </p:sldIdLst>
   <p:sldSz cx="12192000" cy="6858000"/>
   <p:notesSz cx="6858000" cy="9144000"/>
@@ -132,7 +134,7 @@
   </p:defaultTextStyle>
   <p:extLst>
     <p:ext uri="{EFAFB233-063F-42B5-8137-9DF3F51BA10A}">
-      <p15:sldGuideLst xmlns:p15="http://schemas.microsoft.com/office/powerpoint/2012/main">
+      <p15:sldGuideLst xmlns:p15="http://schemas.microsoft.com/office/powerpoint/2012/main" xmlns="">
         <p15:guide id="1" orient="horz" pos="2160">
           <p15:clr>
             <a:srgbClr val="A4A3A4"/>
@@ -231,7 +233,7 @@
           <a:p>
             <a:fld id="{1BA5EFF8-06A0-4227-9914-FD8EBA711F63}" type="datetimeFigureOut">
               <a:rPr lang="fr-CH" smtClean="0"/>
-              <a:t>13.06.2015</a:t>
+              <a:t>14.06.2015</a:t>
             </a:fld>
             <a:endParaRPr lang="fr-CH"/>
           </a:p>
@@ -390,7 +392,7 @@
           <a:p>
             <a:fld id="{D2342ED9-9AD2-4080-9043-7045960B13BE}" type="slidenum">
               <a:rPr lang="fr-CH" smtClean="0"/>
-              <a:t>‹N°›</a:t>
+              <a:t>‹N›</a:t>
             </a:fld>
             <a:endParaRPr lang="fr-CH"/>
           </a:p>
@@ -1448,7 +1450,7 @@
           <a:p>
             <a:fld id="{D2342ED9-9AD2-4080-9043-7045960B13BE}" type="slidenum">
               <a:rPr lang="fr-CH" smtClean="0"/>
-              <a:t>19</a:t>
+              <a:t>20</a:t>
             </a:fld>
             <a:endParaRPr lang="fr-CH"/>
           </a:p>
@@ -1601,7 +1603,7 @@
           <a:p>
             <a:r>
               <a:rPr lang="fr-CH" dirty="0" smtClean="0"/>
-              <a:t>Fred</a:t>
+              <a:t>Simone</a:t>
             </a:r>
             <a:endParaRPr lang="fr-CH" dirty="0"/>
           </a:p>
@@ -1624,7 +1626,7 @@
           <a:p>
             <a:fld id="{D2342ED9-9AD2-4080-9043-7045960B13BE}" type="slidenum">
               <a:rPr lang="fr-CH" smtClean="0"/>
-              <a:t>20</a:t>
+              <a:t>21</a:t>
             </a:fld>
             <a:endParaRPr lang="fr-CH"/>
           </a:p>
@@ -1633,7 +1635,7 @@
     </p:spTree>
     <p:extLst>
       <p:ext uri="{BB962C8B-B14F-4D97-AF65-F5344CB8AC3E}">
-        <p14:creationId xmlns:p14="http://schemas.microsoft.com/office/powerpoint/2010/main" val="564441126"/>
+        <p14:creationId xmlns:p14="http://schemas.microsoft.com/office/powerpoint/2010/main" val="3303379667"/>
       </p:ext>
     </p:extLst>
   </p:cSld>
@@ -1689,7 +1691,7 @@
           <a:p>
             <a:r>
               <a:rPr lang="fr-CH" dirty="0" smtClean="0"/>
-              <a:t>Simone</a:t>
+              <a:t>Fred</a:t>
             </a:r>
             <a:endParaRPr lang="fr-CH" dirty="0"/>
           </a:p>
@@ -1712,7 +1714,7 @@
           <a:p>
             <a:fld id="{D2342ED9-9AD2-4080-9043-7045960B13BE}" type="slidenum">
               <a:rPr lang="fr-CH" smtClean="0"/>
-              <a:t>21</a:t>
+              <a:t>22</a:t>
             </a:fld>
             <a:endParaRPr lang="fr-CH"/>
           </a:p>
@@ -1721,7 +1723,7 @@
     </p:spTree>
     <p:extLst>
       <p:ext uri="{BB962C8B-B14F-4D97-AF65-F5344CB8AC3E}">
-        <p14:creationId xmlns:p14="http://schemas.microsoft.com/office/powerpoint/2010/main" val="3795962185"/>
+        <p14:creationId xmlns:p14="http://schemas.microsoft.com/office/powerpoint/2010/main" val="564441126"/>
       </p:ext>
     </p:extLst>
   </p:cSld>
@@ -1776,10 +1778,10 @@
           <a:lstStyle/>
           <a:p>
             <a:r>
-              <a:rPr lang="fr-CH" smtClean="0"/>
-              <a:t>Auri</a:t>
-            </a:r>
-            <a:endParaRPr lang="fr-CH"/>
+              <a:rPr lang="fr-CH" dirty="0" smtClean="0"/>
+              <a:t>Simone</a:t>
+            </a:r>
+            <a:endParaRPr lang="fr-CH" dirty="0"/>
           </a:p>
         </p:txBody>
       </p:sp>
@@ -1800,7 +1802,95 @@
           <a:p>
             <a:fld id="{D2342ED9-9AD2-4080-9043-7045960B13BE}" type="slidenum">
               <a:rPr lang="fr-CH" smtClean="0"/>
-              <a:t>22</a:t>
+              <a:t>23</a:t>
+            </a:fld>
+            <a:endParaRPr lang="fr-CH"/>
+          </a:p>
+        </p:txBody>
+      </p:sp>
+    </p:spTree>
+    <p:extLst>
+      <p:ext uri="{BB962C8B-B14F-4D97-AF65-F5344CB8AC3E}">
+        <p14:creationId xmlns:p14="http://schemas.microsoft.com/office/powerpoint/2010/main" val="3795962185"/>
+      </p:ext>
+    </p:extLst>
+  </p:cSld>
+  <p:clrMapOvr>
+    <a:masterClrMapping/>
+  </p:clrMapOvr>
+</p:notes>
+</file>
+
+<file path=ppt/notesSlides/notesSlide23.xml><?xml version="1.0" encoding="utf-8"?>
+<p:notes xmlns:a="http://schemas.openxmlformats.org/drawingml/2006/main" xmlns:r="http://schemas.openxmlformats.org/officeDocument/2006/relationships" xmlns:p="http://schemas.openxmlformats.org/presentationml/2006/main">
+  <p:cSld>
+    <p:spTree>
+      <p:nvGrpSpPr>
+        <p:cNvPr id="1" name=""/>
+        <p:cNvGrpSpPr/>
+        <p:nvPr/>
+      </p:nvGrpSpPr>
+      <p:grpSpPr>
+        <a:xfrm>
+          <a:off x="0" y="0"/>
+          <a:ext cx="0" cy="0"/>
+          <a:chOff x="0" y="0"/>
+          <a:chExt cx="0" cy="0"/>
+        </a:xfrm>
+      </p:grpSpPr>
+      <p:sp>
+        <p:nvSpPr>
+          <p:cNvPr id="2" name="Espace réservé de l'image des diapositives 1"/>
+          <p:cNvSpPr>
+            <a:spLocks noGrp="1" noRot="1" noChangeAspect="1"/>
+          </p:cNvSpPr>
+          <p:nvPr>
+            <p:ph type="sldImg"/>
+          </p:nvPr>
+        </p:nvSpPr>
+        <p:spPr/>
+      </p:sp>
+      <p:sp>
+        <p:nvSpPr>
+          <p:cNvPr id="3" name="Espace réservé des commentaires 2"/>
+          <p:cNvSpPr>
+            <a:spLocks noGrp="1"/>
+          </p:cNvSpPr>
+          <p:nvPr>
+            <p:ph type="body" idx="1"/>
+          </p:nvPr>
+        </p:nvSpPr>
+        <p:spPr/>
+        <p:txBody>
+          <a:bodyPr/>
+          <a:lstStyle/>
+          <a:p>
+            <a:r>
+              <a:rPr lang="fr-CH" smtClean="0"/>
+              <a:t>Auri</a:t>
+            </a:r>
+            <a:endParaRPr lang="fr-CH"/>
+          </a:p>
+        </p:txBody>
+      </p:sp>
+      <p:sp>
+        <p:nvSpPr>
+          <p:cNvPr id="4" name="Espace réservé du numéro de diapositive 3"/>
+          <p:cNvSpPr>
+            <a:spLocks noGrp="1"/>
+          </p:cNvSpPr>
+          <p:nvPr>
+            <p:ph type="sldNum" sz="quarter" idx="10"/>
+          </p:nvPr>
+        </p:nvSpPr>
+        <p:spPr/>
+        <p:txBody>
+          <a:bodyPr/>
+          <a:lstStyle/>
+          <a:p>
+            <a:fld id="{D2342ED9-9AD2-4080-9043-7045960B13BE}" type="slidenum">
+              <a:rPr lang="fr-CH" smtClean="0"/>
+              <a:t>24</a:t>
             </a:fld>
             <a:endParaRPr lang="fr-CH"/>
           </a:p>
@@ -2730,7 +2820,7 @@
             <a:fld id="{08B9EBBA-996F-894A-B54A-D6246ED52CEA}" type="datetimeFigureOut">
               <a:rPr lang="en-US" smtClean="0"/>
               <a:pPr/>
-              <a:t>6/13/2015</a:t>
+              <a:t>6/14/2015</a:t>
             </a:fld>
             <a:endParaRPr lang="en-US" dirty="0"/>
           </a:p>
@@ -2894,7 +2984,7 @@
             <a:fld id="{D57F1E4F-1CFF-5643-939E-217C01CDF565}" type="slidenum">
               <a:rPr lang="en-US" smtClean="0"/>
               <a:pPr/>
-              <a:t>‹N°›</a:t>
+              <a:t>‹N›</a:t>
             </a:fld>
             <a:endParaRPr lang="en-US" dirty="0"/>
           </a:p>
@@ -3178,7 +3268,7 @@
             <a:fld id="{18C79C5D-2A6F-F04D-97DA-BEF2467B64E4}" type="datetimeFigureOut">
               <a:rPr lang="en-US" smtClean="0"/>
               <a:pPr/>
-              <a:t>6/13/2015</a:t>
+              <a:t>6/14/2015</a:t>
             </a:fld>
             <a:endParaRPr lang="en-US" dirty="0"/>
           </a:p>
@@ -3221,7 +3311,7 @@
             <a:fld id="{D57F1E4F-1CFF-5643-939E-217C01CDF565}" type="slidenum">
               <a:rPr lang="en-US" smtClean="0"/>
               <a:pPr/>
-              <a:t>‹N°›</a:t>
+              <a:t>‹N›</a:t>
             </a:fld>
             <a:endParaRPr lang="en-US" dirty="0"/>
           </a:p>
@@ -3668,7 +3758,7 @@
             <a:fld id="{8DFA1846-DA80-1C48-A609-854EA85C59AD}" type="datetimeFigureOut">
               <a:rPr lang="en-US" smtClean="0"/>
               <a:pPr/>
-              <a:t>6/13/2015</a:t>
+              <a:t>6/14/2015</a:t>
             </a:fld>
             <a:endParaRPr lang="en-US" dirty="0"/>
           </a:p>
@@ -3711,7 +3801,7 @@
             <a:fld id="{D57F1E4F-1CFF-5643-939E-217C01CDF565}" type="slidenum">
               <a:rPr lang="en-US" smtClean="0"/>
               <a:pPr/>
-              <a:t>‹N°›</a:t>
+              <a:t>‹N›</a:t>
             </a:fld>
             <a:endParaRPr lang="en-US" dirty="0"/>
           </a:p>
@@ -4039,7 +4129,7 @@
             <a:fld id="{FBF54567-0DE4-3F47-BF90-CB84690072F9}" type="datetimeFigureOut">
               <a:rPr lang="en-US" smtClean="0"/>
               <a:pPr/>
-              <a:t>6/13/2015</a:t>
+              <a:t>6/14/2015</a:t>
             </a:fld>
             <a:endParaRPr lang="en-US" dirty="0"/>
           </a:p>
@@ -4082,7 +4172,7 @@
             <a:fld id="{D57F1E4F-1CFF-5643-939E-217C01CDF565}" type="slidenum">
               <a:rPr lang="en-US" smtClean="0"/>
               <a:pPr/>
-              <a:t>‹N°›</a:t>
+              <a:t>‹N›</a:t>
             </a:fld>
             <a:endParaRPr lang="en-US" dirty="0"/>
           </a:p>
@@ -4314,7 +4404,7 @@
             <a:fld id="{C6C52C72-DE31-F449-A4ED-4C594FD91407}" type="datetimeFigureOut">
               <a:rPr lang="en-US" smtClean="0"/>
               <a:pPr/>
-              <a:t>6/13/2015</a:t>
+              <a:t>6/14/2015</a:t>
             </a:fld>
             <a:endParaRPr lang="en-US" dirty="0"/>
           </a:p>
@@ -4357,7 +4447,7 @@
             <a:fld id="{D57F1E4F-1CFF-5643-939E-217C01CDF565}" type="slidenum">
               <a:rPr lang="en-US" smtClean="0"/>
               <a:pPr/>
-              <a:t>‹N°›</a:t>
+              <a:t>‹N›</a:t>
             </a:fld>
             <a:endParaRPr lang="en-US" dirty="0"/>
           </a:p>
@@ -4601,7 +4691,7 @@
             <a:fld id="{ED62726E-379B-B349-9EED-81ED093FA806}" type="datetimeFigureOut">
               <a:rPr lang="en-US" smtClean="0"/>
               <a:pPr/>
-              <a:t>6/13/2015</a:t>
+              <a:t>6/14/2015</a:t>
             </a:fld>
             <a:endParaRPr lang="en-US" dirty="0"/>
           </a:p>
@@ -4644,7 +4734,7 @@
             <a:fld id="{D57F1E4F-1CFF-5643-939E-217C01CDF565}" type="slidenum">
               <a:rPr lang="en-US" smtClean="0"/>
               <a:pPr/>
-              <a:t>‹N°›</a:t>
+              <a:t>‹N›</a:t>
             </a:fld>
             <a:endParaRPr lang="en-US" dirty="0"/>
           </a:p>
@@ -4893,7 +4983,7 @@
             <a:fld id="{9B3A1323-8D79-1946-B0D7-40001CF92E9D}" type="datetimeFigureOut">
               <a:rPr lang="en-US" smtClean="0"/>
               <a:pPr/>
-              <a:t>6/13/2015</a:t>
+              <a:t>6/14/2015</a:t>
             </a:fld>
             <a:endParaRPr lang="en-US" dirty="0"/>
           </a:p>
@@ -5056,7 +5146,7 @@
             <a:fld id="{D57F1E4F-1CFF-5643-939E-217C01CDF565}" type="slidenum">
               <a:rPr lang="en-US" smtClean="0"/>
               <a:pPr/>
-              <a:t>‹N°›</a:t>
+              <a:t>‹N›</a:t>
             </a:fld>
             <a:endParaRPr lang="en-US" dirty="0"/>
           </a:p>
@@ -5365,7 +5455,7 @@
             <a:fld id="{8DFA1846-DA80-1C48-A609-854EA85C59AD}" type="datetimeFigureOut">
               <a:rPr lang="en-US" smtClean="0"/>
               <a:pPr/>
-              <a:t>6/13/2015</a:t>
+              <a:t>6/14/2015</a:t>
             </a:fld>
             <a:endParaRPr lang="en-US" dirty="0"/>
           </a:p>
@@ -5408,7 +5498,7 @@
             <a:fld id="{D57F1E4F-1CFF-5643-939E-217C01CDF565}" type="slidenum">
               <a:rPr lang="en-US" smtClean="0"/>
               <a:pPr/>
-              <a:t>‹N°›</a:t>
+              <a:t>‹N›</a:t>
             </a:fld>
             <a:endParaRPr lang="en-US" dirty="0"/>
           </a:p>
@@ -5713,7 +5803,7 @@
             <a:fld id="{57302355-E14B-8545-A8F8-0FE83CC9D524}" type="datetimeFigureOut">
               <a:rPr lang="en-US" smtClean="0"/>
               <a:pPr/>
-              <a:t>6/13/2015</a:t>
+              <a:t>6/14/2015</a:t>
             </a:fld>
             <a:endParaRPr lang="en-US" dirty="0"/>
           </a:p>
@@ -5756,7 +5846,7 @@
             <a:fld id="{D57F1E4F-1CFF-5643-939E-217C01CDF565}" type="slidenum">
               <a:rPr lang="en-US" smtClean="0"/>
               <a:pPr/>
-              <a:t>‹N°›</a:t>
+              <a:t>‹N›</a:t>
             </a:fld>
             <a:endParaRPr lang="en-US" dirty="0"/>
           </a:p>
@@ -6192,7 +6282,7 @@
             <a:fld id="{02640F58-564D-2B4F-AE67-E407BA4FCF45}" type="datetimeFigureOut">
               <a:rPr lang="en-US" smtClean="0"/>
               <a:pPr/>
-              <a:t>6/13/2015</a:t>
+              <a:t>6/14/2015</a:t>
             </a:fld>
             <a:endParaRPr lang="en-US" dirty="0"/>
           </a:p>
@@ -6235,7 +6325,7 @@
             <a:fld id="{D57F1E4F-1CFF-5643-939E-217C01CDF565}" type="slidenum">
               <a:rPr lang="en-US" smtClean="0"/>
               <a:pPr/>
-              <a:t>‹N°›</a:t>
+              <a:t>‹N›</a:t>
             </a:fld>
             <a:endParaRPr lang="en-US" dirty="0"/>
           </a:p>
@@ -6415,7 +6505,7 @@
             <a:fld id="{F13A34C8-038E-2045-AF43-DF7DBB8E0E9E}" type="datetimeFigureOut">
               <a:rPr lang="en-US" smtClean="0"/>
               <a:pPr/>
-              <a:t>6/13/2015</a:t>
+              <a:t>6/14/2015</a:t>
             </a:fld>
             <a:endParaRPr lang="en-US" dirty="0"/>
           </a:p>
@@ -6458,7 +6548,7 @@
             <a:fld id="{D57F1E4F-1CFF-5643-939E-217C01CDF565}" type="slidenum">
               <a:rPr lang="en-US" smtClean="0"/>
               <a:pPr/>
-              <a:t>‹N°›</a:t>
+              <a:t>‹N›</a:t>
             </a:fld>
             <a:endParaRPr lang="en-US" dirty="0"/>
           </a:p>
@@ -6512,7 +6602,7 @@
             <a:fld id="{8818C68F-D26B-8F47-958C-23B49CF8A634}" type="datetimeFigureOut">
               <a:rPr lang="en-US" smtClean="0"/>
               <a:pPr/>
-              <a:t>6/13/2015</a:t>
+              <a:t>6/14/2015</a:t>
             </a:fld>
             <a:endParaRPr lang="en-US" dirty="0"/>
           </a:p>
@@ -6555,7 +6645,7 @@
             <a:fld id="{D57F1E4F-1CFF-5643-939E-217C01CDF565}" type="slidenum">
               <a:rPr lang="en-US" smtClean="0"/>
               <a:pPr/>
-              <a:t>‹N°›</a:t>
+              <a:t>‹N›</a:t>
             </a:fld>
             <a:endParaRPr lang="en-US" dirty="0"/>
           </a:p>
@@ -7000,7 +7090,7 @@
             <a:fld id="{D57F1E4F-1CFF-5643-939E-217C01CDF565}" type="slidenum">
               <a:rPr lang="en-US" smtClean="0"/>
               <a:pPr/>
-              <a:t>‹N°›</a:t>
+              <a:t>‹N›</a:t>
             </a:fld>
             <a:endParaRPr lang="en-US" dirty="0"/>
           </a:p>
@@ -7272,7 +7362,7 @@
             <a:fld id="{18C79C5D-2A6F-F04D-97DA-BEF2467B64E4}" type="datetimeFigureOut">
               <a:rPr lang="en-US" smtClean="0"/>
               <a:pPr/>
-              <a:t>6/13/2015</a:t>
+              <a:t>6/14/2015</a:t>
             </a:fld>
             <a:endParaRPr lang="en-US" dirty="0"/>
           </a:p>
@@ -7325,7 +7415,7 @@
             <a:fld id="{D57F1E4F-1CFF-5643-939E-217C01CDF565}" type="slidenum">
               <a:rPr lang="en-US" smtClean="0"/>
               <a:pPr/>
-              <a:t>‹N°›</a:t>
+              <a:t>‹N›</a:t>
             </a:fld>
             <a:endParaRPr lang="en-US" dirty="0"/>
           </a:p>
@@ -7544,7 +7634,7 @@
             <a:fld id="{09B482E8-6E0E-1B4F-B1FD-C69DB9E858D9}" type="datetimeFigureOut">
               <a:rPr lang="en-US" smtClean="0"/>
               <a:pPr/>
-              <a:t>6/13/2015</a:t>
+              <a:t>6/14/2015</a:t>
             </a:fld>
             <a:endParaRPr lang="en-US" dirty="0"/>
           </a:p>
@@ -7584,7 +7674,7 @@
             <a:fld id="{D57F1E4F-1CFF-5643-939E-217C01CDF565}" type="slidenum">
               <a:rPr lang="en-US" smtClean="0"/>
               <a:pPr/>
-              <a:t>‹N°›</a:t>
+              <a:t>‹N›</a:t>
             </a:fld>
             <a:endParaRPr lang="en-US" dirty="0"/>
           </a:p>
@@ -9127,11 +9217,7 @@
             </a:pPr>
             <a:r>
               <a:rPr lang="fr-CH" sz="1800" dirty="0" smtClean="0"/>
-              <a:t>Logique </a:t>
-            </a:r>
-            <a:r>
-              <a:rPr lang="fr-CH" sz="1800" dirty="0" smtClean="0"/>
-              <a:t>du rechargement</a:t>
+              <a:t>Logique du rechargement</a:t>
             </a:r>
           </a:p>
         </p:txBody>
@@ -9698,15 +9784,7 @@
             </a:pPr>
             <a:r>
               <a:rPr lang="fr-CH" sz="1800" dirty="0" smtClean="0"/>
-              <a:t>Contrôle du contact </a:t>
-            </a:r>
-            <a:r>
-              <a:rPr lang="fr-CH" sz="1800" dirty="0" smtClean="0"/>
-              <a:t>avec </a:t>
-            </a:r>
-            <a:r>
-              <a:rPr lang="fr-CH" sz="1800" dirty="0" smtClean="0"/>
-              <a:t>le chargeur</a:t>
+              <a:t>Contrôle du contact avec le chargeur</a:t>
             </a:r>
           </a:p>
         </p:txBody>
@@ -11422,11 +11500,7 @@
             </a:pPr>
             <a:r>
               <a:rPr lang="fr-CH" sz="1800" dirty="0" smtClean="0"/>
-              <a:t>Choix aléatoire d’une des </a:t>
-            </a:r>
-            <a:r>
-              <a:rPr lang="fr-CH" sz="1800" dirty="0" smtClean="0"/>
-              <a:t>2 danses</a:t>
+              <a:t>Choix aléatoire d’une des 2 danses</a:t>
             </a:r>
             <a:endParaRPr lang="fr-CH" sz="1800" dirty="0"/>
           </a:p>
@@ -12537,6 +12611,559 @@
           </a:p>
         </p:txBody>
       </p:sp>
+      <p:pic>
+        <p:nvPicPr>
+          <p:cNvPr id="5" name="Image 4"/>
+          <p:cNvPicPr>
+            <a:picLocks noChangeAspect="1"/>
+          </p:cNvPicPr>
+          <p:nvPr/>
+        </p:nvPicPr>
+        <p:blipFill>
+          <a:blip r:embed="rId3">
+            <a:extLst>
+              <a:ext uri="{28A0092B-C50C-407E-A947-70E740481C1C}">
+                <a14:useLocalDpi xmlns:a14="http://schemas.microsoft.com/office/drawing/2010/main" val="0"/>
+              </a:ext>
+            </a:extLst>
+          </a:blip>
+          <a:stretch>
+            <a:fillRect/>
+          </a:stretch>
+        </p:blipFill>
+        <p:spPr>
+          <a:xfrm>
+            <a:off x="11209408" y="2354284"/>
+            <a:ext cx="501676" cy="1041454"/>
+          </a:xfrm>
+          <a:prstGeom prst="rect">
+            <a:avLst/>
+          </a:prstGeom>
+        </p:spPr>
+      </p:pic>
+      <p:sp>
+        <p:nvSpPr>
+          <p:cNvPr id="6" name="Sous-titre 2"/>
+          <p:cNvSpPr txBox="1">
+            <a:spLocks/>
+          </p:cNvSpPr>
+          <p:nvPr/>
+        </p:nvSpPr>
+        <p:spPr>
+          <a:xfrm>
+            <a:off x="810001" y="6050877"/>
+            <a:ext cx="10572000" cy="434974"/>
+          </a:xfrm>
+          <a:prstGeom prst="rect">
+            <a:avLst/>
+          </a:prstGeom>
+          <a:effectLst>
+            <a:outerShdw blurRad="50800" dir="14400000">
+              <a:srgbClr val="000000">
+                <a:alpha val="40000"/>
+              </a:srgbClr>
+            </a:outerShdw>
+          </a:effectLst>
+        </p:spPr>
+        <p:txBody>
+          <a:bodyPr vert="horz" lIns="91440" tIns="45720" rIns="91440" bIns="45720" rtlCol="0" anchor="t">
+            <a:normAutofit/>
+          </a:bodyPr>
+          <a:lstStyle>
+            <a:lvl1pPr marL="0" indent="0" algn="l" defTabSz="457200" rtl="0" eaLnBrk="1" latinLnBrk="0" hangingPunct="1">
+              <a:spcBef>
+                <a:spcPct val="20000"/>
+              </a:spcBef>
+              <a:spcAft>
+                <a:spcPts val="600"/>
+              </a:spcAft>
+              <a:buClr>
+                <a:schemeClr val="accent1"/>
+              </a:buClr>
+              <a:buFont typeface="Wingdings 2" charset="2"/>
+              <a:buNone/>
+              <a:defRPr sz="1800" kern="1200">
+                <a:solidFill>
+                  <a:schemeClr val="tx1"/>
+                </a:solidFill>
+                <a:latin typeface="+mn-lt"/>
+                <a:ea typeface="+mn-ea"/>
+                <a:cs typeface="+mn-cs"/>
+              </a:defRPr>
+            </a:lvl1pPr>
+            <a:lvl2pPr marL="457200" indent="0" algn="ctr" defTabSz="457200" rtl="0" eaLnBrk="1" latinLnBrk="0" hangingPunct="1">
+              <a:spcBef>
+                <a:spcPct val="20000"/>
+              </a:spcBef>
+              <a:spcAft>
+                <a:spcPts val="600"/>
+              </a:spcAft>
+              <a:buClr>
+                <a:schemeClr val="accent1"/>
+              </a:buClr>
+              <a:buFont typeface="Wingdings 2" charset="2"/>
+              <a:buNone/>
+              <a:defRPr sz="1600" kern="1200">
+                <a:solidFill>
+                  <a:schemeClr val="tx1">
+                    <a:tint val="75000"/>
+                  </a:schemeClr>
+                </a:solidFill>
+                <a:latin typeface="+mn-lt"/>
+                <a:ea typeface="+mn-ea"/>
+                <a:cs typeface="+mn-cs"/>
+              </a:defRPr>
+            </a:lvl2pPr>
+            <a:lvl3pPr marL="914400" indent="0" algn="ctr" defTabSz="457200" rtl="0" eaLnBrk="1" latinLnBrk="0" hangingPunct="1">
+              <a:spcBef>
+                <a:spcPct val="20000"/>
+              </a:spcBef>
+              <a:spcAft>
+                <a:spcPts val="600"/>
+              </a:spcAft>
+              <a:buClr>
+                <a:schemeClr val="accent1"/>
+              </a:buClr>
+              <a:buFont typeface="Wingdings 2" charset="2"/>
+              <a:buNone/>
+              <a:defRPr sz="1400" kern="1200">
+                <a:solidFill>
+                  <a:schemeClr val="tx1">
+                    <a:tint val="75000"/>
+                  </a:schemeClr>
+                </a:solidFill>
+                <a:latin typeface="+mn-lt"/>
+                <a:ea typeface="+mn-ea"/>
+                <a:cs typeface="+mn-cs"/>
+              </a:defRPr>
+            </a:lvl3pPr>
+            <a:lvl4pPr marL="1371600" indent="0" algn="ctr" defTabSz="457200" rtl="0" eaLnBrk="1" latinLnBrk="0" hangingPunct="1">
+              <a:spcBef>
+                <a:spcPct val="20000"/>
+              </a:spcBef>
+              <a:spcAft>
+                <a:spcPts val="600"/>
+              </a:spcAft>
+              <a:buClr>
+                <a:schemeClr val="accent1"/>
+              </a:buClr>
+              <a:buFont typeface="Wingdings 2" charset="2"/>
+              <a:buNone/>
+              <a:defRPr sz="1200" kern="1200">
+                <a:solidFill>
+                  <a:schemeClr val="tx1">
+                    <a:tint val="75000"/>
+                  </a:schemeClr>
+                </a:solidFill>
+                <a:latin typeface="+mn-lt"/>
+                <a:ea typeface="+mn-ea"/>
+                <a:cs typeface="+mn-cs"/>
+              </a:defRPr>
+            </a:lvl4pPr>
+            <a:lvl5pPr marL="1828800" indent="0" algn="ctr" defTabSz="457200" rtl="0" eaLnBrk="1" latinLnBrk="0" hangingPunct="1">
+              <a:spcBef>
+                <a:spcPct val="20000"/>
+              </a:spcBef>
+              <a:spcAft>
+                <a:spcPts val="600"/>
+              </a:spcAft>
+              <a:buClr>
+                <a:schemeClr val="accent1"/>
+              </a:buClr>
+              <a:buFont typeface="Wingdings 2" charset="2"/>
+              <a:buNone/>
+              <a:defRPr sz="1200" kern="1200">
+                <a:solidFill>
+                  <a:schemeClr val="tx1">
+                    <a:tint val="75000"/>
+                  </a:schemeClr>
+                </a:solidFill>
+                <a:latin typeface="+mn-lt"/>
+                <a:ea typeface="+mn-ea"/>
+                <a:cs typeface="+mn-cs"/>
+              </a:defRPr>
+            </a:lvl5pPr>
+            <a:lvl6pPr marL="2286000" indent="0" algn="ctr" defTabSz="457200" rtl="0" eaLnBrk="1" latinLnBrk="0" hangingPunct="1">
+              <a:spcBef>
+                <a:spcPct val="20000"/>
+              </a:spcBef>
+              <a:spcAft>
+                <a:spcPts val="600"/>
+              </a:spcAft>
+              <a:buClr>
+                <a:schemeClr val="accent1"/>
+              </a:buClr>
+              <a:buFont typeface="Wingdings 2" charset="2"/>
+              <a:buNone/>
+              <a:defRPr sz="1200" kern="1200">
+                <a:solidFill>
+                  <a:schemeClr val="tx1">
+                    <a:tint val="75000"/>
+                  </a:schemeClr>
+                </a:solidFill>
+                <a:latin typeface="+mn-lt"/>
+                <a:ea typeface="+mn-ea"/>
+                <a:cs typeface="+mn-cs"/>
+              </a:defRPr>
+            </a:lvl6pPr>
+            <a:lvl7pPr marL="2743200" indent="0" algn="ctr" defTabSz="457200" rtl="0" eaLnBrk="1" latinLnBrk="0" hangingPunct="1">
+              <a:spcBef>
+                <a:spcPct val="20000"/>
+              </a:spcBef>
+              <a:spcAft>
+                <a:spcPts val="600"/>
+              </a:spcAft>
+              <a:buClr>
+                <a:schemeClr val="accent1"/>
+              </a:buClr>
+              <a:buFont typeface="Wingdings 2" charset="2"/>
+              <a:buNone/>
+              <a:defRPr sz="1200" kern="1200">
+                <a:solidFill>
+                  <a:schemeClr val="tx1">
+                    <a:tint val="75000"/>
+                  </a:schemeClr>
+                </a:solidFill>
+                <a:latin typeface="+mn-lt"/>
+                <a:ea typeface="+mn-ea"/>
+                <a:cs typeface="+mn-cs"/>
+              </a:defRPr>
+            </a:lvl7pPr>
+            <a:lvl8pPr marL="3200400" indent="0" algn="ctr" defTabSz="457200" rtl="0" eaLnBrk="1" latinLnBrk="0" hangingPunct="1">
+              <a:spcBef>
+                <a:spcPct val="20000"/>
+              </a:spcBef>
+              <a:spcAft>
+                <a:spcPts val="600"/>
+              </a:spcAft>
+              <a:buClr>
+                <a:schemeClr val="accent1"/>
+              </a:buClr>
+              <a:buFont typeface="Wingdings 2" charset="2"/>
+              <a:buNone/>
+              <a:defRPr sz="1200" kern="1200">
+                <a:solidFill>
+                  <a:schemeClr val="tx1">
+                    <a:tint val="75000"/>
+                  </a:schemeClr>
+                </a:solidFill>
+                <a:latin typeface="+mn-lt"/>
+                <a:ea typeface="+mn-ea"/>
+                <a:cs typeface="+mn-cs"/>
+              </a:defRPr>
+            </a:lvl8pPr>
+            <a:lvl9pPr marL="3657600" indent="0" algn="ctr" defTabSz="457200" rtl="0" eaLnBrk="1" latinLnBrk="0" hangingPunct="1">
+              <a:spcBef>
+                <a:spcPct val="20000"/>
+              </a:spcBef>
+              <a:spcAft>
+                <a:spcPts val="600"/>
+              </a:spcAft>
+              <a:buClr>
+                <a:schemeClr val="accent1"/>
+              </a:buClr>
+              <a:buFont typeface="Wingdings 2" charset="2"/>
+              <a:buNone/>
+              <a:defRPr sz="1200" kern="1200">
+                <a:solidFill>
+                  <a:schemeClr val="tx1">
+                    <a:tint val="75000"/>
+                  </a:schemeClr>
+                </a:solidFill>
+                <a:latin typeface="+mn-lt"/>
+                <a:ea typeface="+mn-ea"/>
+                <a:cs typeface="+mn-cs"/>
+              </a:defRPr>
+            </a:lvl9pPr>
+          </a:lstStyle>
+          <a:p>
+            <a:r>
+              <a:rPr lang="fr-CH" sz="1500" dirty="0" smtClean="0">
+                <a:solidFill>
+                  <a:schemeClr val="bg2">
+                    <a:lumMod val="50000"/>
+                    <a:lumOff val="50000"/>
+                  </a:schemeClr>
+                </a:solidFill>
+                <a:latin typeface="Gulim" panose="020B0600000101010101" pitchFamily="34" charset="-127"/>
+                <a:ea typeface="Gulim" panose="020B0600000101010101" pitchFamily="34" charset="-127"/>
+              </a:rPr>
+              <a:t>A. </a:t>
+            </a:r>
+            <a:r>
+              <a:rPr lang="fr-CH" sz="1500" dirty="0" err="1" smtClean="0">
+                <a:solidFill>
+                  <a:schemeClr val="bg2">
+                    <a:lumMod val="50000"/>
+                    <a:lumOff val="50000"/>
+                  </a:schemeClr>
+                </a:solidFill>
+                <a:latin typeface="Gulim" panose="020B0600000101010101" pitchFamily="34" charset="-127"/>
+                <a:ea typeface="Gulim" panose="020B0600000101010101" pitchFamily="34" charset="-127"/>
+              </a:rPr>
+              <a:t>Desclouds</a:t>
+            </a:r>
+            <a:r>
+              <a:rPr lang="fr-CH" sz="1500" dirty="0" smtClean="0">
+                <a:solidFill>
+                  <a:schemeClr val="bg2">
+                    <a:lumMod val="50000"/>
+                    <a:lumOff val="50000"/>
+                  </a:schemeClr>
+                </a:solidFill>
+                <a:latin typeface="Gulim" panose="020B0600000101010101" pitchFamily="34" charset="-127"/>
+                <a:ea typeface="Gulim" panose="020B0600000101010101" pitchFamily="34" charset="-127"/>
+              </a:rPr>
+              <a:t>, </a:t>
+            </a:r>
+            <a:r>
+              <a:rPr lang="fr-CH" sz="1500" dirty="0" err="1" smtClean="0">
+                <a:solidFill>
+                  <a:schemeClr val="bg2">
+                    <a:lumMod val="50000"/>
+                    <a:lumOff val="50000"/>
+                  </a:schemeClr>
+                </a:solidFill>
+                <a:latin typeface="Gulim" panose="020B0600000101010101" pitchFamily="34" charset="-127"/>
+                <a:ea typeface="Gulim" panose="020B0600000101010101" pitchFamily="34" charset="-127"/>
+              </a:rPr>
+              <a:t>A.Hug</a:t>
+            </a:r>
+            <a:r>
+              <a:rPr lang="fr-CH" sz="1500" dirty="0" smtClean="0">
+                <a:solidFill>
+                  <a:schemeClr val="bg2">
+                    <a:lumMod val="50000"/>
+                    <a:lumOff val="50000"/>
+                  </a:schemeClr>
+                </a:solidFill>
+                <a:latin typeface="Gulim" panose="020B0600000101010101" pitchFamily="34" charset="-127"/>
+                <a:ea typeface="Gulim" panose="020B0600000101010101" pitchFamily="34" charset="-127"/>
+              </a:rPr>
+              <a:t>, S. </a:t>
+            </a:r>
+            <a:r>
+              <a:rPr lang="fr-CH" sz="1500" dirty="0" err="1" smtClean="0">
+                <a:solidFill>
+                  <a:schemeClr val="bg2">
+                    <a:lumMod val="50000"/>
+                    <a:lumOff val="50000"/>
+                  </a:schemeClr>
+                </a:solidFill>
+                <a:latin typeface="Gulim" panose="020B0600000101010101" pitchFamily="34" charset="-127"/>
+                <a:ea typeface="Gulim" panose="020B0600000101010101" pitchFamily="34" charset="-127"/>
+              </a:rPr>
+              <a:t>Righitto</a:t>
+            </a:r>
+            <a:r>
+              <a:rPr lang="fr-CH" sz="1500" dirty="0" smtClean="0">
+                <a:solidFill>
+                  <a:schemeClr val="bg2">
+                    <a:lumMod val="50000"/>
+                    <a:lumOff val="50000"/>
+                  </a:schemeClr>
+                </a:solidFill>
+                <a:latin typeface="Gulim" panose="020B0600000101010101" pitchFamily="34" charset="-127"/>
+                <a:ea typeface="Gulim" panose="020B0600000101010101" pitchFamily="34" charset="-127"/>
+              </a:rPr>
+              <a:t>, F. </a:t>
+            </a:r>
+            <a:r>
+              <a:rPr lang="fr-CH" sz="1500" dirty="0" err="1" smtClean="0">
+                <a:solidFill>
+                  <a:schemeClr val="bg2">
+                    <a:lumMod val="50000"/>
+                    <a:lumOff val="50000"/>
+                  </a:schemeClr>
+                </a:solidFill>
+                <a:latin typeface="Gulim" panose="020B0600000101010101" pitchFamily="34" charset="-127"/>
+                <a:ea typeface="Gulim" panose="020B0600000101010101" pitchFamily="34" charset="-127"/>
+              </a:rPr>
+              <a:t>Saam</a:t>
+            </a:r>
+            <a:r>
+              <a:rPr lang="fr-CH" sz="1500" dirty="0" smtClean="0">
+                <a:solidFill>
+                  <a:schemeClr val="bg2">
+                    <a:lumMod val="50000"/>
+                    <a:lumOff val="50000"/>
+                  </a:schemeClr>
+                </a:solidFill>
+                <a:latin typeface="Gulim" panose="020B0600000101010101" pitchFamily="34" charset="-127"/>
+                <a:ea typeface="Gulim" panose="020B0600000101010101" pitchFamily="34" charset="-127"/>
+              </a:rPr>
+              <a:t>	</a:t>
+            </a:r>
+            <a:r>
+              <a:rPr lang="fr-CH" sz="1600" dirty="0" smtClean="0">
+                <a:solidFill>
+                  <a:schemeClr val="bg2">
+                    <a:lumMod val="50000"/>
+                    <a:lumOff val="50000"/>
+                  </a:schemeClr>
+                </a:solidFill>
+                <a:latin typeface="Gulim" panose="020B0600000101010101" pitchFamily="34" charset="-127"/>
+                <a:ea typeface="Gulim" panose="020B0600000101010101" pitchFamily="34" charset="-127"/>
+              </a:rPr>
+              <a:t>											</a:t>
+            </a:r>
+            <a:endParaRPr lang="fr-CH" sz="1600" dirty="0">
+              <a:solidFill>
+                <a:schemeClr val="bg2">
+                  <a:lumMod val="50000"/>
+                  <a:lumOff val="50000"/>
+                </a:schemeClr>
+              </a:solidFill>
+              <a:latin typeface="Gulim" panose="020B0600000101010101" pitchFamily="34" charset="-127"/>
+              <a:ea typeface="Gulim" panose="020B0600000101010101" pitchFamily="34" charset="-127"/>
+            </a:endParaRPr>
+          </a:p>
+        </p:txBody>
+      </p:sp>
+      <p:sp>
+        <p:nvSpPr>
+          <p:cNvPr id="3" name="Segnaposto testo 2"/>
+          <p:cNvSpPr>
+            <a:spLocks noGrp="1"/>
+          </p:cNvSpPr>
+          <p:nvPr>
+            <p:ph type="body" sz="half" idx="2"/>
+          </p:nvPr>
+        </p:nvSpPr>
+        <p:spPr/>
+        <p:txBody>
+          <a:bodyPr/>
+          <a:lstStyle/>
+          <a:p>
+            <a:endParaRPr lang="fr-CH"/>
+          </a:p>
+        </p:txBody>
+      </p:sp>
+      <p:pic>
+        <p:nvPicPr>
+          <p:cNvPr id="1026" name="Picture 2" descr="C:\Users\RigHitZ\Documents\Heig-VD\6semestre\SFT\SFT15_Elisa\img_doc\dance_1.png"/>
+          <p:cNvPicPr>
+            <a:picLocks noChangeAspect="1" noChangeArrowheads="1"/>
+          </p:cNvPicPr>
+          <p:nvPr/>
+        </p:nvPicPr>
+        <p:blipFill rotWithShape="1">
+          <a:blip r:embed="rId4">
+            <a:extLst>
+              <a:ext uri="{28A0092B-C50C-407E-A947-70E740481C1C}">
+                <a14:useLocalDpi xmlns:a14="http://schemas.microsoft.com/office/drawing/2010/main" val="0"/>
+              </a:ext>
+            </a:extLst>
+          </a:blip>
+          <a:srcRect l="7311" r="9590"/>
+          <a:stretch/>
+        </p:blipFill>
+        <p:spPr bwMode="auto">
+          <a:xfrm>
+            <a:off x="454398" y="493761"/>
+            <a:ext cx="10289799" cy="4762500"/>
+          </a:xfrm>
+          <a:prstGeom prst="round2DiagRect">
+            <a:avLst>
+              <a:gd name="adj1" fmla="val 16667"/>
+              <a:gd name="adj2" fmla="val 0"/>
+            </a:avLst>
+          </a:prstGeom>
+          <a:ln w="88900" cap="sq">
+            <a:solidFill>
+              <a:srgbClr val="FFFFFF"/>
+            </a:solidFill>
+            <a:miter lim="800000"/>
+          </a:ln>
+          <a:effectLst>
+            <a:outerShdw blurRad="254000" algn="tl" rotWithShape="0">
+              <a:srgbClr val="000000">
+                <a:alpha val="43000"/>
+              </a:srgbClr>
+            </a:outerShdw>
+          </a:effectLst>
+          <a:extLst>
+            <a:ext uri="{909E8E84-426E-40DD-AFC4-6F175D3DCCD1}">
+              <a14:hiddenFill xmlns:a14="http://schemas.microsoft.com/office/drawing/2010/main">
+                <a:solidFill>
+                  <a:srgbClr val="FFFFFF"/>
+                </a:solidFill>
+              </a14:hiddenFill>
+            </a:ext>
+          </a:extLst>
+        </p:spPr>
+      </p:pic>
+    </p:spTree>
+    <p:extLst>
+      <p:ext uri="{BB962C8B-B14F-4D97-AF65-F5344CB8AC3E}">
+        <p14:creationId xmlns:p14="http://schemas.microsoft.com/office/powerpoint/2010/main" val="2088456571"/>
+      </p:ext>
+    </p:extLst>
+  </p:cSld>
+  <p:clrMapOvr>
+    <a:masterClrMapping/>
+  </p:clrMapOvr>
+  <p:timing>
+    <p:tnLst>
+      <p:par>
+        <p:cTn id="1" dur="indefinite" restart="never" nodeType="tmRoot"/>
+      </p:par>
+    </p:tnLst>
+  </p:timing>
+</p:sld>
+</file>
+
+<file path=ppt/slides/slide18.xml><?xml version="1.0" encoding="utf-8"?>
+<p:sld xmlns:a="http://schemas.openxmlformats.org/drawingml/2006/main" xmlns:r="http://schemas.openxmlformats.org/officeDocument/2006/relationships" xmlns:p="http://schemas.openxmlformats.org/presentationml/2006/main">
+  <p:cSld>
+    <p:spTree>
+      <p:nvGrpSpPr>
+        <p:cNvPr id="1" name=""/>
+        <p:cNvGrpSpPr/>
+        <p:nvPr/>
+      </p:nvGrpSpPr>
+      <p:grpSpPr>
+        <a:xfrm>
+          <a:off x="0" y="0"/>
+          <a:ext cx="0" cy="0"/>
+          <a:chOff x="0" y="0"/>
+          <a:chExt cx="0" cy="0"/>
+        </a:xfrm>
+      </p:grpSpPr>
+      <p:sp>
+        <p:nvSpPr>
+          <p:cNvPr id="2" name="Titre 1"/>
+          <p:cNvSpPr>
+            <a:spLocks noGrp="1"/>
+          </p:cNvSpPr>
+          <p:nvPr>
+            <p:ph type="title"/>
+          </p:nvPr>
+        </p:nvSpPr>
+        <p:spPr>
+          <a:xfrm>
+            <a:off x="1249251" y="446088"/>
+            <a:ext cx="3371434" cy="1511501"/>
+          </a:xfrm>
+        </p:spPr>
+        <p:txBody>
+          <a:bodyPr/>
+          <a:lstStyle/>
+          <a:p>
+            <a:r>
+              <a:rPr lang="fr-CH" sz="4400" dirty="0" smtClean="0">
+                <a:latin typeface="Gulim" panose="020B0600000101010101" pitchFamily="34" charset="-127"/>
+                <a:ea typeface="Gulim" panose="020B0600000101010101" pitchFamily="34" charset="-127"/>
+              </a:rPr>
+              <a:t>Danses</a:t>
+            </a:r>
+            <a:endParaRPr lang="fr-CH" sz="4400" dirty="0">
+              <a:latin typeface="Gulim" panose="020B0600000101010101" pitchFamily="34" charset="-127"/>
+              <a:ea typeface="Gulim" panose="020B0600000101010101" pitchFamily="34" charset="-127"/>
+            </a:endParaRPr>
+          </a:p>
+        </p:txBody>
+      </p:sp>
       <p:sp>
         <p:nvSpPr>
           <p:cNvPr id="4" name="Espace réservé du texte 3"/>
@@ -13051,7 +13678,7 @@
 </p:sld>
 </file>
 
-<file path=ppt/slides/slide18.xml><?xml version="1.0" encoding="utf-8"?>
+<file path=ppt/slides/slide19.xml><?xml version="1.0" encoding="utf-8"?>
 <p:sld xmlns:a="http://schemas.openxmlformats.org/drawingml/2006/main" xmlns:r="http://schemas.openxmlformats.org/officeDocument/2006/relationships" xmlns:p="http://schemas.openxmlformats.org/presentationml/2006/main">
   <p:cSld>
     <p:spTree>
@@ -13068,110 +13695,65 @@
           <a:chExt cx="0" cy="0"/>
         </a:xfrm>
       </p:grpSpPr>
-      <p:sp>
-        <p:nvSpPr>
-          <p:cNvPr id="2" name="Titre 1"/>
-          <p:cNvSpPr>
-            <a:spLocks noGrp="1"/>
-          </p:cNvSpPr>
-          <p:nvPr>
-            <p:ph type="title"/>
-          </p:nvPr>
-        </p:nvSpPr>
-        <p:spPr>
-          <a:xfrm>
-            <a:off x="1249251" y="446088"/>
-            <a:ext cx="3371434" cy="1511501"/>
-          </a:xfrm>
-        </p:spPr>
-        <p:txBody>
-          <a:bodyPr/>
-          <a:lstStyle/>
-          <a:p>
-            <a:r>
-              <a:rPr lang="fr-CH" sz="4400" dirty="0" smtClean="0">
-                <a:latin typeface="Gulim" panose="020B0600000101010101" pitchFamily="34" charset="-127"/>
-                <a:ea typeface="Gulim" panose="020B0600000101010101" pitchFamily="34" charset="-127"/>
-              </a:rPr>
-              <a:t>Danses</a:t>
-            </a:r>
-            <a:endParaRPr lang="fr-CH" sz="4400" dirty="0">
-              <a:latin typeface="Gulim" panose="020B0600000101010101" pitchFamily="34" charset="-127"/>
-              <a:ea typeface="Gulim" panose="020B0600000101010101" pitchFamily="34" charset="-127"/>
-            </a:endParaRPr>
-          </a:p>
-        </p:txBody>
-      </p:sp>
-      <p:sp>
-        <p:nvSpPr>
-          <p:cNvPr id="4" name="Espace réservé du texte 3"/>
-          <p:cNvSpPr>
-            <a:spLocks noGrp="1"/>
-          </p:cNvSpPr>
-          <p:nvPr>
-            <p:ph type="body" sz="half" idx="2"/>
-          </p:nvPr>
-        </p:nvSpPr>
-        <p:spPr/>
-        <p:txBody>
-          <a:bodyPr>
-            <a:normAutofit/>
-          </a:bodyPr>
-          <a:lstStyle/>
-          <a:p>
-            <a:pPr marL="285750" indent="-285750">
-              <a:buFont typeface="Courier New" panose="02070309020205020404" pitchFamily="49" charset="0"/>
-              <a:buChar char="o"/>
-            </a:pPr>
-            <a:r>
-              <a:rPr lang="fr-CH" sz="1800" dirty="0" err="1"/>
-              <a:t>r</a:t>
-            </a:r>
-            <a:r>
-              <a:rPr lang="fr-CH" sz="1800" dirty="0" err="1" smtClean="0"/>
-              <a:t>otate</a:t>
-            </a:r>
-            <a:r>
-              <a:rPr lang="fr-CH" sz="1800" dirty="0" smtClean="0"/>
-              <a:t>()</a:t>
-            </a:r>
-            <a:endParaRPr lang="fr-CH" sz="1800" dirty="0"/>
-          </a:p>
-        </p:txBody>
-      </p:sp>
       <p:pic>
         <p:nvPicPr>
-          <p:cNvPr id="5" name="Image 4"/>
+          <p:cNvPr id="2" name="Picture 2" descr="C:\Users\RigHitZ\Documents\Heig-VD\6semestre\SFT\SFT15_Elisa\img_doc\dance_2_p1.png"/>
           <p:cNvPicPr>
-            <a:picLocks noChangeAspect="1"/>
+            <a:picLocks noChangeAspect="1" noChangeArrowheads="1"/>
           </p:cNvPicPr>
           <p:nvPr/>
         </p:nvPicPr>
         <p:blipFill>
-          <a:blip r:embed="rId3">
+          <a:blip r:embed="rId2">
             <a:extLst>
               <a:ext uri="{28A0092B-C50C-407E-A947-70E740481C1C}">
                 <a14:useLocalDpi xmlns:a14="http://schemas.microsoft.com/office/drawing/2010/main" val="0"/>
               </a:ext>
             </a:extLst>
           </a:blip>
+          <a:srcRect/>
           <a:stretch>
             <a:fillRect/>
           </a:stretch>
         </p:blipFill>
-        <p:spPr>
+        <p:spPr bwMode="auto">
           <a:xfrm>
-            <a:off x="11209408" y="2354284"/>
-            <a:ext cx="501676" cy="1041454"/>
+            <a:off x="467100" y="958850"/>
+            <a:ext cx="10326313" cy="3397250"/>
           </a:xfrm>
-          <a:prstGeom prst="rect">
-            <a:avLst/>
+          <a:prstGeom prst="round2DiagRect">
+            <a:avLst>
+              <a:gd name="adj1" fmla="val 16667"/>
+              <a:gd name="adj2" fmla="val 0"/>
+            </a:avLst>
           </a:prstGeom>
+          <a:ln w="88900" cap="sq">
+            <a:solidFill>
+              <a:srgbClr val="FFFFFF"/>
+            </a:solidFill>
+            <a:miter lim="800000"/>
+          </a:ln>
+          <a:effectLst>
+            <a:outerShdw blurRad="254000" algn="tl" rotWithShape="0">
+              <a:srgbClr val="000000">
+                <a:alpha val="43000"/>
+              </a:srgbClr>
+            </a:outerShdw>
+          </a:effectLst>
+          <a:extLst>
+            <a:ext uri="{909E8E84-426E-40DD-AFC4-6F175D3DCCD1}">
+              <a14:hiddenFill xmlns:a14="http://schemas.microsoft.com/office/drawing/2010/main">
+                <a:solidFill>
+                  <a:srgbClr val="FFFFFF"/>
+                </a:solidFill>
+              </a14:hiddenFill>
+            </a:ext>
+          </a:extLst>
         </p:spPr>
       </p:pic>
       <p:sp>
         <p:nvSpPr>
-          <p:cNvPr id="6" name="Sous-titre 2"/>
+          <p:cNvPr id="3" name="Sous-titre 2"/>
           <p:cNvSpPr txBox="1">
             <a:spLocks/>
           </p:cNvSpPr>
@@ -13550,169 +14132,7 @@
       </p:sp>
       <p:pic>
         <p:nvPicPr>
-          <p:cNvPr id="2050" name="Picture 2"/>
-          <p:cNvPicPr>
-            <a:picLocks noGrp="1" noChangeAspect="1" noChangeArrowheads="1"/>
-          </p:cNvPicPr>
-          <p:nvPr>
-            <p:ph idx="1"/>
-          </p:nvPr>
-        </p:nvPicPr>
-        <p:blipFill>
-          <a:blip r:embed="rId4">
-            <a:extLst>
-              <a:ext uri="{28A0092B-C50C-407E-A947-70E740481C1C}">
-                <a14:useLocalDpi xmlns:a14="http://schemas.microsoft.com/office/drawing/2010/main" val="0"/>
-              </a:ext>
-            </a:extLst>
-          </a:blip>
-          <a:srcRect/>
-          <a:stretch>
-            <a:fillRect/>
-          </a:stretch>
-        </p:blipFill>
-        <p:spPr bwMode="auto">
-          <a:xfrm>
-            <a:off x="5003294" y="2451715"/>
-            <a:ext cx="5823503" cy="3105037"/>
-          </a:xfrm>
-          <a:prstGeom prst="round2DiagRect">
-            <a:avLst>
-              <a:gd name="adj1" fmla="val 16667"/>
-              <a:gd name="adj2" fmla="val 0"/>
-            </a:avLst>
-          </a:prstGeom>
-          <a:ln w="88900" cap="sq">
-            <a:solidFill>
-              <a:srgbClr val="FFFFFF"/>
-            </a:solidFill>
-            <a:miter lim="800000"/>
-          </a:ln>
-          <a:effectLst>
-            <a:outerShdw blurRad="254000" algn="tl" rotWithShape="0">
-              <a:srgbClr val="000000">
-                <a:alpha val="43000"/>
-              </a:srgbClr>
-            </a:outerShdw>
-          </a:effectLst>
-          <a:extLst>
-            <a:ext uri="{909E8E84-426E-40DD-AFC4-6F175D3DCCD1}">
-              <a14:hiddenFill xmlns:a14="http://schemas.microsoft.com/office/drawing/2010/main">
-                <a:solidFill>
-                  <a:schemeClr val="accent1"/>
-                </a:solidFill>
-              </a14:hiddenFill>
-            </a:ext>
-          </a:extLst>
-        </p:spPr>
-      </p:pic>
-    </p:spTree>
-    <p:extLst>
-      <p:ext uri="{BB962C8B-B14F-4D97-AF65-F5344CB8AC3E}">
-        <p14:creationId xmlns:p14="http://schemas.microsoft.com/office/powerpoint/2010/main" val="3174251014"/>
-      </p:ext>
-    </p:extLst>
-  </p:cSld>
-  <p:clrMapOvr>
-    <a:masterClrMapping/>
-  </p:clrMapOvr>
-  <p:timing>
-    <p:tnLst>
-      <p:par>
-        <p:cTn id="1" dur="indefinite" restart="never" nodeType="tmRoot"/>
-      </p:par>
-    </p:tnLst>
-  </p:timing>
-</p:sld>
-</file>
-
-<file path=ppt/slides/slide19.xml><?xml version="1.0" encoding="utf-8"?>
-<p:sld xmlns:a="http://schemas.openxmlformats.org/drawingml/2006/main" xmlns:r="http://schemas.openxmlformats.org/officeDocument/2006/relationships" xmlns:p="http://schemas.openxmlformats.org/presentationml/2006/main">
-  <p:cSld>
-    <p:spTree>
-      <p:nvGrpSpPr>
-        <p:cNvPr id="1" name=""/>
-        <p:cNvGrpSpPr/>
-        <p:nvPr/>
-      </p:nvGrpSpPr>
-      <p:grpSpPr>
-        <a:xfrm>
-          <a:off x="0" y="0"/>
-          <a:ext cx="0" cy="0"/>
-          <a:chOff x="0" y="0"/>
-          <a:chExt cx="0" cy="0"/>
-        </a:xfrm>
-      </p:grpSpPr>
-      <p:sp>
-        <p:nvSpPr>
-          <p:cNvPr id="2" name="Titre 1"/>
-          <p:cNvSpPr>
-            <a:spLocks noGrp="1"/>
-          </p:cNvSpPr>
-          <p:nvPr>
-            <p:ph type="title"/>
-          </p:nvPr>
-        </p:nvSpPr>
-        <p:spPr>
-          <a:xfrm>
-            <a:off x="1249251" y="446088"/>
-            <a:ext cx="3371434" cy="1511501"/>
-          </a:xfrm>
-        </p:spPr>
-        <p:txBody>
-          <a:bodyPr/>
-          <a:lstStyle/>
-          <a:p>
-            <a:r>
-              <a:rPr lang="fr-CH" sz="4400" dirty="0" smtClean="0">
-                <a:latin typeface="Gulim" panose="020B0600000101010101" pitchFamily="34" charset="-127"/>
-                <a:ea typeface="Gulim" panose="020B0600000101010101" pitchFamily="34" charset="-127"/>
-              </a:rPr>
-              <a:t>Danses</a:t>
-            </a:r>
-            <a:endParaRPr lang="fr-CH" sz="4400" dirty="0">
-              <a:latin typeface="Gulim" panose="020B0600000101010101" pitchFamily="34" charset="-127"/>
-              <a:ea typeface="Gulim" panose="020B0600000101010101" pitchFamily="34" charset="-127"/>
-            </a:endParaRPr>
-          </a:p>
-        </p:txBody>
-      </p:sp>
-      <p:sp>
-        <p:nvSpPr>
-          <p:cNvPr id="4" name="Espace réservé du texte 3"/>
-          <p:cNvSpPr>
-            <a:spLocks noGrp="1"/>
-          </p:cNvSpPr>
-          <p:nvPr>
-            <p:ph type="body" sz="half" idx="2"/>
-          </p:nvPr>
-        </p:nvSpPr>
-        <p:spPr/>
-        <p:txBody>
-          <a:bodyPr>
-            <a:normAutofit/>
-          </a:bodyPr>
-          <a:lstStyle/>
-          <a:p>
-            <a:pPr marL="285750" indent="-285750">
-              <a:buFont typeface="Courier New" panose="02070309020205020404" pitchFamily="49" charset="0"/>
-              <a:buChar char="o"/>
-            </a:pPr>
-            <a:r>
-              <a:rPr lang="fr-CH" sz="1800" dirty="0" err="1" smtClean="0"/>
-              <a:t>turn</a:t>
-            </a:r>
-            <a:r>
-              <a:rPr lang="fr-CH" sz="1800" dirty="0" smtClean="0"/>
-              <a:t>()</a:t>
-            </a:r>
-            <a:endParaRPr lang="fr-CH" sz="1800" dirty="0"/>
-          </a:p>
-        </p:txBody>
-      </p:sp>
-      <p:pic>
-        <p:nvPicPr>
-          <p:cNvPr id="5" name="Image 4"/>
+          <p:cNvPr id="4" name="Image 4"/>
           <p:cNvPicPr>
             <a:picLocks noChangeAspect="1"/>
           </p:cNvPicPr>
@@ -13740,458 +14160,16 @@
           </a:prstGeom>
         </p:spPr>
       </p:pic>
-      <p:sp>
-        <p:nvSpPr>
-          <p:cNvPr id="6" name="Sous-titre 2"/>
-          <p:cNvSpPr txBox="1">
-            <a:spLocks/>
-          </p:cNvSpPr>
-          <p:nvPr/>
-        </p:nvSpPr>
-        <p:spPr>
-          <a:xfrm>
-            <a:off x="810001" y="6050877"/>
-            <a:ext cx="10572000" cy="434974"/>
-          </a:xfrm>
-          <a:prstGeom prst="rect">
-            <a:avLst/>
-          </a:prstGeom>
-          <a:effectLst>
-            <a:outerShdw blurRad="50800" dir="14400000">
-              <a:srgbClr val="000000">
-                <a:alpha val="40000"/>
-              </a:srgbClr>
-            </a:outerShdw>
-          </a:effectLst>
-        </p:spPr>
-        <p:txBody>
-          <a:bodyPr vert="horz" lIns="91440" tIns="45720" rIns="91440" bIns="45720" rtlCol="0" anchor="t">
-            <a:normAutofit/>
-          </a:bodyPr>
-          <a:lstStyle>
-            <a:lvl1pPr marL="0" indent="0" algn="l" defTabSz="457200" rtl="0" eaLnBrk="1" latinLnBrk="0" hangingPunct="1">
-              <a:spcBef>
-                <a:spcPct val="20000"/>
-              </a:spcBef>
-              <a:spcAft>
-                <a:spcPts val="600"/>
-              </a:spcAft>
-              <a:buClr>
-                <a:schemeClr val="accent1"/>
-              </a:buClr>
-              <a:buFont typeface="Wingdings 2" charset="2"/>
-              <a:buNone/>
-              <a:defRPr sz="1800" kern="1200">
-                <a:solidFill>
-                  <a:schemeClr val="tx1"/>
-                </a:solidFill>
-                <a:latin typeface="+mn-lt"/>
-                <a:ea typeface="+mn-ea"/>
-                <a:cs typeface="+mn-cs"/>
-              </a:defRPr>
-            </a:lvl1pPr>
-            <a:lvl2pPr marL="457200" indent="0" algn="ctr" defTabSz="457200" rtl="0" eaLnBrk="1" latinLnBrk="0" hangingPunct="1">
-              <a:spcBef>
-                <a:spcPct val="20000"/>
-              </a:spcBef>
-              <a:spcAft>
-                <a:spcPts val="600"/>
-              </a:spcAft>
-              <a:buClr>
-                <a:schemeClr val="accent1"/>
-              </a:buClr>
-              <a:buFont typeface="Wingdings 2" charset="2"/>
-              <a:buNone/>
-              <a:defRPr sz="1600" kern="1200">
-                <a:solidFill>
-                  <a:schemeClr val="tx1">
-                    <a:tint val="75000"/>
-                  </a:schemeClr>
-                </a:solidFill>
-                <a:latin typeface="+mn-lt"/>
-                <a:ea typeface="+mn-ea"/>
-                <a:cs typeface="+mn-cs"/>
-              </a:defRPr>
-            </a:lvl2pPr>
-            <a:lvl3pPr marL="914400" indent="0" algn="ctr" defTabSz="457200" rtl="0" eaLnBrk="1" latinLnBrk="0" hangingPunct="1">
-              <a:spcBef>
-                <a:spcPct val="20000"/>
-              </a:spcBef>
-              <a:spcAft>
-                <a:spcPts val="600"/>
-              </a:spcAft>
-              <a:buClr>
-                <a:schemeClr val="accent1"/>
-              </a:buClr>
-              <a:buFont typeface="Wingdings 2" charset="2"/>
-              <a:buNone/>
-              <a:defRPr sz="1400" kern="1200">
-                <a:solidFill>
-                  <a:schemeClr val="tx1">
-                    <a:tint val="75000"/>
-                  </a:schemeClr>
-                </a:solidFill>
-                <a:latin typeface="+mn-lt"/>
-                <a:ea typeface="+mn-ea"/>
-                <a:cs typeface="+mn-cs"/>
-              </a:defRPr>
-            </a:lvl3pPr>
-            <a:lvl4pPr marL="1371600" indent="0" algn="ctr" defTabSz="457200" rtl="0" eaLnBrk="1" latinLnBrk="0" hangingPunct="1">
-              <a:spcBef>
-                <a:spcPct val="20000"/>
-              </a:spcBef>
-              <a:spcAft>
-                <a:spcPts val="600"/>
-              </a:spcAft>
-              <a:buClr>
-                <a:schemeClr val="accent1"/>
-              </a:buClr>
-              <a:buFont typeface="Wingdings 2" charset="2"/>
-              <a:buNone/>
-              <a:defRPr sz="1200" kern="1200">
-                <a:solidFill>
-                  <a:schemeClr val="tx1">
-                    <a:tint val="75000"/>
-                  </a:schemeClr>
-                </a:solidFill>
-                <a:latin typeface="+mn-lt"/>
-                <a:ea typeface="+mn-ea"/>
-                <a:cs typeface="+mn-cs"/>
-              </a:defRPr>
-            </a:lvl4pPr>
-            <a:lvl5pPr marL="1828800" indent="0" algn="ctr" defTabSz="457200" rtl="0" eaLnBrk="1" latinLnBrk="0" hangingPunct="1">
-              <a:spcBef>
-                <a:spcPct val="20000"/>
-              </a:spcBef>
-              <a:spcAft>
-                <a:spcPts val="600"/>
-              </a:spcAft>
-              <a:buClr>
-                <a:schemeClr val="accent1"/>
-              </a:buClr>
-              <a:buFont typeface="Wingdings 2" charset="2"/>
-              <a:buNone/>
-              <a:defRPr sz="1200" kern="1200">
-                <a:solidFill>
-                  <a:schemeClr val="tx1">
-                    <a:tint val="75000"/>
-                  </a:schemeClr>
-                </a:solidFill>
-                <a:latin typeface="+mn-lt"/>
-                <a:ea typeface="+mn-ea"/>
-                <a:cs typeface="+mn-cs"/>
-              </a:defRPr>
-            </a:lvl5pPr>
-            <a:lvl6pPr marL="2286000" indent="0" algn="ctr" defTabSz="457200" rtl="0" eaLnBrk="1" latinLnBrk="0" hangingPunct="1">
-              <a:spcBef>
-                <a:spcPct val="20000"/>
-              </a:spcBef>
-              <a:spcAft>
-                <a:spcPts val="600"/>
-              </a:spcAft>
-              <a:buClr>
-                <a:schemeClr val="accent1"/>
-              </a:buClr>
-              <a:buFont typeface="Wingdings 2" charset="2"/>
-              <a:buNone/>
-              <a:defRPr sz="1200" kern="1200">
-                <a:solidFill>
-                  <a:schemeClr val="tx1">
-                    <a:tint val="75000"/>
-                  </a:schemeClr>
-                </a:solidFill>
-                <a:latin typeface="+mn-lt"/>
-                <a:ea typeface="+mn-ea"/>
-                <a:cs typeface="+mn-cs"/>
-              </a:defRPr>
-            </a:lvl6pPr>
-            <a:lvl7pPr marL="2743200" indent="0" algn="ctr" defTabSz="457200" rtl="0" eaLnBrk="1" latinLnBrk="0" hangingPunct="1">
-              <a:spcBef>
-                <a:spcPct val="20000"/>
-              </a:spcBef>
-              <a:spcAft>
-                <a:spcPts val="600"/>
-              </a:spcAft>
-              <a:buClr>
-                <a:schemeClr val="accent1"/>
-              </a:buClr>
-              <a:buFont typeface="Wingdings 2" charset="2"/>
-              <a:buNone/>
-              <a:defRPr sz="1200" kern="1200">
-                <a:solidFill>
-                  <a:schemeClr val="tx1">
-                    <a:tint val="75000"/>
-                  </a:schemeClr>
-                </a:solidFill>
-                <a:latin typeface="+mn-lt"/>
-                <a:ea typeface="+mn-ea"/>
-                <a:cs typeface="+mn-cs"/>
-              </a:defRPr>
-            </a:lvl7pPr>
-            <a:lvl8pPr marL="3200400" indent="0" algn="ctr" defTabSz="457200" rtl="0" eaLnBrk="1" latinLnBrk="0" hangingPunct="1">
-              <a:spcBef>
-                <a:spcPct val="20000"/>
-              </a:spcBef>
-              <a:spcAft>
-                <a:spcPts val="600"/>
-              </a:spcAft>
-              <a:buClr>
-                <a:schemeClr val="accent1"/>
-              </a:buClr>
-              <a:buFont typeface="Wingdings 2" charset="2"/>
-              <a:buNone/>
-              <a:defRPr sz="1200" kern="1200">
-                <a:solidFill>
-                  <a:schemeClr val="tx1">
-                    <a:tint val="75000"/>
-                  </a:schemeClr>
-                </a:solidFill>
-                <a:latin typeface="+mn-lt"/>
-                <a:ea typeface="+mn-ea"/>
-                <a:cs typeface="+mn-cs"/>
-              </a:defRPr>
-            </a:lvl8pPr>
-            <a:lvl9pPr marL="3657600" indent="0" algn="ctr" defTabSz="457200" rtl="0" eaLnBrk="1" latinLnBrk="0" hangingPunct="1">
-              <a:spcBef>
-                <a:spcPct val="20000"/>
-              </a:spcBef>
-              <a:spcAft>
-                <a:spcPts val="600"/>
-              </a:spcAft>
-              <a:buClr>
-                <a:schemeClr val="accent1"/>
-              </a:buClr>
-              <a:buFont typeface="Wingdings 2" charset="2"/>
-              <a:buNone/>
-              <a:defRPr sz="1200" kern="1200">
-                <a:solidFill>
-                  <a:schemeClr val="tx1">
-                    <a:tint val="75000"/>
-                  </a:schemeClr>
-                </a:solidFill>
-                <a:latin typeface="+mn-lt"/>
-                <a:ea typeface="+mn-ea"/>
-                <a:cs typeface="+mn-cs"/>
-              </a:defRPr>
-            </a:lvl9pPr>
-          </a:lstStyle>
-          <a:p>
-            <a:r>
-              <a:rPr lang="fr-CH" sz="1500" dirty="0" smtClean="0">
-                <a:solidFill>
-                  <a:schemeClr val="bg2">
-                    <a:lumMod val="50000"/>
-                    <a:lumOff val="50000"/>
-                  </a:schemeClr>
-                </a:solidFill>
-                <a:latin typeface="Gulim" panose="020B0600000101010101" pitchFamily="34" charset="-127"/>
-                <a:ea typeface="Gulim" panose="020B0600000101010101" pitchFamily="34" charset="-127"/>
-              </a:rPr>
-              <a:t>A. </a:t>
-            </a:r>
-            <a:r>
-              <a:rPr lang="fr-CH" sz="1500" dirty="0" err="1" smtClean="0">
-                <a:solidFill>
-                  <a:schemeClr val="bg2">
-                    <a:lumMod val="50000"/>
-                    <a:lumOff val="50000"/>
-                  </a:schemeClr>
-                </a:solidFill>
-                <a:latin typeface="Gulim" panose="020B0600000101010101" pitchFamily="34" charset="-127"/>
-                <a:ea typeface="Gulim" panose="020B0600000101010101" pitchFamily="34" charset="-127"/>
-              </a:rPr>
-              <a:t>Desclouds</a:t>
-            </a:r>
-            <a:r>
-              <a:rPr lang="fr-CH" sz="1500" dirty="0" smtClean="0">
-                <a:solidFill>
-                  <a:schemeClr val="bg2">
-                    <a:lumMod val="50000"/>
-                    <a:lumOff val="50000"/>
-                  </a:schemeClr>
-                </a:solidFill>
-                <a:latin typeface="Gulim" panose="020B0600000101010101" pitchFamily="34" charset="-127"/>
-                <a:ea typeface="Gulim" panose="020B0600000101010101" pitchFamily="34" charset="-127"/>
-              </a:rPr>
-              <a:t>, </a:t>
-            </a:r>
-            <a:r>
-              <a:rPr lang="fr-CH" sz="1500" dirty="0" err="1" smtClean="0">
-                <a:solidFill>
-                  <a:schemeClr val="bg2">
-                    <a:lumMod val="50000"/>
-                    <a:lumOff val="50000"/>
-                  </a:schemeClr>
-                </a:solidFill>
-                <a:latin typeface="Gulim" panose="020B0600000101010101" pitchFamily="34" charset="-127"/>
-                <a:ea typeface="Gulim" panose="020B0600000101010101" pitchFamily="34" charset="-127"/>
-              </a:rPr>
-              <a:t>A.Hug</a:t>
-            </a:r>
-            <a:r>
-              <a:rPr lang="fr-CH" sz="1500" dirty="0" smtClean="0">
-                <a:solidFill>
-                  <a:schemeClr val="bg2">
-                    <a:lumMod val="50000"/>
-                    <a:lumOff val="50000"/>
-                  </a:schemeClr>
-                </a:solidFill>
-                <a:latin typeface="Gulim" panose="020B0600000101010101" pitchFamily="34" charset="-127"/>
-                <a:ea typeface="Gulim" panose="020B0600000101010101" pitchFamily="34" charset="-127"/>
-              </a:rPr>
-              <a:t>, S. </a:t>
-            </a:r>
-            <a:r>
-              <a:rPr lang="fr-CH" sz="1500" dirty="0" err="1" smtClean="0">
-                <a:solidFill>
-                  <a:schemeClr val="bg2">
-                    <a:lumMod val="50000"/>
-                    <a:lumOff val="50000"/>
-                  </a:schemeClr>
-                </a:solidFill>
-                <a:latin typeface="Gulim" panose="020B0600000101010101" pitchFamily="34" charset="-127"/>
-                <a:ea typeface="Gulim" panose="020B0600000101010101" pitchFamily="34" charset="-127"/>
-              </a:rPr>
-              <a:t>Righitto</a:t>
-            </a:r>
-            <a:r>
-              <a:rPr lang="fr-CH" sz="1500" dirty="0" smtClean="0">
-                <a:solidFill>
-                  <a:schemeClr val="bg2">
-                    <a:lumMod val="50000"/>
-                    <a:lumOff val="50000"/>
-                  </a:schemeClr>
-                </a:solidFill>
-                <a:latin typeface="Gulim" panose="020B0600000101010101" pitchFamily="34" charset="-127"/>
-                <a:ea typeface="Gulim" panose="020B0600000101010101" pitchFamily="34" charset="-127"/>
-              </a:rPr>
-              <a:t>, F. </a:t>
-            </a:r>
-            <a:r>
-              <a:rPr lang="fr-CH" sz="1500" dirty="0" err="1" smtClean="0">
-                <a:solidFill>
-                  <a:schemeClr val="bg2">
-                    <a:lumMod val="50000"/>
-                    <a:lumOff val="50000"/>
-                  </a:schemeClr>
-                </a:solidFill>
-                <a:latin typeface="Gulim" panose="020B0600000101010101" pitchFamily="34" charset="-127"/>
-                <a:ea typeface="Gulim" panose="020B0600000101010101" pitchFamily="34" charset="-127"/>
-              </a:rPr>
-              <a:t>Saam</a:t>
-            </a:r>
-            <a:r>
-              <a:rPr lang="fr-CH" sz="1500" dirty="0" smtClean="0">
-                <a:solidFill>
-                  <a:schemeClr val="bg2">
-                    <a:lumMod val="50000"/>
-                    <a:lumOff val="50000"/>
-                  </a:schemeClr>
-                </a:solidFill>
-                <a:latin typeface="Gulim" panose="020B0600000101010101" pitchFamily="34" charset="-127"/>
-                <a:ea typeface="Gulim" panose="020B0600000101010101" pitchFamily="34" charset="-127"/>
-              </a:rPr>
-              <a:t>	</a:t>
-            </a:r>
-            <a:r>
-              <a:rPr lang="fr-CH" sz="1600" dirty="0" smtClean="0">
-                <a:solidFill>
-                  <a:schemeClr val="bg2">
-                    <a:lumMod val="50000"/>
-                    <a:lumOff val="50000"/>
-                  </a:schemeClr>
-                </a:solidFill>
-                <a:latin typeface="Gulim" panose="020B0600000101010101" pitchFamily="34" charset="-127"/>
-                <a:ea typeface="Gulim" panose="020B0600000101010101" pitchFamily="34" charset="-127"/>
-              </a:rPr>
-              <a:t>											</a:t>
-            </a:r>
-            <a:endParaRPr lang="fr-CH" sz="1600" dirty="0">
-              <a:solidFill>
-                <a:schemeClr val="bg2">
-                  <a:lumMod val="50000"/>
-                  <a:lumOff val="50000"/>
-                </a:schemeClr>
-              </a:solidFill>
-              <a:latin typeface="Gulim" panose="020B0600000101010101" pitchFamily="34" charset="-127"/>
-              <a:ea typeface="Gulim" panose="020B0600000101010101" pitchFamily="34" charset="-127"/>
-            </a:endParaRPr>
-          </a:p>
-        </p:txBody>
-      </p:sp>
-      <p:pic>
-        <p:nvPicPr>
-          <p:cNvPr id="3074" name="Picture 2"/>
-          <p:cNvPicPr>
-            <a:picLocks noChangeAspect="1" noChangeArrowheads="1"/>
-          </p:cNvPicPr>
-          <p:nvPr/>
-        </p:nvPicPr>
-        <p:blipFill>
-          <a:blip r:embed="rId4">
-            <a:extLst>
-              <a:ext uri="{28A0092B-C50C-407E-A947-70E740481C1C}">
-                <a14:useLocalDpi xmlns:a14="http://schemas.microsoft.com/office/drawing/2010/main" val="0"/>
-              </a:ext>
-            </a:extLst>
-          </a:blip>
-          <a:srcRect/>
-          <a:stretch>
-            <a:fillRect/>
-          </a:stretch>
-        </p:blipFill>
-        <p:spPr bwMode="auto">
-          <a:xfrm>
-            <a:off x="5076967" y="2477028"/>
-            <a:ext cx="5565980" cy="3164222"/>
-          </a:xfrm>
-          <a:prstGeom prst="round2DiagRect">
-            <a:avLst>
-              <a:gd name="adj1" fmla="val 16667"/>
-              <a:gd name="adj2" fmla="val 0"/>
-            </a:avLst>
-          </a:prstGeom>
-          <a:ln w="88900" cap="sq">
-            <a:solidFill>
-              <a:srgbClr val="FFFFFF"/>
-            </a:solidFill>
-            <a:miter lim="800000"/>
-          </a:ln>
-          <a:effectLst>
-            <a:outerShdw blurRad="254000" algn="tl" rotWithShape="0">
-              <a:srgbClr val="000000">
-                <a:alpha val="43000"/>
-              </a:srgbClr>
-            </a:outerShdw>
-          </a:effectLst>
-          <a:extLst>
-            <a:ext uri="{909E8E84-426E-40DD-AFC4-6F175D3DCCD1}">
-              <a14:hiddenFill xmlns:a14="http://schemas.microsoft.com/office/drawing/2010/main">
-                <a:solidFill>
-                  <a:schemeClr val="accent1"/>
-                </a:solidFill>
-              </a14:hiddenFill>
-            </a:ext>
-          </a:extLst>
-        </p:spPr>
-      </p:pic>
     </p:spTree>
     <p:extLst>
       <p:ext uri="{BB962C8B-B14F-4D97-AF65-F5344CB8AC3E}">
-        <p14:creationId xmlns:p14="http://schemas.microsoft.com/office/powerpoint/2010/main" val="802460624"/>
+        <p14:creationId xmlns:p14="http://schemas.microsoft.com/office/powerpoint/2010/main" val="1667176432"/>
       </p:ext>
     </p:extLst>
   </p:cSld>
   <p:clrMapOvr>
     <a:masterClrMapping/>
   </p:clrMapOvr>
-  <p:timing>
-    <p:tnLst>
-      <p:par>
-        <p:cTn id="1" dur="indefinite" restart="never" nodeType="tmRoot"/>
-      </p:par>
-    </p:tnLst>
-  </p:timing>
 </p:sld>
 </file>
 
@@ -14772,57 +14750,100 @@
             <p:ph type="title"/>
           </p:nvPr>
         </p:nvSpPr>
-        <p:spPr/>
+        <p:spPr>
+          <a:xfrm>
+            <a:off x="1249251" y="446088"/>
+            <a:ext cx="3371434" cy="1511501"/>
+          </a:xfrm>
+        </p:spPr>
         <p:txBody>
           <a:bodyPr/>
           <a:lstStyle/>
           <a:p>
             <a:r>
-              <a:rPr lang="fr-CH" dirty="0" err="1"/>
-              <a:t>Raspberry</a:t>
-            </a:r>
-            <a:r>
-              <a:rPr lang="fr-CH" dirty="0"/>
-              <a:t> Pie et </a:t>
-            </a:r>
-            <a:r>
-              <a:rPr lang="fr-CH" dirty="0" err="1" smtClean="0"/>
-              <a:t>Phidget</a:t>
-            </a:r>
-            <a:r>
-              <a:rPr lang="fr-CH" dirty="0" smtClean="0"/>
-              <a:t> </a:t>
-            </a:r>
-            <a:r>
-              <a:rPr lang="fr-CH" dirty="0" err="1"/>
-              <a:t>Touchrotation</a:t>
-            </a:r>
-            <a:endParaRPr lang="fr-CH" dirty="0"/>
+              <a:rPr lang="fr-CH" sz="4400" dirty="0" smtClean="0">
+                <a:latin typeface="Gulim" panose="020B0600000101010101" pitchFamily="34" charset="-127"/>
+                <a:ea typeface="Gulim" panose="020B0600000101010101" pitchFamily="34" charset="-127"/>
+              </a:rPr>
+              <a:t>Danses</a:t>
+            </a:r>
+            <a:endParaRPr lang="fr-CH" sz="4400" dirty="0">
+              <a:latin typeface="Gulim" panose="020B0600000101010101" pitchFamily="34" charset="-127"/>
+              <a:ea typeface="Gulim" panose="020B0600000101010101" pitchFamily="34" charset="-127"/>
+            </a:endParaRPr>
           </a:p>
         </p:txBody>
       </p:sp>
       <p:sp>
         <p:nvSpPr>
-          <p:cNvPr id="3" name="Espace réservé du contenu 2"/>
+          <p:cNvPr id="4" name="Espace réservé du texte 3"/>
           <p:cNvSpPr>
             <a:spLocks noGrp="1"/>
           </p:cNvSpPr>
           <p:nvPr>
-            <p:ph idx="1"/>
+            <p:ph type="body" sz="half" idx="2"/>
           </p:nvPr>
         </p:nvSpPr>
         <p:spPr/>
         <p:txBody>
-          <a:bodyPr/>
+          <a:bodyPr>
+            <a:normAutofit/>
+          </a:bodyPr>
           <a:lstStyle/>
           <a:p>
-            <a:endParaRPr lang="fr-CH" dirty="0" smtClean="0"/>
+            <a:pPr marL="285750" indent="-285750">
+              <a:buFont typeface="Courier New" panose="02070309020205020404" pitchFamily="49" charset="0"/>
+              <a:buChar char="o"/>
+            </a:pPr>
+            <a:r>
+              <a:rPr lang="fr-CH" sz="1800" dirty="0" err="1"/>
+              <a:t>r</a:t>
+            </a:r>
+            <a:r>
+              <a:rPr lang="fr-CH" sz="1800" dirty="0" err="1" smtClean="0"/>
+              <a:t>otate</a:t>
+            </a:r>
+            <a:r>
+              <a:rPr lang="fr-CH" sz="1800" dirty="0" smtClean="0"/>
+              <a:t>()</a:t>
+            </a:r>
+            <a:endParaRPr lang="fr-CH" sz="1800" dirty="0"/>
           </a:p>
         </p:txBody>
       </p:sp>
-      <p:sp>
-        <p:nvSpPr>
-          <p:cNvPr id="5" name="Sous-titre 2"/>
+      <p:pic>
+        <p:nvPicPr>
+          <p:cNvPr id="5" name="Image 4"/>
+          <p:cNvPicPr>
+            <a:picLocks noChangeAspect="1"/>
+          </p:cNvPicPr>
+          <p:nvPr/>
+        </p:nvPicPr>
+        <p:blipFill>
+          <a:blip r:embed="rId3">
+            <a:extLst>
+              <a:ext uri="{28A0092B-C50C-407E-A947-70E740481C1C}">
+                <a14:useLocalDpi xmlns:a14="http://schemas.microsoft.com/office/drawing/2010/main" val="0"/>
+              </a:ext>
+            </a:extLst>
+          </a:blip>
+          <a:stretch>
+            <a:fillRect/>
+          </a:stretch>
+        </p:blipFill>
+        <p:spPr>
+          <a:xfrm>
+            <a:off x="11209408" y="2354284"/>
+            <a:ext cx="501676" cy="1041454"/>
+          </a:xfrm>
+          <a:prstGeom prst="rect">
+            <a:avLst/>
+          </a:prstGeom>
+        </p:spPr>
+      </p:pic>
+      <p:sp>
+        <p:nvSpPr>
+          <p:cNvPr id="6" name="Sous-titre 2"/>
           <p:cNvSpPr txBox="1">
             <a:spLocks/>
           </p:cNvSpPr>
@@ -15199,6 +15220,1107 @@
           </a:p>
         </p:txBody>
       </p:sp>
+      <p:pic>
+        <p:nvPicPr>
+          <p:cNvPr id="2050" name="Picture 2"/>
+          <p:cNvPicPr>
+            <a:picLocks noGrp="1" noChangeAspect="1" noChangeArrowheads="1"/>
+          </p:cNvPicPr>
+          <p:nvPr>
+            <p:ph idx="1"/>
+          </p:nvPr>
+        </p:nvPicPr>
+        <p:blipFill>
+          <a:blip r:embed="rId4">
+            <a:extLst>
+              <a:ext uri="{28A0092B-C50C-407E-A947-70E740481C1C}">
+                <a14:useLocalDpi xmlns:a14="http://schemas.microsoft.com/office/drawing/2010/main" val="0"/>
+              </a:ext>
+            </a:extLst>
+          </a:blip>
+          <a:srcRect/>
+          <a:stretch>
+            <a:fillRect/>
+          </a:stretch>
+        </p:blipFill>
+        <p:spPr bwMode="auto">
+          <a:xfrm>
+            <a:off x="5003294" y="2451715"/>
+            <a:ext cx="5823503" cy="3105037"/>
+          </a:xfrm>
+          <a:prstGeom prst="round2DiagRect">
+            <a:avLst>
+              <a:gd name="adj1" fmla="val 16667"/>
+              <a:gd name="adj2" fmla="val 0"/>
+            </a:avLst>
+          </a:prstGeom>
+          <a:ln w="88900" cap="sq">
+            <a:solidFill>
+              <a:srgbClr val="FFFFFF"/>
+            </a:solidFill>
+            <a:miter lim="800000"/>
+          </a:ln>
+          <a:effectLst>
+            <a:outerShdw blurRad="254000" algn="tl" rotWithShape="0">
+              <a:srgbClr val="000000">
+                <a:alpha val="43000"/>
+              </a:srgbClr>
+            </a:outerShdw>
+          </a:effectLst>
+          <a:extLst>
+            <a:ext uri="{909E8E84-426E-40DD-AFC4-6F175D3DCCD1}">
+              <a14:hiddenFill xmlns:a14="http://schemas.microsoft.com/office/drawing/2010/main">
+                <a:solidFill>
+                  <a:schemeClr val="accent1"/>
+                </a:solidFill>
+              </a14:hiddenFill>
+            </a:ext>
+          </a:extLst>
+        </p:spPr>
+      </p:pic>
+    </p:spTree>
+    <p:extLst>
+      <p:ext uri="{BB962C8B-B14F-4D97-AF65-F5344CB8AC3E}">
+        <p14:creationId xmlns:p14="http://schemas.microsoft.com/office/powerpoint/2010/main" val="3174251014"/>
+      </p:ext>
+    </p:extLst>
+  </p:cSld>
+  <p:clrMapOvr>
+    <a:masterClrMapping/>
+  </p:clrMapOvr>
+  <p:timing>
+    <p:tnLst>
+      <p:par>
+        <p:cTn id="1" dur="indefinite" restart="never" nodeType="tmRoot"/>
+      </p:par>
+    </p:tnLst>
+  </p:timing>
+</p:sld>
+</file>
+
+<file path=ppt/slides/slide21.xml><?xml version="1.0" encoding="utf-8"?>
+<p:sld xmlns:a="http://schemas.openxmlformats.org/drawingml/2006/main" xmlns:r="http://schemas.openxmlformats.org/officeDocument/2006/relationships" xmlns:p="http://schemas.openxmlformats.org/presentationml/2006/main">
+  <p:cSld>
+    <p:spTree>
+      <p:nvGrpSpPr>
+        <p:cNvPr id="1" name=""/>
+        <p:cNvGrpSpPr/>
+        <p:nvPr/>
+      </p:nvGrpSpPr>
+      <p:grpSpPr>
+        <a:xfrm>
+          <a:off x="0" y="0"/>
+          <a:ext cx="0" cy="0"/>
+          <a:chOff x="0" y="0"/>
+          <a:chExt cx="0" cy="0"/>
+        </a:xfrm>
+      </p:grpSpPr>
+      <p:sp>
+        <p:nvSpPr>
+          <p:cNvPr id="2" name="Titre 1"/>
+          <p:cNvSpPr>
+            <a:spLocks noGrp="1"/>
+          </p:cNvSpPr>
+          <p:nvPr>
+            <p:ph type="title"/>
+          </p:nvPr>
+        </p:nvSpPr>
+        <p:spPr>
+          <a:xfrm>
+            <a:off x="1249251" y="446088"/>
+            <a:ext cx="3371434" cy="1511501"/>
+          </a:xfrm>
+        </p:spPr>
+        <p:txBody>
+          <a:bodyPr/>
+          <a:lstStyle/>
+          <a:p>
+            <a:r>
+              <a:rPr lang="fr-CH" sz="4400" dirty="0" smtClean="0">
+                <a:latin typeface="Gulim" panose="020B0600000101010101" pitchFamily="34" charset="-127"/>
+                <a:ea typeface="Gulim" panose="020B0600000101010101" pitchFamily="34" charset="-127"/>
+              </a:rPr>
+              <a:t>Danses</a:t>
+            </a:r>
+            <a:endParaRPr lang="fr-CH" sz="4400" dirty="0">
+              <a:latin typeface="Gulim" panose="020B0600000101010101" pitchFamily="34" charset="-127"/>
+              <a:ea typeface="Gulim" panose="020B0600000101010101" pitchFamily="34" charset="-127"/>
+            </a:endParaRPr>
+          </a:p>
+        </p:txBody>
+      </p:sp>
+      <p:sp>
+        <p:nvSpPr>
+          <p:cNvPr id="4" name="Espace réservé du texte 3"/>
+          <p:cNvSpPr>
+            <a:spLocks noGrp="1"/>
+          </p:cNvSpPr>
+          <p:nvPr>
+            <p:ph type="body" sz="half" idx="2"/>
+          </p:nvPr>
+        </p:nvSpPr>
+        <p:spPr/>
+        <p:txBody>
+          <a:bodyPr>
+            <a:normAutofit/>
+          </a:bodyPr>
+          <a:lstStyle/>
+          <a:p>
+            <a:pPr marL="285750" indent="-285750">
+              <a:buFont typeface="Courier New" panose="02070309020205020404" pitchFamily="49" charset="0"/>
+              <a:buChar char="o"/>
+            </a:pPr>
+            <a:r>
+              <a:rPr lang="fr-CH" sz="1800" dirty="0" err="1" smtClean="0"/>
+              <a:t>turn</a:t>
+            </a:r>
+            <a:r>
+              <a:rPr lang="fr-CH" sz="1800" dirty="0" smtClean="0"/>
+              <a:t>()</a:t>
+            </a:r>
+            <a:endParaRPr lang="fr-CH" sz="1800" dirty="0"/>
+          </a:p>
+        </p:txBody>
+      </p:sp>
+      <p:pic>
+        <p:nvPicPr>
+          <p:cNvPr id="5" name="Image 4"/>
+          <p:cNvPicPr>
+            <a:picLocks noChangeAspect="1"/>
+          </p:cNvPicPr>
+          <p:nvPr/>
+        </p:nvPicPr>
+        <p:blipFill>
+          <a:blip r:embed="rId3">
+            <a:extLst>
+              <a:ext uri="{28A0092B-C50C-407E-A947-70E740481C1C}">
+                <a14:useLocalDpi xmlns:a14="http://schemas.microsoft.com/office/drawing/2010/main" val="0"/>
+              </a:ext>
+            </a:extLst>
+          </a:blip>
+          <a:stretch>
+            <a:fillRect/>
+          </a:stretch>
+        </p:blipFill>
+        <p:spPr>
+          <a:xfrm>
+            <a:off x="11209408" y="2354284"/>
+            <a:ext cx="501676" cy="1041454"/>
+          </a:xfrm>
+          <a:prstGeom prst="rect">
+            <a:avLst/>
+          </a:prstGeom>
+        </p:spPr>
+      </p:pic>
+      <p:sp>
+        <p:nvSpPr>
+          <p:cNvPr id="6" name="Sous-titre 2"/>
+          <p:cNvSpPr txBox="1">
+            <a:spLocks/>
+          </p:cNvSpPr>
+          <p:nvPr/>
+        </p:nvSpPr>
+        <p:spPr>
+          <a:xfrm>
+            <a:off x="810001" y="6050877"/>
+            <a:ext cx="10572000" cy="434974"/>
+          </a:xfrm>
+          <a:prstGeom prst="rect">
+            <a:avLst/>
+          </a:prstGeom>
+          <a:effectLst>
+            <a:outerShdw blurRad="50800" dir="14400000">
+              <a:srgbClr val="000000">
+                <a:alpha val="40000"/>
+              </a:srgbClr>
+            </a:outerShdw>
+          </a:effectLst>
+        </p:spPr>
+        <p:txBody>
+          <a:bodyPr vert="horz" lIns="91440" tIns="45720" rIns="91440" bIns="45720" rtlCol="0" anchor="t">
+            <a:normAutofit/>
+          </a:bodyPr>
+          <a:lstStyle>
+            <a:lvl1pPr marL="0" indent="0" algn="l" defTabSz="457200" rtl="0" eaLnBrk="1" latinLnBrk="0" hangingPunct="1">
+              <a:spcBef>
+                <a:spcPct val="20000"/>
+              </a:spcBef>
+              <a:spcAft>
+                <a:spcPts val="600"/>
+              </a:spcAft>
+              <a:buClr>
+                <a:schemeClr val="accent1"/>
+              </a:buClr>
+              <a:buFont typeface="Wingdings 2" charset="2"/>
+              <a:buNone/>
+              <a:defRPr sz="1800" kern="1200">
+                <a:solidFill>
+                  <a:schemeClr val="tx1"/>
+                </a:solidFill>
+                <a:latin typeface="+mn-lt"/>
+                <a:ea typeface="+mn-ea"/>
+                <a:cs typeface="+mn-cs"/>
+              </a:defRPr>
+            </a:lvl1pPr>
+            <a:lvl2pPr marL="457200" indent="0" algn="ctr" defTabSz="457200" rtl="0" eaLnBrk="1" latinLnBrk="0" hangingPunct="1">
+              <a:spcBef>
+                <a:spcPct val="20000"/>
+              </a:spcBef>
+              <a:spcAft>
+                <a:spcPts val="600"/>
+              </a:spcAft>
+              <a:buClr>
+                <a:schemeClr val="accent1"/>
+              </a:buClr>
+              <a:buFont typeface="Wingdings 2" charset="2"/>
+              <a:buNone/>
+              <a:defRPr sz="1600" kern="1200">
+                <a:solidFill>
+                  <a:schemeClr val="tx1">
+                    <a:tint val="75000"/>
+                  </a:schemeClr>
+                </a:solidFill>
+                <a:latin typeface="+mn-lt"/>
+                <a:ea typeface="+mn-ea"/>
+                <a:cs typeface="+mn-cs"/>
+              </a:defRPr>
+            </a:lvl2pPr>
+            <a:lvl3pPr marL="914400" indent="0" algn="ctr" defTabSz="457200" rtl="0" eaLnBrk="1" latinLnBrk="0" hangingPunct="1">
+              <a:spcBef>
+                <a:spcPct val="20000"/>
+              </a:spcBef>
+              <a:spcAft>
+                <a:spcPts val="600"/>
+              </a:spcAft>
+              <a:buClr>
+                <a:schemeClr val="accent1"/>
+              </a:buClr>
+              <a:buFont typeface="Wingdings 2" charset="2"/>
+              <a:buNone/>
+              <a:defRPr sz="1400" kern="1200">
+                <a:solidFill>
+                  <a:schemeClr val="tx1">
+                    <a:tint val="75000"/>
+                  </a:schemeClr>
+                </a:solidFill>
+                <a:latin typeface="+mn-lt"/>
+                <a:ea typeface="+mn-ea"/>
+                <a:cs typeface="+mn-cs"/>
+              </a:defRPr>
+            </a:lvl3pPr>
+            <a:lvl4pPr marL="1371600" indent="0" algn="ctr" defTabSz="457200" rtl="0" eaLnBrk="1" latinLnBrk="0" hangingPunct="1">
+              <a:spcBef>
+                <a:spcPct val="20000"/>
+              </a:spcBef>
+              <a:spcAft>
+                <a:spcPts val="600"/>
+              </a:spcAft>
+              <a:buClr>
+                <a:schemeClr val="accent1"/>
+              </a:buClr>
+              <a:buFont typeface="Wingdings 2" charset="2"/>
+              <a:buNone/>
+              <a:defRPr sz="1200" kern="1200">
+                <a:solidFill>
+                  <a:schemeClr val="tx1">
+                    <a:tint val="75000"/>
+                  </a:schemeClr>
+                </a:solidFill>
+                <a:latin typeface="+mn-lt"/>
+                <a:ea typeface="+mn-ea"/>
+                <a:cs typeface="+mn-cs"/>
+              </a:defRPr>
+            </a:lvl4pPr>
+            <a:lvl5pPr marL="1828800" indent="0" algn="ctr" defTabSz="457200" rtl="0" eaLnBrk="1" latinLnBrk="0" hangingPunct="1">
+              <a:spcBef>
+                <a:spcPct val="20000"/>
+              </a:spcBef>
+              <a:spcAft>
+                <a:spcPts val="600"/>
+              </a:spcAft>
+              <a:buClr>
+                <a:schemeClr val="accent1"/>
+              </a:buClr>
+              <a:buFont typeface="Wingdings 2" charset="2"/>
+              <a:buNone/>
+              <a:defRPr sz="1200" kern="1200">
+                <a:solidFill>
+                  <a:schemeClr val="tx1">
+                    <a:tint val="75000"/>
+                  </a:schemeClr>
+                </a:solidFill>
+                <a:latin typeface="+mn-lt"/>
+                <a:ea typeface="+mn-ea"/>
+                <a:cs typeface="+mn-cs"/>
+              </a:defRPr>
+            </a:lvl5pPr>
+            <a:lvl6pPr marL="2286000" indent="0" algn="ctr" defTabSz="457200" rtl="0" eaLnBrk="1" latinLnBrk="0" hangingPunct="1">
+              <a:spcBef>
+                <a:spcPct val="20000"/>
+              </a:spcBef>
+              <a:spcAft>
+                <a:spcPts val="600"/>
+              </a:spcAft>
+              <a:buClr>
+                <a:schemeClr val="accent1"/>
+              </a:buClr>
+              <a:buFont typeface="Wingdings 2" charset="2"/>
+              <a:buNone/>
+              <a:defRPr sz="1200" kern="1200">
+                <a:solidFill>
+                  <a:schemeClr val="tx1">
+                    <a:tint val="75000"/>
+                  </a:schemeClr>
+                </a:solidFill>
+                <a:latin typeface="+mn-lt"/>
+                <a:ea typeface="+mn-ea"/>
+                <a:cs typeface="+mn-cs"/>
+              </a:defRPr>
+            </a:lvl6pPr>
+            <a:lvl7pPr marL="2743200" indent="0" algn="ctr" defTabSz="457200" rtl="0" eaLnBrk="1" latinLnBrk="0" hangingPunct="1">
+              <a:spcBef>
+                <a:spcPct val="20000"/>
+              </a:spcBef>
+              <a:spcAft>
+                <a:spcPts val="600"/>
+              </a:spcAft>
+              <a:buClr>
+                <a:schemeClr val="accent1"/>
+              </a:buClr>
+              <a:buFont typeface="Wingdings 2" charset="2"/>
+              <a:buNone/>
+              <a:defRPr sz="1200" kern="1200">
+                <a:solidFill>
+                  <a:schemeClr val="tx1">
+                    <a:tint val="75000"/>
+                  </a:schemeClr>
+                </a:solidFill>
+                <a:latin typeface="+mn-lt"/>
+                <a:ea typeface="+mn-ea"/>
+                <a:cs typeface="+mn-cs"/>
+              </a:defRPr>
+            </a:lvl7pPr>
+            <a:lvl8pPr marL="3200400" indent="0" algn="ctr" defTabSz="457200" rtl="0" eaLnBrk="1" latinLnBrk="0" hangingPunct="1">
+              <a:spcBef>
+                <a:spcPct val="20000"/>
+              </a:spcBef>
+              <a:spcAft>
+                <a:spcPts val="600"/>
+              </a:spcAft>
+              <a:buClr>
+                <a:schemeClr val="accent1"/>
+              </a:buClr>
+              <a:buFont typeface="Wingdings 2" charset="2"/>
+              <a:buNone/>
+              <a:defRPr sz="1200" kern="1200">
+                <a:solidFill>
+                  <a:schemeClr val="tx1">
+                    <a:tint val="75000"/>
+                  </a:schemeClr>
+                </a:solidFill>
+                <a:latin typeface="+mn-lt"/>
+                <a:ea typeface="+mn-ea"/>
+                <a:cs typeface="+mn-cs"/>
+              </a:defRPr>
+            </a:lvl8pPr>
+            <a:lvl9pPr marL="3657600" indent="0" algn="ctr" defTabSz="457200" rtl="0" eaLnBrk="1" latinLnBrk="0" hangingPunct="1">
+              <a:spcBef>
+                <a:spcPct val="20000"/>
+              </a:spcBef>
+              <a:spcAft>
+                <a:spcPts val="600"/>
+              </a:spcAft>
+              <a:buClr>
+                <a:schemeClr val="accent1"/>
+              </a:buClr>
+              <a:buFont typeface="Wingdings 2" charset="2"/>
+              <a:buNone/>
+              <a:defRPr sz="1200" kern="1200">
+                <a:solidFill>
+                  <a:schemeClr val="tx1">
+                    <a:tint val="75000"/>
+                  </a:schemeClr>
+                </a:solidFill>
+                <a:latin typeface="+mn-lt"/>
+                <a:ea typeface="+mn-ea"/>
+                <a:cs typeface="+mn-cs"/>
+              </a:defRPr>
+            </a:lvl9pPr>
+          </a:lstStyle>
+          <a:p>
+            <a:r>
+              <a:rPr lang="fr-CH" sz="1500" dirty="0" smtClean="0">
+                <a:solidFill>
+                  <a:schemeClr val="bg2">
+                    <a:lumMod val="50000"/>
+                    <a:lumOff val="50000"/>
+                  </a:schemeClr>
+                </a:solidFill>
+                <a:latin typeface="Gulim" panose="020B0600000101010101" pitchFamily="34" charset="-127"/>
+                <a:ea typeface="Gulim" panose="020B0600000101010101" pitchFamily="34" charset="-127"/>
+              </a:rPr>
+              <a:t>A. </a:t>
+            </a:r>
+            <a:r>
+              <a:rPr lang="fr-CH" sz="1500" dirty="0" err="1" smtClean="0">
+                <a:solidFill>
+                  <a:schemeClr val="bg2">
+                    <a:lumMod val="50000"/>
+                    <a:lumOff val="50000"/>
+                  </a:schemeClr>
+                </a:solidFill>
+                <a:latin typeface="Gulim" panose="020B0600000101010101" pitchFamily="34" charset="-127"/>
+                <a:ea typeface="Gulim" panose="020B0600000101010101" pitchFamily="34" charset="-127"/>
+              </a:rPr>
+              <a:t>Desclouds</a:t>
+            </a:r>
+            <a:r>
+              <a:rPr lang="fr-CH" sz="1500" dirty="0" smtClean="0">
+                <a:solidFill>
+                  <a:schemeClr val="bg2">
+                    <a:lumMod val="50000"/>
+                    <a:lumOff val="50000"/>
+                  </a:schemeClr>
+                </a:solidFill>
+                <a:latin typeface="Gulim" panose="020B0600000101010101" pitchFamily="34" charset="-127"/>
+                <a:ea typeface="Gulim" panose="020B0600000101010101" pitchFamily="34" charset="-127"/>
+              </a:rPr>
+              <a:t>, </a:t>
+            </a:r>
+            <a:r>
+              <a:rPr lang="fr-CH" sz="1500" dirty="0" err="1" smtClean="0">
+                <a:solidFill>
+                  <a:schemeClr val="bg2">
+                    <a:lumMod val="50000"/>
+                    <a:lumOff val="50000"/>
+                  </a:schemeClr>
+                </a:solidFill>
+                <a:latin typeface="Gulim" panose="020B0600000101010101" pitchFamily="34" charset="-127"/>
+                <a:ea typeface="Gulim" panose="020B0600000101010101" pitchFamily="34" charset="-127"/>
+              </a:rPr>
+              <a:t>A.Hug</a:t>
+            </a:r>
+            <a:r>
+              <a:rPr lang="fr-CH" sz="1500" dirty="0" smtClean="0">
+                <a:solidFill>
+                  <a:schemeClr val="bg2">
+                    <a:lumMod val="50000"/>
+                    <a:lumOff val="50000"/>
+                  </a:schemeClr>
+                </a:solidFill>
+                <a:latin typeface="Gulim" panose="020B0600000101010101" pitchFamily="34" charset="-127"/>
+                <a:ea typeface="Gulim" panose="020B0600000101010101" pitchFamily="34" charset="-127"/>
+              </a:rPr>
+              <a:t>, S. </a:t>
+            </a:r>
+            <a:r>
+              <a:rPr lang="fr-CH" sz="1500" dirty="0" err="1" smtClean="0">
+                <a:solidFill>
+                  <a:schemeClr val="bg2">
+                    <a:lumMod val="50000"/>
+                    <a:lumOff val="50000"/>
+                  </a:schemeClr>
+                </a:solidFill>
+                <a:latin typeface="Gulim" panose="020B0600000101010101" pitchFamily="34" charset="-127"/>
+                <a:ea typeface="Gulim" panose="020B0600000101010101" pitchFamily="34" charset="-127"/>
+              </a:rPr>
+              <a:t>Righitto</a:t>
+            </a:r>
+            <a:r>
+              <a:rPr lang="fr-CH" sz="1500" dirty="0" smtClean="0">
+                <a:solidFill>
+                  <a:schemeClr val="bg2">
+                    <a:lumMod val="50000"/>
+                    <a:lumOff val="50000"/>
+                  </a:schemeClr>
+                </a:solidFill>
+                <a:latin typeface="Gulim" panose="020B0600000101010101" pitchFamily="34" charset="-127"/>
+                <a:ea typeface="Gulim" panose="020B0600000101010101" pitchFamily="34" charset="-127"/>
+              </a:rPr>
+              <a:t>, F. </a:t>
+            </a:r>
+            <a:r>
+              <a:rPr lang="fr-CH" sz="1500" dirty="0" err="1" smtClean="0">
+                <a:solidFill>
+                  <a:schemeClr val="bg2">
+                    <a:lumMod val="50000"/>
+                    <a:lumOff val="50000"/>
+                  </a:schemeClr>
+                </a:solidFill>
+                <a:latin typeface="Gulim" panose="020B0600000101010101" pitchFamily="34" charset="-127"/>
+                <a:ea typeface="Gulim" panose="020B0600000101010101" pitchFamily="34" charset="-127"/>
+              </a:rPr>
+              <a:t>Saam</a:t>
+            </a:r>
+            <a:r>
+              <a:rPr lang="fr-CH" sz="1500" dirty="0" smtClean="0">
+                <a:solidFill>
+                  <a:schemeClr val="bg2">
+                    <a:lumMod val="50000"/>
+                    <a:lumOff val="50000"/>
+                  </a:schemeClr>
+                </a:solidFill>
+                <a:latin typeface="Gulim" panose="020B0600000101010101" pitchFamily="34" charset="-127"/>
+                <a:ea typeface="Gulim" panose="020B0600000101010101" pitchFamily="34" charset="-127"/>
+              </a:rPr>
+              <a:t>	</a:t>
+            </a:r>
+            <a:r>
+              <a:rPr lang="fr-CH" sz="1600" dirty="0" smtClean="0">
+                <a:solidFill>
+                  <a:schemeClr val="bg2">
+                    <a:lumMod val="50000"/>
+                    <a:lumOff val="50000"/>
+                  </a:schemeClr>
+                </a:solidFill>
+                <a:latin typeface="Gulim" panose="020B0600000101010101" pitchFamily="34" charset="-127"/>
+                <a:ea typeface="Gulim" panose="020B0600000101010101" pitchFamily="34" charset="-127"/>
+              </a:rPr>
+              <a:t>											</a:t>
+            </a:r>
+            <a:endParaRPr lang="fr-CH" sz="1600" dirty="0">
+              <a:solidFill>
+                <a:schemeClr val="bg2">
+                  <a:lumMod val="50000"/>
+                  <a:lumOff val="50000"/>
+                </a:schemeClr>
+              </a:solidFill>
+              <a:latin typeface="Gulim" panose="020B0600000101010101" pitchFamily="34" charset="-127"/>
+              <a:ea typeface="Gulim" panose="020B0600000101010101" pitchFamily="34" charset="-127"/>
+            </a:endParaRPr>
+          </a:p>
+        </p:txBody>
+      </p:sp>
+      <p:pic>
+        <p:nvPicPr>
+          <p:cNvPr id="3074" name="Picture 2"/>
+          <p:cNvPicPr>
+            <a:picLocks noChangeAspect="1" noChangeArrowheads="1"/>
+          </p:cNvPicPr>
+          <p:nvPr/>
+        </p:nvPicPr>
+        <p:blipFill>
+          <a:blip r:embed="rId4">
+            <a:extLst>
+              <a:ext uri="{28A0092B-C50C-407E-A947-70E740481C1C}">
+                <a14:useLocalDpi xmlns:a14="http://schemas.microsoft.com/office/drawing/2010/main" val="0"/>
+              </a:ext>
+            </a:extLst>
+          </a:blip>
+          <a:srcRect/>
+          <a:stretch>
+            <a:fillRect/>
+          </a:stretch>
+        </p:blipFill>
+        <p:spPr bwMode="auto">
+          <a:xfrm>
+            <a:off x="5076967" y="2477028"/>
+            <a:ext cx="5565980" cy="3164222"/>
+          </a:xfrm>
+          <a:prstGeom prst="round2DiagRect">
+            <a:avLst>
+              <a:gd name="adj1" fmla="val 16667"/>
+              <a:gd name="adj2" fmla="val 0"/>
+            </a:avLst>
+          </a:prstGeom>
+          <a:ln w="88900" cap="sq">
+            <a:solidFill>
+              <a:srgbClr val="FFFFFF"/>
+            </a:solidFill>
+            <a:miter lim="800000"/>
+          </a:ln>
+          <a:effectLst>
+            <a:outerShdw blurRad="254000" algn="tl" rotWithShape="0">
+              <a:srgbClr val="000000">
+                <a:alpha val="43000"/>
+              </a:srgbClr>
+            </a:outerShdw>
+          </a:effectLst>
+          <a:extLst>
+            <a:ext uri="{909E8E84-426E-40DD-AFC4-6F175D3DCCD1}">
+              <a14:hiddenFill xmlns:a14="http://schemas.microsoft.com/office/drawing/2010/main">
+                <a:solidFill>
+                  <a:schemeClr val="accent1"/>
+                </a:solidFill>
+              </a14:hiddenFill>
+            </a:ext>
+          </a:extLst>
+        </p:spPr>
+      </p:pic>
+    </p:spTree>
+    <p:extLst>
+      <p:ext uri="{BB962C8B-B14F-4D97-AF65-F5344CB8AC3E}">
+        <p14:creationId xmlns:p14="http://schemas.microsoft.com/office/powerpoint/2010/main" val="802460624"/>
+      </p:ext>
+    </p:extLst>
+  </p:cSld>
+  <p:clrMapOvr>
+    <a:masterClrMapping/>
+  </p:clrMapOvr>
+  <p:timing>
+    <p:tnLst>
+      <p:par>
+        <p:cTn id="1" dur="indefinite" restart="never" nodeType="tmRoot"/>
+      </p:par>
+    </p:tnLst>
+  </p:timing>
+</p:sld>
+</file>
+
+<file path=ppt/slides/slide22.xml><?xml version="1.0" encoding="utf-8"?>
+<p:sld xmlns:a="http://schemas.openxmlformats.org/drawingml/2006/main" xmlns:r="http://schemas.openxmlformats.org/officeDocument/2006/relationships" xmlns:p="http://schemas.openxmlformats.org/presentationml/2006/main">
+  <p:cSld>
+    <p:spTree>
+      <p:nvGrpSpPr>
+        <p:cNvPr id="1" name=""/>
+        <p:cNvGrpSpPr/>
+        <p:nvPr/>
+      </p:nvGrpSpPr>
+      <p:grpSpPr>
+        <a:xfrm>
+          <a:off x="0" y="0"/>
+          <a:ext cx="0" cy="0"/>
+          <a:chOff x="0" y="0"/>
+          <a:chExt cx="0" cy="0"/>
+        </a:xfrm>
+      </p:grpSpPr>
+      <p:sp>
+        <p:nvSpPr>
+          <p:cNvPr id="2" name="Titre 1"/>
+          <p:cNvSpPr>
+            <a:spLocks noGrp="1"/>
+          </p:cNvSpPr>
+          <p:nvPr>
+            <p:ph type="title"/>
+          </p:nvPr>
+        </p:nvSpPr>
+        <p:spPr/>
+        <p:txBody>
+          <a:bodyPr/>
+          <a:lstStyle/>
+          <a:p>
+            <a:r>
+              <a:rPr lang="fr-CH" dirty="0" err="1"/>
+              <a:t>Raspberry</a:t>
+            </a:r>
+            <a:r>
+              <a:rPr lang="fr-CH" dirty="0"/>
+              <a:t> Pie et </a:t>
+            </a:r>
+            <a:r>
+              <a:rPr lang="fr-CH" dirty="0" err="1" smtClean="0"/>
+              <a:t>Phidget</a:t>
+            </a:r>
+            <a:r>
+              <a:rPr lang="fr-CH" dirty="0" smtClean="0"/>
+              <a:t> </a:t>
+            </a:r>
+            <a:r>
+              <a:rPr lang="fr-CH" dirty="0" err="1"/>
+              <a:t>Touchrotation</a:t>
+            </a:r>
+            <a:endParaRPr lang="fr-CH" dirty="0"/>
+          </a:p>
+        </p:txBody>
+      </p:sp>
+      <p:sp>
+        <p:nvSpPr>
+          <p:cNvPr id="3" name="Espace réservé du contenu 2"/>
+          <p:cNvSpPr>
+            <a:spLocks noGrp="1"/>
+          </p:cNvSpPr>
+          <p:nvPr>
+            <p:ph idx="1"/>
+          </p:nvPr>
+        </p:nvSpPr>
+        <p:spPr/>
+        <p:txBody>
+          <a:bodyPr/>
+          <a:lstStyle/>
+          <a:p>
+            <a:endParaRPr lang="fr-CH" dirty="0" smtClean="0"/>
+          </a:p>
+        </p:txBody>
+      </p:sp>
+      <p:sp>
+        <p:nvSpPr>
+          <p:cNvPr id="5" name="Sous-titre 2"/>
+          <p:cNvSpPr txBox="1">
+            <a:spLocks/>
+          </p:cNvSpPr>
+          <p:nvPr/>
+        </p:nvSpPr>
+        <p:spPr>
+          <a:xfrm>
+            <a:off x="810001" y="6050877"/>
+            <a:ext cx="10572000" cy="434974"/>
+          </a:xfrm>
+          <a:prstGeom prst="rect">
+            <a:avLst/>
+          </a:prstGeom>
+          <a:effectLst>
+            <a:outerShdw blurRad="50800" dir="14400000">
+              <a:srgbClr val="000000">
+                <a:alpha val="40000"/>
+              </a:srgbClr>
+            </a:outerShdw>
+          </a:effectLst>
+        </p:spPr>
+        <p:txBody>
+          <a:bodyPr vert="horz" lIns="91440" tIns="45720" rIns="91440" bIns="45720" rtlCol="0" anchor="t">
+            <a:normAutofit/>
+          </a:bodyPr>
+          <a:lstStyle>
+            <a:lvl1pPr marL="0" indent="0" algn="l" defTabSz="457200" rtl="0" eaLnBrk="1" latinLnBrk="0" hangingPunct="1">
+              <a:spcBef>
+                <a:spcPct val="20000"/>
+              </a:spcBef>
+              <a:spcAft>
+                <a:spcPts val="600"/>
+              </a:spcAft>
+              <a:buClr>
+                <a:schemeClr val="accent1"/>
+              </a:buClr>
+              <a:buFont typeface="Wingdings 2" charset="2"/>
+              <a:buNone/>
+              <a:defRPr sz="1800" kern="1200">
+                <a:solidFill>
+                  <a:schemeClr val="tx1"/>
+                </a:solidFill>
+                <a:latin typeface="+mn-lt"/>
+                <a:ea typeface="+mn-ea"/>
+                <a:cs typeface="+mn-cs"/>
+              </a:defRPr>
+            </a:lvl1pPr>
+            <a:lvl2pPr marL="457200" indent="0" algn="ctr" defTabSz="457200" rtl="0" eaLnBrk="1" latinLnBrk="0" hangingPunct="1">
+              <a:spcBef>
+                <a:spcPct val="20000"/>
+              </a:spcBef>
+              <a:spcAft>
+                <a:spcPts val="600"/>
+              </a:spcAft>
+              <a:buClr>
+                <a:schemeClr val="accent1"/>
+              </a:buClr>
+              <a:buFont typeface="Wingdings 2" charset="2"/>
+              <a:buNone/>
+              <a:defRPr sz="1600" kern="1200">
+                <a:solidFill>
+                  <a:schemeClr val="tx1">
+                    <a:tint val="75000"/>
+                  </a:schemeClr>
+                </a:solidFill>
+                <a:latin typeface="+mn-lt"/>
+                <a:ea typeface="+mn-ea"/>
+                <a:cs typeface="+mn-cs"/>
+              </a:defRPr>
+            </a:lvl2pPr>
+            <a:lvl3pPr marL="914400" indent="0" algn="ctr" defTabSz="457200" rtl="0" eaLnBrk="1" latinLnBrk="0" hangingPunct="1">
+              <a:spcBef>
+                <a:spcPct val="20000"/>
+              </a:spcBef>
+              <a:spcAft>
+                <a:spcPts val="600"/>
+              </a:spcAft>
+              <a:buClr>
+                <a:schemeClr val="accent1"/>
+              </a:buClr>
+              <a:buFont typeface="Wingdings 2" charset="2"/>
+              <a:buNone/>
+              <a:defRPr sz="1400" kern="1200">
+                <a:solidFill>
+                  <a:schemeClr val="tx1">
+                    <a:tint val="75000"/>
+                  </a:schemeClr>
+                </a:solidFill>
+                <a:latin typeface="+mn-lt"/>
+                <a:ea typeface="+mn-ea"/>
+                <a:cs typeface="+mn-cs"/>
+              </a:defRPr>
+            </a:lvl3pPr>
+            <a:lvl4pPr marL="1371600" indent="0" algn="ctr" defTabSz="457200" rtl="0" eaLnBrk="1" latinLnBrk="0" hangingPunct="1">
+              <a:spcBef>
+                <a:spcPct val="20000"/>
+              </a:spcBef>
+              <a:spcAft>
+                <a:spcPts val="600"/>
+              </a:spcAft>
+              <a:buClr>
+                <a:schemeClr val="accent1"/>
+              </a:buClr>
+              <a:buFont typeface="Wingdings 2" charset="2"/>
+              <a:buNone/>
+              <a:defRPr sz="1200" kern="1200">
+                <a:solidFill>
+                  <a:schemeClr val="tx1">
+                    <a:tint val="75000"/>
+                  </a:schemeClr>
+                </a:solidFill>
+                <a:latin typeface="+mn-lt"/>
+                <a:ea typeface="+mn-ea"/>
+                <a:cs typeface="+mn-cs"/>
+              </a:defRPr>
+            </a:lvl4pPr>
+            <a:lvl5pPr marL="1828800" indent="0" algn="ctr" defTabSz="457200" rtl="0" eaLnBrk="1" latinLnBrk="0" hangingPunct="1">
+              <a:spcBef>
+                <a:spcPct val="20000"/>
+              </a:spcBef>
+              <a:spcAft>
+                <a:spcPts val="600"/>
+              </a:spcAft>
+              <a:buClr>
+                <a:schemeClr val="accent1"/>
+              </a:buClr>
+              <a:buFont typeface="Wingdings 2" charset="2"/>
+              <a:buNone/>
+              <a:defRPr sz="1200" kern="1200">
+                <a:solidFill>
+                  <a:schemeClr val="tx1">
+                    <a:tint val="75000"/>
+                  </a:schemeClr>
+                </a:solidFill>
+                <a:latin typeface="+mn-lt"/>
+                <a:ea typeface="+mn-ea"/>
+                <a:cs typeface="+mn-cs"/>
+              </a:defRPr>
+            </a:lvl5pPr>
+            <a:lvl6pPr marL="2286000" indent="0" algn="ctr" defTabSz="457200" rtl="0" eaLnBrk="1" latinLnBrk="0" hangingPunct="1">
+              <a:spcBef>
+                <a:spcPct val="20000"/>
+              </a:spcBef>
+              <a:spcAft>
+                <a:spcPts val="600"/>
+              </a:spcAft>
+              <a:buClr>
+                <a:schemeClr val="accent1"/>
+              </a:buClr>
+              <a:buFont typeface="Wingdings 2" charset="2"/>
+              <a:buNone/>
+              <a:defRPr sz="1200" kern="1200">
+                <a:solidFill>
+                  <a:schemeClr val="tx1">
+                    <a:tint val="75000"/>
+                  </a:schemeClr>
+                </a:solidFill>
+                <a:latin typeface="+mn-lt"/>
+                <a:ea typeface="+mn-ea"/>
+                <a:cs typeface="+mn-cs"/>
+              </a:defRPr>
+            </a:lvl6pPr>
+            <a:lvl7pPr marL="2743200" indent="0" algn="ctr" defTabSz="457200" rtl="0" eaLnBrk="1" latinLnBrk="0" hangingPunct="1">
+              <a:spcBef>
+                <a:spcPct val="20000"/>
+              </a:spcBef>
+              <a:spcAft>
+                <a:spcPts val="600"/>
+              </a:spcAft>
+              <a:buClr>
+                <a:schemeClr val="accent1"/>
+              </a:buClr>
+              <a:buFont typeface="Wingdings 2" charset="2"/>
+              <a:buNone/>
+              <a:defRPr sz="1200" kern="1200">
+                <a:solidFill>
+                  <a:schemeClr val="tx1">
+                    <a:tint val="75000"/>
+                  </a:schemeClr>
+                </a:solidFill>
+                <a:latin typeface="+mn-lt"/>
+                <a:ea typeface="+mn-ea"/>
+                <a:cs typeface="+mn-cs"/>
+              </a:defRPr>
+            </a:lvl7pPr>
+            <a:lvl8pPr marL="3200400" indent="0" algn="ctr" defTabSz="457200" rtl="0" eaLnBrk="1" latinLnBrk="0" hangingPunct="1">
+              <a:spcBef>
+                <a:spcPct val="20000"/>
+              </a:spcBef>
+              <a:spcAft>
+                <a:spcPts val="600"/>
+              </a:spcAft>
+              <a:buClr>
+                <a:schemeClr val="accent1"/>
+              </a:buClr>
+              <a:buFont typeface="Wingdings 2" charset="2"/>
+              <a:buNone/>
+              <a:defRPr sz="1200" kern="1200">
+                <a:solidFill>
+                  <a:schemeClr val="tx1">
+                    <a:tint val="75000"/>
+                  </a:schemeClr>
+                </a:solidFill>
+                <a:latin typeface="+mn-lt"/>
+                <a:ea typeface="+mn-ea"/>
+                <a:cs typeface="+mn-cs"/>
+              </a:defRPr>
+            </a:lvl8pPr>
+            <a:lvl9pPr marL="3657600" indent="0" algn="ctr" defTabSz="457200" rtl="0" eaLnBrk="1" latinLnBrk="0" hangingPunct="1">
+              <a:spcBef>
+                <a:spcPct val="20000"/>
+              </a:spcBef>
+              <a:spcAft>
+                <a:spcPts val="600"/>
+              </a:spcAft>
+              <a:buClr>
+                <a:schemeClr val="accent1"/>
+              </a:buClr>
+              <a:buFont typeface="Wingdings 2" charset="2"/>
+              <a:buNone/>
+              <a:defRPr sz="1200" kern="1200">
+                <a:solidFill>
+                  <a:schemeClr val="tx1">
+                    <a:tint val="75000"/>
+                  </a:schemeClr>
+                </a:solidFill>
+                <a:latin typeface="+mn-lt"/>
+                <a:ea typeface="+mn-ea"/>
+                <a:cs typeface="+mn-cs"/>
+              </a:defRPr>
+            </a:lvl9pPr>
+          </a:lstStyle>
+          <a:p>
+            <a:r>
+              <a:rPr lang="fr-CH" sz="1500" dirty="0" smtClean="0">
+                <a:solidFill>
+                  <a:schemeClr val="bg2">
+                    <a:lumMod val="50000"/>
+                    <a:lumOff val="50000"/>
+                  </a:schemeClr>
+                </a:solidFill>
+                <a:latin typeface="Gulim" panose="020B0600000101010101" pitchFamily="34" charset="-127"/>
+                <a:ea typeface="Gulim" panose="020B0600000101010101" pitchFamily="34" charset="-127"/>
+              </a:rPr>
+              <a:t>A. </a:t>
+            </a:r>
+            <a:r>
+              <a:rPr lang="fr-CH" sz="1500" dirty="0" err="1" smtClean="0">
+                <a:solidFill>
+                  <a:schemeClr val="bg2">
+                    <a:lumMod val="50000"/>
+                    <a:lumOff val="50000"/>
+                  </a:schemeClr>
+                </a:solidFill>
+                <a:latin typeface="Gulim" panose="020B0600000101010101" pitchFamily="34" charset="-127"/>
+                <a:ea typeface="Gulim" panose="020B0600000101010101" pitchFamily="34" charset="-127"/>
+              </a:rPr>
+              <a:t>Desclouds</a:t>
+            </a:r>
+            <a:r>
+              <a:rPr lang="fr-CH" sz="1500" dirty="0" smtClean="0">
+                <a:solidFill>
+                  <a:schemeClr val="bg2">
+                    <a:lumMod val="50000"/>
+                    <a:lumOff val="50000"/>
+                  </a:schemeClr>
+                </a:solidFill>
+                <a:latin typeface="Gulim" panose="020B0600000101010101" pitchFamily="34" charset="-127"/>
+                <a:ea typeface="Gulim" panose="020B0600000101010101" pitchFamily="34" charset="-127"/>
+              </a:rPr>
+              <a:t>, </a:t>
+            </a:r>
+            <a:r>
+              <a:rPr lang="fr-CH" sz="1500" dirty="0" err="1" smtClean="0">
+                <a:solidFill>
+                  <a:schemeClr val="bg2">
+                    <a:lumMod val="50000"/>
+                    <a:lumOff val="50000"/>
+                  </a:schemeClr>
+                </a:solidFill>
+                <a:latin typeface="Gulim" panose="020B0600000101010101" pitchFamily="34" charset="-127"/>
+                <a:ea typeface="Gulim" panose="020B0600000101010101" pitchFamily="34" charset="-127"/>
+              </a:rPr>
+              <a:t>A.Hug</a:t>
+            </a:r>
+            <a:r>
+              <a:rPr lang="fr-CH" sz="1500" dirty="0" smtClean="0">
+                <a:solidFill>
+                  <a:schemeClr val="bg2">
+                    <a:lumMod val="50000"/>
+                    <a:lumOff val="50000"/>
+                  </a:schemeClr>
+                </a:solidFill>
+                <a:latin typeface="Gulim" panose="020B0600000101010101" pitchFamily="34" charset="-127"/>
+                <a:ea typeface="Gulim" panose="020B0600000101010101" pitchFamily="34" charset="-127"/>
+              </a:rPr>
+              <a:t>, S. </a:t>
+            </a:r>
+            <a:r>
+              <a:rPr lang="fr-CH" sz="1500" dirty="0" err="1" smtClean="0">
+                <a:solidFill>
+                  <a:schemeClr val="bg2">
+                    <a:lumMod val="50000"/>
+                    <a:lumOff val="50000"/>
+                  </a:schemeClr>
+                </a:solidFill>
+                <a:latin typeface="Gulim" panose="020B0600000101010101" pitchFamily="34" charset="-127"/>
+                <a:ea typeface="Gulim" panose="020B0600000101010101" pitchFamily="34" charset="-127"/>
+              </a:rPr>
+              <a:t>Righitto</a:t>
+            </a:r>
+            <a:r>
+              <a:rPr lang="fr-CH" sz="1500" dirty="0" smtClean="0">
+                <a:solidFill>
+                  <a:schemeClr val="bg2">
+                    <a:lumMod val="50000"/>
+                    <a:lumOff val="50000"/>
+                  </a:schemeClr>
+                </a:solidFill>
+                <a:latin typeface="Gulim" panose="020B0600000101010101" pitchFamily="34" charset="-127"/>
+                <a:ea typeface="Gulim" panose="020B0600000101010101" pitchFamily="34" charset="-127"/>
+              </a:rPr>
+              <a:t>, F. </a:t>
+            </a:r>
+            <a:r>
+              <a:rPr lang="fr-CH" sz="1500" dirty="0" err="1" smtClean="0">
+                <a:solidFill>
+                  <a:schemeClr val="bg2">
+                    <a:lumMod val="50000"/>
+                    <a:lumOff val="50000"/>
+                  </a:schemeClr>
+                </a:solidFill>
+                <a:latin typeface="Gulim" panose="020B0600000101010101" pitchFamily="34" charset="-127"/>
+                <a:ea typeface="Gulim" panose="020B0600000101010101" pitchFamily="34" charset="-127"/>
+              </a:rPr>
+              <a:t>Saam</a:t>
+            </a:r>
+            <a:r>
+              <a:rPr lang="fr-CH" sz="1500" dirty="0" smtClean="0">
+                <a:solidFill>
+                  <a:schemeClr val="bg2">
+                    <a:lumMod val="50000"/>
+                    <a:lumOff val="50000"/>
+                  </a:schemeClr>
+                </a:solidFill>
+                <a:latin typeface="Gulim" panose="020B0600000101010101" pitchFamily="34" charset="-127"/>
+                <a:ea typeface="Gulim" panose="020B0600000101010101" pitchFamily="34" charset="-127"/>
+              </a:rPr>
+              <a:t>	</a:t>
+            </a:r>
+            <a:r>
+              <a:rPr lang="fr-CH" sz="1600" dirty="0" smtClean="0">
+                <a:solidFill>
+                  <a:schemeClr val="bg2">
+                    <a:lumMod val="50000"/>
+                    <a:lumOff val="50000"/>
+                  </a:schemeClr>
+                </a:solidFill>
+                <a:latin typeface="Gulim" panose="020B0600000101010101" pitchFamily="34" charset="-127"/>
+                <a:ea typeface="Gulim" panose="020B0600000101010101" pitchFamily="34" charset="-127"/>
+              </a:rPr>
+              <a:t>											</a:t>
+            </a:r>
+            <a:endParaRPr lang="fr-CH" sz="1600" dirty="0">
+              <a:solidFill>
+                <a:schemeClr val="bg2">
+                  <a:lumMod val="50000"/>
+                  <a:lumOff val="50000"/>
+                </a:schemeClr>
+              </a:solidFill>
+              <a:latin typeface="Gulim" panose="020B0600000101010101" pitchFamily="34" charset="-127"/>
+              <a:ea typeface="Gulim" panose="020B0600000101010101" pitchFamily="34" charset="-127"/>
+            </a:endParaRPr>
+          </a:p>
+        </p:txBody>
+      </p:sp>
       <p:sp>
         <p:nvSpPr>
           <p:cNvPr id="6" name="Slide Number Placeholder 5"/>
@@ -15222,7 +16344,7 @@
             <a:fld id="{D57F1E4F-1CFF-5643-939E-217C01CDF565}" type="slidenum">
               <a:rPr lang="en-US" smtClean="0"/>
               <a:pPr/>
-              <a:t>20</a:t>
+              <a:t>22</a:t>
             </a:fld>
             <a:endParaRPr lang="en-US" dirty="0"/>
           </a:p>
@@ -15278,7 +16400,7 @@
 </p:sld>
 </file>
 
-<file path=ppt/slides/slide21.xml><?xml version="1.0" encoding="utf-8"?>
+<file path=ppt/slides/slide23.xml><?xml version="1.0" encoding="utf-8"?>
 <p:sld xmlns:a="http://schemas.openxmlformats.org/drawingml/2006/main" xmlns:r="http://schemas.openxmlformats.org/officeDocument/2006/relationships" xmlns:p="http://schemas.openxmlformats.org/presentationml/2006/main">
   <p:cSld>
     <p:spTree>
@@ -15340,15 +16462,7 @@
           <a:p>
             <a:r>
               <a:rPr lang="fr-CH" dirty="0" smtClean="0"/>
-              <a:t>Changement de librairie (</a:t>
-            </a:r>
-            <a:r>
-              <a:rPr lang="fr-CH" dirty="0" smtClean="0"/>
-              <a:t>librairie </a:t>
-            </a:r>
-            <a:r>
-              <a:rPr lang="fr-CH" dirty="0" smtClean="0"/>
-              <a:t>non stable et contenant des bugs)</a:t>
+              <a:t>Changement de librairie (librairie non stable et contenant des bugs)</a:t>
             </a:r>
           </a:p>
           <a:p>
@@ -15361,15 +16475,7 @@
           <a:p>
             <a:r>
               <a:rPr lang="fr-CH" dirty="0" smtClean="0"/>
-              <a:t>Sensibilité des </a:t>
-            </a:r>
-            <a:r>
-              <a:rPr lang="fr-CH" dirty="0" smtClean="0"/>
-              <a:t>robots: </a:t>
-            </a:r>
-            <a:r>
-              <a:rPr lang="fr-CH" dirty="0" smtClean="0"/>
-              <a:t>chaque robot réagit de manière différente</a:t>
+              <a:t>Sensibilité des robots: chaque robot réagit de manière différente</a:t>
             </a:r>
           </a:p>
           <a:p>
@@ -15381,15 +16487,7 @@
           <a:p>
             <a:r>
               <a:rPr lang="fr-CH" dirty="0" smtClean="0"/>
-              <a:t>Difficulté de reproduire un </a:t>
-            </a:r>
-            <a:r>
-              <a:rPr lang="fr-CH" dirty="0" smtClean="0"/>
-              <a:t>environnement constant </a:t>
-            </a:r>
-            <a:r>
-              <a:rPr lang="fr-CH" dirty="0" smtClean="0"/>
-              <a:t>(lumière, reflets, dégradation de l’arène du à l’usage) </a:t>
+              <a:t>Difficulté de reproduire un environnement constant (lumière, reflets, dégradation de l’arène du à l’usage) </a:t>
             </a:r>
           </a:p>
         </p:txBody>
@@ -15796,7 +16894,7 @@
             <a:fld id="{D57F1E4F-1CFF-5643-939E-217C01CDF565}" type="slidenum">
               <a:rPr lang="en-US" smtClean="0"/>
               <a:pPr/>
-              <a:t>21</a:t>
+              <a:t>23</a:t>
             </a:fld>
             <a:endParaRPr lang="en-US" dirty="0"/>
           </a:p>
@@ -15852,7 +16950,7 @@
 </p:sld>
 </file>
 
-<file path=ppt/slides/slide22.xml><?xml version="1.0" encoding="utf-8"?>
+<file path=ppt/slides/slide24.xml><?xml version="1.0" encoding="utf-8"?>
 <p:sld xmlns:a="http://schemas.openxmlformats.org/drawingml/2006/main" xmlns:r="http://schemas.openxmlformats.org/officeDocument/2006/relationships" xmlns:p="http://schemas.openxmlformats.org/presentationml/2006/main">
   <p:cSld>
     <p:spTree>
@@ -16361,7 +17459,7 @@
             <a:fld id="{D57F1E4F-1CFF-5643-939E-217C01CDF565}" type="slidenum">
               <a:rPr lang="en-US" smtClean="0"/>
               <a:pPr/>
-              <a:t>22</a:t>
+              <a:t>24</a:t>
             </a:fld>
             <a:endParaRPr lang="en-US" dirty="0"/>
           </a:p>
@@ -16417,7 +17515,7 @@
 </p:sld>
 </file>
 
-<file path=ppt/slides/slide23.xml><?xml version="1.0" encoding="utf-8"?>
+<file path=ppt/slides/slide25.xml><?xml version="1.0" encoding="utf-8"?>
 <p:sld xmlns:a="http://schemas.openxmlformats.org/drawingml/2006/main" xmlns:r="http://schemas.openxmlformats.org/officeDocument/2006/relationships" xmlns:p="http://schemas.openxmlformats.org/presentationml/2006/main">
   <p:cSld>
     <p:spTree>
@@ -16762,7 +17860,7 @@
 </p:sld>
 </file>
 
-<file path=ppt/slides/slide24.xml><?xml version="1.0" encoding="utf-8"?>
+<file path=ppt/slides/slide26.xml><?xml version="1.0" encoding="utf-8"?>
 <p:sld xmlns:a="http://schemas.openxmlformats.org/drawingml/2006/main" xmlns:r="http://schemas.openxmlformats.org/officeDocument/2006/relationships" xmlns:p="http://schemas.openxmlformats.org/presentationml/2006/main">
   <p:cSld>
     <p:spTree>
@@ -18107,15 +19205,7 @@
             <a:pPr lvl="1"/>
             <a:r>
               <a:rPr lang="fr-CH" dirty="0" smtClean="0"/>
-              <a:t>L’antenne </a:t>
-            </a:r>
-            <a:r>
-              <a:rPr lang="fr-CH" dirty="0" smtClean="0"/>
-              <a:t>commandée </a:t>
-            </a:r>
-            <a:r>
-              <a:rPr lang="fr-CH" dirty="0" smtClean="0"/>
-              <a:t>par le </a:t>
+              <a:t>L’antenne commandée par le </a:t>
             </a:r>
             <a:r>
               <a:rPr lang="fr-CH" dirty="0" err="1"/>
@@ -18129,7 +19219,6 @@
               <a:rPr lang="fr-CH" dirty="0" smtClean="0"/>
               <a:t> Pie</a:t>
             </a:r>
-            <a:endParaRPr lang="fr-CH" dirty="0" smtClean="0"/>
           </a:p>
           <a:p>
             <a:pPr lvl="1"/>
@@ -18150,7 +19239,6 @@
               <a:rPr lang="fr-CH" dirty="0" smtClean="0"/>
               <a:t>Le spectacle se termine après 2 minutes </a:t>
             </a:r>
-            <a:endParaRPr lang="fr-CH" dirty="0" smtClean="0"/>
           </a:p>
           <a:p>
             <a:r>
@@ -18159,25 +19247,8 @@
             </a:r>
             <a:r>
               <a:rPr lang="fr-CH" dirty="0" smtClean="0"/>
-              <a:t>es </a:t>
-            </a:r>
-            <a:r>
-              <a:rPr lang="fr-CH" dirty="0" smtClean="0"/>
-              <a:t>robots </a:t>
-            </a:r>
-            <a:r>
-              <a:rPr lang="fr-CH" dirty="0" smtClean="0"/>
-              <a:t>sont à nouveau en </a:t>
-            </a:r>
-            <a:r>
-              <a:rPr lang="fr-CH" dirty="0" smtClean="0"/>
-              <a:t>attente du </a:t>
-            </a:r>
-            <a:r>
-              <a:rPr lang="fr-CH" dirty="0" smtClean="0"/>
-              <a:t>démarrage</a:t>
-            </a:r>
-            <a:endParaRPr lang="fr-CH" dirty="0" smtClean="0"/>
+              <a:t>es robots sont à nouveau en attente du démarrage</a:t>
+            </a:r>
           </a:p>
         </p:txBody>
       </p:sp>
@@ -18726,15 +19797,7 @@
             </a:r>
             <a:r>
               <a:rPr lang="fr-CH" sz="1800" dirty="0" smtClean="0"/>
-              <a:t>) vers un robot qui </a:t>
-            </a:r>
-            <a:r>
-              <a:rPr lang="fr-CH" sz="1800" dirty="0" smtClean="0"/>
-              <a:t>devient </a:t>
-            </a:r>
-            <a:r>
-              <a:rPr lang="fr-CH" sz="1800" dirty="0" smtClean="0"/>
-              <a:t>le « danseur fou »</a:t>
+              <a:t>) vers un robot qui devient le « danseur fou »</a:t>
             </a:r>
           </a:p>
           <a:p>
@@ -18744,15 +19807,7 @@
             </a:pPr>
             <a:r>
               <a:rPr lang="fr-CH" sz="1800" dirty="0" smtClean="0"/>
-              <a:t>Les autres robots attendent </a:t>
-            </a:r>
-            <a:r>
-              <a:rPr lang="fr-CH" sz="1800" dirty="0" smtClean="0"/>
-              <a:t>l’approche du danseur </a:t>
-            </a:r>
-            <a:r>
-              <a:rPr lang="fr-CH" sz="1800" dirty="0" smtClean="0"/>
-              <a:t>pour démarrer</a:t>
+              <a:t>Les autres robots attendent l’approche du danseur pour démarrer</a:t>
             </a:r>
           </a:p>
           <a:p>
@@ -19316,34 +20371,13 @@
           <a:p>
             <a:r>
               <a:rPr lang="fr-CH" dirty="0" smtClean="0"/>
-              <a:t>Il change de couleur </a:t>
-            </a:r>
+              <a:t>Il change de couleur aléatoirement toutes les 5 secondes</a:t>
+            </a:r>
+          </a:p>
+          <a:p>
             <a:r>
               <a:rPr lang="fr-CH" dirty="0" smtClean="0"/>
-              <a:t>aléatoirement toutes </a:t>
-            </a:r>
-            <a:r>
-              <a:rPr lang="fr-CH" dirty="0" smtClean="0"/>
-              <a:t>les 5 </a:t>
-            </a:r>
-            <a:r>
-              <a:rPr lang="fr-CH" dirty="0" smtClean="0"/>
-              <a:t>secondes</a:t>
-            </a:r>
-            <a:endParaRPr lang="fr-CH" dirty="0" smtClean="0"/>
-          </a:p>
-          <a:p>
-            <a:r>
-              <a:rPr lang="fr-CH" dirty="0" smtClean="0"/>
-              <a:t>Il effectue une </a:t>
-            </a:r>
-            <a:r>
-              <a:rPr lang="fr-CH" dirty="0" smtClean="0"/>
-              <a:t>danse </a:t>
-            </a:r>
-            <a:r>
-              <a:rPr lang="fr-CH" dirty="0" smtClean="0"/>
-              <a:t>toutes les 40 secondes</a:t>
+              <a:t>Il effectue une danse toutes les 40 secondes</a:t>
             </a:r>
           </a:p>
         </p:txBody>
@@ -19878,35 +20912,7 @@
           <a:p>
             <a:r>
               <a:rPr lang="fr-CH" dirty="0" smtClean="0"/>
-              <a:t>Idée </a:t>
-            </a:r>
-            <a:r>
-              <a:rPr lang="fr-CH" dirty="0" smtClean="0"/>
-              <a:t>: </a:t>
-            </a:r>
-            <a:r>
-              <a:rPr lang="fr-CH" dirty="0" smtClean="0"/>
-              <a:t>quand le niveau de batterie du robot est trop bas, il </a:t>
-            </a:r>
-            <a:r>
-              <a:rPr lang="fr-CH" dirty="0" smtClean="0"/>
-              <a:t>cherche </a:t>
-            </a:r>
-            <a:r>
-              <a:rPr lang="fr-CH" dirty="0" smtClean="0"/>
-              <a:t>des </a:t>
-            </a:r>
-            <a:r>
-              <a:rPr lang="fr-CH" dirty="0" smtClean="0"/>
-              <a:t>lignes qui le </a:t>
-            </a:r>
-            <a:r>
-              <a:rPr lang="fr-CH" dirty="0" smtClean="0"/>
-              <a:t>guideront à la </a:t>
-            </a:r>
-            <a:r>
-              <a:rPr lang="fr-CH" dirty="0" smtClean="0"/>
-              <a:t>station de rechargement.</a:t>
+              <a:t>Idée : quand le niveau de batterie du robot est trop bas, il cherche des lignes qui le guideront à la station de rechargement.</a:t>
             </a:r>
           </a:p>
         </p:txBody>
@@ -21149,7 +22155,7 @@
   <a:extraClrSchemeLst/>
   <a:extLst>
     <a:ext uri="{05A4C25C-085E-4340-85A3-A5531E510DB2}">
-      <thm15:themeFamily xmlns:thm15="http://schemas.microsoft.com/office/thememl/2012/main" name="Quotable" id="{39EC5628-30ED-4578-ACD8-9820EDB8E15A}" vid="{6F3559E9-1A4C-49D8-94D4-F41003531C49}"/>
+      <thm15:themeFamily xmlns:thm15="http://schemas.microsoft.com/office/thememl/2012/main" xmlns="" name="Quotable" id="{39EC5628-30ED-4578-ACD8-9820EDB8E15A}" vid="{6F3559E9-1A4C-49D8-94D4-F41003531C49}"/>
     </a:ext>
   </a:extLst>
 </a:theme>
@@ -21410,7 +22416,7 @@
   <a:extraClrSchemeLst/>
   <a:extLst>
     <a:ext uri="{05A4C25C-085E-4340-85A3-A5531E510DB2}">
-      <thm15:themeFamily xmlns:thm15="http://schemas.microsoft.com/office/thememl/2012/main" name="Office Theme" id="{62F939B6-93AF-4DB8-9C6B-D6C7DFDC589F}" vid="{4A3C46E8-61CC-4603-A589-7422A47A8E4A}"/>
+      <thm15:themeFamily xmlns:thm15="http://schemas.microsoft.com/office/thememl/2012/main" xmlns="" name="Office Theme" id="{62F939B6-93AF-4DB8-9C6B-D6C7DFDC589F}" vid="{4A3C46E8-61CC-4603-A589-7422A47A8E4A}"/>
     </a:ext>
   </a:extLst>
 </a:theme>

--- a/Elisa-3_presentation.pptx
+++ b/Elisa-3_presentation.pptx
@@ -134,7 +134,7 @@
   </p:defaultTextStyle>
   <p:extLst>
     <p:ext uri="{EFAFB233-063F-42B5-8137-9DF3F51BA10A}">
-      <p15:sldGuideLst xmlns:p15="http://schemas.microsoft.com/office/powerpoint/2012/main" xmlns="">
+      <p15:sldGuideLst xmlns="" xmlns:p15="http://schemas.microsoft.com/office/powerpoint/2012/main">
         <p15:guide id="1" orient="horz" pos="2160">
           <p15:clr>
             <a:srgbClr val="A4A3A4"/>
@@ -14767,6 +14767,26 @@
               </a:rPr>
               <a:t>Danses</a:t>
             </a:r>
+            <a:br>
+              <a:rPr lang="fr-CH" sz="4400" dirty="0" smtClean="0">
+                <a:latin typeface="Gulim" panose="020B0600000101010101" pitchFamily="34" charset="-127"/>
+                <a:ea typeface="Gulim" panose="020B0600000101010101" pitchFamily="34" charset="-127"/>
+              </a:rPr>
+            </a:br>
+            <a:r>
+              <a:rPr lang="fr-CH" sz="2800" dirty="0" err="1" smtClean="0">
+                <a:latin typeface="Gulim" panose="020B0600000101010101" pitchFamily="34" charset="-127"/>
+                <a:ea typeface="Gulim" panose="020B0600000101010101" pitchFamily="34" charset="-127"/>
+              </a:rPr>
+              <a:t>rotate</a:t>
+            </a:r>
+            <a:r>
+              <a:rPr lang="fr-CH" sz="2800" dirty="0" smtClean="0">
+                <a:latin typeface="Gulim" panose="020B0600000101010101" pitchFamily="34" charset="-127"/>
+                <a:ea typeface="Gulim" panose="020B0600000101010101" pitchFamily="34" charset="-127"/>
+              </a:rPr>
+              <a:t>()</a:t>
+            </a:r>
             <a:endParaRPr lang="fr-CH" sz="4400" dirty="0">
               <a:latin typeface="Gulim" panose="020B0600000101010101" pitchFamily="34" charset="-127"/>
               <a:ea typeface="Gulim" panose="020B0600000101010101" pitchFamily="34" charset="-127"/>
@@ -14795,18 +14815,6 @@
               <a:buFont typeface="Courier New" panose="02070309020205020404" pitchFamily="49" charset="0"/>
               <a:buChar char="o"/>
             </a:pPr>
-            <a:r>
-              <a:rPr lang="fr-CH" sz="1800" dirty="0" err="1"/>
-              <a:t>r</a:t>
-            </a:r>
-            <a:r>
-              <a:rPr lang="fr-CH" sz="1800" dirty="0" err="1" smtClean="0"/>
-              <a:t>otate</a:t>
-            </a:r>
-            <a:r>
-              <a:rPr lang="fr-CH" sz="1800" dirty="0" smtClean="0"/>
-              <a:t>()</a:t>
-            </a:r>
             <a:endParaRPr lang="fr-CH" sz="1800" dirty="0"/>
           </a:p>
         </p:txBody>
@@ -15278,6 +15286,80 @@
           </a:extLst>
         </p:spPr>
       </p:pic>
+      <p:pic>
+        <p:nvPicPr>
+          <p:cNvPr id="1026" name="Picture 2"/>
+          <p:cNvPicPr>
+            <a:picLocks noChangeAspect="1" noChangeArrowheads="1"/>
+          </p:cNvPicPr>
+          <p:nvPr/>
+        </p:nvPicPr>
+        <p:blipFill>
+          <a:blip r:embed="rId5">
+            <a:extLst>
+              <a:ext uri="{28A0092B-C50C-407E-A947-70E740481C1C}">
+                <a14:useLocalDpi xmlns:a14="http://schemas.microsoft.com/office/drawing/2010/main" val="0"/>
+              </a:ext>
+            </a:extLst>
+          </a:blip>
+          <a:srcRect/>
+          <a:stretch>
+            <a:fillRect/>
+          </a:stretch>
+        </p:blipFill>
+        <p:spPr bwMode="auto">
+          <a:xfrm>
+            <a:off x="1208089" y="2684511"/>
+            <a:ext cx="3054943" cy="2645570"/>
+          </a:xfrm>
+          <a:prstGeom prst="roundRect">
+            <a:avLst>
+              <a:gd name="adj" fmla="val 16667"/>
+            </a:avLst>
+          </a:prstGeom>
+          <a:ln>
+            <a:noFill/>
+          </a:ln>
+          <a:effectLst>
+            <a:outerShdw blurRad="76200" dist="38100" dir="7800000" algn="tl" rotWithShape="0">
+              <a:srgbClr val="000000">
+                <a:alpha val="40000"/>
+              </a:srgbClr>
+            </a:outerShdw>
+          </a:effectLst>
+          <a:scene3d>
+            <a:camera prst="orthographicFront"/>
+            <a:lightRig rig="contrasting" dir="t">
+              <a:rot lat="0" lon="0" rev="4200000"/>
+            </a:lightRig>
+          </a:scene3d>
+          <a:sp3d prstMaterial="plastic">
+            <a:bevelT w="381000" h="114300" prst="relaxedInset"/>
+            <a:contourClr>
+              <a:srgbClr val="969696"/>
+            </a:contourClr>
+          </a:sp3d>
+          <a:extLst>
+            <a:ext uri="{909E8E84-426E-40DD-AFC4-6F175D3DCCD1}">
+              <a14:hiddenFill xmlns:a14="http://schemas.microsoft.com/office/drawing/2010/main">
+                <a:solidFill>
+                  <a:schemeClr val="accent1"/>
+                </a:solidFill>
+              </a14:hiddenFill>
+            </a:ext>
+            <a:ext uri="{91240B29-F687-4F45-9708-019B960494DF}">
+              <a14:hiddenLine xmlns:a14="http://schemas.microsoft.com/office/drawing/2010/main" w="9525">
+                <a:solidFill>
+                  <a:schemeClr val="tx1"/>
+                </a:solidFill>
+                <a:miter lim="800000"/>
+                <a:headEnd/>
+                <a:tailEnd/>
+              </a14:hiddenLine>
+            </a:ext>
+          </a:extLst>
+        </p:spPr>
+      </p:pic>
     </p:spTree>
     <p:extLst>
       <p:ext uri="{BB962C8B-B14F-4D97-AF65-F5344CB8AC3E}">
@@ -15342,6 +15424,26 @@
               </a:rPr>
               <a:t>Danses</a:t>
             </a:r>
+            <a:br>
+              <a:rPr lang="fr-CH" sz="4400" dirty="0" smtClean="0">
+                <a:latin typeface="Gulim" panose="020B0600000101010101" pitchFamily="34" charset="-127"/>
+                <a:ea typeface="Gulim" panose="020B0600000101010101" pitchFamily="34" charset="-127"/>
+              </a:rPr>
+            </a:br>
+            <a:r>
+              <a:rPr lang="fr-CH" sz="2800" dirty="0" err="1" smtClean="0">
+                <a:latin typeface="Gulim" panose="020B0600000101010101" pitchFamily="34" charset="-127"/>
+                <a:ea typeface="Gulim" panose="020B0600000101010101" pitchFamily="34" charset="-127"/>
+              </a:rPr>
+              <a:t>turn</a:t>
+            </a:r>
+            <a:r>
+              <a:rPr lang="fr-CH" sz="2800" dirty="0" smtClean="0">
+                <a:latin typeface="Gulim" panose="020B0600000101010101" pitchFamily="34" charset="-127"/>
+                <a:ea typeface="Gulim" panose="020B0600000101010101" pitchFamily="34" charset="-127"/>
+              </a:rPr>
+              <a:t>()</a:t>
+            </a:r>
             <a:endParaRPr lang="fr-CH" sz="4400" dirty="0">
               <a:latin typeface="Gulim" panose="020B0600000101010101" pitchFamily="34" charset="-127"/>
               <a:ea typeface="Gulim" panose="020B0600000101010101" pitchFamily="34" charset="-127"/>
@@ -15370,14 +15472,6 @@
               <a:buFont typeface="Courier New" panose="02070309020205020404" pitchFamily="49" charset="0"/>
               <a:buChar char="o"/>
             </a:pPr>
-            <a:r>
-              <a:rPr lang="fr-CH" sz="1800" dirty="0" err="1" smtClean="0"/>
-              <a:t>turn</a:t>
-            </a:r>
-            <a:r>
-              <a:rPr lang="fr-CH" sz="1800" dirty="0" smtClean="0"/>
-              <a:t>()</a:t>
-            </a:r>
             <a:endParaRPr lang="fr-CH" sz="1800" dirty="0"/>
           </a:p>
         </p:txBody>
@@ -15843,6 +15937,80 @@
                   <a:schemeClr val="accent1"/>
                 </a:solidFill>
               </a14:hiddenFill>
+            </a:ext>
+          </a:extLst>
+        </p:spPr>
+      </p:pic>
+      <p:pic>
+        <p:nvPicPr>
+          <p:cNvPr id="2051" name="Picture 3"/>
+          <p:cNvPicPr>
+            <a:picLocks noChangeAspect="1" noChangeArrowheads="1"/>
+          </p:cNvPicPr>
+          <p:nvPr/>
+        </p:nvPicPr>
+        <p:blipFill>
+          <a:blip r:embed="rId5">
+            <a:extLst>
+              <a:ext uri="{28A0092B-C50C-407E-A947-70E740481C1C}">
+                <a14:useLocalDpi xmlns:a14="http://schemas.microsoft.com/office/drawing/2010/main" val="0"/>
+              </a:ext>
+            </a:extLst>
+          </a:blip>
+          <a:srcRect/>
+          <a:stretch>
+            <a:fillRect/>
+          </a:stretch>
+        </p:blipFill>
+        <p:spPr bwMode="auto">
+          <a:xfrm>
+            <a:off x="1281113" y="2718116"/>
+            <a:ext cx="2973387" cy="2923133"/>
+          </a:xfrm>
+          <a:prstGeom prst="roundRect">
+            <a:avLst>
+              <a:gd name="adj" fmla="val 16667"/>
+            </a:avLst>
+          </a:prstGeom>
+          <a:ln>
+            <a:noFill/>
+          </a:ln>
+          <a:effectLst>
+            <a:outerShdw blurRad="76200" dist="38100" dir="7800000" algn="tl" rotWithShape="0">
+              <a:srgbClr val="000000">
+                <a:alpha val="40000"/>
+              </a:srgbClr>
+            </a:outerShdw>
+          </a:effectLst>
+          <a:scene3d>
+            <a:camera prst="orthographicFront"/>
+            <a:lightRig rig="contrasting" dir="t">
+              <a:rot lat="0" lon="0" rev="4200000"/>
+            </a:lightRig>
+          </a:scene3d>
+          <a:sp3d prstMaterial="plastic">
+            <a:bevelT w="381000" h="114300" prst="relaxedInset"/>
+            <a:contourClr>
+              <a:srgbClr val="969696"/>
+            </a:contourClr>
+          </a:sp3d>
+          <a:extLst>
+            <a:ext uri="{909E8E84-426E-40DD-AFC4-6F175D3DCCD1}">
+              <a14:hiddenFill xmlns:a14="http://schemas.microsoft.com/office/drawing/2010/main">
+                <a:solidFill>
+                  <a:schemeClr val="accent1"/>
+                </a:solidFill>
+              </a14:hiddenFill>
+            </a:ext>
+            <a:ext uri="{91240B29-F687-4F45-9708-019B960494DF}">
+              <a14:hiddenLine xmlns:a14="http://schemas.microsoft.com/office/drawing/2010/main" w="9525">
+                <a:solidFill>
+                  <a:schemeClr val="tx1"/>
+                </a:solidFill>
+                <a:miter lim="800000"/>
+                <a:headEnd/>
+                <a:tailEnd/>
+              </a14:hiddenLine>
             </a:ext>
           </a:extLst>
         </p:spPr>
@@ -22155,7 +22323,7 @@
   <a:extraClrSchemeLst/>
   <a:extLst>
     <a:ext uri="{05A4C25C-085E-4340-85A3-A5531E510DB2}">
-      <thm15:themeFamily xmlns:thm15="http://schemas.microsoft.com/office/thememl/2012/main" xmlns="" name="Quotable" id="{39EC5628-30ED-4578-ACD8-9820EDB8E15A}" vid="{6F3559E9-1A4C-49D8-94D4-F41003531C49}"/>
+      <thm15:themeFamily xmlns="" xmlns:thm15="http://schemas.microsoft.com/office/thememl/2012/main" name="Quotable" id="{39EC5628-30ED-4578-ACD8-9820EDB8E15A}" vid="{6F3559E9-1A4C-49D8-94D4-F41003531C49}"/>
     </a:ext>
   </a:extLst>
 </a:theme>
@@ -22416,7 +22584,7 @@
   <a:extraClrSchemeLst/>
   <a:extLst>
     <a:ext uri="{05A4C25C-085E-4340-85A3-A5531E510DB2}">
-      <thm15:themeFamily xmlns:thm15="http://schemas.microsoft.com/office/thememl/2012/main" xmlns="" name="Office Theme" id="{62F939B6-93AF-4DB8-9C6B-D6C7DFDC589F}" vid="{4A3C46E8-61CC-4603-A589-7422A47A8E4A}"/>
+      <thm15:themeFamily xmlns="" xmlns:thm15="http://schemas.microsoft.com/office/thememl/2012/main" name="Office Theme" id="{62F939B6-93AF-4DB8-9C6B-D6C7DFDC589F}" vid="{4A3C46E8-61CC-4603-A589-7422A47A8E4A}"/>
     </a:ext>
   </a:extLst>
 </a:theme>

--- a/Elisa-3_presentation.pptx
+++ b/Elisa-3_presentation.pptx
@@ -134,7 +134,7 @@
   </p:defaultTextStyle>
   <p:extLst>
     <p:ext uri="{EFAFB233-063F-42B5-8137-9DF3F51BA10A}">
-      <p15:sldGuideLst xmlns="" xmlns:p15="http://schemas.microsoft.com/office/powerpoint/2012/main">
+      <p15:sldGuideLst xmlns:p15="http://schemas.microsoft.com/office/powerpoint/2012/main">
         <p15:guide id="1" orient="horz" pos="2160">
           <p15:clr>
             <a:srgbClr val="A4A3A4"/>
@@ -392,7 +392,7 @@
           <a:p>
             <a:fld id="{D2342ED9-9AD2-4080-9043-7045960B13BE}" type="slidenum">
               <a:rPr lang="fr-CH" smtClean="0"/>
-              <a:t>‹N›</a:t>
+              <a:t>‹#›</a:t>
             </a:fld>
             <a:endParaRPr lang="fr-CH"/>
           </a:p>
@@ -2984,7 +2984,7 @@
             <a:fld id="{D57F1E4F-1CFF-5643-939E-217C01CDF565}" type="slidenum">
               <a:rPr lang="en-US" smtClean="0"/>
               <a:pPr/>
-              <a:t>‹N›</a:t>
+              <a:t>‹#›</a:t>
             </a:fld>
             <a:endParaRPr lang="en-US" dirty="0"/>
           </a:p>
@@ -3311,7 +3311,7 @@
             <a:fld id="{D57F1E4F-1CFF-5643-939E-217C01CDF565}" type="slidenum">
               <a:rPr lang="en-US" smtClean="0"/>
               <a:pPr/>
-              <a:t>‹N›</a:t>
+              <a:t>‹#›</a:t>
             </a:fld>
             <a:endParaRPr lang="en-US" dirty="0"/>
           </a:p>
@@ -3801,7 +3801,7 @@
             <a:fld id="{D57F1E4F-1CFF-5643-939E-217C01CDF565}" type="slidenum">
               <a:rPr lang="en-US" smtClean="0"/>
               <a:pPr/>
-              <a:t>‹N›</a:t>
+              <a:t>‹#›</a:t>
             </a:fld>
             <a:endParaRPr lang="en-US" dirty="0"/>
           </a:p>
@@ -4172,7 +4172,7 @@
             <a:fld id="{D57F1E4F-1CFF-5643-939E-217C01CDF565}" type="slidenum">
               <a:rPr lang="en-US" smtClean="0"/>
               <a:pPr/>
-              <a:t>‹N›</a:t>
+              <a:t>‹#›</a:t>
             </a:fld>
             <a:endParaRPr lang="en-US" dirty="0"/>
           </a:p>
@@ -4447,7 +4447,7 @@
             <a:fld id="{D57F1E4F-1CFF-5643-939E-217C01CDF565}" type="slidenum">
               <a:rPr lang="en-US" smtClean="0"/>
               <a:pPr/>
-              <a:t>‹N›</a:t>
+              <a:t>‹#›</a:t>
             </a:fld>
             <a:endParaRPr lang="en-US" dirty="0"/>
           </a:p>
@@ -4734,7 +4734,7 @@
             <a:fld id="{D57F1E4F-1CFF-5643-939E-217C01CDF565}" type="slidenum">
               <a:rPr lang="en-US" smtClean="0"/>
               <a:pPr/>
-              <a:t>‹N›</a:t>
+              <a:t>‹#›</a:t>
             </a:fld>
             <a:endParaRPr lang="en-US" dirty="0"/>
           </a:p>
@@ -5146,7 +5146,7 @@
             <a:fld id="{D57F1E4F-1CFF-5643-939E-217C01CDF565}" type="slidenum">
               <a:rPr lang="en-US" smtClean="0"/>
               <a:pPr/>
-              <a:t>‹N›</a:t>
+              <a:t>‹#›</a:t>
             </a:fld>
             <a:endParaRPr lang="en-US" dirty="0"/>
           </a:p>
@@ -5498,7 +5498,7 @@
             <a:fld id="{D57F1E4F-1CFF-5643-939E-217C01CDF565}" type="slidenum">
               <a:rPr lang="en-US" smtClean="0"/>
               <a:pPr/>
-              <a:t>‹N›</a:t>
+              <a:t>‹#›</a:t>
             </a:fld>
             <a:endParaRPr lang="en-US" dirty="0"/>
           </a:p>
@@ -5846,7 +5846,7 @@
             <a:fld id="{D57F1E4F-1CFF-5643-939E-217C01CDF565}" type="slidenum">
               <a:rPr lang="en-US" smtClean="0"/>
               <a:pPr/>
-              <a:t>‹N›</a:t>
+              <a:t>‹#›</a:t>
             </a:fld>
             <a:endParaRPr lang="en-US" dirty="0"/>
           </a:p>
@@ -6325,7 +6325,7 @@
             <a:fld id="{D57F1E4F-1CFF-5643-939E-217C01CDF565}" type="slidenum">
               <a:rPr lang="en-US" smtClean="0"/>
               <a:pPr/>
-              <a:t>‹N›</a:t>
+              <a:t>‹#›</a:t>
             </a:fld>
             <a:endParaRPr lang="en-US" dirty="0"/>
           </a:p>
@@ -6548,7 +6548,7 @@
             <a:fld id="{D57F1E4F-1CFF-5643-939E-217C01CDF565}" type="slidenum">
               <a:rPr lang="en-US" smtClean="0"/>
               <a:pPr/>
-              <a:t>‹N›</a:t>
+              <a:t>‹#›</a:t>
             </a:fld>
             <a:endParaRPr lang="en-US" dirty="0"/>
           </a:p>
@@ -6645,7 +6645,7 @@
             <a:fld id="{D57F1E4F-1CFF-5643-939E-217C01CDF565}" type="slidenum">
               <a:rPr lang="en-US" smtClean="0"/>
               <a:pPr/>
-              <a:t>‹N›</a:t>
+              <a:t>‹#›</a:t>
             </a:fld>
             <a:endParaRPr lang="en-US" dirty="0"/>
           </a:p>
@@ -7090,7 +7090,7 @@
             <a:fld id="{D57F1E4F-1CFF-5643-939E-217C01CDF565}" type="slidenum">
               <a:rPr lang="en-US" smtClean="0"/>
               <a:pPr/>
-              <a:t>‹N›</a:t>
+              <a:t>‹#›</a:t>
             </a:fld>
             <a:endParaRPr lang="en-US" dirty="0"/>
           </a:p>
@@ -7415,7 +7415,7 @@
             <a:fld id="{D57F1E4F-1CFF-5643-939E-217C01CDF565}" type="slidenum">
               <a:rPr lang="en-US" smtClean="0"/>
               <a:pPr/>
-              <a:t>‹N›</a:t>
+              <a:t>‹#›</a:t>
             </a:fld>
             <a:endParaRPr lang="en-US" dirty="0"/>
           </a:p>
@@ -7674,7 +7674,7 @@
             <a:fld id="{D57F1E4F-1CFF-5643-939E-217C01CDF565}" type="slidenum">
               <a:rPr lang="en-US" smtClean="0"/>
               <a:pPr/>
-              <a:t>‹N›</a:t>
+              <a:t>‹#›</a:t>
             </a:fld>
             <a:endParaRPr lang="en-US" dirty="0"/>
           </a:p>
@@ -9135,6 +9135,13 @@
   <p:clrMapOvr>
     <a:masterClrMapping/>
   </p:clrMapOvr>
+  <p:timing>
+    <p:tnLst>
+      <p:par>
+        <p:cTn id="1" dur="indefinite" restart="never" nodeType="tmRoot"/>
+      </p:par>
+    </p:tnLst>
+  </p:timing>
 </p:sld>
 </file>
 
@@ -14170,6 +14177,13 @@
   <p:clrMapOvr>
     <a:masterClrMapping/>
   </p:clrMapOvr>
+  <p:timing>
+    <p:tnLst>
+      <p:par>
+        <p:cTn id="1" dur="indefinite" restart="never" nodeType="tmRoot"/>
+      </p:par>
+    </p:tnLst>
+  </p:timing>
 </p:sld>
 </file>
 
@@ -18025,6 +18039,13 @@
   <p:clrMapOvr>
     <a:masterClrMapping/>
   </p:clrMapOvr>
+  <p:timing>
+    <p:tnLst>
+      <p:par>
+        <p:cTn id="1" dur="indefinite" restart="never" nodeType="tmRoot"/>
+      </p:par>
+    </p:tnLst>
+  </p:timing>
 </p:sld>
 </file>
 
@@ -18224,27 +18245,21 @@
           <a:p>
             <a:r>
               <a:rPr lang="fr-CH" dirty="0" smtClean="0"/>
-              <a:t>Plusieurs modes à disposition du visiteur</a:t>
-            </a:r>
-          </a:p>
-          <a:p>
-            <a:pPr lvl="1"/>
+              <a:t>Nouveau </a:t>
+            </a:r>
             <a:r>
               <a:rPr lang="fr-CH" dirty="0" smtClean="0"/>
-              <a:t>Contamination</a:t>
-            </a:r>
-          </a:p>
-          <a:p>
-            <a:pPr lvl="1"/>
+              <a:t>concept : les danseurs se </a:t>
+            </a:r>
             <a:r>
               <a:rPr lang="fr-CH" dirty="0" smtClean="0"/>
-              <a:t>Contamination contrôlée</a:t>
+              <a:t>réveillent</a:t>
             </a:r>
           </a:p>
           <a:p>
             <a:r>
               <a:rPr lang="fr-CH" dirty="0" smtClean="0"/>
-              <a:t>Nouveau concept : les danseurs se réveillent</a:t>
+              <a:t>Concept : rechargement automatique</a:t>
             </a:r>
           </a:p>
           <a:p>
@@ -18252,6 +18267,7 @@
               <a:rPr lang="fr-CH" dirty="0" smtClean="0"/>
               <a:t>Arène</a:t>
             </a:r>
+            <a:endParaRPr lang="fr-CH" dirty="0" smtClean="0"/>
           </a:p>
           <a:p>
             <a:r>
@@ -18260,11 +18276,19 @@
             </a:r>
             <a:r>
               <a:rPr lang="fr-CH" dirty="0" smtClean="0"/>
-              <a:t> Pie </a:t>
-            </a:r>
-            <a:r>
-              <a:rPr lang="fr-CH" smtClean="0"/>
-              <a:t>et Phidget</a:t>
+              <a:t> </a:t>
+            </a:r>
+            <a:r>
+              <a:rPr lang="fr-CH" dirty="0" smtClean="0"/>
+              <a:t>Pi </a:t>
+            </a:r>
+            <a:r>
+              <a:rPr lang="fr-CH" dirty="0" smtClean="0"/>
+              <a:t>et </a:t>
+            </a:r>
+            <a:r>
+              <a:rPr lang="fr-CH" dirty="0" err="1" smtClean="0"/>
+              <a:t>Phidget</a:t>
             </a:r>
             <a:r>
               <a:rPr lang="fr-CH" dirty="0" smtClean="0"/>
@@ -18834,8 +18858,13 @@
           <a:p>
             <a:r>
               <a:rPr lang="fr-CH" dirty="0" smtClean="0"/>
-              <a:t>Nouvelle librairie</a:t>
-            </a:r>
+              <a:t>Nouvelle </a:t>
+            </a:r>
+            <a:r>
+              <a:rPr lang="fr-CH" dirty="0" smtClean="0"/>
+              <a:t>bibliothèque</a:t>
+            </a:r>
+            <a:endParaRPr lang="fr-CH" dirty="0" smtClean="0"/>
           </a:p>
           <a:p>
             <a:r>
@@ -22089,6 +22118,13 @@
   <p:clrMapOvr>
     <a:masterClrMapping/>
   </p:clrMapOvr>
+  <p:timing>
+    <p:tnLst>
+      <p:par>
+        <p:cTn id="1" dur="indefinite" restart="never" nodeType="tmRoot"/>
+      </p:par>
+    </p:tnLst>
+  </p:timing>
 </p:sld>
 </file>
 
@@ -22323,7 +22359,7 @@
   <a:extraClrSchemeLst/>
   <a:extLst>
     <a:ext uri="{05A4C25C-085E-4340-85A3-A5531E510DB2}">
-      <thm15:themeFamily xmlns="" xmlns:thm15="http://schemas.microsoft.com/office/thememl/2012/main" name="Quotable" id="{39EC5628-30ED-4578-ACD8-9820EDB8E15A}" vid="{6F3559E9-1A4C-49D8-94D4-F41003531C49}"/>
+      <thm15:themeFamily xmlns:thm15="http://schemas.microsoft.com/office/thememl/2012/main" name="Quotable" id="{39EC5628-30ED-4578-ACD8-9820EDB8E15A}" vid="{6F3559E9-1A4C-49D8-94D4-F41003531C49}"/>
     </a:ext>
   </a:extLst>
 </a:theme>
@@ -22584,7 +22620,7 @@
   <a:extraClrSchemeLst/>
   <a:extLst>
     <a:ext uri="{05A4C25C-085E-4340-85A3-A5531E510DB2}">
-      <thm15:themeFamily xmlns="" xmlns:thm15="http://schemas.microsoft.com/office/thememl/2012/main" name="Office Theme" id="{62F939B6-93AF-4DB8-9C6B-D6C7DFDC589F}" vid="{4A3C46E8-61CC-4603-A589-7422A47A8E4A}"/>
+      <thm15:themeFamily xmlns:thm15="http://schemas.microsoft.com/office/thememl/2012/main" name="Office Theme" id="{62F939B6-93AF-4DB8-9C6B-D6C7DFDC589F}" vid="{4A3C46E8-61CC-4603-A589-7422A47A8E4A}"/>
     </a:ext>
   </a:extLst>
 </a:theme>

--- a/Elisa-3_presentation.pptx
+++ b/Elisa-3_presentation.pptx
@@ -5,35 +5,36 @@
     <p:sldMasterId id="2147483667" r:id="rId1"/>
   </p:sldMasterIdLst>
   <p:notesMasterIdLst>
-    <p:notesMasterId r:id="rId28"/>
+    <p:notesMasterId r:id="rId29"/>
   </p:notesMasterIdLst>
   <p:sldIdLst>
     <p:sldId id="256" r:id="rId2"/>
     <p:sldId id="257" r:id="rId3"/>
     <p:sldId id="259" r:id="rId4"/>
-    <p:sldId id="262" r:id="rId5"/>
-    <p:sldId id="277" r:id="rId6"/>
-    <p:sldId id="270" r:id="rId7"/>
-    <p:sldId id="279" r:id="rId8"/>
-    <p:sldId id="260" r:id="rId9"/>
-    <p:sldId id="271" r:id="rId10"/>
-    <p:sldId id="280" r:id="rId11"/>
-    <p:sldId id="278" r:id="rId12"/>
-    <p:sldId id="281" r:id="rId13"/>
-    <p:sldId id="282" r:id="rId14"/>
-    <p:sldId id="264" r:id="rId15"/>
-    <p:sldId id="276" r:id="rId16"/>
-    <p:sldId id="269" r:id="rId17"/>
-    <p:sldId id="283" r:id="rId18"/>
-    <p:sldId id="275" r:id="rId19"/>
-    <p:sldId id="284" r:id="rId20"/>
-    <p:sldId id="273" r:id="rId21"/>
-    <p:sldId id="274" r:id="rId22"/>
-    <p:sldId id="272" r:id="rId23"/>
-    <p:sldId id="265" r:id="rId24"/>
-    <p:sldId id="261" r:id="rId25"/>
-    <p:sldId id="268" r:id="rId26"/>
-    <p:sldId id="267" r:id="rId27"/>
+    <p:sldId id="285" r:id="rId5"/>
+    <p:sldId id="262" r:id="rId6"/>
+    <p:sldId id="277" r:id="rId7"/>
+    <p:sldId id="270" r:id="rId8"/>
+    <p:sldId id="279" r:id="rId9"/>
+    <p:sldId id="260" r:id="rId10"/>
+    <p:sldId id="271" r:id="rId11"/>
+    <p:sldId id="280" r:id="rId12"/>
+    <p:sldId id="278" r:id="rId13"/>
+    <p:sldId id="281" r:id="rId14"/>
+    <p:sldId id="282" r:id="rId15"/>
+    <p:sldId id="264" r:id="rId16"/>
+    <p:sldId id="276" r:id="rId17"/>
+    <p:sldId id="269" r:id="rId18"/>
+    <p:sldId id="283" r:id="rId19"/>
+    <p:sldId id="275" r:id="rId20"/>
+    <p:sldId id="284" r:id="rId21"/>
+    <p:sldId id="273" r:id="rId22"/>
+    <p:sldId id="274" r:id="rId23"/>
+    <p:sldId id="272" r:id="rId24"/>
+    <p:sldId id="265" r:id="rId25"/>
+    <p:sldId id="261" r:id="rId26"/>
+    <p:sldId id="268" r:id="rId27"/>
+    <p:sldId id="267" r:id="rId28"/>
   </p:sldIdLst>
   <p:sldSz cx="12192000" cy="6858000"/>
   <p:notesSz cx="6858000" cy="9144000"/>
@@ -392,7 +393,7 @@
           <a:p>
             <a:fld id="{D2342ED9-9AD2-4080-9043-7045960B13BE}" type="slidenum">
               <a:rPr lang="fr-CH" smtClean="0"/>
-              <a:t>‹#›</a:t>
+              <a:t>‹N°›</a:t>
             </a:fld>
             <a:endParaRPr lang="fr-CH"/>
           </a:p>
@@ -723,7 +724,7 @@
           <a:p>
             <a:r>
               <a:rPr lang="fr-CH" dirty="0" smtClean="0"/>
-              <a:t>Simone</a:t>
+              <a:t>Fred</a:t>
             </a:r>
             <a:endParaRPr lang="fr-CH" dirty="0"/>
           </a:p>
@@ -755,7 +756,7 @@
     </p:spTree>
     <p:extLst>
       <p:ext uri="{BB962C8B-B14F-4D97-AF65-F5344CB8AC3E}">
-        <p14:creationId xmlns:p14="http://schemas.microsoft.com/office/powerpoint/2010/main" val="1832406926"/>
+        <p14:creationId xmlns:p14="http://schemas.microsoft.com/office/powerpoint/2010/main" val="3224220798"/>
       </p:ext>
     </p:extLst>
   </p:cSld>
@@ -1019,7 +1020,7 @@
     </p:spTree>
     <p:extLst>
       <p:ext uri="{BB962C8B-B14F-4D97-AF65-F5344CB8AC3E}">
-        <p14:creationId xmlns:p14="http://schemas.microsoft.com/office/powerpoint/2010/main" val="3492847540"/>
+        <p14:creationId xmlns:p14="http://schemas.microsoft.com/office/powerpoint/2010/main" val="1832406926"/>
       </p:ext>
     </p:extLst>
   </p:cSld>
@@ -1107,7 +1108,7 @@
     </p:spTree>
     <p:extLst>
       <p:ext uri="{BB962C8B-B14F-4D97-AF65-F5344CB8AC3E}">
-        <p14:creationId xmlns:p14="http://schemas.microsoft.com/office/powerpoint/2010/main" val="3303379667"/>
+        <p14:creationId xmlns:p14="http://schemas.microsoft.com/office/powerpoint/2010/main" val="3492847540"/>
       </p:ext>
     </p:extLst>
   </p:cSld>
@@ -1450,7 +1451,7 @@
           <a:p>
             <a:fld id="{D2342ED9-9AD2-4080-9043-7045960B13BE}" type="slidenum">
               <a:rPr lang="fr-CH" smtClean="0"/>
-              <a:t>20</a:t>
+              <a:t>19</a:t>
             </a:fld>
             <a:endParaRPr lang="fr-CH"/>
           </a:p>
@@ -1691,7 +1692,7 @@
           <a:p>
             <a:r>
               <a:rPr lang="fr-CH" dirty="0" smtClean="0"/>
-              <a:t>Fred</a:t>
+              <a:t>Simone</a:t>
             </a:r>
             <a:endParaRPr lang="fr-CH" dirty="0"/>
           </a:p>
@@ -1723,7 +1724,7 @@
     </p:spTree>
     <p:extLst>
       <p:ext uri="{BB962C8B-B14F-4D97-AF65-F5344CB8AC3E}">
-        <p14:creationId xmlns:p14="http://schemas.microsoft.com/office/powerpoint/2010/main" val="564441126"/>
+        <p14:creationId xmlns:p14="http://schemas.microsoft.com/office/powerpoint/2010/main" val="3303379667"/>
       </p:ext>
     </p:extLst>
   </p:cSld>
@@ -1779,7 +1780,7 @@
           <a:p>
             <a:r>
               <a:rPr lang="fr-CH" dirty="0" smtClean="0"/>
-              <a:t>Simone</a:t>
+              <a:t>Fred</a:t>
             </a:r>
             <a:endParaRPr lang="fr-CH" dirty="0"/>
           </a:p>
@@ -1811,7 +1812,7 @@
     </p:spTree>
     <p:extLst>
       <p:ext uri="{BB962C8B-B14F-4D97-AF65-F5344CB8AC3E}">
-        <p14:creationId xmlns:p14="http://schemas.microsoft.com/office/powerpoint/2010/main" val="3795962185"/>
+        <p14:creationId xmlns:p14="http://schemas.microsoft.com/office/powerpoint/2010/main" val="564441126"/>
       </p:ext>
     </p:extLst>
   </p:cSld>
@@ -1866,10 +1867,10 @@
           <a:lstStyle/>
           <a:p>
             <a:r>
-              <a:rPr lang="fr-CH" smtClean="0"/>
-              <a:t>Auri</a:t>
-            </a:r>
-            <a:endParaRPr lang="fr-CH"/>
+              <a:rPr lang="fr-CH" dirty="0" smtClean="0"/>
+              <a:t>Simone</a:t>
+            </a:r>
+            <a:endParaRPr lang="fr-CH" dirty="0"/>
           </a:p>
         </p:txBody>
       </p:sp>
@@ -1891,6 +1892,94 @@
             <a:fld id="{D2342ED9-9AD2-4080-9043-7045960B13BE}" type="slidenum">
               <a:rPr lang="fr-CH" smtClean="0"/>
               <a:t>24</a:t>
+            </a:fld>
+            <a:endParaRPr lang="fr-CH"/>
+          </a:p>
+        </p:txBody>
+      </p:sp>
+    </p:spTree>
+    <p:extLst>
+      <p:ext uri="{BB962C8B-B14F-4D97-AF65-F5344CB8AC3E}">
+        <p14:creationId xmlns:p14="http://schemas.microsoft.com/office/powerpoint/2010/main" val="3795962185"/>
+      </p:ext>
+    </p:extLst>
+  </p:cSld>
+  <p:clrMapOvr>
+    <a:masterClrMapping/>
+  </p:clrMapOvr>
+</p:notes>
+</file>
+
+<file path=ppt/notesSlides/notesSlide24.xml><?xml version="1.0" encoding="utf-8"?>
+<p:notes xmlns:a="http://schemas.openxmlformats.org/drawingml/2006/main" xmlns:r="http://schemas.openxmlformats.org/officeDocument/2006/relationships" xmlns:p="http://schemas.openxmlformats.org/presentationml/2006/main">
+  <p:cSld>
+    <p:spTree>
+      <p:nvGrpSpPr>
+        <p:cNvPr id="1" name=""/>
+        <p:cNvGrpSpPr/>
+        <p:nvPr/>
+      </p:nvGrpSpPr>
+      <p:grpSpPr>
+        <a:xfrm>
+          <a:off x="0" y="0"/>
+          <a:ext cx="0" cy="0"/>
+          <a:chOff x="0" y="0"/>
+          <a:chExt cx="0" cy="0"/>
+        </a:xfrm>
+      </p:grpSpPr>
+      <p:sp>
+        <p:nvSpPr>
+          <p:cNvPr id="2" name="Espace réservé de l'image des diapositives 1"/>
+          <p:cNvSpPr>
+            <a:spLocks noGrp="1" noRot="1" noChangeAspect="1"/>
+          </p:cNvSpPr>
+          <p:nvPr>
+            <p:ph type="sldImg"/>
+          </p:nvPr>
+        </p:nvSpPr>
+        <p:spPr/>
+      </p:sp>
+      <p:sp>
+        <p:nvSpPr>
+          <p:cNvPr id="3" name="Espace réservé des commentaires 2"/>
+          <p:cNvSpPr>
+            <a:spLocks noGrp="1"/>
+          </p:cNvSpPr>
+          <p:nvPr>
+            <p:ph type="body" idx="1"/>
+          </p:nvPr>
+        </p:nvSpPr>
+        <p:spPr/>
+        <p:txBody>
+          <a:bodyPr/>
+          <a:lstStyle/>
+          <a:p>
+            <a:r>
+              <a:rPr lang="fr-CH" smtClean="0"/>
+              <a:t>Auri</a:t>
+            </a:r>
+            <a:endParaRPr lang="fr-CH"/>
+          </a:p>
+        </p:txBody>
+      </p:sp>
+      <p:sp>
+        <p:nvSpPr>
+          <p:cNvPr id="4" name="Espace réservé du numéro de diapositive 3"/>
+          <p:cNvSpPr>
+            <a:spLocks noGrp="1"/>
+          </p:cNvSpPr>
+          <p:nvPr>
+            <p:ph type="sldNum" sz="quarter" idx="10"/>
+          </p:nvPr>
+        </p:nvSpPr>
+        <p:spPr/>
+        <p:txBody>
+          <a:bodyPr/>
+          <a:lstStyle/>
+          <a:p>
+            <a:fld id="{D2342ED9-9AD2-4080-9043-7045960B13BE}" type="slidenum">
+              <a:rPr lang="fr-CH" smtClean="0"/>
+              <a:t>25</a:t>
             </a:fld>
             <a:endParaRPr lang="fr-CH"/>
           </a:p>
@@ -1954,8 +2043,8 @@
           <a:lstStyle/>
           <a:p>
             <a:r>
-              <a:rPr lang="fr-CH" dirty="0" smtClean="0"/>
-              <a:t>Arnaud</a:t>
+              <a:rPr lang="fr-CH" dirty="0" err="1" smtClean="0"/>
+              <a:t>Auri</a:t>
             </a:r>
             <a:endParaRPr lang="fr-CH" dirty="0"/>
           </a:p>
@@ -2075,7 +2164,7 @@
     </p:spTree>
     <p:extLst>
       <p:ext uri="{BB962C8B-B14F-4D97-AF65-F5344CB8AC3E}">
-        <p14:creationId xmlns:p14="http://schemas.microsoft.com/office/powerpoint/2010/main" val="1217331279"/>
+        <p14:creationId xmlns:p14="http://schemas.microsoft.com/office/powerpoint/2010/main" val="1356447454"/>
       </p:ext>
     </p:extLst>
   </p:cSld>
@@ -2131,7 +2220,7 @@
           <a:p>
             <a:r>
               <a:rPr lang="fr-CH" dirty="0" smtClean="0"/>
-              <a:t>Fred</a:t>
+              <a:t>Arnaud</a:t>
             </a:r>
             <a:endParaRPr lang="fr-CH" dirty="0"/>
           </a:p>
@@ -2163,7 +2252,7 @@
     </p:spTree>
     <p:extLst>
       <p:ext uri="{BB962C8B-B14F-4D97-AF65-F5344CB8AC3E}">
-        <p14:creationId xmlns:p14="http://schemas.microsoft.com/office/powerpoint/2010/main" val="143257117"/>
+        <p14:creationId xmlns:p14="http://schemas.microsoft.com/office/powerpoint/2010/main" val="1217331279"/>
       </p:ext>
     </p:extLst>
   </p:cSld>
@@ -2251,7 +2340,7 @@
     </p:spTree>
     <p:extLst>
       <p:ext uri="{BB962C8B-B14F-4D97-AF65-F5344CB8AC3E}">
-        <p14:creationId xmlns:p14="http://schemas.microsoft.com/office/powerpoint/2010/main" val="1832406926"/>
+        <p14:creationId xmlns:p14="http://schemas.microsoft.com/office/powerpoint/2010/main" val="143257117"/>
       </p:ext>
     </p:extLst>
   </p:cSld>
@@ -2339,7 +2428,7 @@
     </p:spTree>
     <p:extLst>
       <p:ext uri="{BB962C8B-B14F-4D97-AF65-F5344CB8AC3E}">
-        <p14:creationId xmlns:p14="http://schemas.microsoft.com/office/powerpoint/2010/main" val="143257117"/>
+        <p14:creationId xmlns:p14="http://schemas.microsoft.com/office/powerpoint/2010/main" val="1832406926"/>
       </p:ext>
     </p:extLst>
   </p:cSld>
@@ -2515,7 +2604,7 @@
     </p:spTree>
     <p:extLst>
       <p:ext uri="{BB962C8B-B14F-4D97-AF65-F5344CB8AC3E}">
-        <p14:creationId xmlns:p14="http://schemas.microsoft.com/office/powerpoint/2010/main" val="3224220798"/>
+        <p14:creationId xmlns:p14="http://schemas.microsoft.com/office/powerpoint/2010/main" val="143257117"/>
       </p:ext>
     </p:extLst>
   </p:cSld>
@@ -2984,7 +3073,7 @@
             <a:fld id="{D57F1E4F-1CFF-5643-939E-217C01CDF565}" type="slidenum">
               <a:rPr lang="en-US" smtClean="0"/>
               <a:pPr/>
-              <a:t>‹#›</a:t>
+              <a:t>‹N°›</a:t>
             </a:fld>
             <a:endParaRPr lang="en-US" dirty="0"/>
           </a:p>
@@ -3311,7 +3400,7 @@
             <a:fld id="{D57F1E4F-1CFF-5643-939E-217C01CDF565}" type="slidenum">
               <a:rPr lang="en-US" smtClean="0"/>
               <a:pPr/>
-              <a:t>‹#›</a:t>
+              <a:t>‹N°›</a:t>
             </a:fld>
             <a:endParaRPr lang="en-US" dirty="0"/>
           </a:p>
@@ -3801,7 +3890,7 @@
             <a:fld id="{D57F1E4F-1CFF-5643-939E-217C01CDF565}" type="slidenum">
               <a:rPr lang="en-US" smtClean="0"/>
               <a:pPr/>
-              <a:t>‹#›</a:t>
+              <a:t>‹N°›</a:t>
             </a:fld>
             <a:endParaRPr lang="en-US" dirty="0"/>
           </a:p>
@@ -4172,7 +4261,7 @@
             <a:fld id="{D57F1E4F-1CFF-5643-939E-217C01CDF565}" type="slidenum">
               <a:rPr lang="en-US" smtClean="0"/>
               <a:pPr/>
-              <a:t>‹#›</a:t>
+              <a:t>‹N°›</a:t>
             </a:fld>
             <a:endParaRPr lang="en-US" dirty="0"/>
           </a:p>
@@ -4447,7 +4536,7 @@
             <a:fld id="{D57F1E4F-1CFF-5643-939E-217C01CDF565}" type="slidenum">
               <a:rPr lang="en-US" smtClean="0"/>
               <a:pPr/>
-              <a:t>‹#›</a:t>
+              <a:t>‹N°›</a:t>
             </a:fld>
             <a:endParaRPr lang="en-US" dirty="0"/>
           </a:p>
@@ -4734,7 +4823,7 @@
             <a:fld id="{D57F1E4F-1CFF-5643-939E-217C01CDF565}" type="slidenum">
               <a:rPr lang="en-US" smtClean="0"/>
               <a:pPr/>
-              <a:t>‹#›</a:t>
+              <a:t>‹N°›</a:t>
             </a:fld>
             <a:endParaRPr lang="en-US" dirty="0"/>
           </a:p>
@@ -5146,7 +5235,7 @@
             <a:fld id="{D57F1E4F-1CFF-5643-939E-217C01CDF565}" type="slidenum">
               <a:rPr lang="en-US" smtClean="0"/>
               <a:pPr/>
-              <a:t>‹#›</a:t>
+              <a:t>‹N°›</a:t>
             </a:fld>
             <a:endParaRPr lang="en-US" dirty="0"/>
           </a:p>
@@ -5498,7 +5587,7 @@
             <a:fld id="{D57F1E4F-1CFF-5643-939E-217C01CDF565}" type="slidenum">
               <a:rPr lang="en-US" smtClean="0"/>
               <a:pPr/>
-              <a:t>‹#›</a:t>
+              <a:t>‹N°›</a:t>
             </a:fld>
             <a:endParaRPr lang="en-US" dirty="0"/>
           </a:p>
@@ -5846,7 +5935,7 @@
             <a:fld id="{D57F1E4F-1CFF-5643-939E-217C01CDF565}" type="slidenum">
               <a:rPr lang="en-US" smtClean="0"/>
               <a:pPr/>
-              <a:t>‹#›</a:t>
+              <a:t>‹N°›</a:t>
             </a:fld>
             <a:endParaRPr lang="en-US" dirty="0"/>
           </a:p>
@@ -6325,7 +6414,7 @@
             <a:fld id="{D57F1E4F-1CFF-5643-939E-217C01CDF565}" type="slidenum">
               <a:rPr lang="en-US" smtClean="0"/>
               <a:pPr/>
-              <a:t>‹#›</a:t>
+              <a:t>‹N°›</a:t>
             </a:fld>
             <a:endParaRPr lang="en-US" dirty="0"/>
           </a:p>
@@ -6548,7 +6637,7 @@
             <a:fld id="{D57F1E4F-1CFF-5643-939E-217C01CDF565}" type="slidenum">
               <a:rPr lang="en-US" smtClean="0"/>
               <a:pPr/>
-              <a:t>‹#›</a:t>
+              <a:t>‹N°›</a:t>
             </a:fld>
             <a:endParaRPr lang="en-US" dirty="0"/>
           </a:p>
@@ -6645,7 +6734,7 @@
             <a:fld id="{D57F1E4F-1CFF-5643-939E-217C01CDF565}" type="slidenum">
               <a:rPr lang="en-US" smtClean="0"/>
               <a:pPr/>
-              <a:t>‹#›</a:t>
+              <a:t>‹N°›</a:t>
             </a:fld>
             <a:endParaRPr lang="en-US" dirty="0"/>
           </a:p>
@@ -7090,7 +7179,7 @@
             <a:fld id="{D57F1E4F-1CFF-5643-939E-217C01CDF565}" type="slidenum">
               <a:rPr lang="en-US" smtClean="0"/>
               <a:pPr/>
-              <a:t>‹#›</a:t>
+              <a:t>‹N°›</a:t>
             </a:fld>
             <a:endParaRPr lang="en-US" dirty="0"/>
           </a:p>
@@ -7415,7 +7504,7 @@
             <a:fld id="{D57F1E4F-1CFF-5643-939E-217C01CDF565}" type="slidenum">
               <a:rPr lang="en-US" smtClean="0"/>
               <a:pPr/>
-              <a:t>‹#›</a:t>
+              <a:t>‹N°›</a:t>
             </a:fld>
             <a:endParaRPr lang="en-US" dirty="0"/>
           </a:p>
@@ -7674,7 +7763,7 @@
             <a:fld id="{D57F1E4F-1CFF-5643-939E-217C01CDF565}" type="slidenum">
               <a:rPr lang="en-US" smtClean="0"/>
               <a:pPr/>
-              <a:t>‹#›</a:t>
+              <a:t>‹N°›</a:t>
             </a:fld>
             <a:endParaRPr lang="en-US" dirty="0"/>
           </a:p>
@@ -8611,9 +8700,9 @@
                 <a:latin typeface="Gulim" panose="020B0600000101010101" pitchFamily="34" charset="-127"/>
                 <a:ea typeface="Gulim" panose="020B0600000101010101" pitchFamily="34" charset="-127"/>
               </a:rPr>
-              <a:t>(2) lignes blanches</a:t>
-            </a:r>
-            <a:endParaRPr lang="fr-CH" sz="3600" dirty="0">
+              <a:t>(1) lignes noires</a:t>
+            </a:r>
+            <a:endParaRPr lang="fr-CH" sz="2800" dirty="0">
               <a:latin typeface="Gulim" panose="020B0600000101010101" pitchFamily="34" charset="-127"/>
               <a:ea typeface="Gulim" panose="020B0600000101010101" pitchFamily="34" charset="-127"/>
             </a:endParaRPr>
@@ -8622,6 +8711,43 @@
       </p:sp>
       <p:sp>
         <p:nvSpPr>
+          <p:cNvPr id="3" name="Espace réservé du contenu 2"/>
+          <p:cNvSpPr>
+            <a:spLocks noGrp="1"/>
+          </p:cNvSpPr>
+          <p:nvPr>
+            <p:ph idx="1"/>
+          </p:nvPr>
+        </p:nvSpPr>
+        <p:spPr>
+          <a:xfrm>
+            <a:off x="4855633" y="2260737"/>
+            <a:ext cx="6252633" cy="3600313"/>
+          </a:xfrm>
+        </p:spPr>
+        <p:txBody>
+          <a:bodyPr anchor="t" anchorCtr="0"/>
+          <a:lstStyle/>
+          <a:p>
+            <a:pPr marL="0" indent="0">
+              <a:buNone/>
+            </a:pPr>
+            <a:r>
+              <a:rPr lang="fr-CH" dirty="0" smtClean="0">
+                <a:latin typeface="Consolas" panose="020B0609020204030204" pitchFamily="49" charset="0"/>
+                <a:cs typeface="Consolas" panose="020B0609020204030204" pitchFamily="49" charset="0"/>
+              </a:rPr>
+              <a:t>Code ici</a:t>
+            </a:r>
+            <a:endParaRPr lang="fr-CH" dirty="0">
+              <a:latin typeface="Consolas" panose="020B0609020204030204" pitchFamily="49" charset="0"/>
+              <a:cs typeface="Consolas" panose="020B0609020204030204" pitchFamily="49" charset="0"/>
+            </a:endParaRPr>
+          </a:p>
+        </p:txBody>
+      </p:sp>
+      <p:sp>
+        <p:nvSpPr>
           <p:cNvPr id="4" name="Espace réservé du texte 3"/>
           <p:cNvSpPr>
             <a:spLocks noGrp="1"/>
@@ -8630,12 +8756,7 @@
             <p:ph type="body" sz="half" idx="2"/>
           </p:nvPr>
         </p:nvSpPr>
-        <p:spPr>
-          <a:xfrm>
-            <a:off x="1073151" y="2260738"/>
-            <a:ext cx="3547534" cy="3600311"/>
-          </a:xfrm>
-        </p:spPr>
+        <p:spPr/>
         <p:txBody>
           <a:bodyPr>
             <a:normAutofit/>
@@ -8646,38 +8767,6 @@
               <a:buFont typeface="Courier New" panose="02070309020205020404" pitchFamily="49" charset="0"/>
               <a:buChar char="o"/>
             </a:pPr>
-            <a:r>
-              <a:rPr lang="fr-CH" sz="1800" dirty="0" smtClean="0"/>
-              <a:t>Idée et code de l’assistant </a:t>
-            </a:r>
-            <a:r>
-              <a:rPr lang="fr-CH" sz="1600" dirty="0" smtClean="0"/>
-              <a:t>(merci beaucoup Hector ! </a:t>
-            </a:r>
-            <a:r>
-              <a:rPr lang="fr-CH" sz="1600" dirty="0" smtClean="0">
-                <a:sym typeface="Wingdings" panose="05000000000000000000" pitchFamily="2" charset="2"/>
-              </a:rPr>
-              <a:t></a:t>
-            </a:r>
-            <a:r>
-              <a:rPr lang="fr-CH" sz="1600" dirty="0" smtClean="0"/>
-              <a:t>) </a:t>
-            </a:r>
-          </a:p>
-          <a:p>
-            <a:pPr marL="285750" indent="-285750">
-              <a:buFont typeface="Courier New" panose="02070309020205020404" pitchFamily="49" charset="0"/>
-              <a:buChar char="o"/>
-            </a:pPr>
-            <a:r>
-              <a:rPr lang="fr-CH" sz="1800" dirty="0" err="1" smtClean="0"/>
-              <a:t>braitenbergLineFollower</a:t>
-            </a:r>
-            <a:r>
-              <a:rPr lang="fr-CH" sz="1800" dirty="0" smtClean="0"/>
-              <a:t>()</a:t>
-            </a:r>
             <a:endParaRPr lang="fr-CH" sz="1800" dirty="0"/>
           </a:p>
         </p:txBody>
@@ -9091,6 +9180,562 @@
           </a:p>
         </p:txBody>
       </p:sp>
+    </p:spTree>
+    <p:extLst>
+      <p:ext uri="{BB962C8B-B14F-4D97-AF65-F5344CB8AC3E}">
+        <p14:creationId xmlns:p14="http://schemas.microsoft.com/office/powerpoint/2010/main" val="1449560542"/>
+      </p:ext>
+    </p:extLst>
+  </p:cSld>
+  <p:clrMapOvr>
+    <a:masterClrMapping/>
+  </p:clrMapOvr>
+  <p:timing>
+    <p:tnLst>
+      <p:par>
+        <p:cTn id="1" dur="indefinite" restart="never" nodeType="tmRoot"/>
+      </p:par>
+    </p:tnLst>
+  </p:timing>
+</p:sld>
+</file>
+
+<file path=ppt/slides/slide11.xml><?xml version="1.0" encoding="utf-8"?>
+<p:sld xmlns:a="http://schemas.openxmlformats.org/drawingml/2006/main" xmlns:r="http://schemas.openxmlformats.org/officeDocument/2006/relationships" xmlns:p="http://schemas.openxmlformats.org/presentationml/2006/main">
+  <p:cSld>
+    <p:spTree>
+      <p:nvGrpSpPr>
+        <p:cNvPr id="1" name=""/>
+        <p:cNvGrpSpPr/>
+        <p:nvPr/>
+      </p:nvGrpSpPr>
+      <p:grpSpPr>
+        <a:xfrm>
+          <a:off x="0" y="0"/>
+          <a:ext cx="0" cy="0"/>
+          <a:chOff x="0" y="0"/>
+          <a:chExt cx="0" cy="0"/>
+        </a:xfrm>
+      </p:grpSpPr>
+      <p:sp>
+        <p:nvSpPr>
+          <p:cNvPr id="2" name="Titre 1"/>
+          <p:cNvSpPr>
+            <a:spLocks noGrp="1"/>
+          </p:cNvSpPr>
+          <p:nvPr>
+            <p:ph type="title"/>
+          </p:nvPr>
+        </p:nvSpPr>
+        <p:spPr>
+          <a:xfrm>
+            <a:off x="1249251" y="446088"/>
+            <a:ext cx="3371434" cy="1511501"/>
+          </a:xfrm>
+        </p:spPr>
+        <p:txBody>
+          <a:bodyPr/>
+          <a:lstStyle/>
+          <a:p>
+            <a:r>
+              <a:rPr lang="fr-CH" sz="3600" dirty="0">
+                <a:latin typeface="Gulim" panose="020B0600000101010101" pitchFamily="34" charset="-127"/>
+                <a:ea typeface="Gulim" panose="020B0600000101010101" pitchFamily="34" charset="-127"/>
+              </a:rPr>
+              <a:t>Suivi de </a:t>
+            </a:r>
+            <a:r>
+              <a:rPr lang="fr-CH" sz="3600" dirty="0" smtClean="0">
+                <a:latin typeface="Gulim" panose="020B0600000101010101" pitchFamily="34" charset="-127"/>
+                <a:ea typeface="Gulim" panose="020B0600000101010101" pitchFamily="34" charset="-127"/>
+              </a:rPr>
+              <a:t>ligne </a:t>
+            </a:r>
+            <a:r>
+              <a:rPr lang="fr-CH" sz="2400" dirty="0" smtClean="0">
+                <a:latin typeface="Gulim" panose="020B0600000101010101" pitchFamily="34" charset="-127"/>
+                <a:ea typeface="Gulim" panose="020B0600000101010101" pitchFamily="34" charset="-127"/>
+              </a:rPr>
+              <a:t>(2) lignes blanches</a:t>
+            </a:r>
+            <a:endParaRPr lang="fr-CH" sz="3600" dirty="0">
+              <a:latin typeface="Gulim" panose="020B0600000101010101" pitchFamily="34" charset="-127"/>
+              <a:ea typeface="Gulim" panose="020B0600000101010101" pitchFamily="34" charset="-127"/>
+            </a:endParaRPr>
+          </a:p>
+        </p:txBody>
+      </p:sp>
+      <p:sp>
+        <p:nvSpPr>
+          <p:cNvPr id="4" name="Espace réservé du texte 3"/>
+          <p:cNvSpPr>
+            <a:spLocks noGrp="1"/>
+          </p:cNvSpPr>
+          <p:nvPr>
+            <p:ph type="body" sz="half" idx="2"/>
+          </p:nvPr>
+        </p:nvSpPr>
+        <p:spPr>
+          <a:xfrm>
+            <a:off x="1073151" y="2260738"/>
+            <a:ext cx="3547534" cy="3600311"/>
+          </a:xfrm>
+        </p:spPr>
+        <p:txBody>
+          <a:bodyPr>
+            <a:normAutofit/>
+          </a:bodyPr>
+          <a:lstStyle/>
+          <a:p>
+            <a:pPr marL="285750" indent="-285750">
+              <a:buFont typeface="Courier New" panose="02070309020205020404" pitchFamily="49" charset="0"/>
+              <a:buChar char="o"/>
+            </a:pPr>
+            <a:r>
+              <a:rPr lang="fr-CH" sz="1800" dirty="0" smtClean="0"/>
+              <a:t>Idée et code de l’assistant </a:t>
+            </a:r>
+            <a:r>
+              <a:rPr lang="fr-CH" sz="1600" dirty="0" smtClean="0"/>
+              <a:t>(merci beaucoup Hector ! </a:t>
+            </a:r>
+            <a:r>
+              <a:rPr lang="fr-CH" sz="1600" dirty="0" smtClean="0">
+                <a:sym typeface="Wingdings" panose="05000000000000000000" pitchFamily="2" charset="2"/>
+              </a:rPr>
+              <a:t></a:t>
+            </a:r>
+            <a:r>
+              <a:rPr lang="fr-CH" sz="1600" dirty="0" smtClean="0"/>
+              <a:t>) </a:t>
+            </a:r>
+          </a:p>
+          <a:p>
+            <a:pPr marL="285750" indent="-285750">
+              <a:buFont typeface="Courier New" panose="02070309020205020404" pitchFamily="49" charset="0"/>
+              <a:buChar char="o"/>
+            </a:pPr>
+            <a:r>
+              <a:rPr lang="fr-CH" sz="1800" dirty="0" err="1" smtClean="0"/>
+              <a:t>braitenbergLineFollower</a:t>
+            </a:r>
+            <a:r>
+              <a:rPr lang="fr-CH" sz="1800" dirty="0" smtClean="0"/>
+              <a:t>()</a:t>
+            </a:r>
+            <a:endParaRPr lang="fr-CH" sz="1800" dirty="0"/>
+          </a:p>
+        </p:txBody>
+      </p:sp>
+      <p:pic>
+        <p:nvPicPr>
+          <p:cNvPr id="5" name="Image 4"/>
+          <p:cNvPicPr>
+            <a:picLocks noChangeAspect="1"/>
+          </p:cNvPicPr>
+          <p:nvPr/>
+        </p:nvPicPr>
+        <p:blipFill>
+          <a:blip r:embed="rId3">
+            <a:extLst>
+              <a:ext uri="{28A0092B-C50C-407E-A947-70E740481C1C}">
+                <a14:useLocalDpi xmlns:a14="http://schemas.microsoft.com/office/drawing/2010/main" val="0"/>
+              </a:ext>
+            </a:extLst>
+          </a:blip>
+          <a:stretch>
+            <a:fillRect/>
+          </a:stretch>
+        </p:blipFill>
+        <p:spPr>
+          <a:xfrm>
+            <a:off x="11209408" y="2354284"/>
+            <a:ext cx="501676" cy="1041454"/>
+          </a:xfrm>
+          <a:prstGeom prst="rect">
+            <a:avLst/>
+          </a:prstGeom>
+        </p:spPr>
+      </p:pic>
+      <p:sp>
+        <p:nvSpPr>
+          <p:cNvPr id="6" name="Sous-titre 2"/>
+          <p:cNvSpPr txBox="1">
+            <a:spLocks/>
+          </p:cNvSpPr>
+          <p:nvPr/>
+        </p:nvSpPr>
+        <p:spPr>
+          <a:xfrm>
+            <a:off x="810001" y="6050877"/>
+            <a:ext cx="10572000" cy="434974"/>
+          </a:xfrm>
+          <a:prstGeom prst="rect">
+            <a:avLst/>
+          </a:prstGeom>
+          <a:effectLst>
+            <a:outerShdw blurRad="50800" dir="14400000">
+              <a:srgbClr val="000000">
+                <a:alpha val="40000"/>
+              </a:srgbClr>
+            </a:outerShdw>
+          </a:effectLst>
+        </p:spPr>
+        <p:txBody>
+          <a:bodyPr vert="horz" lIns="91440" tIns="45720" rIns="91440" bIns="45720" rtlCol="0" anchor="t">
+            <a:normAutofit/>
+          </a:bodyPr>
+          <a:lstStyle>
+            <a:lvl1pPr marL="0" indent="0" algn="l" defTabSz="457200" rtl="0" eaLnBrk="1" latinLnBrk="0" hangingPunct="1">
+              <a:spcBef>
+                <a:spcPct val="20000"/>
+              </a:spcBef>
+              <a:spcAft>
+                <a:spcPts val="600"/>
+              </a:spcAft>
+              <a:buClr>
+                <a:schemeClr val="accent1"/>
+              </a:buClr>
+              <a:buFont typeface="Wingdings 2" charset="2"/>
+              <a:buNone/>
+              <a:defRPr sz="1800" kern="1200">
+                <a:solidFill>
+                  <a:schemeClr val="tx1"/>
+                </a:solidFill>
+                <a:latin typeface="+mn-lt"/>
+                <a:ea typeface="+mn-ea"/>
+                <a:cs typeface="+mn-cs"/>
+              </a:defRPr>
+            </a:lvl1pPr>
+            <a:lvl2pPr marL="457200" indent="0" algn="ctr" defTabSz="457200" rtl="0" eaLnBrk="1" latinLnBrk="0" hangingPunct="1">
+              <a:spcBef>
+                <a:spcPct val="20000"/>
+              </a:spcBef>
+              <a:spcAft>
+                <a:spcPts val="600"/>
+              </a:spcAft>
+              <a:buClr>
+                <a:schemeClr val="accent1"/>
+              </a:buClr>
+              <a:buFont typeface="Wingdings 2" charset="2"/>
+              <a:buNone/>
+              <a:defRPr sz="1600" kern="1200">
+                <a:solidFill>
+                  <a:schemeClr val="tx1">
+                    <a:tint val="75000"/>
+                  </a:schemeClr>
+                </a:solidFill>
+                <a:latin typeface="+mn-lt"/>
+                <a:ea typeface="+mn-ea"/>
+                <a:cs typeface="+mn-cs"/>
+              </a:defRPr>
+            </a:lvl2pPr>
+            <a:lvl3pPr marL="914400" indent="0" algn="ctr" defTabSz="457200" rtl="0" eaLnBrk="1" latinLnBrk="0" hangingPunct="1">
+              <a:spcBef>
+                <a:spcPct val="20000"/>
+              </a:spcBef>
+              <a:spcAft>
+                <a:spcPts val="600"/>
+              </a:spcAft>
+              <a:buClr>
+                <a:schemeClr val="accent1"/>
+              </a:buClr>
+              <a:buFont typeface="Wingdings 2" charset="2"/>
+              <a:buNone/>
+              <a:defRPr sz="1400" kern="1200">
+                <a:solidFill>
+                  <a:schemeClr val="tx1">
+                    <a:tint val="75000"/>
+                  </a:schemeClr>
+                </a:solidFill>
+                <a:latin typeface="+mn-lt"/>
+                <a:ea typeface="+mn-ea"/>
+                <a:cs typeface="+mn-cs"/>
+              </a:defRPr>
+            </a:lvl3pPr>
+            <a:lvl4pPr marL="1371600" indent="0" algn="ctr" defTabSz="457200" rtl="0" eaLnBrk="1" latinLnBrk="0" hangingPunct="1">
+              <a:spcBef>
+                <a:spcPct val="20000"/>
+              </a:spcBef>
+              <a:spcAft>
+                <a:spcPts val="600"/>
+              </a:spcAft>
+              <a:buClr>
+                <a:schemeClr val="accent1"/>
+              </a:buClr>
+              <a:buFont typeface="Wingdings 2" charset="2"/>
+              <a:buNone/>
+              <a:defRPr sz="1200" kern="1200">
+                <a:solidFill>
+                  <a:schemeClr val="tx1">
+                    <a:tint val="75000"/>
+                  </a:schemeClr>
+                </a:solidFill>
+                <a:latin typeface="+mn-lt"/>
+                <a:ea typeface="+mn-ea"/>
+                <a:cs typeface="+mn-cs"/>
+              </a:defRPr>
+            </a:lvl4pPr>
+            <a:lvl5pPr marL="1828800" indent="0" algn="ctr" defTabSz="457200" rtl="0" eaLnBrk="1" latinLnBrk="0" hangingPunct="1">
+              <a:spcBef>
+                <a:spcPct val="20000"/>
+              </a:spcBef>
+              <a:spcAft>
+                <a:spcPts val="600"/>
+              </a:spcAft>
+              <a:buClr>
+                <a:schemeClr val="accent1"/>
+              </a:buClr>
+              <a:buFont typeface="Wingdings 2" charset="2"/>
+              <a:buNone/>
+              <a:defRPr sz="1200" kern="1200">
+                <a:solidFill>
+                  <a:schemeClr val="tx1">
+                    <a:tint val="75000"/>
+                  </a:schemeClr>
+                </a:solidFill>
+                <a:latin typeface="+mn-lt"/>
+                <a:ea typeface="+mn-ea"/>
+                <a:cs typeface="+mn-cs"/>
+              </a:defRPr>
+            </a:lvl5pPr>
+            <a:lvl6pPr marL="2286000" indent="0" algn="ctr" defTabSz="457200" rtl="0" eaLnBrk="1" latinLnBrk="0" hangingPunct="1">
+              <a:spcBef>
+                <a:spcPct val="20000"/>
+              </a:spcBef>
+              <a:spcAft>
+                <a:spcPts val="600"/>
+              </a:spcAft>
+              <a:buClr>
+                <a:schemeClr val="accent1"/>
+              </a:buClr>
+              <a:buFont typeface="Wingdings 2" charset="2"/>
+              <a:buNone/>
+              <a:defRPr sz="1200" kern="1200">
+                <a:solidFill>
+                  <a:schemeClr val="tx1">
+                    <a:tint val="75000"/>
+                  </a:schemeClr>
+                </a:solidFill>
+                <a:latin typeface="+mn-lt"/>
+                <a:ea typeface="+mn-ea"/>
+                <a:cs typeface="+mn-cs"/>
+              </a:defRPr>
+            </a:lvl6pPr>
+            <a:lvl7pPr marL="2743200" indent="0" algn="ctr" defTabSz="457200" rtl="0" eaLnBrk="1" latinLnBrk="0" hangingPunct="1">
+              <a:spcBef>
+                <a:spcPct val="20000"/>
+              </a:spcBef>
+              <a:spcAft>
+                <a:spcPts val="600"/>
+              </a:spcAft>
+              <a:buClr>
+                <a:schemeClr val="accent1"/>
+              </a:buClr>
+              <a:buFont typeface="Wingdings 2" charset="2"/>
+              <a:buNone/>
+              <a:defRPr sz="1200" kern="1200">
+                <a:solidFill>
+                  <a:schemeClr val="tx1">
+                    <a:tint val="75000"/>
+                  </a:schemeClr>
+                </a:solidFill>
+                <a:latin typeface="+mn-lt"/>
+                <a:ea typeface="+mn-ea"/>
+                <a:cs typeface="+mn-cs"/>
+              </a:defRPr>
+            </a:lvl7pPr>
+            <a:lvl8pPr marL="3200400" indent="0" algn="ctr" defTabSz="457200" rtl="0" eaLnBrk="1" latinLnBrk="0" hangingPunct="1">
+              <a:spcBef>
+                <a:spcPct val="20000"/>
+              </a:spcBef>
+              <a:spcAft>
+                <a:spcPts val="600"/>
+              </a:spcAft>
+              <a:buClr>
+                <a:schemeClr val="accent1"/>
+              </a:buClr>
+              <a:buFont typeface="Wingdings 2" charset="2"/>
+              <a:buNone/>
+              <a:defRPr sz="1200" kern="1200">
+                <a:solidFill>
+                  <a:schemeClr val="tx1">
+                    <a:tint val="75000"/>
+                  </a:schemeClr>
+                </a:solidFill>
+                <a:latin typeface="+mn-lt"/>
+                <a:ea typeface="+mn-ea"/>
+                <a:cs typeface="+mn-cs"/>
+              </a:defRPr>
+            </a:lvl8pPr>
+            <a:lvl9pPr marL="3657600" indent="0" algn="ctr" defTabSz="457200" rtl="0" eaLnBrk="1" latinLnBrk="0" hangingPunct="1">
+              <a:spcBef>
+                <a:spcPct val="20000"/>
+              </a:spcBef>
+              <a:spcAft>
+                <a:spcPts val="600"/>
+              </a:spcAft>
+              <a:buClr>
+                <a:schemeClr val="accent1"/>
+              </a:buClr>
+              <a:buFont typeface="Wingdings 2" charset="2"/>
+              <a:buNone/>
+              <a:defRPr sz="1200" kern="1200">
+                <a:solidFill>
+                  <a:schemeClr val="tx1">
+                    <a:tint val="75000"/>
+                  </a:schemeClr>
+                </a:solidFill>
+                <a:latin typeface="+mn-lt"/>
+                <a:ea typeface="+mn-ea"/>
+                <a:cs typeface="+mn-cs"/>
+              </a:defRPr>
+            </a:lvl9pPr>
+          </a:lstStyle>
+          <a:p>
+            <a:r>
+              <a:rPr lang="fr-CH" sz="1500" dirty="0" smtClean="0">
+                <a:solidFill>
+                  <a:schemeClr val="bg2">
+                    <a:lumMod val="50000"/>
+                    <a:lumOff val="50000"/>
+                  </a:schemeClr>
+                </a:solidFill>
+                <a:latin typeface="Gulim" panose="020B0600000101010101" pitchFamily="34" charset="-127"/>
+                <a:ea typeface="Gulim" panose="020B0600000101010101" pitchFamily="34" charset="-127"/>
+              </a:rPr>
+              <a:t>A. </a:t>
+            </a:r>
+            <a:r>
+              <a:rPr lang="fr-CH" sz="1500" dirty="0" err="1" smtClean="0">
+                <a:solidFill>
+                  <a:schemeClr val="bg2">
+                    <a:lumMod val="50000"/>
+                    <a:lumOff val="50000"/>
+                  </a:schemeClr>
+                </a:solidFill>
+                <a:latin typeface="Gulim" panose="020B0600000101010101" pitchFamily="34" charset="-127"/>
+                <a:ea typeface="Gulim" panose="020B0600000101010101" pitchFamily="34" charset="-127"/>
+              </a:rPr>
+              <a:t>Desclouds</a:t>
+            </a:r>
+            <a:r>
+              <a:rPr lang="fr-CH" sz="1500" dirty="0" smtClean="0">
+                <a:solidFill>
+                  <a:schemeClr val="bg2">
+                    <a:lumMod val="50000"/>
+                    <a:lumOff val="50000"/>
+                  </a:schemeClr>
+                </a:solidFill>
+                <a:latin typeface="Gulim" panose="020B0600000101010101" pitchFamily="34" charset="-127"/>
+                <a:ea typeface="Gulim" panose="020B0600000101010101" pitchFamily="34" charset="-127"/>
+              </a:rPr>
+              <a:t>, </a:t>
+            </a:r>
+            <a:r>
+              <a:rPr lang="fr-CH" sz="1500" dirty="0" err="1" smtClean="0">
+                <a:solidFill>
+                  <a:schemeClr val="bg2">
+                    <a:lumMod val="50000"/>
+                    <a:lumOff val="50000"/>
+                  </a:schemeClr>
+                </a:solidFill>
+                <a:latin typeface="Gulim" panose="020B0600000101010101" pitchFamily="34" charset="-127"/>
+                <a:ea typeface="Gulim" panose="020B0600000101010101" pitchFamily="34" charset="-127"/>
+              </a:rPr>
+              <a:t>A.Hug</a:t>
+            </a:r>
+            <a:r>
+              <a:rPr lang="fr-CH" sz="1500" dirty="0" smtClean="0">
+                <a:solidFill>
+                  <a:schemeClr val="bg2">
+                    <a:lumMod val="50000"/>
+                    <a:lumOff val="50000"/>
+                  </a:schemeClr>
+                </a:solidFill>
+                <a:latin typeface="Gulim" panose="020B0600000101010101" pitchFamily="34" charset="-127"/>
+                <a:ea typeface="Gulim" panose="020B0600000101010101" pitchFamily="34" charset="-127"/>
+              </a:rPr>
+              <a:t>, S. </a:t>
+            </a:r>
+            <a:r>
+              <a:rPr lang="fr-CH" sz="1500" dirty="0" err="1" smtClean="0">
+                <a:solidFill>
+                  <a:schemeClr val="bg2">
+                    <a:lumMod val="50000"/>
+                    <a:lumOff val="50000"/>
+                  </a:schemeClr>
+                </a:solidFill>
+                <a:latin typeface="Gulim" panose="020B0600000101010101" pitchFamily="34" charset="-127"/>
+                <a:ea typeface="Gulim" panose="020B0600000101010101" pitchFamily="34" charset="-127"/>
+              </a:rPr>
+              <a:t>Righitto</a:t>
+            </a:r>
+            <a:r>
+              <a:rPr lang="fr-CH" sz="1500" dirty="0" smtClean="0">
+                <a:solidFill>
+                  <a:schemeClr val="bg2">
+                    <a:lumMod val="50000"/>
+                    <a:lumOff val="50000"/>
+                  </a:schemeClr>
+                </a:solidFill>
+                <a:latin typeface="Gulim" panose="020B0600000101010101" pitchFamily="34" charset="-127"/>
+                <a:ea typeface="Gulim" panose="020B0600000101010101" pitchFamily="34" charset="-127"/>
+              </a:rPr>
+              <a:t>, F. </a:t>
+            </a:r>
+            <a:r>
+              <a:rPr lang="fr-CH" sz="1500" dirty="0" err="1" smtClean="0">
+                <a:solidFill>
+                  <a:schemeClr val="bg2">
+                    <a:lumMod val="50000"/>
+                    <a:lumOff val="50000"/>
+                  </a:schemeClr>
+                </a:solidFill>
+                <a:latin typeface="Gulim" panose="020B0600000101010101" pitchFamily="34" charset="-127"/>
+                <a:ea typeface="Gulim" panose="020B0600000101010101" pitchFamily="34" charset="-127"/>
+              </a:rPr>
+              <a:t>Saam</a:t>
+            </a:r>
+            <a:r>
+              <a:rPr lang="fr-CH" sz="1500" dirty="0" smtClean="0">
+                <a:solidFill>
+                  <a:schemeClr val="bg2">
+                    <a:lumMod val="50000"/>
+                    <a:lumOff val="50000"/>
+                  </a:schemeClr>
+                </a:solidFill>
+                <a:latin typeface="Gulim" panose="020B0600000101010101" pitchFamily="34" charset="-127"/>
+                <a:ea typeface="Gulim" panose="020B0600000101010101" pitchFamily="34" charset="-127"/>
+              </a:rPr>
+              <a:t>	</a:t>
+            </a:r>
+            <a:r>
+              <a:rPr lang="fr-CH" sz="1600" dirty="0" smtClean="0">
+                <a:solidFill>
+                  <a:schemeClr val="bg2">
+                    <a:lumMod val="50000"/>
+                    <a:lumOff val="50000"/>
+                  </a:schemeClr>
+                </a:solidFill>
+                <a:latin typeface="Gulim" panose="020B0600000101010101" pitchFamily="34" charset="-127"/>
+                <a:ea typeface="Gulim" panose="020B0600000101010101" pitchFamily="34" charset="-127"/>
+              </a:rPr>
+              <a:t>											</a:t>
+            </a:r>
+            <a:endParaRPr lang="fr-CH" sz="1600" dirty="0">
+              <a:solidFill>
+                <a:schemeClr val="bg2">
+                  <a:lumMod val="50000"/>
+                  <a:lumOff val="50000"/>
+                </a:schemeClr>
+              </a:solidFill>
+              <a:latin typeface="Gulim" panose="020B0600000101010101" pitchFamily="34" charset="-127"/>
+              <a:ea typeface="Gulim" panose="020B0600000101010101" pitchFamily="34" charset="-127"/>
+            </a:endParaRPr>
+          </a:p>
+        </p:txBody>
+      </p:sp>
       <p:sp>
         <p:nvSpPr>
           <p:cNvPr id="7" name="Segnaposto contenuto 6"/>
@@ -9145,7 +9790,7 @@
 </p:sld>
 </file>
 
-<file path=ppt/slides/slide11.xml><?xml version="1.0" encoding="utf-8"?>
+<file path=ppt/slides/slide12.xml><?xml version="1.0" encoding="utf-8"?>
 <p:sld xmlns:a="http://schemas.openxmlformats.org/drawingml/2006/main" xmlns:r="http://schemas.openxmlformats.org/officeDocument/2006/relationships" xmlns:p="http://schemas.openxmlformats.org/presentationml/2006/main">
   <p:cSld>
     <p:spTree>
@@ -9712,7 +10357,7 @@
 </p:sld>
 </file>
 
-<file path=ppt/slides/slide12.xml><?xml version="1.0" encoding="utf-8"?>
+<file path=ppt/slides/slide13.xml><?xml version="1.0" encoding="utf-8"?>
 <p:sld xmlns:a="http://schemas.openxmlformats.org/drawingml/2006/main" xmlns:r="http://schemas.openxmlformats.org/officeDocument/2006/relationships" xmlns:p="http://schemas.openxmlformats.org/presentationml/2006/main">
   <p:cSld>
     <p:spTree>
@@ -10281,7 +10926,7 @@
 </p:sld>
 </file>
 
-<file path=ppt/slides/slide13.xml><?xml version="1.0" encoding="utf-8"?>
+<file path=ppt/slides/slide14.xml><?xml version="1.0" encoding="utf-8"?>
 <p:sld xmlns:a="http://schemas.openxmlformats.org/drawingml/2006/main" xmlns:r="http://schemas.openxmlformats.org/officeDocument/2006/relationships" xmlns:p="http://schemas.openxmlformats.org/presentationml/2006/main">
   <p:cSld>
     <p:spTree>
@@ -10845,7 +11490,7 @@
 </p:sld>
 </file>
 
-<file path=ppt/slides/slide14.xml><?xml version="1.0" encoding="utf-8"?>
+<file path=ppt/slides/slide15.xml><?xml version="1.0" encoding="utf-8"?>
 <p:sld xmlns:a="http://schemas.openxmlformats.org/drawingml/2006/main" xmlns:r="http://schemas.openxmlformats.org/officeDocument/2006/relationships" xmlns:p="http://schemas.openxmlformats.org/presentationml/2006/main">
   <p:cSld>
     <p:spTree>
@@ -11372,7 +12017,7 @@
             <a:fld id="{D57F1E4F-1CFF-5643-939E-217C01CDF565}" type="slidenum">
               <a:rPr lang="en-US" smtClean="0"/>
               <a:pPr/>
-              <a:t>14</a:t>
+              <a:t>15</a:t>
             </a:fld>
             <a:endParaRPr lang="en-US" dirty="0"/>
           </a:p>
@@ -11428,7 +12073,7 @@
 </p:sld>
 </file>
 
-<file path=ppt/slides/slide15.xml><?xml version="1.0" encoding="utf-8"?>
+<file path=ppt/slides/slide16.xml><?xml version="1.0" encoding="utf-8"?>
 <p:sld xmlns:a="http://schemas.openxmlformats.org/drawingml/2006/main" xmlns:r="http://schemas.openxmlformats.org/officeDocument/2006/relationships" xmlns:p="http://schemas.openxmlformats.org/presentationml/2006/main">
   <p:cSld>
     <p:spTree>
@@ -11998,7 +12643,7 @@
 </p:sld>
 </file>
 
-<file path=ppt/slides/slide16.xml><?xml version="1.0" encoding="utf-8"?>
+<file path=ppt/slides/slide17.xml><?xml version="1.0" encoding="utf-8"?>
 <p:sld xmlns:a="http://schemas.openxmlformats.org/drawingml/2006/main" xmlns:r="http://schemas.openxmlformats.org/officeDocument/2006/relationships" xmlns:p="http://schemas.openxmlformats.org/presentationml/2006/main">
   <p:cSld>
     <p:spTree>
@@ -12567,7 +13212,7 @@
 </p:sld>
 </file>
 
-<file path=ppt/slides/slide17.xml><?xml version="1.0" encoding="utf-8"?>
+<file path=ppt/slides/slide18.xml><?xml version="1.0" encoding="utf-8"?>
 <p:sld xmlns:a="http://schemas.openxmlformats.org/drawingml/2006/main" xmlns:r="http://schemas.openxmlformats.org/officeDocument/2006/relationships" xmlns:p="http://schemas.openxmlformats.org/presentationml/2006/main">
   <p:cSld>
     <p:spTree>
@@ -12584,40 +13229,6 @@
           <a:chExt cx="0" cy="0"/>
         </a:xfrm>
       </p:grpSpPr>
-      <p:sp>
-        <p:nvSpPr>
-          <p:cNvPr id="2" name="Titre 1"/>
-          <p:cNvSpPr>
-            <a:spLocks noGrp="1"/>
-          </p:cNvSpPr>
-          <p:nvPr>
-            <p:ph type="title"/>
-          </p:nvPr>
-        </p:nvSpPr>
-        <p:spPr>
-          <a:xfrm>
-            <a:off x="1249251" y="446088"/>
-            <a:ext cx="3371434" cy="1511501"/>
-          </a:xfrm>
-        </p:spPr>
-        <p:txBody>
-          <a:bodyPr/>
-          <a:lstStyle/>
-          <a:p>
-            <a:r>
-              <a:rPr lang="fr-CH" sz="4400" dirty="0" smtClean="0">
-                <a:latin typeface="Gulim" panose="020B0600000101010101" pitchFamily="34" charset="-127"/>
-                <a:ea typeface="Gulim" panose="020B0600000101010101" pitchFamily="34" charset="-127"/>
-              </a:rPr>
-              <a:t>Danses</a:t>
-            </a:r>
-            <a:endParaRPr lang="fr-CH" sz="4400" dirty="0">
-              <a:latin typeface="Gulim" panose="020B0600000101010101" pitchFamily="34" charset="-127"/>
-              <a:ea typeface="Gulim" panose="020B0600000101010101" pitchFamily="34" charset="-127"/>
-            </a:endParaRPr>
-          </a:p>
-        </p:txBody>
-      </p:sp>
       <p:pic>
         <p:nvPicPr>
           <p:cNvPr id="5" name="Image 4"/>
@@ -13027,25 +13638,6 @@
           </a:p>
         </p:txBody>
       </p:sp>
-      <p:sp>
-        <p:nvSpPr>
-          <p:cNvPr id="3" name="Segnaposto testo 2"/>
-          <p:cNvSpPr>
-            <a:spLocks noGrp="1"/>
-          </p:cNvSpPr>
-          <p:nvPr>
-            <p:ph type="body" sz="half" idx="2"/>
-          </p:nvPr>
-        </p:nvSpPr>
-        <p:spPr/>
-        <p:txBody>
-          <a:bodyPr/>
-          <a:lstStyle/>
-          <a:p>
-            <a:endParaRPr lang="fr-CH"/>
-          </a:p>
-        </p:txBody>
-      </p:sp>
       <p:pic>
         <p:nvPicPr>
           <p:cNvPr id="1026" name="Picture 2" descr="C:\Users\RigHitZ\Documents\Heig-VD\6semestre\SFT\SFT15_Elisa\img_doc\dance_1.png"/>
@@ -13067,7 +13659,7 @@
         </p:blipFill>
         <p:spPr bwMode="auto">
           <a:xfrm>
-            <a:off x="454398" y="493761"/>
+            <a:off x="604523" y="493761"/>
             <a:ext cx="10289799" cy="4762500"/>
           </a:xfrm>
           <a:prstGeom prst="round2DiagRect">
@@ -13120,7 +13712,7 @@
 </p:sld>
 </file>
 
-<file path=ppt/slides/slide18.xml><?xml version="1.0" encoding="utf-8"?>
+<file path=ppt/slides/slide19.xml><?xml version="1.0" encoding="utf-8"?>
 <p:sld xmlns:a="http://schemas.openxmlformats.org/drawingml/2006/main" xmlns:r="http://schemas.openxmlformats.org/officeDocument/2006/relationships" xmlns:p="http://schemas.openxmlformats.org/presentationml/2006/main">
   <p:cSld>
     <p:spTree>
@@ -13669,508 +14261,6 @@
     <p:extLst>
       <p:ext uri="{BB962C8B-B14F-4D97-AF65-F5344CB8AC3E}">
         <p14:creationId xmlns:p14="http://schemas.microsoft.com/office/powerpoint/2010/main" val="4005123385"/>
-      </p:ext>
-    </p:extLst>
-  </p:cSld>
-  <p:clrMapOvr>
-    <a:masterClrMapping/>
-  </p:clrMapOvr>
-  <p:timing>
-    <p:tnLst>
-      <p:par>
-        <p:cTn id="1" dur="indefinite" restart="never" nodeType="tmRoot"/>
-      </p:par>
-    </p:tnLst>
-  </p:timing>
-</p:sld>
-</file>
-
-<file path=ppt/slides/slide19.xml><?xml version="1.0" encoding="utf-8"?>
-<p:sld xmlns:a="http://schemas.openxmlformats.org/drawingml/2006/main" xmlns:r="http://schemas.openxmlformats.org/officeDocument/2006/relationships" xmlns:p="http://schemas.openxmlformats.org/presentationml/2006/main">
-  <p:cSld>
-    <p:spTree>
-      <p:nvGrpSpPr>
-        <p:cNvPr id="1" name=""/>
-        <p:cNvGrpSpPr/>
-        <p:nvPr/>
-      </p:nvGrpSpPr>
-      <p:grpSpPr>
-        <a:xfrm>
-          <a:off x="0" y="0"/>
-          <a:ext cx="0" cy="0"/>
-          <a:chOff x="0" y="0"/>
-          <a:chExt cx="0" cy="0"/>
-        </a:xfrm>
-      </p:grpSpPr>
-      <p:pic>
-        <p:nvPicPr>
-          <p:cNvPr id="2" name="Picture 2" descr="C:\Users\RigHitZ\Documents\Heig-VD\6semestre\SFT\SFT15_Elisa\img_doc\dance_2_p1.png"/>
-          <p:cNvPicPr>
-            <a:picLocks noChangeAspect="1" noChangeArrowheads="1"/>
-          </p:cNvPicPr>
-          <p:nvPr/>
-        </p:nvPicPr>
-        <p:blipFill>
-          <a:blip r:embed="rId2">
-            <a:extLst>
-              <a:ext uri="{28A0092B-C50C-407E-A947-70E740481C1C}">
-                <a14:useLocalDpi xmlns:a14="http://schemas.microsoft.com/office/drawing/2010/main" val="0"/>
-              </a:ext>
-            </a:extLst>
-          </a:blip>
-          <a:srcRect/>
-          <a:stretch>
-            <a:fillRect/>
-          </a:stretch>
-        </p:blipFill>
-        <p:spPr bwMode="auto">
-          <a:xfrm>
-            <a:off x="467100" y="958850"/>
-            <a:ext cx="10326313" cy="3397250"/>
-          </a:xfrm>
-          <a:prstGeom prst="round2DiagRect">
-            <a:avLst>
-              <a:gd name="adj1" fmla="val 16667"/>
-              <a:gd name="adj2" fmla="val 0"/>
-            </a:avLst>
-          </a:prstGeom>
-          <a:ln w="88900" cap="sq">
-            <a:solidFill>
-              <a:srgbClr val="FFFFFF"/>
-            </a:solidFill>
-            <a:miter lim="800000"/>
-          </a:ln>
-          <a:effectLst>
-            <a:outerShdw blurRad="254000" algn="tl" rotWithShape="0">
-              <a:srgbClr val="000000">
-                <a:alpha val="43000"/>
-              </a:srgbClr>
-            </a:outerShdw>
-          </a:effectLst>
-          <a:extLst>
-            <a:ext uri="{909E8E84-426E-40DD-AFC4-6F175D3DCCD1}">
-              <a14:hiddenFill xmlns:a14="http://schemas.microsoft.com/office/drawing/2010/main">
-                <a:solidFill>
-                  <a:srgbClr val="FFFFFF"/>
-                </a:solidFill>
-              </a14:hiddenFill>
-            </a:ext>
-          </a:extLst>
-        </p:spPr>
-      </p:pic>
-      <p:sp>
-        <p:nvSpPr>
-          <p:cNvPr id="3" name="Sous-titre 2"/>
-          <p:cNvSpPr txBox="1">
-            <a:spLocks/>
-          </p:cNvSpPr>
-          <p:nvPr/>
-        </p:nvSpPr>
-        <p:spPr>
-          <a:xfrm>
-            <a:off x="810001" y="6050877"/>
-            <a:ext cx="10572000" cy="434974"/>
-          </a:xfrm>
-          <a:prstGeom prst="rect">
-            <a:avLst/>
-          </a:prstGeom>
-          <a:effectLst>
-            <a:outerShdw blurRad="50800" dir="14400000">
-              <a:srgbClr val="000000">
-                <a:alpha val="40000"/>
-              </a:srgbClr>
-            </a:outerShdw>
-          </a:effectLst>
-        </p:spPr>
-        <p:txBody>
-          <a:bodyPr vert="horz" lIns="91440" tIns="45720" rIns="91440" bIns="45720" rtlCol="0" anchor="t">
-            <a:normAutofit/>
-          </a:bodyPr>
-          <a:lstStyle>
-            <a:lvl1pPr marL="0" indent="0" algn="l" defTabSz="457200" rtl="0" eaLnBrk="1" latinLnBrk="0" hangingPunct="1">
-              <a:spcBef>
-                <a:spcPct val="20000"/>
-              </a:spcBef>
-              <a:spcAft>
-                <a:spcPts val="600"/>
-              </a:spcAft>
-              <a:buClr>
-                <a:schemeClr val="accent1"/>
-              </a:buClr>
-              <a:buFont typeface="Wingdings 2" charset="2"/>
-              <a:buNone/>
-              <a:defRPr sz="1800" kern="1200">
-                <a:solidFill>
-                  <a:schemeClr val="tx1"/>
-                </a:solidFill>
-                <a:latin typeface="+mn-lt"/>
-                <a:ea typeface="+mn-ea"/>
-                <a:cs typeface="+mn-cs"/>
-              </a:defRPr>
-            </a:lvl1pPr>
-            <a:lvl2pPr marL="457200" indent="0" algn="ctr" defTabSz="457200" rtl="0" eaLnBrk="1" latinLnBrk="0" hangingPunct="1">
-              <a:spcBef>
-                <a:spcPct val="20000"/>
-              </a:spcBef>
-              <a:spcAft>
-                <a:spcPts val="600"/>
-              </a:spcAft>
-              <a:buClr>
-                <a:schemeClr val="accent1"/>
-              </a:buClr>
-              <a:buFont typeface="Wingdings 2" charset="2"/>
-              <a:buNone/>
-              <a:defRPr sz="1600" kern="1200">
-                <a:solidFill>
-                  <a:schemeClr val="tx1">
-                    <a:tint val="75000"/>
-                  </a:schemeClr>
-                </a:solidFill>
-                <a:latin typeface="+mn-lt"/>
-                <a:ea typeface="+mn-ea"/>
-                <a:cs typeface="+mn-cs"/>
-              </a:defRPr>
-            </a:lvl2pPr>
-            <a:lvl3pPr marL="914400" indent="0" algn="ctr" defTabSz="457200" rtl="0" eaLnBrk="1" latinLnBrk="0" hangingPunct="1">
-              <a:spcBef>
-                <a:spcPct val="20000"/>
-              </a:spcBef>
-              <a:spcAft>
-                <a:spcPts val="600"/>
-              </a:spcAft>
-              <a:buClr>
-                <a:schemeClr val="accent1"/>
-              </a:buClr>
-              <a:buFont typeface="Wingdings 2" charset="2"/>
-              <a:buNone/>
-              <a:defRPr sz="1400" kern="1200">
-                <a:solidFill>
-                  <a:schemeClr val="tx1">
-                    <a:tint val="75000"/>
-                  </a:schemeClr>
-                </a:solidFill>
-                <a:latin typeface="+mn-lt"/>
-                <a:ea typeface="+mn-ea"/>
-                <a:cs typeface="+mn-cs"/>
-              </a:defRPr>
-            </a:lvl3pPr>
-            <a:lvl4pPr marL="1371600" indent="0" algn="ctr" defTabSz="457200" rtl="0" eaLnBrk="1" latinLnBrk="0" hangingPunct="1">
-              <a:spcBef>
-                <a:spcPct val="20000"/>
-              </a:spcBef>
-              <a:spcAft>
-                <a:spcPts val="600"/>
-              </a:spcAft>
-              <a:buClr>
-                <a:schemeClr val="accent1"/>
-              </a:buClr>
-              <a:buFont typeface="Wingdings 2" charset="2"/>
-              <a:buNone/>
-              <a:defRPr sz="1200" kern="1200">
-                <a:solidFill>
-                  <a:schemeClr val="tx1">
-                    <a:tint val="75000"/>
-                  </a:schemeClr>
-                </a:solidFill>
-                <a:latin typeface="+mn-lt"/>
-                <a:ea typeface="+mn-ea"/>
-                <a:cs typeface="+mn-cs"/>
-              </a:defRPr>
-            </a:lvl4pPr>
-            <a:lvl5pPr marL="1828800" indent="0" algn="ctr" defTabSz="457200" rtl="0" eaLnBrk="1" latinLnBrk="0" hangingPunct="1">
-              <a:spcBef>
-                <a:spcPct val="20000"/>
-              </a:spcBef>
-              <a:spcAft>
-                <a:spcPts val="600"/>
-              </a:spcAft>
-              <a:buClr>
-                <a:schemeClr val="accent1"/>
-              </a:buClr>
-              <a:buFont typeface="Wingdings 2" charset="2"/>
-              <a:buNone/>
-              <a:defRPr sz="1200" kern="1200">
-                <a:solidFill>
-                  <a:schemeClr val="tx1">
-                    <a:tint val="75000"/>
-                  </a:schemeClr>
-                </a:solidFill>
-                <a:latin typeface="+mn-lt"/>
-                <a:ea typeface="+mn-ea"/>
-                <a:cs typeface="+mn-cs"/>
-              </a:defRPr>
-            </a:lvl5pPr>
-            <a:lvl6pPr marL="2286000" indent="0" algn="ctr" defTabSz="457200" rtl="0" eaLnBrk="1" latinLnBrk="0" hangingPunct="1">
-              <a:spcBef>
-                <a:spcPct val="20000"/>
-              </a:spcBef>
-              <a:spcAft>
-                <a:spcPts val="600"/>
-              </a:spcAft>
-              <a:buClr>
-                <a:schemeClr val="accent1"/>
-              </a:buClr>
-              <a:buFont typeface="Wingdings 2" charset="2"/>
-              <a:buNone/>
-              <a:defRPr sz="1200" kern="1200">
-                <a:solidFill>
-                  <a:schemeClr val="tx1">
-                    <a:tint val="75000"/>
-                  </a:schemeClr>
-                </a:solidFill>
-                <a:latin typeface="+mn-lt"/>
-                <a:ea typeface="+mn-ea"/>
-                <a:cs typeface="+mn-cs"/>
-              </a:defRPr>
-            </a:lvl6pPr>
-            <a:lvl7pPr marL="2743200" indent="0" algn="ctr" defTabSz="457200" rtl="0" eaLnBrk="1" latinLnBrk="0" hangingPunct="1">
-              <a:spcBef>
-                <a:spcPct val="20000"/>
-              </a:spcBef>
-              <a:spcAft>
-                <a:spcPts val="600"/>
-              </a:spcAft>
-              <a:buClr>
-                <a:schemeClr val="accent1"/>
-              </a:buClr>
-              <a:buFont typeface="Wingdings 2" charset="2"/>
-              <a:buNone/>
-              <a:defRPr sz="1200" kern="1200">
-                <a:solidFill>
-                  <a:schemeClr val="tx1">
-                    <a:tint val="75000"/>
-                  </a:schemeClr>
-                </a:solidFill>
-                <a:latin typeface="+mn-lt"/>
-                <a:ea typeface="+mn-ea"/>
-                <a:cs typeface="+mn-cs"/>
-              </a:defRPr>
-            </a:lvl7pPr>
-            <a:lvl8pPr marL="3200400" indent="0" algn="ctr" defTabSz="457200" rtl="0" eaLnBrk="1" latinLnBrk="0" hangingPunct="1">
-              <a:spcBef>
-                <a:spcPct val="20000"/>
-              </a:spcBef>
-              <a:spcAft>
-                <a:spcPts val="600"/>
-              </a:spcAft>
-              <a:buClr>
-                <a:schemeClr val="accent1"/>
-              </a:buClr>
-              <a:buFont typeface="Wingdings 2" charset="2"/>
-              <a:buNone/>
-              <a:defRPr sz="1200" kern="1200">
-                <a:solidFill>
-                  <a:schemeClr val="tx1">
-                    <a:tint val="75000"/>
-                  </a:schemeClr>
-                </a:solidFill>
-                <a:latin typeface="+mn-lt"/>
-                <a:ea typeface="+mn-ea"/>
-                <a:cs typeface="+mn-cs"/>
-              </a:defRPr>
-            </a:lvl8pPr>
-            <a:lvl9pPr marL="3657600" indent="0" algn="ctr" defTabSz="457200" rtl="0" eaLnBrk="1" latinLnBrk="0" hangingPunct="1">
-              <a:spcBef>
-                <a:spcPct val="20000"/>
-              </a:spcBef>
-              <a:spcAft>
-                <a:spcPts val="600"/>
-              </a:spcAft>
-              <a:buClr>
-                <a:schemeClr val="accent1"/>
-              </a:buClr>
-              <a:buFont typeface="Wingdings 2" charset="2"/>
-              <a:buNone/>
-              <a:defRPr sz="1200" kern="1200">
-                <a:solidFill>
-                  <a:schemeClr val="tx1">
-                    <a:tint val="75000"/>
-                  </a:schemeClr>
-                </a:solidFill>
-                <a:latin typeface="+mn-lt"/>
-                <a:ea typeface="+mn-ea"/>
-                <a:cs typeface="+mn-cs"/>
-              </a:defRPr>
-            </a:lvl9pPr>
-          </a:lstStyle>
-          <a:p>
-            <a:r>
-              <a:rPr lang="fr-CH" sz="1500" dirty="0" smtClean="0">
-                <a:solidFill>
-                  <a:schemeClr val="bg2">
-                    <a:lumMod val="50000"/>
-                    <a:lumOff val="50000"/>
-                  </a:schemeClr>
-                </a:solidFill>
-                <a:latin typeface="Gulim" panose="020B0600000101010101" pitchFamily="34" charset="-127"/>
-                <a:ea typeface="Gulim" panose="020B0600000101010101" pitchFamily="34" charset="-127"/>
-              </a:rPr>
-              <a:t>A. </a:t>
-            </a:r>
-            <a:r>
-              <a:rPr lang="fr-CH" sz="1500" dirty="0" err="1" smtClean="0">
-                <a:solidFill>
-                  <a:schemeClr val="bg2">
-                    <a:lumMod val="50000"/>
-                    <a:lumOff val="50000"/>
-                  </a:schemeClr>
-                </a:solidFill>
-                <a:latin typeface="Gulim" panose="020B0600000101010101" pitchFamily="34" charset="-127"/>
-                <a:ea typeface="Gulim" panose="020B0600000101010101" pitchFamily="34" charset="-127"/>
-              </a:rPr>
-              <a:t>Desclouds</a:t>
-            </a:r>
-            <a:r>
-              <a:rPr lang="fr-CH" sz="1500" dirty="0" smtClean="0">
-                <a:solidFill>
-                  <a:schemeClr val="bg2">
-                    <a:lumMod val="50000"/>
-                    <a:lumOff val="50000"/>
-                  </a:schemeClr>
-                </a:solidFill>
-                <a:latin typeface="Gulim" panose="020B0600000101010101" pitchFamily="34" charset="-127"/>
-                <a:ea typeface="Gulim" panose="020B0600000101010101" pitchFamily="34" charset="-127"/>
-              </a:rPr>
-              <a:t>, </a:t>
-            </a:r>
-            <a:r>
-              <a:rPr lang="fr-CH" sz="1500" dirty="0" err="1" smtClean="0">
-                <a:solidFill>
-                  <a:schemeClr val="bg2">
-                    <a:lumMod val="50000"/>
-                    <a:lumOff val="50000"/>
-                  </a:schemeClr>
-                </a:solidFill>
-                <a:latin typeface="Gulim" panose="020B0600000101010101" pitchFamily="34" charset="-127"/>
-                <a:ea typeface="Gulim" panose="020B0600000101010101" pitchFamily="34" charset="-127"/>
-              </a:rPr>
-              <a:t>A.Hug</a:t>
-            </a:r>
-            <a:r>
-              <a:rPr lang="fr-CH" sz="1500" dirty="0" smtClean="0">
-                <a:solidFill>
-                  <a:schemeClr val="bg2">
-                    <a:lumMod val="50000"/>
-                    <a:lumOff val="50000"/>
-                  </a:schemeClr>
-                </a:solidFill>
-                <a:latin typeface="Gulim" panose="020B0600000101010101" pitchFamily="34" charset="-127"/>
-                <a:ea typeface="Gulim" panose="020B0600000101010101" pitchFamily="34" charset="-127"/>
-              </a:rPr>
-              <a:t>, S. </a:t>
-            </a:r>
-            <a:r>
-              <a:rPr lang="fr-CH" sz="1500" dirty="0" err="1" smtClean="0">
-                <a:solidFill>
-                  <a:schemeClr val="bg2">
-                    <a:lumMod val="50000"/>
-                    <a:lumOff val="50000"/>
-                  </a:schemeClr>
-                </a:solidFill>
-                <a:latin typeface="Gulim" panose="020B0600000101010101" pitchFamily="34" charset="-127"/>
-                <a:ea typeface="Gulim" panose="020B0600000101010101" pitchFamily="34" charset="-127"/>
-              </a:rPr>
-              <a:t>Righitto</a:t>
-            </a:r>
-            <a:r>
-              <a:rPr lang="fr-CH" sz="1500" dirty="0" smtClean="0">
-                <a:solidFill>
-                  <a:schemeClr val="bg2">
-                    <a:lumMod val="50000"/>
-                    <a:lumOff val="50000"/>
-                  </a:schemeClr>
-                </a:solidFill>
-                <a:latin typeface="Gulim" panose="020B0600000101010101" pitchFamily="34" charset="-127"/>
-                <a:ea typeface="Gulim" panose="020B0600000101010101" pitchFamily="34" charset="-127"/>
-              </a:rPr>
-              <a:t>, F. </a:t>
-            </a:r>
-            <a:r>
-              <a:rPr lang="fr-CH" sz="1500" dirty="0" err="1" smtClean="0">
-                <a:solidFill>
-                  <a:schemeClr val="bg2">
-                    <a:lumMod val="50000"/>
-                    <a:lumOff val="50000"/>
-                  </a:schemeClr>
-                </a:solidFill>
-                <a:latin typeface="Gulim" panose="020B0600000101010101" pitchFamily="34" charset="-127"/>
-                <a:ea typeface="Gulim" panose="020B0600000101010101" pitchFamily="34" charset="-127"/>
-              </a:rPr>
-              <a:t>Saam</a:t>
-            </a:r>
-            <a:r>
-              <a:rPr lang="fr-CH" sz="1500" dirty="0" smtClean="0">
-                <a:solidFill>
-                  <a:schemeClr val="bg2">
-                    <a:lumMod val="50000"/>
-                    <a:lumOff val="50000"/>
-                  </a:schemeClr>
-                </a:solidFill>
-                <a:latin typeface="Gulim" panose="020B0600000101010101" pitchFamily="34" charset="-127"/>
-                <a:ea typeface="Gulim" panose="020B0600000101010101" pitchFamily="34" charset="-127"/>
-              </a:rPr>
-              <a:t>	</a:t>
-            </a:r>
-            <a:r>
-              <a:rPr lang="fr-CH" sz="1600" dirty="0" smtClean="0">
-                <a:solidFill>
-                  <a:schemeClr val="bg2">
-                    <a:lumMod val="50000"/>
-                    <a:lumOff val="50000"/>
-                  </a:schemeClr>
-                </a:solidFill>
-                <a:latin typeface="Gulim" panose="020B0600000101010101" pitchFamily="34" charset="-127"/>
-                <a:ea typeface="Gulim" panose="020B0600000101010101" pitchFamily="34" charset="-127"/>
-              </a:rPr>
-              <a:t>											</a:t>
-            </a:r>
-            <a:endParaRPr lang="fr-CH" sz="1600" dirty="0">
-              <a:solidFill>
-                <a:schemeClr val="bg2">
-                  <a:lumMod val="50000"/>
-                  <a:lumOff val="50000"/>
-                </a:schemeClr>
-              </a:solidFill>
-              <a:latin typeface="Gulim" panose="020B0600000101010101" pitchFamily="34" charset="-127"/>
-              <a:ea typeface="Gulim" panose="020B0600000101010101" pitchFamily="34" charset="-127"/>
-            </a:endParaRPr>
-          </a:p>
-        </p:txBody>
-      </p:sp>
-      <p:pic>
-        <p:nvPicPr>
-          <p:cNvPr id="4" name="Image 4"/>
-          <p:cNvPicPr>
-            <a:picLocks noChangeAspect="1"/>
-          </p:cNvPicPr>
-          <p:nvPr/>
-        </p:nvPicPr>
-        <p:blipFill>
-          <a:blip r:embed="rId3">
-            <a:extLst>
-              <a:ext uri="{28A0092B-C50C-407E-A947-70E740481C1C}">
-                <a14:useLocalDpi xmlns:a14="http://schemas.microsoft.com/office/drawing/2010/main" val="0"/>
-              </a:ext>
-            </a:extLst>
-          </a:blip>
-          <a:stretch>
-            <a:fillRect/>
-          </a:stretch>
-        </p:blipFill>
-        <p:spPr>
-          <a:xfrm>
-            <a:off x="11209408" y="2354284"/>
-            <a:ext cx="501676" cy="1041454"/>
-          </a:xfrm>
-          <a:prstGeom prst="rect">
-            <a:avLst/>
-          </a:prstGeom>
-        </p:spPr>
-      </p:pic>
-    </p:spTree>
-    <p:extLst>
-      <p:ext uri="{BB962C8B-B14F-4D97-AF65-F5344CB8AC3E}">
-        <p14:creationId xmlns:p14="http://schemas.microsoft.com/office/powerpoint/2010/main" val="1667176432"/>
       </p:ext>
     </p:extLst>
   </p:cSld>
@@ -14754,6 +14844,508 @@
           <a:chExt cx="0" cy="0"/>
         </a:xfrm>
       </p:grpSpPr>
+      <p:pic>
+        <p:nvPicPr>
+          <p:cNvPr id="2" name="Picture 2" descr="C:\Users\RigHitZ\Documents\Heig-VD\6semestre\SFT\SFT15_Elisa\img_doc\dance_2_p1.png"/>
+          <p:cNvPicPr>
+            <a:picLocks noChangeAspect="1" noChangeArrowheads="1"/>
+          </p:cNvPicPr>
+          <p:nvPr/>
+        </p:nvPicPr>
+        <p:blipFill>
+          <a:blip r:embed="rId2">
+            <a:extLst>
+              <a:ext uri="{28A0092B-C50C-407E-A947-70E740481C1C}">
+                <a14:useLocalDpi xmlns:a14="http://schemas.microsoft.com/office/drawing/2010/main" val="0"/>
+              </a:ext>
+            </a:extLst>
+          </a:blip>
+          <a:srcRect/>
+          <a:stretch>
+            <a:fillRect/>
+          </a:stretch>
+        </p:blipFill>
+        <p:spPr bwMode="auto">
+          <a:xfrm>
+            <a:off x="467100" y="958850"/>
+            <a:ext cx="10326313" cy="3397250"/>
+          </a:xfrm>
+          <a:prstGeom prst="round2DiagRect">
+            <a:avLst>
+              <a:gd name="adj1" fmla="val 16667"/>
+              <a:gd name="adj2" fmla="val 0"/>
+            </a:avLst>
+          </a:prstGeom>
+          <a:ln w="88900" cap="sq">
+            <a:solidFill>
+              <a:srgbClr val="FFFFFF"/>
+            </a:solidFill>
+            <a:miter lim="800000"/>
+          </a:ln>
+          <a:effectLst>
+            <a:outerShdw blurRad="254000" algn="tl" rotWithShape="0">
+              <a:srgbClr val="000000">
+                <a:alpha val="43000"/>
+              </a:srgbClr>
+            </a:outerShdw>
+          </a:effectLst>
+          <a:extLst>
+            <a:ext uri="{909E8E84-426E-40DD-AFC4-6F175D3DCCD1}">
+              <a14:hiddenFill xmlns:a14="http://schemas.microsoft.com/office/drawing/2010/main">
+                <a:solidFill>
+                  <a:srgbClr val="FFFFFF"/>
+                </a:solidFill>
+              </a14:hiddenFill>
+            </a:ext>
+          </a:extLst>
+        </p:spPr>
+      </p:pic>
+      <p:sp>
+        <p:nvSpPr>
+          <p:cNvPr id="3" name="Sous-titre 2"/>
+          <p:cNvSpPr txBox="1">
+            <a:spLocks/>
+          </p:cNvSpPr>
+          <p:nvPr/>
+        </p:nvSpPr>
+        <p:spPr>
+          <a:xfrm>
+            <a:off x="810001" y="6050877"/>
+            <a:ext cx="10572000" cy="434974"/>
+          </a:xfrm>
+          <a:prstGeom prst="rect">
+            <a:avLst/>
+          </a:prstGeom>
+          <a:effectLst>
+            <a:outerShdw blurRad="50800" dir="14400000">
+              <a:srgbClr val="000000">
+                <a:alpha val="40000"/>
+              </a:srgbClr>
+            </a:outerShdw>
+          </a:effectLst>
+        </p:spPr>
+        <p:txBody>
+          <a:bodyPr vert="horz" lIns="91440" tIns="45720" rIns="91440" bIns="45720" rtlCol="0" anchor="t">
+            <a:normAutofit/>
+          </a:bodyPr>
+          <a:lstStyle>
+            <a:lvl1pPr marL="0" indent="0" algn="l" defTabSz="457200" rtl="0" eaLnBrk="1" latinLnBrk="0" hangingPunct="1">
+              <a:spcBef>
+                <a:spcPct val="20000"/>
+              </a:spcBef>
+              <a:spcAft>
+                <a:spcPts val="600"/>
+              </a:spcAft>
+              <a:buClr>
+                <a:schemeClr val="accent1"/>
+              </a:buClr>
+              <a:buFont typeface="Wingdings 2" charset="2"/>
+              <a:buNone/>
+              <a:defRPr sz="1800" kern="1200">
+                <a:solidFill>
+                  <a:schemeClr val="tx1"/>
+                </a:solidFill>
+                <a:latin typeface="+mn-lt"/>
+                <a:ea typeface="+mn-ea"/>
+                <a:cs typeface="+mn-cs"/>
+              </a:defRPr>
+            </a:lvl1pPr>
+            <a:lvl2pPr marL="457200" indent="0" algn="ctr" defTabSz="457200" rtl="0" eaLnBrk="1" latinLnBrk="0" hangingPunct="1">
+              <a:spcBef>
+                <a:spcPct val="20000"/>
+              </a:spcBef>
+              <a:spcAft>
+                <a:spcPts val="600"/>
+              </a:spcAft>
+              <a:buClr>
+                <a:schemeClr val="accent1"/>
+              </a:buClr>
+              <a:buFont typeface="Wingdings 2" charset="2"/>
+              <a:buNone/>
+              <a:defRPr sz="1600" kern="1200">
+                <a:solidFill>
+                  <a:schemeClr val="tx1">
+                    <a:tint val="75000"/>
+                  </a:schemeClr>
+                </a:solidFill>
+                <a:latin typeface="+mn-lt"/>
+                <a:ea typeface="+mn-ea"/>
+                <a:cs typeface="+mn-cs"/>
+              </a:defRPr>
+            </a:lvl2pPr>
+            <a:lvl3pPr marL="914400" indent="0" algn="ctr" defTabSz="457200" rtl="0" eaLnBrk="1" latinLnBrk="0" hangingPunct="1">
+              <a:spcBef>
+                <a:spcPct val="20000"/>
+              </a:spcBef>
+              <a:spcAft>
+                <a:spcPts val="600"/>
+              </a:spcAft>
+              <a:buClr>
+                <a:schemeClr val="accent1"/>
+              </a:buClr>
+              <a:buFont typeface="Wingdings 2" charset="2"/>
+              <a:buNone/>
+              <a:defRPr sz="1400" kern="1200">
+                <a:solidFill>
+                  <a:schemeClr val="tx1">
+                    <a:tint val="75000"/>
+                  </a:schemeClr>
+                </a:solidFill>
+                <a:latin typeface="+mn-lt"/>
+                <a:ea typeface="+mn-ea"/>
+                <a:cs typeface="+mn-cs"/>
+              </a:defRPr>
+            </a:lvl3pPr>
+            <a:lvl4pPr marL="1371600" indent="0" algn="ctr" defTabSz="457200" rtl="0" eaLnBrk="1" latinLnBrk="0" hangingPunct="1">
+              <a:spcBef>
+                <a:spcPct val="20000"/>
+              </a:spcBef>
+              <a:spcAft>
+                <a:spcPts val="600"/>
+              </a:spcAft>
+              <a:buClr>
+                <a:schemeClr val="accent1"/>
+              </a:buClr>
+              <a:buFont typeface="Wingdings 2" charset="2"/>
+              <a:buNone/>
+              <a:defRPr sz="1200" kern="1200">
+                <a:solidFill>
+                  <a:schemeClr val="tx1">
+                    <a:tint val="75000"/>
+                  </a:schemeClr>
+                </a:solidFill>
+                <a:latin typeface="+mn-lt"/>
+                <a:ea typeface="+mn-ea"/>
+                <a:cs typeface="+mn-cs"/>
+              </a:defRPr>
+            </a:lvl4pPr>
+            <a:lvl5pPr marL="1828800" indent="0" algn="ctr" defTabSz="457200" rtl="0" eaLnBrk="1" latinLnBrk="0" hangingPunct="1">
+              <a:spcBef>
+                <a:spcPct val="20000"/>
+              </a:spcBef>
+              <a:spcAft>
+                <a:spcPts val="600"/>
+              </a:spcAft>
+              <a:buClr>
+                <a:schemeClr val="accent1"/>
+              </a:buClr>
+              <a:buFont typeface="Wingdings 2" charset="2"/>
+              <a:buNone/>
+              <a:defRPr sz="1200" kern="1200">
+                <a:solidFill>
+                  <a:schemeClr val="tx1">
+                    <a:tint val="75000"/>
+                  </a:schemeClr>
+                </a:solidFill>
+                <a:latin typeface="+mn-lt"/>
+                <a:ea typeface="+mn-ea"/>
+                <a:cs typeface="+mn-cs"/>
+              </a:defRPr>
+            </a:lvl5pPr>
+            <a:lvl6pPr marL="2286000" indent="0" algn="ctr" defTabSz="457200" rtl="0" eaLnBrk="1" latinLnBrk="0" hangingPunct="1">
+              <a:spcBef>
+                <a:spcPct val="20000"/>
+              </a:spcBef>
+              <a:spcAft>
+                <a:spcPts val="600"/>
+              </a:spcAft>
+              <a:buClr>
+                <a:schemeClr val="accent1"/>
+              </a:buClr>
+              <a:buFont typeface="Wingdings 2" charset="2"/>
+              <a:buNone/>
+              <a:defRPr sz="1200" kern="1200">
+                <a:solidFill>
+                  <a:schemeClr val="tx1">
+                    <a:tint val="75000"/>
+                  </a:schemeClr>
+                </a:solidFill>
+                <a:latin typeface="+mn-lt"/>
+                <a:ea typeface="+mn-ea"/>
+                <a:cs typeface="+mn-cs"/>
+              </a:defRPr>
+            </a:lvl6pPr>
+            <a:lvl7pPr marL="2743200" indent="0" algn="ctr" defTabSz="457200" rtl="0" eaLnBrk="1" latinLnBrk="0" hangingPunct="1">
+              <a:spcBef>
+                <a:spcPct val="20000"/>
+              </a:spcBef>
+              <a:spcAft>
+                <a:spcPts val="600"/>
+              </a:spcAft>
+              <a:buClr>
+                <a:schemeClr val="accent1"/>
+              </a:buClr>
+              <a:buFont typeface="Wingdings 2" charset="2"/>
+              <a:buNone/>
+              <a:defRPr sz="1200" kern="1200">
+                <a:solidFill>
+                  <a:schemeClr val="tx1">
+                    <a:tint val="75000"/>
+                  </a:schemeClr>
+                </a:solidFill>
+                <a:latin typeface="+mn-lt"/>
+                <a:ea typeface="+mn-ea"/>
+                <a:cs typeface="+mn-cs"/>
+              </a:defRPr>
+            </a:lvl7pPr>
+            <a:lvl8pPr marL="3200400" indent="0" algn="ctr" defTabSz="457200" rtl="0" eaLnBrk="1" latinLnBrk="0" hangingPunct="1">
+              <a:spcBef>
+                <a:spcPct val="20000"/>
+              </a:spcBef>
+              <a:spcAft>
+                <a:spcPts val="600"/>
+              </a:spcAft>
+              <a:buClr>
+                <a:schemeClr val="accent1"/>
+              </a:buClr>
+              <a:buFont typeface="Wingdings 2" charset="2"/>
+              <a:buNone/>
+              <a:defRPr sz="1200" kern="1200">
+                <a:solidFill>
+                  <a:schemeClr val="tx1">
+                    <a:tint val="75000"/>
+                  </a:schemeClr>
+                </a:solidFill>
+                <a:latin typeface="+mn-lt"/>
+                <a:ea typeface="+mn-ea"/>
+                <a:cs typeface="+mn-cs"/>
+              </a:defRPr>
+            </a:lvl8pPr>
+            <a:lvl9pPr marL="3657600" indent="0" algn="ctr" defTabSz="457200" rtl="0" eaLnBrk="1" latinLnBrk="0" hangingPunct="1">
+              <a:spcBef>
+                <a:spcPct val="20000"/>
+              </a:spcBef>
+              <a:spcAft>
+                <a:spcPts val="600"/>
+              </a:spcAft>
+              <a:buClr>
+                <a:schemeClr val="accent1"/>
+              </a:buClr>
+              <a:buFont typeface="Wingdings 2" charset="2"/>
+              <a:buNone/>
+              <a:defRPr sz="1200" kern="1200">
+                <a:solidFill>
+                  <a:schemeClr val="tx1">
+                    <a:tint val="75000"/>
+                  </a:schemeClr>
+                </a:solidFill>
+                <a:latin typeface="+mn-lt"/>
+                <a:ea typeface="+mn-ea"/>
+                <a:cs typeface="+mn-cs"/>
+              </a:defRPr>
+            </a:lvl9pPr>
+          </a:lstStyle>
+          <a:p>
+            <a:r>
+              <a:rPr lang="fr-CH" sz="1500" dirty="0" smtClean="0">
+                <a:solidFill>
+                  <a:schemeClr val="bg2">
+                    <a:lumMod val="50000"/>
+                    <a:lumOff val="50000"/>
+                  </a:schemeClr>
+                </a:solidFill>
+                <a:latin typeface="Gulim" panose="020B0600000101010101" pitchFamily="34" charset="-127"/>
+                <a:ea typeface="Gulim" panose="020B0600000101010101" pitchFamily="34" charset="-127"/>
+              </a:rPr>
+              <a:t>A. </a:t>
+            </a:r>
+            <a:r>
+              <a:rPr lang="fr-CH" sz="1500" dirty="0" err="1" smtClean="0">
+                <a:solidFill>
+                  <a:schemeClr val="bg2">
+                    <a:lumMod val="50000"/>
+                    <a:lumOff val="50000"/>
+                  </a:schemeClr>
+                </a:solidFill>
+                <a:latin typeface="Gulim" panose="020B0600000101010101" pitchFamily="34" charset="-127"/>
+                <a:ea typeface="Gulim" panose="020B0600000101010101" pitchFamily="34" charset="-127"/>
+              </a:rPr>
+              <a:t>Desclouds</a:t>
+            </a:r>
+            <a:r>
+              <a:rPr lang="fr-CH" sz="1500" dirty="0" smtClean="0">
+                <a:solidFill>
+                  <a:schemeClr val="bg2">
+                    <a:lumMod val="50000"/>
+                    <a:lumOff val="50000"/>
+                  </a:schemeClr>
+                </a:solidFill>
+                <a:latin typeface="Gulim" panose="020B0600000101010101" pitchFamily="34" charset="-127"/>
+                <a:ea typeface="Gulim" panose="020B0600000101010101" pitchFamily="34" charset="-127"/>
+              </a:rPr>
+              <a:t>, </a:t>
+            </a:r>
+            <a:r>
+              <a:rPr lang="fr-CH" sz="1500" dirty="0" err="1" smtClean="0">
+                <a:solidFill>
+                  <a:schemeClr val="bg2">
+                    <a:lumMod val="50000"/>
+                    <a:lumOff val="50000"/>
+                  </a:schemeClr>
+                </a:solidFill>
+                <a:latin typeface="Gulim" panose="020B0600000101010101" pitchFamily="34" charset="-127"/>
+                <a:ea typeface="Gulim" panose="020B0600000101010101" pitchFamily="34" charset="-127"/>
+              </a:rPr>
+              <a:t>A.Hug</a:t>
+            </a:r>
+            <a:r>
+              <a:rPr lang="fr-CH" sz="1500" dirty="0" smtClean="0">
+                <a:solidFill>
+                  <a:schemeClr val="bg2">
+                    <a:lumMod val="50000"/>
+                    <a:lumOff val="50000"/>
+                  </a:schemeClr>
+                </a:solidFill>
+                <a:latin typeface="Gulim" panose="020B0600000101010101" pitchFamily="34" charset="-127"/>
+                <a:ea typeface="Gulim" panose="020B0600000101010101" pitchFamily="34" charset="-127"/>
+              </a:rPr>
+              <a:t>, S. </a:t>
+            </a:r>
+            <a:r>
+              <a:rPr lang="fr-CH" sz="1500" dirty="0" err="1" smtClean="0">
+                <a:solidFill>
+                  <a:schemeClr val="bg2">
+                    <a:lumMod val="50000"/>
+                    <a:lumOff val="50000"/>
+                  </a:schemeClr>
+                </a:solidFill>
+                <a:latin typeface="Gulim" panose="020B0600000101010101" pitchFamily="34" charset="-127"/>
+                <a:ea typeface="Gulim" panose="020B0600000101010101" pitchFamily="34" charset="-127"/>
+              </a:rPr>
+              <a:t>Righitto</a:t>
+            </a:r>
+            <a:r>
+              <a:rPr lang="fr-CH" sz="1500" dirty="0" smtClean="0">
+                <a:solidFill>
+                  <a:schemeClr val="bg2">
+                    <a:lumMod val="50000"/>
+                    <a:lumOff val="50000"/>
+                  </a:schemeClr>
+                </a:solidFill>
+                <a:latin typeface="Gulim" panose="020B0600000101010101" pitchFamily="34" charset="-127"/>
+                <a:ea typeface="Gulim" panose="020B0600000101010101" pitchFamily="34" charset="-127"/>
+              </a:rPr>
+              <a:t>, F. </a:t>
+            </a:r>
+            <a:r>
+              <a:rPr lang="fr-CH" sz="1500" dirty="0" err="1" smtClean="0">
+                <a:solidFill>
+                  <a:schemeClr val="bg2">
+                    <a:lumMod val="50000"/>
+                    <a:lumOff val="50000"/>
+                  </a:schemeClr>
+                </a:solidFill>
+                <a:latin typeface="Gulim" panose="020B0600000101010101" pitchFamily="34" charset="-127"/>
+                <a:ea typeface="Gulim" panose="020B0600000101010101" pitchFamily="34" charset="-127"/>
+              </a:rPr>
+              <a:t>Saam</a:t>
+            </a:r>
+            <a:r>
+              <a:rPr lang="fr-CH" sz="1500" dirty="0" smtClean="0">
+                <a:solidFill>
+                  <a:schemeClr val="bg2">
+                    <a:lumMod val="50000"/>
+                    <a:lumOff val="50000"/>
+                  </a:schemeClr>
+                </a:solidFill>
+                <a:latin typeface="Gulim" panose="020B0600000101010101" pitchFamily="34" charset="-127"/>
+                <a:ea typeface="Gulim" panose="020B0600000101010101" pitchFamily="34" charset="-127"/>
+              </a:rPr>
+              <a:t>	</a:t>
+            </a:r>
+            <a:r>
+              <a:rPr lang="fr-CH" sz="1600" dirty="0" smtClean="0">
+                <a:solidFill>
+                  <a:schemeClr val="bg2">
+                    <a:lumMod val="50000"/>
+                    <a:lumOff val="50000"/>
+                  </a:schemeClr>
+                </a:solidFill>
+                <a:latin typeface="Gulim" panose="020B0600000101010101" pitchFamily="34" charset="-127"/>
+                <a:ea typeface="Gulim" panose="020B0600000101010101" pitchFamily="34" charset="-127"/>
+              </a:rPr>
+              <a:t>											</a:t>
+            </a:r>
+            <a:endParaRPr lang="fr-CH" sz="1600" dirty="0">
+              <a:solidFill>
+                <a:schemeClr val="bg2">
+                  <a:lumMod val="50000"/>
+                  <a:lumOff val="50000"/>
+                </a:schemeClr>
+              </a:solidFill>
+              <a:latin typeface="Gulim" panose="020B0600000101010101" pitchFamily="34" charset="-127"/>
+              <a:ea typeface="Gulim" panose="020B0600000101010101" pitchFamily="34" charset="-127"/>
+            </a:endParaRPr>
+          </a:p>
+        </p:txBody>
+      </p:sp>
+      <p:pic>
+        <p:nvPicPr>
+          <p:cNvPr id="4" name="Image 4"/>
+          <p:cNvPicPr>
+            <a:picLocks noChangeAspect="1"/>
+          </p:cNvPicPr>
+          <p:nvPr/>
+        </p:nvPicPr>
+        <p:blipFill>
+          <a:blip r:embed="rId3">
+            <a:extLst>
+              <a:ext uri="{28A0092B-C50C-407E-A947-70E740481C1C}">
+                <a14:useLocalDpi xmlns:a14="http://schemas.microsoft.com/office/drawing/2010/main" val="0"/>
+              </a:ext>
+            </a:extLst>
+          </a:blip>
+          <a:stretch>
+            <a:fillRect/>
+          </a:stretch>
+        </p:blipFill>
+        <p:spPr>
+          <a:xfrm>
+            <a:off x="11209408" y="2354284"/>
+            <a:ext cx="501676" cy="1041454"/>
+          </a:xfrm>
+          <a:prstGeom prst="rect">
+            <a:avLst/>
+          </a:prstGeom>
+        </p:spPr>
+      </p:pic>
+    </p:spTree>
+    <p:extLst>
+      <p:ext uri="{BB962C8B-B14F-4D97-AF65-F5344CB8AC3E}">
+        <p14:creationId xmlns:p14="http://schemas.microsoft.com/office/powerpoint/2010/main" val="1667176432"/>
+      </p:ext>
+    </p:extLst>
+  </p:cSld>
+  <p:clrMapOvr>
+    <a:masterClrMapping/>
+  </p:clrMapOvr>
+  <p:timing>
+    <p:tnLst>
+      <p:par>
+        <p:cTn id="1" dur="indefinite" restart="never" nodeType="tmRoot"/>
+      </p:par>
+    </p:tnLst>
+  </p:timing>
+</p:sld>
+</file>
+
+<file path=ppt/slides/slide21.xml><?xml version="1.0" encoding="utf-8"?>
+<p:sld xmlns:a="http://schemas.openxmlformats.org/drawingml/2006/main" xmlns:r="http://schemas.openxmlformats.org/officeDocument/2006/relationships" xmlns:p="http://schemas.openxmlformats.org/presentationml/2006/main">
+  <p:cSld>
+    <p:spTree>
+      <p:nvGrpSpPr>
+        <p:cNvPr id="1" name=""/>
+        <p:cNvGrpSpPr/>
+        <p:nvPr/>
+      </p:nvGrpSpPr>
+      <p:grpSpPr>
+        <a:xfrm>
+          <a:off x="0" y="0"/>
+          <a:ext cx="0" cy="0"/>
+          <a:chOff x="0" y="0"/>
+          <a:chExt cx="0" cy="0"/>
+        </a:xfrm>
+      </p:grpSpPr>
       <p:sp>
         <p:nvSpPr>
           <p:cNvPr id="2" name="Titre 1"/>
@@ -14805,31 +15397,6 @@
               <a:latin typeface="Gulim" panose="020B0600000101010101" pitchFamily="34" charset="-127"/>
               <a:ea typeface="Gulim" panose="020B0600000101010101" pitchFamily="34" charset="-127"/>
             </a:endParaRPr>
-          </a:p>
-        </p:txBody>
-      </p:sp>
-      <p:sp>
-        <p:nvSpPr>
-          <p:cNvPr id="4" name="Espace réservé du texte 3"/>
-          <p:cNvSpPr>
-            <a:spLocks noGrp="1"/>
-          </p:cNvSpPr>
-          <p:nvPr>
-            <p:ph type="body" sz="half" idx="2"/>
-          </p:nvPr>
-        </p:nvSpPr>
-        <p:spPr/>
-        <p:txBody>
-          <a:bodyPr>
-            <a:normAutofit/>
-          </a:bodyPr>
-          <a:lstStyle/>
-          <a:p>
-            <a:pPr marL="285750" indent="-285750">
-              <a:buFont typeface="Courier New" panose="02070309020205020404" pitchFamily="49" charset="0"/>
-              <a:buChar char="o"/>
-            </a:pPr>
-            <a:endParaRPr lang="fr-CH" sz="1800" dirty="0"/>
           </a:p>
         </p:txBody>
       </p:sp>
@@ -15394,7 +15961,7 @@
 </p:sld>
 </file>
 
-<file path=ppt/slides/slide21.xml><?xml version="1.0" encoding="utf-8"?>
+<file path=ppt/slides/slide22.xml><?xml version="1.0" encoding="utf-8"?>
 <p:sld xmlns:a="http://schemas.openxmlformats.org/drawingml/2006/main" xmlns:r="http://schemas.openxmlformats.org/officeDocument/2006/relationships" xmlns:p="http://schemas.openxmlformats.org/presentationml/2006/main">
   <p:cSld>
     <p:spTree>
@@ -15462,31 +16029,6 @@
               <a:latin typeface="Gulim" panose="020B0600000101010101" pitchFamily="34" charset="-127"/>
               <a:ea typeface="Gulim" panose="020B0600000101010101" pitchFamily="34" charset="-127"/>
             </a:endParaRPr>
-          </a:p>
-        </p:txBody>
-      </p:sp>
-      <p:sp>
-        <p:nvSpPr>
-          <p:cNvPr id="4" name="Espace réservé du texte 3"/>
-          <p:cNvSpPr>
-            <a:spLocks noGrp="1"/>
-          </p:cNvSpPr>
-          <p:nvPr>
-            <p:ph type="body" sz="half" idx="2"/>
-          </p:nvPr>
-        </p:nvSpPr>
-        <p:spPr/>
-        <p:txBody>
-          <a:bodyPr>
-            <a:normAutofit/>
-          </a:bodyPr>
-          <a:lstStyle/>
-          <a:p>
-            <a:pPr marL="285750" indent="-285750">
-              <a:buFont typeface="Courier New" panose="02070309020205020404" pitchFamily="49" charset="0"/>
-              <a:buChar char="o"/>
-            </a:pPr>
-            <a:endParaRPr lang="fr-CH" sz="1800" dirty="0"/>
           </a:p>
         </p:txBody>
       </p:sp>
@@ -16049,7 +16591,7 @@
 </p:sld>
 </file>
 
-<file path=ppt/slides/slide22.xml><?xml version="1.0" encoding="utf-8"?>
+<file path=ppt/slides/slide23.xml><?xml version="1.0" encoding="utf-8"?>
 <p:sld xmlns:a="http://schemas.openxmlformats.org/drawingml/2006/main" xmlns:r="http://schemas.openxmlformats.org/officeDocument/2006/relationships" xmlns:p="http://schemas.openxmlformats.org/presentationml/2006/main">
   <p:cSld>
     <p:spTree>
@@ -16087,7 +16629,7 @@
             </a:r>
             <a:r>
               <a:rPr lang="fr-CH" dirty="0"/>
-              <a:t> Pie et </a:t>
+              <a:t> Pi et </a:t>
             </a:r>
             <a:r>
               <a:rPr lang="fr-CH" dirty="0" err="1" smtClean="0"/>
@@ -16526,7 +17068,7 @@
             <a:fld id="{D57F1E4F-1CFF-5643-939E-217C01CDF565}" type="slidenum">
               <a:rPr lang="en-US" smtClean="0"/>
               <a:pPr/>
-              <a:t>22</a:t>
+              <a:t>23</a:t>
             </a:fld>
             <a:endParaRPr lang="en-US" dirty="0"/>
           </a:p>
@@ -16582,7 +17124,7 @@
 </p:sld>
 </file>
 
-<file path=ppt/slides/slide23.xml><?xml version="1.0" encoding="utf-8"?>
+<file path=ppt/slides/slide24.xml><?xml version="1.0" encoding="utf-8"?>
 <p:sld xmlns:a="http://schemas.openxmlformats.org/drawingml/2006/main" xmlns:r="http://schemas.openxmlformats.org/officeDocument/2006/relationships" xmlns:p="http://schemas.openxmlformats.org/presentationml/2006/main">
   <p:cSld>
     <p:spTree>
@@ -17076,7 +17618,7 @@
             <a:fld id="{D57F1E4F-1CFF-5643-939E-217C01CDF565}" type="slidenum">
               <a:rPr lang="en-US" smtClean="0"/>
               <a:pPr/>
-              <a:t>23</a:t>
+              <a:t>24</a:t>
             </a:fld>
             <a:endParaRPr lang="en-US" dirty="0"/>
           </a:p>
@@ -17132,7 +17674,7 @@
 </p:sld>
 </file>
 
-<file path=ppt/slides/slide24.xml><?xml version="1.0" encoding="utf-8"?>
+<file path=ppt/slides/slide25.xml><?xml version="1.0" encoding="utf-8"?>
 <p:sld xmlns:a="http://schemas.openxmlformats.org/drawingml/2006/main" xmlns:r="http://schemas.openxmlformats.org/officeDocument/2006/relationships" xmlns:p="http://schemas.openxmlformats.org/presentationml/2006/main">
   <p:cSld>
     <p:spTree>
@@ -17641,7 +18183,7 @@
             <a:fld id="{D57F1E4F-1CFF-5643-939E-217C01CDF565}" type="slidenum">
               <a:rPr lang="en-US" smtClean="0"/>
               <a:pPr/>
-              <a:t>24</a:t>
+              <a:t>25</a:t>
             </a:fld>
             <a:endParaRPr lang="en-US" dirty="0"/>
           </a:p>
@@ -17697,7 +18239,7 @@
 </p:sld>
 </file>
 
-<file path=ppt/slides/slide25.xml><?xml version="1.0" encoding="utf-8"?>
+<file path=ppt/slides/slide26.xml><?xml version="1.0" encoding="utf-8"?>
 <p:sld xmlns:a="http://schemas.openxmlformats.org/drawingml/2006/main" xmlns:r="http://schemas.openxmlformats.org/officeDocument/2006/relationships" xmlns:p="http://schemas.openxmlformats.org/presentationml/2006/main">
   <p:cSld>
     <p:spTree>
@@ -18049,7 +18591,7 @@
 </p:sld>
 </file>
 
-<file path=ppt/slides/slide26.xml><?xml version="1.0" encoding="utf-8"?>
+<file path=ppt/slides/slide27.xml><?xml version="1.0" encoding="utf-8"?>
 <p:sld xmlns:a="http://schemas.openxmlformats.org/drawingml/2006/main" xmlns:r="http://schemas.openxmlformats.org/officeDocument/2006/relationships" xmlns:p="http://schemas.openxmlformats.org/presentationml/2006/main">
   <p:cSld>
     <p:spTree>
@@ -18222,7 +18764,7 @@
           <a:p>
             <a:r>
               <a:rPr lang="fr-CH" dirty="0" smtClean="0"/>
-              <a:t>Concept du projet</a:t>
+              <a:t>Elisa-3</a:t>
             </a:r>
             <a:endParaRPr lang="fr-CH" dirty="0"/>
           </a:p>
@@ -18245,58 +18787,44 @@
           <a:p>
             <a:r>
               <a:rPr lang="fr-CH" dirty="0" smtClean="0"/>
-              <a:t>Nouveau </a:t>
-            </a:r>
+              <a:t>Lumière colorée</a:t>
+            </a:r>
+          </a:p>
+          <a:p>
             <a:r>
               <a:rPr lang="fr-CH" dirty="0" smtClean="0"/>
-              <a:t>concept : les danseurs se </a:t>
+              <a:t>Petites </a:t>
+            </a:r>
+            <a:r>
+              <a:rPr lang="fr-CH" dirty="0" err="1" smtClean="0"/>
+              <a:t>leds</a:t>
             </a:r>
             <a:r>
               <a:rPr lang="fr-CH" dirty="0" smtClean="0"/>
-              <a:t>réveillent</a:t>
+              <a:t> vertes</a:t>
             </a:r>
           </a:p>
           <a:p>
             <a:r>
               <a:rPr lang="fr-CH" dirty="0" smtClean="0"/>
-              <a:t>Concept : rechargement automatique</a:t>
-            </a:r>
+              <a:t>Emetteurs infrarouge</a:t>
+            </a:r>
+            <a:endParaRPr lang="fr-CH" dirty="0"/>
           </a:p>
           <a:p>
             <a:r>
               <a:rPr lang="fr-CH" dirty="0" smtClean="0"/>
-              <a:t>Arène</a:t>
-            </a:r>
-            <a:endParaRPr lang="fr-CH" dirty="0" smtClean="0"/>
-          </a:p>
-          <a:p>
-            <a:r>
-              <a:rPr lang="fr-CH" dirty="0" err="1" smtClean="0"/>
-              <a:t>Raspberry</a:t>
-            </a:r>
+              <a:t>Possède accéléromètre</a:t>
+            </a:r>
+          </a:p>
+          <a:p>
             <a:r>
               <a:rPr lang="fr-CH" dirty="0" smtClean="0"/>
-              <a:t> </a:t>
-            </a:r>
-            <a:r>
-              <a:rPr lang="fr-CH" dirty="0" smtClean="0"/>
-              <a:t>Pi </a:t>
-            </a:r>
-            <a:r>
-              <a:rPr lang="fr-CH" dirty="0" smtClean="0"/>
-              <a:t>et </a:t>
-            </a:r>
-            <a:r>
-              <a:rPr lang="fr-CH" dirty="0" err="1" smtClean="0"/>
-              <a:t>Phidget</a:t>
-            </a:r>
-            <a:r>
-              <a:rPr lang="fr-CH" dirty="0" smtClean="0"/>
-              <a:t> </a:t>
-            </a:r>
-            <a:r>
-              <a:rPr lang="fr-CH" dirty="0" err="1" smtClean="0"/>
-              <a:t>Touchrotation</a:t>
+              <a:t>Autonomie </a:t>
+            </a:r>
+            <a:r>
+              <a:rPr lang="fr-CH" dirty="0"/>
+              <a:t>de 3 heures</a:t>
             </a:r>
             <a:endParaRPr lang="fr-CH" dirty="0" smtClean="0"/>
           </a:p>
@@ -18829,7 +19357,7 @@
           <a:p>
             <a:r>
               <a:rPr lang="fr-CH" dirty="0" smtClean="0"/>
-              <a:t>Implémentation</a:t>
+              <a:t>Concept du projet</a:t>
             </a:r>
             <a:endParaRPr lang="fr-CH" dirty="0"/>
           </a:p>
@@ -18852,31 +19380,43 @@
           <a:p>
             <a:r>
               <a:rPr lang="fr-CH" dirty="0" smtClean="0"/>
-              <a:t>Reprise du projet déjà existant</a:t>
+              <a:t>Nouveau concept : les danseurs se réveillent</a:t>
             </a:r>
           </a:p>
           <a:p>
             <a:r>
               <a:rPr lang="fr-CH" dirty="0" smtClean="0"/>
-              <a:t>Nouvelle </a:t>
-            </a:r>
+              <a:t>Concept : rechargement automatique</a:t>
+            </a:r>
+          </a:p>
+          <a:p>
             <a:r>
               <a:rPr lang="fr-CH" dirty="0" smtClean="0"/>
-              <a:t>bibliothèque</a:t>
+              <a:t>Arène</a:t>
+            </a:r>
+          </a:p>
+          <a:p>
+            <a:r>
+              <a:rPr lang="fr-CH" dirty="0" err="1" smtClean="0"/>
+              <a:t>Raspberry</a:t>
+            </a:r>
+            <a:r>
+              <a:rPr lang="fr-CH" dirty="0" smtClean="0"/>
+              <a:t> Pi et </a:t>
+            </a:r>
+            <a:r>
+              <a:rPr lang="fr-CH" dirty="0" err="1" smtClean="0"/>
+              <a:t>Phidget</a:t>
+            </a:r>
+            <a:r>
+              <a:rPr lang="fr-CH" dirty="0" smtClean="0"/>
+              <a:t> </a:t>
+            </a:r>
+            <a:r>
+              <a:rPr lang="fr-CH" dirty="0" err="1" smtClean="0"/>
+              <a:t>Touchrotation</a:t>
             </a:r>
             <a:endParaRPr lang="fr-CH" dirty="0" smtClean="0"/>
-          </a:p>
-          <a:p>
-            <a:r>
-              <a:rPr lang="fr-CH" dirty="0" smtClean="0"/>
-              <a:t>Beaucoup de modifications à apporter</a:t>
-            </a:r>
-          </a:p>
-          <a:p>
-            <a:r>
-              <a:rPr lang="fr-CH" dirty="0" smtClean="0"/>
-              <a:t>Plusieurs difficultés observées</a:t>
-            </a:r>
           </a:p>
         </p:txBody>
       </p:sp>
@@ -19283,6 +19823,544 @@
               <a:rPr lang="en-US" smtClean="0"/>
               <a:pPr/>
               <a:t>4</a:t>
+            </a:fld>
+            <a:endParaRPr lang="en-US" dirty="0"/>
+          </a:p>
+        </p:txBody>
+      </p:sp>
+      <p:pic>
+        <p:nvPicPr>
+          <p:cNvPr id="7" name="Image 6"/>
+          <p:cNvPicPr>
+            <a:picLocks noChangeAspect="1"/>
+          </p:cNvPicPr>
+          <p:nvPr/>
+        </p:nvPicPr>
+        <p:blipFill>
+          <a:blip r:embed="rId3">
+            <a:extLst>
+              <a:ext uri="{28A0092B-C50C-407E-A947-70E740481C1C}">
+                <a14:useLocalDpi xmlns:a14="http://schemas.microsoft.com/office/drawing/2010/main" val="0"/>
+              </a:ext>
+            </a:extLst>
+          </a:blip>
+          <a:stretch>
+            <a:fillRect/>
+          </a:stretch>
+        </p:blipFill>
+        <p:spPr>
+          <a:xfrm>
+            <a:off x="11209408" y="2354284"/>
+            <a:ext cx="501676" cy="1041454"/>
+          </a:xfrm>
+          <a:prstGeom prst="rect">
+            <a:avLst/>
+          </a:prstGeom>
+        </p:spPr>
+      </p:pic>
+    </p:spTree>
+    <p:extLst>
+      <p:ext uri="{BB962C8B-B14F-4D97-AF65-F5344CB8AC3E}">
+        <p14:creationId xmlns:p14="http://schemas.microsoft.com/office/powerpoint/2010/main" val="3909255974"/>
+      </p:ext>
+    </p:extLst>
+  </p:cSld>
+  <p:clrMapOvr>
+    <a:masterClrMapping/>
+  </p:clrMapOvr>
+  <p:timing>
+    <p:tnLst>
+      <p:par>
+        <p:cTn id="1" dur="indefinite" restart="never" nodeType="tmRoot"/>
+      </p:par>
+    </p:tnLst>
+  </p:timing>
+</p:sld>
+</file>
+
+<file path=ppt/slides/slide5.xml><?xml version="1.0" encoding="utf-8"?>
+<p:sld xmlns:a="http://schemas.openxmlformats.org/drawingml/2006/main" xmlns:r="http://schemas.openxmlformats.org/officeDocument/2006/relationships" xmlns:p="http://schemas.openxmlformats.org/presentationml/2006/main">
+  <p:cSld>
+    <p:spTree>
+      <p:nvGrpSpPr>
+        <p:cNvPr id="1" name=""/>
+        <p:cNvGrpSpPr/>
+        <p:nvPr/>
+      </p:nvGrpSpPr>
+      <p:grpSpPr>
+        <a:xfrm>
+          <a:off x="0" y="0"/>
+          <a:ext cx="0" cy="0"/>
+          <a:chOff x="0" y="0"/>
+          <a:chExt cx="0" cy="0"/>
+        </a:xfrm>
+      </p:grpSpPr>
+      <p:sp>
+        <p:nvSpPr>
+          <p:cNvPr id="2" name="Titre 1"/>
+          <p:cNvSpPr>
+            <a:spLocks noGrp="1"/>
+          </p:cNvSpPr>
+          <p:nvPr>
+            <p:ph type="title"/>
+          </p:nvPr>
+        </p:nvSpPr>
+        <p:spPr/>
+        <p:txBody>
+          <a:bodyPr/>
+          <a:lstStyle/>
+          <a:p>
+            <a:r>
+              <a:rPr lang="fr-CH" dirty="0" smtClean="0"/>
+              <a:t>Implémentation</a:t>
+            </a:r>
+            <a:endParaRPr lang="fr-CH" dirty="0"/>
+          </a:p>
+        </p:txBody>
+      </p:sp>
+      <p:sp>
+        <p:nvSpPr>
+          <p:cNvPr id="3" name="Espace réservé du contenu 2"/>
+          <p:cNvSpPr>
+            <a:spLocks noGrp="1"/>
+          </p:cNvSpPr>
+          <p:nvPr>
+            <p:ph idx="1"/>
+          </p:nvPr>
+        </p:nvSpPr>
+        <p:spPr/>
+        <p:txBody>
+          <a:bodyPr/>
+          <a:lstStyle/>
+          <a:p>
+            <a:r>
+              <a:rPr lang="fr-CH" dirty="0" smtClean="0"/>
+              <a:t>Reprise du projet déjà existant</a:t>
+            </a:r>
+          </a:p>
+          <a:p>
+            <a:r>
+              <a:rPr lang="fr-CH" dirty="0" smtClean="0"/>
+              <a:t>Nouvelle bibliothèque</a:t>
+            </a:r>
+          </a:p>
+          <a:p>
+            <a:r>
+              <a:rPr lang="fr-CH" dirty="0" smtClean="0"/>
+              <a:t>Beaucoup de modifications à apporter</a:t>
+            </a:r>
+          </a:p>
+          <a:p>
+            <a:r>
+              <a:rPr lang="fr-CH" dirty="0" smtClean="0"/>
+              <a:t>Plusieurs difficultés observées</a:t>
+            </a:r>
+          </a:p>
+        </p:txBody>
+      </p:sp>
+      <p:sp>
+        <p:nvSpPr>
+          <p:cNvPr id="5" name="Sous-titre 2"/>
+          <p:cNvSpPr txBox="1">
+            <a:spLocks/>
+          </p:cNvSpPr>
+          <p:nvPr/>
+        </p:nvSpPr>
+        <p:spPr>
+          <a:xfrm>
+            <a:off x="810001" y="6050877"/>
+            <a:ext cx="10572000" cy="434974"/>
+          </a:xfrm>
+          <a:prstGeom prst="rect">
+            <a:avLst/>
+          </a:prstGeom>
+          <a:effectLst>
+            <a:outerShdw blurRad="50800" dir="14400000">
+              <a:srgbClr val="000000">
+                <a:alpha val="40000"/>
+              </a:srgbClr>
+            </a:outerShdw>
+          </a:effectLst>
+        </p:spPr>
+        <p:txBody>
+          <a:bodyPr vert="horz" lIns="91440" tIns="45720" rIns="91440" bIns="45720" rtlCol="0" anchor="t">
+            <a:normAutofit/>
+          </a:bodyPr>
+          <a:lstStyle>
+            <a:lvl1pPr marL="0" indent="0" algn="l" defTabSz="457200" rtl="0" eaLnBrk="1" latinLnBrk="0" hangingPunct="1">
+              <a:spcBef>
+                <a:spcPct val="20000"/>
+              </a:spcBef>
+              <a:spcAft>
+                <a:spcPts val="600"/>
+              </a:spcAft>
+              <a:buClr>
+                <a:schemeClr val="accent1"/>
+              </a:buClr>
+              <a:buFont typeface="Wingdings 2" charset="2"/>
+              <a:buNone/>
+              <a:defRPr sz="1800" kern="1200">
+                <a:solidFill>
+                  <a:schemeClr val="tx1"/>
+                </a:solidFill>
+                <a:latin typeface="+mn-lt"/>
+                <a:ea typeface="+mn-ea"/>
+                <a:cs typeface="+mn-cs"/>
+              </a:defRPr>
+            </a:lvl1pPr>
+            <a:lvl2pPr marL="457200" indent="0" algn="ctr" defTabSz="457200" rtl="0" eaLnBrk="1" latinLnBrk="0" hangingPunct="1">
+              <a:spcBef>
+                <a:spcPct val="20000"/>
+              </a:spcBef>
+              <a:spcAft>
+                <a:spcPts val="600"/>
+              </a:spcAft>
+              <a:buClr>
+                <a:schemeClr val="accent1"/>
+              </a:buClr>
+              <a:buFont typeface="Wingdings 2" charset="2"/>
+              <a:buNone/>
+              <a:defRPr sz="1600" kern="1200">
+                <a:solidFill>
+                  <a:schemeClr val="tx1">
+                    <a:tint val="75000"/>
+                  </a:schemeClr>
+                </a:solidFill>
+                <a:latin typeface="+mn-lt"/>
+                <a:ea typeface="+mn-ea"/>
+                <a:cs typeface="+mn-cs"/>
+              </a:defRPr>
+            </a:lvl2pPr>
+            <a:lvl3pPr marL="914400" indent="0" algn="ctr" defTabSz="457200" rtl="0" eaLnBrk="1" latinLnBrk="0" hangingPunct="1">
+              <a:spcBef>
+                <a:spcPct val="20000"/>
+              </a:spcBef>
+              <a:spcAft>
+                <a:spcPts val="600"/>
+              </a:spcAft>
+              <a:buClr>
+                <a:schemeClr val="accent1"/>
+              </a:buClr>
+              <a:buFont typeface="Wingdings 2" charset="2"/>
+              <a:buNone/>
+              <a:defRPr sz="1400" kern="1200">
+                <a:solidFill>
+                  <a:schemeClr val="tx1">
+                    <a:tint val="75000"/>
+                  </a:schemeClr>
+                </a:solidFill>
+                <a:latin typeface="+mn-lt"/>
+                <a:ea typeface="+mn-ea"/>
+                <a:cs typeface="+mn-cs"/>
+              </a:defRPr>
+            </a:lvl3pPr>
+            <a:lvl4pPr marL="1371600" indent="0" algn="ctr" defTabSz="457200" rtl="0" eaLnBrk="1" latinLnBrk="0" hangingPunct="1">
+              <a:spcBef>
+                <a:spcPct val="20000"/>
+              </a:spcBef>
+              <a:spcAft>
+                <a:spcPts val="600"/>
+              </a:spcAft>
+              <a:buClr>
+                <a:schemeClr val="accent1"/>
+              </a:buClr>
+              <a:buFont typeface="Wingdings 2" charset="2"/>
+              <a:buNone/>
+              <a:defRPr sz="1200" kern="1200">
+                <a:solidFill>
+                  <a:schemeClr val="tx1">
+                    <a:tint val="75000"/>
+                  </a:schemeClr>
+                </a:solidFill>
+                <a:latin typeface="+mn-lt"/>
+                <a:ea typeface="+mn-ea"/>
+                <a:cs typeface="+mn-cs"/>
+              </a:defRPr>
+            </a:lvl4pPr>
+            <a:lvl5pPr marL="1828800" indent="0" algn="ctr" defTabSz="457200" rtl="0" eaLnBrk="1" latinLnBrk="0" hangingPunct="1">
+              <a:spcBef>
+                <a:spcPct val="20000"/>
+              </a:spcBef>
+              <a:spcAft>
+                <a:spcPts val="600"/>
+              </a:spcAft>
+              <a:buClr>
+                <a:schemeClr val="accent1"/>
+              </a:buClr>
+              <a:buFont typeface="Wingdings 2" charset="2"/>
+              <a:buNone/>
+              <a:defRPr sz="1200" kern="1200">
+                <a:solidFill>
+                  <a:schemeClr val="tx1">
+                    <a:tint val="75000"/>
+                  </a:schemeClr>
+                </a:solidFill>
+                <a:latin typeface="+mn-lt"/>
+                <a:ea typeface="+mn-ea"/>
+                <a:cs typeface="+mn-cs"/>
+              </a:defRPr>
+            </a:lvl5pPr>
+            <a:lvl6pPr marL="2286000" indent="0" algn="ctr" defTabSz="457200" rtl="0" eaLnBrk="1" latinLnBrk="0" hangingPunct="1">
+              <a:spcBef>
+                <a:spcPct val="20000"/>
+              </a:spcBef>
+              <a:spcAft>
+                <a:spcPts val="600"/>
+              </a:spcAft>
+              <a:buClr>
+                <a:schemeClr val="accent1"/>
+              </a:buClr>
+              <a:buFont typeface="Wingdings 2" charset="2"/>
+              <a:buNone/>
+              <a:defRPr sz="1200" kern="1200">
+                <a:solidFill>
+                  <a:schemeClr val="tx1">
+                    <a:tint val="75000"/>
+                  </a:schemeClr>
+                </a:solidFill>
+                <a:latin typeface="+mn-lt"/>
+                <a:ea typeface="+mn-ea"/>
+                <a:cs typeface="+mn-cs"/>
+              </a:defRPr>
+            </a:lvl6pPr>
+            <a:lvl7pPr marL="2743200" indent="0" algn="ctr" defTabSz="457200" rtl="0" eaLnBrk="1" latinLnBrk="0" hangingPunct="1">
+              <a:spcBef>
+                <a:spcPct val="20000"/>
+              </a:spcBef>
+              <a:spcAft>
+                <a:spcPts val="600"/>
+              </a:spcAft>
+              <a:buClr>
+                <a:schemeClr val="accent1"/>
+              </a:buClr>
+              <a:buFont typeface="Wingdings 2" charset="2"/>
+              <a:buNone/>
+              <a:defRPr sz="1200" kern="1200">
+                <a:solidFill>
+                  <a:schemeClr val="tx1">
+                    <a:tint val="75000"/>
+                  </a:schemeClr>
+                </a:solidFill>
+                <a:latin typeface="+mn-lt"/>
+                <a:ea typeface="+mn-ea"/>
+                <a:cs typeface="+mn-cs"/>
+              </a:defRPr>
+            </a:lvl7pPr>
+            <a:lvl8pPr marL="3200400" indent="0" algn="ctr" defTabSz="457200" rtl="0" eaLnBrk="1" latinLnBrk="0" hangingPunct="1">
+              <a:spcBef>
+                <a:spcPct val="20000"/>
+              </a:spcBef>
+              <a:spcAft>
+                <a:spcPts val="600"/>
+              </a:spcAft>
+              <a:buClr>
+                <a:schemeClr val="accent1"/>
+              </a:buClr>
+              <a:buFont typeface="Wingdings 2" charset="2"/>
+              <a:buNone/>
+              <a:defRPr sz="1200" kern="1200">
+                <a:solidFill>
+                  <a:schemeClr val="tx1">
+                    <a:tint val="75000"/>
+                  </a:schemeClr>
+                </a:solidFill>
+                <a:latin typeface="+mn-lt"/>
+                <a:ea typeface="+mn-ea"/>
+                <a:cs typeface="+mn-cs"/>
+              </a:defRPr>
+            </a:lvl8pPr>
+            <a:lvl9pPr marL="3657600" indent="0" algn="ctr" defTabSz="457200" rtl="0" eaLnBrk="1" latinLnBrk="0" hangingPunct="1">
+              <a:spcBef>
+                <a:spcPct val="20000"/>
+              </a:spcBef>
+              <a:spcAft>
+                <a:spcPts val="600"/>
+              </a:spcAft>
+              <a:buClr>
+                <a:schemeClr val="accent1"/>
+              </a:buClr>
+              <a:buFont typeface="Wingdings 2" charset="2"/>
+              <a:buNone/>
+              <a:defRPr sz="1200" kern="1200">
+                <a:solidFill>
+                  <a:schemeClr val="tx1">
+                    <a:tint val="75000"/>
+                  </a:schemeClr>
+                </a:solidFill>
+                <a:latin typeface="+mn-lt"/>
+                <a:ea typeface="+mn-ea"/>
+                <a:cs typeface="+mn-cs"/>
+              </a:defRPr>
+            </a:lvl9pPr>
+          </a:lstStyle>
+          <a:p>
+            <a:r>
+              <a:rPr lang="fr-CH" sz="1500" dirty="0" smtClean="0">
+                <a:solidFill>
+                  <a:schemeClr val="bg2">
+                    <a:lumMod val="50000"/>
+                    <a:lumOff val="50000"/>
+                  </a:schemeClr>
+                </a:solidFill>
+                <a:latin typeface="Gulim" panose="020B0600000101010101" pitchFamily="34" charset="-127"/>
+                <a:ea typeface="Gulim" panose="020B0600000101010101" pitchFamily="34" charset="-127"/>
+              </a:rPr>
+              <a:t>A. </a:t>
+            </a:r>
+            <a:r>
+              <a:rPr lang="fr-CH" sz="1500" dirty="0" err="1" smtClean="0">
+                <a:solidFill>
+                  <a:schemeClr val="bg2">
+                    <a:lumMod val="50000"/>
+                    <a:lumOff val="50000"/>
+                  </a:schemeClr>
+                </a:solidFill>
+                <a:latin typeface="Gulim" panose="020B0600000101010101" pitchFamily="34" charset="-127"/>
+                <a:ea typeface="Gulim" panose="020B0600000101010101" pitchFamily="34" charset="-127"/>
+              </a:rPr>
+              <a:t>Desclouds</a:t>
+            </a:r>
+            <a:r>
+              <a:rPr lang="fr-CH" sz="1500" dirty="0" smtClean="0">
+                <a:solidFill>
+                  <a:schemeClr val="bg2">
+                    <a:lumMod val="50000"/>
+                    <a:lumOff val="50000"/>
+                  </a:schemeClr>
+                </a:solidFill>
+                <a:latin typeface="Gulim" panose="020B0600000101010101" pitchFamily="34" charset="-127"/>
+                <a:ea typeface="Gulim" panose="020B0600000101010101" pitchFamily="34" charset="-127"/>
+              </a:rPr>
+              <a:t>, </a:t>
+            </a:r>
+            <a:r>
+              <a:rPr lang="fr-CH" sz="1500" dirty="0" err="1" smtClean="0">
+                <a:solidFill>
+                  <a:schemeClr val="bg2">
+                    <a:lumMod val="50000"/>
+                    <a:lumOff val="50000"/>
+                  </a:schemeClr>
+                </a:solidFill>
+                <a:latin typeface="Gulim" panose="020B0600000101010101" pitchFamily="34" charset="-127"/>
+                <a:ea typeface="Gulim" panose="020B0600000101010101" pitchFamily="34" charset="-127"/>
+              </a:rPr>
+              <a:t>A.Hug</a:t>
+            </a:r>
+            <a:r>
+              <a:rPr lang="fr-CH" sz="1500" dirty="0" smtClean="0">
+                <a:solidFill>
+                  <a:schemeClr val="bg2">
+                    <a:lumMod val="50000"/>
+                    <a:lumOff val="50000"/>
+                  </a:schemeClr>
+                </a:solidFill>
+                <a:latin typeface="Gulim" panose="020B0600000101010101" pitchFamily="34" charset="-127"/>
+                <a:ea typeface="Gulim" panose="020B0600000101010101" pitchFamily="34" charset="-127"/>
+              </a:rPr>
+              <a:t>, S. </a:t>
+            </a:r>
+            <a:r>
+              <a:rPr lang="fr-CH" sz="1500" dirty="0" err="1" smtClean="0">
+                <a:solidFill>
+                  <a:schemeClr val="bg2">
+                    <a:lumMod val="50000"/>
+                    <a:lumOff val="50000"/>
+                  </a:schemeClr>
+                </a:solidFill>
+                <a:latin typeface="Gulim" panose="020B0600000101010101" pitchFamily="34" charset="-127"/>
+                <a:ea typeface="Gulim" panose="020B0600000101010101" pitchFamily="34" charset="-127"/>
+              </a:rPr>
+              <a:t>Righitto</a:t>
+            </a:r>
+            <a:r>
+              <a:rPr lang="fr-CH" sz="1500" dirty="0" smtClean="0">
+                <a:solidFill>
+                  <a:schemeClr val="bg2">
+                    <a:lumMod val="50000"/>
+                    <a:lumOff val="50000"/>
+                  </a:schemeClr>
+                </a:solidFill>
+                <a:latin typeface="Gulim" panose="020B0600000101010101" pitchFamily="34" charset="-127"/>
+                <a:ea typeface="Gulim" panose="020B0600000101010101" pitchFamily="34" charset="-127"/>
+              </a:rPr>
+              <a:t>, F. </a:t>
+            </a:r>
+            <a:r>
+              <a:rPr lang="fr-CH" sz="1500" dirty="0" err="1" smtClean="0">
+                <a:solidFill>
+                  <a:schemeClr val="bg2">
+                    <a:lumMod val="50000"/>
+                    <a:lumOff val="50000"/>
+                  </a:schemeClr>
+                </a:solidFill>
+                <a:latin typeface="Gulim" panose="020B0600000101010101" pitchFamily="34" charset="-127"/>
+                <a:ea typeface="Gulim" panose="020B0600000101010101" pitchFamily="34" charset="-127"/>
+              </a:rPr>
+              <a:t>Saam</a:t>
+            </a:r>
+            <a:r>
+              <a:rPr lang="fr-CH" sz="1500" dirty="0" smtClean="0">
+                <a:solidFill>
+                  <a:schemeClr val="bg2">
+                    <a:lumMod val="50000"/>
+                    <a:lumOff val="50000"/>
+                  </a:schemeClr>
+                </a:solidFill>
+                <a:latin typeface="Gulim" panose="020B0600000101010101" pitchFamily="34" charset="-127"/>
+                <a:ea typeface="Gulim" panose="020B0600000101010101" pitchFamily="34" charset="-127"/>
+              </a:rPr>
+              <a:t>	</a:t>
+            </a:r>
+            <a:r>
+              <a:rPr lang="fr-CH" sz="1600" dirty="0" smtClean="0">
+                <a:solidFill>
+                  <a:schemeClr val="bg2">
+                    <a:lumMod val="50000"/>
+                    <a:lumOff val="50000"/>
+                  </a:schemeClr>
+                </a:solidFill>
+                <a:latin typeface="Gulim" panose="020B0600000101010101" pitchFamily="34" charset="-127"/>
+                <a:ea typeface="Gulim" panose="020B0600000101010101" pitchFamily="34" charset="-127"/>
+              </a:rPr>
+              <a:t>											</a:t>
+            </a:r>
+            <a:endParaRPr lang="fr-CH" sz="1600" dirty="0">
+              <a:solidFill>
+                <a:schemeClr val="bg2">
+                  <a:lumMod val="50000"/>
+                  <a:lumOff val="50000"/>
+                </a:schemeClr>
+              </a:solidFill>
+              <a:latin typeface="Gulim" panose="020B0600000101010101" pitchFamily="34" charset="-127"/>
+              <a:ea typeface="Gulim" panose="020B0600000101010101" pitchFamily="34" charset="-127"/>
+            </a:endParaRPr>
+          </a:p>
+        </p:txBody>
+      </p:sp>
+      <p:sp>
+        <p:nvSpPr>
+          <p:cNvPr id="6" name="Slide Number Placeholder 5"/>
+          <p:cNvSpPr>
+            <a:spLocks noGrp="1"/>
+          </p:cNvSpPr>
+          <p:nvPr>
+            <p:ph type="sldNum" sz="quarter" idx="12"/>
+          </p:nvPr>
+        </p:nvSpPr>
+        <p:spPr>
+          <a:xfrm>
+            <a:off x="10678331" y="5915888"/>
+            <a:ext cx="1062155" cy="490599"/>
+          </a:xfrm>
+        </p:spPr>
+        <p:txBody>
+          <a:bodyPr/>
+          <a:lstStyle/>
+          <a:p>
+            <a:fld id="{D57F1E4F-1CFF-5643-939E-217C01CDF565}" type="slidenum">
+              <a:rPr lang="en-US" smtClean="0"/>
+              <a:pPr/>
+              <a:t>5</a:t>
             </a:fld>
             <a:endParaRPr lang="en-US" dirty="0"/>
           </a:p>
@@ -19338,7 +20416,7 @@
 </p:sld>
 </file>
 
-<file path=ppt/slides/slide5.xml><?xml version="1.0" encoding="utf-8"?>
+<file path=ppt/slides/slide6.xml><?xml version="1.0" encoding="utf-8"?>
 <p:sld xmlns:a="http://schemas.openxmlformats.org/drawingml/2006/main" xmlns:r="http://schemas.openxmlformats.org/officeDocument/2006/relationships" xmlns:p="http://schemas.openxmlformats.org/presentationml/2006/main">
   <p:cSld>
     <p:spTree>
@@ -19406,29 +20484,34 @@
             </a:r>
             <a:r>
               <a:rPr lang="fr-CH" dirty="0" err="1"/>
-              <a:t>R</a:t>
-            </a:r>
-            <a:r>
-              <a:rPr lang="fr-CH" dirty="0" err="1" smtClean="0"/>
-              <a:t>aspberry</a:t>
-            </a:r>
+              <a:t>Raspberry</a:t>
+            </a:r>
+            <a:r>
+              <a:rPr lang="fr-CH" dirty="0"/>
+              <a:t> Pi </a:t>
+            </a:r>
+            <a:endParaRPr lang="fr-CH" dirty="0" smtClean="0"/>
+          </a:p>
+          <a:p>
+            <a:pPr lvl="1"/>
             <a:r>
               <a:rPr lang="fr-CH" dirty="0" smtClean="0"/>
-              <a:t> Pie</a:t>
+              <a:t>La </a:t>
+            </a:r>
+            <a:r>
+              <a:rPr lang="fr-CH" dirty="0" smtClean="0"/>
+              <a:t>proximité avec d’autres robots</a:t>
             </a:r>
           </a:p>
           <a:p>
             <a:pPr lvl="1"/>
             <a:r>
               <a:rPr lang="fr-CH" dirty="0" smtClean="0"/>
-              <a:t>La proximité avec d’autres robots</a:t>
-            </a:r>
-          </a:p>
-          <a:p>
-            <a:pPr lvl="1"/>
+              <a:t>Son </a:t>
+            </a:r>
             <a:r>
               <a:rPr lang="fr-CH" dirty="0" smtClean="0"/>
-              <a:t>Son propre niveau de batterie</a:t>
+              <a:t>propre niveau de batterie</a:t>
             </a:r>
           </a:p>
           <a:p>
@@ -19851,7 +20934,7 @@
             <a:fld id="{D57F1E4F-1CFF-5643-939E-217C01CDF565}" type="slidenum">
               <a:rPr lang="en-US" smtClean="0"/>
               <a:pPr/>
-              <a:t>5</a:t>
+              <a:t>6</a:t>
             </a:fld>
             <a:endParaRPr lang="en-US" dirty="0"/>
           </a:p>
@@ -19907,7 +20990,7 @@
 </p:sld>
 </file>
 
-<file path=ppt/slides/slide6.xml><?xml version="1.0" encoding="utf-8"?>
+<file path=ppt/slides/slide7.xml><?xml version="1.0" encoding="utf-8"?>
 <p:sld xmlns:a="http://schemas.openxmlformats.org/drawingml/2006/main" xmlns:r="http://schemas.openxmlformats.org/officeDocument/2006/relationships" xmlns:p="http://schemas.openxmlformats.org/presentationml/2006/main">
   <p:cSld>
     <p:spTree>
@@ -20505,7 +21588,7 @@
 </p:sld>
 </file>
 
-<file path=ppt/slides/slide7.xml><?xml version="1.0" encoding="utf-8"?>
+<file path=ppt/slides/slide8.xml><?xml version="1.0" encoding="utf-8"?>
 <p:sld xmlns:a="http://schemas.openxmlformats.org/drawingml/2006/main" xmlns:r="http://schemas.openxmlformats.org/officeDocument/2006/relationships" xmlns:p="http://schemas.openxmlformats.org/presentationml/2006/main">
   <p:cSld>
     <p:spTree>
@@ -20981,7 +22064,7 @@
             <a:fld id="{D57F1E4F-1CFF-5643-939E-217C01CDF565}" type="slidenum">
               <a:rPr lang="en-US" smtClean="0"/>
               <a:pPr/>
-              <a:t>7</a:t>
+              <a:t>8</a:t>
             </a:fld>
             <a:endParaRPr lang="en-US" dirty="0"/>
           </a:p>
@@ -21037,7 +22120,7 @@
 </p:sld>
 </file>
 
-<file path=ppt/slides/slide8.xml><?xml version="1.0" encoding="utf-8"?>
+<file path=ppt/slides/slide9.xml><?xml version="1.0" encoding="utf-8"?>
 <p:sld xmlns:a="http://schemas.openxmlformats.org/drawingml/2006/main" xmlns:r="http://schemas.openxmlformats.org/officeDocument/2006/relationships" xmlns:p="http://schemas.openxmlformats.org/presentationml/2006/main">
   <p:cSld>
     <p:spTree>
@@ -21516,7 +22599,7 @@
             <a:fld id="{D57F1E4F-1CFF-5643-939E-217C01CDF565}" type="slidenum">
               <a:rPr lang="en-US" smtClean="0"/>
               <a:pPr/>
-              <a:t>8</a:t>
+              <a:t>9</a:t>
             </a:fld>
             <a:endParaRPr lang="en-US" dirty="0"/>
           </a:p>
@@ -21556,562 +22639,6 @@
     <p:extLst>
       <p:ext uri="{BB962C8B-B14F-4D97-AF65-F5344CB8AC3E}">
         <p14:creationId xmlns:p14="http://schemas.microsoft.com/office/powerpoint/2010/main" val="2662774901"/>
-      </p:ext>
-    </p:extLst>
-  </p:cSld>
-  <p:clrMapOvr>
-    <a:masterClrMapping/>
-  </p:clrMapOvr>
-  <p:timing>
-    <p:tnLst>
-      <p:par>
-        <p:cTn id="1" dur="indefinite" restart="never" nodeType="tmRoot"/>
-      </p:par>
-    </p:tnLst>
-  </p:timing>
-</p:sld>
-</file>
-
-<file path=ppt/slides/slide9.xml><?xml version="1.0" encoding="utf-8"?>
-<p:sld xmlns:a="http://schemas.openxmlformats.org/drawingml/2006/main" xmlns:r="http://schemas.openxmlformats.org/officeDocument/2006/relationships" xmlns:p="http://schemas.openxmlformats.org/presentationml/2006/main">
-  <p:cSld>
-    <p:spTree>
-      <p:nvGrpSpPr>
-        <p:cNvPr id="1" name=""/>
-        <p:cNvGrpSpPr/>
-        <p:nvPr/>
-      </p:nvGrpSpPr>
-      <p:grpSpPr>
-        <a:xfrm>
-          <a:off x="0" y="0"/>
-          <a:ext cx="0" cy="0"/>
-          <a:chOff x="0" y="0"/>
-          <a:chExt cx="0" cy="0"/>
-        </a:xfrm>
-      </p:grpSpPr>
-      <p:sp>
-        <p:nvSpPr>
-          <p:cNvPr id="2" name="Titre 1"/>
-          <p:cNvSpPr>
-            <a:spLocks noGrp="1"/>
-          </p:cNvSpPr>
-          <p:nvPr>
-            <p:ph type="title"/>
-          </p:nvPr>
-        </p:nvSpPr>
-        <p:spPr>
-          <a:xfrm>
-            <a:off x="1249251" y="446088"/>
-            <a:ext cx="3371434" cy="1511501"/>
-          </a:xfrm>
-        </p:spPr>
-        <p:txBody>
-          <a:bodyPr/>
-          <a:lstStyle/>
-          <a:p>
-            <a:r>
-              <a:rPr lang="fr-CH" sz="3600" dirty="0">
-                <a:latin typeface="Gulim" panose="020B0600000101010101" pitchFamily="34" charset="-127"/>
-                <a:ea typeface="Gulim" panose="020B0600000101010101" pitchFamily="34" charset="-127"/>
-              </a:rPr>
-              <a:t>Suivi de </a:t>
-            </a:r>
-            <a:r>
-              <a:rPr lang="fr-CH" sz="3600" dirty="0" smtClean="0">
-                <a:latin typeface="Gulim" panose="020B0600000101010101" pitchFamily="34" charset="-127"/>
-                <a:ea typeface="Gulim" panose="020B0600000101010101" pitchFamily="34" charset="-127"/>
-              </a:rPr>
-              <a:t>ligne </a:t>
-            </a:r>
-            <a:r>
-              <a:rPr lang="fr-CH" sz="2400" dirty="0" smtClean="0">
-                <a:latin typeface="Gulim" panose="020B0600000101010101" pitchFamily="34" charset="-127"/>
-                <a:ea typeface="Gulim" panose="020B0600000101010101" pitchFamily="34" charset="-127"/>
-              </a:rPr>
-              <a:t>(1) lignes noires</a:t>
-            </a:r>
-            <a:endParaRPr lang="fr-CH" sz="2800" dirty="0">
-              <a:latin typeface="Gulim" panose="020B0600000101010101" pitchFamily="34" charset="-127"/>
-              <a:ea typeface="Gulim" panose="020B0600000101010101" pitchFamily="34" charset="-127"/>
-            </a:endParaRPr>
-          </a:p>
-        </p:txBody>
-      </p:sp>
-      <p:sp>
-        <p:nvSpPr>
-          <p:cNvPr id="3" name="Espace réservé du contenu 2"/>
-          <p:cNvSpPr>
-            <a:spLocks noGrp="1"/>
-          </p:cNvSpPr>
-          <p:nvPr>
-            <p:ph idx="1"/>
-          </p:nvPr>
-        </p:nvSpPr>
-        <p:spPr>
-          <a:xfrm>
-            <a:off x="4855633" y="2260737"/>
-            <a:ext cx="6252633" cy="3600313"/>
-          </a:xfrm>
-        </p:spPr>
-        <p:txBody>
-          <a:bodyPr anchor="t" anchorCtr="0"/>
-          <a:lstStyle/>
-          <a:p>
-            <a:pPr marL="0" indent="0">
-              <a:buNone/>
-            </a:pPr>
-            <a:r>
-              <a:rPr lang="fr-CH" dirty="0" smtClean="0">
-                <a:latin typeface="Consolas" panose="020B0609020204030204" pitchFamily="49" charset="0"/>
-                <a:cs typeface="Consolas" panose="020B0609020204030204" pitchFamily="49" charset="0"/>
-              </a:rPr>
-              <a:t>Code ici</a:t>
-            </a:r>
-            <a:endParaRPr lang="fr-CH" dirty="0">
-              <a:latin typeface="Consolas" panose="020B0609020204030204" pitchFamily="49" charset="0"/>
-              <a:cs typeface="Consolas" panose="020B0609020204030204" pitchFamily="49" charset="0"/>
-            </a:endParaRPr>
-          </a:p>
-        </p:txBody>
-      </p:sp>
-      <p:sp>
-        <p:nvSpPr>
-          <p:cNvPr id="4" name="Espace réservé du texte 3"/>
-          <p:cNvSpPr>
-            <a:spLocks noGrp="1"/>
-          </p:cNvSpPr>
-          <p:nvPr>
-            <p:ph type="body" sz="half" idx="2"/>
-          </p:nvPr>
-        </p:nvSpPr>
-        <p:spPr/>
-        <p:txBody>
-          <a:bodyPr>
-            <a:normAutofit/>
-          </a:bodyPr>
-          <a:lstStyle/>
-          <a:p>
-            <a:pPr marL="285750" indent="-285750">
-              <a:buFont typeface="Courier New" panose="02070309020205020404" pitchFamily="49" charset="0"/>
-              <a:buChar char="o"/>
-            </a:pPr>
-            <a:endParaRPr lang="fr-CH" sz="1800" dirty="0"/>
-          </a:p>
-        </p:txBody>
-      </p:sp>
-      <p:pic>
-        <p:nvPicPr>
-          <p:cNvPr id="5" name="Image 4"/>
-          <p:cNvPicPr>
-            <a:picLocks noChangeAspect="1"/>
-          </p:cNvPicPr>
-          <p:nvPr/>
-        </p:nvPicPr>
-        <p:blipFill>
-          <a:blip r:embed="rId3">
-            <a:extLst>
-              <a:ext uri="{28A0092B-C50C-407E-A947-70E740481C1C}">
-                <a14:useLocalDpi xmlns:a14="http://schemas.microsoft.com/office/drawing/2010/main" val="0"/>
-              </a:ext>
-            </a:extLst>
-          </a:blip>
-          <a:stretch>
-            <a:fillRect/>
-          </a:stretch>
-        </p:blipFill>
-        <p:spPr>
-          <a:xfrm>
-            <a:off x="11209408" y="2354284"/>
-            <a:ext cx="501676" cy="1041454"/>
-          </a:xfrm>
-          <a:prstGeom prst="rect">
-            <a:avLst/>
-          </a:prstGeom>
-        </p:spPr>
-      </p:pic>
-      <p:sp>
-        <p:nvSpPr>
-          <p:cNvPr id="6" name="Sous-titre 2"/>
-          <p:cNvSpPr txBox="1">
-            <a:spLocks/>
-          </p:cNvSpPr>
-          <p:nvPr/>
-        </p:nvSpPr>
-        <p:spPr>
-          <a:xfrm>
-            <a:off x="810001" y="6050877"/>
-            <a:ext cx="10572000" cy="434974"/>
-          </a:xfrm>
-          <a:prstGeom prst="rect">
-            <a:avLst/>
-          </a:prstGeom>
-          <a:effectLst>
-            <a:outerShdw blurRad="50800" dir="14400000">
-              <a:srgbClr val="000000">
-                <a:alpha val="40000"/>
-              </a:srgbClr>
-            </a:outerShdw>
-          </a:effectLst>
-        </p:spPr>
-        <p:txBody>
-          <a:bodyPr vert="horz" lIns="91440" tIns="45720" rIns="91440" bIns="45720" rtlCol="0" anchor="t">
-            <a:normAutofit/>
-          </a:bodyPr>
-          <a:lstStyle>
-            <a:lvl1pPr marL="0" indent="0" algn="l" defTabSz="457200" rtl="0" eaLnBrk="1" latinLnBrk="0" hangingPunct="1">
-              <a:spcBef>
-                <a:spcPct val="20000"/>
-              </a:spcBef>
-              <a:spcAft>
-                <a:spcPts val="600"/>
-              </a:spcAft>
-              <a:buClr>
-                <a:schemeClr val="accent1"/>
-              </a:buClr>
-              <a:buFont typeface="Wingdings 2" charset="2"/>
-              <a:buNone/>
-              <a:defRPr sz="1800" kern="1200">
-                <a:solidFill>
-                  <a:schemeClr val="tx1"/>
-                </a:solidFill>
-                <a:latin typeface="+mn-lt"/>
-                <a:ea typeface="+mn-ea"/>
-                <a:cs typeface="+mn-cs"/>
-              </a:defRPr>
-            </a:lvl1pPr>
-            <a:lvl2pPr marL="457200" indent="0" algn="ctr" defTabSz="457200" rtl="0" eaLnBrk="1" latinLnBrk="0" hangingPunct="1">
-              <a:spcBef>
-                <a:spcPct val="20000"/>
-              </a:spcBef>
-              <a:spcAft>
-                <a:spcPts val="600"/>
-              </a:spcAft>
-              <a:buClr>
-                <a:schemeClr val="accent1"/>
-              </a:buClr>
-              <a:buFont typeface="Wingdings 2" charset="2"/>
-              <a:buNone/>
-              <a:defRPr sz="1600" kern="1200">
-                <a:solidFill>
-                  <a:schemeClr val="tx1">
-                    <a:tint val="75000"/>
-                  </a:schemeClr>
-                </a:solidFill>
-                <a:latin typeface="+mn-lt"/>
-                <a:ea typeface="+mn-ea"/>
-                <a:cs typeface="+mn-cs"/>
-              </a:defRPr>
-            </a:lvl2pPr>
-            <a:lvl3pPr marL="914400" indent="0" algn="ctr" defTabSz="457200" rtl="0" eaLnBrk="1" latinLnBrk="0" hangingPunct="1">
-              <a:spcBef>
-                <a:spcPct val="20000"/>
-              </a:spcBef>
-              <a:spcAft>
-                <a:spcPts val="600"/>
-              </a:spcAft>
-              <a:buClr>
-                <a:schemeClr val="accent1"/>
-              </a:buClr>
-              <a:buFont typeface="Wingdings 2" charset="2"/>
-              <a:buNone/>
-              <a:defRPr sz="1400" kern="1200">
-                <a:solidFill>
-                  <a:schemeClr val="tx1">
-                    <a:tint val="75000"/>
-                  </a:schemeClr>
-                </a:solidFill>
-                <a:latin typeface="+mn-lt"/>
-                <a:ea typeface="+mn-ea"/>
-                <a:cs typeface="+mn-cs"/>
-              </a:defRPr>
-            </a:lvl3pPr>
-            <a:lvl4pPr marL="1371600" indent="0" algn="ctr" defTabSz="457200" rtl="0" eaLnBrk="1" latinLnBrk="0" hangingPunct="1">
-              <a:spcBef>
-                <a:spcPct val="20000"/>
-              </a:spcBef>
-              <a:spcAft>
-                <a:spcPts val="600"/>
-              </a:spcAft>
-              <a:buClr>
-                <a:schemeClr val="accent1"/>
-              </a:buClr>
-              <a:buFont typeface="Wingdings 2" charset="2"/>
-              <a:buNone/>
-              <a:defRPr sz="1200" kern="1200">
-                <a:solidFill>
-                  <a:schemeClr val="tx1">
-                    <a:tint val="75000"/>
-                  </a:schemeClr>
-                </a:solidFill>
-                <a:latin typeface="+mn-lt"/>
-                <a:ea typeface="+mn-ea"/>
-                <a:cs typeface="+mn-cs"/>
-              </a:defRPr>
-            </a:lvl4pPr>
-            <a:lvl5pPr marL="1828800" indent="0" algn="ctr" defTabSz="457200" rtl="0" eaLnBrk="1" latinLnBrk="0" hangingPunct="1">
-              <a:spcBef>
-                <a:spcPct val="20000"/>
-              </a:spcBef>
-              <a:spcAft>
-                <a:spcPts val="600"/>
-              </a:spcAft>
-              <a:buClr>
-                <a:schemeClr val="accent1"/>
-              </a:buClr>
-              <a:buFont typeface="Wingdings 2" charset="2"/>
-              <a:buNone/>
-              <a:defRPr sz="1200" kern="1200">
-                <a:solidFill>
-                  <a:schemeClr val="tx1">
-                    <a:tint val="75000"/>
-                  </a:schemeClr>
-                </a:solidFill>
-                <a:latin typeface="+mn-lt"/>
-                <a:ea typeface="+mn-ea"/>
-                <a:cs typeface="+mn-cs"/>
-              </a:defRPr>
-            </a:lvl5pPr>
-            <a:lvl6pPr marL="2286000" indent="0" algn="ctr" defTabSz="457200" rtl="0" eaLnBrk="1" latinLnBrk="0" hangingPunct="1">
-              <a:spcBef>
-                <a:spcPct val="20000"/>
-              </a:spcBef>
-              <a:spcAft>
-                <a:spcPts val="600"/>
-              </a:spcAft>
-              <a:buClr>
-                <a:schemeClr val="accent1"/>
-              </a:buClr>
-              <a:buFont typeface="Wingdings 2" charset="2"/>
-              <a:buNone/>
-              <a:defRPr sz="1200" kern="1200">
-                <a:solidFill>
-                  <a:schemeClr val="tx1">
-                    <a:tint val="75000"/>
-                  </a:schemeClr>
-                </a:solidFill>
-                <a:latin typeface="+mn-lt"/>
-                <a:ea typeface="+mn-ea"/>
-                <a:cs typeface="+mn-cs"/>
-              </a:defRPr>
-            </a:lvl6pPr>
-            <a:lvl7pPr marL="2743200" indent="0" algn="ctr" defTabSz="457200" rtl="0" eaLnBrk="1" latinLnBrk="0" hangingPunct="1">
-              <a:spcBef>
-                <a:spcPct val="20000"/>
-              </a:spcBef>
-              <a:spcAft>
-                <a:spcPts val="600"/>
-              </a:spcAft>
-              <a:buClr>
-                <a:schemeClr val="accent1"/>
-              </a:buClr>
-              <a:buFont typeface="Wingdings 2" charset="2"/>
-              <a:buNone/>
-              <a:defRPr sz="1200" kern="1200">
-                <a:solidFill>
-                  <a:schemeClr val="tx1">
-                    <a:tint val="75000"/>
-                  </a:schemeClr>
-                </a:solidFill>
-                <a:latin typeface="+mn-lt"/>
-                <a:ea typeface="+mn-ea"/>
-                <a:cs typeface="+mn-cs"/>
-              </a:defRPr>
-            </a:lvl7pPr>
-            <a:lvl8pPr marL="3200400" indent="0" algn="ctr" defTabSz="457200" rtl="0" eaLnBrk="1" latinLnBrk="0" hangingPunct="1">
-              <a:spcBef>
-                <a:spcPct val="20000"/>
-              </a:spcBef>
-              <a:spcAft>
-                <a:spcPts val="600"/>
-              </a:spcAft>
-              <a:buClr>
-                <a:schemeClr val="accent1"/>
-              </a:buClr>
-              <a:buFont typeface="Wingdings 2" charset="2"/>
-              <a:buNone/>
-              <a:defRPr sz="1200" kern="1200">
-                <a:solidFill>
-                  <a:schemeClr val="tx1">
-                    <a:tint val="75000"/>
-                  </a:schemeClr>
-                </a:solidFill>
-                <a:latin typeface="+mn-lt"/>
-                <a:ea typeface="+mn-ea"/>
-                <a:cs typeface="+mn-cs"/>
-              </a:defRPr>
-            </a:lvl8pPr>
-            <a:lvl9pPr marL="3657600" indent="0" algn="ctr" defTabSz="457200" rtl="0" eaLnBrk="1" latinLnBrk="0" hangingPunct="1">
-              <a:spcBef>
-                <a:spcPct val="20000"/>
-              </a:spcBef>
-              <a:spcAft>
-                <a:spcPts val="600"/>
-              </a:spcAft>
-              <a:buClr>
-                <a:schemeClr val="accent1"/>
-              </a:buClr>
-              <a:buFont typeface="Wingdings 2" charset="2"/>
-              <a:buNone/>
-              <a:defRPr sz="1200" kern="1200">
-                <a:solidFill>
-                  <a:schemeClr val="tx1">
-                    <a:tint val="75000"/>
-                  </a:schemeClr>
-                </a:solidFill>
-                <a:latin typeface="+mn-lt"/>
-                <a:ea typeface="+mn-ea"/>
-                <a:cs typeface="+mn-cs"/>
-              </a:defRPr>
-            </a:lvl9pPr>
-          </a:lstStyle>
-          <a:p>
-            <a:r>
-              <a:rPr lang="fr-CH" sz="1500" dirty="0" smtClean="0">
-                <a:solidFill>
-                  <a:schemeClr val="bg2">
-                    <a:lumMod val="50000"/>
-                    <a:lumOff val="50000"/>
-                  </a:schemeClr>
-                </a:solidFill>
-                <a:latin typeface="Gulim" panose="020B0600000101010101" pitchFamily="34" charset="-127"/>
-                <a:ea typeface="Gulim" panose="020B0600000101010101" pitchFamily="34" charset="-127"/>
-              </a:rPr>
-              <a:t>A. </a:t>
-            </a:r>
-            <a:r>
-              <a:rPr lang="fr-CH" sz="1500" dirty="0" err="1" smtClean="0">
-                <a:solidFill>
-                  <a:schemeClr val="bg2">
-                    <a:lumMod val="50000"/>
-                    <a:lumOff val="50000"/>
-                  </a:schemeClr>
-                </a:solidFill>
-                <a:latin typeface="Gulim" panose="020B0600000101010101" pitchFamily="34" charset="-127"/>
-                <a:ea typeface="Gulim" panose="020B0600000101010101" pitchFamily="34" charset="-127"/>
-              </a:rPr>
-              <a:t>Desclouds</a:t>
-            </a:r>
-            <a:r>
-              <a:rPr lang="fr-CH" sz="1500" dirty="0" smtClean="0">
-                <a:solidFill>
-                  <a:schemeClr val="bg2">
-                    <a:lumMod val="50000"/>
-                    <a:lumOff val="50000"/>
-                  </a:schemeClr>
-                </a:solidFill>
-                <a:latin typeface="Gulim" panose="020B0600000101010101" pitchFamily="34" charset="-127"/>
-                <a:ea typeface="Gulim" panose="020B0600000101010101" pitchFamily="34" charset="-127"/>
-              </a:rPr>
-              <a:t>, </a:t>
-            </a:r>
-            <a:r>
-              <a:rPr lang="fr-CH" sz="1500" dirty="0" err="1" smtClean="0">
-                <a:solidFill>
-                  <a:schemeClr val="bg2">
-                    <a:lumMod val="50000"/>
-                    <a:lumOff val="50000"/>
-                  </a:schemeClr>
-                </a:solidFill>
-                <a:latin typeface="Gulim" panose="020B0600000101010101" pitchFamily="34" charset="-127"/>
-                <a:ea typeface="Gulim" panose="020B0600000101010101" pitchFamily="34" charset="-127"/>
-              </a:rPr>
-              <a:t>A.Hug</a:t>
-            </a:r>
-            <a:r>
-              <a:rPr lang="fr-CH" sz="1500" dirty="0" smtClean="0">
-                <a:solidFill>
-                  <a:schemeClr val="bg2">
-                    <a:lumMod val="50000"/>
-                    <a:lumOff val="50000"/>
-                  </a:schemeClr>
-                </a:solidFill>
-                <a:latin typeface="Gulim" panose="020B0600000101010101" pitchFamily="34" charset="-127"/>
-                <a:ea typeface="Gulim" panose="020B0600000101010101" pitchFamily="34" charset="-127"/>
-              </a:rPr>
-              <a:t>, S. </a:t>
-            </a:r>
-            <a:r>
-              <a:rPr lang="fr-CH" sz="1500" dirty="0" err="1" smtClean="0">
-                <a:solidFill>
-                  <a:schemeClr val="bg2">
-                    <a:lumMod val="50000"/>
-                    <a:lumOff val="50000"/>
-                  </a:schemeClr>
-                </a:solidFill>
-                <a:latin typeface="Gulim" panose="020B0600000101010101" pitchFamily="34" charset="-127"/>
-                <a:ea typeface="Gulim" panose="020B0600000101010101" pitchFamily="34" charset="-127"/>
-              </a:rPr>
-              <a:t>Righitto</a:t>
-            </a:r>
-            <a:r>
-              <a:rPr lang="fr-CH" sz="1500" dirty="0" smtClean="0">
-                <a:solidFill>
-                  <a:schemeClr val="bg2">
-                    <a:lumMod val="50000"/>
-                    <a:lumOff val="50000"/>
-                  </a:schemeClr>
-                </a:solidFill>
-                <a:latin typeface="Gulim" panose="020B0600000101010101" pitchFamily="34" charset="-127"/>
-                <a:ea typeface="Gulim" panose="020B0600000101010101" pitchFamily="34" charset="-127"/>
-              </a:rPr>
-              <a:t>, F. </a:t>
-            </a:r>
-            <a:r>
-              <a:rPr lang="fr-CH" sz="1500" dirty="0" err="1" smtClean="0">
-                <a:solidFill>
-                  <a:schemeClr val="bg2">
-                    <a:lumMod val="50000"/>
-                    <a:lumOff val="50000"/>
-                  </a:schemeClr>
-                </a:solidFill>
-                <a:latin typeface="Gulim" panose="020B0600000101010101" pitchFamily="34" charset="-127"/>
-                <a:ea typeface="Gulim" panose="020B0600000101010101" pitchFamily="34" charset="-127"/>
-              </a:rPr>
-              <a:t>Saam</a:t>
-            </a:r>
-            <a:r>
-              <a:rPr lang="fr-CH" sz="1500" dirty="0" smtClean="0">
-                <a:solidFill>
-                  <a:schemeClr val="bg2">
-                    <a:lumMod val="50000"/>
-                    <a:lumOff val="50000"/>
-                  </a:schemeClr>
-                </a:solidFill>
-                <a:latin typeface="Gulim" panose="020B0600000101010101" pitchFamily="34" charset="-127"/>
-                <a:ea typeface="Gulim" panose="020B0600000101010101" pitchFamily="34" charset="-127"/>
-              </a:rPr>
-              <a:t>	</a:t>
-            </a:r>
-            <a:r>
-              <a:rPr lang="fr-CH" sz="1600" dirty="0" smtClean="0">
-                <a:solidFill>
-                  <a:schemeClr val="bg2">
-                    <a:lumMod val="50000"/>
-                    <a:lumOff val="50000"/>
-                  </a:schemeClr>
-                </a:solidFill>
-                <a:latin typeface="Gulim" panose="020B0600000101010101" pitchFamily="34" charset="-127"/>
-                <a:ea typeface="Gulim" panose="020B0600000101010101" pitchFamily="34" charset="-127"/>
-              </a:rPr>
-              <a:t>											</a:t>
-            </a:r>
-            <a:endParaRPr lang="fr-CH" sz="1600" dirty="0">
-              <a:solidFill>
-                <a:schemeClr val="bg2">
-                  <a:lumMod val="50000"/>
-                  <a:lumOff val="50000"/>
-                </a:schemeClr>
-              </a:solidFill>
-              <a:latin typeface="Gulim" panose="020B0600000101010101" pitchFamily="34" charset="-127"/>
-              <a:ea typeface="Gulim" panose="020B0600000101010101" pitchFamily="34" charset="-127"/>
-            </a:endParaRPr>
-          </a:p>
-        </p:txBody>
-      </p:sp>
-    </p:spTree>
-    <p:extLst>
-      <p:ext uri="{BB962C8B-B14F-4D97-AF65-F5344CB8AC3E}">
-        <p14:creationId xmlns:p14="http://schemas.microsoft.com/office/powerpoint/2010/main" val="1449560542"/>
       </p:ext>
     </p:extLst>
   </p:cSld>

--- a/Elisa-3_presentation.pptx
+++ b/Elisa-3_presentation.pptx
@@ -135,7 +135,7 @@
   </p:defaultTextStyle>
   <p:extLst>
     <p:ext uri="{EFAFB233-063F-42B5-8137-9DF3F51BA10A}">
-      <p15:sldGuideLst xmlns:p15="http://schemas.microsoft.com/office/powerpoint/2012/main">
+      <p15:sldGuideLst xmlns="" xmlns:p15="http://schemas.microsoft.com/office/powerpoint/2012/main">
         <p15:guide id="1" orient="horz" pos="2160">
           <p15:clr>
             <a:srgbClr val="A4A3A4"/>
@@ -8711,43 +8711,6 @@
       </p:sp>
       <p:sp>
         <p:nvSpPr>
-          <p:cNvPr id="3" name="Espace réservé du contenu 2"/>
-          <p:cNvSpPr>
-            <a:spLocks noGrp="1"/>
-          </p:cNvSpPr>
-          <p:nvPr>
-            <p:ph idx="1"/>
-          </p:nvPr>
-        </p:nvSpPr>
-        <p:spPr>
-          <a:xfrm>
-            <a:off x="4855633" y="2260737"/>
-            <a:ext cx="6252633" cy="3600313"/>
-          </a:xfrm>
-        </p:spPr>
-        <p:txBody>
-          <a:bodyPr anchor="t" anchorCtr="0"/>
-          <a:lstStyle/>
-          <a:p>
-            <a:pPr marL="0" indent="0">
-              <a:buNone/>
-            </a:pPr>
-            <a:r>
-              <a:rPr lang="fr-CH" dirty="0" smtClean="0">
-                <a:latin typeface="Consolas" panose="020B0609020204030204" pitchFamily="49" charset="0"/>
-                <a:cs typeface="Consolas" panose="020B0609020204030204" pitchFamily="49" charset="0"/>
-              </a:rPr>
-              <a:t>Code ici</a:t>
-            </a:r>
-            <a:endParaRPr lang="fr-CH" dirty="0">
-              <a:latin typeface="Consolas" panose="020B0609020204030204" pitchFamily="49" charset="0"/>
-              <a:cs typeface="Consolas" panose="020B0609020204030204" pitchFamily="49" charset="0"/>
-            </a:endParaRPr>
-          </a:p>
-        </p:txBody>
-      </p:sp>
-      <p:sp>
-        <p:nvSpPr>
           <p:cNvPr id="4" name="Espace réservé du texte 3"/>
           <p:cNvSpPr>
             <a:spLocks noGrp="1"/>
@@ -8767,6 +8730,50 @@
               <a:buFont typeface="Courier New" panose="02070309020205020404" pitchFamily="49" charset="0"/>
               <a:buChar char="o"/>
             </a:pPr>
+            <a:r>
+              <a:rPr lang="fr-CH" sz="1800" dirty="0" smtClean="0"/>
+              <a:t>Reprise de l’ancien code</a:t>
+            </a:r>
+          </a:p>
+          <a:p>
+            <a:pPr marL="285750" indent="-285750">
+              <a:buFont typeface="Courier New" panose="02070309020205020404" pitchFamily="49" charset="0"/>
+              <a:buChar char="o"/>
+            </a:pPr>
+            <a:r>
+              <a:rPr lang="fr-CH" sz="1800" dirty="0" smtClean="0"/>
+              <a:t>Problèmes de fonctionnement</a:t>
+            </a:r>
+          </a:p>
+          <a:p>
+            <a:pPr marL="742950" lvl="1" indent="-285750">
+              <a:buFont typeface="Courier New" panose="02070309020205020404" pitchFamily="49" charset="0"/>
+              <a:buChar char="o"/>
+            </a:pPr>
+            <a:r>
+              <a:rPr lang="fr-CH" sz="1600" dirty="0" smtClean="0"/>
+              <a:t>Nouvelle librairie ?</a:t>
+            </a:r>
+          </a:p>
+          <a:p>
+            <a:pPr marL="285750" indent="-285750">
+              <a:buFont typeface="Courier New" panose="02070309020205020404" pitchFamily="49" charset="0"/>
+              <a:buChar char="o"/>
+            </a:pPr>
+            <a:r>
+              <a:rPr lang="fr-CH" sz="1800" dirty="0" smtClean="0"/>
+              <a:t>Calcul des valeurs blanc et noir</a:t>
+            </a:r>
+          </a:p>
+          <a:p>
+            <a:pPr marL="285750" indent="-285750">
+              <a:buFont typeface="Courier New" panose="02070309020205020404" pitchFamily="49" charset="0"/>
+              <a:buChar char="o"/>
+            </a:pPr>
+            <a:r>
+              <a:rPr lang="fr-CH" sz="1800" dirty="0" smtClean="0"/>
+              <a:t>Repositionnement du robot (aimantation)</a:t>
+            </a:r>
             <a:endParaRPr lang="fr-CH" sz="1800" dirty="0"/>
           </a:p>
         </p:txBody>
@@ -9180,6 +9187,81 @@
           </a:p>
         </p:txBody>
       </p:sp>
+      <p:sp>
+        <p:nvSpPr>
+          <p:cNvPr id="7" name="Espace réservé du contenu 6"/>
+          <p:cNvSpPr>
+            <a:spLocks noGrp="1"/>
+          </p:cNvSpPr>
+          <p:nvPr>
+            <p:ph idx="1"/>
+          </p:nvPr>
+        </p:nvSpPr>
+        <p:spPr/>
+        <p:txBody>
+          <a:bodyPr/>
+          <a:lstStyle/>
+          <a:p>
+            <a:endParaRPr lang="fr-CH"/>
+          </a:p>
+        </p:txBody>
+      </p:sp>
+      <p:pic>
+        <p:nvPicPr>
+          <p:cNvPr id="1028" name="Picture 4" descr="C:\Users\Zak\Desktop\Capture.PNG"/>
+          <p:cNvPicPr>
+            <a:picLocks noChangeAspect="1" noChangeArrowheads="1"/>
+          </p:cNvPicPr>
+          <p:nvPr/>
+        </p:nvPicPr>
+        <p:blipFill>
+          <a:blip r:embed="rId4">
+            <a:extLst>
+              <a:ext uri="{28A0092B-C50C-407E-A947-70E740481C1C}">
+                <a14:useLocalDpi xmlns:a14="http://schemas.microsoft.com/office/drawing/2010/main" val="0"/>
+              </a:ext>
+            </a:extLst>
+          </a:blip>
+          <a:srcRect/>
+          <a:stretch>
+            <a:fillRect/>
+          </a:stretch>
+        </p:blipFill>
+        <p:spPr bwMode="auto">
+          <a:xfrm>
+            <a:off x="5381298" y="1241858"/>
+            <a:ext cx="5031755" cy="3603519"/>
+          </a:xfrm>
+          <a:prstGeom prst="round2DiagRect">
+            <a:avLst>
+              <a:gd name="adj1" fmla="val 16667"/>
+              <a:gd name="adj2" fmla="val 0"/>
+            </a:avLst>
+          </a:prstGeom>
+          <a:ln w="88900" cap="sq">
+            <a:solidFill>
+              <a:srgbClr val="FFFFFF"/>
+            </a:solidFill>
+            <a:miter lim="800000"/>
+          </a:ln>
+          <a:effectLst>
+            <a:outerShdw blurRad="254000" algn="tl" rotWithShape="0">
+              <a:srgbClr val="000000">
+                <a:alpha val="43000"/>
+              </a:srgbClr>
+            </a:outerShdw>
+          </a:effectLst>
+          <a:extLst>
+            <a:ext uri="{909E8E84-426E-40DD-AFC4-6F175D3DCCD1}">
+              <a14:hiddenFill xmlns:a14="http://schemas.microsoft.com/office/drawing/2010/main">
+                <a:solidFill>
+                  <a:srgbClr val="FFFFFF"/>
+                </a:solidFill>
+              </a14:hiddenFill>
+            </a:ext>
+          </a:extLst>
+        </p:spPr>
+      </p:pic>
     </p:spTree>
     <p:extLst>
       <p:ext uri="{BB962C8B-B14F-4D97-AF65-F5344CB8AC3E}">
@@ -9293,6 +9375,35 @@
             </a:pPr>
             <a:r>
               <a:rPr lang="fr-CH" sz="1800" dirty="0" smtClean="0"/>
+              <a:t>Lignes normales </a:t>
+            </a:r>
+            <a:r>
+              <a:rPr lang="fr-CH" sz="1800" dirty="0" smtClean="0">
+                <a:sym typeface="Wingdings" panose="05000000000000000000" pitchFamily="2" charset="2"/>
+              </a:rPr>
+              <a:t> lignes floutées</a:t>
+            </a:r>
+          </a:p>
+          <a:p>
+            <a:pPr marL="285750" indent="-285750">
+              <a:buFont typeface="Courier New" panose="02070309020205020404" pitchFamily="49" charset="0"/>
+              <a:buChar char="o"/>
+            </a:pPr>
+            <a:r>
+              <a:rPr lang="fr-CH" sz="1800" dirty="0" smtClean="0">
+                <a:sym typeface="Wingdings" panose="05000000000000000000" pitchFamily="2" charset="2"/>
+              </a:rPr>
+              <a:t>Injecte la différence des senseurs dans la vitesse</a:t>
+            </a:r>
+            <a:endParaRPr lang="fr-CH" sz="1800" dirty="0" smtClean="0"/>
+          </a:p>
+          <a:p>
+            <a:pPr marL="285750" indent="-285750">
+              <a:buFont typeface="Courier New" panose="02070309020205020404" pitchFamily="49" charset="0"/>
+              <a:buChar char="o"/>
+            </a:pPr>
+            <a:r>
+              <a:rPr lang="fr-CH" sz="1800" dirty="0" smtClean="0"/>
               <a:t>Idée et code de l’assistant </a:t>
             </a:r>
             <a:r>
@@ -9770,6 +9881,60 @@
           </a:p>
         </p:txBody>
       </p:sp>
+      <p:pic>
+        <p:nvPicPr>
+          <p:cNvPr id="2051" name="Picture 3" descr="C:\Users\Zak\Desktop\Capture2.PNG"/>
+          <p:cNvPicPr>
+            <a:picLocks noChangeAspect="1" noChangeArrowheads="1"/>
+          </p:cNvPicPr>
+          <p:nvPr/>
+        </p:nvPicPr>
+        <p:blipFill rotWithShape="1">
+          <a:blip r:embed="rId4">
+            <a:extLst>
+              <a:ext uri="{28A0092B-C50C-407E-A947-70E740481C1C}">
+                <a14:useLocalDpi xmlns:a14="http://schemas.microsoft.com/office/drawing/2010/main" val="0"/>
+              </a:ext>
+            </a:extLst>
+          </a:blip>
+          <a:srcRect l="289"/>
+          <a:stretch/>
+        </p:blipFill>
+        <p:spPr bwMode="auto">
+          <a:xfrm>
+            <a:off x="4759960" y="845169"/>
+            <a:ext cx="6308044" cy="4888127"/>
+          </a:xfrm>
+          <a:prstGeom prst="round2DiagRect">
+            <a:avLst>
+              <a:gd name="adj1" fmla="val 16667"/>
+              <a:gd name="adj2" fmla="val 0"/>
+            </a:avLst>
+          </a:prstGeom>
+          <a:ln w="88900" cap="sq">
+            <a:solidFill>
+              <a:srgbClr val="FFFFFF"/>
+            </a:solidFill>
+            <a:miter lim="800000"/>
+          </a:ln>
+          <a:effectLst>
+            <a:outerShdw blurRad="254000" algn="tl" rotWithShape="0">
+              <a:srgbClr val="000000">
+                <a:alpha val="43000"/>
+              </a:srgbClr>
+            </a:outerShdw>
+          </a:effectLst>
+          <a:extLst>
+            <a:ext uri="{909E8E84-426E-40DD-AFC4-6F175D3DCCD1}">
+              <a14:hiddenFill xmlns:a14="http://schemas.microsoft.com/office/drawing/2010/main">
+                <a:solidFill>
+                  <a:srgbClr val="FFFFFF"/>
+                </a:solidFill>
+              </a14:hiddenFill>
+            </a:ext>
+          </a:extLst>
+        </p:spPr>
+      </p:pic>
     </p:spTree>
     <p:extLst>
       <p:ext uri="{BB962C8B-B14F-4D97-AF65-F5344CB8AC3E}">
@@ -16640,8 +16805,8 @@
               <a:t> </a:t>
             </a:r>
             <a:r>
-              <a:rPr lang="fr-CH" dirty="0" err="1"/>
-              <a:t>Touchrotation</a:t>
+              <a:rPr lang="fr-CH" dirty="0" err="1" smtClean="0"/>
+              <a:t>TouchRotation</a:t>
             </a:r>
             <a:endParaRPr lang="fr-CH" dirty="0"/>
           </a:p>
@@ -16662,6 +16827,51 @@
           <a:bodyPr/>
           <a:lstStyle/>
           <a:p>
+            <a:r>
+              <a:rPr lang="fr-CH" dirty="0" smtClean="0"/>
+              <a:t>Démarrage du spectacle</a:t>
+            </a:r>
+          </a:p>
+          <a:p>
+            <a:pPr lvl="1"/>
+            <a:r>
+              <a:rPr lang="fr-CH" dirty="0" smtClean="0"/>
+              <a:t>Un visiteur passe la main sur un détecteur</a:t>
+            </a:r>
+          </a:p>
+          <a:p>
+            <a:r>
+              <a:rPr lang="fr-CH" dirty="0" smtClean="0"/>
+              <a:t>Code C</a:t>
+            </a:r>
+          </a:p>
+          <a:p>
+            <a:pPr lvl="1"/>
+            <a:r>
+              <a:rPr lang="fr-CH" dirty="0" smtClean="0"/>
+              <a:t>Permet de mettre les robots en bleus et un en rouge</a:t>
+            </a:r>
+          </a:p>
+          <a:p>
+            <a:r>
+              <a:rPr lang="fr-CH" dirty="0" smtClean="0"/>
+              <a:t>Python</a:t>
+            </a:r>
+          </a:p>
+          <a:p>
+            <a:pPr lvl="1"/>
+            <a:r>
+              <a:rPr lang="fr-CH" dirty="0" smtClean="0"/>
+              <a:t>Appelle le code C quand un mouvement est repéré par l’interface </a:t>
+            </a:r>
+            <a:r>
+              <a:rPr lang="fr-CH" dirty="0" err="1" smtClean="0"/>
+              <a:t>TouchRotation</a:t>
+            </a:r>
+            <a:r>
+              <a:rPr lang="fr-CH" dirty="0" smtClean="0"/>
+              <a:t> 1016</a:t>
+            </a:r>
             <a:endParaRPr lang="fr-CH" dirty="0" smtClean="0"/>
           </a:p>
         </p:txBody>
@@ -20496,22 +20706,14 @@
             <a:pPr lvl="1"/>
             <a:r>
               <a:rPr lang="fr-CH" dirty="0" smtClean="0"/>
-              <a:t>La </a:t>
-            </a:r>
+              <a:t>La proximité avec d’autres robots</a:t>
+            </a:r>
+          </a:p>
+          <a:p>
+            <a:pPr lvl="1"/>
             <a:r>
               <a:rPr lang="fr-CH" dirty="0" smtClean="0"/>
-              <a:t>proximité avec d’autres robots</a:t>
-            </a:r>
-          </a:p>
-          <a:p>
-            <a:pPr lvl="1"/>
-            <a:r>
-              <a:rPr lang="fr-CH" dirty="0" smtClean="0"/>
-              <a:t>Son </a:t>
-            </a:r>
-            <a:r>
-              <a:rPr lang="fr-CH" dirty="0" smtClean="0"/>
-              <a:t>propre niveau de batterie</a:t>
+              <a:t>Son propre niveau de batterie</a:t>
             </a:r>
           </a:p>
           <a:p>
@@ -22886,7 +23088,7 @@
   <a:extraClrSchemeLst/>
   <a:extLst>
     <a:ext uri="{05A4C25C-085E-4340-85A3-A5531E510DB2}">
-      <thm15:themeFamily xmlns:thm15="http://schemas.microsoft.com/office/thememl/2012/main" name="Quotable" id="{39EC5628-30ED-4578-ACD8-9820EDB8E15A}" vid="{6F3559E9-1A4C-49D8-94D4-F41003531C49}"/>
+      <thm15:themeFamily xmlns="" xmlns:thm15="http://schemas.microsoft.com/office/thememl/2012/main" name="Quotable" id="{39EC5628-30ED-4578-ACD8-9820EDB8E15A}" vid="{6F3559E9-1A4C-49D8-94D4-F41003531C49}"/>
     </a:ext>
   </a:extLst>
 </a:theme>
@@ -23147,7 +23349,7 @@
   <a:extraClrSchemeLst/>
   <a:extLst>
     <a:ext uri="{05A4C25C-085E-4340-85A3-A5531E510DB2}">
-      <thm15:themeFamily xmlns:thm15="http://schemas.microsoft.com/office/thememl/2012/main" name="Office Theme" id="{62F939B6-93AF-4DB8-9C6B-D6C7DFDC589F}" vid="{4A3C46E8-61CC-4603-A589-7422A47A8E4A}"/>
+      <thm15:themeFamily xmlns="" xmlns:thm15="http://schemas.microsoft.com/office/thememl/2012/main" name="Office Theme" id="{62F939B6-93AF-4DB8-9C6B-D6C7DFDC589F}" vid="{4A3C46E8-61CC-4603-A589-7422A47A8E4A}"/>
     </a:ext>
   </a:extLst>
 </a:theme>

--- a/Elisa-3_presentation.pptx
+++ b/Elisa-3_presentation.pptx
@@ -135,7 +135,7 @@
   </p:defaultTextStyle>
   <p:extLst>
     <p:ext uri="{EFAFB233-063F-42B5-8137-9DF3F51BA10A}">
-      <p15:sldGuideLst xmlns="" xmlns:p15="http://schemas.microsoft.com/office/powerpoint/2012/main">
+      <p15:sldGuideLst xmlns:p15="http://schemas.microsoft.com/office/powerpoint/2012/main">
         <p15:guide id="1" orient="horz" pos="2160">
           <p15:clr>
             <a:srgbClr val="A4A3A4"/>
@@ -234,7 +234,7 @@
           <a:p>
             <a:fld id="{1BA5EFF8-06A0-4227-9914-FD8EBA711F63}" type="datetimeFigureOut">
               <a:rPr lang="fr-CH" smtClean="0"/>
-              <a:t>14.06.2015</a:t>
+              <a:t>15.06.2015</a:t>
             </a:fld>
             <a:endParaRPr lang="fr-CH"/>
           </a:p>
@@ -2909,7 +2909,7 @@
             <a:fld id="{08B9EBBA-996F-894A-B54A-D6246ED52CEA}" type="datetimeFigureOut">
               <a:rPr lang="en-US" smtClean="0"/>
               <a:pPr/>
-              <a:t>6/14/2015</a:t>
+              <a:t>6/15/2015</a:t>
             </a:fld>
             <a:endParaRPr lang="en-US" dirty="0"/>
           </a:p>
@@ -3357,7 +3357,7 @@
             <a:fld id="{18C79C5D-2A6F-F04D-97DA-BEF2467B64E4}" type="datetimeFigureOut">
               <a:rPr lang="en-US" smtClean="0"/>
               <a:pPr/>
-              <a:t>6/14/2015</a:t>
+              <a:t>6/15/2015</a:t>
             </a:fld>
             <a:endParaRPr lang="en-US" dirty="0"/>
           </a:p>
@@ -3847,7 +3847,7 @@
             <a:fld id="{8DFA1846-DA80-1C48-A609-854EA85C59AD}" type="datetimeFigureOut">
               <a:rPr lang="en-US" smtClean="0"/>
               <a:pPr/>
-              <a:t>6/14/2015</a:t>
+              <a:t>6/15/2015</a:t>
             </a:fld>
             <a:endParaRPr lang="en-US" dirty="0"/>
           </a:p>
@@ -4218,7 +4218,7 @@
             <a:fld id="{FBF54567-0DE4-3F47-BF90-CB84690072F9}" type="datetimeFigureOut">
               <a:rPr lang="en-US" smtClean="0"/>
               <a:pPr/>
-              <a:t>6/14/2015</a:t>
+              <a:t>6/15/2015</a:t>
             </a:fld>
             <a:endParaRPr lang="en-US" dirty="0"/>
           </a:p>
@@ -4493,7 +4493,7 @@
             <a:fld id="{C6C52C72-DE31-F449-A4ED-4C594FD91407}" type="datetimeFigureOut">
               <a:rPr lang="en-US" smtClean="0"/>
               <a:pPr/>
-              <a:t>6/14/2015</a:t>
+              <a:t>6/15/2015</a:t>
             </a:fld>
             <a:endParaRPr lang="en-US" dirty="0"/>
           </a:p>
@@ -4780,7 +4780,7 @@
             <a:fld id="{ED62726E-379B-B349-9EED-81ED093FA806}" type="datetimeFigureOut">
               <a:rPr lang="en-US" smtClean="0"/>
               <a:pPr/>
-              <a:t>6/14/2015</a:t>
+              <a:t>6/15/2015</a:t>
             </a:fld>
             <a:endParaRPr lang="en-US" dirty="0"/>
           </a:p>
@@ -5072,7 +5072,7 @@
             <a:fld id="{9B3A1323-8D79-1946-B0D7-40001CF92E9D}" type="datetimeFigureOut">
               <a:rPr lang="en-US" smtClean="0"/>
               <a:pPr/>
-              <a:t>6/14/2015</a:t>
+              <a:t>6/15/2015</a:t>
             </a:fld>
             <a:endParaRPr lang="en-US" dirty="0"/>
           </a:p>
@@ -5544,7 +5544,7 @@
             <a:fld id="{8DFA1846-DA80-1C48-A609-854EA85C59AD}" type="datetimeFigureOut">
               <a:rPr lang="en-US" smtClean="0"/>
               <a:pPr/>
-              <a:t>6/14/2015</a:t>
+              <a:t>6/15/2015</a:t>
             </a:fld>
             <a:endParaRPr lang="en-US" dirty="0"/>
           </a:p>
@@ -5892,7 +5892,7 @@
             <a:fld id="{57302355-E14B-8545-A8F8-0FE83CC9D524}" type="datetimeFigureOut">
               <a:rPr lang="en-US" smtClean="0"/>
               <a:pPr/>
-              <a:t>6/14/2015</a:t>
+              <a:t>6/15/2015</a:t>
             </a:fld>
             <a:endParaRPr lang="en-US" dirty="0"/>
           </a:p>
@@ -6371,7 +6371,7 @@
             <a:fld id="{02640F58-564D-2B4F-AE67-E407BA4FCF45}" type="datetimeFigureOut">
               <a:rPr lang="en-US" smtClean="0"/>
               <a:pPr/>
-              <a:t>6/14/2015</a:t>
+              <a:t>6/15/2015</a:t>
             </a:fld>
             <a:endParaRPr lang="en-US" dirty="0"/>
           </a:p>
@@ -6594,7 +6594,7 @@
             <a:fld id="{F13A34C8-038E-2045-AF43-DF7DBB8E0E9E}" type="datetimeFigureOut">
               <a:rPr lang="en-US" smtClean="0"/>
               <a:pPr/>
-              <a:t>6/14/2015</a:t>
+              <a:t>6/15/2015</a:t>
             </a:fld>
             <a:endParaRPr lang="en-US" dirty="0"/>
           </a:p>
@@ -6691,7 +6691,7 @@
             <a:fld id="{8818C68F-D26B-8F47-958C-23B49CF8A634}" type="datetimeFigureOut">
               <a:rPr lang="en-US" smtClean="0"/>
               <a:pPr/>
-              <a:t>6/14/2015</a:t>
+              <a:t>6/15/2015</a:t>
             </a:fld>
             <a:endParaRPr lang="en-US" dirty="0"/>
           </a:p>
@@ -7451,7 +7451,7 @@
             <a:fld id="{18C79C5D-2A6F-F04D-97DA-BEF2467B64E4}" type="datetimeFigureOut">
               <a:rPr lang="en-US" smtClean="0"/>
               <a:pPr/>
-              <a:t>6/14/2015</a:t>
+              <a:t>6/15/2015</a:t>
             </a:fld>
             <a:endParaRPr lang="en-US" dirty="0"/>
           </a:p>
@@ -7723,7 +7723,7 @@
             <a:fld id="{09B482E8-6E0E-1B4F-B1FD-C69DB9E858D9}" type="datetimeFigureOut">
               <a:rPr lang="en-US" smtClean="0"/>
               <a:pPr/>
-              <a:t>6/14/2015</a:t>
+              <a:t>6/15/2015</a:t>
             </a:fld>
             <a:endParaRPr lang="en-US" dirty="0"/>
           </a:p>
@@ -14517,13 +14517,11 @@
           <a:p>
             <a:r>
               <a:rPr lang="fr-CH" dirty="0" smtClean="0"/>
-              <a:t>Démonstration</a:t>
-            </a:r>
-          </a:p>
-          <a:p>
+              <a:t>Difficultés </a:t>
+            </a:r>
             <a:r>
               <a:rPr lang="fr-CH" dirty="0" smtClean="0"/>
-              <a:t>Difficultés rencontrées</a:t>
+              <a:t>rencontrées</a:t>
             </a:r>
           </a:p>
           <a:p>
@@ -16789,26 +16787,34 @@
           <a:lstStyle/>
           <a:p>
             <a:r>
-              <a:rPr lang="fr-CH" dirty="0" err="1"/>
-              <a:t>Raspberry</a:t>
-            </a:r>
-            <a:r>
-              <a:rPr lang="fr-CH" dirty="0"/>
-              <a:t> Pi et </a:t>
-            </a:r>
-            <a:r>
-              <a:rPr lang="fr-CH" dirty="0" err="1" smtClean="0"/>
+              <a:rPr lang="fr-CH" sz="4000" dirty="0" err="1" smtClean="0"/>
+              <a:t>Rapsberry</a:t>
+            </a:r>
+            <a:r>
+              <a:rPr lang="fr-CH" sz="4000" dirty="0" smtClean="0"/>
+              <a:t> </a:t>
+            </a:r>
+            <a:r>
+              <a:rPr lang="fr-CH" sz="4000" dirty="0"/>
+              <a:t>Pi et </a:t>
+            </a:r>
+            <a:r>
+              <a:rPr lang="fr-CH" sz="4000" dirty="0" err="1" smtClean="0"/>
               <a:t>Phidget</a:t>
             </a:r>
             <a:r>
-              <a:rPr lang="fr-CH" dirty="0" smtClean="0"/>
+              <a:rPr lang="fr-CH" sz="4000" dirty="0" smtClean="0"/>
               <a:t> </a:t>
             </a:r>
             <a:r>
-              <a:rPr lang="fr-CH" dirty="0" err="1" smtClean="0"/>
+              <a:rPr lang="fr-CH" sz="4000" dirty="0" err="1" smtClean="0"/>
               <a:t>TouchRotation</a:t>
             </a:r>
-            <a:endParaRPr lang="fr-CH" dirty="0"/>
+            <a:r>
+              <a:rPr lang="fr-CH" sz="4000" dirty="0" smtClean="0"/>
+              <a:t> 1016</a:t>
+            </a:r>
+            <a:endParaRPr lang="fr-CH" sz="4000" dirty="0"/>
           </a:p>
         </p:txBody>
       </p:sp>
@@ -16849,7 +16855,15 @@
             <a:pPr lvl="1"/>
             <a:r>
               <a:rPr lang="fr-CH" dirty="0" smtClean="0"/>
-              <a:t>Permet de mettre les robots en bleus et un en rouge</a:t>
+              <a:t>Permet de mettre les robots en </a:t>
+            </a:r>
+            <a:r>
+              <a:rPr lang="fr-CH" dirty="0" smtClean="0"/>
+              <a:t>bleu </a:t>
+            </a:r>
+            <a:r>
+              <a:rPr lang="fr-CH" dirty="0" smtClean="0"/>
+              <a:t>et un en rouge</a:t>
             </a:r>
           </a:p>
           <a:p>
@@ -16867,10 +16881,6 @@
             <a:r>
               <a:rPr lang="fr-CH" dirty="0" err="1" smtClean="0"/>
               <a:t>TouchRotation</a:t>
-            </a:r>
-            <a:r>
-              <a:rPr lang="fr-CH" dirty="0" smtClean="0"/>
-              <a:t> 1016</a:t>
             </a:r>
             <a:endParaRPr lang="fr-CH" dirty="0" smtClean="0"/>
           </a:p>
@@ -18508,36 +18518,6 @@
           </a:p>
         </p:txBody>
       </p:sp>
-      <p:pic>
-        <p:nvPicPr>
-          <p:cNvPr id="3" name="Image 2"/>
-          <p:cNvPicPr>
-            <a:picLocks noChangeAspect="1"/>
-          </p:cNvPicPr>
-          <p:nvPr/>
-        </p:nvPicPr>
-        <p:blipFill>
-          <a:blip r:embed="rId2">
-            <a:extLst>
-              <a:ext uri="{28A0092B-C50C-407E-A947-70E740481C1C}">
-                <a14:useLocalDpi xmlns:a14="http://schemas.microsoft.com/office/drawing/2010/main" val="0"/>
-              </a:ext>
-            </a:extLst>
-          </a:blip>
-          <a:stretch>
-            <a:fillRect/>
-          </a:stretch>
-        </p:blipFill>
-        <p:spPr>
-          <a:xfrm>
-            <a:off x="11209408" y="2292641"/>
-            <a:ext cx="501676" cy="1041454"/>
-          </a:xfrm>
-          <a:prstGeom prst="rect">
-            <a:avLst/>
-          </a:prstGeom>
-        </p:spPr>
-      </p:pic>
       <p:sp>
         <p:nvSpPr>
           <p:cNvPr id="6" name="Sous-titre 2"/>
@@ -18781,6 +18761,36 @@
           </a:p>
         </p:txBody>
       </p:sp>
+      <p:pic>
+        <p:nvPicPr>
+          <p:cNvPr id="5" name="Image 4"/>
+          <p:cNvPicPr>
+            <a:picLocks noChangeAspect="1"/>
+          </p:cNvPicPr>
+          <p:nvPr/>
+        </p:nvPicPr>
+        <p:blipFill>
+          <a:blip r:embed="rId2">
+            <a:extLst>
+              <a:ext uri="{28A0092B-C50C-407E-A947-70E740481C1C}">
+                <a14:useLocalDpi xmlns:a14="http://schemas.microsoft.com/office/drawing/2010/main" val="0"/>
+              </a:ext>
+            </a:extLst>
+          </a:blip>
+          <a:stretch>
+            <a:fillRect/>
+          </a:stretch>
+        </p:blipFill>
+        <p:spPr>
+          <a:xfrm>
+            <a:off x="11209408" y="2354284"/>
+            <a:ext cx="501676" cy="1041454"/>
+          </a:xfrm>
+          <a:prstGeom prst="rect">
+            <a:avLst/>
+          </a:prstGeom>
+        </p:spPr>
+      </p:pic>
     </p:spTree>
     <p:extLst>
       <p:ext uri="{BB962C8B-B14F-4D97-AF65-F5344CB8AC3E}">
@@ -20693,12 +20703,16 @@
               <a:t>L’antenne commandée par le </a:t>
             </a:r>
             <a:r>
-              <a:rPr lang="fr-CH" dirty="0" err="1"/>
-              <a:t>Raspberry</a:t>
+              <a:rPr lang="fr-CH" dirty="0" err="1" smtClean="0"/>
+              <a:t>Rapsberry</a:t>
+            </a:r>
+            <a:r>
+              <a:rPr lang="fr-CH" dirty="0" smtClean="0"/>
+              <a:t> </a:t>
             </a:r>
             <a:r>
               <a:rPr lang="fr-CH" dirty="0"/>
-              <a:t> Pi </a:t>
+              <a:t>Pi </a:t>
             </a:r>
             <a:endParaRPr lang="fr-CH" dirty="0" smtClean="0"/>
           </a:p>
@@ -23088,7 +23102,7 @@
   <a:extraClrSchemeLst/>
   <a:extLst>
     <a:ext uri="{05A4C25C-085E-4340-85A3-A5531E510DB2}">
-      <thm15:themeFamily xmlns="" xmlns:thm15="http://schemas.microsoft.com/office/thememl/2012/main" name="Quotable" id="{39EC5628-30ED-4578-ACD8-9820EDB8E15A}" vid="{6F3559E9-1A4C-49D8-94D4-F41003531C49}"/>
+      <thm15:themeFamily xmlns:thm15="http://schemas.microsoft.com/office/thememl/2012/main" name="Quotable" id="{39EC5628-30ED-4578-ACD8-9820EDB8E15A}" vid="{6F3559E9-1A4C-49D8-94D4-F41003531C49}"/>
     </a:ext>
   </a:extLst>
 </a:theme>
@@ -23349,7 +23363,7 @@
   <a:extraClrSchemeLst/>
   <a:extLst>
     <a:ext uri="{05A4C25C-085E-4340-85A3-A5531E510DB2}">
-      <thm15:themeFamily xmlns="" xmlns:thm15="http://schemas.microsoft.com/office/thememl/2012/main" name="Office Theme" id="{62F939B6-93AF-4DB8-9C6B-D6C7DFDC589F}" vid="{4A3C46E8-61CC-4603-A589-7422A47A8E4A}"/>
+      <thm15:themeFamily xmlns:thm15="http://schemas.microsoft.com/office/thememl/2012/main" name="Office Theme" id="{62F939B6-93AF-4DB8-9C6B-D6C7DFDC589F}" vid="{4A3C46E8-61CC-4603-A589-7422A47A8E4A}"/>
     </a:ext>
   </a:extLst>
 </a:theme>
